--- a/TCP:IP 网络编程.pptx
+++ b/TCP:IP 网络编程.pptx
@@ -9,7 +9,17 @@
     <p:sldId id="257" r:id="rId3"/>
     <p:sldId id="258" r:id="rId4"/>
     <p:sldId id="259" r:id="rId5"/>
-    <p:sldId id="260" r:id="rId6"/>
+    <p:sldId id="267" r:id="rId6"/>
+    <p:sldId id="260" r:id="rId7"/>
+    <p:sldId id="261" r:id="rId8"/>
+    <p:sldId id="262" r:id="rId9"/>
+    <p:sldId id="268" r:id="rId10"/>
+    <p:sldId id="269" r:id="rId11"/>
+    <p:sldId id="270" r:id="rId12"/>
+    <p:sldId id="263" r:id="rId13"/>
+    <p:sldId id="264" r:id="rId14"/>
+    <p:sldId id="265" r:id="rId15"/>
+    <p:sldId id="266" r:id="rId16"/>
   </p:sldIdLst>
   <p:sldSz cx="12192000" cy="6858000"/>
   <p:notesSz cx="6858000" cy="9144000"/>
@@ -3028,6 +3038,909 @@
 </p:sld>
 </file>
 
+<file path=ppt/slides/slide10.xml><?xml version="1.0" encoding="utf-8"?>
+<p:sld xmlns:a="http://schemas.openxmlformats.org/drawingml/2006/main" xmlns:r="http://schemas.openxmlformats.org/officeDocument/2006/relationships" xmlns:p="http://schemas.openxmlformats.org/presentationml/2006/main">
+  <p:cSld>
+    <p:spTree>
+      <p:nvGrpSpPr>
+        <p:cNvPr id="1" name=""/>
+        <p:cNvGrpSpPr/>
+        <p:nvPr/>
+      </p:nvGrpSpPr>
+      <p:grpSpPr>
+        <a:xfrm>
+          <a:off x="0" y="0"/>
+          <a:ext cx="0" cy="0"/>
+          <a:chOff x="0" y="0"/>
+          <a:chExt cx="0" cy="0"/>
+        </a:xfrm>
+      </p:grpSpPr>
+      <p:sp>
+        <p:nvSpPr>
+          <p:cNvPr id="2" name="文本框 1">
+            <a:extLst>
+              <a:ext uri="{FF2B5EF4-FFF2-40B4-BE49-F238E27FC236}">
+                <a16:creationId xmlns:a16="http://schemas.microsoft.com/office/drawing/2014/main" id="{EE003F37-D0BF-A842-9EDD-590F8A1FE96B}"/>
+              </a:ext>
+            </a:extLst>
+          </p:cNvPr>
+          <p:cNvSpPr txBox="1"/>
+          <p:nvPr/>
+        </p:nvSpPr>
+        <p:spPr>
+          <a:xfrm>
+            <a:off x="953311" y="437745"/>
+            <a:ext cx="184731" cy="369332"/>
+          </a:xfrm>
+          <a:prstGeom prst="rect">
+            <a:avLst/>
+          </a:prstGeom>
+          <a:noFill/>
+        </p:spPr>
+        <p:txBody>
+          <a:bodyPr wrap="none" rtlCol="0">
+            <a:spAutoFit/>
+          </a:bodyPr>
+          <a:lstStyle/>
+          <a:p>
+            <a:endParaRPr kumimoji="1" lang="zh-CN" altLang="en-US" dirty="0"/>
+          </a:p>
+        </p:txBody>
+      </p:sp>
+    </p:spTree>
+    <p:extLst>
+      <p:ext uri="{BB962C8B-B14F-4D97-AF65-F5344CB8AC3E}">
+        <p14:creationId xmlns:p14="http://schemas.microsoft.com/office/powerpoint/2010/main" val="3843676588"/>
+      </p:ext>
+    </p:extLst>
+  </p:cSld>
+  <p:clrMapOvr>
+    <a:masterClrMapping/>
+  </p:clrMapOvr>
+</p:sld>
+</file>
+
+<file path=ppt/slides/slide11.xml><?xml version="1.0" encoding="utf-8"?>
+<p:sld xmlns:a="http://schemas.openxmlformats.org/drawingml/2006/main" xmlns:r="http://schemas.openxmlformats.org/officeDocument/2006/relationships" xmlns:p="http://schemas.openxmlformats.org/presentationml/2006/main">
+  <p:cSld>
+    <p:spTree>
+      <p:nvGrpSpPr>
+        <p:cNvPr id="1" name=""/>
+        <p:cNvGrpSpPr/>
+        <p:nvPr/>
+      </p:nvGrpSpPr>
+      <p:grpSpPr>
+        <a:xfrm>
+          <a:off x="0" y="0"/>
+          <a:ext cx="0" cy="0"/>
+          <a:chOff x="0" y="0"/>
+          <a:chExt cx="0" cy="0"/>
+        </a:xfrm>
+      </p:grpSpPr>
+      <p:sp>
+        <p:nvSpPr>
+          <p:cNvPr id="2" name="文本框 1">
+            <a:extLst>
+              <a:ext uri="{FF2B5EF4-FFF2-40B4-BE49-F238E27FC236}">
+                <a16:creationId xmlns:a16="http://schemas.microsoft.com/office/drawing/2014/main" id="{EE003F37-D0BF-A842-9EDD-590F8A1FE96B}"/>
+              </a:ext>
+            </a:extLst>
+          </p:cNvPr>
+          <p:cNvSpPr txBox="1"/>
+          <p:nvPr/>
+        </p:nvSpPr>
+        <p:spPr>
+          <a:xfrm>
+            <a:off x="953311" y="437745"/>
+            <a:ext cx="184731" cy="369332"/>
+          </a:xfrm>
+          <a:prstGeom prst="rect">
+            <a:avLst/>
+          </a:prstGeom>
+          <a:noFill/>
+        </p:spPr>
+        <p:txBody>
+          <a:bodyPr wrap="none" rtlCol="0">
+            <a:spAutoFit/>
+          </a:bodyPr>
+          <a:lstStyle/>
+          <a:p>
+            <a:endParaRPr kumimoji="1" lang="zh-CN" altLang="en-US" dirty="0"/>
+          </a:p>
+        </p:txBody>
+      </p:sp>
+    </p:spTree>
+    <p:extLst>
+      <p:ext uri="{BB962C8B-B14F-4D97-AF65-F5344CB8AC3E}">
+        <p14:creationId xmlns:p14="http://schemas.microsoft.com/office/powerpoint/2010/main" val="279111496"/>
+      </p:ext>
+    </p:extLst>
+  </p:cSld>
+  <p:clrMapOvr>
+    <a:masterClrMapping/>
+  </p:clrMapOvr>
+</p:sld>
+</file>
+
+<file path=ppt/slides/slide12.xml><?xml version="1.0" encoding="utf-8"?>
+<p:sld xmlns:a="http://schemas.openxmlformats.org/drawingml/2006/main" xmlns:r="http://schemas.openxmlformats.org/officeDocument/2006/relationships" xmlns:p="http://schemas.openxmlformats.org/presentationml/2006/main">
+  <p:cSld>
+    <p:spTree>
+      <p:nvGrpSpPr>
+        <p:cNvPr id="1" name=""/>
+        <p:cNvGrpSpPr/>
+        <p:nvPr/>
+      </p:nvGrpSpPr>
+      <p:grpSpPr>
+        <a:xfrm>
+          <a:off x="0" y="0"/>
+          <a:ext cx="0" cy="0"/>
+          <a:chOff x="0" y="0"/>
+          <a:chExt cx="0" cy="0"/>
+        </a:xfrm>
+      </p:grpSpPr>
+      <p:sp>
+        <p:nvSpPr>
+          <p:cNvPr id="2" name="文本框 1">
+            <a:extLst>
+              <a:ext uri="{FF2B5EF4-FFF2-40B4-BE49-F238E27FC236}">
+                <a16:creationId xmlns:a16="http://schemas.microsoft.com/office/drawing/2014/main" id="{EE003F37-D0BF-A842-9EDD-590F8A1FE96B}"/>
+              </a:ext>
+            </a:extLst>
+          </p:cNvPr>
+          <p:cNvSpPr txBox="1"/>
+          <p:nvPr/>
+        </p:nvSpPr>
+        <p:spPr>
+          <a:xfrm>
+            <a:off x="953311" y="437745"/>
+            <a:ext cx="184731" cy="369332"/>
+          </a:xfrm>
+          <a:prstGeom prst="rect">
+            <a:avLst/>
+          </a:prstGeom>
+          <a:noFill/>
+        </p:spPr>
+        <p:txBody>
+          <a:bodyPr wrap="none" rtlCol="0">
+            <a:spAutoFit/>
+          </a:bodyPr>
+          <a:lstStyle/>
+          <a:p>
+            <a:endParaRPr kumimoji="1" lang="zh-CN" altLang="en-US" dirty="0"/>
+          </a:p>
+        </p:txBody>
+      </p:sp>
+      <p:sp>
+        <p:nvSpPr>
+          <p:cNvPr id="3" name="文本框 2">
+            <a:extLst>
+              <a:ext uri="{FF2B5EF4-FFF2-40B4-BE49-F238E27FC236}">
+                <a16:creationId xmlns:a16="http://schemas.microsoft.com/office/drawing/2014/main" id="{D23650CF-30B5-9144-8FB7-D390446FDAAF}"/>
+              </a:ext>
+            </a:extLst>
+          </p:cNvPr>
+          <p:cNvSpPr txBox="1"/>
+          <p:nvPr/>
+        </p:nvSpPr>
+        <p:spPr>
+          <a:xfrm>
+            <a:off x="0" y="0"/>
+            <a:ext cx="885179" cy="523220"/>
+          </a:xfrm>
+          <a:prstGeom prst="rect">
+            <a:avLst/>
+          </a:prstGeom>
+          <a:noFill/>
+        </p:spPr>
+        <p:txBody>
+          <a:bodyPr wrap="none" rtlCol="0">
+            <a:spAutoFit/>
+          </a:bodyPr>
+          <a:lstStyle/>
+          <a:p>
+            <a:r>
+              <a:rPr kumimoji="1" lang="en-US" altLang="zh-CN" sz="2800" dirty="0">
+                <a:latin typeface="Optima" panose="02000503060000020004" pitchFamily="2" charset="0"/>
+                <a:ea typeface="KaiTi" panose="02010609060101010101" pitchFamily="49" charset="-122"/>
+              </a:rPr>
+              <a:t>bind</a:t>
+            </a:r>
+            <a:endParaRPr kumimoji="1" lang="zh-CN" altLang="en-US" sz="2800" dirty="0">
+              <a:latin typeface="Optima" panose="02000503060000020004" pitchFamily="2" charset="0"/>
+              <a:ea typeface="KaiTi" panose="02010609060101010101" pitchFamily="49" charset="-122"/>
+            </a:endParaRPr>
+          </a:p>
+        </p:txBody>
+      </p:sp>
+      <p:sp>
+        <p:nvSpPr>
+          <p:cNvPr id="5" name="文本框 4">
+            <a:extLst>
+              <a:ext uri="{FF2B5EF4-FFF2-40B4-BE49-F238E27FC236}">
+                <a16:creationId xmlns:a16="http://schemas.microsoft.com/office/drawing/2014/main" id="{1650E77E-A396-7946-9837-7367A23594FE}"/>
+              </a:ext>
+            </a:extLst>
+          </p:cNvPr>
+          <p:cNvSpPr txBox="1"/>
+          <p:nvPr/>
+        </p:nvSpPr>
+        <p:spPr>
+          <a:xfrm>
+            <a:off x="1045675" y="807077"/>
+            <a:ext cx="8934904" cy="1938992"/>
+          </a:xfrm>
+          <a:prstGeom prst="rect">
+            <a:avLst/>
+          </a:prstGeom>
+          <a:noFill/>
+        </p:spPr>
+        <p:txBody>
+          <a:bodyPr wrap="square">
+            <a:spAutoFit/>
+          </a:bodyPr>
+          <a:lstStyle/>
+          <a:p>
+            <a:r>
+              <a:rPr lang="en" altLang="zh-CN" sz="2000" b="0" dirty="0">
+                <a:solidFill>
+                  <a:srgbClr val="795E26"/>
+                </a:solidFill>
+                <a:effectLst/>
+                <a:latin typeface="Menlo" panose="020B0609030804020204" pitchFamily="49" charset="0"/>
+              </a:rPr>
+              <a:t>bind</a:t>
+            </a:r>
+            <a:r>
+              <a:rPr lang="en" altLang="zh-CN" sz="2000" b="0" dirty="0">
+                <a:solidFill>
+                  <a:srgbClr val="3B3B3B"/>
+                </a:solidFill>
+                <a:effectLst/>
+                <a:latin typeface="Menlo" panose="020B0609030804020204" pitchFamily="49" charset="0"/>
+              </a:rPr>
+              <a:t>(</a:t>
+            </a:r>
+            <a:r>
+              <a:rPr lang="en" altLang="zh-CN" sz="2000" b="0" dirty="0">
+                <a:solidFill>
+                  <a:srgbClr val="0000FF"/>
+                </a:solidFill>
+                <a:effectLst/>
+                <a:latin typeface="Menlo" panose="020B0609030804020204" pitchFamily="49" charset="0"/>
+              </a:rPr>
+              <a:t>int</a:t>
+            </a:r>
+            <a:r>
+              <a:rPr lang="zh-CN" altLang="en-US" sz="2000" b="0" dirty="0">
+                <a:solidFill>
+                  <a:srgbClr val="0000FF"/>
+                </a:solidFill>
+                <a:effectLst/>
+                <a:latin typeface="Menlo" panose="020B0609030804020204" pitchFamily="49" charset="0"/>
+              </a:rPr>
+              <a:t> </a:t>
+            </a:r>
+            <a:r>
+              <a:rPr lang="en" altLang="zh-CN" sz="2000" b="0" dirty="0">
+                <a:solidFill>
+                  <a:srgbClr val="267F99"/>
+                </a:solidFill>
+                <a:effectLst/>
+                <a:latin typeface="Menlo" panose="020B0609030804020204" pitchFamily="49" charset="0"/>
+              </a:rPr>
+              <a:t>soc</a:t>
+            </a:r>
+            <a:r>
+              <a:rPr lang="en-US" altLang="zh-CN" sz="2000" b="0" dirty="0" err="1">
+                <a:solidFill>
+                  <a:srgbClr val="267F99"/>
+                </a:solidFill>
+                <a:effectLst/>
+                <a:latin typeface="Menlo" panose="020B0609030804020204" pitchFamily="49" charset="0"/>
+              </a:rPr>
+              <a:t>kfd</a:t>
+            </a:r>
+            <a:r>
+              <a:rPr lang="en" altLang="zh-CN" sz="2000" b="0" dirty="0">
+                <a:solidFill>
+                  <a:srgbClr val="3B3B3B"/>
+                </a:solidFill>
+                <a:effectLst/>
+                <a:latin typeface="Menlo" panose="020B0609030804020204" pitchFamily="49" charset="0"/>
+              </a:rPr>
+              <a:t>, </a:t>
+            </a:r>
+            <a:r>
+              <a:rPr lang="en" altLang="zh-CN" sz="2000" b="0" dirty="0">
+                <a:solidFill>
+                  <a:srgbClr val="0000FF"/>
+                </a:solidFill>
+                <a:effectLst/>
+                <a:latin typeface="Menlo" panose="020B0609030804020204" pitchFamily="49" charset="0"/>
+              </a:rPr>
+              <a:t>const</a:t>
+            </a:r>
+            <a:r>
+              <a:rPr lang="en" altLang="zh-CN" sz="2000" b="0" dirty="0">
+                <a:solidFill>
+                  <a:srgbClr val="3B3B3B"/>
+                </a:solidFill>
+                <a:effectLst/>
+                <a:latin typeface="Menlo" panose="020B0609030804020204" pitchFamily="49" charset="0"/>
+              </a:rPr>
+              <a:t> </a:t>
+            </a:r>
+            <a:r>
+              <a:rPr lang="en" altLang="zh-CN" sz="2000" b="0" dirty="0">
+                <a:solidFill>
+                  <a:srgbClr val="0000FF"/>
+                </a:solidFill>
+                <a:effectLst/>
+                <a:latin typeface="Menlo" panose="020B0609030804020204" pitchFamily="49" charset="0"/>
+              </a:rPr>
+              <a:t>struct</a:t>
+            </a:r>
+            <a:r>
+              <a:rPr lang="en" altLang="zh-CN" sz="2000" b="0" dirty="0">
+                <a:solidFill>
+                  <a:srgbClr val="3B3B3B"/>
+                </a:solidFill>
+                <a:effectLst/>
+                <a:latin typeface="Menlo" panose="020B0609030804020204" pitchFamily="49" charset="0"/>
+              </a:rPr>
+              <a:t> </a:t>
+            </a:r>
+            <a:r>
+              <a:rPr lang="en" altLang="zh-CN" sz="2000" b="0" dirty="0" err="1">
+                <a:solidFill>
+                  <a:srgbClr val="267F99"/>
+                </a:solidFill>
+                <a:effectLst/>
+                <a:latin typeface="Menlo" panose="020B0609030804020204" pitchFamily="49" charset="0"/>
+              </a:rPr>
+              <a:t>sockaddr</a:t>
+            </a:r>
+            <a:r>
+              <a:rPr lang="en" altLang="zh-CN" sz="2000" b="0" dirty="0">
+                <a:solidFill>
+                  <a:srgbClr val="3B3B3B"/>
+                </a:solidFill>
+                <a:effectLst/>
+                <a:latin typeface="Menlo" panose="020B0609030804020204" pitchFamily="49" charset="0"/>
+              </a:rPr>
+              <a:t> </a:t>
+            </a:r>
+            <a:r>
+              <a:rPr lang="en" altLang="zh-CN" sz="2000" b="0" dirty="0">
+                <a:solidFill>
+                  <a:srgbClr val="000000"/>
+                </a:solidFill>
+                <a:effectLst/>
+                <a:latin typeface="Menlo" panose="020B0609030804020204" pitchFamily="49" charset="0"/>
+              </a:rPr>
+              <a:t>*</a:t>
+            </a:r>
+            <a:r>
+              <a:rPr lang="en" altLang="zh-CN" sz="2000" b="0" dirty="0">
+                <a:solidFill>
+                  <a:srgbClr val="3B3B3B"/>
+                </a:solidFill>
+                <a:effectLst/>
+                <a:latin typeface="Menlo" panose="020B0609030804020204" pitchFamily="49" charset="0"/>
+              </a:rPr>
+              <a:t>, </a:t>
+            </a:r>
+            <a:r>
+              <a:rPr lang="en" altLang="zh-CN" sz="2000" b="0" dirty="0" err="1">
+                <a:solidFill>
+                  <a:srgbClr val="267F99"/>
+                </a:solidFill>
+                <a:effectLst/>
+                <a:latin typeface="Menlo" panose="020B0609030804020204" pitchFamily="49" charset="0"/>
+              </a:rPr>
+              <a:t>socklen_t</a:t>
+            </a:r>
+            <a:r>
+              <a:rPr lang="zh-CN" altLang="en-US" sz="2000" b="0" dirty="0">
+                <a:solidFill>
+                  <a:srgbClr val="267F99"/>
+                </a:solidFill>
+                <a:effectLst/>
+                <a:latin typeface="Menlo" panose="020B0609030804020204" pitchFamily="49" charset="0"/>
+              </a:rPr>
+              <a:t> </a:t>
+            </a:r>
+            <a:r>
+              <a:rPr lang="en" altLang="zh-CN" sz="2000" b="0" dirty="0" err="1">
+                <a:solidFill>
+                  <a:srgbClr val="001080"/>
+                </a:solidFill>
+                <a:effectLst/>
+                <a:latin typeface="Menlo" panose="020B0609030804020204" pitchFamily="49" charset="0"/>
+              </a:rPr>
+              <a:t>len</a:t>
+            </a:r>
+            <a:r>
+              <a:rPr lang="en" altLang="zh-CN" sz="2000" b="0" dirty="0">
+                <a:solidFill>
+                  <a:srgbClr val="3B3B3B"/>
+                </a:solidFill>
+                <a:effectLst/>
+                <a:latin typeface="Menlo" panose="020B0609030804020204" pitchFamily="49" charset="0"/>
+              </a:rPr>
+              <a:t>)</a:t>
+            </a:r>
+          </a:p>
+          <a:p>
+            <a:endParaRPr lang="en" altLang="zh-CN" sz="2000" b="0" dirty="0">
+              <a:solidFill>
+                <a:srgbClr val="3B3B3B"/>
+              </a:solidFill>
+              <a:effectLst/>
+              <a:latin typeface="Menlo" panose="020B0609030804020204" pitchFamily="49" charset="0"/>
+            </a:endParaRPr>
+          </a:p>
+          <a:p>
+            <a:pPr marL="800100" lvl="1" indent="-342900">
+              <a:buFont typeface="Wingdings" pitchFamily="2" charset="2"/>
+              <a:buChar char="ü"/>
+            </a:pPr>
+            <a:r>
+              <a:rPr kumimoji="1" lang="en-US" altLang="zh-CN" sz="2000" b="1" dirty="0">
+                <a:latin typeface="Optima" panose="02000503060000020004" pitchFamily="2" charset="0"/>
+              </a:rPr>
+              <a:t>domain</a:t>
+            </a:r>
+            <a:r>
+              <a:rPr kumimoji="1" lang="en-US" altLang="zh-CN" sz="2000" dirty="0">
+                <a:latin typeface="Optima" panose="02000503060000020004" pitchFamily="2" charset="0"/>
+              </a:rPr>
+              <a:t>:</a:t>
+            </a:r>
+            <a:r>
+              <a:rPr kumimoji="1" lang="zh-CN" altLang="en-US" sz="2000" dirty="0">
+                <a:latin typeface="Optima" panose="02000503060000020004" pitchFamily="2" charset="0"/>
+              </a:rPr>
+              <a:t>  协议簇 </a:t>
+            </a:r>
+            <a:r>
+              <a:rPr kumimoji="1" lang="en-US" altLang="zh-CN" sz="2000" dirty="0">
+                <a:latin typeface="Optima" panose="02000503060000020004" pitchFamily="2" charset="0"/>
+              </a:rPr>
+              <a:t>(</a:t>
+            </a:r>
+            <a:r>
+              <a:rPr kumimoji="1" lang="en-US" altLang="zh-CN" sz="2000" b="1" dirty="0">
+                <a:solidFill>
+                  <a:srgbClr val="C00000"/>
+                </a:solidFill>
+                <a:latin typeface="Optima" panose="02000503060000020004" pitchFamily="2" charset="0"/>
+              </a:rPr>
+              <a:t>P</a:t>
+            </a:r>
+            <a:r>
+              <a:rPr kumimoji="1" lang="en-US" altLang="zh-CN" sz="2000" dirty="0">
+                <a:latin typeface="Optima" panose="02000503060000020004" pitchFamily="2" charset="0"/>
+              </a:rPr>
+              <a:t>rotocol</a:t>
+            </a:r>
+            <a:r>
+              <a:rPr kumimoji="1" lang="zh-CN" altLang="en-US" sz="2000" dirty="0">
+                <a:latin typeface="Optima" panose="02000503060000020004" pitchFamily="2" charset="0"/>
+              </a:rPr>
+              <a:t> </a:t>
+            </a:r>
+            <a:r>
+              <a:rPr kumimoji="1" lang="en-US" altLang="zh-CN" sz="2000" b="1" dirty="0">
+                <a:solidFill>
+                  <a:srgbClr val="C00000"/>
+                </a:solidFill>
+                <a:latin typeface="Optima" panose="02000503060000020004" pitchFamily="2" charset="0"/>
+              </a:rPr>
+              <a:t>F</a:t>
+            </a:r>
+            <a:r>
+              <a:rPr kumimoji="1" lang="en-US" altLang="zh-CN" sz="2000" dirty="0">
+                <a:latin typeface="Optima" panose="02000503060000020004" pitchFamily="2" charset="0"/>
+              </a:rPr>
+              <a:t>amily)</a:t>
+            </a:r>
+            <a:r>
+              <a:rPr kumimoji="1" lang="zh-CN" altLang="en-US" sz="2000" dirty="0">
+                <a:latin typeface="Optima" panose="02000503060000020004" pitchFamily="2" charset="0"/>
+              </a:rPr>
+              <a:t>，</a:t>
+            </a:r>
+            <a:r>
+              <a:rPr kumimoji="1" lang="en-US" altLang="zh-CN" sz="2000" b="1" i="1" dirty="0">
+                <a:latin typeface="Optima" panose="02000503060000020004" pitchFamily="2" charset="0"/>
+              </a:rPr>
+              <a:t>PF_INET</a:t>
+            </a:r>
+            <a:r>
+              <a:rPr kumimoji="1" lang="en-US" altLang="zh-CN" sz="2000" dirty="0">
+                <a:latin typeface="Optima" panose="02000503060000020004" pitchFamily="2" charset="0"/>
+              </a:rPr>
+              <a:t> </a:t>
+            </a:r>
+            <a:r>
+              <a:rPr kumimoji="1" lang="zh-CN" altLang="en-US" sz="2000" dirty="0">
+                <a:latin typeface="Optima" panose="02000503060000020004" pitchFamily="2" charset="0"/>
+              </a:rPr>
+              <a:t>为</a:t>
+            </a:r>
+            <a:r>
+              <a:rPr kumimoji="1" lang="en-US" altLang="zh-CN" sz="2000" dirty="0">
+                <a:latin typeface="Optima" panose="02000503060000020004" pitchFamily="2" charset="0"/>
+              </a:rPr>
+              <a:t> IPv4</a:t>
+            </a:r>
+            <a:r>
+              <a:rPr kumimoji="1" lang="zh-CN" altLang="en-US" sz="2000" dirty="0">
+                <a:latin typeface="Optima" panose="02000503060000020004" pitchFamily="2" charset="0"/>
+              </a:rPr>
+              <a:t>，</a:t>
+            </a:r>
+            <a:r>
+              <a:rPr kumimoji="1" lang="en-US" altLang="zh-CN" sz="2000" b="1" i="1" dirty="0">
+                <a:latin typeface="Optima" panose="02000503060000020004" pitchFamily="2" charset="0"/>
+              </a:rPr>
+              <a:t>PF_INET6 </a:t>
+            </a:r>
+            <a:r>
+              <a:rPr kumimoji="1" lang="zh-CN" altLang="en-US" sz="2000" dirty="0">
+                <a:latin typeface="Optima" panose="02000503060000020004" pitchFamily="2" charset="0"/>
+              </a:rPr>
+              <a:t>为</a:t>
+            </a:r>
+            <a:r>
+              <a:rPr kumimoji="1" lang="en-US" altLang="zh-CN" sz="2000" dirty="0">
+                <a:latin typeface="Optima" panose="02000503060000020004" pitchFamily="2" charset="0"/>
+              </a:rPr>
+              <a:t> IPv6</a:t>
+            </a:r>
+          </a:p>
+          <a:p>
+            <a:pPr marL="800100" lvl="1" indent="-342900">
+              <a:buFont typeface="Wingdings" pitchFamily="2" charset="2"/>
+              <a:buChar char="ü"/>
+            </a:pPr>
+            <a:r>
+              <a:rPr kumimoji="1" lang="en-US" altLang="zh-CN" sz="2000" b="1" dirty="0">
+                <a:latin typeface="Optima" panose="02000503060000020004" pitchFamily="2" charset="0"/>
+              </a:rPr>
+              <a:t>type</a:t>
+            </a:r>
+            <a:r>
+              <a:rPr kumimoji="1" lang="en-US" altLang="zh-CN" sz="2000" dirty="0">
+                <a:latin typeface="Optima" panose="02000503060000020004" pitchFamily="2" charset="0"/>
+              </a:rPr>
+              <a:t>:</a:t>
+            </a:r>
+            <a:r>
+              <a:rPr kumimoji="1" lang="zh-CN" altLang="en-US" sz="2000" dirty="0">
+                <a:latin typeface="Optima" panose="02000503060000020004" pitchFamily="2" charset="0"/>
+              </a:rPr>
+              <a:t> </a:t>
+            </a:r>
+            <a:r>
+              <a:rPr kumimoji="1" lang="en-US" altLang="zh-CN" sz="2000" dirty="0">
+                <a:latin typeface="Optima" panose="02000503060000020004" pitchFamily="2" charset="0"/>
+              </a:rPr>
+              <a:t>	</a:t>
+            </a:r>
+            <a:r>
+              <a:rPr kumimoji="1" lang="zh-CN" altLang="en-US" sz="2000" dirty="0">
+                <a:latin typeface="Optima" panose="02000503060000020004" pitchFamily="2" charset="0"/>
+              </a:rPr>
+              <a:t> </a:t>
+            </a:r>
+            <a:r>
+              <a:rPr kumimoji="1" lang="en-US" altLang="zh-CN" sz="2000" dirty="0">
+                <a:latin typeface="Optima" panose="02000503060000020004" pitchFamily="2" charset="0"/>
+              </a:rPr>
+              <a:t>TCP</a:t>
+            </a:r>
+            <a:r>
+              <a:rPr kumimoji="1" lang="zh-CN" altLang="en-US" sz="2000" dirty="0">
+                <a:latin typeface="Optima" panose="02000503060000020004" pitchFamily="2" charset="0"/>
+              </a:rPr>
+              <a:t> </a:t>
+            </a:r>
+            <a:r>
+              <a:rPr kumimoji="1" lang="en-US" altLang="zh-CN" sz="2000" dirty="0">
+                <a:latin typeface="Optima" panose="02000503060000020004" pitchFamily="2" charset="0"/>
+              </a:rPr>
+              <a:t>(</a:t>
+            </a:r>
+            <a:r>
+              <a:rPr kumimoji="1" lang="en-US" altLang="zh-CN" sz="2000" b="1" i="1" dirty="0">
+                <a:latin typeface="Optima" panose="02000503060000020004" pitchFamily="2" charset="0"/>
+              </a:rPr>
+              <a:t>SOCK_STREAM</a:t>
+            </a:r>
+            <a:r>
+              <a:rPr kumimoji="1" lang="en-US" altLang="zh-CN" sz="2000" dirty="0">
+                <a:latin typeface="Optima" panose="02000503060000020004" pitchFamily="2" charset="0"/>
+              </a:rPr>
+              <a:t>) </a:t>
+            </a:r>
+            <a:r>
+              <a:rPr kumimoji="1" lang="zh-CN" altLang="en-US" sz="2000" dirty="0">
+                <a:latin typeface="Optima" panose="02000503060000020004" pitchFamily="2" charset="0"/>
+              </a:rPr>
+              <a:t>还是</a:t>
+            </a:r>
+            <a:r>
+              <a:rPr kumimoji="1" lang="en-US" altLang="zh-CN" sz="2000" dirty="0">
+                <a:latin typeface="Optima" panose="02000503060000020004" pitchFamily="2" charset="0"/>
+              </a:rPr>
+              <a:t> UDP</a:t>
+            </a:r>
+            <a:r>
+              <a:rPr kumimoji="1" lang="zh-CN" altLang="en-US" sz="2000" dirty="0">
+                <a:latin typeface="Optima" panose="02000503060000020004" pitchFamily="2" charset="0"/>
+              </a:rPr>
+              <a:t> </a:t>
+            </a:r>
+            <a:r>
+              <a:rPr kumimoji="1" lang="en-US" altLang="zh-CN" sz="2000" dirty="0">
+                <a:latin typeface="Optima" panose="02000503060000020004" pitchFamily="2" charset="0"/>
+              </a:rPr>
+              <a:t>(</a:t>
+            </a:r>
+            <a:r>
+              <a:rPr kumimoji="1" lang="en-US" altLang="zh-CN" sz="2000" b="1" i="1" dirty="0">
+                <a:latin typeface="Optima" panose="02000503060000020004" pitchFamily="2" charset="0"/>
+              </a:rPr>
+              <a:t>SOCK_DGRAM</a:t>
+            </a:r>
+            <a:r>
+              <a:rPr kumimoji="1" lang="en-US" altLang="zh-CN" sz="2000" dirty="0">
+                <a:latin typeface="Optima" panose="02000503060000020004" pitchFamily="2" charset="0"/>
+              </a:rPr>
+              <a:t>)</a:t>
+            </a:r>
+          </a:p>
+          <a:p>
+            <a:pPr marL="800100" lvl="1" indent="-342900">
+              <a:buFont typeface="Wingdings" pitchFamily="2" charset="2"/>
+              <a:buChar char="ü"/>
+            </a:pPr>
+            <a:r>
+              <a:rPr kumimoji="1" lang="en-US" altLang="zh-CN" sz="2000" b="1" dirty="0">
+                <a:latin typeface="Optima" panose="02000503060000020004" pitchFamily="2" charset="0"/>
+              </a:rPr>
+              <a:t>protocol</a:t>
+            </a:r>
+            <a:r>
+              <a:rPr kumimoji="1" lang="en-US" altLang="zh-CN" sz="2000" dirty="0">
+                <a:latin typeface="Optima" panose="02000503060000020004" pitchFamily="2" charset="0"/>
+              </a:rPr>
+              <a:t>:</a:t>
+            </a:r>
+            <a:r>
+              <a:rPr kumimoji="1" lang="zh-CN" altLang="en-US" sz="2000" dirty="0">
+                <a:latin typeface="Optima" panose="02000503060000020004" pitchFamily="2" charset="0"/>
+              </a:rPr>
+              <a:t> 最终决定所采用的协议，一般为 </a:t>
+            </a:r>
+            <a:r>
+              <a:rPr kumimoji="1" lang="en-US" altLang="zh-CN" sz="2000" dirty="0">
+                <a:latin typeface="Optima" panose="02000503060000020004" pitchFamily="2" charset="0"/>
+              </a:rPr>
+              <a:t>0</a:t>
+            </a:r>
+            <a:endParaRPr lang="en" altLang="zh-CN" sz="2000" b="0" dirty="0">
+              <a:solidFill>
+                <a:srgbClr val="3B3B3B"/>
+              </a:solidFill>
+              <a:effectLst/>
+              <a:latin typeface="Menlo" panose="020B0609030804020204" pitchFamily="49" charset="0"/>
+            </a:endParaRPr>
+          </a:p>
+        </p:txBody>
+      </p:sp>
+    </p:spTree>
+    <p:extLst>
+      <p:ext uri="{BB962C8B-B14F-4D97-AF65-F5344CB8AC3E}">
+        <p14:creationId xmlns:p14="http://schemas.microsoft.com/office/powerpoint/2010/main" val="3474847916"/>
+      </p:ext>
+    </p:extLst>
+  </p:cSld>
+  <p:clrMapOvr>
+    <a:masterClrMapping/>
+  </p:clrMapOvr>
+</p:sld>
+</file>
+
+<file path=ppt/slides/slide13.xml><?xml version="1.0" encoding="utf-8"?>
+<p:sld xmlns:a="http://schemas.openxmlformats.org/drawingml/2006/main" xmlns:r="http://schemas.openxmlformats.org/officeDocument/2006/relationships" xmlns:p="http://schemas.openxmlformats.org/presentationml/2006/main">
+  <p:cSld>
+    <p:spTree>
+      <p:nvGrpSpPr>
+        <p:cNvPr id="1" name=""/>
+        <p:cNvGrpSpPr/>
+        <p:nvPr/>
+      </p:nvGrpSpPr>
+      <p:grpSpPr>
+        <a:xfrm>
+          <a:off x="0" y="0"/>
+          <a:ext cx="0" cy="0"/>
+          <a:chOff x="0" y="0"/>
+          <a:chExt cx="0" cy="0"/>
+        </a:xfrm>
+      </p:grpSpPr>
+      <p:sp>
+        <p:nvSpPr>
+          <p:cNvPr id="2" name="文本框 1">
+            <a:extLst>
+              <a:ext uri="{FF2B5EF4-FFF2-40B4-BE49-F238E27FC236}">
+                <a16:creationId xmlns:a16="http://schemas.microsoft.com/office/drawing/2014/main" id="{EE003F37-D0BF-A842-9EDD-590F8A1FE96B}"/>
+              </a:ext>
+            </a:extLst>
+          </p:cNvPr>
+          <p:cNvSpPr txBox="1"/>
+          <p:nvPr/>
+        </p:nvSpPr>
+        <p:spPr>
+          <a:xfrm>
+            <a:off x="953311" y="437745"/>
+            <a:ext cx="184731" cy="369332"/>
+          </a:xfrm>
+          <a:prstGeom prst="rect">
+            <a:avLst/>
+          </a:prstGeom>
+          <a:noFill/>
+        </p:spPr>
+        <p:txBody>
+          <a:bodyPr wrap="none" rtlCol="0">
+            <a:spAutoFit/>
+          </a:bodyPr>
+          <a:lstStyle/>
+          <a:p>
+            <a:endParaRPr kumimoji="1" lang="zh-CN" altLang="en-US" dirty="0"/>
+          </a:p>
+        </p:txBody>
+      </p:sp>
+    </p:spTree>
+    <p:extLst>
+      <p:ext uri="{BB962C8B-B14F-4D97-AF65-F5344CB8AC3E}">
+        <p14:creationId xmlns:p14="http://schemas.microsoft.com/office/powerpoint/2010/main" val="275995716"/>
+      </p:ext>
+    </p:extLst>
+  </p:cSld>
+  <p:clrMapOvr>
+    <a:masterClrMapping/>
+  </p:clrMapOvr>
+</p:sld>
+</file>
+
+<file path=ppt/slides/slide14.xml><?xml version="1.0" encoding="utf-8"?>
+<p:sld xmlns:a="http://schemas.openxmlformats.org/drawingml/2006/main" xmlns:r="http://schemas.openxmlformats.org/officeDocument/2006/relationships" xmlns:p="http://schemas.openxmlformats.org/presentationml/2006/main">
+  <p:cSld>
+    <p:spTree>
+      <p:nvGrpSpPr>
+        <p:cNvPr id="1" name=""/>
+        <p:cNvGrpSpPr/>
+        <p:nvPr/>
+      </p:nvGrpSpPr>
+      <p:grpSpPr>
+        <a:xfrm>
+          <a:off x="0" y="0"/>
+          <a:ext cx="0" cy="0"/>
+          <a:chOff x="0" y="0"/>
+          <a:chExt cx="0" cy="0"/>
+        </a:xfrm>
+      </p:grpSpPr>
+      <p:sp>
+        <p:nvSpPr>
+          <p:cNvPr id="2" name="文本框 1">
+            <a:extLst>
+              <a:ext uri="{FF2B5EF4-FFF2-40B4-BE49-F238E27FC236}">
+                <a16:creationId xmlns:a16="http://schemas.microsoft.com/office/drawing/2014/main" id="{EE003F37-D0BF-A842-9EDD-590F8A1FE96B}"/>
+              </a:ext>
+            </a:extLst>
+          </p:cNvPr>
+          <p:cNvSpPr txBox="1"/>
+          <p:nvPr/>
+        </p:nvSpPr>
+        <p:spPr>
+          <a:xfrm>
+            <a:off x="953311" y="437745"/>
+            <a:ext cx="184731" cy="369332"/>
+          </a:xfrm>
+          <a:prstGeom prst="rect">
+            <a:avLst/>
+          </a:prstGeom>
+          <a:noFill/>
+        </p:spPr>
+        <p:txBody>
+          <a:bodyPr wrap="none" rtlCol="0">
+            <a:spAutoFit/>
+          </a:bodyPr>
+          <a:lstStyle/>
+          <a:p>
+            <a:endParaRPr kumimoji="1" lang="zh-CN" altLang="en-US" dirty="0"/>
+          </a:p>
+        </p:txBody>
+      </p:sp>
+    </p:spTree>
+    <p:extLst>
+      <p:ext uri="{BB962C8B-B14F-4D97-AF65-F5344CB8AC3E}">
+        <p14:creationId xmlns:p14="http://schemas.microsoft.com/office/powerpoint/2010/main" val="2155402168"/>
+      </p:ext>
+    </p:extLst>
+  </p:cSld>
+  <p:clrMapOvr>
+    <a:masterClrMapping/>
+  </p:clrMapOvr>
+</p:sld>
+</file>
+
+<file path=ppt/slides/slide15.xml><?xml version="1.0" encoding="utf-8"?>
+<p:sld xmlns:a="http://schemas.openxmlformats.org/drawingml/2006/main" xmlns:r="http://schemas.openxmlformats.org/officeDocument/2006/relationships" xmlns:p="http://schemas.openxmlformats.org/presentationml/2006/main">
+  <p:cSld>
+    <p:spTree>
+      <p:nvGrpSpPr>
+        <p:cNvPr id="1" name=""/>
+        <p:cNvGrpSpPr/>
+        <p:nvPr/>
+      </p:nvGrpSpPr>
+      <p:grpSpPr>
+        <a:xfrm>
+          <a:off x="0" y="0"/>
+          <a:ext cx="0" cy="0"/>
+          <a:chOff x="0" y="0"/>
+          <a:chExt cx="0" cy="0"/>
+        </a:xfrm>
+      </p:grpSpPr>
+      <p:sp>
+        <p:nvSpPr>
+          <p:cNvPr id="2" name="文本框 1">
+            <a:extLst>
+              <a:ext uri="{FF2B5EF4-FFF2-40B4-BE49-F238E27FC236}">
+                <a16:creationId xmlns:a16="http://schemas.microsoft.com/office/drawing/2014/main" id="{EE003F37-D0BF-A842-9EDD-590F8A1FE96B}"/>
+              </a:ext>
+            </a:extLst>
+          </p:cNvPr>
+          <p:cNvSpPr txBox="1"/>
+          <p:nvPr/>
+        </p:nvSpPr>
+        <p:spPr>
+          <a:xfrm>
+            <a:off x="953311" y="437745"/>
+            <a:ext cx="184731" cy="369332"/>
+          </a:xfrm>
+          <a:prstGeom prst="rect">
+            <a:avLst/>
+          </a:prstGeom>
+          <a:noFill/>
+        </p:spPr>
+        <p:txBody>
+          <a:bodyPr wrap="none" rtlCol="0">
+            <a:spAutoFit/>
+          </a:bodyPr>
+          <a:lstStyle/>
+          <a:p>
+            <a:endParaRPr kumimoji="1" lang="zh-CN" altLang="en-US" dirty="0"/>
+          </a:p>
+        </p:txBody>
+      </p:sp>
+    </p:spTree>
+    <p:extLst>
+      <p:ext uri="{BB962C8B-B14F-4D97-AF65-F5344CB8AC3E}">
+        <p14:creationId xmlns:p14="http://schemas.microsoft.com/office/powerpoint/2010/main" val="2600755921"/>
+      </p:ext>
+    </p:extLst>
+  </p:cSld>
+  <p:clrMapOvr>
+    <a:masterClrMapping/>
+  </p:clrMapOvr>
+</p:sld>
+</file>
+
 <file path=ppt/slides/slide2.xml><?xml version="1.0" encoding="utf-8"?>
 <p:sld xmlns:a="http://schemas.openxmlformats.org/drawingml/2006/main" xmlns:r="http://schemas.openxmlformats.org/officeDocument/2006/relationships" xmlns:p="http://schemas.openxmlformats.org/presentationml/2006/main">
   <p:cSld>
@@ -3781,8 +4694,8 @@
         </p:nvSpPr>
         <p:spPr>
           <a:xfrm>
-            <a:off x="2256817" y="4343560"/>
-            <a:ext cx="7654916" cy="400110"/>
+            <a:off x="2281830" y="4469981"/>
+            <a:ext cx="8477129" cy="707886"/>
           </a:xfrm>
           <a:prstGeom prst="rect">
             <a:avLst/>
@@ -3843,6 +4756,129 @@
                 <a:ea typeface="KaiTi" panose="02010609060101010101" pitchFamily="49" charset="-122"/>
               </a:rPr>
               <a:t>调用次数不同</a:t>
+            </a:r>
+            <a:endParaRPr kumimoji="1" lang="en-US" altLang="zh-CN" sz="2000" dirty="0">
+              <a:latin typeface="Optima" panose="02000503060000020004" pitchFamily="2" charset="0"/>
+              <a:ea typeface="KaiTi" panose="02010609060101010101" pitchFamily="49" charset="-122"/>
+            </a:endParaRPr>
+          </a:p>
+          <a:p>
+            <a:r>
+              <a:rPr kumimoji="1" lang="en-US" altLang="zh-CN" sz="2000" dirty="0">
+                <a:latin typeface="Optima" panose="02000503060000020004" pitchFamily="2" charset="0"/>
+                <a:ea typeface="KaiTi" panose="02010609060101010101" pitchFamily="49" charset="-122"/>
+              </a:rPr>
+              <a:t>server </a:t>
+            </a:r>
+            <a:r>
+              <a:rPr kumimoji="1" lang="zh-CN" altLang="en-US" sz="2000" dirty="0">
+                <a:latin typeface="Optima" panose="02000503060000020004" pitchFamily="2" charset="0"/>
+                <a:ea typeface="KaiTi" panose="02010609060101010101" pitchFamily="49" charset="-122"/>
+              </a:rPr>
+              <a:t>的</a:t>
+            </a:r>
+            <a:r>
+              <a:rPr kumimoji="1" lang="en-US" altLang="zh-CN" sz="2000" dirty="0">
+                <a:latin typeface="Optima" panose="02000503060000020004" pitchFamily="2" charset="0"/>
+                <a:ea typeface="KaiTi" panose="02010609060101010101" pitchFamily="49" charset="-122"/>
+              </a:rPr>
+              <a:t> write </a:t>
+            </a:r>
+            <a:r>
+              <a:rPr kumimoji="1" lang="zh-CN" altLang="en-US" sz="2000" dirty="0">
+                <a:latin typeface="Optima" panose="02000503060000020004" pitchFamily="2" charset="0"/>
+                <a:ea typeface="KaiTi" panose="02010609060101010101" pitchFamily="49" charset="-122"/>
+              </a:rPr>
+              <a:t>调用一次，而</a:t>
+            </a:r>
+            <a:r>
+              <a:rPr kumimoji="1" lang="en-US" altLang="zh-CN" sz="2000" dirty="0">
+                <a:latin typeface="Optima" panose="02000503060000020004" pitchFamily="2" charset="0"/>
+                <a:ea typeface="KaiTi" panose="02010609060101010101" pitchFamily="49" charset="-122"/>
+              </a:rPr>
+              <a:t> client </a:t>
+            </a:r>
+            <a:r>
+              <a:rPr kumimoji="1" lang="zh-CN" altLang="en-US" sz="2000" dirty="0">
+                <a:latin typeface="Optima" panose="02000503060000020004" pitchFamily="2" charset="0"/>
+                <a:ea typeface="KaiTi" panose="02010609060101010101" pitchFamily="49" charset="-122"/>
+              </a:rPr>
+              <a:t>的</a:t>
+            </a:r>
+            <a:r>
+              <a:rPr kumimoji="1" lang="en-US" altLang="zh-CN" sz="2000" dirty="0">
+                <a:latin typeface="Optima" panose="02000503060000020004" pitchFamily="2" charset="0"/>
+                <a:ea typeface="KaiTi" panose="02010609060101010101" pitchFamily="49" charset="-122"/>
+              </a:rPr>
+              <a:t> read </a:t>
+            </a:r>
+            <a:r>
+              <a:rPr kumimoji="1" lang="zh-CN" altLang="en-US" sz="2000" dirty="0">
+                <a:latin typeface="Optima" panose="02000503060000020004" pitchFamily="2" charset="0"/>
+                <a:ea typeface="KaiTi" panose="02010609060101010101" pitchFamily="49" charset="-122"/>
+              </a:rPr>
+              <a:t>每次读取一个字节，调用多次</a:t>
+            </a:r>
+          </a:p>
+        </p:txBody>
+      </p:sp>
+      <p:sp>
+        <p:nvSpPr>
+          <p:cNvPr id="14" name="文本框 13">
+            <a:extLst>
+              <a:ext uri="{FF2B5EF4-FFF2-40B4-BE49-F238E27FC236}">
+                <a16:creationId xmlns:a16="http://schemas.microsoft.com/office/drawing/2014/main" id="{A7A46C85-B6CC-0647-8BF8-14034718B399}"/>
+              </a:ext>
+            </a:extLst>
+          </p:cNvPr>
+          <p:cNvSpPr txBox="1"/>
+          <p:nvPr/>
+        </p:nvSpPr>
+        <p:spPr>
+          <a:xfrm>
+            <a:off x="710117" y="4904177"/>
+            <a:ext cx="1546700" cy="400110"/>
+          </a:xfrm>
+          <a:prstGeom prst="rect">
+            <a:avLst/>
+          </a:prstGeom>
+          <a:noFill/>
+        </p:spPr>
+        <p:txBody>
+          <a:bodyPr wrap="square">
+            <a:spAutoFit/>
+          </a:bodyPr>
+          <a:lstStyle/>
+          <a:p>
+            <a:r>
+              <a:rPr lang="zh-CN" altLang="en-US" sz="2000" b="1" dirty="0">
+                <a:highlight>
+                  <a:srgbClr val="FFFF00"/>
+                </a:highlight>
+                <a:latin typeface="Optima" panose="02000503060000020004" pitchFamily="2" charset="0"/>
+                <a:ea typeface="KaiTi" panose="02010609060101010101" pitchFamily="49" charset="-122"/>
+              </a:rPr>
+              <a:t>tcp_</a:t>
+            </a:r>
+            <a:r>
+              <a:rPr lang="en-US" altLang="zh-CN" sz="2000" b="1" dirty="0">
+                <a:highlight>
+                  <a:srgbClr val="FFFF00"/>
+                </a:highlight>
+                <a:latin typeface="Optima" panose="02000503060000020004" pitchFamily="2" charset="0"/>
+                <a:ea typeface="KaiTi" panose="02010609060101010101" pitchFamily="49" charset="-122"/>
+              </a:rPr>
+              <a:t>server</a:t>
+            </a:r>
+            <a:r>
+              <a:rPr lang="zh-CN" altLang="en-US" sz="2000" b="1" dirty="0">
+                <a:highlight>
+                  <a:srgbClr val="FFFF00"/>
+                </a:highlight>
+                <a:latin typeface="Optima" panose="02000503060000020004" pitchFamily="2" charset="0"/>
+                <a:ea typeface="KaiTi" panose="02010609060101010101" pitchFamily="49" charset="-122"/>
+              </a:rPr>
+              <a:t>.c</a:t>
             </a:r>
           </a:p>
         </p:txBody>
@@ -3909,6 +4945,277 @@
           </a:p>
         </p:txBody>
       </p:sp>
+      <p:sp>
+        <p:nvSpPr>
+          <p:cNvPr id="3" name="文本框 2">
+            <a:extLst>
+              <a:ext uri="{FF2B5EF4-FFF2-40B4-BE49-F238E27FC236}">
+                <a16:creationId xmlns:a16="http://schemas.microsoft.com/office/drawing/2014/main" id="{8B0D44C3-DCAA-E442-90C0-9AE4126391E5}"/>
+              </a:ext>
+            </a:extLst>
+          </p:cNvPr>
+          <p:cNvSpPr txBox="1"/>
+          <p:nvPr/>
+        </p:nvSpPr>
+        <p:spPr>
+          <a:xfrm>
+            <a:off x="0" y="0"/>
+            <a:ext cx="902811" cy="523220"/>
+          </a:xfrm>
+          <a:prstGeom prst="rect">
+            <a:avLst/>
+          </a:prstGeom>
+          <a:noFill/>
+        </p:spPr>
+        <p:txBody>
+          <a:bodyPr wrap="none" rtlCol="0">
+            <a:spAutoFit/>
+          </a:bodyPr>
+          <a:lstStyle/>
+          <a:p>
+            <a:r>
+              <a:rPr kumimoji="1" lang="zh-CN" altLang="en-US" sz="2800" dirty="0">
+                <a:latin typeface="Optima" panose="02000503060000020004" pitchFamily="2" charset="0"/>
+                <a:ea typeface="KaiTi" panose="02010609060101010101" pitchFamily="49" charset="-122"/>
+              </a:rPr>
+              <a:t>习题</a:t>
+            </a:r>
+          </a:p>
+        </p:txBody>
+      </p:sp>
+      <p:sp>
+        <p:nvSpPr>
+          <p:cNvPr id="4" name="文本框 3">
+            <a:extLst>
+              <a:ext uri="{FF2B5EF4-FFF2-40B4-BE49-F238E27FC236}">
+                <a16:creationId xmlns:a16="http://schemas.microsoft.com/office/drawing/2014/main" id="{50B5CBB3-020B-4F4B-9FC8-DEC06D686FAA}"/>
+              </a:ext>
+            </a:extLst>
+          </p:cNvPr>
+          <p:cNvSpPr txBox="1"/>
+          <p:nvPr/>
+        </p:nvSpPr>
+        <p:spPr>
+          <a:xfrm>
+            <a:off x="1264596" y="1011677"/>
+            <a:ext cx="9913291" cy="3693319"/>
+          </a:xfrm>
+          <a:prstGeom prst="rect">
+            <a:avLst/>
+          </a:prstGeom>
+          <a:noFill/>
+        </p:spPr>
+        <p:txBody>
+          <a:bodyPr wrap="none" rtlCol="0">
+            <a:spAutoFit/>
+          </a:bodyPr>
+          <a:lstStyle/>
+          <a:p>
+            <a:r>
+              <a:rPr kumimoji="1" lang="en-US" altLang="zh-CN" dirty="0"/>
+              <a:t>(1)</a:t>
+            </a:r>
+          </a:p>
+          <a:p>
+            <a:endParaRPr kumimoji="1" lang="en-US" altLang="zh-CN" dirty="0"/>
+          </a:p>
+          <a:p>
+            <a:r>
+              <a:rPr kumimoji="1" lang="en-US" altLang="zh-CN" dirty="0"/>
+              <a:t>(2)</a:t>
+            </a:r>
+            <a:r>
+              <a:rPr kumimoji="1" lang="zh-CN" altLang="en-US" dirty="0"/>
+              <a:t> 面向连接的</a:t>
+            </a:r>
+            <a:r>
+              <a:rPr kumimoji="1" lang="en-US" altLang="zh-CN" dirty="0"/>
+              <a:t> TCP </a:t>
+            </a:r>
+            <a:r>
+              <a:rPr kumimoji="1" lang="zh-CN" altLang="en-US" dirty="0"/>
+              <a:t>套接字传输特性</a:t>
+            </a:r>
+            <a:endParaRPr kumimoji="1" lang="en-US" altLang="zh-CN" dirty="0"/>
+          </a:p>
+          <a:p>
+            <a:r>
+              <a:rPr kumimoji="1" lang="en-US" altLang="zh-CN" dirty="0"/>
+              <a:t>①</a:t>
+            </a:r>
+            <a:r>
+              <a:rPr kumimoji="1" lang="zh-CN" altLang="en-US" dirty="0"/>
+              <a:t> 数据不会丢失；</a:t>
+            </a:r>
+            <a:r>
+              <a:rPr kumimoji="1" lang="en-US" altLang="zh-CN" dirty="0"/>
+              <a:t>②</a:t>
+            </a:r>
+            <a:r>
+              <a:rPr kumimoji="1" lang="zh-CN" altLang="en-US" dirty="0"/>
+              <a:t> 按序传输数据；</a:t>
+            </a:r>
+            <a:r>
+              <a:rPr kumimoji="1" lang="en-US" altLang="zh-CN" dirty="0"/>
+              <a:t>③</a:t>
+            </a:r>
+            <a:r>
+              <a:rPr kumimoji="1" lang="zh-CN" altLang="en-US" dirty="0"/>
+              <a:t> 传输出具不存在数据边界</a:t>
+            </a:r>
+            <a:endParaRPr kumimoji="1" lang="en-US" altLang="zh-CN" dirty="0"/>
+          </a:p>
+          <a:p>
+            <a:endParaRPr kumimoji="1" lang="en-US" altLang="zh-CN" dirty="0"/>
+          </a:p>
+          <a:p>
+            <a:r>
+              <a:rPr kumimoji="1" lang="en-US" altLang="zh-CN" dirty="0"/>
+              <a:t>(3)</a:t>
+            </a:r>
+            <a:r>
+              <a:rPr kumimoji="1" lang="zh-CN" altLang="en-US" dirty="0"/>
+              <a:t> 面相消息的 </a:t>
+            </a:r>
+            <a:r>
+              <a:rPr kumimoji="1" lang="en-US" altLang="zh-CN" dirty="0"/>
+              <a:t>UDP</a:t>
+            </a:r>
+            <a:r>
+              <a:rPr kumimoji="1" lang="zh-CN" altLang="en-US" dirty="0"/>
+              <a:t> 套接字传输特性</a:t>
+            </a:r>
+            <a:endParaRPr kumimoji="1" lang="en-US" altLang="zh-CN" dirty="0"/>
+          </a:p>
+          <a:p>
+            <a:r>
+              <a:rPr kumimoji="1" lang="en-US" altLang="zh-CN" dirty="0"/>
+              <a:t>①</a:t>
+            </a:r>
+            <a:r>
+              <a:rPr kumimoji="1" lang="zh-CN" altLang="en-US" dirty="0"/>
+              <a:t> 传输数据可能丢失；</a:t>
+            </a:r>
+            <a:r>
+              <a:rPr kumimoji="1" lang="en-US" altLang="zh-CN" dirty="0"/>
+              <a:t>②</a:t>
+            </a:r>
+            <a:r>
+              <a:rPr kumimoji="1" lang="zh-CN" altLang="en-US" dirty="0"/>
+              <a:t> 有数据边界；</a:t>
+            </a:r>
+            <a:r>
+              <a:rPr kumimoji="1" lang="en-US" altLang="zh-CN" dirty="0"/>
+              <a:t>③</a:t>
+            </a:r>
+            <a:r>
+              <a:rPr kumimoji="1" lang="zh-CN" altLang="en-US" dirty="0"/>
+              <a:t> 传递快速；</a:t>
+            </a:r>
+            <a:r>
+              <a:rPr kumimoji="1" lang="en-US" altLang="zh-CN" dirty="0"/>
+              <a:t>④</a:t>
+            </a:r>
+            <a:r>
+              <a:rPr kumimoji="1" lang="zh-CN" altLang="en-US" dirty="0"/>
+              <a:t> 限制每次传递数据大小；</a:t>
+            </a:r>
+            <a:r>
+              <a:rPr kumimoji="1" lang="en-US" altLang="zh-CN" dirty="0"/>
+              <a:t>⑤</a:t>
+            </a:r>
+            <a:r>
+              <a:rPr kumimoji="1" lang="zh-CN" altLang="en-US" dirty="0"/>
+              <a:t> 不存在连接</a:t>
+            </a:r>
+            <a:endParaRPr kumimoji="1" lang="en-US" altLang="zh-CN" dirty="0"/>
+          </a:p>
+          <a:p>
+            <a:endParaRPr kumimoji="1" lang="en-US" altLang="zh-CN" dirty="0"/>
+          </a:p>
+          <a:p>
+            <a:r>
+              <a:rPr kumimoji="1" lang="en-US" altLang="zh-CN" dirty="0"/>
+              <a:t>(4)</a:t>
+            </a:r>
+            <a:r>
+              <a:rPr kumimoji="1" lang="zh-CN" altLang="en-US" dirty="0"/>
+              <a:t> </a:t>
+            </a:r>
+            <a:r>
+              <a:rPr kumimoji="1" lang="en-US" altLang="zh-CN" dirty="0"/>
+              <a:t>a.</a:t>
+            </a:r>
+            <a:r>
+              <a:rPr kumimoji="1" lang="zh-CN" altLang="en-US" dirty="0"/>
+              <a:t> </a:t>
+            </a:r>
+            <a:r>
+              <a:rPr kumimoji="1" lang="en-US" altLang="zh-CN" dirty="0"/>
+              <a:t>UDP;</a:t>
+            </a:r>
+            <a:r>
+              <a:rPr kumimoji="1" lang="zh-CN" altLang="en-US" dirty="0"/>
+              <a:t> </a:t>
+            </a:r>
+            <a:r>
+              <a:rPr kumimoji="1" lang="en-US" altLang="zh-CN" dirty="0"/>
+              <a:t>b.</a:t>
+            </a:r>
+            <a:r>
+              <a:rPr kumimoji="1" lang="zh-CN" altLang="en-US" dirty="0"/>
+              <a:t> </a:t>
+            </a:r>
+            <a:r>
+              <a:rPr kumimoji="1" lang="en-US" altLang="zh-CN" dirty="0"/>
+              <a:t>TCP;</a:t>
+            </a:r>
+            <a:r>
+              <a:rPr kumimoji="1" lang="zh-CN" altLang="en-US" dirty="0"/>
+              <a:t> </a:t>
+            </a:r>
+            <a:r>
+              <a:rPr kumimoji="1" lang="en-US" altLang="zh-CN" dirty="0"/>
+              <a:t>c.</a:t>
+            </a:r>
+            <a:r>
+              <a:rPr kumimoji="1" lang="zh-CN" altLang="en-US" dirty="0"/>
+              <a:t> </a:t>
+            </a:r>
+            <a:r>
+              <a:rPr kumimoji="1" lang="en-US" altLang="zh-CN" dirty="0"/>
+              <a:t>TCP</a:t>
+            </a:r>
+          </a:p>
+          <a:p>
+            <a:endParaRPr kumimoji="1" lang="en-US" altLang="zh-CN" dirty="0"/>
+          </a:p>
+          <a:p>
+            <a:r>
+              <a:rPr kumimoji="1" lang="en-US" altLang="zh-CN" dirty="0"/>
+              <a:t>(5)</a:t>
+            </a:r>
+            <a:r>
+              <a:rPr kumimoji="1" lang="zh-CN" altLang="en-US" dirty="0"/>
+              <a:t> </a:t>
+            </a:r>
+            <a:r>
+              <a:rPr kumimoji="1" lang="en-US" altLang="zh-CN" dirty="0"/>
+              <a:t>TCP</a:t>
+            </a:r>
+          </a:p>
+          <a:p>
+            <a:endParaRPr kumimoji="1" lang="en-US" altLang="zh-CN" dirty="0"/>
+          </a:p>
+          <a:p>
+            <a:r>
+              <a:rPr kumimoji="1" lang="en-US" altLang="zh-CN" dirty="0"/>
+              <a:t>(6)</a:t>
+            </a:r>
+            <a:endParaRPr kumimoji="1" lang="zh-CN" altLang="en-US" dirty="0"/>
+          </a:p>
+        </p:txBody>
+      </p:sp>
     </p:spTree>
     <p:extLst>
       <p:ext uri="{BB962C8B-B14F-4D97-AF65-F5344CB8AC3E}">
@@ -4003,6 +5310,270 @@
       </p:grpSpPr>
       <p:sp>
         <p:nvSpPr>
+          <p:cNvPr id="4" name="文本框 3">
+            <a:extLst>
+              <a:ext uri="{FF2B5EF4-FFF2-40B4-BE49-F238E27FC236}">
+                <a16:creationId xmlns:a16="http://schemas.microsoft.com/office/drawing/2014/main" id="{7EE1C33A-CBBC-884B-A275-BA706E902614}"/>
+              </a:ext>
+            </a:extLst>
+          </p:cNvPr>
+          <p:cNvSpPr txBox="1"/>
+          <p:nvPr/>
+        </p:nvSpPr>
+        <p:spPr>
+          <a:xfrm>
+            <a:off x="4734088" y="2875002"/>
+            <a:ext cx="2733441" cy="1107996"/>
+          </a:xfrm>
+          <a:prstGeom prst="rect">
+            <a:avLst/>
+          </a:prstGeom>
+          <a:noFill/>
+        </p:spPr>
+        <p:txBody>
+          <a:bodyPr wrap="none" rtlCol="0">
+            <a:spAutoFit/>
+          </a:bodyPr>
+          <a:lstStyle/>
+          <a:p>
+            <a:r>
+              <a:rPr kumimoji="1" lang="zh-CN" altLang="en-US" sz="6600" b="1" dirty="0">
+                <a:latin typeface="KaiTi" panose="02010609060101010101" pitchFamily="49" charset="-122"/>
+                <a:ea typeface="KaiTi" panose="02010609060101010101" pitchFamily="49" charset="-122"/>
+              </a:rPr>
+              <a:t>第三章</a:t>
+            </a:r>
+          </a:p>
+        </p:txBody>
+      </p:sp>
+    </p:spTree>
+    <p:extLst>
+      <p:ext uri="{BB962C8B-B14F-4D97-AF65-F5344CB8AC3E}">
+        <p14:creationId xmlns:p14="http://schemas.microsoft.com/office/powerpoint/2010/main" val="1341924208"/>
+      </p:ext>
+    </p:extLst>
+  </p:cSld>
+  <p:clrMapOvr>
+    <a:masterClrMapping/>
+  </p:clrMapOvr>
+</p:sld>
+</file>
+
+<file path=ppt/slides/slide6.xml><?xml version="1.0" encoding="utf-8"?>
+<p:sld xmlns:a="http://schemas.openxmlformats.org/drawingml/2006/main" xmlns:r="http://schemas.openxmlformats.org/officeDocument/2006/relationships" xmlns:p="http://schemas.openxmlformats.org/presentationml/2006/main">
+  <p:cSld>
+    <p:spTree>
+      <p:nvGrpSpPr>
+        <p:cNvPr id="1" name=""/>
+        <p:cNvGrpSpPr/>
+        <p:nvPr/>
+      </p:nvGrpSpPr>
+      <p:grpSpPr>
+        <a:xfrm>
+          <a:off x="0" y="0"/>
+          <a:ext cx="0" cy="0"/>
+          <a:chOff x="0" y="0"/>
+          <a:chExt cx="0" cy="0"/>
+        </a:xfrm>
+      </p:grpSpPr>
+      <p:sp>
+        <p:nvSpPr>
+          <p:cNvPr id="4" name="文本框 3">
+            <a:extLst>
+              <a:ext uri="{FF2B5EF4-FFF2-40B4-BE49-F238E27FC236}">
+                <a16:creationId xmlns:a16="http://schemas.microsoft.com/office/drawing/2014/main" id="{8BBAECB8-91DD-9541-BFD3-75FFFF4C5116}"/>
+              </a:ext>
+            </a:extLst>
+          </p:cNvPr>
+          <p:cNvSpPr txBox="1"/>
+          <p:nvPr/>
+        </p:nvSpPr>
+        <p:spPr>
+          <a:xfrm>
+            <a:off x="0" y="0"/>
+            <a:ext cx="2759089" cy="523220"/>
+          </a:xfrm>
+          <a:prstGeom prst="rect">
+            <a:avLst/>
+          </a:prstGeom>
+          <a:noFill/>
+        </p:spPr>
+        <p:txBody>
+          <a:bodyPr wrap="none" rtlCol="0">
+            <a:spAutoFit/>
+          </a:bodyPr>
+          <a:lstStyle/>
+          <a:p>
+            <a:r>
+              <a:rPr kumimoji="1" lang="en-US" altLang="zh-CN" sz="2800" dirty="0">
+                <a:latin typeface="Optima" panose="02000503060000020004" pitchFamily="2" charset="0"/>
+                <a:ea typeface="KaiTi" panose="02010609060101010101" pitchFamily="49" charset="-122"/>
+              </a:rPr>
+              <a:t>IPv4 </a:t>
+            </a:r>
+            <a:r>
+              <a:rPr kumimoji="1" lang="zh-CN" altLang="en-US" sz="2800" dirty="0">
+                <a:latin typeface="Optima" panose="02000503060000020004" pitchFamily="2" charset="0"/>
+                <a:ea typeface="KaiTi" panose="02010609060101010101" pitchFamily="49" charset="-122"/>
+              </a:rPr>
+              <a:t>地址族分类</a:t>
+            </a:r>
+          </a:p>
+        </p:txBody>
+      </p:sp>
+      <p:sp>
+        <p:nvSpPr>
+          <p:cNvPr id="5" name="文本框 4">
+            <a:extLst>
+              <a:ext uri="{FF2B5EF4-FFF2-40B4-BE49-F238E27FC236}">
+                <a16:creationId xmlns:a16="http://schemas.microsoft.com/office/drawing/2014/main" id="{600D2273-6A28-4740-AF02-5CC65E7A9F46}"/>
+              </a:ext>
+            </a:extLst>
+          </p:cNvPr>
+          <p:cNvSpPr txBox="1"/>
+          <p:nvPr/>
+        </p:nvSpPr>
+        <p:spPr>
+          <a:xfrm>
+            <a:off x="1108953" y="710119"/>
+            <a:ext cx="5984459" cy="707886"/>
+          </a:xfrm>
+          <a:prstGeom prst="rect">
+            <a:avLst/>
+          </a:prstGeom>
+          <a:noFill/>
+        </p:spPr>
+        <p:txBody>
+          <a:bodyPr wrap="none" rtlCol="0">
+            <a:spAutoFit/>
+          </a:bodyPr>
+          <a:lstStyle/>
+          <a:p>
+            <a:r>
+              <a:rPr kumimoji="1" lang="en-US" altLang="zh-CN" sz="2000" dirty="0">
+                <a:latin typeface="Optima" panose="02000503060000020004" pitchFamily="2" charset="0"/>
+                <a:ea typeface="KaiTi" panose="02010609060101010101" pitchFamily="49" charset="-122"/>
+              </a:rPr>
+              <a:t>IPv4 </a:t>
+            </a:r>
+            <a:r>
+              <a:rPr kumimoji="1" lang="zh-CN" altLang="en-US" sz="2000" dirty="0">
+                <a:latin typeface="Optima" panose="02000503060000020004" pitchFamily="2" charset="0"/>
+                <a:ea typeface="KaiTi" panose="02010609060101010101" pitchFamily="49" charset="-122"/>
+              </a:rPr>
+              <a:t>是 </a:t>
+            </a:r>
+            <a:r>
+              <a:rPr kumimoji="1" lang="en-US" altLang="zh-CN" sz="2000" dirty="0">
+                <a:latin typeface="Optima" panose="02000503060000020004" pitchFamily="2" charset="0"/>
+                <a:ea typeface="KaiTi" panose="02010609060101010101" pitchFamily="49" charset="-122"/>
+              </a:rPr>
+              <a:t>4 </a:t>
+            </a:r>
+            <a:r>
+              <a:rPr kumimoji="1" lang="zh-CN" altLang="en-US" sz="2000" dirty="0">
+                <a:latin typeface="Optima" panose="02000503060000020004" pitchFamily="2" charset="0"/>
+                <a:ea typeface="KaiTi" panose="02010609060101010101" pitchFamily="49" charset="-122"/>
+              </a:rPr>
+              <a:t>字节，分为</a:t>
+            </a:r>
+            <a:r>
+              <a:rPr kumimoji="1" lang="en-US" altLang="zh-CN" sz="2000" dirty="0">
+                <a:latin typeface="Optima" panose="02000503060000020004" pitchFamily="2" charset="0"/>
+                <a:ea typeface="KaiTi" panose="02010609060101010101" pitchFamily="49" charset="-122"/>
+              </a:rPr>
+              <a:t> ABCDE </a:t>
+            </a:r>
+            <a:r>
+              <a:rPr kumimoji="1" lang="zh-CN" altLang="en-US" sz="2000" dirty="0">
+                <a:latin typeface="Optima" panose="02000503060000020004" pitchFamily="2" charset="0"/>
+                <a:ea typeface="KaiTi" panose="02010609060101010101" pitchFamily="49" charset="-122"/>
+              </a:rPr>
+              <a:t>类别，网络号</a:t>
+            </a:r>
+            <a:r>
+              <a:rPr kumimoji="1" lang="en-US" altLang="zh-CN" sz="2000" dirty="0">
+                <a:latin typeface="Optima" panose="02000503060000020004" pitchFamily="2" charset="0"/>
+                <a:ea typeface="KaiTi" panose="02010609060101010101" pitchFamily="49" charset="-122"/>
+              </a:rPr>
+              <a:t>+</a:t>
+            </a:r>
+            <a:r>
+              <a:rPr kumimoji="1" lang="zh-CN" altLang="en-US" sz="2000" dirty="0">
+                <a:latin typeface="Optima" panose="02000503060000020004" pitchFamily="2" charset="0"/>
+                <a:ea typeface="KaiTi" panose="02010609060101010101" pitchFamily="49" charset="-122"/>
+              </a:rPr>
+              <a:t>主机号</a:t>
+            </a:r>
+            <a:endParaRPr kumimoji="1" lang="en-US" altLang="zh-CN" sz="2000" dirty="0">
+              <a:latin typeface="Optima" panose="02000503060000020004" pitchFamily="2" charset="0"/>
+              <a:ea typeface="KaiTi" panose="02010609060101010101" pitchFamily="49" charset="-122"/>
+            </a:endParaRPr>
+          </a:p>
+          <a:p>
+            <a:r>
+              <a:rPr kumimoji="1" lang="en-US" altLang="zh-CN" sz="2000" dirty="0">
+                <a:latin typeface="Optima" panose="02000503060000020004" pitchFamily="2" charset="0"/>
+                <a:ea typeface="KaiTi" panose="02010609060101010101" pitchFamily="49" charset="-122"/>
+              </a:rPr>
+              <a:t>IPv6 </a:t>
+            </a:r>
+            <a:r>
+              <a:rPr kumimoji="1" lang="zh-CN" altLang="en-US" sz="2000" dirty="0">
+                <a:latin typeface="Optima" panose="02000503060000020004" pitchFamily="2" charset="0"/>
+                <a:ea typeface="KaiTi" panose="02010609060101010101" pitchFamily="49" charset="-122"/>
+              </a:rPr>
+              <a:t>是 </a:t>
+            </a:r>
+            <a:r>
+              <a:rPr kumimoji="1" lang="en-US" altLang="zh-CN" sz="2000" dirty="0">
+                <a:latin typeface="Optima" panose="02000503060000020004" pitchFamily="2" charset="0"/>
+                <a:ea typeface="KaiTi" panose="02010609060101010101" pitchFamily="49" charset="-122"/>
+              </a:rPr>
+              <a:t>6 </a:t>
+            </a:r>
+            <a:r>
+              <a:rPr kumimoji="1" lang="zh-CN" altLang="en-US" sz="2000" dirty="0">
+                <a:latin typeface="Optima" panose="02000503060000020004" pitchFamily="2" charset="0"/>
+                <a:ea typeface="KaiTi" panose="02010609060101010101" pitchFamily="49" charset="-122"/>
+              </a:rPr>
+              <a:t>字节</a:t>
+            </a:r>
+          </a:p>
+        </p:txBody>
+      </p:sp>
+    </p:spTree>
+    <p:extLst>
+      <p:ext uri="{BB962C8B-B14F-4D97-AF65-F5344CB8AC3E}">
+        <p14:creationId xmlns:p14="http://schemas.microsoft.com/office/powerpoint/2010/main" val="1088296936"/>
+      </p:ext>
+    </p:extLst>
+  </p:cSld>
+  <p:clrMapOvr>
+    <a:masterClrMapping/>
+  </p:clrMapOvr>
+</p:sld>
+</file>
+
+<file path=ppt/slides/slide7.xml><?xml version="1.0" encoding="utf-8"?>
+<p:sld xmlns:a="http://schemas.openxmlformats.org/drawingml/2006/main" xmlns:r="http://schemas.openxmlformats.org/officeDocument/2006/relationships" xmlns:p="http://schemas.openxmlformats.org/presentationml/2006/main">
+  <p:cSld>
+    <p:spTree>
+      <p:nvGrpSpPr>
+        <p:cNvPr id="1" name=""/>
+        <p:cNvGrpSpPr/>
+        <p:nvPr/>
+      </p:nvGrpSpPr>
+      <p:grpSpPr>
+        <a:xfrm>
+          <a:off x="0" y="0"/>
+          <a:ext cx="0" cy="0"/>
+          <a:chOff x="0" y="0"/>
+          <a:chExt cx="0" cy="0"/>
+        </a:xfrm>
+      </p:grpSpPr>
+      <p:sp>
+        <p:nvSpPr>
           <p:cNvPr id="2" name="文本框 1">
             <a:extLst>
               <a:ext uri="{FF2B5EF4-FFF2-40B4-BE49-F238E27FC236}">
@@ -4033,10 +5604,1802 @@
           </a:p>
         </p:txBody>
       </p:sp>
+      <p:sp>
+        <p:nvSpPr>
+          <p:cNvPr id="3" name="文本框 2">
+            <a:extLst>
+              <a:ext uri="{FF2B5EF4-FFF2-40B4-BE49-F238E27FC236}">
+                <a16:creationId xmlns:a16="http://schemas.microsoft.com/office/drawing/2014/main" id="{9B78B0F4-1A3D-4247-B749-1BCFB2AF548D}"/>
+              </a:ext>
+            </a:extLst>
+          </p:cNvPr>
+          <p:cNvSpPr txBox="1"/>
+          <p:nvPr/>
+        </p:nvSpPr>
+        <p:spPr>
+          <a:xfrm>
+            <a:off x="0" y="0"/>
+            <a:ext cx="1261884" cy="523220"/>
+          </a:xfrm>
+          <a:prstGeom prst="rect">
+            <a:avLst/>
+          </a:prstGeom>
+          <a:noFill/>
+        </p:spPr>
+        <p:txBody>
+          <a:bodyPr wrap="none" rtlCol="0">
+            <a:spAutoFit/>
+          </a:bodyPr>
+          <a:lstStyle/>
+          <a:p>
+            <a:r>
+              <a:rPr kumimoji="1" lang="zh-CN" altLang="en-US" sz="2800" dirty="0">
+                <a:latin typeface="Optima" panose="02000503060000020004" pitchFamily="2" charset="0"/>
+                <a:ea typeface="KaiTi" panose="02010609060101010101" pitchFamily="49" charset="-122"/>
+              </a:rPr>
+              <a:t>端口号</a:t>
+            </a:r>
+          </a:p>
+        </p:txBody>
+      </p:sp>
+      <p:sp>
+        <p:nvSpPr>
+          <p:cNvPr id="4" name="文本框 3">
+            <a:extLst>
+              <a:ext uri="{FF2B5EF4-FFF2-40B4-BE49-F238E27FC236}">
+                <a16:creationId xmlns:a16="http://schemas.microsoft.com/office/drawing/2014/main" id="{ECE94EC0-53C7-BF46-93D2-DC63F5B9865C}"/>
+              </a:ext>
+            </a:extLst>
+          </p:cNvPr>
+          <p:cNvSpPr txBox="1"/>
+          <p:nvPr/>
+        </p:nvSpPr>
+        <p:spPr>
+          <a:xfrm>
+            <a:off x="729573" y="807077"/>
+            <a:ext cx="9581746" cy="1938992"/>
+          </a:xfrm>
+          <a:prstGeom prst="rect">
+            <a:avLst/>
+          </a:prstGeom>
+          <a:noFill/>
+        </p:spPr>
+        <p:txBody>
+          <a:bodyPr wrap="square" rtlCol="0">
+            <a:spAutoFit/>
+          </a:bodyPr>
+          <a:lstStyle/>
+          <a:p>
+            <a:r>
+              <a:rPr kumimoji="1" lang="zh-CN" altLang="en-US" sz="2000" dirty="0">
+                <a:latin typeface="Optima" panose="02000503060000020004" pitchFamily="2" charset="0"/>
+                <a:ea typeface="KaiTi" panose="02010609060101010101" pitchFamily="49" charset="-122"/>
+              </a:rPr>
+              <a:t>同一操作系统内部为了区分不同套接字而设置</a:t>
+            </a:r>
+            <a:endParaRPr kumimoji="1" lang="en-US" altLang="zh-CN" sz="2000" dirty="0">
+              <a:latin typeface="Optima" panose="02000503060000020004" pitchFamily="2" charset="0"/>
+              <a:ea typeface="KaiTi" panose="02010609060101010101" pitchFamily="49" charset="-122"/>
+            </a:endParaRPr>
+          </a:p>
+          <a:p>
+            <a:endParaRPr kumimoji="1" lang="en-US" altLang="zh-CN" sz="2000" dirty="0">
+              <a:latin typeface="Optima" panose="02000503060000020004" pitchFamily="2" charset="0"/>
+              <a:ea typeface="KaiTi" panose="02010609060101010101" pitchFamily="49" charset="-122"/>
+            </a:endParaRPr>
+          </a:p>
+          <a:p>
+            <a:pPr marL="742950" lvl="1" indent="-285750">
+              <a:buFont typeface="Wingdings" pitchFamily="2" charset="2"/>
+              <a:buChar char="Ø"/>
+            </a:pPr>
+            <a:r>
+              <a:rPr kumimoji="1" lang="en-US" altLang="zh-CN" sz="2000" dirty="0">
+                <a:latin typeface="Optima" panose="02000503060000020004" pitchFamily="2" charset="0"/>
+                <a:ea typeface="KaiTi" panose="02010609060101010101" pitchFamily="49" charset="-122"/>
+              </a:rPr>
+              <a:t>16 </a:t>
+            </a:r>
+            <a:r>
+              <a:rPr kumimoji="1" lang="zh-CN" altLang="en-US" sz="2000" dirty="0">
+                <a:latin typeface="Optima" panose="02000503060000020004" pitchFamily="2" charset="0"/>
+                <a:ea typeface="KaiTi" panose="02010609060101010101" pitchFamily="49" charset="-122"/>
+              </a:rPr>
+              <a:t>位构成，范围为：</a:t>
+            </a:r>
+            <a:r>
+              <a:rPr kumimoji="1" lang="en-US" altLang="zh-CN" sz="2000" dirty="0">
+                <a:latin typeface="Optima" panose="02000503060000020004" pitchFamily="2" charset="0"/>
+                <a:ea typeface="KaiTi" panose="02010609060101010101" pitchFamily="49" charset="-122"/>
+              </a:rPr>
+              <a:t>0~65535</a:t>
+            </a:r>
+            <a:r>
+              <a:rPr kumimoji="1" lang="zh-CN" altLang="en-US" sz="2000" dirty="0">
+                <a:latin typeface="Optima" panose="02000503060000020004" pitchFamily="2" charset="0"/>
+                <a:ea typeface="KaiTi" panose="02010609060101010101" pitchFamily="49" charset="-122"/>
+              </a:rPr>
+              <a:t>，而 </a:t>
+            </a:r>
+            <a:r>
+              <a:rPr kumimoji="1" lang="en-US" altLang="zh-CN" sz="2000" dirty="0">
+                <a:latin typeface="Optima" panose="02000503060000020004" pitchFamily="2" charset="0"/>
+                <a:ea typeface="KaiTi" panose="02010609060101010101" pitchFamily="49" charset="-122"/>
+              </a:rPr>
+              <a:t>0~1023</a:t>
+            </a:r>
+            <a:r>
+              <a:rPr kumimoji="1" lang="zh-CN" altLang="en-US" sz="2000" dirty="0">
+                <a:latin typeface="Optima" panose="02000503060000020004" pitchFamily="2" charset="0"/>
+                <a:ea typeface="KaiTi" panose="02010609060101010101" pitchFamily="49" charset="-122"/>
+              </a:rPr>
+              <a:t> 为周知端口号</a:t>
+            </a:r>
+            <a:endParaRPr kumimoji="1" lang="en-US" altLang="zh-CN" sz="2000" dirty="0">
+              <a:latin typeface="Optima" panose="02000503060000020004" pitchFamily="2" charset="0"/>
+              <a:ea typeface="KaiTi" panose="02010609060101010101" pitchFamily="49" charset="-122"/>
+            </a:endParaRPr>
+          </a:p>
+          <a:p>
+            <a:pPr lvl="1"/>
+            <a:endParaRPr kumimoji="1" lang="en-US" altLang="zh-CN" sz="2000" dirty="0">
+              <a:latin typeface="Optima" panose="02000503060000020004" pitchFamily="2" charset="0"/>
+              <a:ea typeface="KaiTi" panose="02010609060101010101" pitchFamily="49" charset="-122"/>
+            </a:endParaRPr>
+          </a:p>
+          <a:p>
+            <a:pPr marL="742950" lvl="1" indent="-285750">
+              <a:buFont typeface="Wingdings" pitchFamily="2" charset="2"/>
+              <a:buChar char="Ø"/>
+            </a:pPr>
+            <a:r>
+              <a:rPr kumimoji="1" lang="en-US" altLang="zh-CN" sz="2000" dirty="0">
+                <a:latin typeface="Optima" panose="02000503060000020004" pitchFamily="2" charset="0"/>
+                <a:ea typeface="KaiTi" panose="02010609060101010101" pitchFamily="49" charset="-122"/>
+              </a:rPr>
+              <a:t>TCP </a:t>
+            </a:r>
+            <a:r>
+              <a:rPr kumimoji="1" lang="zh-CN" altLang="en-US" sz="2000" dirty="0">
+                <a:latin typeface="Optima" panose="02000503060000020004" pitchFamily="2" charset="0"/>
+                <a:ea typeface="KaiTi" panose="02010609060101010101" pitchFamily="49" charset="-122"/>
+              </a:rPr>
+              <a:t>和</a:t>
+            </a:r>
+            <a:r>
+              <a:rPr kumimoji="1" lang="en-US" altLang="zh-CN" sz="2000" dirty="0">
+                <a:latin typeface="Optima" panose="02000503060000020004" pitchFamily="2" charset="0"/>
+                <a:ea typeface="KaiTi" panose="02010609060101010101" pitchFamily="49" charset="-122"/>
+              </a:rPr>
+              <a:t> UDP</a:t>
+            </a:r>
+            <a:r>
+              <a:rPr kumimoji="1" lang="zh-CN" altLang="en-US" sz="2000" dirty="0">
+                <a:latin typeface="Optima" panose="02000503060000020004" pitchFamily="2" charset="0"/>
+                <a:ea typeface="KaiTi" panose="02010609060101010101" pitchFamily="49" charset="-122"/>
+              </a:rPr>
+              <a:t> 不会共用端口号，可以重复，即如果某</a:t>
+            </a:r>
+            <a:r>
+              <a:rPr kumimoji="1" lang="en-US" altLang="zh-CN" sz="2000" dirty="0">
+                <a:latin typeface="Optima" panose="02000503060000020004" pitchFamily="2" charset="0"/>
+                <a:ea typeface="KaiTi" panose="02010609060101010101" pitchFamily="49" charset="-122"/>
+              </a:rPr>
+              <a:t> TCP </a:t>
+            </a:r>
+            <a:r>
+              <a:rPr kumimoji="1" lang="zh-CN" altLang="en-US" sz="2000" dirty="0">
+                <a:latin typeface="Optima" panose="02000503060000020004" pitchFamily="2" charset="0"/>
+                <a:ea typeface="KaiTi" panose="02010609060101010101" pitchFamily="49" charset="-122"/>
+              </a:rPr>
+              <a:t>套接字使用 </a:t>
+            </a:r>
+            <a:r>
+              <a:rPr kumimoji="1" lang="en-US" altLang="zh-CN" sz="2000" dirty="0">
+                <a:latin typeface="Optima" panose="02000503060000020004" pitchFamily="2" charset="0"/>
+                <a:ea typeface="KaiTi" panose="02010609060101010101" pitchFamily="49" charset="-122"/>
+              </a:rPr>
+              <a:t>9190 </a:t>
+            </a:r>
+            <a:r>
+              <a:rPr kumimoji="1" lang="zh-CN" altLang="en-US" sz="2000" dirty="0">
+                <a:latin typeface="Optima" panose="02000503060000020004" pitchFamily="2" charset="0"/>
+                <a:ea typeface="KaiTi" panose="02010609060101010101" pitchFamily="49" charset="-122"/>
+              </a:rPr>
+              <a:t>端口号，其它</a:t>
+            </a:r>
+            <a:r>
+              <a:rPr kumimoji="1" lang="en-US" altLang="zh-CN" sz="2000" dirty="0">
+                <a:latin typeface="Optima" panose="02000503060000020004" pitchFamily="2" charset="0"/>
+                <a:ea typeface="KaiTi" panose="02010609060101010101" pitchFamily="49" charset="-122"/>
+              </a:rPr>
+              <a:t> TCP</a:t>
+            </a:r>
+            <a:r>
+              <a:rPr kumimoji="1" lang="zh-CN" altLang="en-US" sz="2000" dirty="0">
+                <a:latin typeface="Optima" panose="02000503060000020004" pitchFamily="2" charset="0"/>
+                <a:ea typeface="KaiTi" panose="02010609060101010101" pitchFamily="49" charset="-122"/>
+              </a:rPr>
+              <a:t> 套接字不可以使用 </a:t>
+            </a:r>
+            <a:r>
+              <a:rPr kumimoji="1" lang="en-US" altLang="zh-CN" sz="2000" dirty="0">
+                <a:latin typeface="Optima" panose="02000503060000020004" pitchFamily="2" charset="0"/>
+                <a:ea typeface="KaiTi" panose="02010609060101010101" pitchFamily="49" charset="-122"/>
+              </a:rPr>
+              <a:t>9190 </a:t>
+            </a:r>
+            <a:r>
+              <a:rPr kumimoji="1" lang="zh-CN" altLang="en-US" sz="2000" dirty="0">
+                <a:latin typeface="Optima" panose="02000503060000020004" pitchFamily="2" charset="0"/>
+                <a:ea typeface="KaiTi" panose="02010609060101010101" pitchFamily="49" charset="-122"/>
+              </a:rPr>
+              <a:t>端口号，但是</a:t>
+            </a:r>
+            <a:r>
+              <a:rPr kumimoji="1" lang="en-US" altLang="zh-CN" sz="2000" dirty="0">
+                <a:latin typeface="Optima" panose="02000503060000020004" pitchFamily="2" charset="0"/>
+                <a:ea typeface="KaiTi" panose="02010609060101010101" pitchFamily="49" charset="-122"/>
+              </a:rPr>
+              <a:t> UDP </a:t>
+            </a:r>
+            <a:r>
+              <a:rPr kumimoji="1" lang="zh-CN" altLang="en-US" sz="2000" dirty="0">
+                <a:latin typeface="Optima" panose="02000503060000020004" pitchFamily="2" charset="0"/>
+                <a:ea typeface="KaiTi" panose="02010609060101010101" pitchFamily="49" charset="-122"/>
+              </a:rPr>
+              <a:t>套接字可以使用</a:t>
+            </a:r>
+          </a:p>
+        </p:txBody>
+      </p:sp>
     </p:spTree>
     <p:extLst>
       <p:ext uri="{BB962C8B-B14F-4D97-AF65-F5344CB8AC3E}">
-        <p14:creationId xmlns:p14="http://schemas.microsoft.com/office/powerpoint/2010/main" val="1088296936"/>
+        <p14:creationId xmlns:p14="http://schemas.microsoft.com/office/powerpoint/2010/main" val="3055738213"/>
+      </p:ext>
+    </p:extLst>
+  </p:cSld>
+  <p:clrMapOvr>
+    <a:masterClrMapping/>
+  </p:clrMapOvr>
+</p:sld>
+</file>
+
+<file path=ppt/slides/slide8.xml><?xml version="1.0" encoding="utf-8"?>
+<p:sld xmlns:a="http://schemas.openxmlformats.org/drawingml/2006/main" xmlns:r="http://schemas.openxmlformats.org/officeDocument/2006/relationships" xmlns:p="http://schemas.openxmlformats.org/presentationml/2006/main">
+  <p:cSld>
+    <p:spTree>
+      <p:nvGrpSpPr>
+        <p:cNvPr id="1" name=""/>
+        <p:cNvGrpSpPr/>
+        <p:nvPr/>
+      </p:nvGrpSpPr>
+      <p:grpSpPr>
+        <a:xfrm>
+          <a:off x="0" y="0"/>
+          <a:ext cx="0" cy="0"/>
+          <a:chOff x="0" y="0"/>
+          <a:chExt cx="0" cy="0"/>
+        </a:xfrm>
+      </p:grpSpPr>
+      <p:sp>
+        <p:nvSpPr>
+          <p:cNvPr id="2" name="文本框 1">
+            <a:extLst>
+              <a:ext uri="{FF2B5EF4-FFF2-40B4-BE49-F238E27FC236}">
+                <a16:creationId xmlns:a16="http://schemas.microsoft.com/office/drawing/2014/main" id="{EE003F37-D0BF-A842-9EDD-590F8A1FE96B}"/>
+              </a:ext>
+            </a:extLst>
+          </p:cNvPr>
+          <p:cNvSpPr txBox="1"/>
+          <p:nvPr/>
+        </p:nvSpPr>
+        <p:spPr>
+          <a:xfrm>
+            <a:off x="953311" y="437745"/>
+            <a:ext cx="184731" cy="369332"/>
+          </a:xfrm>
+          <a:prstGeom prst="rect">
+            <a:avLst/>
+          </a:prstGeom>
+          <a:noFill/>
+        </p:spPr>
+        <p:txBody>
+          <a:bodyPr wrap="none" rtlCol="0">
+            <a:spAutoFit/>
+          </a:bodyPr>
+          <a:lstStyle/>
+          <a:p>
+            <a:endParaRPr kumimoji="1" lang="zh-CN" altLang="en-US" dirty="0"/>
+          </a:p>
+        </p:txBody>
+      </p:sp>
+      <p:sp>
+        <p:nvSpPr>
+          <p:cNvPr id="3" name="文本框 2">
+            <a:extLst>
+              <a:ext uri="{FF2B5EF4-FFF2-40B4-BE49-F238E27FC236}">
+                <a16:creationId xmlns:a16="http://schemas.microsoft.com/office/drawing/2014/main" id="{48FF722E-CA9D-AA47-A0FB-B9A0D4F79428}"/>
+              </a:ext>
+            </a:extLst>
+          </p:cNvPr>
+          <p:cNvSpPr txBox="1"/>
+          <p:nvPr/>
+        </p:nvSpPr>
+        <p:spPr>
+          <a:xfrm>
+            <a:off x="350194" y="478888"/>
+            <a:ext cx="10028707" cy="400110"/>
+          </a:xfrm>
+          <a:prstGeom prst="rect">
+            <a:avLst/>
+          </a:prstGeom>
+          <a:noFill/>
+        </p:spPr>
+        <p:txBody>
+          <a:bodyPr wrap="none" rtlCol="0">
+            <a:spAutoFit/>
+          </a:bodyPr>
+          <a:lstStyle/>
+          <a:p>
+            <a:r>
+              <a:rPr kumimoji="1" lang="zh-CN" altLang="en-US" sz="2000" dirty="0">
+                <a:latin typeface="Optima" panose="02000503060000020004" pitchFamily="2" charset="0"/>
+                <a:ea typeface="KaiTi" panose="02010609060101010101" pitchFamily="49" charset="-122"/>
+              </a:rPr>
+              <a:t>为了找到某主机上的某进程，需要用</a:t>
+            </a:r>
+            <a:r>
+              <a:rPr kumimoji="1" lang="en-US" altLang="zh-CN" sz="2000" dirty="0">
+                <a:latin typeface="Optima" panose="02000503060000020004" pitchFamily="2" charset="0"/>
+                <a:ea typeface="KaiTi" panose="02010609060101010101" pitchFamily="49" charset="-122"/>
+              </a:rPr>
+              <a:t> IP </a:t>
+            </a:r>
+            <a:r>
+              <a:rPr kumimoji="1" lang="zh-CN" altLang="en-US" sz="2000" dirty="0">
+                <a:latin typeface="Optima" panose="02000503060000020004" pitchFamily="2" charset="0"/>
+                <a:ea typeface="KaiTi" panose="02010609060101010101" pitchFamily="49" charset="-122"/>
+              </a:rPr>
+              <a:t>地址和端口标识，可以用结构体存储这两个变量</a:t>
+            </a:r>
+          </a:p>
+        </p:txBody>
+      </p:sp>
+      <p:sp>
+        <p:nvSpPr>
+          <p:cNvPr id="5" name="文本框 4">
+            <a:extLst>
+              <a:ext uri="{FF2B5EF4-FFF2-40B4-BE49-F238E27FC236}">
+                <a16:creationId xmlns:a16="http://schemas.microsoft.com/office/drawing/2014/main" id="{F31E78D1-85BA-1245-B34A-0C597D52DAB2}"/>
+              </a:ext>
+            </a:extLst>
+          </p:cNvPr>
+          <p:cNvSpPr txBox="1"/>
+          <p:nvPr/>
+        </p:nvSpPr>
+        <p:spPr>
+          <a:xfrm>
+            <a:off x="1293777" y="807077"/>
+            <a:ext cx="10457235" cy="4247317"/>
+          </a:xfrm>
+          <a:prstGeom prst="rect">
+            <a:avLst/>
+          </a:prstGeom>
+          <a:noFill/>
+        </p:spPr>
+        <p:txBody>
+          <a:bodyPr wrap="square">
+            <a:spAutoFit/>
+          </a:bodyPr>
+          <a:lstStyle/>
+          <a:p>
+            <a:r>
+              <a:rPr lang="en" altLang="zh-CN" b="0" dirty="0">
+                <a:solidFill>
+                  <a:srgbClr val="0000FF"/>
+                </a:solidFill>
+                <a:effectLst/>
+                <a:latin typeface="Menlo" panose="020B0609030804020204" pitchFamily="49" charset="0"/>
+              </a:rPr>
+              <a:t>struct</a:t>
+            </a:r>
+            <a:r>
+              <a:rPr lang="en" altLang="zh-CN" b="0" dirty="0">
+                <a:solidFill>
+                  <a:srgbClr val="3B3B3B"/>
+                </a:solidFill>
+                <a:effectLst/>
+                <a:latin typeface="Menlo" panose="020B0609030804020204" pitchFamily="49" charset="0"/>
+              </a:rPr>
+              <a:t> </a:t>
+            </a:r>
+            <a:r>
+              <a:rPr lang="en" altLang="zh-CN" b="0" dirty="0" err="1">
+                <a:solidFill>
+                  <a:srgbClr val="267F99"/>
+                </a:solidFill>
+                <a:effectLst/>
+                <a:latin typeface="Menlo" panose="020B0609030804020204" pitchFamily="49" charset="0"/>
+              </a:rPr>
+              <a:t>sockaddr_in</a:t>
+            </a:r>
+            <a:r>
+              <a:rPr lang="en" altLang="zh-CN" b="0" dirty="0">
+                <a:solidFill>
+                  <a:srgbClr val="3B3B3B"/>
+                </a:solidFill>
+                <a:effectLst/>
+                <a:latin typeface="Menlo" panose="020B0609030804020204" pitchFamily="49" charset="0"/>
+              </a:rPr>
+              <a:t> </a:t>
+            </a:r>
+          </a:p>
+          <a:p>
+            <a:r>
+              <a:rPr lang="en" altLang="zh-CN" b="0" dirty="0">
+                <a:solidFill>
+                  <a:srgbClr val="3B3B3B"/>
+                </a:solidFill>
+                <a:effectLst/>
+                <a:latin typeface="Menlo" panose="020B0609030804020204" pitchFamily="49" charset="0"/>
+              </a:rPr>
+              <a:t>{</a:t>
+            </a:r>
+          </a:p>
+          <a:p>
+            <a:r>
+              <a:rPr lang="en" altLang="zh-CN" dirty="0">
+                <a:solidFill>
+                  <a:srgbClr val="3B3B3B"/>
+                </a:solidFill>
+                <a:latin typeface="Menlo" panose="020B0609030804020204" pitchFamily="49" charset="0"/>
+              </a:rPr>
+              <a:t>	</a:t>
+            </a:r>
+            <a:r>
+              <a:rPr lang="en" altLang="zh-CN" b="0" dirty="0" err="1">
+                <a:solidFill>
+                  <a:srgbClr val="267F99"/>
+                </a:solidFill>
+                <a:effectLst/>
+                <a:latin typeface="Menlo" panose="020B0609030804020204" pitchFamily="49" charset="0"/>
+              </a:rPr>
+              <a:t>sa_family_t</a:t>
+            </a:r>
+            <a:r>
+              <a:rPr lang="en" altLang="zh-CN" b="0" dirty="0">
+                <a:solidFill>
+                  <a:srgbClr val="3B3B3B"/>
+                </a:solidFill>
+                <a:effectLst/>
+                <a:latin typeface="Menlo" panose="020B0609030804020204" pitchFamily="49" charset="0"/>
+              </a:rPr>
+              <a:t> </a:t>
+            </a:r>
+            <a:r>
+              <a:rPr lang="en" altLang="zh-CN" b="0" dirty="0" err="1">
+                <a:solidFill>
+                  <a:srgbClr val="001080"/>
+                </a:solidFill>
+                <a:effectLst/>
+                <a:latin typeface="Menlo" panose="020B0609030804020204" pitchFamily="49" charset="0"/>
+              </a:rPr>
+              <a:t>sin_family</a:t>
+            </a:r>
+            <a:r>
+              <a:rPr lang="en" altLang="zh-CN" b="0" dirty="0">
+                <a:solidFill>
+                  <a:srgbClr val="3B3B3B"/>
+                </a:solidFill>
+                <a:effectLst/>
+                <a:latin typeface="Menlo" panose="020B0609030804020204" pitchFamily="49" charset="0"/>
+              </a:rPr>
+              <a:t>;		</a:t>
+            </a:r>
+            <a:r>
+              <a:rPr kumimoji="1" lang="en-US" altLang="zh-CN" dirty="0">
+                <a:latin typeface="Optima" panose="02000503060000020004" pitchFamily="2" charset="0"/>
+                <a:ea typeface="KaiTi" panose="02010609060101010101" pitchFamily="49" charset="-122"/>
+              </a:rPr>
+              <a:t>//</a:t>
+            </a:r>
+            <a:r>
+              <a:rPr kumimoji="1" lang="zh-CN" altLang="en-US" dirty="0">
+                <a:latin typeface="Optima" panose="02000503060000020004" pitchFamily="2" charset="0"/>
+                <a:ea typeface="KaiTi" panose="02010609060101010101" pitchFamily="49" charset="-122"/>
+              </a:rPr>
+              <a:t> 地址族</a:t>
+            </a:r>
+            <a:endParaRPr kumimoji="1" lang="en" altLang="zh-CN" dirty="0">
+              <a:latin typeface="Optima" panose="02000503060000020004" pitchFamily="2" charset="0"/>
+              <a:ea typeface="KaiTi" panose="02010609060101010101" pitchFamily="49" charset="-122"/>
+            </a:endParaRPr>
+          </a:p>
+          <a:p>
+            <a:r>
+              <a:rPr lang="en" altLang="zh-CN" b="0" dirty="0">
+                <a:solidFill>
+                  <a:srgbClr val="267F99"/>
+                </a:solidFill>
+                <a:effectLst/>
+                <a:latin typeface="Menlo" panose="020B0609030804020204" pitchFamily="49" charset="0"/>
+              </a:rPr>
+              <a:t>	</a:t>
+            </a:r>
+            <a:r>
+              <a:rPr lang="en-US" altLang="zh-CN" b="0" dirty="0">
+                <a:solidFill>
+                  <a:srgbClr val="267F99"/>
+                </a:solidFill>
+                <a:effectLst/>
+                <a:latin typeface="Menlo" panose="020B0609030804020204" pitchFamily="49" charset="0"/>
+              </a:rPr>
+              <a:t>uint16_t</a:t>
+            </a:r>
+            <a:r>
+              <a:rPr lang="zh-CN" altLang="en-US" b="0" dirty="0">
+                <a:solidFill>
+                  <a:srgbClr val="267F99"/>
+                </a:solidFill>
+                <a:effectLst/>
+                <a:latin typeface="Menlo" panose="020B0609030804020204" pitchFamily="49" charset="0"/>
+              </a:rPr>
+              <a:t> </a:t>
+            </a:r>
+            <a:r>
+              <a:rPr lang="en" altLang="zh-CN" b="0" dirty="0" err="1">
+                <a:solidFill>
+                  <a:srgbClr val="001080"/>
+                </a:solidFill>
+                <a:effectLst/>
+                <a:latin typeface="Menlo" panose="020B0609030804020204" pitchFamily="49" charset="0"/>
+              </a:rPr>
+              <a:t>sin_port</a:t>
+            </a:r>
+            <a:r>
+              <a:rPr lang="en" altLang="zh-CN" b="0" dirty="0">
+                <a:solidFill>
+                  <a:srgbClr val="3B3B3B"/>
+                </a:solidFill>
+                <a:effectLst/>
+                <a:latin typeface="Menlo" panose="020B0609030804020204" pitchFamily="49" charset="0"/>
+              </a:rPr>
+              <a:t>;			</a:t>
+            </a:r>
+            <a:r>
+              <a:rPr kumimoji="1" lang="en-US" altLang="zh-CN" dirty="0">
+                <a:latin typeface="Optima" panose="02000503060000020004" pitchFamily="2" charset="0"/>
+                <a:ea typeface="KaiTi" panose="02010609060101010101" pitchFamily="49" charset="-122"/>
+              </a:rPr>
+              <a:t>//</a:t>
+            </a:r>
+            <a:r>
+              <a:rPr kumimoji="1" lang="zh-CN" altLang="en-US" dirty="0">
+                <a:latin typeface="Optima" panose="02000503060000020004" pitchFamily="2" charset="0"/>
+                <a:ea typeface="KaiTi" panose="02010609060101010101" pitchFamily="49" charset="-122"/>
+              </a:rPr>
+              <a:t> </a:t>
+            </a:r>
+            <a:r>
+              <a:rPr kumimoji="1" lang="en-US" altLang="zh-CN" dirty="0">
+                <a:latin typeface="Optima" panose="02000503060000020004" pitchFamily="2" charset="0"/>
+                <a:ea typeface="KaiTi" panose="02010609060101010101" pitchFamily="49" charset="-122"/>
+              </a:rPr>
+              <a:t>16 </a:t>
+            </a:r>
+            <a:r>
+              <a:rPr kumimoji="1" lang="zh-CN" altLang="en-US" dirty="0">
+                <a:latin typeface="Optima" panose="02000503060000020004" pitchFamily="2" charset="0"/>
+                <a:ea typeface="KaiTi" panose="02010609060101010101" pitchFamily="49" charset="-122"/>
+              </a:rPr>
+              <a:t>位</a:t>
+            </a:r>
+            <a:r>
+              <a:rPr kumimoji="1" lang="en-US" altLang="zh-CN" dirty="0">
+                <a:latin typeface="Optima" panose="02000503060000020004" pitchFamily="2" charset="0"/>
+                <a:ea typeface="KaiTi" panose="02010609060101010101" pitchFamily="49" charset="-122"/>
+              </a:rPr>
+              <a:t> TCP/UDP</a:t>
+            </a:r>
+            <a:r>
+              <a:rPr kumimoji="1" lang="zh-CN" altLang="en-US" dirty="0">
+                <a:latin typeface="Optima" panose="02000503060000020004" pitchFamily="2" charset="0"/>
+                <a:ea typeface="KaiTi" panose="02010609060101010101" pitchFamily="49" charset="-122"/>
+              </a:rPr>
+              <a:t> 端口号</a:t>
+            </a:r>
+            <a:endParaRPr kumimoji="1" lang="en" altLang="zh-CN" dirty="0">
+              <a:latin typeface="Optima" panose="02000503060000020004" pitchFamily="2" charset="0"/>
+              <a:ea typeface="KaiTi" panose="02010609060101010101" pitchFamily="49" charset="-122"/>
+            </a:endParaRPr>
+          </a:p>
+          <a:p>
+            <a:r>
+              <a:rPr lang="en" altLang="zh-CN" b="0" dirty="0">
+                <a:solidFill>
+                  <a:srgbClr val="0000FF"/>
+                </a:solidFill>
+                <a:effectLst/>
+                <a:latin typeface="Menlo" panose="020B0609030804020204" pitchFamily="49" charset="0"/>
+              </a:rPr>
+              <a:t>	struct</a:t>
+            </a:r>
+            <a:r>
+              <a:rPr lang="en" altLang="zh-CN" b="0" dirty="0">
+                <a:solidFill>
+                  <a:srgbClr val="3B3B3B"/>
+                </a:solidFill>
+                <a:effectLst/>
+                <a:latin typeface="Menlo" panose="020B0609030804020204" pitchFamily="49" charset="0"/>
+              </a:rPr>
+              <a:t> </a:t>
+            </a:r>
+            <a:r>
+              <a:rPr lang="en" altLang="zh-CN" b="0" dirty="0" err="1">
+                <a:solidFill>
+                  <a:srgbClr val="267F99"/>
+                </a:solidFill>
+                <a:effectLst/>
+                <a:latin typeface="Menlo" panose="020B0609030804020204" pitchFamily="49" charset="0"/>
+              </a:rPr>
+              <a:t>in_addr</a:t>
+            </a:r>
+            <a:r>
+              <a:rPr lang="en" altLang="zh-CN" b="0" dirty="0">
+                <a:solidFill>
+                  <a:srgbClr val="3B3B3B"/>
+                </a:solidFill>
+                <a:effectLst/>
+                <a:latin typeface="Menlo" panose="020B0609030804020204" pitchFamily="49" charset="0"/>
+              </a:rPr>
+              <a:t> </a:t>
+            </a:r>
+            <a:r>
+              <a:rPr lang="en" altLang="zh-CN" b="0" dirty="0" err="1">
+                <a:solidFill>
+                  <a:srgbClr val="001080"/>
+                </a:solidFill>
+                <a:effectLst/>
+                <a:latin typeface="Menlo" panose="020B0609030804020204" pitchFamily="49" charset="0"/>
+              </a:rPr>
+              <a:t>sin_addr</a:t>
+            </a:r>
+            <a:r>
+              <a:rPr lang="en" altLang="zh-CN" b="0" dirty="0">
+                <a:solidFill>
+                  <a:srgbClr val="3B3B3B"/>
+                </a:solidFill>
+                <a:effectLst/>
+                <a:latin typeface="Menlo" panose="020B0609030804020204" pitchFamily="49" charset="0"/>
+              </a:rPr>
+              <a:t>;		</a:t>
+            </a:r>
+            <a:r>
+              <a:rPr kumimoji="1" lang="en-US" altLang="zh-CN" dirty="0">
+                <a:latin typeface="Optima" panose="02000503060000020004" pitchFamily="2" charset="0"/>
+                <a:ea typeface="KaiTi" panose="02010609060101010101" pitchFamily="49" charset="-122"/>
+              </a:rPr>
+              <a:t>//</a:t>
+            </a:r>
+            <a:r>
+              <a:rPr kumimoji="1" lang="zh-CN" altLang="en-US" dirty="0">
+                <a:latin typeface="Optima" panose="02000503060000020004" pitchFamily="2" charset="0"/>
+                <a:ea typeface="KaiTi" panose="02010609060101010101" pitchFamily="49" charset="-122"/>
+              </a:rPr>
+              <a:t> </a:t>
+            </a:r>
+            <a:r>
+              <a:rPr kumimoji="1" lang="en-US" altLang="zh-CN" dirty="0">
+                <a:latin typeface="Optima" panose="02000503060000020004" pitchFamily="2" charset="0"/>
+                <a:ea typeface="KaiTi" panose="02010609060101010101" pitchFamily="49" charset="-122"/>
+              </a:rPr>
+              <a:t>32 </a:t>
+            </a:r>
+            <a:r>
+              <a:rPr kumimoji="1" lang="zh-CN" altLang="en-US" dirty="0">
+                <a:latin typeface="Optima" panose="02000503060000020004" pitchFamily="2" charset="0"/>
+                <a:ea typeface="KaiTi" panose="02010609060101010101" pitchFamily="49" charset="-122"/>
+              </a:rPr>
+              <a:t>位</a:t>
+            </a:r>
+            <a:r>
+              <a:rPr kumimoji="1" lang="en-US" altLang="zh-CN" dirty="0">
+                <a:latin typeface="Optima" panose="02000503060000020004" pitchFamily="2" charset="0"/>
+                <a:ea typeface="KaiTi" panose="02010609060101010101" pitchFamily="49" charset="-122"/>
+              </a:rPr>
+              <a:t> IP </a:t>
+            </a:r>
+            <a:r>
+              <a:rPr kumimoji="1" lang="zh-CN" altLang="en-US" dirty="0">
+                <a:latin typeface="Optima" panose="02000503060000020004" pitchFamily="2" charset="0"/>
+                <a:ea typeface="KaiTi" panose="02010609060101010101" pitchFamily="49" charset="-122"/>
+              </a:rPr>
+              <a:t>地址</a:t>
+            </a:r>
+            <a:endParaRPr kumimoji="1" lang="en" altLang="zh-CN" dirty="0">
+              <a:latin typeface="Optima" panose="02000503060000020004" pitchFamily="2" charset="0"/>
+              <a:ea typeface="KaiTi" panose="02010609060101010101" pitchFamily="49" charset="-122"/>
+            </a:endParaRPr>
+          </a:p>
+          <a:p>
+            <a:r>
+              <a:rPr lang="en" altLang="zh-CN" b="0" dirty="0">
+                <a:solidFill>
+                  <a:srgbClr val="0000FF"/>
+                </a:solidFill>
+                <a:effectLst/>
+                <a:latin typeface="Menlo" panose="020B0609030804020204" pitchFamily="49" charset="0"/>
+              </a:rPr>
+              <a:t>	char</a:t>
+            </a:r>
+            <a:r>
+              <a:rPr lang="en" altLang="zh-CN" b="0" dirty="0">
+                <a:solidFill>
+                  <a:srgbClr val="3B3B3B"/>
+                </a:solidFill>
+                <a:effectLst/>
+                <a:latin typeface="Menlo" panose="020B0609030804020204" pitchFamily="49" charset="0"/>
+              </a:rPr>
+              <a:t> </a:t>
+            </a:r>
+            <a:r>
+              <a:rPr lang="en" altLang="zh-CN" b="0" dirty="0" err="1">
+                <a:solidFill>
+                  <a:srgbClr val="001080"/>
+                </a:solidFill>
+                <a:effectLst/>
+                <a:latin typeface="Menlo" panose="020B0609030804020204" pitchFamily="49" charset="0"/>
+              </a:rPr>
+              <a:t>sin_zero</a:t>
+            </a:r>
+            <a:r>
+              <a:rPr lang="en" altLang="zh-CN" b="0" dirty="0">
+                <a:solidFill>
+                  <a:srgbClr val="3B3B3B"/>
+                </a:solidFill>
+                <a:effectLst/>
+                <a:latin typeface="Menlo" panose="020B0609030804020204" pitchFamily="49" charset="0"/>
+              </a:rPr>
+              <a:t>[</a:t>
+            </a:r>
+            <a:r>
+              <a:rPr lang="en" altLang="zh-CN" b="0" dirty="0">
+                <a:solidFill>
+                  <a:srgbClr val="098658"/>
+                </a:solidFill>
+                <a:effectLst/>
+                <a:latin typeface="Menlo" panose="020B0609030804020204" pitchFamily="49" charset="0"/>
+              </a:rPr>
+              <a:t>8</a:t>
+            </a:r>
+            <a:r>
+              <a:rPr lang="en" altLang="zh-CN" b="0" dirty="0">
+                <a:solidFill>
+                  <a:srgbClr val="3B3B3B"/>
+                </a:solidFill>
+                <a:effectLst/>
+                <a:latin typeface="Menlo" panose="020B0609030804020204" pitchFamily="49" charset="0"/>
+              </a:rPr>
+              <a:t>];			</a:t>
+            </a:r>
+            <a:r>
+              <a:rPr kumimoji="1" lang="en-US" altLang="zh-CN" dirty="0">
+                <a:latin typeface="Optima" panose="02000503060000020004" pitchFamily="2" charset="0"/>
+                <a:ea typeface="KaiTi" panose="02010609060101010101" pitchFamily="49" charset="-122"/>
+              </a:rPr>
+              <a:t>//</a:t>
+            </a:r>
+            <a:r>
+              <a:rPr kumimoji="1" lang="zh-CN" altLang="en-US" dirty="0">
+                <a:latin typeface="Optima" panose="02000503060000020004" pitchFamily="2" charset="0"/>
+                <a:ea typeface="KaiTi" panose="02010609060101010101" pitchFamily="49" charset="-122"/>
+              </a:rPr>
+              <a:t> 为了与 </a:t>
+            </a:r>
+            <a:r>
+              <a:rPr lang="en-US" altLang="zh-CN" dirty="0" err="1">
+                <a:solidFill>
+                  <a:srgbClr val="267F99"/>
+                </a:solidFill>
+                <a:latin typeface="Menlo" panose="020B0609030804020204" pitchFamily="49" charset="0"/>
+              </a:rPr>
+              <a:t>sockaddr</a:t>
+            </a:r>
+            <a:r>
+              <a:rPr lang="en-US" altLang="zh-CN" b="0" dirty="0">
+                <a:solidFill>
+                  <a:srgbClr val="3B3B3B"/>
+                </a:solidFill>
+                <a:effectLst/>
+                <a:latin typeface="Menlo" panose="020B0609030804020204" pitchFamily="49" charset="0"/>
+              </a:rPr>
+              <a:t> </a:t>
+            </a:r>
+            <a:r>
+              <a:rPr kumimoji="1" lang="zh-CN" altLang="en-US" dirty="0">
+                <a:latin typeface="Optima" panose="02000503060000020004" pitchFamily="2" charset="0"/>
+                <a:ea typeface="KaiTi" panose="02010609060101010101" pitchFamily="49" charset="-122"/>
+              </a:rPr>
+              <a:t>结构体保持一致</a:t>
+            </a:r>
+            <a:endParaRPr kumimoji="1" lang="en" altLang="zh-CN" dirty="0">
+              <a:latin typeface="Optima" panose="02000503060000020004" pitchFamily="2" charset="0"/>
+              <a:ea typeface="KaiTi" panose="02010609060101010101" pitchFamily="49" charset="-122"/>
+            </a:endParaRPr>
+          </a:p>
+          <a:p>
+            <a:r>
+              <a:rPr lang="en" altLang="zh-CN" b="0" dirty="0">
+                <a:solidFill>
+                  <a:srgbClr val="3B3B3B"/>
+                </a:solidFill>
+                <a:effectLst/>
+                <a:latin typeface="Menlo" panose="020B0609030804020204" pitchFamily="49" charset="0"/>
+              </a:rPr>
+              <a:t>};</a:t>
+            </a:r>
+          </a:p>
+          <a:p>
+            <a:pPr>
+              <a:lnSpc>
+                <a:spcPct val="50000"/>
+              </a:lnSpc>
+            </a:pPr>
+            <a:endParaRPr lang="en" altLang="zh-CN" dirty="0">
+              <a:solidFill>
+                <a:srgbClr val="3B3B3B"/>
+              </a:solidFill>
+              <a:latin typeface="Menlo" panose="020B0609030804020204" pitchFamily="49" charset="0"/>
+            </a:endParaRPr>
+          </a:p>
+          <a:p>
+            <a:r>
+              <a:rPr lang="en" altLang="zh-CN" b="0" dirty="0">
+                <a:solidFill>
+                  <a:srgbClr val="0000FF"/>
+                </a:solidFill>
+                <a:effectLst/>
+                <a:latin typeface="Menlo" panose="020B0609030804020204" pitchFamily="49" charset="0"/>
+              </a:rPr>
+              <a:t>struct</a:t>
+            </a:r>
+            <a:r>
+              <a:rPr lang="en" altLang="zh-CN" b="0" dirty="0">
+                <a:solidFill>
+                  <a:srgbClr val="3B3B3B"/>
+                </a:solidFill>
+                <a:effectLst/>
+                <a:latin typeface="Menlo" panose="020B0609030804020204" pitchFamily="49" charset="0"/>
+              </a:rPr>
+              <a:t> </a:t>
+            </a:r>
+            <a:r>
+              <a:rPr lang="en" altLang="zh-CN" b="0" dirty="0" err="1">
+                <a:solidFill>
+                  <a:srgbClr val="267F99"/>
+                </a:solidFill>
+                <a:effectLst/>
+                <a:latin typeface="Menlo" panose="020B0609030804020204" pitchFamily="49" charset="0"/>
+              </a:rPr>
+              <a:t>in_addr</a:t>
+            </a:r>
+            <a:r>
+              <a:rPr lang="en" altLang="zh-CN" b="0" dirty="0">
+                <a:solidFill>
+                  <a:srgbClr val="3B3B3B"/>
+                </a:solidFill>
+                <a:effectLst/>
+                <a:latin typeface="Menlo" panose="020B0609030804020204" pitchFamily="49" charset="0"/>
+              </a:rPr>
+              <a:t> </a:t>
+            </a:r>
+          </a:p>
+          <a:p>
+            <a:r>
+              <a:rPr lang="en" altLang="zh-CN" b="0" dirty="0">
+                <a:solidFill>
+                  <a:srgbClr val="3B3B3B"/>
+                </a:solidFill>
+                <a:effectLst/>
+                <a:latin typeface="Menlo" panose="020B0609030804020204" pitchFamily="49" charset="0"/>
+              </a:rPr>
+              <a:t>{</a:t>
+            </a:r>
+          </a:p>
+          <a:p>
+            <a:r>
+              <a:rPr lang="en" altLang="zh-CN" b="0" dirty="0">
+                <a:solidFill>
+                  <a:srgbClr val="267F99"/>
+                </a:solidFill>
+                <a:effectLst/>
+                <a:latin typeface="Menlo" panose="020B0609030804020204" pitchFamily="49" charset="0"/>
+              </a:rPr>
+              <a:t>	</a:t>
+            </a:r>
+            <a:r>
+              <a:rPr lang="en" altLang="zh-CN" b="0" dirty="0" err="1">
+                <a:solidFill>
+                  <a:srgbClr val="267F99"/>
+                </a:solidFill>
+                <a:effectLst/>
+                <a:latin typeface="Menlo" panose="020B0609030804020204" pitchFamily="49" charset="0"/>
+              </a:rPr>
+              <a:t>in_addr_t</a:t>
+            </a:r>
+            <a:r>
+              <a:rPr lang="en" altLang="zh-CN" b="0" dirty="0">
+                <a:solidFill>
+                  <a:srgbClr val="3B3B3B"/>
+                </a:solidFill>
+                <a:effectLst/>
+                <a:latin typeface="Menlo" panose="020B0609030804020204" pitchFamily="49" charset="0"/>
+              </a:rPr>
+              <a:t> </a:t>
+            </a:r>
+            <a:r>
+              <a:rPr lang="en" altLang="zh-CN" b="0" dirty="0" err="1">
+                <a:solidFill>
+                  <a:srgbClr val="001080"/>
+                </a:solidFill>
+                <a:effectLst/>
+                <a:latin typeface="Menlo" panose="020B0609030804020204" pitchFamily="49" charset="0"/>
+              </a:rPr>
+              <a:t>s_addr</a:t>
+            </a:r>
+            <a:r>
+              <a:rPr lang="en" altLang="zh-CN" b="0" dirty="0">
+                <a:solidFill>
+                  <a:srgbClr val="3B3B3B"/>
+                </a:solidFill>
+                <a:effectLst/>
+                <a:latin typeface="Menlo" panose="020B0609030804020204" pitchFamily="49" charset="0"/>
+              </a:rPr>
+              <a:t>;			</a:t>
+            </a:r>
+            <a:r>
+              <a:rPr kumimoji="1" lang="en-US" altLang="zh-CN" dirty="0">
+                <a:latin typeface="Optima" panose="02000503060000020004" pitchFamily="2" charset="0"/>
+                <a:ea typeface="KaiTi" panose="02010609060101010101" pitchFamily="49" charset="-122"/>
+              </a:rPr>
+              <a:t>//</a:t>
+            </a:r>
+            <a:r>
+              <a:rPr kumimoji="1" lang="zh-CN" altLang="en-US" dirty="0">
+                <a:latin typeface="Optima" panose="02000503060000020004" pitchFamily="2" charset="0"/>
+                <a:ea typeface="KaiTi" panose="02010609060101010101" pitchFamily="49" charset="-122"/>
+              </a:rPr>
+              <a:t> </a:t>
+            </a:r>
+            <a:r>
+              <a:rPr kumimoji="1" lang="en-US" altLang="zh-CN" dirty="0">
+                <a:latin typeface="Optima" panose="02000503060000020004" pitchFamily="2" charset="0"/>
+                <a:ea typeface="KaiTi" panose="02010609060101010101" pitchFamily="49" charset="-122"/>
+              </a:rPr>
+              <a:t>32</a:t>
+            </a:r>
+            <a:r>
+              <a:rPr kumimoji="1" lang="zh-CN" altLang="en-US" dirty="0">
+                <a:latin typeface="Optima" panose="02000503060000020004" pitchFamily="2" charset="0"/>
+                <a:ea typeface="KaiTi" panose="02010609060101010101" pitchFamily="49" charset="-122"/>
+              </a:rPr>
+              <a:t> 位</a:t>
+            </a:r>
+            <a:r>
+              <a:rPr kumimoji="1" lang="en-US" altLang="zh-CN" dirty="0">
+                <a:latin typeface="Optima" panose="02000503060000020004" pitchFamily="2" charset="0"/>
+                <a:ea typeface="KaiTi" panose="02010609060101010101" pitchFamily="49" charset="-122"/>
+              </a:rPr>
+              <a:t> IPv4 </a:t>
+            </a:r>
+            <a:r>
+              <a:rPr kumimoji="1" lang="zh-CN" altLang="en-US" dirty="0">
+                <a:latin typeface="Optima" panose="02000503060000020004" pitchFamily="2" charset="0"/>
+                <a:ea typeface="KaiTi" panose="02010609060101010101" pitchFamily="49" charset="-122"/>
+              </a:rPr>
+              <a:t>地址</a:t>
+            </a:r>
+            <a:endParaRPr kumimoji="1" lang="en" altLang="zh-CN" dirty="0">
+              <a:latin typeface="Optima" panose="02000503060000020004" pitchFamily="2" charset="0"/>
+              <a:ea typeface="KaiTi" panose="02010609060101010101" pitchFamily="49" charset="-122"/>
+            </a:endParaRPr>
+          </a:p>
+          <a:p>
+            <a:r>
+              <a:rPr lang="en" altLang="zh-CN" b="0" dirty="0">
+                <a:solidFill>
+                  <a:srgbClr val="3B3B3B"/>
+                </a:solidFill>
+                <a:effectLst/>
+                <a:latin typeface="Menlo" panose="020B0609030804020204" pitchFamily="49" charset="0"/>
+              </a:rPr>
+              <a:t>};</a:t>
+            </a:r>
+          </a:p>
+          <a:p>
+            <a:endParaRPr lang="en" altLang="zh-CN" dirty="0">
+              <a:solidFill>
+                <a:srgbClr val="3B3B3B"/>
+              </a:solidFill>
+              <a:latin typeface="Menlo" panose="020B0609030804020204" pitchFamily="49" charset="0"/>
+            </a:endParaRPr>
+          </a:p>
+          <a:p>
+            <a:r>
+              <a:rPr lang="en" altLang="zh-CN" b="0" dirty="0">
+                <a:solidFill>
+                  <a:srgbClr val="0000FF"/>
+                </a:solidFill>
+                <a:effectLst/>
+                <a:latin typeface="Menlo" panose="020B0609030804020204" pitchFamily="49" charset="0"/>
+              </a:rPr>
+              <a:t>struct</a:t>
+            </a:r>
+            <a:r>
+              <a:rPr lang="en" altLang="zh-CN" b="0" dirty="0">
+                <a:solidFill>
+                  <a:srgbClr val="3B3B3B"/>
+                </a:solidFill>
+                <a:effectLst/>
+                <a:latin typeface="Menlo" panose="020B0609030804020204" pitchFamily="49" charset="0"/>
+              </a:rPr>
+              <a:t> </a:t>
+            </a:r>
+            <a:r>
+              <a:rPr lang="en" altLang="zh-CN" b="0" dirty="0" err="1">
+                <a:solidFill>
+                  <a:srgbClr val="267F99"/>
+                </a:solidFill>
+                <a:effectLst/>
+                <a:latin typeface="Menlo" panose="020B0609030804020204" pitchFamily="49" charset="0"/>
+              </a:rPr>
+              <a:t>sockaddr_in</a:t>
+            </a:r>
+            <a:r>
+              <a:rPr lang="en" altLang="zh-CN" b="0" dirty="0">
+                <a:solidFill>
+                  <a:srgbClr val="3B3B3B"/>
+                </a:solidFill>
+                <a:effectLst/>
+                <a:latin typeface="Menlo" panose="020B0609030804020204" pitchFamily="49" charset="0"/>
+              </a:rPr>
+              <a:t> </a:t>
+            </a:r>
+            <a:r>
+              <a:rPr lang="en" altLang="zh-CN" b="0" dirty="0" err="1">
+                <a:solidFill>
+                  <a:srgbClr val="001080"/>
+                </a:solidFill>
+                <a:effectLst/>
+                <a:latin typeface="Menlo" panose="020B0609030804020204" pitchFamily="49" charset="0"/>
+              </a:rPr>
+              <a:t>serv_addr</a:t>
+            </a:r>
+            <a:r>
+              <a:rPr lang="en" altLang="zh-CN" b="0" dirty="0">
+                <a:solidFill>
+                  <a:srgbClr val="3B3B3B"/>
+                </a:solidFill>
+                <a:effectLst/>
+                <a:latin typeface="Menlo" panose="020B0609030804020204" pitchFamily="49" charset="0"/>
+              </a:rPr>
+              <a:t>;</a:t>
+            </a:r>
+            <a:endParaRPr lang="en" altLang="zh-CN" b="0" dirty="0">
+              <a:solidFill>
+                <a:srgbClr val="795E26"/>
+              </a:solidFill>
+              <a:effectLst/>
+              <a:latin typeface="Menlo" panose="020B0609030804020204" pitchFamily="49" charset="0"/>
+            </a:endParaRPr>
+          </a:p>
+          <a:p>
+            <a:r>
+              <a:rPr lang="en" altLang="zh-CN" b="0" dirty="0">
+                <a:solidFill>
+                  <a:srgbClr val="795E26"/>
+                </a:solidFill>
+                <a:effectLst/>
+                <a:latin typeface="Menlo" panose="020B0609030804020204" pitchFamily="49" charset="0"/>
+              </a:rPr>
+              <a:t>bind</a:t>
+            </a:r>
+            <a:r>
+              <a:rPr lang="en" altLang="zh-CN" b="0" dirty="0">
+                <a:solidFill>
+                  <a:srgbClr val="3B3B3B"/>
+                </a:solidFill>
+                <a:effectLst/>
+                <a:latin typeface="Menlo" panose="020B0609030804020204" pitchFamily="49" charset="0"/>
+              </a:rPr>
+              <a:t>(</a:t>
+            </a:r>
+            <a:r>
+              <a:rPr lang="en" altLang="zh-CN" b="0" dirty="0" err="1">
+                <a:solidFill>
+                  <a:srgbClr val="001080"/>
+                </a:solidFill>
+                <a:effectLst/>
+                <a:latin typeface="Menlo" panose="020B0609030804020204" pitchFamily="49" charset="0"/>
+              </a:rPr>
+              <a:t>serv_sock</a:t>
+            </a:r>
+            <a:r>
+              <a:rPr lang="en" altLang="zh-CN" b="0" dirty="0">
+                <a:solidFill>
+                  <a:srgbClr val="3B3B3B"/>
+                </a:solidFill>
+                <a:effectLst/>
+                <a:latin typeface="Menlo" panose="020B0609030804020204" pitchFamily="49" charset="0"/>
+              </a:rPr>
+              <a:t>, (</a:t>
+            </a:r>
+            <a:r>
+              <a:rPr lang="en" altLang="zh-CN" b="0" dirty="0">
+                <a:solidFill>
+                  <a:srgbClr val="0000FF"/>
+                </a:solidFill>
+                <a:effectLst/>
+                <a:latin typeface="Menlo" panose="020B0609030804020204" pitchFamily="49" charset="0"/>
+              </a:rPr>
+              <a:t>struct</a:t>
+            </a:r>
+            <a:r>
+              <a:rPr lang="en" altLang="zh-CN" b="0" dirty="0">
+                <a:solidFill>
+                  <a:srgbClr val="3B3B3B"/>
+                </a:solidFill>
+                <a:effectLst/>
+                <a:latin typeface="Menlo" panose="020B0609030804020204" pitchFamily="49" charset="0"/>
+              </a:rPr>
+              <a:t> </a:t>
+            </a:r>
+            <a:r>
+              <a:rPr lang="en" altLang="zh-CN" b="0" dirty="0" err="1">
+                <a:solidFill>
+                  <a:srgbClr val="267F99"/>
+                </a:solidFill>
+                <a:effectLst/>
+                <a:latin typeface="Menlo" panose="020B0609030804020204" pitchFamily="49" charset="0"/>
+              </a:rPr>
+              <a:t>sockaddr</a:t>
+            </a:r>
+            <a:r>
+              <a:rPr lang="en" altLang="zh-CN" b="0" dirty="0">
+                <a:solidFill>
+                  <a:srgbClr val="000000"/>
+                </a:solidFill>
+                <a:effectLst/>
+                <a:latin typeface="Menlo" panose="020B0609030804020204" pitchFamily="49" charset="0"/>
+              </a:rPr>
+              <a:t>*</a:t>
+            </a:r>
+            <a:r>
+              <a:rPr lang="en" altLang="zh-CN" b="0" dirty="0">
+                <a:solidFill>
+                  <a:srgbClr val="3B3B3B"/>
+                </a:solidFill>
+                <a:effectLst/>
+                <a:latin typeface="Menlo" panose="020B0609030804020204" pitchFamily="49" charset="0"/>
+              </a:rPr>
+              <a:t>) </a:t>
+            </a:r>
+            <a:r>
+              <a:rPr lang="en" altLang="zh-CN" b="0" dirty="0">
+                <a:solidFill>
+                  <a:srgbClr val="000000"/>
+                </a:solidFill>
+                <a:effectLst/>
+                <a:latin typeface="Menlo" panose="020B0609030804020204" pitchFamily="49" charset="0"/>
+              </a:rPr>
+              <a:t>&amp;</a:t>
+            </a:r>
+            <a:r>
+              <a:rPr lang="en" altLang="zh-CN" b="0" dirty="0" err="1">
+                <a:solidFill>
+                  <a:srgbClr val="001080"/>
+                </a:solidFill>
+                <a:effectLst/>
+                <a:latin typeface="Menlo" panose="020B0609030804020204" pitchFamily="49" charset="0"/>
+              </a:rPr>
+              <a:t>serv_addr</a:t>
+            </a:r>
+            <a:r>
+              <a:rPr lang="en" altLang="zh-CN" b="0" dirty="0">
+                <a:solidFill>
+                  <a:srgbClr val="3B3B3B"/>
+                </a:solidFill>
+                <a:effectLst/>
+                <a:latin typeface="Menlo" panose="020B0609030804020204" pitchFamily="49" charset="0"/>
+              </a:rPr>
+              <a:t>, </a:t>
+            </a:r>
+            <a:r>
+              <a:rPr lang="en" altLang="zh-CN" b="0" dirty="0" err="1">
+                <a:solidFill>
+                  <a:srgbClr val="0000FF"/>
+                </a:solidFill>
+                <a:effectLst/>
+                <a:latin typeface="Menlo" panose="020B0609030804020204" pitchFamily="49" charset="0"/>
+              </a:rPr>
+              <a:t>sizeof</a:t>
+            </a:r>
+            <a:r>
+              <a:rPr lang="en" altLang="zh-CN" b="0" dirty="0">
+                <a:solidFill>
+                  <a:srgbClr val="3B3B3B"/>
+                </a:solidFill>
+                <a:effectLst/>
+                <a:latin typeface="Menlo" panose="020B0609030804020204" pitchFamily="49" charset="0"/>
+              </a:rPr>
+              <a:t>(</a:t>
+            </a:r>
+            <a:r>
+              <a:rPr lang="en" altLang="zh-CN" b="0" dirty="0" err="1">
+                <a:solidFill>
+                  <a:srgbClr val="001080"/>
+                </a:solidFill>
+                <a:effectLst/>
+                <a:latin typeface="Menlo" panose="020B0609030804020204" pitchFamily="49" charset="0"/>
+              </a:rPr>
+              <a:t>serv_addr</a:t>
+            </a:r>
+            <a:r>
+              <a:rPr lang="en" altLang="zh-CN" b="0" dirty="0">
+                <a:solidFill>
+                  <a:srgbClr val="3B3B3B"/>
+                </a:solidFill>
+                <a:effectLst/>
+                <a:latin typeface="Menlo" panose="020B0609030804020204" pitchFamily="49" charset="0"/>
+              </a:rPr>
+              <a:t>)) </a:t>
+            </a:r>
+            <a:r>
+              <a:rPr lang="en" altLang="zh-CN" b="0" dirty="0">
+                <a:solidFill>
+                  <a:srgbClr val="000000"/>
+                </a:solidFill>
+                <a:effectLst/>
+                <a:latin typeface="Menlo" panose="020B0609030804020204" pitchFamily="49" charset="0"/>
+              </a:rPr>
+              <a:t>==</a:t>
+            </a:r>
+            <a:r>
+              <a:rPr lang="en" altLang="zh-CN" b="0" dirty="0">
+                <a:solidFill>
+                  <a:srgbClr val="3B3B3B"/>
+                </a:solidFill>
+                <a:effectLst/>
+                <a:latin typeface="Menlo" panose="020B0609030804020204" pitchFamily="49" charset="0"/>
+              </a:rPr>
+              <a:t> </a:t>
+            </a:r>
+            <a:r>
+              <a:rPr lang="en" altLang="zh-CN" b="0" dirty="0">
+                <a:solidFill>
+                  <a:srgbClr val="000000"/>
+                </a:solidFill>
+                <a:effectLst/>
+                <a:latin typeface="Menlo" panose="020B0609030804020204" pitchFamily="49" charset="0"/>
+              </a:rPr>
+              <a:t>-</a:t>
+            </a:r>
+            <a:r>
+              <a:rPr lang="en" altLang="zh-CN" b="0" dirty="0">
+                <a:solidFill>
+                  <a:srgbClr val="098658"/>
+                </a:solidFill>
+                <a:effectLst/>
+                <a:latin typeface="Menlo" panose="020B0609030804020204" pitchFamily="49" charset="0"/>
+              </a:rPr>
+              <a:t>1</a:t>
+            </a:r>
+            <a:endParaRPr lang="en" altLang="zh-CN" b="0" dirty="0">
+              <a:solidFill>
+                <a:srgbClr val="3B3B3B"/>
+              </a:solidFill>
+              <a:effectLst/>
+              <a:latin typeface="Menlo" panose="020B0609030804020204" pitchFamily="49" charset="0"/>
+            </a:endParaRPr>
+          </a:p>
+        </p:txBody>
+      </p:sp>
+      <p:sp>
+        <p:nvSpPr>
+          <p:cNvPr id="6" name="文本框 5">
+            <a:extLst>
+              <a:ext uri="{FF2B5EF4-FFF2-40B4-BE49-F238E27FC236}">
+                <a16:creationId xmlns:a16="http://schemas.microsoft.com/office/drawing/2014/main" id="{F00C0743-570C-7041-94AD-09C295B0220E}"/>
+              </a:ext>
+            </a:extLst>
+          </p:cNvPr>
+          <p:cNvSpPr txBox="1"/>
+          <p:nvPr/>
+        </p:nvSpPr>
+        <p:spPr>
+          <a:xfrm>
+            <a:off x="0" y="0"/>
+            <a:ext cx="2056910" cy="523220"/>
+          </a:xfrm>
+          <a:prstGeom prst="rect">
+            <a:avLst/>
+          </a:prstGeom>
+          <a:noFill/>
+        </p:spPr>
+        <p:txBody>
+          <a:bodyPr wrap="none" rtlCol="0">
+            <a:spAutoFit/>
+          </a:bodyPr>
+          <a:lstStyle/>
+          <a:p>
+            <a:r>
+              <a:rPr kumimoji="1" lang="en-US" altLang="zh-CN" sz="2800" dirty="0" err="1">
+                <a:latin typeface="Optima" panose="02000503060000020004" pitchFamily="2" charset="0"/>
+                <a:ea typeface="KaiTi" panose="02010609060101010101" pitchFamily="49" charset="-122"/>
+              </a:rPr>
+              <a:t>sockaddr_in</a:t>
+            </a:r>
+            <a:endParaRPr kumimoji="1" lang="zh-CN" altLang="en-US" sz="2800" dirty="0">
+              <a:latin typeface="Optima" panose="02000503060000020004" pitchFamily="2" charset="0"/>
+              <a:ea typeface="KaiTi" panose="02010609060101010101" pitchFamily="49" charset="-122"/>
+            </a:endParaRPr>
+          </a:p>
+        </p:txBody>
+      </p:sp>
+      <p:sp>
+        <p:nvSpPr>
+          <p:cNvPr id="9" name="文本框 8">
+            <a:extLst>
+              <a:ext uri="{FF2B5EF4-FFF2-40B4-BE49-F238E27FC236}">
+                <a16:creationId xmlns:a16="http://schemas.microsoft.com/office/drawing/2014/main" id="{67BD74F1-B831-2747-8277-87770911D73C}"/>
+              </a:ext>
+            </a:extLst>
+          </p:cNvPr>
+          <p:cNvSpPr txBox="1"/>
+          <p:nvPr/>
+        </p:nvSpPr>
+        <p:spPr>
+          <a:xfrm>
+            <a:off x="350194" y="4996149"/>
+            <a:ext cx="8711039" cy="400110"/>
+          </a:xfrm>
+          <a:prstGeom prst="rect">
+            <a:avLst/>
+          </a:prstGeom>
+          <a:noFill/>
+        </p:spPr>
+        <p:txBody>
+          <a:bodyPr wrap="none" rtlCol="0">
+            <a:spAutoFit/>
+          </a:bodyPr>
+          <a:lstStyle/>
+          <a:p>
+            <a:r>
+              <a:rPr kumimoji="1" lang="zh-CN" altLang="en-US" sz="2000" dirty="0">
+                <a:latin typeface="Optima" panose="02000503060000020004" pitchFamily="2" charset="0"/>
+                <a:ea typeface="KaiTi" panose="02010609060101010101" pitchFamily="49" charset="-122"/>
+              </a:rPr>
+              <a:t>可以看到</a:t>
+            </a:r>
+            <a:r>
+              <a:rPr kumimoji="1" lang="en-US" altLang="zh-CN" sz="2000" dirty="0">
+                <a:latin typeface="Optima" panose="02000503060000020004" pitchFamily="2" charset="0"/>
+                <a:ea typeface="KaiTi" panose="02010609060101010101" pitchFamily="49" charset="-122"/>
+              </a:rPr>
+              <a:t> blind </a:t>
+            </a:r>
+            <a:r>
+              <a:rPr kumimoji="1" lang="zh-CN" altLang="en-US" sz="2000" dirty="0">
+                <a:latin typeface="Optima" panose="02000503060000020004" pitchFamily="2" charset="0"/>
+                <a:ea typeface="KaiTi" panose="02010609060101010101" pitchFamily="49" charset="-122"/>
+              </a:rPr>
+              <a:t>函数的第二个参数类型为 </a:t>
+            </a:r>
+            <a:r>
+              <a:rPr lang="en" altLang="zh-CN" sz="2000" b="0" dirty="0">
+                <a:solidFill>
+                  <a:srgbClr val="0000FF"/>
+                </a:solidFill>
+                <a:effectLst/>
+                <a:latin typeface="Menlo" panose="020B0609030804020204" pitchFamily="49" charset="0"/>
+              </a:rPr>
+              <a:t>struct</a:t>
+            </a:r>
+            <a:r>
+              <a:rPr lang="en" altLang="zh-CN" sz="2000" b="0" dirty="0">
+                <a:solidFill>
+                  <a:srgbClr val="3B3B3B"/>
+                </a:solidFill>
+                <a:effectLst/>
+                <a:latin typeface="Menlo" panose="020B0609030804020204" pitchFamily="49" charset="0"/>
+              </a:rPr>
+              <a:t> </a:t>
+            </a:r>
+            <a:r>
+              <a:rPr lang="en" altLang="zh-CN" sz="2000" b="0" dirty="0" err="1">
+                <a:solidFill>
+                  <a:srgbClr val="267F99"/>
+                </a:solidFill>
+                <a:effectLst/>
+                <a:latin typeface="Menlo" panose="020B0609030804020204" pitchFamily="49" charset="0"/>
+              </a:rPr>
+              <a:t>sockaddr</a:t>
+            </a:r>
+            <a:r>
+              <a:rPr lang="en" altLang="zh-CN" sz="2000" b="0" dirty="0">
+                <a:solidFill>
+                  <a:srgbClr val="000000"/>
+                </a:solidFill>
+                <a:effectLst/>
+                <a:latin typeface="Menlo" panose="020B0609030804020204" pitchFamily="49" charset="0"/>
+              </a:rPr>
+              <a:t>*</a:t>
+            </a:r>
+            <a:r>
+              <a:rPr lang="zh-CN" altLang="en-US" sz="2000" dirty="0">
+                <a:solidFill>
+                  <a:srgbClr val="3B3B3B"/>
+                </a:solidFill>
+                <a:latin typeface="Menlo" panose="020B0609030804020204" pitchFamily="49" charset="0"/>
+              </a:rPr>
+              <a:t> </a:t>
+            </a:r>
+            <a:r>
+              <a:rPr kumimoji="1" lang="zh-CN" altLang="en-US" sz="2000" dirty="0">
+                <a:latin typeface="Optima" panose="02000503060000020004" pitchFamily="2" charset="0"/>
+                <a:ea typeface="KaiTi" panose="02010609060101010101" pitchFamily="49" charset="-122"/>
+              </a:rPr>
+              <a:t>结构体指针</a:t>
+            </a:r>
+          </a:p>
+        </p:txBody>
+      </p:sp>
+      <p:sp>
+        <p:nvSpPr>
+          <p:cNvPr id="13" name="文本框 12">
+            <a:extLst>
+              <a:ext uri="{FF2B5EF4-FFF2-40B4-BE49-F238E27FC236}">
+                <a16:creationId xmlns:a16="http://schemas.microsoft.com/office/drawing/2014/main" id="{E3A36EA8-8D24-2847-8A2B-D54D5F55E3A7}"/>
+              </a:ext>
+            </a:extLst>
+          </p:cNvPr>
+          <p:cNvSpPr txBox="1"/>
+          <p:nvPr/>
+        </p:nvSpPr>
+        <p:spPr>
+          <a:xfrm>
+            <a:off x="1293777" y="5324298"/>
+            <a:ext cx="5486402" cy="1477328"/>
+          </a:xfrm>
+          <a:prstGeom prst="rect">
+            <a:avLst/>
+          </a:prstGeom>
+          <a:noFill/>
+        </p:spPr>
+        <p:txBody>
+          <a:bodyPr wrap="square">
+            <a:spAutoFit/>
+          </a:bodyPr>
+          <a:lstStyle/>
+          <a:p>
+            <a:r>
+              <a:rPr lang="en" altLang="zh-CN" b="0" dirty="0">
+                <a:solidFill>
+                  <a:srgbClr val="0000FF"/>
+                </a:solidFill>
+                <a:effectLst/>
+                <a:latin typeface="Menlo" panose="020B0609030804020204" pitchFamily="49" charset="0"/>
+              </a:rPr>
+              <a:t>struct</a:t>
+            </a:r>
+            <a:r>
+              <a:rPr lang="en" altLang="zh-CN" b="0" dirty="0">
+                <a:solidFill>
+                  <a:srgbClr val="3B3B3B"/>
+                </a:solidFill>
+                <a:effectLst/>
+                <a:latin typeface="Menlo" panose="020B0609030804020204" pitchFamily="49" charset="0"/>
+              </a:rPr>
+              <a:t> </a:t>
+            </a:r>
+            <a:r>
+              <a:rPr lang="en" altLang="zh-CN" b="0" dirty="0" err="1">
+                <a:solidFill>
+                  <a:srgbClr val="267F99"/>
+                </a:solidFill>
+                <a:effectLst/>
+                <a:latin typeface="Menlo" panose="020B0609030804020204" pitchFamily="49" charset="0"/>
+              </a:rPr>
+              <a:t>sockaddr</a:t>
+            </a:r>
+            <a:r>
+              <a:rPr lang="en" altLang="zh-CN" b="0" dirty="0">
+                <a:solidFill>
+                  <a:srgbClr val="3B3B3B"/>
+                </a:solidFill>
+                <a:effectLst/>
+                <a:latin typeface="Menlo" panose="020B0609030804020204" pitchFamily="49" charset="0"/>
+              </a:rPr>
+              <a:t> </a:t>
+            </a:r>
+          </a:p>
+          <a:p>
+            <a:r>
+              <a:rPr lang="en" altLang="zh-CN" b="0" dirty="0">
+                <a:solidFill>
+                  <a:srgbClr val="3B3B3B"/>
+                </a:solidFill>
+                <a:effectLst/>
+                <a:latin typeface="Menlo" panose="020B0609030804020204" pitchFamily="49" charset="0"/>
+              </a:rPr>
+              <a:t>{</a:t>
+            </a:r>
+          </a:p>
+          <a:p>
+            <a:r>
+              <a:rPr lang="en" altLang="zh-CN" b="0" dirty="0">
+                <a:solidFill>
+                  <a:srgbClr val="267F99"/>
+                </a:solidFill>
+                <a:effectLst/>
+                <a:latin typeface="Menlo" panose="020B0609030804020204" pitchFamily="49" charset="0"/>
+              </a:rPr>
+              <a:t>	</a:t>
+            </a:r>
+            <a:r>
+              <a:rPr lang="en" altLang="zh-CN" b="0" dirty="0" err="1">
+                <a:solidFill>
+                  <a:srgbClr val="267F99"/>
+                </a:solidFill>
+                <a:effectLst/>
+                <a:latin typeface="Menlo" panose="020B0609030804020204" pitchFamily="49" charset="0"/>
+              </a:rPr>
+              <a:t>sa_family_t</a:t>
+            </a:r>
+            <a:r>
+              <a:rPr lang="en" altLang="zh-CN" b="0" dirty="0">
+                <a:solidFill>
+                  <a:srgbClr val="3B3B3B"/>
+                </a:solidFill>
+                <a:effectLst/>
+                <a:latin typeface="Menlo" panose="020B0609030804020204" pitchFamily="49" charset="0"/>
+              </a:rPr>
+              <a:t> </a:t>
+            </a:r>
+            <a:r>
+              <a:rPr lang="en" altLang="zh-CN" b="0" dirty="0" err="1">
+                <a:solidFill>
+                  <a:srgbClr val="001080"/>
+                </a:solidFill>
+                <a:effectLst/>
+                <a:latin typeface="Menlo" panose="020B0609030804020204" pitchFamily="49" charset="0"/>
+              </a:rPr>
+              <a:t>sa_family</a:t>
+            </a:r>
+            <a:r>
+              <a:rPr lang="en" altLang="zh-CN" b="0" dirty="0">
+                <a:solidFill>
+                  <a:srgbClr val="3B3B3B"/>
+                </a:solidFill>
+                <a:effectLst/>
+                <a:latin typeface="Menlo" panose="020B0609030804020204" pitchFamily="49" charset="0"/>
+              </a:rPr>
+              <a:t>;</a:t>
+            </a:r>
+            <a:r>
+              <a:rPr lang="en" altLang="zh-CN" b="0" dirty="0">
+                <a:solidFill>
+                  <a:srgbClr val="008000"/>
+                </a:solidFill>
+                <a:effectLst/>
+                <a:latin typeface="Menlo" panose="020B0609030804020204" pitchFamily="49" charset="0"/>
+              </a:rPr>
+              <a:t> </a:t>
+            </a:r>
+          </a:p>
+          <a:p>
+            <a:r>
+              <a:rPr lang="en" altLang="zh-CN" b="0" dirty="0">
+                <a:solidFill>
+                  <a:srgbClr val="0000FF"/>
+                </a:solidFill>
+                <a:effectLst/>
+                <a:latin typeface="Menlo" panose="020B0609030804020204" pitchFamily="49" charset="0"/>
+              </a:rPr>
+              <a:t>	char</a:t>
+            </a:r>
+            <a:r>
+              <a:rPr lang="en" altLang="zh-CN" b="0" dirty="0">
+                <a:solidFill>
+                  <a:srgbClr val="3B3B3B"/>
+                </a:solidFill>
+                <a:effectLst/>
+                <a:latin typeface="Menlo" panose="020B0609030804020204" pitchFamily="49" charset="0"/>
+              </a:rPr>
+              <a:t> </a:t>
+            </a:r>
+            <a:r>
+              <a:rPr lang="en" altLang="zh-CN" b="0" dirty="0" err="1">
+                <a:solidFill>
+                  <a:srgbClr val="001080"/>
+                </a:solidFill>
+                <a:effectLst/>
+                <a:latin typeface="Menlo" panose="020B0609030804020204" pitchFamily="49" charset="0"/>
+              </a:rPr>
+              <a:t>sa_data</a:t>
+            </a:r>
+            <a:r>
+              <a:rPr lang="en" altLang="zh-CN" b="0" dirty="0">
+                <a:solidFill>
+                  <a:srgbClr val="3B3B3B"/>
+                </a:solidFill>
+                <a:effectLst/>
+                <a:latin typeface="Menlo" panose="020B0609030804020204" pitchFamily="49" charset="0"/>
+              </a:rPr>
+              <a:t>[</a:t>
+            </a:r>
+            <a:r>
+              <a:rPr lang="en" altLang="zh-CN" b="0" dirty="0">
+                <a:solidFill>
+                  <a:srgbClr val="098658"/>
+                </a:solidFill>
+                <a:effectLst/>
+                <a:latin typeface="Menlo" panose="020B0609030804020204" pitchFamily="49" charset="0"/>
+              </a:rPr>
+              <a:t>14</a:t>
+            </a:r>
+            <a:r>
+              <a:rPr lang="en" altLang="zh-CN" b="0" dirty="0">
+                <a:solidFill>
+                  <a:srgbClr val="3B3B3B"/>
+                </a:solidFill>
+                <a:effectLst/>
+                <a:latin typeface="Menlo" panose="020B0609030804020204" pitchFamily="49" charset="0"/>
+              </a:rPr>
+              <a:t>]</a:t>
+            </a:r>
+          </a:p>
+          <a:p>
+            <a:r>
+              <a:rPr lang="en" altLang="zh-CN" b="0" dirty="0">
+                <a:solidFill>
+                  <a:srgbClr val="3B3B3B"/>
+                </a:solidFill>
+                <a:effectLst/>
+                <a:latin typeface="Menlo" panose="020B0609030804020204" pitchFamily="49" charset="0"/>
+              </a:rPr>
+              <a:t>};</a:t>
+            </a:r>
+          </a:p>
+        </p:txBody>
+      </p:sp>
+      <p:sp>
+        <p:nvSpPr>
+          <p:cNvPr id="14" name="文本框 13">
+            <a:extLst>
+              <a:ext uri="{FF2B5EF4-FFF2-40B4-BE49-F238E27FC236}">
+                <a16:creationId xmlns:a16="http://schemas.microsoft.com/office/drawing/2014/main" id="{C931AA49-D59C-E84A-A3F3-DE0D57FC8877}"/>
+              </a:ext>
+            </a:extLst>
+          </p:cNvPr>
+          <p:cNvSpPr txBox="1"/>
+          <p:nvPr/>
+        </p:nvSpPr>
+        <p:spPr>
+          <a:xfrm>
+            <a:off x="6522394" y="5998457"/>
+            <a:ext cx="3900427" cy="400110"/>
+          </a:xfrm>
+          <a:prstGeom prst="rect">
+            <a:avLst/>
+          </a:prstGeom>
+          <a:noFill/>
+        </p:spPr>
+        <p:txBody>
+          <a:bodyPr wrap="none" rtlCol="0">
+            <a:spAutoFit/>
+          </a:bodyPr>
+          <a:lstStyle/>
+          <a:p>
+            <a:r>
+              <a:rPr kumimoji="1" lang="en-US" altLang="zh-CN" sz="2000" dirty="0">
+                <a:latin typeface="Optima" panose="02000503060000020004" pitchFamily="2" charset="0"/>
+                <a:ea typeface="KaiTi" panose="02010609060101010101" pitchFamily="49" charset="-122"/>
+              </a:rPr>
+              <a:t>//</a:t>
+            </a:r>
+            <a:r>
+              <a:rPr kumimoji="1" lang="zh-CN" altLang="en-US" sz="2000" dirty="0">
+                <a:latin typeface="Optima" panose="02000503060000020004" pitchFamily="2" charset="0"/>
+                <a:ea typeface="KaiTi" panose="02010609060101010101" pitchFamily="49" charset="-122"/>
+              </a:rPr>
+              <a:t> 这样就使得满足 </a:t>
+            </a:r>
+            <a:r>
+              <a:rPr kumimoji="1" lang="en-US" altLang="zh-CN" sz="2000" dirty="0">
+                <a:latin typeface="Optima" panose="02000503060000020004" pitchFamily="2" charset="0"/>
+                <a:ea typeface="KaiTi" panose="02010609060101010101" pitchFamily="49" charset="-122"/>
+              </a:rPr>
+              <a:t>14 </a:t>
+            </a:r>
+            <a:r>
+              <a:rPr kumimoji="1" lang="zh-CN" altLang="en-US" sz="2000" dirty="0">
+                <a:latin typeface="Optima" panose="02000503060000020004" pitchFamily="2" charset="0"/>
+                <a:ea typeface="KaiTi" panose="02010609060101010101" pitchFamily="49" charset="-122"/>
+              </a:rPr>
+              <a:t>个字节要求</a:t>
+            </a:r>
+          </a:p>
+        </p:txBody>
+      </p:sp>
+    </p:spTree>
+    <p:extLst>
+      <p:ext uri="{BB962C8B-B14F-4D97-AF65-F5344CB8AC3E}">
+        <p14:creationId xmlns:p14="http://schemas.microsoft.com/office/powerpoint/2010/main" val="1999136382"/>
+      </p:ext>
+    </p:extLst>
+  </p:cSld>
+  <p:clrMapOvr>
+    <a:masterClrMapping/>
+  </p:clrMapOvr>
+</p:sld>
+</file>
+
+<file path=ppt/slides/slide9.xml><?xml version="1.0" encoding="utf-8"?>
+<p:sld xmlns:a="http://schemas.openxmlformats.org/drawingml/2006/main" xmlns:r="http://schemas.openxmlformats.org/officeDocument/2006/relationships" xmlns:p="http://schemas.openxmlformats.org/presentationml/2006/main">
+  <p:cSld>
+    <p:spTree>
+      <p:nvGrpSpPr>
+        <p:cNvPr id="1" name=""/>
+        <p:cNvGrpSpPr/>
+        <p:nvPr/>
+      </p:nvGrpSpPr>
+      <p:grpSpPr>
+        <a:xfrm>
+          <a:off x="0" y="0"/>
+          <a:ext cx="0" cy="0"/>
+          <a:chOff x="0" y="0"/>
+          <a:chExt cx="0" cy="0"/>
+        </a:xfrm>
+      </p:grpSpPr>
+      <p:sp>
+        <p:nvSpPr>
+          <p:cNvPr id="2" name="文本框 1">
+            <a:extLst>
+              <a:ext uri="{FF2B5EF4-FFF2-40B4-BE49-F238E27FC236}">
+                <a16:creationId xmlns:a16="http://schemas.microsoft.com/office/drawing/2014/main" id="{EE003F37-D0BF-A842-9EDD-590F8A1FE96B}"/>
+              </a:ext>
+            </a:extLst>
+          </p:cNvPr>
+          <p:cNvSpPr txBox="1"/>
+          <p:nvPr/>
+        </p:nvSpPr>
+        <p:spPr>
+          <a:xfrm>
+            <a:off x="953311" y="437745"/>
+            <a:ext cx="184731" cy="369332"/>
+          </a:xfrm>
+          <a:prstGeom prst="rect">
+            <a:avLst/>
+          </a:prstGeom>
+          <a:noFill/>
+        </p:spPr>
+        <p:txBody>
+          <a:bodyPr wrap="none" rtlCol="0">
+            <a:spAutoFit/>
+          </a:bodyPr>
+          <a:lstStyle/>
+          <a:p>
+            <a:endParaRPr kumimoji="1" lang="zh-CN" altLang="en-US" dirty="0"/>
+          </a:p>
+        </p:txBody>
+      </p:sp>
+    </p:spTree>
+    <p:extLst>
+      <p:ext uri="{BB962C8B-B14F-4D97-AF65-F5344CB8AC3E}">
+        <p14:creationId xmlns:p14="http://schemas.microsoft.com/office/powerpoint/2010/main" val="1295612317"/>
       </p:ext>
     </p:extLst>
   </p:cSld>

--- a/TCP:IP 网络编程.pptx
+++ b/TCP:IP 网络编程.pptx
@@ -15,11 +15,21 @@
     <p:sldId id="262" r:id="rId9"/>
     <p:sldId id="268" r:id="rId10"/>
     <p:sldId id="269" r:id="rId11"/>
-    <p:sldId id="270" r:id="rId12"/>
-    <p:sldId id="263" r:id="rId13"/>
-    <p:sldId id="264" r:id="rId14"/>
-    <p:sldId id="265" r:id="rId15"/>
-    <p:sldId id="266" r:id="rId16"/>
+    <p:sldId id="271" r:id="rId12"/>
+    <p:sldId id="273" r:id="rId13"/>
+    <p:sldId id="274" r:id="rId14"/>
+    <p:sldId id="275" r:id="rId15"/>
+    <p:sldId id="276" r:id="rId16"/>
+    <p:sldId id="280" r:id="rId17"/>
+    <p:sldId id="278" r:id="rId18"/>
+    <p:sldId id="281" r:id="rId19"/>
+    <p:sldId id="282" r:id="rId20"/>
+    <p:sldId id="283" r:id="rId21"/>
+    <p:sldId id="279" r:id="rId22"/>
+    <p:sldId id="284" r:id="rId23"/>
+    <p:sldId id="285" r:id="rId24"/>
+    <p:sldId id="286" r:id="rId25"/>
+    <p:sldId id="272" r:id="rId26"/>
   </p:sldIdLst>
   <p:sldSz cx="12192000" cy="6858000"/>
   <p:notesSz cx="6858000" cy="9144000"/>
@@ -257,7 +267,7 @@
           <a:p>
             <a:fld id="{846CE7D5-CF57-46EF-B807-FDD0502418D4}" type="datetimeFigureOut">
               <a:rPr lang="en-US" smtClean="0"/>
-              <a:t>8/11/23</a:t>
+              <a:t>8/12/23</a:t>
             </a:fld>
             <a:endParaRPr lang="en-US"/>
           </a:p>
@@ -427,7 +437,7 @@
           <a:p>
             <a:fld id="{846CE7D5-CF57-46EF-B807-FDD0502418D4}" type="datetimeFigureOut">
               <a:rPr lang="en-US" smtClean="0"/>
-              <a:t>8/11/23</a:t>
+              <a:t>8/12/23</a:t>
             </a:fld>
             <a:endParaRPr lang="en-US"/>
           </a:p>
@@ -607,7 +617,7 @@
           <a:p>
             <a:fld id="{846CE7D5-CF57-46EF-B807-FDD0502418D4}" type="datetimeFigureOut">
               <a:rPr lang="en-US" smtClean="0"/>
-              <a:t>8/11/23</a:t>
+              <a:t>8/12/23</a:t>
             </a:fld>
             <a:endParaRPr lang="en-US"/>
           </a:p>
@@ -777,7 +787,7 @@
           <a:p>
             <a:fld id="{846CE7D5-CF57-46EF-B807-FDD0502418D4}" type="datetimeFigureOut">
               <a:rPr lang="en-US" smtClean="0"/>
-              <a:t>8/11/23</a:t>
+              <a:t>8/12/23</a:t>
             </a:fld>
             <a:endParaRPr lang="en-US"/>
           </a:p>
@@ -1023,7 +1033,7 @@
           <a:p>
             <a:fld id="{846CE7D5-CF57-46EF-B807-FDD0502418D4}" type="datetimeFigureOut">
               <a:rPr lang="en-US" smtClean="0"/>
-              <a:t>8/11/23</a:t>
+              <a:t>8/12/23</a:t>
             </a:fld>
             <a:endParaRPr lang="en-US"/>
           </a:p>
@@ -1255,7 +1265,7 @@
           <a:p>
             <a:fld id="{846CE7D5-CF57-46EF-B807-FDD0502418D4}" type="datetimeFigureOut">
               <a:rPr lang="en-US" smtClean="0"/>
-              <a:t>8/11/23</a:t>
+              <a:t>8/12/23</a:t>
             </a:fld>
             <a:endParaRPr lang="en-US"/>
           </a:p>
@@ -1622,7 +1632,7 @@
           <a:p>
             <a:fld id="{846CE7D5-CF57-46EF-B807-FDD0502418D4}" type="datetimeFigureOut">
               <a:rPr lang="en-US" smtClean="0"/>
-              <a:t>8/11/23</a:t>
+              <a:t>8/12/23</a:t>
             </a:fld>
             <a:endParaRPr lang="en-US"/>
           </a:p>
@@ -1740,7 +1750,7 @@
           <a:p>
             <a:fld id="{846CE7D5-CF57-46EF-B807-FDD0502418D4}" type="datetimeFigureOut">
               <a:rPr lang="en-US" smtClean="0"/>
-              <a:t>8/11/23</a:t>
+              <a:t>8/12/23</a:t>
             </a:fld>
             <a:endParaRPr lang="en-US"/>
           </a:p>
@@ -1835,7 +1845,7 @@
           <a:p>
             <a:fld id="{846CE7D5-CF57-46EF-B807-FDD0502418D4}" type="datetimeFigureOut">
               <a:rPr lang="en-US" smtClean="0"/>
-              <a:t>8/11/23</a:t>
+              <a:t>8/12/23</a:t>
             </a:fld>
             <a:endParaRPr lang="en-US"/>
           </a:p>
@@ -2112,7 +2122,7 @@
           <a:p>
             <a:fld id="{846CE7D5-CF57-46EF-B807-FDD0502418D4}" type="datetimeFigureOut">
               <a:rPr lang="en-US" smtClean="0"/>
-              <a:t>8/11/23</a:t>
+              <a:t>8/12/23</a:t>
             </a:fld>
             <a:endParaRPr lang="en-US"/>
           </a:p>
@@ -2369,7 +2379,7 @@
           <a:p>
             <a:fld id="{846CE7D5-CF57-46EF-B807-FDD0502418D4}" type="datetimeFigureOut">
               <a:rPr lang="en-US" smtClean="0"/>
-              <a:t>8/11/23</a:t>
+              <a:t>8/12/23</a:t>
             </a:fld>
             <a:endParaRPr lang="en-US"/>
           </a:p>
@@ -2582,7 +2592,7 @@
           <a:p>
             <a:fld id="{846CE7D5-CF57-46EF-B807-FDD0502418D4}" type="datetimeFigureOut">
               <a:rPr lang="en-US" smtClean="0"/>
-              <a:t>8/11/23</a:t>
+              <a:t>8/12/23</a:t>
             </a:fld>
             <a:endParaRPr lang="en-US"/>
           </a:p>
@@ -3087,6 +3097,658 @@
           </a:p>
         </p:txBody>
       </p:sp>
+      <p:sp>
+        <p:nvSpPr>
+          <p:cNvPr id="3" name="文本框 2">
+            <a:extLst>
+              <a:ext uri="{FF2B5EF4-FFF2-40B4-BE49-F238E27FC236}">
+                <a16:creationId xmlns:a16="http://schemas.microsoft.com/office/drawing/2014/main" id="{D5900ABA-7B9C-B24D-B632-A376246BFC41}"/>
+              </a:ext>
+            </a:extLst>
+          </p:cNvPr>
+          <p:cNvSpPr txBox="1"/>
+          <p:nvPr/>
+        </p:nvSpPr>
+        <p:spPr>
+          <a:xfrm>
+            <a:off x="0" y="0"/>
+            <a:ext cx="1980029" cy="523220"/>
+          </a:xfrm>
+          <a:prstGeom prst="rect">
+            <a:avLst/>
+          </a:prstGeom>
+          <a:noFill/>
+        </p:spPr>
+        <p:txBody>
+          <a:bodyPr wrap="none" rtlCol="0">
+            <a:spAutoFit/>
+          </a:bodyPr>
+          <a:lstStyle/>
+          <a:p>
+            <a:r>
+              <a:rPr kumimoji="1" lang="zh-CN" altLang="en-US" sz="2800" dirty="0">
+                <a:latin typeface="Optima" panose="02000503060000020004" pitchFamily="2" charset="0"/>
+                <a:ea typeface="KaiTi" panose="02010609060101010101" pitchFamily="49" charset="-122"/>
+              </a:rPr>
+              <a:t>字节序转换</a:t>
+            </a:r>
+          </a:p>
+        </p:txBody>
+      </p:sp>
+      <p:sp>
+        <p:nvSpPr>
+          <p:cNvPr id="4" name="文本框 3">
+            <a:extLst>
+              <a:ext uri="{FF2B5EF4-FFF2-40B4-BE49-F238E27FC236}">
+                <a16:creationId xmlns:a16="http://schemas.microsoft.com/office/drawing/2014/main" id="{EF47449A-A431-C64C-B65B-F153BDF7C6B4}"/>
+              </a:ext>
+            </a:extLst>
+          </p:cNvPr>
+          <p:cNvSpPr txBox="1"/>
+          <p:nvPr/>
+        </p:nvSpPr>
+        <p:spPr>
+          <a:xfrm>
+            <a:off x="749030" y="1930460"/>
+            <a:ext cx="4626588" cy="2246769"/>
+          </a:xfrm>
+          <a:prstGeom prst="rect">
+            <a:avLst/>
+          </a:prstGeom>
+          <a:noFill/>
+        </p:spPr>
+        <p:txBody>
+          <a:bodyPr wrap="none" rtlCol="0">
+            <a:spAutoFit/>
+          </a:bodyPr>
+          <a:lstStyle/>
+          <a:p>
+            <a:pPr marL="342900" indent="-342900">
+              <a:buFont typeface="Wingdings" pitchFamily="2" charset="2"/>
+              <a:buChar char="ü"/>
+            </a:pPr>
+            <a:r>
+              <a:rPr kumimoji="1" lang="en-US" altLang="zh-CN" sz="2000" dirty="0">
+                <a:latin typeface="Optima" panose="02000503060000020004" pitchFamily="2" charset="0"/>
+                <a:ea typeface="KaiTi" panose="02010609060101010101" pitchFamily="49" charset="-122"/>
+              </a:rPr>
+              <a:t>unsigned</a:t>
+            </a:r>
+            <a:r>
+              <a:rPr kumimoji="1" lang="zh-CN" altLang="en-US" sz="2000" dirty="0">
+                <a:latin typeface="Optima" panose="02000503060000020004" pitchFamily="2" charset="0"/>
+                <a:ea typeface="KaiTi" panose="02010609060101010101" pitchFamily="49" charset="-122"/>
+              </a:rPr>
+              <a:t> </a:t>
+            </a:r>
+            <a:r>
+              <a:rPr kumimoji="1" lang="en-US" altLang="zh-CN" sz="2000" dirty="0">
+                <a:latin typeface="Optima" panose="02000503060000020004" pitchFamily="2" charset="0"/>
+                <a:ea typeface="KaiTi" panose="02010609060101010101" pitchFamily="49" charset="-122"/>
+              </a:rPr>
+              <a:t>short</a:t>
+            </a:r>
+            <a:r>
+              <a:rPr kumimoji="1" lang="zh-CN" altLang="en-US" sz="2000" dirty="0">
+                <a:latin typeface="Optima" panose="02000503060000020004" pitchFamily="2" charset="0"/>
+                <a:ea typeface="KaiTi" panose="02010609060101010101" pitchFamily="49" charset="-122"/>
+              </a:rPr>
+              <a:t> </a:t>
+            </a:r>
+            <a:r>
+              <a:rPr kumimoji="1" lang="en-US" altLang="zh-CN" sz="2000" b="1" dirty="0" err="1">
+                <a:latin typeface="Optima" panose="02000503060000020004" pitchFamily="2" charset="0"/>
+                <a:ea typeface="KaiTi" panose="02010609060101010101" pitchFamily="49" charset="-122"/>
+              </a:rPr>
+              <a:t>htons</a:t>
+            </a:r>
+            <a:r>
+              <a:rPr kumimoji="1" lang="en-US" altLang="zh-CN" sz="2000" dirty="0">
+                <a:latin typeface="Optima" panose="02000503060000020004" pitchFamily="2" charset="0"/>
+                <a:ea typeface="KaiTi" panose="02010609060101010101" pitchFamily="49" charset="-122"/>
+              </a:rPr>
+              <a:t>(unsigned</a:t>
+            </a:r>
+            <a:r>
+              <a:rPr kumimoji="1" lang="zh-CN" altLang="en-US" sz="2000" dirty="0">
+                <a:latin typeface="Optima" panose="02000503060000020004" pitchFamily="2" charset="0"/>
+                <a:ea typeface="KaiTi" panose="02010609060101010101" pitchFamily="49" charset="-122"/>
+              </a:rPr>
+              <a:t> </a:t>
+            </a:r>
+            <a:r>
+              <a:rPr kumimoji="1" lang="en-US" altLang="zh-CN" sz="2000" dirty="0">
+                <a:latin typeface="Optima" panose="02000503060000020004" pitchFamily="2" charset="0"/>
+                <a:ea typeface="KaiTi" panose="02010609060101010101" pitchFamily="49" charset="-122"/>
+              </a:rPr>
+              <a:t>short);</a:t>
+            </a:r>
+          </a:p>
+          <a:p>
+            <a:pPr marL="342900" indent="-342900">
+              <a:buFont typeface="Wingdings" pitchFamily="2" charset="2"/>
+              <a:buChar char="ü"/>
+            </a:pPr>
+            <a:endParaRPr kumimoji="1" lang="en-US" altLang="zh-CN" sz="2000" dirty="0">
+              <a:latin typeface="Optima" panose="02000503060000020004" pitchFamily="2" charset="0"/>
+              <a:ea typeface="KaiTi" panose="02010609060101010101" pitchFamily="49" charset="-122"/>
+            </a:endParaRPr>
+          </a:p>
+          <a:p>
+            <a:pPr marL="342900" indent="-342900">
+              <a:buFont typeface="Wingdings" pitchFamily="2" charset="2"/>
+              <a:buChar char="ü"/>
+            </a:pPr>
+            <a:r>
+              <a:rPr kumimoji="1" lang="en-US" altLang="zh-CN" sz="2000" dirty="0">
+                <a:latin typeface="Optima" panose="02000503060000020004" pitchFamily="2" charset="0"/>
+                <a:ea typeface="KaiTi" panose="02010609060101010101" pitchFamily="49" charset="-122"/>
+              </a:rPr>
+              <a:t>unsigned</a:t>
+            </a:r>
+            <a:r>
+              <a:rPr kumimoji="1" lang="zh-CN" altLang="en-US" sz="2000" dirty="0">
+                <a:latin typeface="Optima" panose="02000503060000020004" pitchFamily="2" charset="0"/>
+                <a:ea typeface="KaiTi" panose="02010609060101010101" pitchFamily="49" charset="-122"/>
+              </a:rPr>
+              <a:t> </a:t>
+            </a:r>
+            <a:r>
+              <a:rPr kumimoji="1" lang="en-US" altLang="zh-CN" sz="2000" dirty="0">
+                <a:latin typeface="Optima" panose="02000503060000020004" pitchFamily="2" charset="0"/>
+                <a:ea typeface="KaiTi" panose="02010609060101010101" pitchFamily="49" charset="-122"/>
+              </a:rPr>
+              <a:t>short</a:t>
+            </a:r>
+            <a:r>
+              <a:rPr kumimoji="1" lang="zh-CN" altLang="en-US" sz="2000" dirty="0">
+                <a:latin typeface="Optima" panose="02000503060000020004" pitchFamily="2" charset="0"/>
+                <a:ea typeface="KaiTi" panose="02010609060101010101" pitchFamily="49" charset="-122"/>
+              </a:rPr>
+              <a:t> </a:t>
+            </a:r>
+            <a:r>
+              <a:rPr kumimoji="1" lang="en-US" altLang="zh-CN" sz="2000" b="1" dirty="0" err="1">
+                <a:latin typeface="Optima" panose="02000503060000020004" pitchFamily="2" charset="0"/>
+                <a:ea typeface="KaiTi" panose="02010609060101010101" pitchFamily="49" charset="-122"/>
+              </a:rPr>
+              <a:t>ntohs</a:t>
+            </a:r>
+            <a:r>
+              <a:rPr kumimoji="1" lang="en-US" altLang="zh-CN" sz="2000" dirty="0">
+                <a:latin typeface="Optima" panose="02000503060000020004" pitchFamily="2" charset="0"/>
+                <a:ea typeface="KaiTi" panose="02010609060101010101" pitchFamily="49" charset="-122"/>
+              </a:rPr>
+              <a:t>(unsigned</a:t>
+            </a:r>
+            <a:r>
+              <a:rPr kumimoji="1" lang="zh-CN" altLang="en-US" sz="2000" dirty="0">
+                <a:latin typeface="Optima" panose="02000503060000020004" pitchFamily="2" charset="0"/>
+                <a:ea typeface="KaiTi" panose="02010609060101010101" pitchFamily="49" charset="-122"/>
+              </a:rPr>
+              <a:t> </a:t>
+            </a:r>
+            <a:r>
+              <a:rPr kumimoji="1" lang="en-US" altLang="zh-CN" sz="2000" dirty="0">
+                <a:latin typeface="Optima" panose="02000503060000020004" pitchFamily="2" charset="0"/>
+                <a:ea typeface="KaiTi" panose="02010609060101010101" pitchFamily="49" charset="-122"/>
+              </a:rPr>
+              <a:t>short);</a:t>
+            </a:r>
+          </a:p>
+          <a:p>
+            <a:pPr marL="342900" indent="-342900">
+              <a:buFont typeface="Wingdings" pitchFamily="2" charset="2"/>
+              <a:buChar char="ü"/>
+            </a:pPr>
+            <a:endParaRPr kumimoji="1" lang="en-US" altLang="zh-CN" sz="2000" dirty="0">
+              <a:latin typeface="Optima" panose="02000503060000020004" pitchFamily="2" charset="0"/>
+              <a:ea typeface="KaiTi" panose="02010609060101010101" pitchFamily="49" charset="-122"/>
+            </a:endParaRPr>
+          </a:p>
+          <a:p>
+            <a:pPr marL="342900" indent="-342900">
+              <a:buFont typeface="Wingdings" pitchFamily="2" charset="2"/>
+              <a:buChar char="ü"/>
+            </a:pPr>
+            <a:r>
+              <a:rPr kumimoji="1" lang="en-US" altLang="zh-CN" sz="2000" dirty="0">
+                <a:latin typeface="Optima" panose="02000503060000020004" pitchFamily="2" charset="0"/>
+                <a:ea typeface="KaiTi" panose="02010609060101010101" pitchFamily="49" charset="-122"/>
+              </a:rPr>
+              <a:t>unsigned</a:t>
+            </a:r>
+            <a:r>
+              <a:rPr kumimoji="1" lang="zh-CN" altLang="en-US" sz="2000" dirty="0">
+                <a:latin typeface="Optima" panose="02000503060000020004" pitchFamily="2" charset="0"/>
+                <a:ea typeface="KaiTi" panose="02010609060101010101" pitchFamily="49" charset="-122"/>
+              </a:rPr>
+              <a:t> </a:t>
+            </a:r>
+            <a:r>
+              <a:rPr kumimoji="1" lang="en-US" altLang="zh-CN" sz="2000" dirty="0">
+                <a:latin typeface="Optima" panose="02000503060000020004" pitchFamily="2" charset="0"/>
+                <a:ea typeface="KaiTi" panose="02010609060101010101" pitchFamily="49" charset="-122"/>
+              </a:rPr>
+              <a:t>long</a:t>
+            </a:r>
+            <a:r>
+              <a:rPr kumimoji="1" lang="zh-CN" altLang="en-US" sz="2000" dirty="0">
+                <a:latin typeface="Optima" panose="02000503060000020004" pitchFamily="2" charset="0"/>
+                <a:ea typeface="KaiTi" panose="02010609060101010101" pitchFamily="49" charset="-122"/>
+              </a:rPr>
+              <a:t> </a:t>
+            </a:r>
+            <a:r>
+              <a:rPr kumimoji="1" lang="en-US" altLang="zh-CN" sz="2000" b="1" dirty="0" err="1">
+                <a:latin typeface="Optima" panose="02000503060000020004" pitchFamily="2" charset="0"/>
+                <a:ea typeface="KaiTi" panose="02010609060101010101" pitchFamily="49" charset="-122"/>
+              </a:rPr>
+              <a:t>htonl</a:t>
+            </a:r>
+            <a:r>
+              <a:rPr kumimoji="1" lang="en-US" altLang="zh-CN" sz="2000" dirty="0">
+                <a:latin typeface="Optima" panose="02000503060000020004" pitchFamily="2" charset="0"/>
+                <a:ea typeface="KaiTi" panose="02010609060101010101" pitchFamily="49" charset="-122"/>
+              </a:rPr>
+              <a:t>(unsigned</a:t>
+            </a:r>
+            <a:r>
+              <a:rPr kumimoji="1" lang="zh-CN" altLang="en-US" sz="2000" dirty="0">
+                <a:latin typeface="Optima" panose="02000503060000020004" pitchFamily="2" charset="0"/>
+                <a:ea typeface="KaiTi" panose="02010609060101010101" pitchFamily="49" charset="-122"/>
+              </a:rPr>
+              <a:t> </a:t>
+            </a:r>
+            <a:r>
+              <a:rPr kumimoji="1" lang="en-US" altLang="zh-CN" sz="2000" dirty="0">
+                <a:latin typeface="Optima" panose="02000503060000020004" pitchFamily="2" charset="0"/>
+                <a:ea typeface="KaiTi" panose="02010609060101010101" pitchFamily="49" charset="-122"/>
+              </a:rPr>
+              <a:t>long);</a:t>
+            </a:r>
+          </a:p>
+          <a:p>
+            <a:pPr marL="342900" indent="-342900">
+              <a:buFont typeface="Wingdings" pitchFamily="2" charset="2"/>
+              <a:buChar char="ü"/>
+            </a:pPr>
+            <a:endParaRPr kumimoji="1" lang="en-US" altLang="zh-CN" sz="2000" dirty="0">
+              <a:latin typeface="Optima" panose="02000503060000020004" pitchFamily="2" charset="0"/>
+              <a:ea typeface="KaiTi" panose="02010609060101010101" pitchFamily="49" charset="-122"/>
+            </a:endParaRPr>
+          </a:p>
+          <a:p>
+            <a:pPr marL="342900" indent="-342900">
+              <a:buFont typeface="Wingdings" pitchFamily="2" charset="2"/>
+              <a:buChar char="ü"/>
+            </a:pPr>
+            <a:r>
+              <a:rPr kumimoji="1" lang="en-US" altLang="zh-CN" sz="2000" dirty="0">
+                <a:latin typeface="Optima" panose="02000503060000020004" pitchFamily="2" charset="0"/>
+                <a:ea typeface="KaiTi" panose="02010609060101010101" pitchFamily="49" charset="-122"/>
+              </a:rPr>
+              <a:t>unsigned</a:t>
+            </a:r>
+            <a:r>
+              <a:rPr kumimoji="1" lang="zh-CN" altLang="en-US" sz="2000" dirty="0">
+                <a:latin typeface="Optima" panose="02000503060000020004" pitchFamily="2" charset="0"/>
+                <a:ea typeface="KaiTi" panose="02010609060101010101" pitchFamily="49" charset="-122"/>
+              </a:rPr>
+              <a:t> </a:t>
+            </a:r>
+            <a:r>
+              <a:rPr kumimoji="1" lang="en-US" altLang="zh-CN" sz="2000" dirty="0">
+                <a:latin typeface="Optima" panose="02000503060000020004" pitchFamily="2" charset="0"/>
+                <a:ea typeface="KaiTi" panose="02010609060101010101" pitchFamily="49" charset="-122"/>
+              </a:rPr>
+              <a:t>long</a:t>
+            </a:r>
+            <a:r>
+              <a:rPr kumimoji="1" lang="zh-CN" altLang="en-US" sz="2000" dirty="0">
+                <a:latin typeface="Optima" panose="02000503060000020004" pitchFamily="2" charset="0"/>
+                <a:ea typeface="KaiTi" panose="02010609060101010101" pitchFamily="49" charset="-122"/>
+              </a:rPr>
+              <a:t> </a:t>
+            </a:r>
+            <a:r>
+              <a:rPr kumimoji="1" lang="en-US" altLang="zh-CN" sz="2000" b="1" dirty="0" err="1">
+                <a:latin typeface="Optima" panose="02000503060000020004" pitchFamily="2" charset="0"/>
+                <a:ea typeface="KaiTi" panose="02010609060101010101" pitchFamily="49" charset="-122"/>
+              </a:rPr>
+              <a:t>ntohl</a:t>
+            </a:r>
+            <a:r>
+              <a:rPr kumimoji="1" lang="en-US" altLang="zh-CN" sz="2000" dirty="0">
+                <a:latin typeface="Optima" panose="02000503060000020004" pitchFamily="2" charset="0"/>
+                <a:ea typeface="KaiTi" panose="02010609060101010101" pitchFamily="49" charset="-122"/>
+              </a:rPr>
+              <a:t>(unsigned</a:t>
+            </a:r>
+            <a:r>
+              <a:rPr kumimoji="1" lang="zh-CN" altLang="en-US" sz="2000" dirty="0">
+                <a:latin typeface="Optima" panose="02000503060000020004" pitchFamily="2" charset="0"/>
+                <a:ea typeface="KaiTi" panose="02010609060101010101" pitchFamily="49" charset="-122"/>
+              </a:rPr>
+              <a:t> </a:t>
+            </a:r>
+            <a:r>
+              <a:rPr kumimoji="1" lang="en-US" altLang="zh-CN" sz="2000" dirty="0">
+                <a:latin typeface="Optima" panose="02000503060000020004" pitchFamily="2" charset="0"/>
+                <a:ea typeface="KaiTi" panose="02010609060101010101" pitchFamily="49" charset="-122"/>
+              </a:rPr>
+              <a:t>long);</a:t>
+            </a:r>
+            <a:endParaRPr kumimoji="1" lang="zh-CN" altLang="en-US" sz="2000" dirty="0">
+              <a:latin typeface="Optima" panose="02000503060000020004" pitchFamily="2" charset="0"/>
+              <a:ea typeface="KaiTi" panose="02010609060101010101" pitchFamily="49" charset="-122"/>
+            </a:endParaRPr>
+          </a:p>
+        </p:txBody>
+      </p:sp>
+      <p:sp>
+        <p:nvSpPr>
+          <p:cNvPr id="5" name="文本框 4">
+            <a:extLst>
+              <a:ext uri="{FF2B5EF4-FFF2-40B4-BE49-F238E27FC236}">
+                <a16:creationId xmlns:a16="http://schemas.microsoft.com/office/drawing/2014/main" id="{B8F2725F-19DD-564B-9167-4CD6A8540B1C}"/>
+              </a:ext>
+            </a:extLst>
+          </p:cNvPr>
+          <p:cNvSpPr txBox="1"/>
+          <p:nvPr/>
+        </p:nvSpPr>
+        <p:spPr>
+          <a:xfrm>
+            <a:off x="6669932" y="1930459"/>
+            <a:ext cx="4414991" cy="2246769"/>
+          </a:xfrm>
+          <a:prstGeom prst="rect">
+            <a:avLst/>
+          </a:prstGeom>
+          <a:noFill/>
+        </p:spPr>
+        <p:txBody>
+          <a:bodyPr wrap="none" rtlCol="0">
+            <a:spAutoFit/>
+          </a:bodyPr>
+          <a:lstStyle/>
+          <a:p>
+            <a:pPr marL="342900" indent="-342900">
+              <a:buFont typeface="Wingdings" pitchFamily="2" charset="2"/>
+              <a:buChar char="Ø"/>
+            </a:pPr>
+            <a:r>
+              <a:rPr kumimoji="1" lang="en-US" altLang="zh-CN" sz="2000" dirty="0">
+                <a:latin typeface="Optima" panose="02000503060000020004" pitchFamily="2" charset="0"/>
+                <a:ea typeface="KaiTi" panose="02010609060101010101" pitchFamily="49" charset="-122"/>
+              </a:rPr>
+              <a:t>h</a:t>
+            </a:r>
+            <a:r>
+              <a:rPr kumimoji="1" lang="zh-CN" altLang="en-US" sz="2000" dirty="0">
+                <a:latin typeface="Optima" panose="02000503060000020004" pitchFamily="2" charset="0"/>
+                <a:ea typeface="KaiTi" panose="02010609060101010101" pitchFamily="49" charset="-122"/>
+              </a:rPr>
+              <a:t>表示</a:t>
+            </a:r>
+            <a:r>
+              <a:rPr kumimoji="1" lang="en-US" altLang="zh-CN" sz="2000" dirty="0">
+                <a:latin typeface="Optima" panose="02000503060000020004" pitchFamily="2" charset="0"/>
+                <a:ea typeface="KaiTi" panose="02010609060101010101" pitchFamily="49" charset="-122"/>
+              </a:rPr>
+              <a:t> host</a:t>
+            </a:r>
+          </a:p>
+          <a:p>
+            <a:pPr marL="342900" indent="-342900">
+              <a:buFont typeface="Wingdings" pitchFamily="2" charset="2"/>
+              <a:buChar char="Ø"/>
+            </a:pPr>
+            <a:endParaRPr kumimoji="1" lang="en-US" altLang="zh-CN" sz="2000" dirty="0">
+              <a:latin typeface="Optima" panose="02000503060000020004" pitchFamily="2" charset="0"/>
+              <a:ea typeface="KaiTi" panose="02010609060101010101" pitchFamily="49" charset="-122"/>
+            </a:endParaRPr>
+          </a:p>
+          <a:p>
+            <a:pPr marL="342900" indent="-342900">
+              <a:buFont typeface="Wingdings" pitchFamily="2" charset="2"/>
+              <a:buChar char="Ø"/>
+            </a:pPr>
+            <a:r>
+              <a:rPr kumimoji="1" lang="en-US" altLang="zh-CN" sz="2000" dirty="0">
+                <a:latin typeface="Optima" panose="02000503060000020004" pitchFamily="2" charset="0"/>
+                <a:ea typeface="KaiTi" panose="02010609060101010101" pitchFamily="49" charset="-122"/>
+              </a:rPr>
+              <a:t>n </a:t>
+            </a:r>
+            <a:r>
+              <a:rPr kumimoji="1" lang="zh-CN" altLang="en-US" sz="2000" dirty="0">
+                <a:latin typeface="Optima" panose="02000503060000020004" pitchFamily="2" charset="0"/>
+                <a:ea typeface="KaiTi" panose="02010609060101010101" pitchFamily="49" charset="-122"/>
+              </a:rPr>
+              <a:t>表示</a:t>
+            </a:r>
+            <a:r>
+              <a:rPr kumimoji="1" lang="en-US" altLang="zh-CN" sz="2000" dirty="0">
+                <a:latin typeface="Optima" panose="02000503060000020004" pitchFamily="2" charset="0"/>
+                <a:ea typeface="KaiTi" panose="02010609060101010101" pitchFamily="49" charset="-122"/>
+              </a:rPr>
+              <a:t> network</a:t>
+            </a:r>
+          </a:p>
+          <a:p>
+            <a:pPr marL="342900" indent="-342900">
+              <a:buFont typeface="Wingdings" pitchFamily="2" charset="2"/>
+              <a:buChar char="Ø"/>
+            </a:pPr>
+            <a:endParaRPr kumimoji="1" lang="en-US" altLang="zh-CN" sz="2000" dirty="0">
+              <a:latin typeface="Optima" panose="02000503060000020004" pitchFamily="2" charset="0"/>
+              <a:ea typeface="KaiTi" panose="02010609060101010101" pitchFamily="49" charset="-122"/>
+            </a:endParaRPr>
+          </a:p>
+          <a:p>
+            <a:pPr marL="342900" indent="-342900">
+              <a:buFont typeface="Wingdings" pitchFamily="2" charset="2"/>
+              <a:buChar char="Ø"/>
+            </a:pPr>
+            <a:r>
+              <a:rPr kumimoji="1" lang="zh-CN" altLang="en-US" sz="2000" dirty="0">
+                <a:latin typeface="Optima" panose="02000503060000020004" pitchFamily="2" charset="0"/>
+                <a:ea typeface="KaiTi" panose="02010609060101010101" pitchFamily="49" charset="-122"/>
+              </a:rPr>
+              <a:t>结尾</a:t>
+            </a:r>
+            <a:r>
+              <a:rPr kumimoji="1" lang="en-US" altLang="zh-CN" sz="2000" dirty="0">
+                <a:latin typeface="Optima" panose="02000503060000020004" pitchFamily="2" charset="0"/>
+                <a:ea typeface="KaiTi" panose="02010609060101010101" pitchFamily="49" charset="-122"/>
+              </a:rPr>
+              <a:t> s </a:t>
+            </a:r>
+            <a:r>
+              <a:rPr kumimoji="1" lang="zh-CN" altLang="en-US" sz="2000" dirty="0">
+                <a:latin typeface="Optima" panose="02000503060000020004" pitchFamily="2" charset="0"/>
+                <a:ea typeface="KaiTi" panose="02010609060101010101" pitchFamily="49" charset="-122"/>
+              </a:rPr>
+              <a:t>和</a:t>
+            </a:r>
+            <a:r>
+              <a:rPr kumimoji="1" lang="en-US" altLang="zh-CN" sz="2000" dirty="0">
+                <a:latin typeface="Optima" panose="02000503060000020004" pitchFamily="2" charset="0"/>
+                <a:ea typeface="KaiTi" panose="02010609060101010101" pitchFamily="49" charset="-122"/>
+              </a:rPr>
+              <a:t> l </a:t>
+            </a:r>
+            <a:r>
+              <a:rPr kumimoji="1" lang="zh-CN" altLang="en-US" sz="2000" dirty="0">
+                <a:latin typeface="Optima" panose="02000503060000020004" pitchFamily="2" charset="0"/>
+                <a:ea typeface="KaiTi" panose="02010609060101010101" pitchFamily="49" charset="-122"/>
+              </a:rPr>
+              <a:t>分别表示</a:t>
+            </a:r>
+            <a:r>
+              <a:rPr kumimoji="1" lang="en-US" altLang="zh-CN" sz="2000" dirty="0">
+                <a:latin typeface="Optima" panose="02000503060000020004" pitchFamily="2" charset="0"/>
+                <a:ea typeface="KaiTi" panose="02010609060101010101" pitchFamily="49" charset="-122"/>
+              </a:rPr>
+              <a:t> short </a:t>
+            </a:r>
+            <a:r>
+              <a:rPr kumimoji="1" lang="zh-CN" altLang="en-US" sz="2000" dirty="0">
+                <a:latin typeface="Optima" panose="02000503060000020004" pitchFamily="2" charset="0"/>
+                <a:ea typeface="KaiTi" panose="02010609060101010101" pitchFamily="49" charset="-122"/>
+              </a:rPr>
+              <a:t>和</a:t>
+            </a:r>
+            <a:r>
+              <a:rPr kumimoji="1" lang="en-US" altLang="zh-CN" sz="2000" dirty="0">
+                <a:latin typeface="Optima" panose="02000503060000020004" pitchFamily="2" charset="0"/>
+                <a:ea typeface="KaiTi" panose="02010609060101010101" pitchFamily="49" charset="-122"/>
+              </a:rPr>
+              <a:t> long</a:t>
+            </a:r>
+          </a:p>
+          <a:p>
+            <a:pPr marL="342900" indent="-342900">
+              <a:buFont typeface="Wingdings" pitchFamily="2" charset="2"/>
+              <a:buChar char="Ø"/>
+            </a:pPr>
+            <a:endParaRPr kumimoji="1" lang="en-US" altLang="zh-CN" sz="2000" dirty="0">
+              <a:latin typeface="Optima" panose="02000503060000020004" pitchFamily="2" charset="0"/>
+              <a:ea typeface="KaiTi" panose="02010609060101010101" pitchFamily="49" charset="-122"/>
+            </a:endParaRPr>
+          </a:p>
+          <a:p>
+            <a:pPr marL="342900" indent="-342900">
+              <a:buFont typeface="Wingdings" pitchFamily="2" charset="2"/>
+              <a:buChar char="Ø"/>
+            </a:pPr>
+            <a:r>
+              <a:rPr kumimoji="1" lang="en-US" altLang="zh-CN" sz="2000" dirty="0">
+                <a:latin typeface="Optima" panose="02000503060000020004" pitchFamily="2" charset="0"/>
+                <a:ea typeface="KaiTi" panose="02010609060101010101" pitchFamily="49" charset="-122"/>
+              </a:rPr>
+              <a:t>Linux </a:t>
+            </a:r>
+            <a:r>
+              <a:rPr kumimoji="1" lang="zh-CN" altLang="en-US" sz="2000" dirty="0">
+                <a:latin typeface="Optima" panose="02000503060000020004" pitchFamily="2" charset="0"/>
+                <a:ea typeface="KaiTi" panose="02010609060101010101" pitchFamily="49" charset="-122"/>
+              </a:rPr>
+              <a:t>中 </a:t>
+            </a:r>
+            <a:r>
+              <a:rPr kumimoji="1" lang="en-US" altLang="zh-CN" sz="2000" dirty="0">
+                <a:latin typeface="Optima" panose="02000503060000020004" pitchFamily="2" charset="0"/>
+                <a:ea typeface="KaiTi" panose="02010609060101010101" pitchFamily="49" charset="-122"/>
+              </a:rPr>
+              <a:t>long</a:t>
+            </a:r>
+            <a:r>
+              <a:rPr kumimoji="1" lang="zh-CN" altLang="en-US" sz="2000" dirty="0">
+                <a:latin typeface="Optima" panose="02000503060000020004" pitchFamily="2" charset="0"/>
+                <a:ea typeface="KaiTi" panose="02010609060101010101" pitchFamily="49" charset="-122"/>
+              </a:rPr>
+              <a:t> </a:t>
+            </a:r>
+            <a:r>
+              <a:rPr kumimoji="1" lang="en-US" altLang="zh-CN" sz="2000" dirty="0">
+                <a:latin typeface="Optima" panose="02000503060000020004" pitchFamily="2" charset="0"/>
+                <a:ea typeface="KaiTi" panose="02010609060101010101" pitchFamily="49" charset="-122"/>
+              </a:rPr>
+              <a:t>4 </a:t>
+            </a:r>
+            <a:r>
+              <a:rPr kumimoji="1" lang="zh-CN" altLang="en-US" sz="2000" dirty="0">
+                <a:latin typeface="Optima" panose="02000503060000020004" pitchFamily="2" charset="0"/>
+                <a:ea typeface="KaiTi" panose="02010609060101010101" pitchFamily="49" charset="-122"/>
+              </a:rPr>
+              <a:t>字节，</a:t>
+            </a:r>
+            <a:r>
+              <a:rPr kumimoji="1" lang="en-US" altLang="zh-CN" sz="2000" dirty="0">
+                <a:latin typeface="Optima" panose="02000503060000020004" pitchFamily="2" charset="0"/>
+                <a:ea typeface="KaiTi" panose="02010609060101010101" pitchFamily="49" charset="-122"/>
+              </a:rPr>
+              <a:t>short</a:t>
+            </a:r>
+            <a:r>
+              <a:rPr kumimoji="1" lang="zh-CN" altLang="en-US" sz="2000" dirty="0">
+                <a:latin typeface="Optima" panose="02000503060000020004" pitchFamily="2" charset="0"/>
+                <a:ea typeface="KaiTi" panose="02010609060101010101" pitchFamily="49" charset="-122"/>
+              </a:rPr>
+              <a:t> </a:t>
+            </a:r>
+            <a:r>
+              <a:rPr kumimoji="1" lang="en-US" altLang="zh-CN" sz="2000" dirty="0">
+                <a:latin typeface="Optima" panose="02000503060000020004" pitchFamily="2" charset="0"/>
+                <a:ea typeface="KaiTi" panose="02010609060101010101" pitchFamily="49" charset="-122"/>
+              </a:rPr>
+              <a:t>2 </a:t>
+            </a:r>
+            <a:r>
+              <a:rPr kumimoji="1" lang="zh-CN" altLang="en-US" sz="2000" dirty="0">
+                <a:latin typeface="Optima" panose="02000503060000020004" pitchFamily="2" charset="0"/>
+                <a:ea typeface="KaiTi" panose="02010609060101010101" pitchFamily="49" charset="-122"/>
+              </a:rPr>
+              <a:t>字节</a:t>
+            </a:r>
+            <a:endParaRPr kumimoji="1" lang="en-US" altLang="zh-CN" sz="2000" dirty="0">
+              <a:latin typeface="Optima" panose="02000503060000020004" pitchFamily="2" charset="0"/>
+              <a:ea typeface="KaiTi" panose="02010609060101010101" pitchFamily="49" charset="-122"/>
+            </a:endParaRPr>
+          </a:p>
+        </p:txBody>
+      </p:sp>
+      <p:sp>
+        <p:nvSpPr>
+          <p:cNvPr id="8" name="文本框 7">
+            <a:extLst>
+              <a:ext uri="{FF2B5EF4-FFF2-40B4-BE49-F238E27FC236}">
+                <a16:creationId xmlns:a16="http://schemas.microsoft.com/office/drawing/2014/main" id="{25357B14-3273-0A43-8892-2126EF76EFA0}"/>
+              </a:ext>
+            </a:extLst>
+          </p:cNvPr>
+          <p:cNvSpPr txBox="1"/>
+          <p:nvPr/>
+        </p:nvSpPr>
+        <p:spPr>
+          <a:xfrm>
+            <a:off x="2159989" y="61555"/>
+            <a:ext cx="1876989" cy="400110"/>
+          </a:xfrm>
+          <a:prstGeom prst="rect">
+            <a:avLst/>
+          </a:prstGeom>
+          <a:noFill/>
+        </p:spPr>
+        <p:txBody>
+          <a:bodyPr wrap="square">
+            <a:spAutoFit/>
+          </a:bodyPr>
+          <a:lstStyle/>
+          <a:p>
+            <a:r>
+              <a:rPr lang="en-US" altLang="zh-CN" sz="2000" b="1" dirty="0" err="1">
+                <a:highlight>
+                  <a:srgbClr val="FFFF00"/>
+                </a:highlight>
+                <a:latin typeface="Optima" panose="02000503060000020004" pitchFamily="2" charset="0"/>
+                <a:ea typeface="KaiTi" panose="02010609060101010101" pitchFamily="49" charset="-122"/>
+              </a:rPr>
+              <a:t>endian_conv.c</a:t>
+            </a:r>
+            <a:endParaRPr lang="zh-CN" altLang="en-US" sz="2000" b="1" dirty="0">
+              <a:highlight>
+                <a:srgbClr val="FFFF00"/>
+              </a:highlight>
+              <a:latin typeface="Optima" panose="02000503060000020004" pitchFamily="2" charset="0"/>
+              <a:ea typeface="KaiTi" panose="02010609060101010101" pitchFamily="49" charset="-122"/>
+            </a:endParaRPr>
+          </a:p>
+        </p:txBody>
+      </p:sp>
     </p:spTree>
     <p:extLst>
       <p:ext uri="{BB962C8B-B14F-4D97-AF65-F5344CB8AC3E}">
@@ -3119,10 +3781,10 @@
       </p:grpSpPr>
       <p:sp>
         <p:nvSpPr>
-          <p:cNvPr id="2" name="文本框 1">
+          <p:cNvPr id="3" name="文本框 2">
             <a:extLst>
               <a:ext uri="{FF2B5EF4-FFF2-40B4-BE49-F238E27FC236}">
-                <a16:creationId xmlns:a16="http://schemas.microsoft.com/office/drawing/2014/main" id="{EE003F37-D0BF-A842-9EDD-590F8A1FE96B}"/>
+                <a16:creationId xmlns:a16="http://schemas.microsoft.com/office/drawing/2014/main" id="{BBE13507-B6EE-DE45-BE46-B72DE4D8930F}"/>
               </a:ext>
             </a:extLst>
           </p:cNvPr>
@@ -3131,8 +3793,8 @@
         </p:nvSpPr>
         <p:spPr>
           <a:xfrm>
-            <a:off x="953311" y="437745"/>
-            <a:ext cx="184731" cy="369332"/>
+            <a:off x="0" y="0"/>
+            <a:ext cx="3775393" cy="523220"/>
           </a:xfrm>
           <a:prstGeom prst="rect">
             <a:avLst/>
@@ -3145,14 +3807,237 @@
           </a:bodyPr>
           <a:lstStyle/>
           <a:p>
-            <a:endParaRPr kumimoji="1" lang="zh-CN" altLang="en-US" dirty="0"/>
+            <a:r>
+              <a:rPr kumimoji="1" lang="zh-CN" altLang="en-US" sz="2800" dirty="0">
+                <a:latin typeface="Optima" panose="02000503060000020004" pitchFamily="2" charset="0"/>
+                <a:ea typeface="KaiTi" panose="02010609060101010101" pitchFamily="49" charset="-122"/>
+              </a:rPr>
+              <a:t>如何判断电脑的字节序</a:t>
+            </a:r>
+          </a:p>
+        </p:txBody>
+      </p:sp>
+      <p:sp>
+        <p:nvSpPr>
+          <p:cNvPr id="4" name="文本框 3">
+            <a:extLst>
+              <a:ext uri="{FF2B5EF4-FFF2-40B4-BE49-F238E27FC236}">
+                <a16:creationId xmlns:a16="http://schemas.microsoft.com/office/drawing/2014/main" id="{3E26D033-55EA-4F43-B435-54AC1A7BF986}"/>
+              </a:ext>
+            </a:extLst>
+          </p:cNvPr>
+          <p:cNvSpPr txBox="1"/>
+          <p:nvPr/>
+        </p:nvSpPr>
+        <p:spPr>
+          <a:xfrm>
+            <a:off x="1167319" y="1167319"/>
+            <a:ext cx="4471096" cy="2246769"/>
+          </a:xfrm>
+          <a:prstGeom prst="rect">
+            <a:avLst/>
+          </a:prstGeom>
+          <a:noFill/>
+        </p:spPr>
+        <p:txBody>
+          <a:bodyPr wrap="none" rtlCol="0">
+            <a:spAutoFit/>
+          </a:bodyPr>
+          <a:lstStyle/>
+          <a:p>
+            <a:pPr marL="342900" indent="-342900">
+              <a:buFont typeface="Wingdings" pitchFamily="2" charset="2"/>
+              <a:buChar char="Ø"/>
+            </a:pPr>
+            <a:r>
+              <a:rPr kumimoji="1" lang="zh-CN" altLang="en-US" sz="2000" dirty="0">
+                <a:latin typeface="Optima" panose="02000503060000020004" pitchFamily="2" charset="0"/>
+                <a:ea typeface="KaiTi" panose="02010609060101010101" pitchFamily="49" charset="-122"/>
+              </a:rPr>
+              <a:t>导入 </a:t>
+            </a:r>
+            <a:r>
+              <a:rPr kumimoji="1" lang="en-US" altLang="zh-CN" sz="2000" dirty="0">
+                <a:latin typeface="Optima" panose="02000503060000020004" pitchFamily="2" charset="0"/>
+                <a:ea typeface="KaiTi" panose="02010609060101010101" pitchFamily="49" charset="-122"/>
+              </a:rPr>
+              <a:t>&lt;</a:t>
+            </a:r>
+            <a:r>
+              <a:rPr kumimoji="1" lang="en-US" altLang="zh-CN" sz="2000" dirty="0" err="1">
+                <a:latin typeface="Optima" panose="02000503060000020004" pitchFamily="2" charset="0"/>
+                <a:ea typeface="KaiTi" panose="02010609060101010101" pitchFamily="49" charset="-122"/>
+              </a:rPr>
+              <a:t>arpa</a:t>
+            </a:r>
+            <a:r>
+              <a:rPr kumimoji="1" lang="en-US" altLang="zh-CN" sz="2000" dirty="0">
+                <a:latin typeface="Optima" panose="02000503060000020004" pitchFamily="2" charset="0"/>
+                <a:ea typeface="KaiTi" panose="02010609060101010101" pitchFamily="49" charset="-122"/>
+              </a:rPr>
+              <a:t>/</a:t>
+            </a:r>
+            <a:r>
+              <a:rPr kumimoji="1" lang="en-US" altLang="zh-CN" sz="2000" dirty="0" err="1">
+                <a:latin typeface="Optima" panose="02000503060000020004" pitchFamily="2" charset="0"/>
+                <a:ea typeface="KaiTi" panose="02010609060101010101" pitchFamily="49" charset="-122"/>
+              </a:rPr>
+              <a:t>inet.h</a:t>
+            </a:r>
+            <a:r>
+              <a:rPr kumimoji="1" lang="en-US" altLang="zh-CN" sz="2000" dirty="0">
+                <a:latin typeface="Optima" panose="02000503060000020004" pitchFamily="2" charset="0"/>
+                <a:ea typeface="KaiTi" panose="02010609060101010101" pitchFamily="49" charset="-122"/>
+              </a:rPr>
+              <a:t>&gt;</a:t>
+            </a:r>
+            <a:r>
+              <a:rPr kumimoji="1" lang="zh-CN" altLang="en-US" sz="2000" dirty="0">
+                <a:latin typeface="Optima" panose="02000503060000020004" pitchFamily="2" charset="0"/>
+                <a:ea typeface="KaiTi" panose="02010609060101010101" pitchFamily="49" charset="-122"/>
+              </a:rPr>
+              <a:t> 调用之前的函数</a:t>
+            </a:r>
+            <a:endParaRPr kumimoji="1" lang="en-US" altLang="zh-CN" sz="2000" dirty="0">
+              <a:latin typeface="Optima" panose="02000503060000020004" pitchFamily="2" charset="0"/>
+              <a:ea typeface="KaiTi" panose="02010609060101010101" pitchFamily="49" charset="-122"/>
+            </a:endParaRPr>
+          </a:p>
+          <a:p>
+            <a:pPr marL="342900" indent="-342900">
+              <a:buFont typeface="Wingdings" pitchFamily="2" charset="2"/>
+              <a:buChar char="Ø"/>
+            </a:pPr>
+            <a:endParaRPr kumimoji="1" lang="en-US" altLang="zh-CN" sz="2000" dirty="0">
+              <a:latin typeface="Optima" panose="02000503060000020004" pitchFamily="2" charset="0"/>
+              <a:ea typeface="KaiTi" panose="02010609060101010101" pitchFamily="49" charset="-122"/>
+            </a:endParaRPr>
+          </a:p>
+          <a:p>
+            <a:pPr marL="342900" indent="-342900">
+              <a:buFont typeface="Wingdings" pitchFamily="2" charset="2"/>
+              <a:buChar char="Ø"/>
+            </a:pPr>
+            <a:r>
+              <a:rPr kumimoji="1" lang="zh-CN" altLang="en-US" sz="2000" dirty="0">
+                <a:latin typeface="Optima" panose="02000503060000020004" pitchFamily="2" charset="0"/>
+                <a:ea typeface="KaiTi" panose="02010609060101010101" pitchFamily="49" charset="-122"/>
+              </a:rPr>
+              <a:t>联合体</a:t>
+            </a:r>
+            <a:endParaRPr kumimoji="1" lang="en-US" altLang="zh-CN" sz="2000" dirty="0">
+              <a:latin typeface="Optima" panose="02000503060000020004" pitchFamily="2" charset="0"/>
+              <a:ea typeface="KaiTi" panose="02010609060101010101" pitchFamily="49" charset="-122"/>
+            </a:endParaRPr>
+          </a:p>
+          <a:p>
+            <a:pPr marL="342900" indent="-342900">
+              <a:buFont typeface="Wingdings" pitchFamily="2" charset="2"/>
+              <a:buChar char="Ø"/>
+            </a:pPr>
+            <a:endParaRPr kumimoji="1" lang="en-US" altLang="zh-CN" sz="2000" dirty="0">
+              <a:latin typeface="Optima" panose="02000503060000020004" pitchFamily="2" charset="0"/>
+              <a:ea typeface="KaiTi" panose="02010609060101010101" pitchFamily="49" charset="-122"/>
+            </a:endParaRPr>
+          </a:p>
+          <a:p>
+            <a:pPr marL="342900" indent="-342900">
+              <a:buFont typeface="Wingdings" pitchFamily="2" charset="2"/>
+              <a:buChar char="Ø"/>
+            </a:pPr>
+            <a:r>
+              <a:rPr kumimoji="1" lang="zh-CN" altLang="en-US" sz="2000" dirty="0">
+                <a:latin typeface="Optima" panose="02000503060000020004" pitchFamily="2" charset="0"/>
+                <a:ea typeface="KaiTi" panose="02010609060101010101" pitchFamily="49" charset="-122"/>
+              </a:rPr>
+              <a:t>类型转换</a:t>
+            </a:r>
+            <a:endParaRPr kumimoji="1" lang="en-US" altLang="zh-CN" sz="2000" dirty="0">
+              <a:latin typeface="Optima" panose="02000503060000020004" pitchFamily="2" charset="0"/>
+              <a:ea typeface="KaiTi" panose="02010609060101010101" pitchFamily="49" charset="-122"/>
+            </a:endParaRPr>
+          </a:p>
+          <a:p>
+            <a:pPr marL="342900" indent="-342900">
+              <a:buFont typeface="Wingdings" pitchFamily="2" charset="2"/>
+              <a:buChar char="Ø"/>
+            </a:pPr>
+            <a:endParaRPr kumimoji="1" lang="en-US" altLang="zh-CN" sz="2000" dirty="0">
+              <a:latin typeface="Optima" panose="02000503060000020004" pitchFamily="2" charset="0"/>
+              <a:ea typeface="KaiTi" panose="02010609060101010101" pitchFamily="49" charset="-122"/>
+            </a:endParaRPr>
+          </a:p>
+          <a:p>
+            <a:pPr marL="342900" indent="-342900">
+              <a:buFont typeface="Wingdings" pitchFamily="2" charset="2"/>
+              <a:buChar char="Ø"/>
+            </a:pPr>
+            <a:r>
+              <a:rPr kumimoji="1" lang="zh-CN" altLang="en-US" sz="2000" dirty="0">
+                <a:latin typeface="Optima" panose="02000503060000020004" pitchFamily="2" charset="0"/>
+                <a:ea typeface="KaiTi" panose="02010609060101010101" pitchFamily="49" charset="-122"/>
+              </a:rPr>
+              <a:t>指针地址</a:t>
+            </a:r>
+            <a:endParaRPr kumimoji="1" lang="en-US" altLang="zh-CN" sz="2000" dirty="0">
+              <a:latin typeface="Optima" panose="02000503060000020004" pitchFamily="2" charset="0"/>
+              <a:ea typeface="KaiTi" panose="02010609060101010101" pitchFamily="49" charset="-122"/>
+            </a:endParaRPr>
+          </a:p>
+        </p:txBody>
+      </p:sp>
+      <p:sp>
+        <p:nvSpPr>
+          <p:cNvPr id="6" name="文本框 5">
+            <a:extLst>
+              <a:ext uri="{FF2B5EF4-FFF2-40B4-BE49-F238E27FC236}">
+                <a16:creationId xmlns:a16="http://schemas.microsoft.com/office/drawing/2014/main" id="{8D05CD52-3522-7742-8F69-3166AACA2A08}"/>
+              </a:ext>
+            </a:extLst>
+          </p:cNvPr>
+          <p:cNvSpPr txBox="1"/>
+          <p:nvPr/>
+        </p:nvSpPr>
+        <p:spPr>
+          <a:xfrm>
+            <a:off x="4056883" y="61555"/>
+            <a:ext cx="1040412" cy="400110"/>
+          </a:xfrm>
+          <a:prstGeom prst="rect">
+            <a:avLst/>
+          </a:prstGeom>
+          <a:noFill/>
+        </p:spPr>
+        <p:txBody>
+          <a:bodyPr wrap="square">
+            <a:spAutoFit/>
+          </a:bodyPr>
+          <a:lstStyle/>
+          <a:p>
+            <a:r>
+              <a:rPr lang="en-US" altLang="zh-CN" sz="2000" b="1" dirty="0" err="1">
+                <a:highlight>
+                  <a:srgbClr val="FFFF00"/>
+                </a:highlight>
+                <a:latin typeface="Optima" panose="02000503060000020004" pitchFamily="2" charset="0"/>
+                <a:ea typeface="KaiTi" panose="02010609060101010101" pitchFamily="49" charset="-122"/>
+              </a:rPr>
+              <a:t>order.c</a:t>
+            </a:r>
+            <a:endParaRPr lang="zh-CN" altLang="en-US" sz="2000" b="1" dirty="0">
+              <a:highlight>
+                <a:srgbClr val="FFFF00"/>
+              </a:highlight>
+              <a:latin typeface="Optima" panose="02000503060000020004" pitchFamily="2" charset="0"/>
+              <a:ea typeface="KaiTi" panose="02010609060101010101" pitchFamily="49" charset="-122"/>
+            </a:endParaRPr>
           </a:p>
         </p:txBody>
       </p:sp>
     </p:spTree>
     <p:extLst>
       <p:ext uri="{BB962C8B-B14F-4D97-AF65-F5344CB8AC3E}">
-        <p14:creationId xmlns:p14="http://schemas.microsoft.com/office/powerpoint/2010/main" val="279111496"/>
+        <p14:creationId xmlns:p14="http://schemas.microsoft.com/office/powerpoint/2010/main" val="2885993826"/>
       </p:ext>
     </p:extLst>
   </p:cSld>
@@ -3184,7 +4069,7 @@
           <p:cNvPr id="2" name="文本框 1">
             <a:extLst>
               <a:ext uri="{FF2B5EF4-FFF2-40B4-BE49-F238E27FC236}">
-                <a16:creationId xmlns:a16="http://schemas.microsoft.com/office/drawing/2014/main" id="{EE003F37-D0BF-A842-9EDD-590F8A1FE96B}"/>
+                <a16:creationId xmlns:a16="http://schemas.microsoft.com/office/drawing/2014/main" id="{DB79C181-DF4F-6D4E-8873-644D81174943}"/>
               </a:ext>
             </a:extLst>
           </p:cNvPr>
@@ -3193,8 +4078,8 @@
         </p:nvSpPr>
         <p:spPr>
           <a:xfrm>
-            <a:off x="953311" y="437745"/>
-            <a:ext cx="184731" cy="369332"/>
+            <a:off x="0" y="0"/>
+            <a:ext cx="2339102" cy="523220"/>
           </a:xfrm>
           <a:prstGeom prst="rect">
             <a:avLst/>
@@ -3207,16 +4092,22 @@
           </a:bodyPr>
           <a:lstStyle/>
           <a:p>
-            <a:endParaRPr kumimoji="1" lang="zh-CN" altLang="en-US" dirty="0"/>
+            <a:r>
+              <a:rPr kumimoji="1" lang="zh-CN" altLang="en-US" sz="2800" dirty="0">
+                <a:latin typeface="Optima" panose="02000503060000020004" pitchFamily="2" charset="0"/>
+                <a:ea typeface="KaiTi" panose="02010609060101010101" pitchFamily="49" charset="-122"/>
+              </a:rPr>
+              <a:t>地址转换函数</a:t>
+            </a:r>
           </a:p>
         </p:txBody>
       </p:sp>
       <p:sp>
         <p:nvSpPr>
-          <p:cNvPr id="3" name="文本框 2">
+          <p:cNvPr id="4" name="文本框 3">
             <a:extLst>
               <a:ext uri="{FF2B5EF4-FFF2-40B4-BE49-F238E27FC236}">
-                <a16:creationId xmlns:a16="http://schemas.microsoft.com/office/drawing/2014/main" id="{D23650CF-30B5-9144-8FB7-D390446FDAAF}"/>
+                <a16:creationId xmlns:a16="http://schemas.microsoft.com/office/drawing/2014/main" id="{66F006F1-7044-8548-BDD2-18190D2F7891}"/>
               </a:ext>
             </a:extLst>
           </p:cNvPr>
@@ -3225,8 +4116,208 @@
         </p:nvSpPr>
         <p:spPr>
           <a:xfrm>
-            <a:off x="0" y="0"/>
-            <a:ext cx="885179" cy="523220"/>
+            <a:off x="1158806" y="447551"/>
+            <a:ext cx="6162472" cy="707886"/>
+          </a:xfrm>
+          <a:prstGeom prst="rect">
+            <a:avLst/>
+          </a:prstGeom>
+          <a:noFill/>
+        </p:spPr>
+        <p:txBody>
+          <a:bodyPr wrap="square">
+            <a:spAutoFit/>
+          </a:bodyPr>
+          <a:lstStyle/>
+          <a:p>
+            <a:r>
+              <a:rPr lang="en" altLang="zh-CN" sz="2000" b="0" dirty="0">
+                <a:solidFill>
+                  <a:srgbClr val="0000FF"/>
+                </a:solidFill>
+                <a:effectLst/>
+                <a:latin typeface="Menlo" panose="020B0609030804020204" pitchFamily="49" charset="0"/>
+              </a:rPr>
+              <a:t>typedef</a:t>
+            </a:r>
+            <a:r>
+              <a:rPr lang="en" altLang="zh-CN" sz="2000" b="0" dirty="0">
+                <a:solidFill>
+                  <a:srgbClr val="3B3B3B"/>
+                </a:solidFill>
+                <a:effectLst/>
+                <a:latin typeface="Menlo" panose="020B0609030804020204" pitchFamily="49" charset="0"/>
+              </a:rPr>
+              <a:t> </a:t>
+            </a:r>
+            <a:r>
+              <a:rPr lang="en" altLang="zh-CN" sz="2000" b="0" dirty="0">
+                <a:solidFill>
+                  <a:srgbClr val="267F99"/>
+                </a:solidFill>
+                <a:effectLst/>
+                <a:latin typeface="Menlo" panose="020B0609030804020204" pitchFamily="49" charset="0"/>
+              </a:rPr>
+              <a:t>__uint32_t</a:t>
+            </a:r>
+            <a:r>
+              <a:rPr lang="en" altLang="zh-CN" sz="2000" b="0" dirty="0">
+                <a:solidFill>
+                  <a:srgbClr val="3B3B3B"/>
+                </a:solidFill>
+                <a:effectLst/>
+                <a:latin typeface="Menlo" panose="020B0609030804020204" pitchFamily="49" charset="0"/>
+              </a:rPr>
+              <a:t> </a:t>
+            </a:r>
+            <a:r>
+              <a:rPr lang="en" altLang="zh-CN" sz="2000" b="0" dirty="0" err="1">
+                <a:solidFill>
+                  <a:srgbClr val="267F99"/>
+                </a:solidFill>
+                <a:effectLst/>
+                <a:latin typeface="Menlo" panose="020B0609030804020204" pitchFamily="49" charset="0"/>
+              </a:rPr>
+              <a:t>in_addr_t</a:t>
+            </a:r>
+            <a:r>
+              <a:rPr lang="en" altLang="zh-CN" sz="2000" b="0" dirty="0">
+                <a:solidFill>
+                  <a:srgbClr val="3B3B3B"/>
+                </a:solidFill>
+                <a:effectLst/>
+                <a:latin typeface="Menlo" panose="020B0609030804020204" pitchFamily="49" charset="0"/>
+              </a:rPr>
+              <a:t>;</a:t>
+            </a:r>
+            <a:endParaRPr lang="en" altLang="zh-CN" sz="2000" b="0" dirty="0">
+              <a:solidFill>
+                <a:srgbClr val="267F99"/>
+              </a:solidFill>
+              <a:effectLst/>
+              <a:latin typeface="Menlo" panose="020B0609030804020204" pitchFamily="49" charset="0"/>
+            </a:endParaRPr>
+          </a:p>
+          <a:p>
+            <a:r>
+              <a:rPr lang="en" altLang="zh-CN" sz="2000" b="0" dirty="0" err="1">
+                <a:solidFill>
+                  <a:srgbClr val="267F99"/>
+                </a:solidFill>
+                <a:effectLst/>
+                <a:latin typeface="Menlo" panose="020B0609030804020204" pitchFamily="49" charset="0"/>
+              </a:rPr>
+              <a:t>in_addr_t</a:t>
+            </a:r>
+            <a:r>
+              <a:rPr lang="en" altLang="zh-CN" sz="2000" b="0" dirty="0">
+                <a:solidFill>
+                  <a:srgbClr val="3B3B3B"/>
+                </a:solidFill>
+                <a:effectLst/>
+                <a:latin typeface="Menlo" panose="020B0609030804020204" pitchFamily="49" charset="0"/>
+              </a:rPr>
+              <a:t> </a:t>
+            </a:r>
+            <a:r>
+              <a:rPr lang="en" altLang="zh-CN" sz="2000" b="1" dirty="0" err="1">
+                <a:solidFill>
+                  <a:srgbClr val="795E26"/>
+                </a:solidFill>
+                <a:effectLst/>
+                <a:latin typeface="Menlo" panose="020B0609030804020204" pitchFamily="49" charset="0"/>
+              </a:rPr>
+              <a:t>inet_addr</a:t>
+            </a:r>
+            <a:r>
+              <a:rPr lang="en" altLang="zh-CN" sz="2000" b="0" dirty="0">
+                <a:solidFill>
+                  <a:srgbClr val="3B3B3B"/>
+                </a:solidFill>
+                <a:effectLst/>
+                <a:latin typeface="Menlo" panose="020B0609030804020204" pitchFamily="49" charset="0"/>
+              </a:rPr>
+              <a:t>(</a:t>
+            </a:r>
+            <a:r>
+              <a:rPr lang="en" altLang="zh-CN" sz="2000" b="0" dirty="0">
+                <a:solidFill>
+                  <a:srgbClr val="0000FF"/>
+                </a:solidFill>
+                <a:effectLst/>
+                <a:latin typeface="Menlo" panose="020B0609030804020204" pitchFamily="49" charset="0"/>
+              </a:rPr>
+              <a:t>const</a:t>
+            </a:r>
+            <a:r>
+              <a:rPr lang="en" altLang="zh-CN" sz="2000" b="0" dirty="0">
+                <a:solidFill>
+                  <a:srgbClr val="3B3B3B"/>
+                </a:solidFill>
+                <a:effectLst/>
+                <a:latin typeface="Menlo" panose="020B0609030804020204" pitchFamily="49" charset="0"/>
+              </a:rPr>
+              <a:t> </a:t>
+            </a:r>
+            <a:r>
+              <a:rPr lang="en" altLang="zh-CN" sz="2000" b="0" dirty="0">
+                <a:solidFill>
+                  <a:srgbClr val="0000FF"/>
+                </a:solidFill>
+                <a:effectLst/>
+                <a:latin typeface="Menlo" panose="020B0609030804020204" pitchFamily="49" charset="0"/>
+              </a:rPr>
+              <a:t>char</a:t>
+            </a:r>
+            <a:r>
+              <a:rPr lang="en" altLang="zh-CN" sz="2000" b="0" dirty="0">
+                <a:solidFill>
+                  <a:srgbClr val="3B3B3B"/>
+                </a:solidFill>
+                <a:effectLst/>
+                <a:latin typeface="Menlo" panose="020B0609030804020204" pitchFamily="49" charset="0"/>
+              </a:rPr>
+              <a:t> </a:t>
+            </a:r>
+            <a:r>
+              <a:rPr lang="en" altLang="zh-CN" sz="2000" b="0" dirty="0">
+                <a:solidFill>
+                  <a:srgbClr val="000000"/>
+                </a:solidFill>
+                <a:effectLst/>
+                <a:latin typeface="Menlo" panose="020B0609030804020204" pitchFamily="49" charset="0"/>
+              </a:rPr>
+              <a:t>*</a:t>
+            </a:r>
+            <a:r>
+              <a:rPr lang="en" altLang="zh-CN" sz="2000" b="0" dirty="0">
+                <a:solidFill>
+                  <a:srgbClr val="3B3B3B"/>
+                </a:solidFill>
+                <a:effectLst/>
+                <a:latin typeface="Menlo" panose="020B0609030804020204" pitchFamily="49" charset="0"/>
+              </a:rPr>
+              <a:t>);</a:t>
+            </a:r>
+          </a:p>
+        </p:txBody>
+      </p:sp>
+      <p:sp>
+        <p:nvSpPr>
+          <p:cNvPr id="5" name="文本框 4">
+            <a:extLst>
+              <a:ext uri="{FF2B5EF4-FFF2-40B4-BE49-F238E27FC236}">
+                <a16:creationId xmlns:a16="http://schemas.microsoft.com/office/drawing/2014/main" id="{D3C3DD89-F8B2-7E4C-8CB5-0280E1C60E65}"/>
+              </a:ext>
+            </a:extLst>
+          </p:cNvPr>
+          <p:cNvSpPr txBox="1"/>
+          <p:nvPr/>
+        </p:nvSpPr>
+        <p:spPr>
+          <a:xfrm>
+            <a:off x="1575880" y="1322961"/>
+            <a:ext cx="9046259" cy="1631216"/>
           </a:xfrm>
           <a:prstGeom prst="rect">
             <a:avLst/>
@@ -3239,26 +4330,156 @@
           </a:bodyPr>
           <a:lstStyle/>
           <a:p>
-            <a:r>
-              <a:rPr kumimoji="1" lang="en-US" altLang="zh-CN" sz="2800" dirty="0">
-                <a:latin typeface="Optima" panose="02000503060000020004" pitchFamily="2" charset="0"/>
-                <a:ea typeface="KaiTi" panose="02010609060101010101" pitchFamily="49" charset="-122"/>
-              </a:rPr>
-              <a:t>bind</a:t>
-            </a:r>
-            <a:endParaRPr kumimoji="1" lang="zh-CN" altLang="en-US" sz="2800" dirty="0">
+            <a:pPr marL="342900" indent="-342900">
+              <a:buFont typeface="Wingdings" pitchFamily="2" charset="2"/>
+              <a:buChar char="Ø"/>
+            </a:pPr>
+            <a:r>
+              <a:rPr lang="zh-CN" altLang="en-US" sz="2000" dirty="0">
+                <a:latin typeface="Optima" panose="02000503060000020004" pitchFamily="2" charset="0"/>
+                <a:ea typeface="KaiTi" panose="02010609060101010101" pitchFamily="49" charset="-122"/>
+              </a:rPr>
+              <a:t>1.2.3.4 </a:t>
+            </a:r>
+            <a:r>
+              <a:rPr lang="en-US" altLang="zh-CN" sz="2000" dirty="0">
+                <a:latin typeface="Optima" panose="02000503060000020004" pitchFamily="2" charset="0"/>
+                <a:ea typeface="KaiTi" panose="02010609060101010101" pitchFamily="49" charset="-122"/>
+              </a:rPr>
+              <a:t>---&gt;</a:t>
+            </a:r>
+            <a:r>
+              <a:rPr lang="zh-CN" altLang="en-US" sz="2000" dirty="0">
+                <a:latin typeface="Optima" panose="02000503060000020004" pitchFamily="2" charset="0"/>
+                <a:ea typeface="KaiTi" panose="02010609060101010101" pitchFamily="49" charset="-122"/>
+              </a:rPr>
+              <a:t> </a:t>
+            </a:r>
+            <a:r>
+              <a:rPr lang="en" altLang="zh-CN" sz="2000" dirty="0">
+                <a:latin typeface="Optima" panose="02000503060000020004" pitchFamily="2" charset="0"/>
+                <a:ea typeface="KaiTi" panose="02010609060101010101" pitchFamily="49" charset="-122"/>
+              </a:rPr>
+              <a:t>0x4030201 </a:t>
+            </a:r>
+            <a:r>
+              <a:rPr lang="zh-CN" altLang="en-US" sz="2000" dirty="0">
+                <a:latin typeface="Optima" panose="02000503060000020004" pitchFamily="2" charset="0"/>
+                <a:ea typeface="KaiTi" panose="02010609060101010101" pitchFamily="49" charset="-122"/>
+              </a:rPr>
+              <a:t> </a:t>
+            </a:r>
+            <a:endParaRPr kumimoji="1" lang="en-US" altLang="zh-CN" sz="2000" dirty="0">
               <a:latin typeface="Optima" panose="02000503060000020004" pitchFamily="2" charset="0"/>
               <a:ea typeface="KaiTi" panose="02010609060101010101" pitchFamily="49" charset="-122"/>
             </a:endParaRPr>
+          </a:p>
+          <a:p>
+            <a:pPr marL="342900" indent="-342900">
+              <a:buFont typeface="Wingdings" pitchFamily="2" charset="2"/>
+              <a:buChar char="Ø"/>
+            </a:pPr>
+            <a:endParaRPr kumimoji="1" lang="en-US" altLang="zh-CN" sz="2000" dirty="0">
+              <a:latin typeface="Optima" panose="02000503060000020004" pitchFamily="2" charset="0"/>
+              <a:ea typeface="KaiTi" panose="02010609060101010101" pitchFamily="49" charset="-122"/>
+            </a:endParaRPr>
+          </a:p>
+          <a:p>
+            <a:pPr marL="342900" indent="-342900">
+              <a:buFont typeface="Wingdings" pitchFamily="2" charset="2"/>
+              <a:buChar char="Ø"/>
+            </a:pPr>
+            <a:r>
+              <a:rPr kumimoji="1" lang="zh-CN" altLang="en-US" sz="2000" dirty="0">
+                <a:latin typeface="Optima" panose="02000503060000020004" pitchFamily="2" charset="0"/>
+                <a:ea typeface="KaiTi" panose="02010609060101010101" pitchFamily="49" charset="-122"/>
+              </a:rPr>
+              <a:t>将「点分十进制」转换为「 </a:t>
+            </a:r>
+            <a:r>
+              <a:rPr kumimoji="1" lang="en-US" altLang="zh-CN" sz="2000" dirty="0">
+                <a:latin typeface="Optima" panose="02000503060000020004" pitchFamily="2" charset="0"/>
+                <a:ea typeface="KaiTi" panose="02010609060101010101" pitchFamily="49" charset="-122"/>
+              </a:rPr>
+              <a:t>32 </a:t>
+            </a:r>
+            <a:r>
+              <a:rPr kumimoji="1" lang="zh-CN" altLang="en-US" sz="2000" dirty="0">
+                <a:latin typeface="Optima" panose="02000503060000020004" pitchFamily="2" charset="0"/>
+                <a:ea typeface="KaiTi" panose="02010609060101010101" pitchFamily="49" charset="-122"/>
+              </a:rPr>
+              <a:t>位</a:t>
+            </a:r>
+            <a:r>
+              <a:rPr kumimoji="1" lang="zh-CN" altLang="en-US" sz="2000" b="1" dirty="0">
+                <a:solidFill>
+                  <a:srgbClr val="C00000"/>
+                </a:solidFill>
+                <a:latin typeface="Optima" panose="02000503060000020004" pitchFamily="2" charset="0"/>
+                <a:ea typeface="KaiTi" panose="02010609060101010101" pitchFamily="49" charset="-122"/>
+              </a:rPr>
+              <a:t>大端序</a:t>
+            </a:r>
+            <a:r>
+              <a:rPr kumimoji="1" lang="zh-CN" altLang="en-US" sz="2000" dirty="0">
+                <a:latin typeface="Optima" panose="02000503060000020004" pitchFamily="2" charset="0"/>
+                <a:ea typeface="KaiTi" panose="02010609060101010101" pitchFamily="49" charset="-122"/>
+              </a:rPr>
+              <a:t>整数」，失败返回 </a:t>
+            </a:r>
+            <a:r>
+              <a:rPr kumimoji="1" lang="en-US" altLang="zh-CN" sz="2000" dirty="0">
+                <a:latin typeface="Optima" panose="02000503060000020004" pitchFamily="2" charset="0"/>
+                <a:ea typeface="KaiTi" panose="02010609060101010101" pitchFamily="49" charset="-122"/>
+              </a:rPr>
+              <a:t>INADDR_NONE</a:t>
+            </a:r>
+          </a:p>
+          <a:p>
+            <a:pPr marL="342900" indent="-342900">
+              <a:buFont typeface="Wingdings" pitchFamily="2" charset="2"/>
+              <a:buChar char="Ø"/>
+            </a:pPr>
+            <a:endParaRPr kumimoji="1" lang="en-US" altLang="zh-CN" sz="2000" dirty="0">
+              <a:latin typeface="Optima" panose="02000503060000020004" pitchFamily="2" charset="0"/>
+              <a:ea typeface="KaiTi" panose="02010609060101010101" pitchFamily="49" charset="-122"/>
+            </a:endParaRPr>
+          </a:p>
+          <a:p>
+            <a:pPr marL="342900" indent="-342900">
+              <a:buFont typeface="Wingdings" pitchFamily="2" charset="2"/>
+              <a:buChar char="Ø"/>
+            </a:pPr>
+            <a:r>
+              <a:rPr kumimoji="1" lang="zh-CN" altLang="en-US" sz="2000" dirty="0">
+                <a:latin typeface="Optima" panose="02000503060000020004" pitchFamily="2" charset="0"/>
+                <a:ea typeface="KaiTi" panose="02010609060101010101" pitchFamily="49" charset="-122"/>
+              </a:rPr>
+              <a:t>不仅自动转换为大端序，还会检测无效</a:t>
+            </a:r>
+            <a:r>
+              <a:rPr kumimoji="1" lang="en-US" altLang="zh-CN" sz="2000" dirty="0">
+                <a:latin typeface="Optima" panose="02000503060000020004" pitchFamily="2" charset="0"/>
+                <a:ea typeface="KaiTi" panose="02010609060101010101" pitchFamily="49" charset="-122"/>
+              </a:rPr>
+              <a:t> IP </a:t>
+            </a:r>
+            <a:r>
+              <a:rPr kumimoji="1" lang="zh-CN" altLang="en-US" sz="2000" dirty="0">
+                <a:latin typeface="Optima" panose="02000503060000020004" pitchFamily="2" charset="0"/>
+                <a:ea typeface="KaiTi" panose="02010609060101010101" pitchFamily="49" charset="-122"/>
+              </a:rPr>
+              <a:t>地址</a:t>
+            </a:r>
           </a:p>
         </p:txBody>
       </p:sp>
       <p:sp>
         <p:nvSpPr>
-          <p:cNvPr id="5" name="文本框 4">
+          <p:cNvPr id="12" name="文本框 11">
             <a:extLst>
               <a:ext uri="{FF2B5EF4-FFF2-40B4-BE49-F238E27FC236}">
-                <a16:creationId xmlns:a16="http://schemas.microsoft.com/office/drawing/2014/main" id="{1650E77E-A396-7946-9837-7367A23594FE}"/>
+                <a16:creationId xmlns:a16="http://schemas.microsoft.com/office/drawing/2014/main" id="{C998AC52-444E-CD4D-BB59-25B802F44633}"/>
               </a:ext>
             </a:extLst>
           </p:cNvPr>
@@ -3267,8 +4488,8 @@
         </p:nvSpPr>
         <p:spPr>
           <a:xfrm>
-            <a:off x="1045675" y="807077"/>
-            <a:ext cx="8934904" cy="1938992"/>
+            <a:off x="1158806" y="3185808"/>
+            <a:ext cx="8004649" cy="369332"/>
           </a:xfrm>
           <a:prstGeom prst="rect">
             <a:avLst/>
@@ -3282,17 +4503,37 @@
           <a:lstStyle/>
           <a:p>
             <a:r>
-              <a:rPr lang="en" altLang="zh-CN" sz="2000" b="0" dirty="0">
+              <a:rPr lang="en" altLang="zh-CN" b="0" dirty="0">
+                <a:solidFill>
+                  <a:srgbClr val="0000FF"/>
+                </a:solidFill>
+                <a:effectLst/>
+                <a:latin typeface="Menlo" panose="020B0609030804020204" pitchFamily="49" charset="0"/>
+              </a:rPr>
+              <a:t>int</a:t>
+            </a:r>
+            <a:r>
+              <a:rPr lang="en" altLang="zh-CN" b="0" dirty="0">
+                <a:solidFill>
+                  <a:srgbClr val="3B3B3B"/>
+                </a:solidFill>
+                <a:effectLst/>
+                <a:latin typeface="Menlo" panose="020B0609030804020204" pitchFamily="49" charset="0"/>
+              </a:rPr>
+              <a:t> </a:t>
+            </a:r>
+            <a:r>
+              <a:rPr lang="en" altLang="zh-CN" b="1" dirty="0" err="1">
                 <a:solidFill>
                   <a:srgbClr val="795E26"/>
                 </a:solidFill>
                 <a:effectLst/>
                 <a:latin typeface="Menlo" panose="020B0609030804020204" pitchFamily="49" charset="0"/>
               </a:rPr>
-              <a:t>bind</a:t>
-            </a:r>
-            <a:r>
-              <a:rPr lang="en" altLang="zh-CN" sz="2000" b="0" dirty="0">
+              <a:t>inet_aton</a:t>
+            </a:r>
+            <a:r>
+              <a:rPr lang="en" altLang="zh-CN" b="0" dirty="0">
                 <a:solidFill>
                   <a:srgbClr val="3B3B3B"/>
                 </a:solidFill>
@@ -3302,442 +4543,622 @@
               <a:t>(</a:t>
             </a:r>
             <a:r>
-              <a:rPr lang="en" altLang="zh-CN" sz="2000" b="0" dirty="0">
+              <a:rPr lang="en" altLang="zh-CN" b="0" dirty="0">
                 <a:solidFill>
                   <a:srgbClr val="0000FF"/>
                 </a:solidFill>
                 <a:effectLst/>
                 <a:latin typeface="Menlo" panose="020B0609030804020204" pitchFamily="49" charset="0"/>
               </a:rPr>
-              <a:t>int</a:t>
-            </a:r>
-            <a:r>
-              <a:rPr lang="zh-CN" altLang="en-US" sz="2000" b="0" dirty="0">
+              <a:t>const</a:t>
+            </a:r>
+            <a:r>
+              <a:rPr lang="en" altLang="zh-CN" b="0" dirty="0">
+                <a:solidFill>
+                  <a:srgbClr val="3B3B3B"/>
+                </a:solidFill>
+                <a:effectLst/>
+                <a:latin typeface="Menlo" panose="020B0609030804020204" pitchFamily="49" charset="0"/>
+              </a:rPr>
+              <a:t> </a:t>
+            </a:r>
+            <a:r>
+              <a:rPr lang="en" altLang="zh-CN" b="0" dirty="0">
                 <a:solidFill>
                   <a:srgbClr val="0000FF"/>
                 </a:solidFill>
                 <a:effectLst/>
                 <a:latin typeface="Menlo" panose="020B0609030804020204" pitchFamily="49" charset="0"/>
               </a:rPr>
+              <a:t>char</a:t>
+            </a:r>
+            <a:r>
+              <a:rPr lang="en" altLang="zh-CN" b="0" dirty="0">
+                <a:solidFill>
+                  <a:srgbClr val="000000"/>
+                </a:solidFill>
+                <a:effectLst/>
+                <a:latin typeface="Menlo" panose="020B0609030804020204" pitchFamily="49" charset="0"/>
+              </a:rPr>
+              <a:t>*</a:t>
+            </a:r>
+            <a:r>
+              <a:rPr lang="zh-CN" altLang="en-US" b="0" dirty="0">
+                <a:solidFill>
+                  <a:srgbClr val="000000"/>
+                </a:solidFill>
+                <a:effectLst/>
+                <a:latin typeface="Menlo" panose="020B0609030804020204" pitchFamily="49" charset="0"/>
+              </a:rPr>
               <a:t> </a:t>
             </a:r>
             <a:r>
-              <a:rPr lang="en" altLang="zh-CN" sz="2000" b="0" dirty="0">
+              <a:rPr lang="en-US" altLang="zh-CN" b="0" dirty="0">
+                <a:solidFill>
+                  <a:srgbClr val="000000"/>
+                </a:solidFill>
+                <a:effectLst/>
+                <a:latin typeface="Menlo" panose="020B0609030804020204" pitchFamily="49" charset="0"/>
+              </a:rPr>
+              <a:t>string</a:t>
+            </a:r>
+            <a:r>
+              <a:rPr lang="en" altLang="zh-CN" b="0" dirty="0">
+                <a:solidFill>
+                  <a:srgbClr val="3B3B3B"/>
+                </a:solidFill>
+                <a:effectLst/>
+                <a:latin typeface="Menlo" panose="020B0609030804020204" pitchFamily="49" charset="0"/>
+              </a:rPr>
+              <a:t>, </a:t>
+            </a:r>
+            <a:r>
+              <a:rPr lang="en" altLang="zh-CN" b="0" dirty="0">
+                <a:solidFill>
+                  <a:srgbClr val="0000FF"/>
+                </a:solidFill>
+                <a:effectLst/>
+                <a:latin typeface="Menlo" panose="020B0609030804020204" pitchFamily="49" charset="0"/>
+              </a:rPr>
+              <a:t>struct</a:t>
+            </a:r>
+            <a:r>
+              <a:rPr lang="en" altLang="zh-CN" b="0" dirty="0">
+                <a:solidFill>
+                  <a:srgbClr val="3B3B3B"/>
+                </a:solidFill>
+                <a:effectLst/>
+                <a:latin typeface="Menlo" panose="020B0609030804020204" pitchFamily="49" charset="0"/>
+              </a:rPr>
+              <a:t> </a:t>
+            </a:r>
+            <a:r>
+              <a:rPr lang="en" altLang="zh-CN" b="0" dirty="0" err="1">
                 <a:solidFill>
                   <a:srgbClr val="267F99"/>
                 </a:solidFill>
                 <a:effectLst/>
                 <a:latin typeface="Menlo" panose="020B0609030804020204" pitchFamily="49" charset="0"/>
               </a:rPr>
-              <a:t>soc</a:t>
-            </a:r>
-            <a:r>
-              <a:rPr lang="en-US" altLang="zh-CN" sz="2000" b="0" dirty="0" err="1">
+              <a:t>in_addr</a:t>
+            </a:r>
+            <a:r>
+              <a:rPr lang="en" altLang="zh-CN" b="0" dirty="0">
+                <a:solidFill>
+                  <a:srgbClr val="000000"/>
+                </a:solidFill>
+                <a:effectLst/>
+                <a:latin typeface="Menlo" panose="020B0609030804020204" pitchFamily="49" charset="0"/>
+              </a:rPr>
+              <a:t>*</a:t>
+            </a:r>
+            <a:r>
+              <a:rPr lang="zh-CN" altLang="en-US" b="0" dirty="0">
+                <a:solidFill>
+                  <a:srgbClr val="000000"/>
+                </a:solidFill>
+                <a:effectLst/>
+                <a:latin typeface="Menlo" panose="020B0609030804020204" pitchFamily="49" charset="0"/>
+              </a:rPr>
+              <a:t> </a:t>
+            </a:r>
+            <a:r>
+              <a:rPr lang="en" altLang="zh-CN" b="0" dirty="0" err="1">
+                <a:solidFill>
+                  <a:srgbClr val="000000"/>
+                </a:solidFill>
+                <a:effectLst/>
+                <a:latin typeface="Menlo" panose="020B0609030804020204" pitchFamily="49" charset="0"/>
+              </a:rPr>
+              <a:t>addr</a:t>
+            </a:r>
+            <a:r>
+              <a:rPr lang="en" altLang="zh-CN" b="0" dirty="0">
+                <a:solidFill>
+                  <a:srgbClr val="3B3B3B"/>
+                </a:solidFill>
+                <a:effectLst/>
+                <a:latin typeface="Menlo" panose="020B0609030804020204" pitchFamily="49" charset="0"/>
+              </a:rPr>
+              <a:t>);</a:t>
+            </a:r>
+          </a:p>
+        </p:txBody>
+      </p:sp>
+      <p:sp>
+        <p:nvSpPr>
+          <p:cNvPr id="16" name="文本框 15">
+            <a:extLst>
+              <a:ext uri="{FF2B5EF4-FFF2-40B4-BE49-F238E27FC236}">
+                <a16:creationId xmlns:a16="http://schemas.microsoft.com/office/drawing/2014/main" id="{D3885D1A-3EFB-BD4C-9FB0-FF5520AC356D}"/>
+              </a:ext>
+            </a:extLst>
+          </p:cNvPr>
+          <p:cNvSpPr txBox="1"/>
+          <p:nvPr/>
+        </p:nvSpPr>
+        <p:spPr>
+          <a:xfrm>
+            <a:off x="1760706" y="3832697"/>
+            <a:ext cx="10029217" cy="707886"/>
+          </a:xfrm>
+          <a:prstGeom prst="rect">
+            <a:avLst/>
+          </a:prstGeom>
+          <a:noFill/>
+        </p:spPr>
+        <p:txBody>
+          <a:bodyPr wrap="square" rtlCol="0">
+            <a:spAutoFit/>
+          </a:bodyPr>
+          <a:lstStyle/>
+          <a:p>
+            <a:pPr marL="342900" indent="-342900">
+              <a:buFont typeface="Wingdings" pitchFamily="2" charset="2"/>
+              <a:buChar char="Ø"/>
+            </a:pPr>
+            <a:r>
+              <a:rPr kumimoji="1" lang="zh-CN" altLang="en-US" sz="2000" dirty="0">
+                <a:latin typeface="Optima" panose="02000503060000020004" pitchFamily="2" charset="0"/>
+                <a:ea typeface="KaiTi" panose="02010609060101010101" pitchFamily="49" charset="-122"/>
+              </a:rPr>
+              <a:t>使用频率更高，将 </a:t>
+            </a:r>
+            <a:r>
+              <a:rPr kumimoji="1" lang="en-US" altLang="zh-CN" sz="2000" dirty="0">
+                <a:latin typeface="Optima" panose="02000503060000020004" pitchFamily="2" charset="0"/>
+                <a:ea typeface="KaiTi" panose="02010609060101010101" pitchFamily="49" charset="-122"/>
+              </a:rPr>
+              <a:t>string </a:t>
+            </a:r>
+            <a:r>
+              <a:rPr kumimoji="1" lang="zh-CN" altLang="en-US" sz="2000" dirty="0">
+                <a:latin typeface="Optima" panose="02000503060000020004" pitchFamily="2" charset="0"/>
+                <a:ea typeface="KaiTi" panose="02010609060101010101" pitchFamily="49" charset="-122"/>
+              </a:rPr>
+              <a:t>中的点分十进制转为大端序 </a:t>
+            </a:r>
+            <a:r>
+              <a:rPr kumimoji="1" lang="en-US" altLang="zh-CN" sz="2000" dirty="0">
+                <a:latin typeface="Optima" panose="02000503060000020004" pitchFamily="2" charset="0"/>
+                <a:ea typeface="KaiTi" panose="02010609060101010101" pitchFamily="49" charset="-122"/>
+              </a:rPr>
+              <a:t>32 </a:t>
+            </a:r>
+            <a:r>
+              <a:rPr kumimoji="1" lang="zh-CN" altLang="en-US" sz="2000" dirty="0">
+                <a:latin typeface="Optima" panose="02000503060000020004" pitchFamily="2" charset="0"/>
+                <a:ea typeface="KaiTi" panose="02010609060101010101" pitchFamily="49" charset="-122"/>
+              </a:rPr>
+              <a:t>位整数，存储在</a:t>
+            </a:r>
+            <a:r>
+              <a:rPr kumimoji="1" lang="en-US" altLang="zh-CN" sz="2000" dirty="0">
+                <a:latin typeface="Optima" panose="02000503060000020004" pitchFamily="2" charset="0"/>
+                <a:ea typeface="KaiTi" panose="02010609060101010101" pitchFamily="49" charset="-122"/>
+              </a:rPr>
+              <a:t> </a:t>
+            </a:r>
+            <a:r>
+              <a:rPr kumimoji="1" lang="en-US" altLang="zh-CN" sz="2000" dirty="0" err="1">
+                <a:latin typeface="Optima" panose="02000503060000020004" pitchFamily="2" charset="0"/>
+                <a:ea typeface="KaiTi" panose="02010609060101010101" pitchFamily="49" charset="-122"/>
+              </a:rPr>
+              <a:t>in_addr</a:t>
+            </a:r>
+            <a:r>
+              <a:rPr kumimoji="1" lang="zh-CN" altLang="en-US" sz="2000" dirty="0">
+                <a:latin typeface="Optima" panose="02000503060000020004" pitchFamily="2" charset="0"/>
+                <a:ea typeface="KaiTi" panose="02010609060101010101" pitchFamily="49" charset="-122"/>
+              </a:rPr>
+              <a:t> 结构体指向的地址，成功返回 </a:t>
+            </a:r>
+            <a:r>
+              <a:rPr kumimoji="1" lang="en-US" altLang="zh-CN" sz="2000" dirty="0">
+                <a:latin typeface="Optima" panose="02000503060000020004" pitchFamily="2" charset="0"/>
+                <a:ea typeface="KaiTi" panose="02010609060101010101" pitchFamily="49" charset="-122"/>
+              </a:rPr>
+              <a:t>1</a:t>
+            </a:r>
+            <a:r>
+              <a:rPr kumimoji="1" lang="zh-CN" altLang="en-US" sz="2000" dirty="0">
+                <a:latin typeface="Optima" panose="02000503060000020004" pitchFamily="2" charset="0"/>
+                <a:ea typeface="KaiTi" panose="02010609060101010101" pitchFamily="49" charset="-122"/>
+              </a:rPr>
+              <a:t>，失败返回 </a:t>
+            </a:r>
+            <a:r>
+              <a:rPr kumimoji="1" lang="en-US" altLang="zh-CN" sz="2000" dirty="0">
+                <a:latin typeface="Optima" panose="02000503060000020004" pitchFamily="2" charset="0"/>
+                <a:ea typeface="KaiTi" panose="02010609060101010101" pitchFamily="49" charset="-122"/>
+              </a:rPr>
+              <a:t>0</a:t>
+            </a:r>
+            <a:endParaRPr kumimoji="1" lang="zh-CN" altLang="en-US" sz="2000" dirty="0">
+              <a:latin typeface="Optima" panose="02000503060000020004" pitchFamily="2" charset="0"/>
+              <a:ea typeface="KaiTi" panose="02010609060101010101" pitchFamily="49" charset="-122"/>
+            </a:endParaRPr>
+          </a:p>
+        </p:txBody>
+      </p:sp>
+      <p:sp>
+        <p:nvSpPr>
+          <p:cNvPr id="18" name="文本框 17">
+            <a:extLst>
+              <a:ext uri="{FF2B5EF4-FFF2-40B4-BE49-F238E27FC236}">
+                <a16:creationId xmlns:a16="http://schemas.microsoft.com/office/drawing/2014/main" id="{53CF8F6C-F98E-2F49-9DA5-6ECC7BE21AD2}"/>
+              </a:ext>
+            </a:extLst>
+          </p:cNvPr>
+          <p:cNvSpPr txBox="1"/>
+          <p:nvPr/>
+        </p:nvSpPr>
+        <p:spPr>
+          <a:xfrm>
+            <a:off x="1158806" y="4981517"/>
+            <a:ext cx="6162472" cy="369332"/>
+          </a:xfrm>
+          <a:prstGeom prst="rect">
+            <a:avLst/>
+          </a:prstGeom>
+          <a:noFill/>
+        </p:spPr>
+        <p:txBody>
+          <a:bodyPr wrap="square">
+            <a:spAutoFit/>
+          </a:bodyPr>
+          <a:lstStyle/>
+          <a:p>
+            <a:r>
+              <a:rPr lang="en" altLang="zh-CN" b="0" dirty="0">
+                <a:solidFill>
+                  <a:srgbClr val="0000FF"/>
+                </a:solidFill>
+                <a:effectLst/>
+                <a:latin typeface="Menlo" panose="020B0609030804020204" pitchFamily="49" charset="0"/>
+              </a:rPr>
+              <a:t>char</a:t>
+            </a:r>
+            <a:r>
+              <a:rPr lang="en" altLang="zh-CN" b="0" dirty="0">
+                <a:solidFill>
+                  <a:srgbClr val="3B3B3B"/>
+                </a:solidFill>
+                <a:effectLst/>
+                <a:latin typeface="Menlo" panose="020B0609030804020204" pitchFamily="49" charset="0"/>
+              </a:rPr>
+              <a:t> </a:t>
+            </a:r>
+            <a:r>
+              <a:rPr lang="en" altLang="zh-CN" b="0" dirty="0">
+                <a:solidFill>
+                  <a:srgbClr val="000000"/>
+                </a:solidFill>
+                <a:effectLst/>
+                <a:latin typeface="Menlo" panose="020B0609030804020204" pitchFamily="49" charset="0"/>
+              </a:rPr>
+              <a:t>*</a:t>
+            </a:r>
+            <a:r>
+              <a:rPr lang="en" altLang="zh-CN" b="1" dirty="0" err="1">
+                <a:solidFill>
+                  <a:srgbClr val="795E26"/>
+                </a:solidFill>
+                <a:effectLst/>
+                <a:latin typeface="Menlo" panose="020B0609030804020204" pitchFamily="49" charset="0"/>
+              </a:rPr>
+              <a:t>inet_ntoa</a:t>
+            </a:r>
+            <a:r>
+              <a:rPr lang="en" altLang="zh-CN" b="0" dirty="0">
+                <a:solidFill>
+                  <a:srgbClr val="3B3B3B"/>
+                </a:solidFill>
+                <a:effectLst/>
+                <a:latin typeface="Menlo" panose="020B0609030804020204" pitchFamily="49" charset="0"/>
+              </a:rPr>
+              <a:t>(</a:t>
+            </a:r>
+            <a:r>
+              <a:rPr lang="en" altLang="zh-CN" b="0" dirty="0">
+                <a:solidFill>
+                  <a:srgbClr val="0000FF"/>
+                </a:solidFill>
+                <a:effectLst/>
+                <a:latin typeface="Menlo" panose="020B0609030804020204" pitchFamily="49" charset="0"/>
+              </a:rPr>
+              <a:t>struct</a:t>
+            </a:r>
+            <a:r>
+              <a:rPr lang="en" altLang="zh-CN" b="0" dirty="0">
+                <a:solidFill>
+                  <a:srgbClr val="3B3B3B"/>
+                </a:solidFill>
+                <a:effectLst/>
+                <a:latin typeface="Menlo" panose="020B0609030804020204" pitchFamily="49" charset="0"/>
+              </a:rPr>
+              <a:t> </a:t>
+            </a:r>
+            <a:r>
+              <a:rPr lang="en" altLang="zh-CN" b="0" dirty="0" err="1">
                 <a:solidFill>
                   <a:srgbClr val="267F99"/>
                 </a:solidFill>
                 <a:effectLst/>
                 <a:latin typeface="Menlo" panose="020B0609030804020204" pitchFamily="49" charset="0"/>
               </a:rPr>
-              <a:t>kfd</a:t>
-            </a:r>
-            <a:r>
-              <a:rPr lang="en" altLang="zh-CN" sz="2000" b="0" dirty="0">
-                <a:solidFill>
-                  <a:srgbClr val="3B3B3B"/>
-                </a:solidFill>
-                <a:effectLst/>
-                <a:latin typeface="Menlo" panose="020B0609030804020204" pitchFamily="49" charset="0"/>
-              </a:rPr>
-              <a:t>, </a:t>
-            </a:r>
-            <a:r>
-              <a:rPr lang="en" altLang="zh-CN" sz="2000" b="0" dirty="0">
-                <a:solidFill>
-                  <a:srgbClr val="0000FF"/>
-                </a:solidFill>
-                <a:effectLst/>
-                <a:latin typeface="Menlo" panose="020B0609030804020204" pitchFamily="49" charset="0"/>
-              </a:rPr>
-              <a:t>const</a:t>
-            </a:r>
-            <a:r>
-              <a:rPr lang="en" altLang="zh-CN" sz="2000" b="0" dirty="0">
-                <a:solidFill>
-                  <a:srgbClr val="3B3B3B"/>
-                </a:solidFill>
-                <a:effectLst/>
-                <a:latin typeface="Menlo" panose="020B0609030804020204" pitchFamily="49" charset="0"/>
-              </a:rPr>
-              <a:t> </a:t>
-            </a:r>
-            <a:r>
-              <a:rPr lang="en" altLang="zh-CN" sz="2000" b="0" dirty="0">
-                <a:solidFill>
-                  <a:srgbClr val="0000FF"/>
-                </a:solidFill>
-                <a:effectLst/>
-                <a:latin typeface="Menlo" panose="020B0609030804020204" pitchFamily="49" charset="0"/>
-              </a:rPr>
-              <a:t>struct</a:t>
-            </a:r>
-            <a:r>
-              <a:rPr lang="en" altLang="zh-CN" sz="2000" b="0" dirty="0">
-                <a:solidFill>
-                  <a:srgbClr val="3B3B3B"/>
-                </a:solidFill>
-                <a:effectLst/>
-                <a:latin typeface="Menlo" panose="020B0609030804020204" pitchFamily="49" charset="0"/>
-              </a:rPr>
-              <a:t> </a:t>
-            </a:r>
-            <a:r>
-              <a:rPr lang="en" altLang="zh-CN" sz="2000" b="0" dirty="0" err="1">
-                <a:solidFill>
-                  <a:srgbClr val="267F99"/>
-                </a:solidFill>
-                <a:effectLst/>
-                <a:latin typeface="Menlo" panose="020B0609030804020204" pitchFamily="49" charset="0"/>
-              </a:rPr>
-              <a:t>sockaddr</a:t>
-            </a:r>
-            <a:r>
-              <a:rPr lang="en" altLang="zh-CN" sz="2000" b="0" dirty="0">
-                <a:solidFill>
-                  <a:srgbClr val="3B3B3B"/>
-                </a:solidFill>
-                <a:effectLst/>
-                <a:latin typeface="Menlo" panose="020B0609030804020204" pitchFamily="49" charset="0"/>
-              </a:rPr>
-              <a:t> </a:t>
-            </a:r>
-            <a:r>
-              <a:rPr lang="en" altLang="zh-CN" sz="2000" b="0" dirty="0">
-                <a:solidFill>
-                  <a:srgbClr val="000000"/>
-                </a:solidFill>
-                <a:effectLst/>
-                <a:latin typeface="Menlo" panose="020B0609030804020204" pitchFamily="49" charset="0"/>
-              </a:rPr>
-              <a:t>*</a:t>
-            </a:r>
-            <a:r>
-              <a:rPr lang="en" altLang="zh-CN" sz="2000" b="0" dirty="0">
-                <a:solidFill>
-                  <a:srgbClr val="3B3B3B"/>
-                </a:solidFill>
-                <a:effectLst/>
-                <a:latin typeface="Menlo" panose="020B0609030804020204" pitchFamily="49" charset="0"/>
-              </a:rPr>
-              <a:t>, </a:t>
-            </a:r>
-            <a:r>
-              <a:rPr lang="en" altLang="zh-CN" sz="2000" b="0" dirty="0" err="1">
-                <a:solidFill>
-                  <a:srgbClr val="267F99"/>
-                </a:solidFill>
-                <a:effectLst/>
-                <a:latin typeface="Menlo" panose="020B0609030804020204" pitchFamily="49" charset="0"/>
-              </a:rPr>
-              <a:t>socklen_t</a:t>
-            </a:r>
-            <a:r>
-              <a:rPr lang="zh-CN" altLang="en-US" sz="2000" b="0" dirty="0">
-                <a:solidFill>
-                  <a:srgbClr val="267F99"/>
-                </a:solidFill>
-                <a:effectLst/>
-                <a:latin typeface="Menlo" panose="020B0609030804020204" pitchFamily="49" charset="0"/>
-              </a:rPr>
-              <a:t> </a:t>
-            </a:r>
-            <a:r>
-              <a:rPr lang="en" altLang="zh-CN" sz="2000" b="0" dirty="0" err="1">
-                <a:solidFill>
-                  <a:srgbClr val="001080"/>
-                </a:solidFill>
-                <a:effectLst/>
-                <a:latin typeface="Menlo" panose="020B0609030804020204" pitchFamily="49" charset="0"/>
-              </a:rPr>
-              <a:t>len</a:t>
-            </a:r>
-            <a:r>
-              <a:rPr lang="en" altLang="zh-CN" sz="2000" b="0" dirty="0">
-                <a:solidFill>
-                  <a:srgbClr val="3B3B3B"/>
-                </a:solidFill>
-                <a:effectLst/>
-                <a:latin typeface="Menlo" panose="020B0609030804020204" pitchFamily="49" charset="0"/>
-              </a:rPr>
-              <a:t>)</a:t>
-            </a:r>
-          </a:p>
-          <a:p>
-            <a:endParaRPr lang="en" altLang="zh-CN" sz="2000" b="0" dirty="0">
-              <a:solidFill>
-                <a:srgbClr val="3B3B3B"/>
-              </a:solidFill>
-              <a:effectLst/>
-              <a:latin typeface="Menlo" panose="020B0609030804020204" pitchFamily="49" charset="0"/>
+              <a:t>in_addr</a:t>
+            </a:r>
+            <a:r>
+              <a:rPr lang="en" altLang="zh-CN" b="0" dirty="0">
+                <a:solidFill>
+                  <a:srgbClr val="3B3B3B"/>
+                </a:solidFill>
+                <a:effectLst/>
+                <a:latin typeface="Menlo" panose="020B0609030804020204" pitchFamily="49" charset="0"/>
+              </a:rPr>
+              <a:t>);</a:t>
+            </a:r>
+          </a:p>
+        </p:txBody>
+      </p:sp>
+      <p:sp>
+        <p:nvSpPr>
+          <p:cNvPr id="19" name="文本框 18">
+            <a:extLst>
+              <a:ext uri="{FF2B5EF4-FFF2-40B4-BE49-F238E27FC236}">
+                <a16:creationId xmlns:a16="http://schemas.microsoft.com/office/drawing/2014/main" id="{9C1DF887-4C9E-D349-B95A-158AE9246D4E}"/>
+              </a:ext>
+            </a:extLst>
+          </p:cNvPr>
+          <p:cNvSpPr txBox="1"/>
+          <p:nvPr/>
+        </p:nvSpPr>
+        <p:spPr>
+          <a:xfrm>
+            <a:off x="1877438" y="5544765"/>
+            <a:ext cx="10314561" cy="1323439"/>
+          </a:xfrm>
+          <a:prstGeom prst="rect">
+            <a:avLst/>
+          </a:prstGeom>
+          <a:noFill/>
+        </p:spPr>
+        <p:txBody>
+          <a:bodyPr wrap="square" rtlCol="0">
+            <a:spAutoFit/>
+          </a:bodyPr>
+          <a:lstStyle/>
+          <a:p>
+            <a:pPr marL="342900" indent="-342900">
+              <a:buFont typeface="Wingdings" pitchFamily="2" charset="2"/>
+              <a:buChar char="Ø"/>
+            </a:pPr>
+            <a:r>
+              <a:rPr kumimoji="1" lang="en" altLang="zh-CN" sz="2000" dirty="0">
+                <a:latin typeface="Optima" panose="02000503060000020004" pitchFamily="2" charset="0"/>
+                <a:ea typeface="KaiTi" panose="02010609060101010101" pitchFamily="49" charset="-122"/>
+              </a:rPr>
+              <a:t>0x4030201 </a:t>
+            </a:r>
+            <a:r>
+              <a:rPr kumimoji="1" lang="en-US" altLang="zh-CN" sz="2000" dirty="0">
+                <a:latin typeface="Optima" panose="02000503060000020004" pitchFamily="2" charset="0"/>
+                <a:ea typeface="KaiTi" panose="02010609060101010101" pitchFamily="49" charset="-122"/>
+              </a:rPr>
+              <a:t>---&gt; </a:t>
+            </a:r>
+            <a:r>
+              <a:rPr kumimoji="1" lang="zh-CN" altLang="en-US" sz="2000" dirty="0">
+                <a:latin typeface="Optima" panose="02000503060000020004" pitchFamily="2" charset="0"/>
+                <a:ea typeface="KaiTi" panose="02010609060101010101" pitchFamily="49" charset="-122"/>
+              </a:rPr>
+              <a:t>1.2.3.4</a:t>
+            </a:r>
+            <a:endParaRPr kumimoji="1" lang="en-US" altLang="zh-CN" sz="2000" dirty="0">
+              <a:latin typeface="Optima" panose="02000503060000020004" pitchFamily="2" charset="0"/>
+              <a:ea typeface="KaiTi" panose="02010609060101010101" pitchFamily="49" charset="-122"/>
             </a:endParaRPr>
           </a:p>
           <a:p>
-            <a:pPr marL="800100" lvl="1" indent="-342900">
+            <a:pPr marL="342900" indent="-342900">
               <a:buFont typeface="Wingdings" pitchFamily="2" charset="2"/>
-              <a:buChar char="ü"/>
+              <a:buChar char="Ø"/>
             </a:pPr>
-            <a:r>
-              <a:rPr kumimoji="1" lang="en-US" altLang="zh-CN" sz="2000" b="1" dirty="0">
-                <a:latin typeface="Optima" panose="02000503060000020004" pitchFamily="2" charset="0"/>
-              </a:rPr>
-              <a:t>domain</a:t>
+            <a:endParaRPr kumimoji="1" lang="en-US" altLang="zh-CN" sz="2000" dirty="0">
+              <a:latin typeface="Optima" panose="02000503060000020004" pitchFamily="2" charset="0"/>
+              <a:ea typeface="KaiTi" panose="02010609060101010101" pitchFamily="49" charset="-122"/>
+            </a:endParaRPr>
+          </a:p>
+          <a:p>
+            <a:pPr marL="342900" indent="-342900">
+              <a:buFont typeface="Wingdings" pitchFamily="2" charset="2"/>
+              <a:buChar char="Ø"/>
+            </a:pPr>
+            <a:r>
+              <a:rPr kumimoji="1" lang="zh-CN" altLang="en-US" sz="2000" dirty="0">
+                <a:latin typeface="Optima" panose="02000503060000020004" pitchFamily="2" charset="0"/>
+                <a:ea typeface="KaiTi" panose="02010609060101010101" pitchFamily="49" charset="-122"/>
+              </a:rPr>
+              <a:t>与前面两个函数相反，返回值为</a:t>
             </a:r>
             <a:r>
               <a:rPr kumimoji="1" lang="en-US" altLang="zh-CN" sz="2000" dirty="0">
                 <a:latin typeface="Optima" panose="02000503060000020004" pitchFamily="2" charset="0"/>
-              </a:rPr>
-              <a:t>:</a:t>
+                <a:ea typeface="KaiTi" panose="02010609060101010101" pitchFamily="49" charset="-122"/>
+              </a:rPr>
+              <a:t> char</a:t>
             </a:r>
             <a:r>
               <a:rPr kumimoji="1" lang="zh-CN" altLang="en-US" sz="2000" dirty="0">
                 <a:latin typeface="Optima" panose="02000503060000020004" pitchFamily="2" charset="0"/>
-              </a:rPr>
-              <a:t>  协议簇 </a:t>
-            </a:r>
-            <a:r>
-              <a:rPr kumimoji="1" lang="en-US" altLang="zh-CN" sz="2000" dirty="0">
-                <a:latin typeface="Optima" panose="02000503060000020004" pitchFamily="2" charset="0"/>
-              </a:rPr>
-              <a:t>(</a:t>
-            </a:r>
-            <a:r>
-              <a:rPr kumimoji="1" lang="en-US" altLang="zh-CN" sz="2000" b="1" dirty="0">
-                <a:solidFill>
-                  <a:srgbClr val="C00000"/>
-                </a:solidFill>
-                <a:latin typeface="Optima" panose="02000503060000020004" pitchFamily="2" charset="0"/>
-              </a:rPr>
-              <a:t>P</a:t>
-            </a:r>
-            <a:r>
-              <a:rPr kumimoji="1" lang="en-US" altLang="zh-CN" sz="2000" dirty="0">
-                <a:latin typeface="Optima" panose="02000503060000020004" pitchFamily="2" charset="0"/>
-              </a:rPr>
-              <a:t>rotocol</a:t>
-            </a:r>
-            <a:r>
-              <a:rPr kumimoji="1" lang="zh-CN" altLang="en-US" sz="2000" dirty="0">
-                <a:latin typeface="Optima" panose="02000503060000020004" pitchFamily="2" charset="0"/>
-              </a:rPr>
-              <a:t> </a:t>
-            </a:r>
-            <a:r>
-              <a:rPr kumimoji="1" lang="en-US" altLang="zh-CN" sz="2000" b="1" dirty="0">
-                <a:solidFill>
-                  <a:srgbClr val="C00000"/>
-                </a:solidFill>
-                <a:latin typeface="Optima" panose="02000503060000020004" pitchFamily="2" charset="0"/>
-              </a:rPr>
-              <a:t>F</a:t>
-            </a:r>
-            <a:r>
-              <a:rPr kumimoji="1" lang="en-US" altLang="zh-CN" sz="2000" dirty="0">
-                <a:latin typeface="Optima" panose="02000503060000020004" pitchFamily="2" charset="0"/>
-              </a:rPr>
-              <a:t>amily)</a:t>
-            </a:r>
-            <a:r>
-              <a:rPr kumimoji="1" lang="zh-CN" altLang="en-US" sz="2000" dirty="0">
-                <a:latin typeface="Optima" panose="02000503060000020004" pitchFamily="2" charset="0"/>
-              </a:rPr>
-              <a:t>，</a:t>
-            </a:r>
-            <a:r>
-              <a:rPr kumimoji="1" lang="en-US" altLang="zh-CN" sz="2000" b="1" i="1" dirty="0">
-                <a:latin typeface="Optima" panose="02000503060000020004" pitchFamily="2" charset="0"/>
-              </a:rPr>
-              <a:t>PF_INET</a:t>
-            </a:r>
-            <a:r>
-              <a:rPr kumimoji="1" lang="en-US" altLang="zh-CN" sz="2000" dirty="0">
-                <a:latin typeface="Optima" panose="02000503060000020004" pitchFamily="2" charset="0"/>
-              </a:rPr>
-              <a:t> </a:t>
-            </a:r>
-            <a:r>
-              <a:rPr kumimoji="1" lang="zh-CN" altLang="en-US" sz="2000" dirty="0">
-                <a:latin typeface="Optima" panose="02000503060000020004" pitchFamily="2" charset="0"/>
-              </a:rPr>
-              <a:t>为</a:t>
-            </a:r>
-            <a:r>
-              <a:rPr kumimoji="1" lang="en-US" altLang="zh-CN" sz="2000" dirty="0">
-                <a:latin typeface="Optima" panose="02000503060000020004" pitchFamily="2" charset="0"/>
-              </a:rPr>
-              <a:t> IPv4</a:t>
-            </a:r>
-            <a:r>
-              <a:rPr kumimoji="1" lang="zh-CN" altLang="en-US" sz="2000" dirty="0">
-                <a:latin typeface="Optima" panose="02000503060000020004" pitchFamily="2" charset="0"/>
-              </a:rPr>
-              <a:t>，</a:t>
-            </a:r>
-            <a:r>
-              <a:rPr kumimoji="1" lang="en-US" altLang="zh-CN" sz="2000" b="1" i="1" dirty="0">
-                <a:latin typeface="Optima" panose="02000503060000020004" pitchFamily="2" charset="0"/>
-              </a:rPr>
-              <a:t>PF_INET6 </a:t>
-            </a:r>
-            <a:r>
-              <a:rPr kumimoji="1" lang="zh-CN" altLang="en-US" sz="2000" dirty="0">
-                <a:latin typeface="Optima" panose="02000503060000020004" pitchFamily="2" charset="0"/>
-              </a:rPr>
-              <a:t>为</a:t>
-            </a:r>
-            <a:r>
-              <a:rPr kumimoji="1" lang="en-US" altLang="zh-CN" sz="2000" dirty="0">
-                <a:latin typeface="Optima" panose="02000503060000020004" pitchFamily="2" charset="0"/>
-              </a:rPr>
-              <a:t> IPv6</a:t>
-            </a:r>
-          </a:p>
-          <a:p>
-            <a:pPr marL="800100" lvl="1" indent="-342900">
-              <a:buFont typeface="Wingdings" pitchFamily="2" charset="2"/>
-              <a:buChar char="ü"/>
-            </a:pPr>
-            <a:r>
-              <a:rPr kumimoji="1" lang="en-US" altLang="zh-CN" sz="2000" b="1" dirty="0">
-                <a:latin typeface="Optima" panose="02000503060000020004" pitchFamily="2" charset="0"/>
-              </a:rPr>
-              <a:t>type</a:t>
-            </a:r>
-            <a:r>
-              <a:rPr kumimoji="1" lang="en-US" altLang="zh-CN" sz="2000" dirty="0">
-                <a:latin typeface="Optima" panose="02000503060000020004" pitchFamily="2" charset="0"/>
-              </a:rPr>
-              <a:t>:</a:t>
-            </a:r>
-            <a:r>
-              <a:rPr kumimoji="1" lang="zh-CN" altLang="en-US" sz="2000" dirty="0">
-                <a:latin typeface="Optima" panose="02000503060000020004" pitchFamily="2" charset="0"/>
-              </a:rPr>
-              <a:t> </a:t>
-            </a:r>
-            <a:r>
-              <a:rPr kumimoji="1" lang="en-US" altLang="zh-CN" sz="2000" dirty="0">
-                <a:latin typeface="Optima" panose="02000503060000020004" pitchFamily="2" charset="0"/>
-              </a:rPr>
-              <a:t>	</a:t>
-            </a:r>
-            <a:r>
-              <a:rPr kumimoji="1" lang="zh-CN" altLang="en-US" sz="2000" dirty="0">
-                <a:latin typeface="Optima" panose="02000503060000020004" pitchFamily="2" charset="0"/>
-              </a:rPr>
-              <a:t> </a:t>
-            </a:r>
-            <a:r>
-              <a:rPr kumimoji="1" lang="en-US" altLang="zh-CN" sz="2000" dirty="0">
-                <a:latin typeface="Optima" panose="02000503060000020004" pitchFamily="2" charset="0"/>
-              </a:rPr>
-              <a:t>TCP</a:t>
-            </a:r>
-            <a:r>
-              <a:rPr kumimoji="1" lang="zh-CN" altLang="en-US" sz="2000" dirty="0">
-                <a:latin typeface="Optima" panose="02000503060000020004" pitchFamily="2" charset="0"/>
-              </a:rPr>
-              <a:t> </a:t>
-            </a:r>
-            <a:r>
-              <a:rPr kumimoji="1" lang="en-US" altLang="zh-CN" sz="2000" dirty="0">
-                <a:latin typeface="Optima" panose="02000503060000020004" pitchFamily="2" charset="0"/>
-              </a:rPr>
-              <a:t>(</a:t>
-            </a:r>
-            <a:r>
-              <a:rPr kumimoji="1" lang="en-US" altLang="zh-CN" sz="2000" b="1" i="1" dirty="0">
-                <a:latin typeface="Optima" panose="02000503060000020004" pitchFamily="2" charset="0"/>
-              </a:rPr>
-              <a:t>SOCK_STREAM</a:t>
-            </a:r>
-            <a:r>
-              <a:rPr kumimoji="1" lang="en-US" altLang="zh-CN" sz="2000" dirty="0">
-                <a:latin typeface="Optima" panose="02000503060000020004" pitchFamily="2" charset="0"/>
-              </a:rPr>
-              <a:t>) </a:t>
-            </a:r>
-            <a:r>
-              <a:rPr kumimoji="1" lang="zh-CN" altLang="en-US" sz="2000" dirty="0">
-                <a:latin typeface="Optima" panose="02000503060000020004" pitchFamily="2" charset="0"/>
-              </a:rPr>
-              <a:t>还是</a:t>
-            </a:r>
-            <a:r>
-              <a:rPr kumimoji="1" lang="en-US" altLang="zh-CN" sz="2000" dirty="0">
-                <a:latin typeface="Optima" panose="02000503060000020004" pitchFamily="2" charset="0"/>
-              </a:rPr>
-              <a:t> UDP</a:t>
-            </a:r>
-            <a:r>
-              <a:rPr kumimoji="1" lang="zh-CN" altLang="en-US" sz="2000" dirty="0">
-                <a:latin typeface="Optima" panose="02000503060000020004" pitchFamily="2" charset="0"/>
-              </a:rPr>
-              <a:t> </a:t>
-            </a:r>
-            <a:r>
-              <a:rPr kumimoji="1" lang="en-US" altLang="zh-CN" sz="2000" dirty="0">
-                <a:latin typeface="Optima" panose="02000503060000020004" pitchFamily="2" charset="0"/>
-              </a:rPr>
-              <a:t>(</a:t>
-            </a:r>
-            <a:r>
-              <a:rPr kumimoji="1" lang="en-US" altLang="zh-CN" sz="2000" b="1" i="1" dirty="0">
-                <a:latin typeface="Optima" panose="02000503060000020004" pitchFamily="2" charset="0"/>
-              </a:rPr>
-              <a:t>SOCK_DGRAM</a:t>
-            </a:r>
-            <a:r>
-              <a:rPr kumimoji="1" lang="en-US" altLang="zh-CN" sz="2000" dirty="0">
-                <a:latin typeface="Optima" panose="02000503060000020004" pitchFamily="2" charset="0"/>
-              </a:rPr>
-              <a:t>)</a:t>
-            </a:r>
-          </a:p>
-          <a:p>
-            <a:pPr marL="800100" lvl="1" indent="-342900">
-              <a:buFont typeface="Wingdings" pitchFamily="2" charset="2"/>
-              <a:buChar char="ü"/>
-            </a:pPr>
-            <a:r>
-              <a:rPr kumimoji="1" lang="en-US" altLang="zh-CN" sz="2000" b="1" dirty="0">
-                <a:latin typeface="Optima" panose="02000503060000020004" pitchFamily="2" charset="0"/>
-              </a:rPr>
-              <a:t>protocol</a:t>
-            </a:r>
-            <a:r>
-              <a:rPr kumimoji="1" lang="en-US" altLang="zh-CN" sz="2000" dirty="0">
-                <a:latin typeface="Optima" panose="02000503060000020004" pitchFamily="2" charset="0"/>
-              </a:rPr>
-              <a:t>:</a:t>
-            </a:r>
-            <a:r>
-              <a:rPr kumimoji="1" lang="zh-CN" altLang="en-US" sz="2000" dirty="0">
-                <a:latin typeface="Optima" panose="02000503060000020004" pitchFamily="2" charset="0"/>
-              </a:rPr>
-              <a:t> 最终决定所采用的协议，一般为 </a:t>
-            </a:r>
-            <a:r>
-              <a:rPr kumimoji="1" lang="en-US" altLang="zh-CN" sz="2000" dirty="0">
-                <a:latin typeface="Optima" panose="02000503060000020004" pitchFamily="2" charset="0"/>
-              </a:rPr>
-              <a:t>0</a:t>
-            </a:r>
-            <a:endParaRPr lang="en" altLang="zh-CN" sz="2000" b="0" dirty="0">
-              <a:solidFill>
-                <a:srgbClr val="3B3B3B"/>
-              </a:solidFill>
-              <a:effectLst/>
-              <a:latin typeface="Menlo" panose="020B0609030804020204" pitchFamily="49" charset="0"/>
+                <a:ea typeface="KaiTi" panose="02010609060101010101" pitchFamily="49" charset="-122"/>
+              </a:rPr>
+              <a:t>*，说明在内部申请了地址并保存字符串，需要在外部用变量接收，否则如果再调用一次这个函数，可能会覆盖原来地址保存的字符串</a:t>
+            </a:r>
+          </a:p>
+        </p:txBody>
+      </p:sp>
+      <p:sp>
+        <p:nvSpPr>
+          <p:cNvPr id="24" name="文本框 23">
+            <a:extLst>
+              <a:ext uri="{FF2B5EF4-FFF2-40B4-BE49-F238E27FC236}">
+                <a16:creationId xmlns:a16="http://schemas.microsoft.com/office/drawing/2014/main" id="{C45F8EA6-02B3-4C48-B52A-950E164F623D}"/>
+              </a:ext>
+            </a:extLst>
+          </p:cNvPr>
+          <p:cNvSpPr txBox="1"/>
+          <p:nvPr/>
+        </p:nvSpPr>
+        <p:spPr>
+          <a:xfrm>
+            <a:off x="0" y="1468515"/>
+            <a:ext cx="1575880" cy="400110"/>
+          </a:xfrm>
+          <a:prstGeom prst="rect">
+            <a:avLst/>
+          </a:prstGeom>
+          <a:noFill/>
+        </p:spPr>
+        <p:txBody>
+          <a:bodyPr wrap="square">
+            <a:spAutoFit/>
+          </a:bodyPr>
+          <a:lstStyle/>
+          <a:p>
+            <a:r>
+              <a:rPr lang="en-US" altLang="zh-CN" sz="2000" b="1" dirty="0" err="1">
+                <a:highlight>
+                  <a:srgbClr val="FFFF00"/>
+                </a:highlight>
+                <a:latin typeface="Optima" panose="02000503060000020004" pitchFamily="2" charset="0"/>
+                <a:ea typeface="KaiTi" panose="02010609060101010101" pitchFamily="49" charset="-122"/>
+              </a:rPr>
+              <a:t>inet_addr.c</a:t>
+            </a:r>
+            <a:endParaRPr lang="zh-CN" altLang="en-US" sz="2000" b="1" dirty="0">
+              <a:highlight>
+                <a:srgbClr val="FFFF00"/>
+              </a:highlight>
+              <a:latin typeface="Optima" panose="02000503060000020004" pitchFamily="2" charset="0"/>
+              <a:ea typeface="KaiTi" panose="02010609060101010101" pitchFamily="49" charset="-122"/>
+            </a:endParaRPr>
+          </a:p>
+        </p:txBody>
+      </p:sp>
+      <p:sp>
+        <p:nvSpPr>
+          <p:cNvPr id="25" name="文本框 24">
+            <a:extLst>
+              <a:ext uri="{FF2B5EF4-FFF2-40B4-BE49-F238E27FC236}">
+                <a16:creationId xmlns:a16="http://schemas.microsoft.com/office/drawing/2014/main" id="{AEFE25AA-4A02-7D40-BF32-0782A19BE7F7}"/>
+              </a:ext>
+            </a:extLst>
+          </p:cNvPr>
+          <p:cNvSpPr txBox="1"/>
+          <p:nvPr/>
+        </p:nvSpPr>
+        <p:spPr>
+          <a:xfrm>
+            <a:off x="-1" y="3832697"/>
+            <a:ext cx="1575881" cy="400110"/>
+          </a:xfrm>
+          <a:prstGeom prst="rect">
+            <a:avLst/>
+          </a:prstGeom>
+          <a:noFill/>
+        </p:spPr>
+        <p:txBody>
+          <a:bodyPr wrap="square">
+            <a:spAutoFit/>
+          </a:bodyPr>
+          <a:lstStyle/>
+          <a:p>
+            <a:r>
+              <a:rPr lang="en-US" altLang="zh-CN" sz="2000" b="1" dirty="0" err="1">
+                <a:highlight>
+                  <a:srgbClr val="FFFF00"/>
+                </a:highlight>
+                <a:latin typeface="Optima" panose="02000503060000020004" pitchFamily="2" charset="0"/>
+                <a:ea typeface="KaiTi" panose="02010609060101010101" pitchFamily="49" charset="-122"/>
+              </a:rPr>
+              <a:t>inet_aton.c</a:t>
+            </a:r>
+            <a:endParaRPr lang="zh-CN" altLang="en-US" sz="2000" b="1" dirty="0">
+              <a:highlight>
+                <a:srgbClr val="FFFF00"/>
+              </a:highlight>
+              <a:latin typeface="Optima" panose="02000503060000020004" pitchFamily="2" charset="0"/>
+              <a:ea typeface="KaiTi" panose="02010609060101010101" pitchFamily="49" charset="-122"/>
+            </a:endParaRPr>
+          </a:p>
+        </p:txBody>
+      </p:sp>
+      <p:sp>
+        <p:nvSpPr>
+          <p:cNvPr id="26" name="文本框 25">
+            <a:extLst>
+              <a:ext uri="{FF2B5EF4-FFF2-40B4-BE49-F238E27FC236}">
+                <a16:creationId xmlns:a16="http://schemas.microsoft.com/office/drawing/2014/main" id="{9DA37BDA-9C7B-884D-8F41-F2F330B2B414}"/>
+              </a:ext>
+            </a:extLst>
+          </p:cNvPr>
+          <p:cNvSpPr txBox="1"/>
+          <p:nvPr/>
+        </p:nvSpPr>
+        <p:spPr>
+          <a:xfrm>
+            <a:off x="-1" y="5899504"/>
+            <a:ext cx="1474553" cy="400110"/>
+          </a:xfrm>
+          <a:prstGeom prst="rect">
+            <a:avLst/>
+          </a:prstGeom>
+          <a:noFill/>
+        </p:spPr>
+        <p:txBody>
+          <a:bodyPr wrap="square">
+            <a:spAutoFit/>
+          </a:bodyPr>
+          <a:lstStyle/>
+          <a:p>
+            <a:r>
+              <a:rPr lang="en-US" altLang="zh-CN" sz="2000" b="1" dirty="0" err="1">
+                <a:highlight>
+                  <a:srgbClr val="FFFF00"/>
+                </a:highlight>
+                <a:latin typeface="Optima" panose="02000503060000020004" pitchFamily="2" charset="0"/>
+                <a:ea typeface="KaiTi" panose="02010609060101010101" pitchFamily="49" charset="-122"/>
+              </a:rPr>
+              <a:t>inet_ntoa.c</a:t>
+            </a:r>
+            <a:endParaRPr lang="zh-CN" altLang="en-US" sz="2000" b="1" dirty="0">
+              <a:highlight>
+                <a:srgbClr val="FFFF00"/>
+              </a:highlight>
+              <a:latin typeface="Optima" panose="02000503060000020004" pitchFamily="2" charset="0"/>
+              <a:ea typeface="KaiTi" panose="02010609060101010101" pitchFamily="49" charset="-122"/>
             </a:endParaRPr>
           </a:p>
         </p:txBody>
@@ -3745,7 +5166,7 @@
     </p:spTree>
     <p:extLst>
       <p:ext uri="{BB962C8B-B14F-4D97-AF65-F5344CB8AC3E}">
-        <p14:creationId xmlns:p14="http://schemas.microsoft.com/office/powerpoint/2010/main" val="3474847916"/>
+        <p14:creationId xmlns:p14="http://schemas.microsoft.com/office/powerpoint/2010/main" val="1531500955"/>
       </p:ext>
     </p:extLst>
   </p:cSld>
@@ -3777,7 +5198,7 @@
           <p:cNvPr id="2" name="文本框 1">
             <a:extLst>
               <a:ext uri="{FF2B5EF4-FFF2-40B4-BE49-F238E27FC236}">
-                <a16:creationId xmlns:a16="http://schemas.microsoft.com/office/drawing/2014/main" id="{EE003F37-D0BF-A842-9EDD-590F8A1FE96B}"/>
+                <a16:creationId xmlns:a16="http://schemas.microsoft.com/office/drawing/2014/main" id="{01993FCF-1B22-4F46-9106-B00BC44940BA}"/>
               </a:ext>
             </a:extLst>
           </p:cNvPr>
@@ -3786,8 +5207,8 @@
         </p:nvSpPr>
         <p:spPr>
           <a:xfrm>
-            <a:off x="953311" y="437745"/>
-            <a:ext cx="184731" cy="369332"/>
+            <a:off x="0" y="0"/>
+            <a:ext cx="2698175" cy="523220"/>
           </a:xfrm>
           <a:prstGeom prst="rect">
             <a:avLst/>
@@ -3800,14 +5221,1643 @@
           </a:bodyPr>
           <a:lstStyle/>
           <a:p>
-            <a:endParaRPr kumimoji="1" lang="zh-CN" altLang="en-US" dirty="0"/>
+            <a:r>
+              <a:rPr kumimoji="1" lang="zh-CN" altLang="en-US" sz="2800" dirty="0">
+                <a:latin typeface="Optima" panose="02000503060000020004" pitchFamily="2" charset="0"/>
+                <a:ea typeface="KaiTi" panose="02010609060101010101" pitchFamily="49" charset="-122"/>
+              </a:rPr>
+              <a:t>网络地址初始化</a:t>
+            </a:r>
+          </a:p>
+        </p:txBody>
+      </p:sp>
+      <p:sp>
+        <p:nvSpPr>
+          <p:cNvPr id="6" name="文本框 5">
+            <a:extLst>
+              <a:ext uri="{FF2B5EF4-FFF2-40B4-BE49-F238E27FC236}">
+                <a16:creationId xmlns:a16="http://schemas.microsoft.com/office/drawing/2014/main" id="{3EFF9C12-798F-A04B-A980-AC8E5B4564A5}"/>
+              </a:ext>
+            </a:extLst>
+          </p:cNvPr>
+          <p:cNvSpPr txBox="1"/>
+          <p:nvPr/>
+        </p:nvSpPr>
+        <p:spPr>
+          <a:xfrm>
+            <a:off x="834146" y="458076"/>
+            <a:ext cx="6162472" cy="2953053"/>
+          </a:xfrm>
+          <a:prstGeom prst="rect">
+            <a:avLst/>
+          </a:prstGeom>
+          <a:noFill/>
+        </p:spPr>
+        <p:txBody>
+          <a:bodyPr wrap="square">
+            <a:spAutoFit/>
+          </a:bodyPr>
+          <a:lstStyle/>
+          <a:p>
+            <a:pPr>
+              <a:lnSpc>
+                <a:spcPct val="150000"/>
+              </a:lnSpc>
+            </a:pPr>
+            <a:r>
+              <a:rPr lang="en" altLang="zh-CN" b="0" dirty="0">
+                <a:solidFill>
+                  <a:srgbClr val="0000FF"/>
+                </a:solidFill>
+                <a:effectLst/>
+                <a:latin typeface="Menlo" panose="020B0609030804020204" pitchFamily="49" charset="0"/>
+              </a:rPr>
+              <a:t>struct</a:t>
+            </a:r>
+            <a:r>
+              <a:rPr lang="en" altLang="zh-CN" b="0" dirty="0">
+                <a:solidFill>
+                  <a:srgbClr val="3B3B3B"/>
+                </a:solidFill>
+                <a:effectLst/>
+                <a:latin typeface="Menlo" panose="020B0609030804020204" pitchFamily="49" charset="0"/>
+              </a:rPr>
+              <a:t> </a:t>
+            </a:r>
+            <a:r>
+              <a:rPr lang="en" altLang="zh-CN" b="0" dirty="0" err="1">
+                <a:solidFill>
+                  <a:srgbClr val="267F99"/>
+                </a:solidFill>
+                <a:effectLst/>
+                <a:latin typeface="Menlo" panose="020B0609030804020204" pitchFamily="49" charset="0"/>
+              </a:rPr>
+              <a:t>sockaddr_in</a:t>
+            </a:r>
+            <a:r>
+              <a:rPr lang="en" altLang="zh-CN" b="0" dirty="0">
+                <a:solidFill>
+                  <a:srgbClr val="3B3B3B"/>
+                </a:solidFill>
+                <a:effectLst/>
+                <a:latin typeface="Menlo" panose="020B0609030804020204" pitchFamily="49" charset="0"/>
+              </a:rPr>
+              <a:t> </a:t>
+            </a:r>
+            <a:r>
+              <a:rPr lang="en" altLang="zh-CN" b="0" dirty="0" err="1">
+                <a:solidFill>
+                  <a:srgbClr val="001080"/>
+                </a:solidFill>
+                <a:effectLst/>
+                <a:latin typeface="Menlo" panose="020B0609030804020204" pitchFamily="49" charset="0"/>
+              </a:rPr>
+              <a:t>addr</a:t>
+            </a:r>
+            <a:r>
+              <a:rPr lang="en" altLang="zh-CN" b="0" dirty="0">
+                <a:solidFill>
+                  <a:srgbClr val="3B3B3B"/>
+                </a:solidFill>
+                <a:effectLst/>
+                <a:latin typeface="Menlo" panose="020B0609030804020204" pitchFamily="49" charset="0"/>
+              </a:rPr>
+              <a:t>;</a:t>
+            </a:r>
+          </a:p>
+          <a:p>
+            <a:pPr>
+              <a:lnSpc>
+                <a:spcPct val="150000"/>
+              </a:lnSpc>
+            </a:pPr>
+            <a:r>
+              <a:rPr lang="en" altLang="zh-CN" b="0" dirty="0">
+                <a:solidFill>
+                  <a:srgbClr val="0000FF"/>
+                </a:solidFill>
+                <a:effectLst/>
+                <a:latin typeface="Menlo" panose="020B0609030804020204" pitchFamily="49" charset="0"/>
+              </a:rPr>
+              <a:t>char</a:t>
+            </a:r>
+            <a:r>
+              <a:rPr lang="en" altLang="zh-CN" b="0" dirty="0">
+                <a:solidFill>
+                  <a:srgbClr val="000000"/>
+                </a:solidFill>
+                <a:effectLst/>
+                <a:latin typeface="Menlo" panose="020B0609030804020204" pitchFamily="49" charset="0"/>
+              </a:rPr>
+              <a:t>*</a:t>
+            </a:r>
+            <a:r>
+              <a:rPr lang="en" altLang="zh-CN" b="0" dirty="0">
+                <a:solidFill>
+                  <a:srgbClr val="3B3B3B"/>
+                </a:solidFill>
+                <a:effectLst/>
+                <a:latin typeface="Menlo" panose="020B0609030804020204" pitchFamily="49" charset="0"/>
+              </a:rPr>
+              <a:t> </a:t>
+            </a:r>
+            <a:r>
+              <a:rPr lang="en" altLang="zh-CN" b="0" dirty="0" err="1">
+                <a:solidFill>
+                  <a:srgbClr val="001080"/>
+                </a:solidFill>
+                <a:effectLst/>
+                <a:latin typeface="Menlo" panose="020B0609030804020204" pitchFamily="49" charset="0"/>
+              </a:rPr>
+              <a:t>serv_ip</a:t>
+            </a:r>
+            <a:r>
+              <a:rPr lang="en" altLang="zh-CN" b="0" dirty="0">
+                <a:solidFill>
+                  <a:srgbClr val="3B3B3B"/>
+                </a:solidFill>
+                <a:effectLst/>
+                <a:latin typeface="Menlo" panose="020B0609030804020204" pitchFamily="49" charset="0"/>
+              </a:rPr>
+              <a:t> </a:t>
+            </a:r>
+            <a:r>
+              <a:rPr lang="en" altLang="zh-CN" b="0" dirty="0">
+                <a:solidFill>
+                  <a:srgbClr val="000000"/>
+                </a:solidFill>
+                <a:effectLst/>
+                <a:latin typeface="Menlo" panose="020B0609030804020204" pitchFamily="49" charset="0"/>
+              </a:rPr>
+              <a:t>=</a:t>
+            </a:r>
+            <a:r>
+              <a:rPr lang="en" altLang="zh-CN" b="0" dirty="0">
+                <a:solidFill>
+                  <a:srgbClr val="3B3B3B"/>
+                </a:solidFill>
+                <a:effectLst/>
+                <a:latin typeface="Menlo" panose="020B0609030804020204" pitchFamily="49" charset="0"/>
+              </a:rPr>
+              <a:t> </a:t>
+            </a:r>
+            <a:r>
+              <a:rPr lang="en" altLang="zh-CN" b="0" dirty="0">
+                <a:solidFill>
+                  <a:srgbClr val="A31515"/>
+                </a:solidFill>
+                <a:effectLst/>
+                <a:latin typeface="Menlo" panose="020B0609030804020204" pitchFamily="49" charset="0"/>
+              </a:rPr>
+              <a:t>"211.217.168.13"</a:t>
+            </a:r>
+            <a:r>
+              <a:rPr lang="en" altLang="zh-CN" b="0" dirty="0">
+                <a:solidFill>
+                  <a:srgbClr val="3B3B3B"/>
+                </a:solidFill>
+                <a:effectLst/>
+                <a:latin typeface="Menlo" panose="020B0609030804020204" pitchFamily="49" charset="0"/>
+              </a:rPr>
+              <a:t>;</a:t>
+            </a:r>
+          </a:p>
+          <a:p>
+            <a:pPr>
+              <a:lnSpc>
+                <a:spcPct val="150000"/>
+              </a:lnSpc>
+            </a:pPr>
+            <a:r>
+              <a:rPr lang="en" altLang="zh-CN" b="0" dirty="0">
+                <a:solidFill>
+                  <a:srgbClr val="0000FF"/>
+                </a:solidFill>
+                <a:effectLst/>
+                <a:latin typeface="Menlo" panose="020B0609030804020204" pitchFamily="49" charset="0"/>
+              </a:rPr>
+              <a:t>char</a:t>
+            </a:r>
+            <a:r>
+              <a:rPr lang="en" altLang="zh-CN" b="0" dirty="0">
+                <a:solidFill>
+                  <a:srgbClr val="000000"/>
+                </a:solidFill>
+                <a:effectLst/>
+                <a:latin typeface="Menlo" panose="020B0609030804020204" pitchFamily="49" charset="0"/>
+              </a:rPr>
+              <a:t>*</a:t>
+            </a:r>
+            <a:r>
+              <a:rPr lang="en" altLang="zh-CN" b="0" dirty="0">
+                <a:solidFill>
+                  <a:srgbClr val="3B3B3B"/>
+                </a:solidFill>
+                <a:effectLst/>
+                <a:latin typeface="Menlo" panose="020B0609030804020204" pitchFamily="49" charset="0"/>
+              </a:rPr>
+              <a:t> </a:t>
+            </a:r>
+            <a:r>
+              <a:rPr lang="en" altLang="zh-CN" b="0" dirty="0" err="1">
+                <a:solidFill>
+                  <a:srgbClr val="001080"/>
+                </a:solidFill>
+                <a:effectLst/>
+                <a:latin typeface="Menlo" panose="020B0609030804020204" pitchFamily="49" charset="0"/>
+              </a:rPr>
+              <a:t>serv_port</a:t>
+            </a:r>
+            <a:r>
+              <a:rPr lang="en" altLang="zh-CN" b="0" dirty="0">
+                <a:solidFill>
+                  <a:srgbClr val="3B3B3B"/>
+                </a:solidFill>
+                <a:effectLst/>
+                <a:latin typeface="Menlo" panose="020B0609030804020204" pitchFamily="49" charset="0"/>
+              </a:rPr>
+              <a:t> </a:t>
+            </a:r>
+            <a:r>
+              <a:rPr lang="en" altLang="zh-CN" b="0" dirty="0">
+                <a:solidFill>
+                  <a:srgbClr val="000000"/>
+                </a:solidFill>
+                <a:effectLst/>
+                <a:latin typeface="Menlo" panose="020B0609030804020204" pitchFamily="49" charset="0"/>
+              </a:rPr>
+              <a:t>=</a:t>
+            </a:r>
+            <a:r>
+              <a:rPr lang="en" altLang="zh-CN" b="0" dirty="0">
+                <a:solidFill>
+                  <a:srgbClr val="3B3B3B"/>
+                </a:solidFill>
+                <a:effectLst/>
+                <a:latin typeface="Menlo" panose="020B0609030804020204" pitchFamily="49" charset="0"/>
+              </a:rPr>
+              <a:t> </a:t>
+            </a:r>
+            <a:r>
+              <a:rPr lang="en" altLang="zh-CN" b="0" dirty="0">
+                <a:solidFill>
+                  <a:srgbClr val="A31515"/>
+                </a:solidFill>
+                <a:effectLst/>
+                <a:latin typeface="Menlo" panose="020B0609030804020204" pitchFamily="49" charset="0"/>
+              </a:rPr>
+              <a:t>"9190"</a:t>
+            </a:r>
+            <a:r>
+              <a:rPr lang="en" altLang="zh-CN" b="0" dirty="0">
+                <a:solidFill>
+                  <a:srgbClr val="3B3B3B"/>
+                </a:solidFill>
+                <a:effectLst/>
+                <a:latin typeface="Menlo" panose="020B0609030804020204" pitchFamily="49" charset="0"/>
+              </a:rPr>
+              <a:t>;</a:t>
+            </a:r>
+          </a:p>
+          <a:p>
+            <a:pPr>
+              <a:lnSpc>
+                <a:spcPct val="150000"/>
+              </a:lnSpc>
+            </a:pPr>
+            <a:r>
+              <a:rPr lang="en" altLang="zh-CN" b="0" dirty="0" err="1">
+                <a:solidFill>
+                  <a:srgbClr val="0000FF"/>
+                </a:solidFill>
+                <a:effectLst/>
+                <a:latin typeface="Menlo" panose="020B0609030804020204" pitchFamily="49" charset="0"/>
+              </a:rPr>
+              <a:t>memset</a:t>
+            </a:r>
+            <a:r>
+              <a:rPr lang="en" altLang="zh-CN" b="0" dirty="0">
+                <a:solidFill>
+                  <a:srgbClr val="3B3B3B"/>
+                </a:solidFill>
+                <a:effectLst/>
+                <a:latin typeface="Menlo" panose="020B0609030804020204" pitchFamily="49" charset="0"/>
+              </a:rPr>
+              <a:t>(</a:t>
+            </a:r>
+            <a:r>
+              <a:rPr lang="en" altLang="zh-CN" b="0" dirty="0">
+                <a:solidFill>
+                  <a:srgbClr val="000000"/>
+                </a:solidFill>
+                <a:effectLst/>
+                <a:latin typeface="Menlo" panose="020B0609030804020204" pitchFamily="49" charset="0"/>
+              </a:rPr>
+              <a:t>&amp;</a:t>
+            </a:r>
+            <a:r>
+              <a:rPr lang="en" altLang="zh-CN" b="0" dirty="0" err="1">
+                <a:solidFill>
+                  <a:srgbClr val="001080"/>
+                </a:solidFill>
+                <a:effectLst/>
+                <a:latin typeface="Menlo" panose="020B0609030804020204" pitchFamily="49" charset="0"/>
+              </a:rPr>
+              <a:t>addr</a:t>
+            </a:r>
+            <a:r>
+              <a:rPr lang="en" altLang="zh-CN" b="0" dirty="0">
+                <a:solidFill>
+                  <a:srgbClr val="3B3B3B"/>
+                </a:solidFill>
+                <a:effectLst/>
+                <a:latin typeface="Menlo" panose="020B0609030804020204" pitchFamily="49" charset="0"/>
+              </a:rPr>
+              <a:t>, </a:t>
+            </a:r>
+            <a:r>
+              <a:rPr lang="en" altLang="zh-CN" b="0" dirty="0">
+                <a:solidFill>
+                  <a:srgbClr val="098658"/>
+                </a:solidFill>
+                <a:effectLst/>
+                <a:latin typeface="Menlo" panose="020B0609030804020204" pitchFamily="49" charset="0"/>
+              </a:rPr>
+              <a:t>0</a:t>
+            </a:r>
+            <a:r>
+              <a:rPr lang="en" altLang="zh-CN" b="0" dirty="0">
+                <a:solidFill>
+                  <a:srgbClr val="3B3B3B"/>
+                </a:solidFill>
+                <a:effectLst/>
+                <a:latin typeface="Menlo" panose="020B0609030804020204" pitchFamily="49" charset="0"/>
+              </a:rPr>
+              <a:t>, </a:t>
+            </a:r>
+            <a:r>
+              <a:rPr lang="en" altLang="zh-CN" b="0" dirty="0" err="1">
+                <a:solidFill>
+                  <a:srgbClr val="0000FF"/>
+                </a:solidFill>
+                <a:effectLst/>
+                <a:latin typeface="Menlo" panose="020B0609030804020204" pitchFamily="49" charset="0"/>
+              </a:rPr>
+              <a:t>sizeof</a:t>
+            </a:r>
+            <a:r>
+              <a:rPr lang="en" altLang="zh-CN" b="0" dirty="0">
+                <a:solidFill>
+                  <a:srgbClr val="3B3B3B"/>
+                </a:solidFill>
+                <a:effectLst/>
+                <a:latin typeface="Menlo" panose="020B0609030804020204" pitchFamily="49" charset="0"/>
+              </a:rPr>
+              <a:t>(</a:t>
+            </a:r>
+            <a:r>
+              <a:rPr lang="en" altLang="zh-CN" b="0" dirty="0" err="1">
+                <a:solidFill>
+                  <a:srgbClr val="001080"/>
+                </a:solidFill>
+                <a:effectLst/>
+                <a:latin typeface="Menlo" panose="020B0609030804020204" pitchFamily="49" charset="0"/>
+              </a:rPr>
+              <a:t>addr</a:t>
+            </a:r>
+            <a:r>
+              <a:rPr lang="en" altLang="zh-CN" b="0" dirty="0">
+                <a:solidFill>
+                  <a:srgbClr val="3B3B3B"/>
+                </a:solidFill>
+                <a:effectLst/>
+                <a:latin typeface="Menlo" panose="020B0609030804020204" pitchFamily="49" charset="0"/>
+              </a:rPr>
+              <a:t>));</a:t>
+            </a:r>
+          </a:p>
+          <a:p>
+            <a:pPr>
+              <a:lnSpc>
+                <a:spcPct val="150000"/>
+              </a:lnSpc>
+            </a:pPr>
+            <a:r>
+              <a:rPr lang="en" altLang="zh-CN" b="0" dirty="0" err="1">
+                <a:solidFill>
+                  <a:srgbClr val="001080"/>
+                </a:solidFill>
+                <a:effectLst/>
+                <a:latin typeface="Menlo" panose="020B0609030804020204" pitchFamily="49" charset="0"/>
+              </a:rPr>
+              <a:t>addr</a:t>
+            </a:r>
+            <a:r>
+              <a:rPr lang="en" altLang="zh-CN" b="0" dirty="0" err="1">
+                <a:solidFill>
+                  <a:srgbClr val="3B3B3B"/>
+                </a:solidFill>
+                <a:effectLst/>
+                <a:latin typeface="Menlo" panose="020B0609030804020204" pitchFamily="49" charset="0"/>
+              </a:rPr>
+              <a:t>.</a:t>
+            </a:r>
+            <a:r>
+              <a:rPr lang="en" altLang="zh-CN" b="0" dirty="0" err="1">
+                <a:solidFill>
+                  <a:srgbClr val="001080"/>
+                </a:solidFill>
+                <a:effectLst/>
+                <a:latin typeface="Menlo" panose="020B0609030804020204" pitchFamily="49" charset="0"/>
+              </a:rPr>
+              <a:t>sin_family</a:t>
+            </a:r>
+            <a:r>
+              <a:rPr lang="en" altLang="zh-CN" b="0" dirty="0">
+                <a:solidFill>
+                  <a:srgbClr val="3B3B3B"/>
+                </a:solidFill>
+                <a:effectLst/>
+                <a:latin typeface="Menlo" panose="020B0609030804020204" pitchFamily="49" charset="0"/>
+              </a:rPr>
+              <a:t> </a:t>
+            </a:r>
+            <a:r>
+              <a:rPr lang="en" altLang="zh-CN" b="0" dirty="0">
+                <a:solidFill>
+                  <a:srgbClr val="000000"/>
+                </a:solidFill>
+                <a:effectLst/>
+                <a:latin typeface="Menlo" panose="020B0609030804020204" pitchFamily="49" charset="0"/>
+              </a:rPr>
+              <a:t>=</a:t>
+            </a:r>
+            <a:r>
+              <a:rPr lang="en" altLang="zh-CN" b="0" dirty="0">
+                <a:solidFill>
+                  <a:srgbClr val="3B3B3B"/>
+                </a:solidFill>
+                <a:effectLst/>
+                <a:latin typeface="Menlo" panose="020B0609030804020204" pitchFamily="49" charset="0"/>
+              </a:rPr>
+              <a:t> </a:t>
+            </a:r>
+            <a:r>
+              <a:rPr lang="en" altLang="zh-CN" b="0" dirty="0">
+                <a:solidFill>
+                  <a:srgbClr val="0000FF"/>
+                </a:solidFill>
+                <a:effectLst/>
+                <a:latin typeface="Menlo" panose="020B0609030804020204" pitchFamily="49" charset="0"/>
+              </a:rPr>
+              <a:t>AF_INET</a:t>
+            </a:r>
+            <a:r>
+              <a:rPr lang="en" altLang="zh-CN" b="0" dirty="0">
+                <a:solidFill>
+                  <a:srgbClr val="3B3B3B"/>
+                </a:solidFill>
+                <a:effectLst/>
+                <a:latin typeface="Menlo" panose="020B0609030804020204" pitchFamily="49" charset="0"/>
+              </a:rPr>
+              <a:t>;</a:t>
+            </a:r>
+          </a:p>
+          <a:p>
+            <a:pPr>
+              <a:lnSpc>
+                <a:spcPct val="150000"/>
+              </a:lnSpc>
+            </a:pPr>
+            <a:r>
+              <a:rPr lang="en" altLang="zh-CN" b="0" dirty="0" err="1">
+                <a:solidFill>
+                  <a:srgbClr val="001080"/>
+                </a:solidFill>
+                <a:effectLst/>
+                <a:latin typeface="Menlo" panose="020B0609030804020204" pitchFamily="49" charset="0"/>
+              </a:rPr>
+              <a:t>addr</a:t>
+            </a:r>
+            <a:r>
+              <a:rPr lang="en" altLang="zh-CN" b="0" dirty="0" err="1">
+                <a:solidFill>
+                  <a:srgbClr val="3B3B3B"/>
+                </a:solidFill>
+                <a:effectLst/>
+                <a:latin typeface="Menlo" panose="020B0609030804020204" pitchFamily="49" charset="0"/>
+              </a:rPr>
+              <a:t>.</a:t>
+            </a:r>
+            <a:r>
+              <a:rPr lang="en" altLang="zh-CN" b="0" dirty="0" err="1">
+                <a:solidFill>
+                  <a:srgbClr val="001080"/>
+                </a:solidFill>
+                <a:effectLst/>
+                <a:latin typeface="Menlo" panose="020B0609030804020204" pitchFamily="49" charset="0"/>
+              </a:rPr>
+              <a:t>sin_addr</a:t>
+            </a:r>
+            <a:r>
+              <a:rPr lang="en" altLang="zh-CN" b="0" dirty="0" err="1">
+                <a:solidFill>
+                  <a:srgbClr val="3B3B3B"/>
+                </a:solidFill>
+                <a:effectLst/>
+                <a:latin typeface="Menlo" panose="020B0609030804020204" pitchFamily="49" charset="0"/>
+              </a:rPr>
+              <a:t>.</a:t>
+            </a:r>
+            <a:r>
+              <a:rPr lang="en" altLang="zh-CN" b="0" dirty="0" err="1">
+                <a:solidFill>
+                  <a:srgbClr val="001080"/>
+                </a:solidFill>
+                <a:effectLst/>
+                <a:latin typeface="Menlo" panose="020B0609030804020204" pitchFamily="49" charset="0"/>
+              </a:rPr>
+              <a:t>s_addr</a:t>
+            </a:r>
+            <a:r>
+              <a:rPr lang="en" altLang="zh-CN" b="0" dirty="0">
+                <a:solidFill>
+                  <a:srgbClr val="3B3B3B"/>
+                </a:solidFill>
+                <a:effectLst/>
+                <a:latin typeface="Menlo" panose="020B0609030804020204" pitchFamily="49" charset="0"/>
+              </a:rPr>
+              <a:t> </a:t>
+            </a:r>
+            <a:r>
+              <a:rPr lang="en" altLang="zh-CN" b="0" dirty="0">
+                <a:solidFill>
+                  <a:srgbClr val="000000"/>
+                </a:solidFill>
+                <a:effectLst/>
+                <a:latin typeface="Menlo" panose="020B0609030804020204" pitchFamily="49" charset="0"/>
+              </a:rPr>
+              <a:t>=</a:t>
+            </a:r>
+            <a:r>
+              <a:rPr lang="en" altLang="zh-CN" b="0" dirty="0">
+                <a:solidFill>
+                  <a:srgbClr val="3B3B3B"/>
+                </a:solidFill>
+                <a:effectLst/>
+                <a:latin typeface="Menlo" panose="020B0609030804020204" pitchFamily="49" charset="0"/>
+              </a:rPr>
+              <a:t> </a:t>
+            </a:r>
+            <a:r>
+              <a:rPr lang="en" altLang="zh-CN" b="0" dirty="0" err="1">
+                <a:solidFill>
+                  <a:srgbClr val="795E26"/>
+                </a:solidFill>
+                <a:effectLst/>
+                <a:latin typeface="Menlo" panose="020B0609030804020204" pitchFamily="49" charset="0"/>
+              </a:rPr>
+              <a:t>inet_addr</a:t>
+            </a:r>
+            <a:r>
+              <a:rPr lang="en" altLang="zh-CN" b="0" dirty="0">
+                <a:solidFill>
+                  <a:srgbClr val="3B3B3B"/>
+                </a:solidFill>
+                <a:effectLst/>
+                <a:latin typeface="Menlo" panose="020B0609030804020204" pitchFamily="49" charset="0"/>
+              </a:rPr>
+              <a:t>(</a:t>
+            </a:r>
+            <a:r>
+              <a:rPr lang="en" altLang="zh-CN" b="0" dirty="0" err="1">
+                <a:solidFill>
+                  <a:srgbClr val="001080"/>
+                </a:solidFill>
+                <a:effectLst/>
+                <a:latin typeface="Menlo" panose="020B0609030804020204" pitchFamily="49" charset="0"/>
+              </a:rPr>
+              <a:t>serv_ip</a:t>
+            </a:r>
+            <a:r>
+              <a:rPr lang="en" altLang="zh-CN" b="0" dirty="0">
+                <a:solidFill>
+                  <a:srgbClr val="3B3B3B"/>
+                </a:solidFill>
+                <a:effectLst/>
+                <a:latin typeface="Menlo" panose="020B0609030804020204" pitchFamily="49" charset="0"/>
+              </a:rPr>
+              <a:t>);</a:t>
+            </a:r>
+          </a:p>
+          <a:p>
+            <a:pPr>
+              <a:lnSpc>
+                <a:spcPct val="150000"/>
+              </a:lnSpc>
+            </a:pPr>
+            <a:r>
+              <a:rPr lang="en" altLang="zh-CN" b="0" dirty="0" err="1">
+                <a:solidFill>
+                  <a:srgbClr val="001080"/>
+                </a:solidFill>
+                <a:effectLst/>
+                <a:latin typeface="Menlo" panose="020B0609030804020204" pitchFamily="49" charset="0"/>
+              </a:rPr>
+              <a:t>addr</a:t>
+            </a:r>
+            <a:r>
+              <a:rPr lang="en" altLang="zh-CN" b="0" dirty="0" err="1">
+                <a:solidFill>
+                  <a:srgbClr val="3B3B3B"/>
+                </a:solidFill>
+                <a:effectLst/>
+                <a:latin typeface="Menlo" panose="020B0609030804020204" pitchFamily="49" charset="0"/>
+              </a:rPr>
+              <a:t>.</a:t>
+            </a:r>
+            <a:r>
+              <a:rPr lang="en" altLang="zh-CN" b="0" dirty="0" err="1">
+                <a:solidFill>
+                  <a:srgbClr val="001080"/>
+                </a:solidFill>
+                <a:effectLst/>
+                <a:latin typeface="Menlo" panose="020B0609030804020204" pitchFamily="49" charset="0"/>
+              </a:rPr>
+              <a:t>sin_port</a:t>
+            </a:r>
+            <a:r>
+              <a:rPr lang="en" altLang="zh-CN" b="0" dirty="0">
+                <a:solidFill>
+                  <a:srgbClr val="3B3B3B"/>
+                </a:solidFill>
+                <a:effectLst/>
+                <a:latin typeface="Menlo" panose="020B0609030804020204" pitchFamily="49" charset="0"/>
+              </a:rPr>
+              <a:t> </a:t>
+            </a:r>
+            <a:r>
+              <a:rPr lang="en" altLang="zh-CN" b="0" dirty="0">
+                <a:solidFill>
+                  <a:srgbClr val="000000"/>
+                </a:solidFill>
+                <a:effectLst/>
+                <a:latin typeface="Menlo" panose="020B0609030804020204" pitchFamily="49" charset="0"/>
+              </a:rPr>
+              <a:t>=</a:t>
+            </a:r>
+            <a:r>
+              <a:rPr lang="en" altLang="zh-CN" b="0" dirty="0">
+                <a:solidFill>
+                  <a:srgbClr val="3B3B3B"/>
+                </a:solidFill>
+                <a:effectLst/>
+                <a:latin typeface="Menlo" panose="020B0609030804020204" pitchFamily="49" charset="0"/>
+              </a:rPr>
+              <a:t> </a:t>
+            </a:r>
+            <a:r>
+              <a:rPr lang="en" altLang="zh-CN" b="0" dirty="0" err="1">
+                <a:solidFill>
+                  <a:srgbClr val="0000FF"/>
+                </a:solidFill>
+                <a:effectLst/>
+                <a:latin typeface="Menlo" panose="020B0609030804020204" pitchFamily="49" charset="0"/>
+              </a:rPr>
+              <a:t>htons</a:t>
+            </a:r>
+            <a:r>
+              <a:rPr lang="en" altLang="zh-CN" b="0" dirty="0">
+                <a:solidFill>
+                  <a:srgbClr val="3B3B3B"/>
+                </a:solidFill>
+                <a:effectLst/>
+                <a:latin typeface="Menlo" panose="020B0609030804020204" pitchFamily="49" charset="0"/>
+              </a:rPr>
+              <a:t>(</a:t>
+            </a:r>
+            <a:r>
+              <a:rPr lang="en" altLang="zh-CN" b="0" dirty="0" err="1">
+                <a:solidFill>
+                  <a:srgbClr val="795E26"/>
+                </a:solidFill>
+                <a:effectLst/>
+                <a:latin typeface="Menlo" panose="020B0609030804020204" pitchFamily="49" charset="0"/>
+              </a:rPr>
+              <a:t>atoi</a:t>
+            </a:r>
+            <a:r>
+              <a:rPr lang="en" altLang="zh-CN" b="0" dirty="0">
+                <a:solidFill>
+                  <a:srgbClr val="3B3B3B"/>
+                </a:solidFill>
+                <a:effectLst/>
+                <a:latin typeface="Menlo" panose="020B0609030804020204" pitchFamily="49" charset="0"/>
+              </a:rPr>
+              <a:t>(</a:t>
+            </a:r>
+            <a:r>
+              <a:rPr lang="en" altLang="zh-CN" b="0" dirty="0" err="1">
+                <a:solidFill>
+                  <a:srgbClr val="001080"/>
+                </a:solidFill>
+                <a:effectLst/>
+                <a:latin typeface="Menlo" panose="020B0609030804020204" pitchFamily="49" charset="0"/>
+              </a:rPr>
+              <a:t>serv_port</a:t>
+            </a:r>
+            <a:r>
+              <a:rPr lang="en" altLang="zh-CN" b="0" dirty="0">
+                <a:solidFill>
+                  <a:srgbClr val="3B3B3B"/>
+                </a:solidFill>
+                <a:effectLst/>
+                <a:latin typeface="Menlo" panose="020B0609030804020204" pitchFamily="49" charset="0"/>
+              </a:rPr>
+              <a:t>));</a:t>
+            </a:r>
+          </a:p>
+        </p:txBody>
+      </p:sp>
+      <p:sp>
+        <p:nvSpPr>
+          <p:cNvPr id="7" name="文本框 6">
+            <a:extLst>
+              <a:ext uri="{FF2B5EF4-FFF2-40B4-BE49-F238E27FC236}">
+                <a16:creationId xmlns:a16="http://schemas.microsoft.com/office/drawing/2014/main" id="{E40E1264-1CF2-4646-B245-6EFE0430DFC7}"/>
+              </a:ext>
+            </a:extLst>
+          </p:cNvPr>
+          <p:cNvSpPr txBox="1"/>
+          <p:nvPr/>
+        </p:nvSpPr>
+        <p:spPr>
+          <a:xfrm>
+            <a:off x="6996618" y="1720385"/>
+            <a:ext cx="2576346" cy="400110"/>
+          </a:xfrm>
+          <a:prstGeom prst="rect">
+            <a:avLst/>
+          </a:prstGeom>
+          <a:noFill/>
+        </p:spPr>
+        <p:txBody>
+          <a:bodyPr wrap="none" rtlCol="0">
+            <a:spAutoFit/>
+          </a:bodyPr>
+          <a:lstStyle/>
+          <a:p>
+            <a:r>
+              <a:rPr kumimoji="1" lang="zh-CN" altLang="en-US" sz="2000" dirty="0">
+                <a:latin typeface="Optima" panose="02000503060000020004" pitchFamily="2" charset="0"/>
+                <a:ea typeface="KaiTi" panose="02010609060101010101" pitchFamily="49" charset="-122"/>
+              </a:rPr>
+              <a:t>设置</a:t>
+            </a:r>
+            <a:r>
+              <a:rPr kumimoji="1" lang="en-US" altLang="zh-CN" sz="2000" dirty="0">
+                <a:latin typeface="Optima" panose="02000503060000020004" pitchFamily="2" charset="0"/>
+                <a:ea typeface="KaiTi" panose="02010609060101010101" pitchFamily="49" charset="-122"/>
+              </a:rPr>
+              <a:t> </a:t>
+            </a:r>
+            <a:r>
+              <a:rPr kumimoji="1" lang="en-US" altLang="zh-CN" sz="2000" dirty="0" err="1">
+                <a:latin typeface="Optima" panose="02000503060000020004" pitchFamily="2" charset="0"/>
+                <a:ea typeface="KaiTi" panose="02010609060101010101" pitchFamily="49" charset="-122"/>
+              </a:rPr>
+              <a:t>addr</a:t>
+            </a:r>
+            <a:r>
+              <a:rPr kumimoji="1" lang="en-US" altLang="zh-CN" sz="2000" dirty="0">
+                <a:latin typeface="Optima" panose="02000503060000020004" pitchFamily="2" charset="0"/>
+                <a:ea typeface="KaiTi" panose="02010609060101010101" pitchFamily="49" charset="-122"/>
+              </a:rPr>
+              <a:t> </a:t>
+            </a:r>
+            <a:r>
+              <a:rPr kumimoji="1" lang="zh-CN" altLang="en-US" sz="2000" dirty="0">
+                <a:latin typeface="Optima" panose="02000503060000020004" pitchFamily="2" charset="0"/>
+                <a:ea typeface="KaiTi" panose="02010609060101010101" pitchFamily="49" charset="-122"/>
+              </a:rPr>
+              <a:t>默认全为 </a:t>
+            </a:r>
+            <a:r>
+              <a:rPr kumimoji="1" lang="en-US" altLang="zh-CN" sz="2000" dirty="0">
+                <a:latin typeface="Optima" panose="02000503060000020004" pitchFamily="2" charset="0"/>
+                <a:ea typeface="KaiTi" panose="02010609060101010101" pitchFamily="49" charset="-122"/>
+              </a:rPr>
+              <a:t>0</a:t>
+            </a:r>
+            <a:endParaRPr kumimoji="1" lang="zh-CN" altLang="en-US" sz="2000" dirty="0">
+              <a:latin typeface="Optima" panose="02000503060000020004" pitchFamily="2" charset="0"/>
+              <a:ea typeface="KaiTi" panose="02010609060101010101" pitchFamily="49" charset="-122"/>
+            </a:endParaRPr>
+          </a:p>
+        </p:txBody>
+      </p:sp>
+      <p:sp>
+        <p:nvSpPr>
+          <p:cNvPr id="8" name="文本框 7">
+            <a:extLst>
+              <a:ext uri="{FF2B5EF4-FFF2-40B4-BE49-F238E27FC236}">
+                <a16:creationId xmlns:a16="http://schemas.microsoft.com/office/drawing/2014/main" id="{1125BF74-1B87-E24A-A509-414A4D16E5B7}"/>
+              </a:ext>
+            </a:extLst>
+          </p:cNvPr>
+          <p:cNvSpPr txBox="1"/>
+          <p:nvPr/>
+        </p:nvSpPr>
+        <p:spPr>
+          <a:xfrm>
+            <a:off x="6996618" y="2616371"/>
+            <a:ext cx="2603598" cy="400110"/>
+          </a:xfrm>
+          <a:prstGeom prst="rect">
+            <a:avLst/>
+          </a:prstGeom>
+          <a:noFill/>
+        </p:spPr>
+        <p:txBody>
+          <a:bodyPr wrap="none" rtlCol="0">
+            <a:spAutoFit/>
+          </a:bodyPr>
+          <a:lstStyle/>
+          <a:p>
+            <a:r>
+              <a:rPr kumimoji="1" lang="en-US" altLang="zh-CN" sz="2000" dirty="0">
+                <a:latin typeface="Optima" panose="02000503060000020004" pitchFamily="2" charset="0"/>
+                <a:ea typeface="KaiTi" panose="02010609060101010101" pitchFamily="49" charset="-122"/>
+              </a:rPr>
+              <a:t>IPv4 </a:t>
+            </a:r>
+            <a:r>
+              <a:rPr kumimoji="1" lang="zh-CN" altLang="en-US" sz="2000" dirty="0">
+                <a:latin typeface="Optima" panose="02000503060000020004" pitchFamily="2" charset="0"/>
+                <a:ea typeface="KaiTi" panose="02010609060101010101" pitchFamily="49" charset="-122"/>
+              </a:rPr>
+              <a:t>地址和 </a:t>
+            </a:r>
+            <a:r>
+              <a:rPr kumimoji="1" lang="en-US" altLang="zh-CN" sz="2000" dirty="0">
+                <a:latin typeface="Optima" panose="02000503060000020004" pitchFamily="2" charset="0"/>
+                <a:ea typeface="KaiTi" panose="02010609060101010101" pitchFamily="49" charset="-122"/>
+              </a:rPr>
+              <a:t>port</a:t>
+            </a:r>
+            <a:r>
+              <a:rPr kumimoji="1" lang="zh-CN" altLang="en-US" sz="2000" dirty="0">
+                <a:latin typeface="Optima" panose="02000503060000020004" pitchFamily="2" charset="0"/>
+                <a:ea typeface="KaiTi" panose="02010609060101010101" pitchFamily="49" charset="-122"/>
+              </a:rPr>
+              <a:t> 转换</a:t>
+            </a:r>
+          </a:p>
+        </p:txBody>
+      </p:sp>
+      <p:sp>
+        <p:nvSpPr>
+          <p:cNvPr id="9" name="文本框 8">
+            <a:extLst>
+              <a:ext uri="{FF2B5EF4-FFF2-40B4-BE49-F238E27FC236}">
+                <a16:creationId xmlns:a16="http://schemas.microsoft.com/office/drawing/2014/main" id="{4E96A28B-8EFD-EB4D-ABA5-4B3151C6E6A7}"/>
+              </a:ext>
+            </a:extLst>
+          </p:cNvPr>
+          <p:cNvSpPr txBox="1"/>
+          <p:nvPr/>
+        </p:nvSpPr>
+        <p:spPr>
+          <a:xfrm>
+            <a:off x="85116" y="3599319"/>
+            <a:ext cx="9791655" cy="400110"/>
+          </a:xfrm>
+          <a:prstGeom prst="rect">
+            <a:avLst/>
+          </a:prstGeom>
+          <a:noFill/>
+        </p:spPr>
+        <p:txBody>
+          <a:bodyPr wrap="none" rtlCol="0">
+            <a:spAutoFit/>
+          </a:bodyPr>
+          <a:lstStyle/>
+          <a:p>
+            <a:r>
+              <a:rPr kumimoji="1" lang="zh-CN" altLang="en-US" sz="2000" dirty="0">
+                <a:latin typeface="Optima" panose="02000503060000020004" pitchFamily="2" charset="0"/>
+                <a:ea typeface="KaiTi" panose="02010609060101010101" pitchFamily="49" charset="-122"/>
+              </a:rPr>
+              <a:t>每次创建服务器端套接字都需要</a:t>
+            </a:r>
+            <a:r>
+              <a:rPr kumimoji="1" lang="en-US" altLang="zh-CN" sz="2000" dirty="0">
+                <a:latin typeface="Optima" panose="02000503060000020004" pitchFamily="2" charset="0"/>
+                <a:ea typeface="KaiTi" panose="02010609060101010101" pitchFamily="49" charset="-122"/>
+              </a:rPr>
+              <a:t> IP </a:t>
+            </a:r>
+            <a:r>
+              <a:rPr kumimoji="1" lang="zh-CN" altLang="en-US" sz="2000" dirty="0">
+                <a:latin typeface="Optima" panose="02000503060000020004" pitchFamily="2" charset="0"/>
+                <a:ea typeface="KaiTi" panose="02010609060101010101" pitchFamily="49" charset="-122"/>
+              </a:rPr>
+              <a:t>地址，</a:t>
+            </a:r>
+            <a:r>
+              <a:rPr kumimoji="1" lang="en-US" altLang="zh-CN" sz="2000" dirty="0">
+                <a:latin typeface="Optima" panose="02000503060000020004" pitchFamily="2" charset="0"/>
+                <a:ea typeface="KaiTi" panose="02010609060101010101" pitchFamily="49" charset="-122"/>
+              </a:rPr>
+              <a:t>INADDR_ANY </a:t>
+            </a:r>
+            <a:r>
+              <a:rPr kumimoji="1" lang="zh-CN" altLang="en-US" sz="2000" dirty="0">
+                <a:latin typeface="Optima" panose="02000503060000020004" pitchFamily="2" charset="0"/>
+                <a:ea typeface="KaiTi" panose="02010609060101010101" pitchFamily="49" charset="-122"/>
+              </a:rPr>
+              <a:t>可以自动获取服务器</a:t>
+            </a:r>
+            <a:r>
+              <a:rPr kumimoji="1" lang="en-US" altLang="zh-CN" sz="2000" dirty="0">
+                <a:latin typeface="Optima" panose="02000503060000020004" pitchFamily="2" charset="0"/>
+                <a:ea typeface="KaiTi" panose="02010609060101010101" pitchFamily="49" charset="-122"/>
+              </a:rPr>
+              <a:t> IP </a:t>
+            </a:r>
+            <a:r>
+              <a:rPr kumimoji="1" lang="zh-CN" altLang="en-US" sz="2000" dirty="0">
+                <a:latin typeface="Optima" panose="02000503060000020004" pitchFamily="2" charset="0"/>
+                <a:ea typeface="KaiTi" panose="02010609060101010101" pitchFamily="49" charset="-122"/>
+              </a:rPr>
+              <a:t>地址</a:t>
+            </a:r>
+          </a:p>
+        </p:txBody>
+      </p:sp>
+      <p:sp>
+        <p:nvSpPr>
+          <p:cNvPr id="11" name="文本框 10">
+            <a:extLst>
+              <a:ext uri="{FF2B5EF4-FFF2-40B4-BE49-F238E27FC236}">
+                <a16:creationId xmlns:a16="http://schemas.microsoft.com/office/drawing/2014/main" id="{DB3E8971-5B4A-EE47-ABE2-DB5AF7246105}"/>
+              </a:ext>
+            </a:extLst>
+          </p:cNvPr>
+          <p:cNvSpPr txBox="1"/>
+          <p:nvPr/>
+        </p:nvSpPr>
+        <p:spPr>
+          <a:xfrm>
+            <a:off x="834146" y="3993967"/>
+            <a:ext cx="8766070" cy="2537554"/>
+          </a:xfrm>
+          <a:prstGeom prst="rect">
+            <a:avLst/>
+          </a:prstGeom>
+          <a:noFill/>
+        </p:spPr>
+        <p:txBody>
+          <a:bodyPr wrap="square">
+            <a:spAutoFit/>
+          </a:bodyPr>
+          <a:lstStyle/>
+          <a:p>
+            <a:pPr>
+              <a:lnSpc>
+                <a:spcPct val="150000"/>
+              </a:lnSpc>
+            </a:pPr>
+            <a:r>
+              <a:rPr lang="en" altLang="zh-CN" b="0" dirty="0">
+                <a:solidFill>
+                  <a:srgbClr val="0000FF"/>
+                </a:solidFill>
+                <a:effectLst/>
+                <a:latin typeface="Menlo" panose="020B0609030804020204" pitchFamily="49" charset="0"/>
+              </a:rPr>
+              <a:t>struct</a:t>
+            </a:r>
+            <a:r>
+              <a:rPr lang="en" altLang="zh-CN" b="0" dirty="0">
+                <a:solidFill>
+                  <a:srgbClr val="3B3B3B"/>
+                </a:solidFill>
+                <a:effectLst/>
+                <a:latin typeface="Menlo" panose="020B0609030804020204" pitchFamily="49" charset="0"/>
+              </a:rPr>
+              <a:t> </a:t>
+            </a:r>
+            <a:r>
+              <a:rPr lang="en" altLang="zh-CN" b="0" dirty="0" err="1">
+                <a:solidFill>
+                  <a:srgbClr val="267F99"/>
+                </a:solidFill>
+                <a:effectLst/>
+                <a:latin typeface="Menlo" panose="020B0609030804020204" pitchFamily="49" charset="0"/>
+              </a:rPr>
+              <a:t>sockaddr_in</a:t>
+            </a:r>
+            <a:r>
+              <a:rPr lang="en" altLang="zh-CN" b="0" dirty="0">
+                <a:solidFill>
+                  <a:srgbClr val="3B3B3B"/>
+                </a:solidFill>
+                <a:effectLst/>
+                <a:latin typeface="Menlo" panose="020B0609030804020204" pitchFamily="49" charset="0"/>
+              </a:rPr>
+              <a:t> </a:t>
+            </a:r>
+            <a:r>
+              <a:rPr lang="en" altLang="zh-CN" b="0" dirty="0" err="1">
+                <a:solidFill>
+                  <a:srgbClr val="001080"/>
+                </a:solidFill>
+                <a:effectLst/>
+                <a:latin typeface="Menlo" panose="020B0609030804020204" pitchFamily="49" charset="0"/>
+              </a:rPr>
+              <a:t>addr</a:t>
+            </a:r>
+            <a:r>
+              <a:rPr lang="en" altLang="zh-CN" b="0" dirty="0">
+                <a:solidFill>
+                  <a:srgbClr val="3B3B3B"/>
+                </a:solidFill>
+                <a:effectLst/>
+                <a:latin typeface="Menlo" panose="020B0609030804020204" pitchFamily="49" charset="0"/>
+              </a:rPr>
+              <a:t>;</a:t>
+            </a:r>
+          </a:p>
+          <a:p>
+            <a:pPr>
+              <a:lnSpc>
+                <a:spcPct val="150000"/>
+              </a:lnSpc>
+            </a:pPr>
+            <a:r>
+              <a:rPr lang="en" altLang="zh-CN" b="0" dirty="0">
+                <a:solidFill>
+                  <a:srgbClr val="0000FF"/>
+                </a:solidFill>
+                <a:effectLst/>
+                <a:latin typeface="Menlo" panose="020B0609030804020204" pitchFamily="49" charset="0"/>
+              </a:rPr>
+              <a:t>char</a:t>
+            </a:r>
+            <a:r>
+              <a:rPr lang="en" altLang="zh-CN" b="0" dirty="0">
+                <a:solidFill>
+                  <a:srgbClr val="000000"/>
+                </a:solidFill>
+                <a:effectLst/>
+                <a:latin typeface="Menlo" panose="020B0609030804020204" pitchFamily="49" charset="0"/>
+              </a:rPr>
+              <a:t>*</a:t>
+            </a:r>
+            <a:r>
+              <a:rPr lang="en" altLang="zh-CN" b="0" dirty="0">
+                <a:solidFill>
+                  <a:srgbClr val="3B3B3B"/>
+                </a:solidFill>
+                <a:effectLst/>
+                <a:latin typeface="Menlo" panose="020B0609030804020204" pitchFamily="49" charset="0"/>
+              </a:rPr>
+              <a:t> </a:t>
+            </a:r>
+            <a:r>
+              <a:rPr lang="en" altLang="zh-CN" b="0" dirty="0" err="1">
+                <a:solidFill>
+                  <a:srgbClr val="001080"/>
+                </a:solidFill>
+                <a:effectLst/>
+                <a:latin typeface="Menlo" panose="020B0609030804020204" pitchFamily="49" charset="0"/>
+              </a:rPr>
+              <a:t>serv_port</a:t>
+            </a:r>
+            <a:r>
+              <a:rPr lang="en" altLang="zh-CN" b="0" dirty="0">
+                <a:solidFill>
+                  <a:srgbClr val="3B3B3B"/>
+                </a:solidFill>
+                <a:effectLst/>
+                <a:latin typeface="Menlo" panose="020B0609030804020204" pitchFamily="49" charset="0"/>
+              </a:rPr>
+              <a:t> </a:t>
+            </a:r>
+            <a:r>
+              <a:rPr lang="en" altLang="zh-CN" b="0" dirty="0">
+                <a:solidFill>
+                  <a:srgbClr val="000000"/>
+                </a:solidFill>
+                <a:effectLst/>
+                <a:latin typeface="Menlo" panose="020B0609030804020204" pitchFamily="49" charset="0"/>
+              </a:rPr>
+              <a:t>=</a:t>
+            </a:r>
+            <a:r>
+              <a:rPr lang="en" altLang="zh-CN" b="0" dirty="0">
+                <a:solidFill>
+                  <a:srgbClr val="3B3B3B"/>
+                </a:solidFill>
+                <a:effectLst/>
+                <a:latin typeface="Menlo" panose="020B0609030804020204" pitchFamily="49" charset="0"/>
+              </a:rPr>
+              <a:t> </a:t>
+            </a:r>
+            <a:r>
+              <a:rPr lang="en" altLang="zh-CN" b="0" dirty="0">
+                <a:solidFill>
+                  <a:srgbClr val="A31515"/>
+                </a:solidFill>
+                <a:effectLst/>
+                <a:latin typeface="Menlo" panose="020B0609030804020204" pitchFamily="49" charset="0"/>
+              </a:rPr>
+              <a:t>"9190"</a:t>
+            </a:r>
+            <a:r>
+              <a:rPr lang="en" altLang="zh-CN" b="0" dirty="0">
+                <a:solidFill>
+                  <a:srgbClr val="3B3B3B"/>
+                </a:solidFill>
+                <a:effectLst/>
+                <a:latin typeface="Menlo" panose="020B0609030804020204" pitchFamily="49" charset="0"/>
+              </a:rPr>
+              <a:t>;</a:t>
+            </a:r>
+          </a:p>
+          <a:p>
+            <a:pPr>
+              <a:lnSpc>
+                <a:spcPct val="150000"/>
+              </a:lnSpc>
+            </a:pPr>
+            <a:r>
+              <a:rPr lang="en" altLang="zh-CN" b="0" dirty="0" err="1">
+                <a:solidFill>
+                  <a:srgbClr val="0000FF"/>
+                </a:solidFill>
+                <a:effectLst/>
+                <a:latin typeface="Menlo" panose="020B0609030804020204" pitchFamily="49" charset="0"/>
+              </a:rPr>
+              <a:t>memset</a:t>
+            </a:r>
+            <a:r>
+              <a:rPr lang="en" altLang="zh-CN" b="0" dirty="0">
+                <a:solidFill>
+                  <a:srgbClr val="3B3B3B"/>
+                </a:solidFill>
+                <a:effectLst/>
+                <a:latin typeface="Menlo" panose="020B0609030804020204" pitchFamily="49" charset="0"/>
+              </a:rPr>
+              <a:t>(</a:t>
+            </a:r>
+            <a:r>
+              <a:rPr lang="en" altLang="zh-CN" b="0" dirty="0">
+                <a:solidFill>
+                  <a:srgbClr val="000000"/>
+                </a:solidFill>
+                <a:effectLst/>
+                <a:latin typeface="Menlo" panose="020B0609030804020204" pitchFamily="49" charset="0"/>
+              </a:rPr>
+              <a:t>&amp;</a:t>
+            </a:r>
+            <a:r>
+              <a:rPr lang="en" altLang="zh-CN" b="0" dirty="0" err="1">
+                <a:solidFill>
+                  <a:srgbClr val="001080"/>
+                </a:solidFill>
+                <a:effectLst/>
+                <a:latin typeface="Menlo" panose="020B0609030804020204" pitchFamily="49" charset="0"/>
+              </a:rPr>
+              <a:t>addr</a:t>
+            </a:r>
+            <a:r>
+              <a:rPr lang="en" altLang="zh-CN" b="0" dirty="0">
+                <a:solidFill>
+                  <a:srgbClr val="3B3B3B"/>
+                </a:solidFill>
+                <a:effectLst/>
+                <a:latin typeface="Menlo" panose="020B0609030804020204" pitchFamily="49" charset="0"/>
+              </a:rPr>
+              <a:t>, </a:t>
+            </a:r>
+            <a:r>
+              <a:rPr lang="en" altLang="zh-CN" b="0" dirty="0">
+                <a:solidFill>
+                  <a:srgbClr val="098658"/>
+                </a:solidFill>
+                <a:effectLst/>
+                <a:latin typeface="Menlo" panose="020B0609030804020204" pitchFamily="49" charset="0"/>
+              </a:rPr>
+              <a:t>0</a:t>
+            </a:r>
+            <a:r>
+              <a:rPr lang="en" altLang="zh-CN" b="0" dirty="0">
+                <a:solidFill>
+                  <a:srgbClr val="3B3B3B"/>
+                </a:solidFill>
+                <a:effectLst/>
+                <a:latin typeface="Menlo" panose="020B0609030804020204" pitchFamily="49" charset="0"/>
+              </a:rPr>
+              <a:t>, </a:t>
+            </a:r>
+            <a:r>
+              <a:rPr lang="en" altLang="zh-CN" b="0" dirty="0" err="1">
+                <a:solidFill>
+                  <a:srgbClr val="0000FF"/>
+                </a:solidFill>
+                <a:effectLst/>
+                <a:latin typeface="Menlo" panose="020B0609030804020204" pitchFamily="49" charset="0"/>
+              </a:rPr>
+              <a:t>sizeof</a:t>
+            </a:r>
+            <a:r>
+              <a:rPr lang="en" altLang="zh-CN" b="0" dirty="0">
+                <a:solidFill>
+                  <a:srgbClr val="3B3B3B"/>
+                </a:solidFill>
+                <a:effectLst/>
+                <a:latin typeface="Menlo" panose="020B0609030804020204" pitchFamily="49" charset="0"/>
+              </a:rPr>
+              <a:t>(</a:t>
+            </a:r>
+            <a:r>
+              <a:rPr lang="en" altLang="zh-CN" b="0" dirty="0" err="1">
+                <a:solidFill>
+                  <a:srgbClr val="001080"/>
+                </a:solidFill>
+                <a:effectLst/>
+                <a:latin typeface="Menlo" panose="020B0609030804020204" pitchFamily="49" charset="0"/>
+              </a:rPr>
+              <a:t>addr</a:t>
+            </a:r>
+            <a:r>
+              <a:rPr lang="en" altLang="zh-CN" b="0" dirty="0">
+                <a:solidFill>
+                  <a:srgbClr val="3B3B3B"/>
+                </a:solidFill>
+                <a:effectLst/>
+                <a:latin typeface="Menlo" panose="020B0609030804020204" pitchFamily="49" charset="0"/>
+              </a:rPr>
+              <a:t>));</a:t>
+            </a:r>
+          </a:p>
+          <a:p>
+            <a:pPr>
+              <a:lnSpc>
+                <a:spcPct val="150000"/>
+              </a:lnSpc>
+            </a:pPr>
+            <a:r>
+              <a:rPr lang="en" altLang="zh-CN" b="0" dirty="0" err="1">
+                <a:solidFill>
+                  <a:srgbClr val="001080"/>
+                </a:solidFill>
+                <a:effectLst/>
+                <a:latin typeface="Menlo" panose="020B0609030804020204" pitchFamily="49" charset="0"/>
+              </a:rPr>
+              <a:t>addr</a:t>
+            </a:r>
+            <a:r>
+              <a:rPr lang="en" altLang="zh-CN" b="0" dirty="0" err="1">
+                <a:solidFill>
+                  <a:srgbClr val="3B3B3B"/>
+                </a:solidFill>
+                <a:effectLst/>
+                <a:latin typeface="Menlo" panose="020B0609030804020204" pitchFamily="49" charset="0"/>
+              </a:rPr>
+              <a:t>.</a:t>
+            </a:r>
+            <a:r>
+              <a:rPr lang="en" altLang="zh-CN" b="0" dirty="0" err="1">
+                <a:solidFill>
+                  <a:srgbClr val="001080"/>
+                </a:solidFill>
+                <a:effectLst/>
+                <a:latin typeface="Menlo" panose="020B0609030804020204" pitchFamily="49" charset="0"/>
+              </a:rPr>
+              <a:t>sin_family</a:t>
+            </a:r>
+            <a:r>
+              <a:rPr lang="en" altLang="zh-CN" b="0" dirty="0">
+                <a:solidFill>
+                  <a:srgbClr val="3B3B3B"/>
+                </a:solidFill>
+                <a:effectLst/>
+                <a:latin typeface="Menlo" panose="020B0609030804020204" pitchFamily="49" charset="0"/>
+              </a:rPr>
+              <a:t> </a:t>
+            </a:r>
+            <a:r>
+              <a:rPr lang="en" altLang="zh-CN" b="0" dirty="0">
+                <a:solidFill>
+                  <a:srgbClr val="000000"/>
+                </a:solidFill>
+                <a:effectLst/>
+                <a:latin typeface="Menlo" panose="020B0609030804020204" pitchFamily="49" charset="0"/>
+              </a:rPr>
+              <a:t>=</a:t>
+            </a:r>
+            <a:r>
+              <a:rPr lang="en" altLang="zh-CN" b="0" dirty="0">
+                <a:solidFill>
+                  <a:srgbClr val="3B3B3B"/>
+                </a:solidFill>
+                <a:effectLst/>
+                <a:latin typeface="Menlo" panose="020B0609030804020204" pitchFamily="49" charset="0"/>
+              </a:rPr>
+              <a:t> </a:t>
+            </a:r>
+            <a:r>
+              <a:rPr lang="en" altLang="zh-CN" b="0" dirty="0">
+                <a:solidFill>
+                  <a:srgbClr val="0000FF"/>
+                </a:solidFill>
+                <a:effectLst/>
+                <a:latin typeface="Menlo" panose="020B0609030804020204" pitchFamily="49" charset="0"/>
+              </a:rPr>
+              <a:t>AF_INET</a:t>
+            </a:r>
+            <a:r>
+              <a:rPr lang="en" altLang="zh-CN" b="0" dirty="0">
+                <a:solidFill>
+                  <a:srgbClr val="3B3B3B"/>
+                </a:solidFill>
+                <a:effectLst/>
+                <a:latin typeface="Menlo" panose="020B0609030804020204" pitchFamily="49" charset="0"/>
+              </a:rPr>
+              <a:t>;</a:t>
+            </a:r>
+          </a:p>
+          <a:p>
+            <a:pPr>
+              <a:lnSpc>
+                <a:spcPct val="150000"/>
+              </a:lnSpc>
+            </a:pPr>
+            <a:r>
+              <a:rPr lang="en" altLang="zh-CN" b="0" dirty="0" err="1">
+                <a:solidFill>
+                  <a:srgbClr val="001080"/>
+                </a:solidFill>
+                <a:effectLst/>
+                <a:latin typeface="Menlo" panose="020B0609030804020204" pitchFamily="49" charset="0"/>
+              </a:rPr>
+              <a:t>addr</a:t>
+            </a:r>
+            <a:r>
+              <a:rPr lang="en" altLang="zh-CN" b="0" dirty="0" err="1">
+                <a:solidFill>
+                  <a:srgbClr val="3B3B3B"/>
+                </a:solidFill>
+                <a:effectLst/>
+                <a:latin typeface="Menlo" panose="020B0609030804020204" pitchFamily="49" charset="0"/>
+              </a:rPr>
+              <a:t>.</a:t>
+            </a:r>
+            <a:r>
+              <a:rPr lang="en" altLang="zh-CN" b="0" dirty="0" err="1">
+                <a:solidFill>
+                  <a:srgbClr val="001080"/>
+                </a:solidFill>
+                <a:effectLst/>
+                <a:latin typeface="Menlo" panose="020B0609030804020204" pitchFamily="49" charset="0"/>
+              </a:rPr>
+              <a:t>sin_addr</a:t>
+            </a:r>
+            <a:r>
+              <a:rPr lang="en" altLang="zh-CN" b="0" dirty="0" err="1">
+                <a:solidFill>
+                  <a:srgbClr val="3B3B3B"/>
+                </a:solidFill>
+                <a:effectLst/>
+                <a:latin typeface="Menlo" panose="020B0609030804020204" pitchFamily="49" charset="0"/>
+              </a:rPr>
+              <a:t>.</a:t>
+            </a:r>
+            <a:r>
+              <a:rPr lang="en" altLang="zh-CN" b="0" dirty="0" err="1">
+                <a:solidFill>
+                  <a:srgbClr val="001080"/>
+                </a:solidFill>
+                <a:effectLst/>
+                <a:latin typeface="Menlo" panose="020B0609030804020204" pitchFamily="49" charset="0"/>
+              </a:rPr>
+              <a:t>s_addr</a:t>
+            </a:r>
+            <a:r>
+              <a:rPr lang="en" altLang="zh-CN" b="0" dirty="0">
+                <a:solidFill>
+                  <a:srgbClr val="3B3B3B"/>
+                </a:solidFill>
+                <a:effectLst/>
+                <a:latin typeface="Menlo" panose="020B0609030804020204" pitchFamily="49" charset="0"/>
+              </a:rPr>
+              <a:t> </a:t>
+            </a:r>
+            <a:r>
+              <a:rPr lang="en" altLang="zh-CN" b="0" dirty="0">
+                <a:solidFill>
+                  <a:srgbClr val="000000"/>
+                </a:solidFill>
+                <a:effectLst/>
+                <a:latin typeface="Menlo" panose="020B0609030804020204" pitchFamily="49" charset="0"/>
+              </a:rPr>
+              <a:t>=</a:t>
+            </a:r>
+            <a:r>
+              <a:rPr lang="en" altLang="zh-CN" b="0" dirty="0">
+                <a:solidFill>
+                  <a:srgbClr val="3B3B3B"/>
+                </a:solidFill>
+                <a:effectLst/>
+                <a:latin typeface="Menlo" panose="020B0609030804020204" pitchFamily="49" charset="0"/>
+              </a:rPr>
+              <a:t> </a:t>
+            </a:r>
+            <a:r>
+              <a:rPr lang="en" altLang="zh-CN" b="0" dirty="0" err="1">
+                <a:solidFill>
+                  <a:srgbClr val="0000FF"/>
+                </a:solidFill>
+                <a:effectLst/>
+                <a:latin typeface="Menlo" panose="020B0609030804020204" pitchFamily="49" charset="0"/>
+              </a:rPr>
+              <a:t>htons</a:t>
+            </a:r>
+            <a:r>
+              <a:rPr lang="en" altLang="zh-CN" b="0" dirty="0">
+                <a:solidFill>
+                  <a:srgbClr val="3B3B3B"/>
+                </a:solidFill>
+                <a:effectLst/>
+                <a:latin typeface="Menlo" panose="020B0609030804020204" pitchFamily="49" charset="0"/>
+              </a:rPr>
+              <a:t>(</a:t>
+            </a:r>
+            <a:r>
+              <a:rPr lang="en" altLang="zh-CN" b="1" dirty="0">
+                <a:solidFill>
+                  <a:srgbClr val="001080"/>
+                </a:solidFill>
+                <a:latin typeface="Menlo" panose="020B0609030804020204" pitchFamily="49" charset="0"/>
+              </a:rPr>
+              <a:t>IN</a:t>
+            </a:r>
+            <a:r>
+              <a:rPr lang="en-US" altLang="zh-CN" b="1" dirty="0">
+                <a:solidFill>
+                  <a:srgbClr val="001080"/>
+                </a:solidFill>
+                <a:latin typeface="Menlo" panose="020B0609030804020204" pitchFamily="49" charset="0"/>
+              </a:rPr>
+              <a:t>ADDR_ANY</a:t>
+            </a:r>
+            <a:r>
+              <a:rPr lang="en" altLang="zh-CN" b="0" dirty="0">
+                <a:solidFill>
+                  <a:srgbClr val="3B3B3B"/>
+                </a:solidFill>
+                <a:effectLst/>
+                <a:latin typeface="Menlo" panose="020B0609030804020204" pitchFamily="49" charset="0"/>
+              </a:rPr>
+              <a:t>);</a:t>
+            </a:r>
+          </a:p>
+          <a:p>
+            <a:pPr>
+              <a:lnSpc>
+                <a:spcPct val="150000"/>
+              </a:lnSpc>
+            </a:pPr>
+            <a:r>
+              <a:rPr lang="en" altLang="zh-CN" b="0" dirty="0" err="1">
+                <a:solidFill>
+                  <a:srgbClr val="001080"/>
+                </a:solidFill>
+                <a:effectLst/>
+                <a:latin typeface="Menlo" panose="020B0609030804020204" pitchFamily="49" charset="0"/>
+              </a:rPr>
+              <a:t>addr</a:t>
+            </a:r>
+            <a:r>
+              <a:rPr lang="en" altLang="zh-CN" b="0" dirty="0" err="1">
+                <a:solidFill>
+                  <a:srgbClr val="3B3B3B"/>
+                </a:solidFill>
+                <a:effectLst/>
+                <a:latin typeface="Menlo" panose="020B0609030804020204" pitchFamily="49" charset="0"/>
+              </a:rPr>
+              <a:t>.</a:t>
+            </a:r>
+            <a:r>
+              <a:rPr lang="en" altLang="zh-CN" b="0" dirty="0" err="1">
+                <a:solidFill>
+                  <a:srgbClr val="001080"/>
+                </a:solidFill>
+                <a:effectLst/>
+                <a:latin typeface="Menlo" panose="020B0609030804020204" pitchFamily="49" charset="0"/>
+              </a:rPr>
+              <a:t>sin_port</a:t>
+            </a:r>
+            <a:r>
+              <a:rPr lang="en" altLang="zh-CN" b="0" dirty="0">
+                <a:solidFill>
+                  <a:srgbClr val="3B3B3B"/>
+                </a:solidFill>
+                <a:effectLst/>
+                <a:latin typeface="Menlo" panose="020B0609030804020204" pitchFamily="49" charset="0"/>
+              </a:rPr>
+              <a:t> </a:t>
+            </a:r>
+            <a:r>
+              <a:rPr lang="en" altLang="zh-CN" b="0" dirty="0">
+                <a:solidFill>
+                  <a:srgbClr val="000000"/>
+                </a:solidFill>
+                <a:effectLst/>
+                <a:latin typeface="Menlo" panose="020B0609030804020204" pitchFamily="49" charset="0"/>
+              </a:rPr>
+              <a:t>=</a:t>
+            </a:r>
+            <a:r>
+              <a:rPr lang="en" altLang="zh-CN" b="0" dirty="0">
+                <a:solidFill>
+                  <a:srgbClr val="3B3B3B"/>
+                </a:solidFill>
+                <a:effectLst/>
+                <a:latin typeface="Menlo" panose="020B0609030804020204" pitchFamily="49" charset="0"/>
+              </a:rPr>
+              <a:t> </a:t>
+            </a:r>
+            <a:r>
+              <a:rPr lang="en" altLang="zh-CN" b="0" dirty="0" err="1">
+                <a:solidFill>
+                  <a:srgbClr val="0000FF"/>
+                </a:solidFill>
+                <a:effectLst/>
+                <a:latin typeface="Menlo" panose="020B0609030804020204" pitchFamily="49" charset="0"/>
+              </a:rPr>
+              <a:t>htons</a:t>
+            </a:r>
+            <a:r>
+              <a:rPr lang="en" altLang="zh-CN" b="0" dirty="0">
+                <a:solidFill>
+                  <a:srgbClr val="3B3B3B"/>
+                </a:solidFill>
+                <a:effectLst/>
+                <a:latin typeface="Menlo" panose="020B0609030804020204" pitchFamily="49" charset="0"/>
+              </a:rPr>
+              <a:t>(</a:t>
+            </a:r>
+            <a:r>
+              <a:rPr lang="en" altLang="zh-CN" b="0" dirty="0" err="1">
+                <a:solidFill>
+                  <a:srgbClr val="795E26"/>
+                </a:solidFill>
+                <a:effectLst/>
+                <a:latin typeface="Menlo" panose="020B0609030804020204" pitchFamily="49" charset="0"/>
+              </a:rPr>
+              <a:t>atoi</a:t>
+            </a:r>
+            <a:r>
+              <a:rPr lang="en" altLang="zh-CN" b="0" dirty="0">
+                <a:solidFill>
+                  <a:srgbClr val="3B3B3B"/>
+                </a:solidFill>
+                <a:effectLst/>
+                <a:latin typeface="Menlo" panose="020B0609030804020204" pitchFamily="49" charset="0"/>
+              </a:rPr>
+              <a:t>(</a:t>
+            </a:r>
+            <a:r>
+              <a:rPr lang="en" altLang="zh-CN" b="0" dirty="0" err="1">
+                <a:solidFill>
+                  <a:srgbClr val="001080"/>
+                </a:solidFill>
+                <a:effectLst/>
+                <a:latin typeface="Menlo" panose="020B0609030804020204" pitchFamily="49" charset="0"/>
+              </a:rPr>
+              <a:t>serv_port</a:t>
+            </a:r>
+            <a:r>
+              <a:rPr lang="en" altLang="zh-CN" b="0" dirty="0">
+                <a:solidFill>
+                  <a:srgbClr val="3B3B3B"/>
+                </a:solidFill>
+                <a:effectLst/>
+                <a:latin typeface="Menlo" panose="020B0609030804020204" pitchFamily="49" charset="0"/>
+              </a:rPr>
+              <a:t>));</a:t>
+            </a:r>
           </a:p>
         </p:txBody>
       </p:sp>
     </p:spTree>
     <p:extLst>
       <p:ext uri="{BB962C8B-B14F-4D97-AF65-F5344CB8AC3E}">
-        <p14:creationId xmlns:p14="http://schemas.microsoft.com/office/powerpoint/2010/main" val="275995716"/>
+        <p14:creationId xmlns:p14="http://schemas.microsoft.com/office/powerpoint/2010/main" val="4279982606"/>
       </p:ext>
     </p:extLst>
   </p:cSld>
@@ -3836,10 +6886,10 @@
       </p:grpSpPr>
       <p:sp>
         <p:nvSpPr>
-          <p:cNvPr id="2" name="文本框 1">
+          <p:cNvPr id="3" name="文本框 2">
             <a:extLst>
               <a:ext uri="{FF2B5EF4-FFF2-40B4-BE49-F238E27FC236}">
-                <a16:creationId xmlns:a16="http://schemas.microsoft.com/office/drawing/2014/main" id="{EE003F37-D0BF-A842-9EDD-590F8A1FE96B}"/>
+                <a16:creationId xmlns:a16="http://schemas.microsoft.com/office/drawing/2014/main" id="{F8425D9C-6350-CF4C-820A-D2F50E8B7C67}"/>
               </a:ext>
             </a:extLst>
           </p:cNvPr>
@@ -3848,8 +6898,1027 @@
         </p:nvSpPr>
         <p:spPr>
           <a:xfrm>
-            <a:off x="953311" y="437745"/>
-            <a:ext cx="184731" cy="369332"/>
+            <a:off x="1045722" y="795594"/>
+            <a:ext cx="8166371" cy="5446043"/>
+          </a:xfrm>
+          <a:prstGeom prst="rect">
+            <a:avLst/>
+          </a:prstGeom>
+          <a:noFill/>
+        </p:spPr>
+        <p:txBody>
+          <a:bodyPr wrap="square">
+            <a:spAutoFit/>
+          </a:bodyPr>
+          <a:lstStyle/>
+          <a:p>
+            <a:pPr>
+              <a:lnSpc>
+                <a:spcPct val="150000"/>
+              </a:lnSpc>
+            </a:pPr>
+            <a:r>
+              <a:rPr lang="en" altLang="zh-CN" b="0" dirty="0">
+                <a:solidFill>
+                  <a:srgbClr val="0000FF"/>
+                </a:solidFill>
+                <a:effectLst/>
+                <a:latin typeface="Menlo" panose="020B0609030804020204" pitchFamily="49" charset="0"/>
+              </a:rPr>
+              <a:t>int</a:t>
+            </a:r>
+            <a:r>
+              <a:rPr lang="en" altLang="zh-CN" b="0" dirty="0">
+                <a:solidFill>
+                  <a:srgbClr val="3B3B3B"/>
+                </a:solidFill>
+                <a:effectLst/>
+                <a:latin typeface="Menlo" panose="020B0609030804020204" pitchFamily="49" charset="0"/>
+              </a:rPr>
+              <a:t> </a:t>
+            </a:r>
+            <a:r>
+              <a:rPr lang="en" altLang="zh-CN" b="0" dirty="0" err="1">
+                <a:solidFill>
+                  <a:srgbClr val="001080"/>
+                </a:solidFill>
+                <a:effectLst/>
+                <a:latin typeface="Menlo" panose="020B0609030804020204" pitchFamily="49" charset="0"/>
+              </a:rPr>
+              <a:t>serv_sock</a:t>
+            </a:r>
+            <a:r>
+              <a:rPr lang="en" altLang="zh-CN" b="0" dirty="0">
+                <a:solidFill>
+                  <a:srgbClr val="3B3B3B"/>
+                </a:solidFill>
+                <a:effectLst/>
+                <a:latin typeface="Menlo" panose="020B0609030804020204" pitchFamily="49" charset="0"/>
+              </a:rPr>
+              <a:t>;</a:t>
+            </a:r>
+          </a:p>
+          <a:p>
+            <a:pPr>
+              <a:lnSpc>
+                <a:spcPct val="150000"/>
+              </a:lnSpc>
+            </a:pPr>
+            <a:r>
+              <a:rPr lang="en" altLang="zh-CN" b="0" dirty="0">
+                <a:solidFill>
+                  <a:srgbClr val="0000FF"/>
+                </a:solidFill>
+                <a:effectLst/>
+                <a:latin typeface="Menlo" panose="020B0609030804020204" pitchFamily="49" charset="0"/>
+              </a:rPr>
+              <a:t>struct</a:t>
+            </a:r>
+            <a:r>
+              <a:rPr lang="en" altLang="zh-CN" b="0" dirty="0">
+                <a:solidFill>
+                  <a:srgbClr val="3B3B3B"/>
+                </a:solidFill>
+                <a:effectLst/>
+                <a:latin typeface="Menlo" panose="020B0609030804020204" pitchFamily="49" charset="0"/>
+              </a:rPr>
+              <a:t> </a:t>
+            </a:r>
+            <a:r>
+              <a:rPr lang="en" altLang="zh-CN" b="0" dirty="0" err="1">
+                <a:solidFill>
+                  <a:srgbClr val="267F99"/>
+                </a:solidFill>
+                <a:effectLst/>
+                <a:latin typeface="Menlo" panose="020B0609030804020204" pitchFamily="49" charset="0"/>
+              </a:rPr>
+              <a:t>sockaddr_in</a:t>
+            </a:r>
+            <a:r>
+              <a:rPr lang="en" altLang="zh-CN" b="0" dirty="0">
+                <a:solidFill>
+                  <a:srgbClr val="3B3B3B"/>
+                </a:solidFill>
+                <a:effectLst/>
+                <a:latin typeface="Menlo" panose="020B0609030804020204" pitchFamily="49" charset="0"/>
+              </a:rPr>
+              <a:t> </a:t>
+            </a:r>
+            <a:r>
+              <a:rPr lang="en" altLang="zh-CN" b="0" dirty="0" err="1">
+                <a:solidFill>
+                  <a:srgbClr val="001080"/>
+                </a:solidFill>
+                <a:effectLst/>
+                <a:latin typeface="Menlo" panose="020B0609030804020204" pitchFamily="49" charset="0"/>
+              </a:rPr>
+              <a:t>serv_addr</a:t>
+            </a:r>
+            <a:r>
+              <a:rPr lang="en" altLang="zh-CN" b="0" dirty="0">
+                <a:solidFill>
+                  <a:srgbClr val="3B3B3B"/>
+                </a:solidFill>
+                <a:effectLst/>
+                <a:latin typeface="Menlo" panose="020B0609030804020204" pitchFamily="49" charset="0"/>
+              </a:rPr>
+              <a:t>;</a:t>
+            </a:r>
+          </a:p>
+          <a:p>
+            <a:pPr>
+              <a:lnSpc>
+                <a:spcPct val="150000"/>
+              </a:lnSpc>
+            </a:pPr>
+            <a:r>
+              <a:rPr lang="en" altLang="zh-CN" b="0" dirty="0">
+                <a:solidFill>
+                  <a:srgbClr val="0000FF"/>
+                </a:solidFill>
+                <a:effectLst/>
+                <a:latin typeface="Menlo" panose="020B0609030804020204" pitchFamily="49" charset="0"/>
+              </a:rPr>
+              <a:t>char</a:t>
+            </a:r>
+            <a:r>
+              <a:rPr lang="en" altLang="zh-CN" b="0" dirty="0">
+                <a:solidFill>
+                  <a:srgbClr val="000000"/>
+                </a:solidFill>
+                <a:effectLst/>
+                <a:latin typeface="Menlo" panose="020B0609030804020204" pitchFamily="49" charset="0"/>
+              </a:rPr>
+              <a:t>*</a:t>
+            </a:r>
+            <a:r>
+              <a:rPr lang="en" altLang="zh-CN" b="0" dirty="0">
+                <a:solidFill>
+                  <a:srgbClr val="3B3B3B"/>
+                </a:solidFill>
+                <a:effectLst/>
+                <a:latin typeface="Menlo" panose="020B0609030804020204" pitchFamily="49" charset="0"/>
+              </a:rPr>
+              <a:t> </a:t>
+            </a:r>
+            <a:r>
+              <a:rPr lang="en" altLang="zh-CN" b="0" dirty="0" err="1">
+                <a:solidFill>
+                  <a:srgbClr val="001080"/>
+                </a:solidFill>
+                <a:effectLst/>
+                <a:latin typeface="Menlo" panose="020B0609030804020204" pitchFamily="49" charset="0"/>
+              </a:rPr>
+              <a:t>serv_port</a:t>
+            </a:r>
+            <a:r>
+              <a:rPr lang="en" altLang="zh-CN" b="0" dirty="0">
+                <a:solidFill>
+                  <a:srgbClr val="3B3B3B"/>
+                </a:solidFill>
+                <a:effectLst/>
+                <a:latin typeface="Menlo" panose="020B0609030804020204" pitchFamily="49" charset="0"/>
+              </a:rPr>
+              <a:t> </a:t>
+            </a:r>
+            <a:r>
+              <a:rPr lang="en" altLang="zh-CN" b="0" dirty="0">
+                <a:solidFill>
+                  <a:srgbClr val="000000"/>
+                </a:solidFill>
+                <a:effectLst/>
+                <a:latin typeface="Menlo" panose="020B0609030804020204" pitchFamily="49" charset="0"/>
+              </a:rPr>
+              <a:t>=</a:t>
+            </a:r>
+            <a:r>
+              <a:rPr lang="en" altLang="zh-CN" b="0" dirty="0">
+                <a:solidFill>
+                  <a:srgbClr val="3B3B3B"/>
+                </a:solidFill>
+                <a:effectLst/>
+                <a:latin typeface="Menlo" panose="020B0609030804020204" pitchFamily="49" charset="0"/>
+              </a:rPr>
+              <a:t> </a:t>
+            </a:r>
+            <a:r>
+              <a:rPr lang="en" altLang="zh-CN" b="0" dirty="0">
+                <a:solidFill>
+                  <a:srgbClr val="A31515"/>
+                </a:solidFill>
+                <a:effectLst/>
+                <a:latin typeface="Menlo" panose="020B0609030804020204" pitchFamily="49" charset="0"/>
+              </a:rPr>
+              <a:t>"9190"</a:t>
+            </a:r>
+            <a:r>
+              <a:rPr lang="en" altLang="zh-CN" b="0" dirty="0">
+                <a:solidFill>
+                  <a:srgbClr val="3B3B3B"/>
+                </a:solidFill>
+                <a:effectLst/>
+                <a:latin typeface="Menlo" panose="020B0609030804020204" pitchFamily="49" charset="0"/>
+              </a:rPr>
+              <a:t>;</a:t>
+            </a:r>
+          </a:p>
+          <a:p>
+            <a:pPr>
+              <a:lnSpc>
+                <a:spcPct val="150000"/>
+              </a:lnSpc>
+            </a:pPr>
+            <a:br>
+              <a:rPr lang="en" altLang="zh-CN" b="0" dirty="0">
+                <a:solidFill>
+                  <a:srgbClr val="3B3B3B"/>
+                </a:solidFill>
+                <a:effectLst/>
+                <a:latin typeface="Menlo" panose="020B0609030804020204" pitchFamily="49" charset="0"/>
+              </a:rPr>
+            </a:br>
+            <a:r>
+              <a:rPr lang="en" altLang="zh-CN" b="0" dirty="0" err="1">
+                <a:solidFill>
+                  <a:srgbClr val="001080"/>
+                </a:solidFill>
+                <a:effectLst/>
+                <a:latin typeface="Menlo" panose="020B0609030804020204" pitchFamily="49" charset="0"/>
+              </a:rPr>
+              <a:t>serv_sock</a:t>
+            </a:r>
+            <a:r>
+              <a:rPr lang="en" altLang="zh-CN" b="0" dirty="0">
+                <a:solidFill>
+                  <a:srgbClr val="3B3B3B"/>
+                </a:solidFill>
+                <a:effectLst/>
+                <a:latin typeface="Menlo" panose="020B0609030804020204" pitchFamily="49" charset="0"/>
+              </a:rPr>
+              <a:t> </a:t>
+            </a:r>
+            <a:r>
+              <a:rPr lang="en" altLang="zh-CN" b="0" dirty="0">
+                <a:solidFill>
+                  <a:srgbClr val="000000"/>
+                </a:solidFill>
+                <a:effectLst/>
+                <a:latin typeface="Menlo" panose="020B0609030804020204" pitchFamily="49" charset="0"/>
+              </a:rPr>
+              <a:t>=</a:t>
+            </a:r>
+            <a:r>
+              <a:rPr lang="en" altLang="zh-CN" b="0" dirty="0">
+                <a:solidFill>
+                  <a:srgbClr val="3B3B3B"/>
+                </a:solidFill>
+                <a:effectLst/>
+                <a:latin typeface="Menlo" panose="020B0609030804020204" pitchFamily="49" charset="0"/>
+              </a:rPr>
+              <a:t> </a:t>
+            </a:r>
+            <a:r>
+              <a:rPr lang="en" altLang="zh-CN" b="0" dirty="0">
+                <a:solidFill>
+                  <a:srgbClr val="795E26"/>
+                </a:solidFill>
+                <a:effectLst/>
+                <a:latin typeface="Menlo" panose="020B0609030804020204" pitchFamily="49" charset="0"/>
+              </a:rPr>
+              <a:t>socket</a:t>
+            </a:r>
+            <a:r>
+              <a:rPr lang="en" altLang="zh-CN" b="0" dirty="0">
+                <a:solidFill>
+                  <a:srgbClr val="3B3B3B"/>
+                </a:solidFill>
+                <a:effectLst/>
+                <a:latin typeface="Menlo" panose="020B0609030804020204" pitchFamily="49" charset="0"/>
+              </a:rPr>
+              <a:t>(</a:t>
+            </a:r>
+            <a:r>
+              <a:rPr lang="en" altLang="zh-CN" b="0" dirty="0">
+                <a:solidFill>
+                  <a:srgbClr val="0000FF"/>
+                </a:solidFill>
+                <a:effectLst/>
+                <a:latin typeface="Menlo" panose="020B0609030804020204" pitchFamily="49" charset="0"/>
+              </a:rPr>
+              <a:t>PF_INET</a:t>
+            </a:r>
+            <a:r>
+              <a:rPr lang="en" altLang="zh-CN" b="0" dirty="0">
+                <a:solidFill>
+                  <a:srgbClr val="3B3B3B"/>
+                </a:solidFill>
+                <a:effectLst/>
+                <a:latin typeface="Menlo" panose="020B0609030804020204" pitchFamily="49" charset="0"/>
+              </a:rPr>
+              <a:t>, </a:t>
+            </a:r>
+            <a:r>
+              <a:rPr lang="en" altLang="zh-CN" b="0" dirty="0">
+                <a:solidFill>
+                  <a:srgbClr val="0000FF"/>
+                </a:solidFill>
+                <a:effectLst/>
+                <a:latin typeface="Menlo" panose="020B0609030804020204" pitchFamily="49" charset="0"/>
+              </a:rPr>
+              <a:t>SOCK_STREAM</a:t>
+            </a:r>
+            <a:r>
+              <a:rPr lang="en" altLang="zh-CN" b="0" dirty="0">
+                <a:solidFill>
+                  <a:srgbClr val="3B3B3B"/>
+                </a:solidFill>
+                <a:effectLst/>
+                <a:latin typeface="Menlo" panose="020B0609030804020204" pitchFamily="49" charset="0"/>
+              </a:rPr>
+              <a:t>, </a:t>
+            </a:r>
+            <a:r>
+              <a:rPr lang="en" altLang="zh-CN" b="0" dirty="0">
+                <a:solidFill>
+                  <a:srgbClr val="098658"/>
+                </a:solidFill>
+                <a:effectLst/>
+                <a:latin typeface="Menlo" panose="020B0609030804020204" pitchFamily="49" charset="0"/>
+              </a:rPr>
+              <a:t>0</a:t>
+            </a:r>
+            <a:r>
+              <a:rPr lang="en" altLang="zh-CN" b="0" dirty="0">
+                <a:solidFill>
+                  <a:srgbClr val="3B3B3B"/>
+                </a:solidFill>
+                <a:effectLst/>
+                <a:latin typeface="Menlo" panose="020B0609030804020204" pitchFamily="49" charset="0"/>
+              </a:rPr>
+              <a:t>);</a:t>
+            </a:r>
+          </a:p>
+          <a:p>
+            <a:pPr>
+              <a:lnSpc>
+                <a:spcPct val="150000"/>
+              </a:lnSpc>
+            </a:pPr>
+            <a:br>
+              <a:rPr lang="en" altLang="zh-CN" b="0" dirty="0">
+                <a:solidFill>
+                  <a:srgbClr val="3B3B3B"/>
+                </a:solidFill>
+                <a:effectLst/>
+                <a:latin typeface="Menlo" panose="020B0609030804020204" pitchFamily="49" charset="0"/>
+              </a:rPr>
+            </a:br>
+            <a:r>
+              <a:rPr lang="en" altLang="zh-CN" b="0" dirty="0" err="1">
+                <a:solidFill>
+                  <a:srgbClr val="0000FF"/>
+                </a:solidFill>
+                <a:effectLst/>
+                <a:latin typeface="Menlo" panose="020B0609030804020204" pitchFamily="49" charset="0"/>
+              </a:rPr>
+              <a:t>memset</a:t>
+            </a:r>
+            <a:r>
+              <a:rPr lang="en" altLang="zh-CN" b="0" dirty="0">
+                <a:solidFill>
+                  <a:srgbClr val="3B3B3B"/>
+                </a:solidFill>
+                <a:effectLst/>
+                <a:latin typeface="Menlo" panose="020B0609030804020204" pitchFamily="49" charset="0"/>
+              </a:rPr>
+              <a:t>(</a:t>
+            </a:r>
+            <a:r>
+              <a:rPr lang="en" altLang="zh-CN" b="0" dirty="0">
+                <a:solidFill>
+                  <a:srgbClr val="000000"/>
+                </a:solidFill>
+                <a:effectLst/>
+                <a:latin typeface="Menlo" panose="020B0609030804020204" pitchFamily="49" charset="0"/>
+              </a:rPr>
+              <a:t>&amp;</a:t>
+            </a:r>
+            <a:r>
+              <a:rPr lang="en" altLang="zh-CN" b="0" dirty="0" err="1">
+                <a:solidFill>
+                  <a:srgbClr val="001080"/>
+                </a:solidFill>
+                <a:effectLst/>
+                <a:latin typeface="Menlo" panose="020B0609030804020204" pitchFamily="49" charset="0"/>
+              </a:rPr>
+              <a:t>serv_addr</a:t>
+            </a:r>
+            <a:r>
+              <a:rPr lang="en" altLang="zh-CN" b="0" dirty="0">
+                <a:solidFill>
+                  <a:srgbClr val="3B3B3B"/>
+                </a:solidFill>
+                <a:effectLst/>
+                <a:latin typeface="Menlo" panose="020B0609030804020204" pitchFamily="49" charset="0"/>
+              </a:rPr>
+              <a:t>, </a:t>
+            </a:r>
+            <a:r>
+              <a:rPr lang="en" altLang="zh-CN" b="0" dirty="0">
+                <a:solidFill>
+                  <a:srgbClr val="098658"/>
+                </a:solidFill>
+                <a:effectLst/>
+                <a:latin typeface="Menlo" panose="020B0609030804020204" pitchFamily="49" charset="0"/>
+              </a:rPr>
+              <a:t>0</a:t>
+            </a:r>
+            <a:r>
+              <a:rPr lang="en" altLang="zh-CN" b="0" dirty="0">
+                <a:solidFill>
+                  <a:srgbClr val="3B3B3B"/>
+                </a:solidFill>
+                <a:effectLst/>
+                <a:latin typeface="Menlo" panose="020B0609030804020204" pitchFamily="49" charset="0"/>
+              </a:rPr>
+              <a:t>, </a:t>
+            </a:r>
+            <a:r>
+              <a:rPr lang="en" altLang="zh-CN" b="0" dirty="0" err="1">
+                <a:solidFill>
+                  <a:srgbClr val="0000FF"/>
+                </a:solidFill>
+                <a:effectLst/>
+                <a:latin typeface="Menlo" panose="020B0609030804020204" pitchFamily="49" charset="0"/>
+              </a:rPr>
+              <a:t>sizeof</a:t>
+            </a:r>
+            <a:r>
+              <a:rPr lang="en" altLang="zh-CN" b="0" dirty="0">
+                <a:solidFill>
+                  <a:srgbClr val="3B3B3B"/>
+                </a:solidFill>
+                <a:effectLst/>
+                <a:latin typeface="Menlo" panose="020B0609030804020204" pitchFamily="49" charset="0"/>
+              </a:rPr>
+              <a:t>(</a:t>
+            </a:r>
+            <a:r>
+              <a:rPr lang="en" altLang="zh-CN" b="0" dirty="0" err="1">
+                <a:solidFill>
+                  <a:srgbClr val="001080"/>
+                </a:solidFill>
+                <a:effectLst/>
+                <a:latin typeface="Menlo" panose="020B0609030804020204" pitchFamily="49" charset="0"/>
+              </a:rPr>
+              <a:t>serv_addr</a:t>
+            </a:r>
+            <a:r>
+              <a:rPr lang="en" altLang="zh-CN" b="0" dirty="0">
+                <a:solidFill>
+                  <a:srgbClr val="3B3B3B"/>
+                </a:solidFill>
+                <a:effectLst/>
+                <a:latin typeface="Menlo" panose="020B0609030804020204" pitchFamily="49" charset="0"/>
+              </a:rPr>
+              <a:t>));</a:t>
+            </a:r>
+          </a:p>
+          <a:p>
+            <a:pPr>
+              <a:lnSpc>
+                <a:spcPct val="150000"/>
+              </a:lnSpc>
+            </a:pPr>
+            <a:r>
+              <a:rPr lang="en" altLang="zh-CN" b="0" dirty="0" err="1">
+                <a:solidFill>
+                  <a:srgbClr val="001080"/>
+                </a:solidFill>
+                <a:effectLst/>
+                <a:latin typeface="Menlo" panose="020B0609030804020204" pitchFamily="49" charset="0"/>
+              </a:rPr>
+              <a:t>serv_addr</a:t>
+            </a:r>
+            <a:r>
+              <a:rPr lang="en" altLang="zh-CN" b="0" dirty="0" err="1">
+                <a:solidFill>
+                  <a:srgbClr val="3B3B3B"/>
+                </a:solidFill>
+                <a:effectLst/>
+                <a:latin typeface="Menlo" panose="020B0609030804020204" pitchFamily="49" charset="0"/>
+              </a:rPr>
+              <a:t>.</a:t>
+            </a:r>
+            <a:r>
+              <a:rPr lang="en" altLang="zh-CN" b="0" dirty="0" err="1">
+                <a:solidFill>
+                  <a:srgbClr val="001080"/>
+                </a:solidFill>
+                <a:effectLst/>
+                <a:latin typeface="Menlo" panose="020B0609030804020204" pitchFamily="49" charset="0"/>
+              </a:rPr>
+              <a:t>sin_family</a:t>
+            </a:r>
+            <a:r>
+              <a:rPr lang="en" altLang="zh-CN" b="0" dirty="0">
+                <a:solidFill>
+                  <a:srgbClr val="3B3B3B"/>
+                </a:solidFill>
+                <a:effectLst/>
+                <a:latin typeface="Menlo" panose="020B0609030804020204" pitchFamily="49" charset="0"/>
+              </a:rPr>
+              <a:t> </a:t>
+            </a:r>
+            <a:r>
+              <a:rPr lang="en" altLang="zh-CN" b="0" dirty="0">
+                <a:solidFill>
+                  <a:srgbClr val="000000"/>
+                </a:solidFill>
+                <a:effectLst/>
+                <a:latin typeface="Menlo" panose="020B0609030804020204" pitchFamily="49" charset="0"/>
+              </a:rPr>
+              <a:t>=</a:t>
+            </a:r>
+            <a:r>
+              <a:rPr lang="en" altLang="zh-CN" b="0" dirty="0">
+                <a:solidFill>
+                  <a:srgbClr val="3B3B3B"/>
+                </a:solidFill>
+                <a:effectLst/>
+                <a:latin typeface="Menlo" panose="020B0609030804020204" pitchFamily="49" charset="0"/>
+              </a:rPr>
+              <a:t> </a:t>
+            </a:r>
+            <a:r>
+              <a:rPr lang="en" altLang="zh-CN" b="0" dirty="0">
+                <a:solidFill>
+                  <a:srgbClr val="0000FF"/>
+                </a:solidFill>
+                <a:effectLst/>
+                <a:latin typeface="Menlo" panose="020B0609030804020204" pitchFamily="49" charset="0"/>
+              </a:rPr>
+              <a:t>AF_INET</a:t>
+            </a:r>
+            <a:r>
+              <a:rPr lang="en" altLang="zh-CN" b="0" dirty="0">
+                <a:solidFill>
+                  <a:srgbClr val="3B3B3B"/>
+                </a:solidFill>
+                <a:effectLst/>
+                <a:latin typeface="Menlo" panose="020B0609030804020204" pitchFamily="49" charset="0"/>
+              </a:rPr>
+              <a:t>;</a:t>
+            </a:r>
+          </a:p>
+          <a:p>
+            <a:pPr>
+              <a:lnSpc>
+                <a:spcPct val="150000"/>
+              </a:lnSpc>
+            </a:pPr>
+            <a:r>
+              <a:rPr lang="en" altLang="zh-CN" b="0" dirty="0" err="1">
+                <a:solidFill>
+                  <a:srgbClr val="001080"/>
+                </a:solidFill>
+                <a:effectLst/>
+                <a:latin typeface="Menlo" panose="020B0609030804020204" pitchFamily="49" charset="0"/>
+              </a:rPr>
+              <a:t>serv_addr</a:t>
+            </a:r>
+            <a:r>
+              <a:rPr lang="en" altLang="zh-CN" b="0" dirty="0" err="1">
+                <a:solidFill>
+                  <a:srgbClr val="3B3B3B"/>
+                </a:solidFill>
+                <a:effectLst/>
+                <a:latin typeface="Menlo" panose="020B0609030804020204" pitchFamily="49" charset="0"/>
+              </a:rPr>
+              <a:t>.</a:t>
+            </a:r>
+            <a:r>
+              <a:rPr lang="en" altLang="zh-CN" b="0" dirty="0" err="1">
+                <a:solidFill>
+                  <a:srgbClr val="001080"/>
+                </a:solidFill>
+                <a:effectLst/>
+                <a:latin typeface="Menlo" panose="020B0609030804020204" pitchFamily="49" charset="0"/>
+              </a:rPr>
+              <a:t>sin_addr</a:t>
+            </a:r>
+            <a:r>
+              <a:rPr lang="en" altLang="zh-CN" b="0" dirty="0" err="1">
+                <a:solidFill>
+                  <a:srgbClr val="3B3B3B"/>
+                </a:solidFill>
+                <a:effectLst/>
+                <a:latin typeface="Menlo" panose="020B0609030804020204" pitchFamily="49" charset="0"/>
+              </a:rPr>
+              <a:t>.</a:t>
+            </a:r>
+            <a:r>
+              <a:rPr lang="en" altLang="zh-CN" b="0" dirty="0" err="1">
+                <a:solidFill>
+                  <a:srgbClr val="001080"/>
+                </a:solidFill>
+                <a:effectLst/>
+                <a:latin typeface="Menlo" panose="020B0609030804020204" pitchFamily="49" charset="0"/>
+              </a:rPr>
+              <a:t>s_addr</a:t>
+            </a:r>
+            <a:r>
+              <a:rPr lang="en" altLang="zh-CN" b="0" dirty="0">
+                <a:solidFill>
+                  <a:srgbClr val="3B3B3B"/>
+                </a:solidFill>
+                <a:effectLst/>
+                <a:latin typeface="Menlo" panose="020B0609030804020204" pitchFamily="49" charset="0"/>
+              </a:rPr>
+              <a:t> </a:t>
+            </a:r>
+            <a:r>
+              <a:rPr lang="en" altLang="zh-CN" b="0" dirty="0">
+                <a:solidFill>
+                  <a:srgbClr val="000000"/>
+                </a:solidFill>
+                <a:effectLst/>
+                <a:latin typeface="Menlo" panose="020B0609030804020204" pitchFamily="49" charset="0"/>
+              </a:rPr>
+              <a:t>=</a:t>
+            </a:r>
+            <a:r>
+              <a:rPr lang="en" altLang="zh-CN" b="0" dirty="0">
+                <a:solidFill>
+                  <a:srgbClr val="3B3B3B"/>
+                </a:solidFill>
+                <a:effectLst/>
+                <a:latin typeface="Menlo" panose="020B0609030804020204" pitchFamily="49" charset="0"/>
+              </a:rPr>
+              <a:t> </a:t>
+            </a:r>
+            <a:r>
+              <a:rPr lang="en" altLang="zh-CN" b="0" dirty="0" err="1">
+                <a:solidFill>
+                  <a:srgbClr val="0000FF"/>
+                </a:solidFill>
+                <a:effectLst/>
+                <a:latin typeface="Menlo" panose="020B0609030804020204" pitchFamily="49" charset="0"/>
+              </a:rPr>
+              <a:t>htons</a:t>
+            </a:r>
+            <a:r>
+              <a:rPr lang="en" altLang="zh-CN" b="0" dirty="0">
+                <a:solidFill>
+                  <a:srgbClr val="3B3B3B"/>
+                </a:solidFill>
+                <a:effectLst/>
+                <a:latin typeface="Menlo" panose="020B0609030804020204" pitchFamily="49" charset="0"/>
+              </a:rPr>
+              <a:t>(</a:t>
+            </a:r>
+            <a:r>
+              <a:rPr lang="en" altLang="zh-CN" b="0" dirty="0">
+                <a:solidFill>
+                  <a:srgbClr val="0000FF"/>
+                </a:solidFill>
+                <a:effectLst/>
+                <a:latin typeface="Menlo" panose="020B0609030804020204" pitchFamily="49" charset="0"/>
+              </a:rPr>
+              <a:t>INADDR_ANY</a:t>
+            </a:r>
+            <a:r>
+              <a:rPr lang="en" altLang="zh-CN" b="0" dirty="0">
+                <a:solidFill>
+                  <a:srgbClr val="3B3B3B"/>
+                </a:solidFill>
+                <a:effectLst/>
+                <a:latin typeface="Menlo" panose="020B0609030804020204" pitchFamily="49" charset="0"/>
+              </a:rPr>
+              <a:t>);</a:t>
+            </a:r>
+          </a:p>
+          <a:p>
+            <a:pPr>
+              <a:lnSpc>
+                <a:spcPct val="150000"/>
+              </a:lnSpc>
+            </a:pPr>
+            <a:r>
+              <a:rPr lang="en" altLang="zh-CN" b="0" dirty="0" err="1">
+                <a:solidFill>
+                  <a:srgbClr val="001080"/>
+                </a:solidFill>
+                <a:effectLst/>
+                <a:latin typeface="Menlo" panose="020B0609030804020204" pitchFamily="49" charset="0"/>
+              </a:rPr>
+              <a:t>serv_addr</a:t>
+            </a:r>
+            <a:r>
+              <a:rPr lang="en" altLang="zh-CN" b="0" dirty="0" err="1">
+                <a:solidFill>
+                  <a:srgbClr val="3B3B3B"/>
+                </a:solidFill>
+                <a:effectLst/>
+                <a:latin typeface="Menlo" panose="020B0609030804020204" pitchFamily="49" charset="0"/>
+              </a:rPr>
+              <a:t>.</a:t>
+            </a:r>
+            <a:r>
+              <a:rPr lang="en" altLang="zh-CN" b="0" dirty="0" err="1">
+                <a:solidFill>
+                  <a:srgbClr val="001080"/>
+                </a:solidFill>
+                <a:effectLst/>
+                <a:latin typeface="Menlo" panose="020B0609030804020204" pitchFamily="49" charset="0"/>
+              </a:rPr>
+              <a:t>sin_port</a:t>
+            </a:r>
+            <a:r>
+              <a:rPr lang="en" altLang="zh-CN" b="0" dirty="0">
+                <a:solidFill>
+                  <a:srgbClr val="3B3B3B"/>
+                </a:solidFill>
+                <a:effectLst/>
+                <a:latin typeface="Menlo" panose="020B0609030804020204" pitchFamily="49" charset="0"/>
+              </a:rPr>
+              <a:t> </a:t>
+            </a:r>
+            <a:r>
+              <a:rPr lang="en" altLang="zh-CN" b="0" dirty="0">
+                <a:solidFill>
+                  <a:srgbClr val="000000"/>
+                </a:solidFill>
+                <a:effectLst/>
+                <a:latin typeface="Menlo" panose="020B0609030804020204" pitchFamily="49" charset="0"/>
+              </a:rPr>
+              <a:t>=</a:t>
+            </a:r>
+            <a:r>
+              <a:rPr lang="en" altLang="zh-CN" b="0" dirty="0">
+                <a:solidFill>
+                  <a:srgbClr val="3B3B3B"/>
+                </a:solidFill>
+                <a:effectLst/>
+                <a:latin typeface="Menlo" panose="020B0609030804020204" pitchFamily="49" charset="0"/>
+              </a:rPr>
+              <a:t> </a:t>
+            </a:r>
+            <a:r>
+              <a:rPr lang="en" altLang="zh-CN" b="0" dirty="0" err="1">
+                <a:solidFill>
+                  <a:srgbClr val="0000FF"/>
+                </a:solidFill>
+                <a:effectLst/>
+                <a:latin typeface="Menlo" panose="020B0609030804020204" pitchFamily="49" charset="0"/>
+              </a:rPr>
+              <a:t>htons</a:t>
+            </a:r>
+            <a:r>
+              <a:rPr lang="en" altLang="zh-CN" b="0" dirty="0">
+                <a:solidFill>
+                  <a:srgbClr val="3B3B3B"/>
+                </a:solidFill>
+                <a:effectLst/>
+                <a:latin typeface="Menlo" panose="020B0609030804020204" pitchFamily="49" charset="0"/>
+              </a:rPr>
+              <a:t>(</a:t>
+            </a:r>
+            <a:r>
+              <a:rPr lang="en" altLang="zh-CN" b="0" dirty="0" err="1">
+                <a:solidFill>
+                  <a:srgbClr val="795E26"/>
+                </a:solidFill>
+                <a:effectLst/>
+                <a:latin typeface="Menlo" panose="020B0609030804020204" pitchFamily="49" charset="0"/>
+              </a:rPr>
+              <a:t>atoi</a:t>
+            </a:r>
+            <a:r>
+              <a:rPr lang="en" altLang="zh-CN" b="0" dirty="0">
+                <a:solidFill>
+                  <a:srgbClr val="3B3B3B"/>
+                </a:solidFill>
+                <a:effectLst/>
+                <a:latin typeface="Menlo" panose="020B0609030804020204" pitchFamily="49" charset="0"/>
+              </a:rPr>
+              <a:t>(</a:t>
+            </a:r>
+            <a:r>
+              <a:rPr lang="en" altLang="zh-CN" b="0" dirty="0" err="1">
+                <a:solidFill>
+                  <a:srgbClr val="001080"/>
+                </a:solidFill>
+                <a:effectLst/>
+                <a:latin typeface="Menlo" panose="020B0609030804020204" pitchFamily="49" charset="0"/>
+              </a:rPr>
+              <a:t>serv_port</a:t>
+            </a:r>
+            <a:r>
+              <a:rPr lang="en" altLang="zh-CN" b="0" dirty="0">
+                <a:solidFill>
+                  <a:srgbClr val="3B3B3B"/>
+                </a:solidFill>
+                <a:effectLst/>
+                <a:latin typeface="Menlo" panose="020B0609030804020204" pitchFamily="49" charset="0"/>
+              </a:rPr>
+              <a:t>));</a:t>
+            </a:r>
+          </a:p>
+          <a:p>
+            <a:pPr>
+              <a:lnSpc>
+                <a:spcPct val="150000"/>
+              </a:lnSpc>
+            </a:pPr>
+            <a:br>
+              <a:rPr lang="en" altLang="zh-CN" b="0" dirty="0">
+                <a:solidFill>
+                  <a:srgbClr val="3B3B3B"/>
+                </a:solidFill>
+                <a:effectLst/>
+                <a:latin typeface="Menlo" panose="020B0609030804020204" pitchFamily="49" charset="0"/>
+              </a:rPr>
+            </a:br>
+            <a:r>
+              <a:rPr lang="en" altLang="zh-CN" b="1" dirty="0">
+                <a:solidFill>
+                  <a:srgbClr val="795E26"/>
+                </a:solidFill>
+                <a:effectLst/>
+                <a:latin typeface="Menlo" panose="020B0609030804020204" pitchFamily="49" charset="0"/>
+              </a:rPr>
+              <a:t>bind</a:t>
+            </a:r>
+            <a:r>
+              <a:rPr lang="en" altLang="zh-CN" b="0" dirty="0">
+                <a:solidFill>
+                  <a:srgbClr val="3B3B3B"/>
+                </a:solidFill>
+                <a:effectLst/>
+                <a:latin typeface="Menlo" panose="020B0609030804020204" pitchFamily="49" charset="0"/>
+              </a:rPr>
+              <a:t>(</a:t>
+            </a:r>
+            <a:r>
+              <a:rPr lang="en" altLang="zh-CN" b="0" dirty="0" err="1">
+                <a:solidFill>
+                  <a:srgbClr val="001080"/>
+                </a:solidFill>
+                <a:effectLst/>
+                <a:latin typeface="Menlo" panose="020B0609030804020204" pitchFamily="49" charset="0"/>
+              </a:rPr>
+              <a:t>serv_sock</a:t>
+            </a:r>
+            <a:r>
+              <a:rPr lang="en" altLang="zh-CN" b="0" dirty="0">
+                <a:solidFill>
+                  <a:srgbClr val="3B3B3B"/>
+                </a:solidFill>
+                <a:effectLst/>
+                <a:latin typeface="Menlo" panose="020B0609030804020204" pitchFamily="49" charset="0"/>
+              </a:rPr>
+              <a:t>, (</a:t>
+            </a:r>
+            <a:r>
+              <a:rPr lang="en" altLang="zh-CN" b="0" dirty="0">
+                <a:solidFill>
+                  <a:srgbClr val="0000FF"/>
+                </a:solidFill>
+                <a:effectLst/>
+                <a:latin typeface="Menlo" panose="020B0609030804020204" pitchFamily="49" charset="0"/>
+              </a:rPr>
+              <a:t>struct</a:t>
+            </a:r>
+            <a:r>
+              <a:rPr lang="en" altLang="zh-CN" b="0" dirty="0">
+                <a:solidFill>
+                  <a:srgbClr val="3B3B3B"/>
+                </a:solidFill>
+                <a:effectLst/>
+                <a:latin typeface="Menlo" panose="020B0609030804020204" pitchFamily="49" charset="0"/>
+              </a:rPr>
+              <a:t> </a:t>
+            </a:r>
+            <a:r>
+              <a:rPr lang="en" altLang="zh-CN" b="0" dirty="0" err="1">
+                <a:solidFill>
+                  <a:srgbClr val="267F99"/>
+                </a:solidFill>
+                <a:effectLst/>
+                <a:latin typeface="Menlo" panose="020B0609030804020204" pitchFamily="49" charset="0"/>
+              </a:rPr>
+              <a:t>sockaddr</a:t>
+            </a:r>
+            <a:r>
+              <a:rPr lang="en" altLang="zh-CN" b="0" dirty="0">
+                <a:solidFill>
+                  <a:srgbClr val="000000"/>
+                </a:solidFill>
+                <a:effectLst/>
+                <a:latin typeface="Menlo" panose="020B0609030804020204" pitchFamily="49" charset="0"/>
+              </a:rPr>
+              <a:t>*</a:t>
+            </a:r>
+            <a:r>
+              <a:rPr lang="en" altLang="zh-CN" b="0" dirty="0">
+                <a:solidFill>
+                  <a:srgbClr val="3B3B3B"/>
+                </a:solidFill>
+                <a:effectLst/>
+                <a:latin typeface="Menlo" panose="020B0609030804020204" pitchFamily="49" charset="0"/>
+              </a:rPr>
+              <a:t>) </a:t>
+            </a:r>
+            <a:r>
+              <a:rPr lang="en" altLang="zh-CN" b="0" dirty="0">
+                <a:solidFill>
+                  <a:srgbClr val="000000"/>
+                </a:solidFill>
+                <a:effectLst/>
+                <a:latin typeface="Menlo" panose="020B0609030804020204" pitchFamily="49" charset="0"/>
+              </a:rPr>
+              <a:t>&amp;</a:t>
+            </a:r>
+            <a:r>
+              <a:rPr lang="en" altLang="zh-CN" b="0" dirty="0" err="1">
+                <a:solidFill>
+                  <a:srgbClr val="001080"/>
+                </a:solidFill>
+                <a:effectLst/>
+                <a:latin typeface="Menlo" panose="020B0609030804020204" pitchFamily="49" charset="0"/>
+              </a:rPr>
+              <a:t>serv_addr</a:t>
+            </a:r>
+            <a:r>
+              <a:rPr lang="en" altLang="zh-CN" b="0" dirty="0">
+                <a:solidFill>
+                  <a:srgbClr val="3B3B3B"/>
+                </a:solidFill>
+                <a:effectLst/>
+                <a:latin typeface="Menlo" panose="020B0609030804020204" pitchFamily="49" charset="0"/>
+              </a:rPr>
+              <a:t>, </a:t>
+            </a:r>
+            <a:r>
+              <a:rPr lang="en" altLang="zh-CN" b="0" dirty="0" err="1">
+                <a:solidFill>
+                  <a:srgbClr val="0000FF"/>
+                </a:solidFill>
+                <a:effectLst/>
+                <a:latin typeface="Menlo" panose="020B0609030804020204" pitchFamily="49" charset="0"/>
+              </a:rPr>
+              <a:t>sizeof</a:t>
+            </a:r>
+            <a:r>
+              <a:rPr lang="en" altLang="zh-CN" b="0" dirty="0">
+                <a:solidFill>
+                  <a:srgbClr val="3B3B3B"/>
+                </a:solidFill>
+                <a:effectLst/>
+                <a:latin typeface="Menlo" panose="020B0609030804020204" pitchFamily="49" charset="0"/>
+              </a:rPr>
+              <a:t>(</a:t>
+            </a:r>
+            <a:r>
+              <a:rPr lang="en" altLang="zh-CN" b="0" dirty="0" err="1">
+                <a:solidFill>
+                  <a:srgbClr val="001080"/>
+                </a:solidFill>
+                <a:effectLst/>
+                <a:latin typeface="Menlo" panose="020B0609030804020204" pitchFamily="49" charset="0"/>
+              </a:rPr>
+              <a:t>serv_addr</a:t>
+            </a:r>
+            <a:r>
+              <a:rPr lang="en" altLang="zh-CN" b="0" dirty="0">
+                <a:solidFill>
+                  <a:srgbClr val="3B3B3B"/>
+                </a:solidFill>
+                <a:effectLst/>
+                <a:latin typeface="Menlo" panose="020B0609030804020204" pitchFamily="49" charset="0"/>
+              </a:rPr>
+              <a:t>));</a:t>
+            </a:r>
+          </a:p>
+        </p:txBody>
+      </p:sp>
+      <p:sp>
+        <p:nvSpPr>
+          <p:cNvPr id="4" name="文本框 3">
+            <a:extLst>
+              <a:ext uri="{FF2B5EF4-FFF2-40B4-BE49-F238E27FC236}">
+                <a16:creationId xmlns:a16="http://schemas.microsoft.com/office/drawing/2014/main" id="{A929526C-60CB-7249-86E0-352F796152F4}"/>
+              </a:ext>
+            </a:extLst>
+          </p:cNvPr>
+          <p:cNvSpPr txBox="1"/>
+          <p:nvPr/>
+        </p:nvSpPr>
+        <p:spPr>
+          <a:xfrm>
+            <a:off x="0" y="0"/>
+            <a:ext cx="4636206" cy="523220"/>
           </a:xfrm>
           <a:prstGeom prst="rect">
             <a:avLst/>
@@ -3862,14 +7931,27 @@
           </a:bodyPr>
           <a:lstStyle/>
           <a:p>
-            <a:endParaRPr kumimoji="1" lang="zh-CN" altLang="en-US" dirty="0"/>
+            <a:r>
+              <a:rPr kumimoji="1" lang="en-US" altLang="zh-CN" sz="2800" dirty="0">
+                <a:latin typeface="Optima" panose="02000503060000020004" pitchFamily="2" charset="0"/>
+                <a:ea typeface="KaiTi" panose="02010609060101010101" pitchFamily="49" charset="-122"/>
+              </a:rPr>
+              <a:t>bind</a:t>
+            </a:r>
+            <a:r>
+              <a:rPr kumimoji="1" lang="zh-CN" altLang="en-US" sz="2800" dirty="0">
+                <a:latin typeface="Optima" panose="02000503060000020004" pitchFamily="2" charset="0"/>
+                <a:ea typeface="KaiTi" panose="02010609060101010101" pitchFamily="49" charset="-122"/>
+              </a:rPr>
+              <a:t> 向套接字分配网络地址</a:t>
+            </a:r>
           </a:p>
         </p:txBody>
       </p:sp>
     </p:spTree>
     <p:extLst>
       <p:ext uri="{BB962C8B-B14F-4D97-AF65-F5344CB8AC3E}">
-        <p14:creationId xmlns:p14="http://schemas.microsoft.com/office/powerpoint/2010/main" val="2155402168"/>
+        <p14:creationId xmlns:p14="http://schemas.microsoft.com/office/powerpoint/2010/main" val="1282139145"/>
       </p:ext>
     </p:extLst>
   </p:cSld>
@@ -3896,12 +7978,42 @@
           <a:chExt cx="0" cy="0"/>
         </a:xfrm>
       </p:grpSpPr>
+    </p:spTree>
+    <p:extLst>
+      <p:ext uri="{BB962C8B-B14F-4D97-AF65-F5344CB8AC3E}">
+        <p14:creationId xmlns:p14="http://schemas.microsoft.com/office/powerpoint/2010/main" val="1027556996"/>
+      </p:ext>
+    </p:extLst>
+  </p:cSld>
+  <p:clrMapOvr>
+    <a:masterClrMapping/>
+  </p:clrMapOvr>
+</p:sld>
+</file>
+
+<file path=ppt/slides/slide16.xml><?xml version="1.0" encoding="utf-8"?>
+<p:sld xmlns:a="http://schemas.openxmlformats.org/drawingml/2006/main" xmlns:r="http://schemas.openxmlformats.org/officeDocument/2006/relationships" xmlns:p="http://schemas.openxmlformats.org/presentationml/2006/main">
+  <p:cSld>
+    <p:spTree>
+      <p:nvGrpSpPr>
+        <p:cNvPr id="1" name=""/>
+        <p:cNvGrpSpPr/>
+        <p:nvPr/>
+      </p:nvGrpSpPr>
+      <p:grpSpPr>
+        <a:xfrm>
+          <a:off x="0" y="0"/>
+          <a:ext cx="0" cy="0"/>
+          <a:chOff x="0" y="0"/>
+          <a:chExt cx="0" cy="0"/>
+        </a:xfrm>
+      </p:grpSpPr>
       <p:sp>
         <p:nvSpPr>
-          <p:cNvPr id="2" name="文本框 1">
+          <p:cNvPr id="4" name="文本框 3">
             <a:extLst>
               <a:ext uri="{FF2B5EF4-FFF2-40B4-BE49-F238E27FC236}">
-                <a16:creationId xmlns:a16="http://schemas.microsoft.com/office/drawing/2014/main" id="{EE003F37-D0BF-A842-9EDD-590F8A1FE96B}"/>
+                <a16:creationId xmlns:a16="http://schemas.microsoft.com/office/drawing/2014/main" id="{7EE1C33A-CBBC-884B-A275-BA706E902614}"/>
               </a:ext>
             </a:extLst>
           </p:cNvPr>
@@ -3910,8 +8022,8 @@
         </p:nvSpPr>
         <p:spPr>
           <a:xfrm>
-            <a:off x="953311" y="437745"/>
-            <a:ext cx="184731" cy="369332"/>
+            <a:off x="4727676" y="2875002"/>
+            <a:ext cx="2736647" cy="1107996"/>
           </a:xfrm>
           <a:prstGeom prst="rect">
             <a:avLst/>
@@ -3924,14 +8036,110 @@
           </a:bodyPr>
           <a:lstStyle/>
           <a:p>
-            <a:endParaRPr kumimoji="1" lang="zh-CN" altLang="en-US" dirty="0"/>
+            <a:r>
+              <a:rPr kumimoji="1" lang="zh-CN" altLang="en-US" sz="6600" b="1" dirty="0">
+                <a:latin typeface="KaiTi" panose="02010609060101010101" pitchFamily="49" charset="-122"/>
+                <a:ea typeface="KaiTi" panose="02010609060101010101" pitchFamily="49" charset="-122"/>
+              </a:rPr>
+              <a:t>第四章</a:t>
+            </a:r>
           </a:p>
         </p:txBody>
       </p:sp>
     </p:spTree>
     <p:extLst>
       <p:ext uri="{BB962C8B-B14F-4D97-AF65-F5344CB8AC3E}">
-        <p14:creationId xmlns:p14="http://schemas.microsoft.com/office/powerpoint/2010/main" val="2600755921"/>
+        <p14:creationId xmlns:p14="http://schemas.microsoft.com/office/powerpoint/2010/main" val="1023385529"/>
+      </p:ext>
+    </p:extLst>
+  </p:cSld>
+  <p:clrMapOvr>
+    <a:masterClrMapping/>
+  </p:clrMapOvr>
+</p:sld>
+</file>
+
+<file path=ppt/slides/slide17.xml><?xml version="1.0" encoding="utf-8"?>
+<p:sld xmlns:a="http://schemas.openxmlformats.org/drawingml/2006/main" xmlns:r="http://schemas.openxmlformats.org/officeDocument/2006/relationships" xmlns:p="http://schemas.openxmlformats.org/presentationml/2006/main">
+  <p:cSld>
+    <p:spTree>
+      <p:nvGrpSpPr>
+        <p:cNvPr id="1" name=""/>
+        <p:cNvGrpSpPr/>
+        <p:nvPr/>
+      </p:nvGrpSpPr>
+      <p:grpSpPr>
+        <a:xfrm>
+          <a:off x="0" y="0"/>
+          <a:ext cx="0" cy="0"/>
+          <a:chOff x="0" y="0"/>
+          <a:chExt cx="0" cy="0"/>
+        </a:xfrm>
+      </p:grpSpPr>
+    </p:spTree>
+    <p:extLst>
+      <p:ext uri="{BB962C8B-B14F-4D97-AF65-F5344CB8AC3E}">
+        <p14:creationId xmlns:p14="http://schemas.microsoft.com/office/powerpoint/2010/main" val="3985379249"/>
+      </p:ext>
+    </p:extLst>
+  </p:cSld>
+  <p:clrMapOvr>
+    <a:masterClrMapping/>
+  </p:clrMapOvr>
+</p:sld>
+</file>
+
+<file path=ppt/slides/slide18.xml><?xml version="1.0" encoding="utf-8"?>
+<p:sld xmlns:a="http://schemas.openxmlformats.org/drawingml/2006/main" xmlns:r="http://schemas.openxmlformats.org/officeDocument/2006/relationships" xmlns:p="http://schemas.openxmlformats.org/presentationml/2006/main">
+  <p:cSld>
+    <p:spTree>
+      <p:nvGrpSpPr>
+        <p:cNvPr id="1" name=""/>
+        <p:cNvGrpSpPr/>
+        <p:nvPr/>
+      </p:nvGrpSpPr>
+      <p:grpSpPr>
+        <a:xfrm>
+          <a:off x="0" y="0"/>
+          <a:ext cx="0" cy="0"/>
+          <a:chOff x="0" y="0"/>
+          <a:chExt cx="0" cy="0"/>
+        </a:xfrm>
+      </p:grpSpPr>
+    </p:spTree>
+    <p:extLst>
+      <p:ext uri="{BB962C8B-B14F-4D97-AF65-F5344CB8AC3E}">
+        <p14:creationId xmlns:p14="http://schemas.microsoft.com/office/powerpoint/2010/main" val="3843524220"/>
+      </p:ext>
+    </p:extLst>
+  </p:cSld>
+  <p:clrMapOvr>
+    <a:masterClrMapping/>
+  </p:clrMapOvr>
+</p:sld>
+</file>
+
+<file path=ppt/slides/slide19.xml><?xml version="1.0" encoding="utf-8"?>
+<p:sld xmlns:a="http://schemas.openxmlformats.org/drawingml/2006/main" xmlns:r="http://schemas.openxmlformats.org/officeDocument/2006/relationships" xmlns:p="http://schemas.openxmlformats.org/presentationml/2006/main">
+  <p:cSld>
+    <p:spTree>
+      <p:nvGrpSpPr>
+        <p:cNvPr id="1" name=""/>
+        <p:cNvGrpSpPr/>
+        <p:nvPr/>
+      </p:nvGrpSpPr>
+      <p:grpSpPr>
+        <a:xfrm>
+          <a:off x="0" y="0"/>
+          <a:ext cx="0" cy="0"/>
+          <a:chOff x="0" y="0"/>
+          <a:chExt cx="0" cy="0"/>
+        </a:xfrm>
+      </p:grpSpPr>
+    </p:spTree>
+    <p:extLst>
+      <p:ext uri="{BB962C8B-B14F-4D97-AF65-F5344CB8AC3E}">
+        <p14:creationId xmlns:p14="http://schemas.microsoft.com/office/powerpoint/2010/main" val="3102571892"/>
       </p:ext>
     </p:extLst>
   </p:cSld>
@@ -4887,6 +9095,186 @@
     <p:extLst>
       <p:ext uri="{BB962C8B-B14F-4D97-AF65-F5344CB8AC3E}">
         <p14:creationId xmlns:p14="http://schemas.microsoft.com/office/powerpoint/2010/main" val="2314578069"/>
+      </p:ext>
+    </p:extLst>
+  </p:cSld>
+  <p:clrMapOvr>
+    <a:masterClrMapping/>
+  </p:clrMapOvr>
+</p:sld>
+</file>
+
+<file path=ppt/slides/slide20.xml><?xml version="1.0" encoding="utf-8"?>
+<p:sld xmlns:a="http://schemas.openxmlformats.org/drawingml/2006/main" xmlns:r="http://schemas.openxmlformats.org/officeDocument/2006/relationships" xmlns:p="http://schemas.openxmlformats.org/presentationml/2006/main">
+  <p:cSld>
+    <p:spTree>
+      <p:nvGrpSpPr>
+        <p:cNvPr id="1" name=""/>
+        <p:cNvGrpSpPr/>
+        <p:nvPr/>
+      </p:nvGrpSpPr>
+      <p:grpSpPr>
+        <a:xfrm>
+          <a:off x="0" y="0"/>
+          <a:ext cx="0" cy="0"/>
+          <a:chOff x="0" y="0"/>
+          <a:chExt cx="0" cy="0"/>
+        </a:xfrm>
+      </p:grpSpPr>
+    </p:spTree>
+    <p:extLst>
+      <p:ext uri="{BB962C8B-B14F-4D97-AF65-F5344CB8AC3E}">
+        <p14:creationId xmlns:p14="http://schemas.microsoft.com/office/powerpoint/2010/main" val="3902389956"/>
+      </p:ext>
+    </p:extLst>
+  </p:cSld>
+  <p:clrMapOvr>
+    <a:masterClrMapping/>
+  </p:clrMapOvr>
+</p:sld>
+</file>
+
+<file path=ppt/slides/slide21.xml><?xml version="1.0" encoding="utf-8"?>
+<p:sld xmlns:a="http://schemas.openxmlformats.org/drawingml/2006/main" xmlns:r="http://schemas.openxmlformats.org/officeDocument/2006/relationships" xmlns:p="http://schemas.openxmlformats.org/presentationml/2006/main">
+  <p:cSld>
+    <p:spTree>
+      <p:nvGrpSpPr>
+        <p:cNvPr id="1" name=""/>
+        <p:cNvGrpSpPr/>
+        <p:nvPr/>
+      </p:nvGrpSpPr>
+      <p:grpSpPr>
+        <a:xfrm>
+          <a:off x="0" y="0"/>
+          <a:ext cx="0" cy="0"/>
+          <a:chOff x="0" y="0"/>
+          <a:chExt cx="0" cy="0"/>
+        </a:xfrm>
+      </p:grpSpPr>
+    </p:spTree>
+    <p:extLst>
+      <p:ext uri="{BB962C8B-B14F-4D97-AF65-F5344CB8AC3E}">
+        <p14:creationId xmlns:p14="http://schemas.microsoft.com/office/powerpoint/2010/main" val="1433265735"/>
+      </p:ext>
+    </p:extLst>
+  </p:cSld>
+  <p:clrMapOvr>
+    <a:masterClrMapping/>
+  </p:clrMapOvr>
+</p:sld>
+</file>
+
+<file path=ppt/slides/slide22.xml><?xml version="1.0" encoding="utf-8"?>
+<p:sld xmlns:a="http://schemas.openxmlformats.org/drawingml/2006/main" xmlns:r="http://schemas.openxmlformats.org/officeDocument/2006/relationships" xmlns:p="http://schemas.openxmlformats.org/presentationml/2006/main">
+  <p:cSld>
+    <p:spTree>
+      <p:nvGrpSpPr>
+        <p:cNvPr id="1" name=""/>
+        <p:cNvGrpSpPr/>
+        <p:nvPr/>
+      </p:nvGrpSpPr>
+      <p:grpSpPr>
+        <a:xfrm>
+          <a:off x="0" y="0"/>
+          <a:ext cx="0" cy="0"/>
+          <a:chOff x="0" y="0"/>
+          <a:chExt cx="0" cy="0"/>
+        </a:xfrm>
+      </p:grpSpPr>
+    </p:spTree>
+    <p:extLst>
+      <p:ext uri="{BB962C8B-B14F-4D97-AF65-F5344CB8AC3E}">
+        <p14:creationId xmlns:p14="http://schemas.microsoft.com/office/powerpoint/2010/main" val="3599128968"/>
+      </p:ext>
+    </p:extLst>
+  </p:cSld>
+  <p:clrMapOvr>
+    <a:masterClrMapping/>
+  </p:clrMapOvr>
+</p:sld>
+</file>
+
+<file path=ppt/slides/slide23.xml><?xml version="1.0" encoding="utf-8"?>
+<p:sld xmlns:a="http://schemas.openxmlformats.org/drawingml/2006/main" xmlns:r="http://schemas.openxmlformats.org/officeDocument/2006/relationships" xmlns:p="http://schemas.openxmlformats.org/presentationml/2006/main">
+  <p:cSld>
+    <p:spTree>
+      <p:nvGrpSpPr>
+        <p:cNvPr id="1" name=""/>
+        <p:cNvGrpSpPr/>
+        <p:nvPr/>
+      </p:nvGrpSpPr>
+      <p:grpSpPr>
+        <a:xfrm>
+          <a:off x="0" y="0"/>
+          <a:ext cx="0" cy="0"/>
+          <a:chOff x="0" y="0"/>
+          <a:chExt cx="0" cy="0"/>
+        </a:xfrm>
+      </p:grpSpPr>
+    </p:spTree>
+    <p:extLst>
+      <p:ext uri="{BB962C8B-B14F-4D97-AF65-F5344CB8AC3E}">
+        <p14:creationId xmlns:p14="http://schemas.microsoft.com/office/powerpoint/2010/main" val="1087526569"/>
+      </p:ext>
+    </p:extLst>
+  </p:cSld>
+  <p:clrMapOvr>
+    <a:masterClrMapping/>
+  </p:clrMapOvr>
+</p:sld>
+</file>
+
+<file path=ppt/slides/slide24.xml><?xml version="1.0" encoding="utf-8"?>
+<p:sld xmlns:a="http://schemas.openxmlformats.org/drawingml/2006/main" xmlns:r="http://schemas.openxmlformats.org/officeDocument/2006/relationships" xmlns:p="http://schemas.openxmlformats.org/presentationml/2006/main">
+  <p:cSld>
+    <p:spTree>
+      <p:nvGrpSpPr>
+        <p:cNvPr id="1" name=""/>
+        <p:cNvGrpSpPr/>
+        <p:nvPr/>
+      </p:nvGrpSpPr>
+      <p:grpSpPr>
+        <a:xfrm>
+          <a:off x="0" y="0"/>
+          <a:ext cx="0" cy="0"/>
+          <a:chOff x="0" y="0"/>
+          <a:chExt cx="0" cy="0"/>
+        </a:xfrm>
+      </p:grpSpPr>
+    </p:spTree>
+    <p:extLst>
+      <p:ext uri="{BB962C8B-B14F-4D97-AF65-F5344CB8AC3E}">
+        <p14:creationId xmlns:p14="http://schemas.microsoft.com/office/powerpoint/2010/main" val="3220528550"/>
+      </p:ext>
+    </p:extLst>
+  </p:cSld>
+  <p:clrMapOvr>
+    <a:masterClrMapping/>
+  </p:clrMapOvr>
+</p:sld>
+</file>
+
+<file path=ppt/slides/slide25.xml><?xml version="1.0" encoding="utf-8"?>
+<p:sld xmlns:a="http://schemas.openxmlformats.org/drawingml/2006/main" xmlns:r="http://schemas.openxmlformats.org/officeDocument/2006/relationships" xmlns:p="http://schemas.openxmlformats.org/presentationml/2006/main">
+  <p:cSld>
+    <p:spTree>
+      <p:nvGrpSpPr>
+        <p:cNvPr id="1" name=""/>
+        <p:cNvGrpSpPr/>
+        <p:nvPr/>
+      </p:nvGrpSpPr>
+      <p:grpSpPr>
+        <a:xfrm>
+          <a:off x="0" y="0"/>
+          <a:ext cx="0" cy="0"/>
+          <a:chOff x="0" y="0"/>
+          <a:chExt cx="0" cy="0"/>
+        </a:xfrm>
+      </p:grpSpPr>
+    </p:spTree>
+    <p:extLst>
+      <p:ext uri="{BB962C8B-B14F-4D97-AF65-F5344CB8AC3E}">
+        <p14:creationId xmlns:p14="http://schemas.microsoft.com/office/powerpoint/2010/main" val="1111478526"/>
       </p:ext>
     </p:extLst>
   </p:cSld>
@@ -7366,10 +11754,10 @@
       </p:grpSpPr>
       <p:sp>
         <p:nvSpPr>
-          <p:cNvPr id="2" name="文本框 1">
+          <p:cNvPr id="3" name="文本框 2">
             <a:extLst>
               <a:ext uri="{FF2B5EF4-FFF2-40B4-BE49-F238E27FC236}">
-                <a16:creationId xmlns:a16="http://schemas.microsoft.com/office/drawing/2014/main" id="{EE003F37-D0BF-A842-9EDD-590F8A1FE96B}"/>
+                <a16:creationId xmlns:a16="http://schemas.microsoft.com/office/drawing/2014/main" id="{77F7CC2F-F2DE-2645-BEF7-1EE34EF3B217}"/>
               </a:ext>
             </a:extLst>
           </p:cNvPr>
@@ -7378,8 +11766,8 @@
         </p:nvSpPr>
         <p:spPr>
           <a:xfrm>
-            <a:off x="953311" y="437745"/>
-            <a:ext cx="184731" cy="369332"/>
+            <a:off x="0" y="0"/>
+            <a:ext cx="1261884" cy="523220"/>
           </a:xfrm>
           <a:prstGeom prst="rect">
             <a:avLst/>
@@ -7392,7 +11780,150 @@
           </a:bodyPr>
           <a:lstStyle/>
           <a:p>
-            <a:endParaRPr kumimoji="1" lang="zh-CN" altLang="en-US" dirty="0"/>
+            <a:r>
+              <a:rPr kumimoji="1" lang="zh-CN" altLang="en-US" sz="2800" dirty="0">
+                <a:latin typeface="Optima" panose="02000503060000020004" pitchFamily="2" charset="0"/>
+                <a:ea typeface="KaiTi" panose="02010609060101010101" pitchFamily="49" charset="-122"/>
+              </a:rPr>
+              <a:t>字节序</a:t>
+            </a:r>
+          </a:p>
+        </p:txBody>
+      </p:sp>
+      <p:sp>
+        <p:nvSpPr>
+          <p:cNvPr id="4" name="文本框 3">
+            <a:extLst>
+              <a:ext uri="{FF2B5EF4-FFF2-40B4-BE49-F238E27FC236}">
+                <a16:creationId xmlns:a16="http://schemas.microsoft.com/office/drawing/2014/main" id="{BC0536FA-CFE9-BD4B-9A32-B4678306684D}"/>
+              </a:ext>
+            </a:extLst>
+          </p:cNvPr>
+          <p:cNvSpPr txBox="1"/>
+          <p:nvPr/>
+        </p:nvSpPr>
+        <p:spPr>
+          <a:xfrm>
+            <a:off x="1400783" y="894945"/>
+            <a:ext cx="2492990" cy="707886"/>
+          </a:xfrm>
+          <a:prstGeom prst="rect">
+            <a:avLst/>
+          </a:prstGeom>
+          <a:noFill/>
+        </p:spPr>
+        <p:txBody>
+          <a:bodyPr wrap="none" rtlCol="0">
+            <a:spAutoFit/>
+          </a:bodyPr>
+          <a:lstStyle/>
+          <a:p>
+            <a:r>
+              <a:rPr kumimoji="1" lang="zh-CN" altLang="en-US" sz="2000" dirty="0">
+                <a:latin typeface="Optima" panose="02000503060000020004" pitchFamily="2" charset="0"/>
+                <a:ea typeface="KaiTi" panose="02010609060101010101" pitchFamily="49" charset="-122"/>
+              </a:rPr>
+              <a:t>大端序：从左向右存</a:t>
+            </a:r>
+            <a:endParaRPr kumimoji="1" lang="en-US" altLang="zh-CN" sz="2000" dirty="0">
+              <a:latin typeface="Optima" panose="02000503060000020004" pitchFamily="2" charset="0"/>
+              <a:ea typeface="KaiTi" panose="02010609060101010101" pitchFamily="49" charset="-122"/>
+            </a:endParaRPr>
+          </a:p>
+          <a:p>
+            <a:r>
+              <a:rPr kumimoji="1" lang="zh-CN" altLang="en-US" sz="2000" dirty="0">
+                <a:latin typeface="Optima" panose="02000503060000020004" pitchFamily="2" charset="0"/>
+                <a:ea typeface="KaiTi" panose="02010609060101010101" pitchFamily="49" charset="-122"/>
+              </a:rPr>
+              <a:t>小端序：从右向左存</a:t>
+            </a:r>
+          </a:p>
+        </p:txBody>
+      </p:sp>
+      <p:sp>
+        <p:nvSpPr>
+          <p:cNvPr id="5" name="文本框 4">
+            <a:extLst>
+              <a:ext uri="{FF2B5EF4-FFF2-40B4-BE49-F238E27FC236}">
+                <a16:creationId xmlns:a16="http://schemas.microsoft.com/office/drawing/2014/main" id="{7088F589-1E0C-AF4E-95E0-8FF457BE3955}"/>
+              </a:ext>
+            </a:extLst>
+          </p:cNvPr>
+          <p:cNvSpPr txBox="1"/>
+          <p:nvPr/>
+        </p:nvSpPr>
+        <p:spPr>
+          <a:xfrm>
+            <a:off x="1400783" y="2344366"/>
+            <a:ext cx="3262432" cy="400110"/>
+          </a:xfrm>
+          <a:prstGeom prst="rect">
+            <a:avLst/>
+          </a:prstGeom>
+          <a:noFill/>
+        </p:spPr>
+        <p:txBody>
+          <a:bodyPr wrap="none" rtlCol="0">
+            <a:spAutoFit/>
+          </a:bodyPr>
+          <a:lstStyle/>
+          <a:p>
+            <a:r>
+              <a:rPr kumimoji="1" lang="zh-CN" altLang="en-US" sz="2000" dirty="0">
+                <a:latin typeface="Optima" panose="02000503060000020004" pitchFamily="2" charset="0"/>
+                <a:ea typeface="KaiTi" panose="02010609060101010101" pitchFamily="49" charset="-122"/>
+              </a:rPr>
+              <a:t>统一的网络字节序为</a:t>
+            </a:r>
+            <a:r>
+              <a:rPr kumimoji="1" lang="zh-CN" altLang="en-US" sz="2000" b="1" dirty="0">
+                <a:solidFill>
+                  <a:srgbClr val="C00000"/>
+                </a:solidFill>
+                <a:latin typeface="Optima" panose="02000503060000020004" pitchFamily="2" charset="0"/>
+                <a:ea typeface="KaiTi" panose="02010609060101010101" pitchFamily="49" charset="-122"/>
+              </a:rPr>
+              <a:t>大端序</a:t>
+            </a:r>
+          </a:p>
+        </p:txBody>
+      </p:sp>
+      <p:sp>
+        <p:nvSpPr>
+          <p:cNvPr id="6" name="文本框 5">
+            <a:extLst>
+              <a:ext uri="{FF2B5EF4-FFF2-40B4-BE49-F238E27FC236}">
+                <a16:creationId xmlns:a16="http://schemas.microsoft.com/office/drawing/2014/main" id="{71AD77BF-5A9A-754E-9B07-64EFB21B1C4C}"/>
+              </a:ext>
+            </a:extLst>
+          </p:cNvPr>
+          <p:cNvSpPr txBox="1"/>
+          <p:nvPr/>
+        </p:nvSpPr>
+        <p:spPr>
+          <a:xfrm>
+            <a:off x="1400783" y="1710313"/>
+            <a:ext cx="4801314" cy="400110"/>
+          </a:xfrm>
+          <a:prstGeom prst="rect">
+            <a:avLst/>
+          </a:prstGeom>
+          <a:noFill/>
+        </p:spPr>
+        <p:txBody>
+          <a:bodyPr wrap="none" rtlCol="0">
+            <a:spAutoFit/>
+          </a:bodyPr>
+          <a:lstStyle/>
+          <a:p>
+            <a:r>
+              <a:rPr kumimoji="1" lang="zh-CN" altLang="en-US" sz="2000" dirty="0">
+                <a:latin typeface="Optima" panose="02000503060000020004" pitchFamily="2" charset="0"/>
+                <a:ea typeface="KaiTi" panose="02010609060101010101" pitchFamily="49" charset="-122"/>
+              </a:rPr>
+              <a:t>数据传出是先传左边的字节，再传右边的</a:t>
+            </a:r>
           </a:p>
         </p:txBody>
       </p:sp>

--- a/TCP:IP 网络编程.pptx
+++ b/TCP:IP 网络编程.pptx
@@ -24,12 +24,28 @@
     <p:sldId id="278" r:id="rId18"/>
     <p:sldId id="281" r:id="rId19"/>
     <p:sldId id="282" r:id="rId20"/>
-    <p:sldId id="283" r:id="rId21"/>
-    <p:sldId id="279" r:id="rId22"/>
-    <p:sldId id="284" r:id="rId23"/>
-    <p:sldId id="285" r:id="rId24"/>
-    <p:sldId id="286" r:id="rId25"/>
-    <p:sldId id="272" r:id="rId26"/>
+    <p:sldId id="303" r:id="rId21"/>
+    <p:sldId id="288" r:id="rId22"/>
+    <p:sldId id="289" r:id="rId23"/>
+    <p:sldId id="287" r:id="rId24"/>
+    <p:sldId id="290" r:id="rId25"/>
+    <p:sldId id="291" r:id="rId26"/>
+    <p:sldId id="292" r:id="rId27"/>
+    <p:sldId id="293" r:id="rId28"/>
+    <p:sldId id="294" r:id="rId29"/>
+    <p:sldId id="295" r:id="rId30"/>
+    <p:sldId id="296" r:id="rId31"/>
+    <p:sldId id="297" r:id="rId32"/>
+    <p:sldId id="298" r:id="rId33"/>
+    <p:sldId id="299" r:id="rId34"/>
+    <p:sldId id="300" r:id="rId35"/>
+    <p:sldId id="301" r:id="rId36"/>
+    <p:sldId id="302" r:id="rId37"/>
+    <p:sldId id="279" r:id="rId38"/>
+    <p:sldId id="284" r:id="rId39"/>
+    <p:sldId id="285" r:id="rId40"/>
+    <p:sldId id="286" r:id="rId41"/>
+    <p:sldId id="272" r:id="rId42"/>
   </p:sldIdLst>
   <p:sldSz cx="12192000" cy="6858000"/>
   <p:notesSz cx="6858000" cy="9144000"/>
@@ -267,7 +283,7 @@
           <a:p>
             <a:fld id="{846CE7D5-CF57-46EF-B807-FDD0502418D4}" type="datetimeFigureOut">
               <a:rPr lang="en-US" smtClean="0"/>
-              <a:t>8/12/23</a:t>
+              <a:t>8/13/23</a:t>
             </a:fld>
             <a:endParaRPr lang="en-US"/>
           </a:p>
@@ -437,7 +453,7 @@
           <a:p>
             <a:fld id="{846CE7D5-CF57-46EF-B807-FDD0502418D4}" type="datetimeFigureOut">
               <a:rPr lang="en-US" smtClean="0"/>
-              <a:t>8/12/23</a:t>
+              <a:t>8/13/23</a:t>
             </a:fld>
             <a:endParaRPr lang="en-US"/>
           </a:p>
@@ -617,7 +633,7 @@
           <a:p>
             <a:fld id="{846CE7D5-CF57-46EF-B807-FDD0502418D4}" type="datetimeFigureOut">
               <a:rPr lang="en-US" smtClean="0"/>
-              <a:t>8/12/23</a:t>
+              <a:t>8/13/23</a:t>
             </a:fld>
             <a:endParaRPr lang="en-US"/>
           </a:p>
@@ -787,7 +803,7 @@
           <a:p>
             <a:fld id="{846CE7D5-CF57-46EF-B807-FDD0502418D4}" type="datetimeFigureOut">
               <a:rPr lang="en-US" smtClean="0"/>
-              <a:t>8/12/23</a:t>
+              <a:t>8/13/23</a:t>
             </a:fld>
             <a:endParaRPr lang="en-US"/>
           </a:p>
@@ -1033,7 +1049,7 @@
           <a:p>
             <a:fld id="{846CE7D5-CF57-46EF-B807-FDD0502418D4}" type="datetimeFigureOut">
               <a:rPr lang="en-US" smtClean="0"/>
-              <a:t>8/12/23</a:t>
+              <a:t>8/13/23</a:t>
             </a:fld>
             <a:endParaRPr lang="en-US"/>
           </a:p>
@@ -1265,7 +1281,7 @@
           <a:p>
             <a:fld id="{846CE7D5-CF57-46EF-B807-FDD0502418D4}" type="datetimeFigureOut">
               <a:rPr lang="en-US" smtClean="0"/>
-              <a:t>8/12/23</a:t>
+              <a:t>8/13/23</a:t>
             </a:fld>
             <a:endParaRPr lang="en-US"/>
           </a:p>
@@ -1632,7 +1648,7 @@
           <a:p>
             <a:fld id="{846CE7D5-CF57-46EF-B807-FDD0502418D4}" type="datetimeFigureOut">
               <a:rPr lang="en-US" smtClean="0"/>
-              <a:t>8/12/23</a:t>
+              <a:t>8/13/23</a:t>
             </a:fld>
             <a:endParaRPr lang="en-US"/>
           </a:p>
@@ -1750,7 +1766,7 @@
           <a:p>
             <a:fld id="{846CE7D5-CF57-46EF-B807-FDD0502418D4}" type="datetimeFigureOut">
               <a:rPr lang="en-US" smtClean="0"/>
-              <a:t>8/12/23</a:t>
+              <a:t>8/13/23</a:t>
             </a:fld>
             <a:endParaRPr lang="en-US"/>
           </a:p>
@@ -1845,7 +1861,7 @@
           <a:p>
             <a:fld id="{846CE7D5-CF57-46EF-B807-FDD0502418D4}" type="datetimeFigureOut">
               <a:rPr lang="en-US" smtClean="0"/>
-              <a:t>8/12/23</a:t>
+              <a:t>8/13/23</a:t>
             </a:fld>
             <a:endParaRPr lang="en-US"/>
           </a:p>
@@ -2122,7 +2138,7 @@
           <a:p>
             <a:fld id="{846CE7D5-CF57-46EF-B807-FDD0502418D4}" type="datetimeFigureOut">
               <a:rPr lang="en-US" smtClean="0"/>
-              <a:t>8/12/23</a:t>
+              <a:t>8/13/23</a:t>
             </a:fld>
             <a:endParaRPr lang="en-US"/>
           </a:p>
@@ -2379,7 +2395,7 @@
           <a:p>
             <a:fld id="{846CE7D5-CF57-46EF-B807-FDD0502418D4}" type="datetimeFigureOut">
               <a:rPr lang="en-US" smtClean="0"/>
-              <a:t>8/12/23</a:t>
+              <a:t>8/13/23</a:t>
             </a:fld>
             <a:endParaRPr lang="en-US"/>
           </a:p>
@@ -2592,7 +2608,7 @@
           <a:p>
             <a:fld id="{846CE7D5-CF57-46EF-B807-FDD0502418D4}" type="datetimeFigureOut">
               <a:rPr lang="en-US" smtClean="0"/>
-              <a:t>8/12/23</a:t>
+              <a:t>8/13/23</a:t>
             </a:fld>
             <a:endParaRPr lang="en-US"/>
           </a:p>
@@ -8076,6 +8092,1663 @@
           <a:chExt cx="0" cy="0"/>
         </a:xfrm>
       </p:grpSpPr>
+      <p:sp>
+        <p:nvSpPr>
+          <p:cNvPr id="2" name="文本框 1">
+            <a:extLst>
+              <a:ext uri="{FF2B5EF4-FFF2-40B4-BE49-F238E27FC236}">
+                <a16:creationId xmlns:a16="http://schemas.microsoft.com/office/drawing/2014/main" id="{19A932C2-E6DD-E049-B744-C27F4ABD9599}"/>
+              </a:ext>
+            </a:extLst>
+          </p:cNvPr>
+          <p:cNvSpPr txBox="1"/>
+          <p:nvPr/>
+        </p:nvSpPr>
+        <p:spPr>
+          <a:xfrm>
+            <a:off x="0" y="0"/>
+            <a:ext cx="5171609" cy="523220"/>
+          </a:xfrm>
+          <a:prstGeom prst="rect">
+            <a:avLst/>
+          </a:prstGeom>
+          <a:noFill/>
+        </p:spPr>
+        <p:txBody>
+          <a:bodyPr wrap="none" rtlCol="0">
+            <a:spAutoFit/>
+          </a:bodyPr>
+          <a:lstStyle/>
+          <a:p>
+            <a:r>
+              <a:rPr kumimoji="1" lang="en-US" altLang="zh-CN" sz="2800" dirty="0">
+                <a:latin typeface="Optima" panose="02000503060000020004" pitchFamily="2" charset="0"/>
+                <a:ea typeface="KaiTi" panose="02010609060101010101" pitchFamily="49" charset="-122"/>
+              </a:rPr>
+              <a:t>TCP </a:t>
+            </a:r>
+            <a:r>
+              <a:rPr kumimoji="1" lang="zh-CN" altLang="en-US" sz="2800" dirty="0">
+                <a:latin typeface="Optima" panose="02000503060000020004" pitchFamily="2" charset="0"/>
+                <a:ea typeface="KaiTi" panose="02010609060101010101" pitchFamily="49" charset="-122"/>
+              </a:rPr>
+              <a:t>服务器端 </a:t>
+            </a:r>
+            <a:r>
+              <a:rPr kumimoji="1" lang="en-US" altLang="zh-CN" sz="2800" dirty="0">
+                <a:latin typeface="Optima" panose="02000503060000020004" pitchFamily="2" charset="0"/>
+                <a:ea typeface="KaiTi" panose="02010609060101010101" pitchFamily="49" charset="-122"/>
+              </a:rPr>
+              <a:t>/</a:t>
+            </a:r>
+            <a:r>
+              <a:rPr kumimoji="1" lang="zh-CN" altLang="en-US" sz="2800" dirty="0">
+                <a:latin typeface="Optima" panose="02000503060000020004" pitchFamily="2" charset="0"/>
+                <a:ea typeface="KaiTi" panose="02010609060101010101" pitchFamily="49" charset="-122"/>
+              </a:rPr>
+              <a:t> 客户端调用顺序</a:t>
+            </a:r>
+          </a:p>
+        </p:txBody>
+      </p:sp>
+      <p:sp>
+        <p:nvSpPr>
+          <p:cNvPr id="3" name="矩形 2">
+            <a:extLst>
+              <a:ext uri="{FF2B5EF4-FFF2-40B4-BE49-F238E27FC236}">
+                <a16:creationId xmlns:a16="http://schemas.microsoft.com/office/drawing/2014/main" id="{4C225B95-1B2D-0547-A317-2ECAD96C60D1}"/>
+              </a:ext>
+            </a:extLst>
+          </p:cNvPr>
+          <p:cNvSpPr/>
+          <p:nvPr/>
+        </p:nvSpPr>
+        <p:spPr>
+          <a:xfrm>
+            <a:off x="1536970" y="992221"/>
+            <a:ext cx="1468877" cy="622570"/>
+          </a:xfrm>
+          <a:prstGeom prst="rect">
+            <a:avLst/>
+          </a:prstGeom>
+          <a:ln>
+            <a:noFill/>
+          </a:ln>
+        </p:spPr>
+        <p:style>
+          <a:lnRef idx="2">
+            <a:schemeClr val="accent1">
+              <a:shade val="50000"/>
+            </a:schemeClr>
+          </a:lnRef>
+          <a:fillRef idx="1">
+            <a:schemeClr val="accent1"/>
+          </a:fillRef>
+          <a:effectRef idx="0">
+            <a:schemeClr val="accent1"/>
+          </a:effectRef>
+          <a:fontRef idx="minor">
+            <a:schemeClr val="lt1"/>
+          </a:fontRef>
+        </p:style>
+        <p:txBody>
+          <a:bodyPr rtlCol="0" anchor="ctr"/>
+          <a:lstStyle/>
+          <a:p>
+            <a:pPr algn="ctr"/>
+            <a:r>
+              <a:rPr kumimoji="1" lang="en-US" altLang="zh-CN" sz="2000" b="1" dirty="0">
+                <a:latin typeface="Optima" panose="02000503060000020004" pitchFamily="2" charset="0"/>
+                <a:ea typeface="KaiTi" panose="02010609060101010101" pitchFamily="49" charset="-122"/>
+              </a:rPr>
+              <a:t>socket(</a:t>
+            </a:r>
+            <a:r>
+              <a:rPr kumimoji="1" lang="zh-CN" altLang="en-US" sz="2000" b="1" dirty="0">
+                <a:latin typeface="Optima" panose="02000503060000020004" pitchFamily="2" charset="0"/>
+                <a:ea typeface="KaiTi" panose="02010609060101010101" pitchFamily="49" charset="-122"/>
+              </a:rPr>
+              <a:t> </a:t>
+            </a:r>
+            <a:r>
+              <a:rPr kumimoji="1" lang="en-US" altLang="zh-CN" sz="2000" b="1" dirty="0">
+                <a:latin typeface="Optima" panose="02000503060000020004" pitchFamily="2" charset="0"/>
+                <a:ea typeface="KaiTi" panose="02010609060101010101" pitchFamily="49" charset="-122"/>
+              </a:rPr>
+              <a:t>)</a:t>
+            </a:r>
+            <a:endParaRPr kumimoji="1" lang="zh-CN" altLang="en-US" sz="2000" b="1" dirty="0">
+              <a:latin typeface="Optima" panose="02000503060000020004" pitchFamily="2" charset="0"/>
+              <a:ea typeface="KaiTi" panose="02010609060101010101" pitchFamily="49" charset="-122"/>
+            </a:endParaRPr>
+          </a:p>
+        </p:txBody>
+      </p:sp>
+      <p:sp>
+        <p:nvSpPr>
+          <p:cNvPr id="4" name="矩形 3">
+            <a:extLst>
+              <a:ext uri="{FF2B5EF4-FFF2-40B4-BE49-F238E27FC236}">
+                <a16:creationId xmlns:a16="http://schemas.microsoft.com/office/drawing/2014/main" id="{7E0EBD5F-A054-0D45-A384-36958EB314B9}"/>
+              </a:ext>
+            </a:extLst>
+          </p:cNvPr>
+          <p:cNvSpPr/>
+          <p:nvPr/>
+        </p:nvSpPr>
+        <p:spPr>
+          <a:xfrm>
+            <a:off x="1536970" y="1970122"/>
+            <a:ext cx="1468877" cy="622570"/>
+          </a:xfrm>
+          <a:prstGeom prst="rect">
+            <a:avLst/>
+          </a:prstGeom>
+          <a:ln>
+            <a:noFill/>
+          </a:ln>
+        </p:spPr>
+        <p:style>
+          <a:lnRef idx="2">
+            <a:schemeClr val="accent1">
+              <a:shade val="50000"/>
+            </a:schemeClr>
+          </a:lnRef>
+          <a:fillRef idx="1">
+            <a:schemeClr val="accent1"/>
+          </a:fillRef>
+          <a:effectRef idx="0">
+            <a:schemeClr val="accent1"/>
+          </a:effectRef>
+          <a:fontRef idx="minor">
+            <a:schemeClr val="lt1"/>
+          </a:fontRef>
+        </p:style>
+        <p:txBody>
+          <a:bodyPr rtlCol="0" anchor="ctr"/>
+          <a:lstStyle/>
+          <a:p>
+            <a:pPr algn="ctr"/>
+            <a:r>
+              <a:rPr kumimoji="1" lang="en-US" altLang="zh-CN" sz="2000" b="1" dirty="0">
+                <a:latin typeface="Optima" panose="02000503060000020004" pitchFamily="2" charset="0"/>
+                <a:ea typeface="KaiTi" panose="02010609060101010101" pitchFamily="49" charset="-122"/>
+              </a:rPr>
+              <a:t>bind(</a:t>
+            </a:r>
+            <a:r>
+              <a:rPr kumimoji="1" lang="zh-CN" altLang="en-US" sz="2000" b="1" dirty="0">
+                <a:latin typeface="Optima" panose="02000503060000020004" pitchFamily="2" charset="0"/>
+                <a:ea typeface="KaiTi" panose="02010609060101010101" pitchFamily="49" charset="-122"/>
+              </a:rPr>
+              <a:t> </a:t>
+            </a:r>
+            <a:r>
+              <a:rPr kumimoji="1" lang="en-US" altLang="zh-CN" sz="2000" b="1" dirty="0">
+                <a:latin typeface="Optima" panose="02000503060000020004" pitchFamily="2" charset="0"/>
+                <a:ea typeface="KaiTi" panose="02010609060101010101" pitchFamily="49" charset="-122"/>
+              </a:rPr>
+              <a:t>)</a:t>
+            </a:r>
+            <a:endParaRPr kumimoji="1" lang="zh-CN" altLang="en-US" sz="2000" b="1" dirty="0">
+              <a:latin typeface="Optima" panose="02000503060000020004" pitchFamily="2" charset="0"/>
+              <a:ea typeface="KaiTi" panose="02010609060101010101" pitchFamily="49" charset="-122"/>
+            </a:endParaRPr>
+          </a:p>
+        </p:txBody>
+      </p:sp>
+      <p:sp>
+        <p:nvSpPr>
+          <p:cNvPr id="5" name="矩形 4">
+            <a:extLst>
+              <a:ext uri="{FF2B5EF4-FFF2-40B4-BE49-F238E27FC236}">
+                <a16:creationId xmlns:a16="http://schemas.microsoft.com/office/drawing/2014/main" id="{7D690A58-CF9B-AB4E-ACD7-32F74EDA8186}"/>
+              </a:ext>
+            </a:extLst>
+          </p:cNvPr>
+          <p:cNvSpPr/>
+          <p:nvPr/>
+        </p:nvSpPr>
+        <p:spPr>
+          <a:xfrm>
+            <a:off x="1536970" y="2948023"/>
+            <a:ext cx="1468877" cy="622570"/>
+          </a:xfrm>
+          <a:prstGeom prst="rect">
+            <a:avLst/>
+          </a:prstGeom>
+          <a:ln>
+            <a:noFill/>
+          </a:ln>
+        </p:spPr>
+        <p:style>
+          <a:lnRef idx="2">
+            <a:schemeClr val="accent1">
+              <a:shade val="50000"/>
+            </a:schemeClr>
+          </a:lnRef>
+          <a:fillRef idx="1">
+            <a:schemeClr val="accent1"/>
+          </a:fillRef>
+          <a:effectRef idx="0">
+            <a:schemeClr val="accent1"/>
+          </a:effectRef>
+          <a:fontRef idx="minor">
+            <a:schemeClr val="lt1"/>
+          </a:fontRef>
+        </p:style>
+        <p:txBody>
+          <a:bodyPr rtlCol="0" anchor="ctr"/>
+          <a:lstStyle/>
+          <a:p>
+            <a:pPr algn="ctr"/>
+            <a:r>
+              <a:rPr kumimoji="1" lang="en-US" altLang="zh-CN" sz="2000" b="1" dirty="0">
+                <a:latin typeface="Optima" panose="02000503060000020004" pitchFamily="2" charset="0"/>
+                <a:ea typeface="KaiTi" panose="02010609060101010101" pitchFamily="49" charset="-122"/>
+              </a:rPr>
+              <a:t>listen(</a:t>
+            </a:r>
+            <a:r>
+              <a:rPr kumimoji="1" lang="zh-CN" altLang="en-US" sz="2000" b="1" dirty="0">
+                <a:latin typeface="Optima" panose="02000503060000020004" pitchFamily="2" charset="0"/>
+                <a:ea typeface="KaiTi" panose="02010609060101010101" pitchFamily="49" charset="-122"/>
+              </a:rPr>
+              <a:t> </a:t>
+            </a:r>
+            <a:r>
+              <a:rPr kumimoji="1" lang="en-US" altLang="zh-CN" sz="2000" b="1" dirty="0">
+                <a:latin typeface="Optima" panose="02000503060000020004" pitchFamily="2" charset="0"/>
+                <a:ea typeface="KaiTi" panose="02010609060101010101" pitchFamily="49" charset="-122"/>
+              </a:rPr>
+              <a:t>)</a:t>
+            </a:r>
+            <a:endParaRPr kumimoji="1" lang="zh-CN" altLang="en-US" sz="2000" b="1" dirty="0">
+              <a:latin typeface="Optima" panose="02000503060000020004" pitchFamily="2" charset="0"/>
+              <a:ea typeface="KaiTi" panose="02010609060101010101" pitchFamily="49" charset="-122"/>
+            </a:endParaRPr>
+          </a:p>
+        </p:txBody>
+      </p:sp>
+      <p:sp>
+        <p:nvSpPr>
+          <p:cNvPr id="6" name="矩形 5">
+            <a:extLst>
+              <a:ext uri="{FF2B5EF4-FFF2-40B4-BE49-F238E27FC236}">
+                <a16:creationId xmlns:a16="http://schemas.microsoft.com/office/drawing/2014/main" id="{02BA749B-D345-4B4B-9DC8-ADE3B8435174}"/>
+              </a:ext>
+            </a:extLst>
+          </p:cNvPr>
+          <p:cNvSpPr/>
+          <p:nvPr/>
+        </p:nvSpPr>
+        <p:spPr>
+          <a:xfrm>
+            <a:off x="1536970" y="3925924"/>
+            <a:ext cx="1468877" cy="622570"/>
+          </a:xfrm>
+          <a:prstGeom prst="rect">
+            <a:avLst/>
+          </a:prstGeom>
+          <a:ln>
+            <a:noFill/>
+          </a:ln>
+        </p:spPr>
+        <p:style>
+          <a:lnRef idx="2">
+            <a:schemeClr val="accent1">
+              <a:shade val="50000"/>
+            </a:schemeClr>
+          </a:lnRef>
+          <a:fillRef idx="1">
+            <a:schemeClr val="accent1"/>
+          </a:fillRef>
+          <a:effectRef idx="0">
+            <a:schemeClr val="accent1"/>
+          </a:effectRef>
+          <a:fontRef idx="minor">
+            <a:schemeClr val="lt1"/>
+          </a:fontRef>
+        </p:style>
+        <p:txBody>
+          <a:bodyPr rtlCol="0" anchor="ctr"/>
+          <a:lstStyle/>
+          <a:p>
+            <a:pPr algn="ctr"/>
+            <a:r>
+              <a:rPr kumimoji="1" lang="en-US" altLang="zh-CN" sz="2000" b="1" dirty="0">
+                <a:latin typeface="Optima" panose="02000503060000020004" pitchFamily="2" charset="0"/>
+                <a:ea typeface="KaiTi" panose="02010609060101010101" pitchFamily="49" charset="-122"/>
+              </a:rPr>
+              <a:t>accept(</a:t>
+            </a:r>
+            <a:r>
+              <a:rPr kumimoji="1" lang="zh-CN" altLang="en-US" sz="2000" b="1" dirty="0">
+                <a:latin typeface="Optima" panose="02000503060000020004" pitchFamily="2" charset="0"/>
+                <a:ea typeface="KaiTi" panose="02010609060101010101" pitchFamily="49" charset="-122"/>
+              </a:rPr>
+              <a:t> </a:t>
+            </a:r>
+            <a:r>
+              <a:rPr kumimoji="1" lang="en-US" altLang="zh-CN" sz="2000" b="1" dirty="0">
+                <a:latin typeface="Optima" panose="02000503060000020004" pitchFamily="2" charset="0"/>
+                <a:ea typeface="KaiTi" panose="02010609060101010101" pitchFamily="49" charset="-122"/>
+              </a:rPr>
+              <a:t>)</a:t>
+            </a:r>
+            <a:endParaRPr kumimoji="1" lang="zh-CN" altLang="en-US" sz="2000" b="1" dirty="0">
+              <a:latin typeface="Optima" panose="02000503060000020004" pitchFamily="2" charset="0"/>
+              <a:ea typeface="KaiTi" panose="02010609060101010101" pitchFamily="49" charset="-122"/>
+            </a:endParaRPr>
+          </a:p>
+        </p:txBody>
+      </p:sp>
+      <p:sp>
+        <p:nvSpPr>
+          <p:cNvPr id="7" name="矩形 6">
+            <a:extLst>
+              <a:ext uri="{FF2B5EF4-FFF2-40B4-BE49-F238E27FC236}">
+                <a16:creationId xmlns:a16="http://schemas.microsoft.com/office/drawing/2014/main" id="{761FC5E9-F485-7547-B3D2-38C3F05BD6AE}"/>
+              </a:ext>
+            </a:extLst>
+          </p:cNvPr>
+          <p:cNvSpPr/>
+          <p:nvPr/>
+        </p:nvSpPr>
+        <p:spPr>
+          <a:xfrm>
+            <a:off x="1332688" y="4903825"/>
+            <a:ext cx="1877440" cy="622570"/>
+          </a:xfrm>
+          <a:prstGeom prst="rect">
+            <a:avLst/>
+          </a:prstGeom>
+          <a:ln>
+            <a:noFill/>
+          </a:ln>
+        </p:spPr>
+        <p:style>
+          <a:lnRef idx="2">
+            <a:schemeClr val="accent1">
+              <a:shade val="50000"/>
+            </a:schemeClr>
+          </a:lnRef>
+          <a:fillRef idx="1">
+            <a:schemeClr val="accent1"/>
+          </a:fillRef>
+          <a:effectRef idx="0">
+            <a:schemeClr val="accent1"/>
+          </a:effectRef>
+          <a:fontRef idx="minor">
+            <a:schemeClr val="lt1"/>
+          </a:fontRef>
+        </p:style>
+        <p:txBody>
+          <a:bodyPr rtlCol="0" anchor="ctr"/>
+          <a:lstStyle/>
+          <a:p>
+            <a:pPr algn="ctr"/>
+            <a:r>
+              <a:rPr kumimoji="1" lang="en-US" altLang="zh-CN" sz="2000" b="1" dirty="0">
+                <a:latin typeface="Optima" panose="02000503060000020004" pitchFamily="2" charset="0"/>
+                <a:ea typeface="KaiTi" panose="02010609060101010101" pitchFamily="49" charset="-122"/>
+              </a:rPr>
+              <a:t>read(</a:t>
+            </a:r>
+            <a:r>
+              <a:rPr kumimoji="1" lang="zh-CN" altLang="en-US" sz="2000" b="1" dirty="0">
+                <a:latin typeface="Optima" panose="02000503060000020004" pitchFamily="2" charset="0"/>
+                <a:ea typeface="KaiTi" panose="02010609060101010101" pitchFamily="49" charset="-122"/>
+              </a:rPr>
+              <a:t> </a:t>
+            </a:r>
+            <a:r>
+              <a:rPr kumimoji="1" lang="en-US" altLang="zh-CN" sz="2000" b="1" dirty="0">
+                <a:latin typeface="Optima" panose="02000503060000020004" pitchFamily="2" charset="0"/>
+                <a:ea typeface="KaiTi" panose="02010609060101010101" pitchFamily="49" charset="-122"/>
+              </a:rPr>
+              <a:t>)</a:t>
+            </a:r>
+          </a:p>
+          <a:p>
+            <a:pPr algn="ctr"/>
+            <a:r>
+              <a:rPr kumimoji="1" lang="en-US" altLang="zh-CN" sz="2000" b="1" dirty="0">
+                <a:latin typeface="Optima" panose="02000503060000020004" pitchFamily="2" charset="0"/>
+                <a:ea typeface="KaiTi" panose="02010609060101010101" pitchFamily="49" charset="-122"/>
+              </a:rPr>
+              <a:t>write(</a:t>
+            </a:r>
+            <a:r>
+              <a:rPr kumimoji="1" lang="zh-CN" altLang="en-US" sz="2000" b="1" dirty="0">
+                <a:latin typeface="Optima" panose="02000503060000020004" pitchFamily="2" charset="0"/>
+                <a:ea typeface="KaiTi" panose="02010609060101010101" pitchFamily="49" charset="-122"/>
+              </a:rPr>
+              <a:t> </a:t>
+            </a:r>
+            <a:r>
+              <a:rPr kumimoji="1" lang="en-US" altLang="zh-CN" sz="2000" b="1" dirty="0">
+                <a:latin typeface="Optima" panose="02000503060000020004" pitchFamily="2" charset="0"/>
+                <a:ea typeface="KaiTi" panose="02010609060101010101" pitchFamily="49" charset="-122"/>
+              </a:rPr>
+              <a:t>)</a:t>
+            </a:r>
+            <a:endParaRPr kumimoji="1" lang="zh-CN" altLang="en-US" sz="2000" b="1" dirty="0">
+              <a:latin typeface="Optima" panose="02000503060000020004" pitchFamily="2" charset="0"/>
+              <a:ea typeface="KaiTi" panose="02010609060101010101" pitchFamily="49" charset="-122"/>
+            </a:endParaRPr>
+          </a:p>
+        </p:txBody>
+      </p:sp>
+      <p:sp>
+        <p:nvSpPr>
+          <p:cNvPr id="8" name="矩形 7">
+            <a:extLst>
+              <a:ext uri="{FF2B5EF4-FFF2-40B4-BE49-F238E27FC236}">
+                <a16:creationId xmlns:a16="http://schemas.microsoft.com/office/drawing/2014/main" id="{1563368F-FB6A-D84C-A210-C3B08A1328EE}"/>
+              </a:ext>
+            </a:extLst>
+          </p:cNvPr>
+          <p:cNvSpPr/>
+          <p:nvPr/>
+        </p:nvSpPr>
+        <p:spPr>
+          <a:xfrm>
+            <a:off x="1536970" y="5881728"/>
+            <a:ext cx="1468877" cy="622570"/>
+          </a:xfrm>
+          <a:prstGeom prst="rect">
+            <a:avLst/>
+          </a:prstGeom>
+          <a:ln>
+            <a:noFill/>
+          </a:ln>
+        </p:spPr>
+        <p:style>
+          <a:lnRef idx="2">
+            <a:schemeClr val="accent1">
+              <a:shade val="50000"/>
+            </a:schemeClr>
+          </a:lnRef>
+          <a:fillRef idx="1">
+            <a:schemeClr val="accent1"/>
+          </a:fillRef>
+          <a:effectRef idx="0">
+            <a:schemeClr val="accent1"/>
+          </a:effectRef>
+          <a:fontRef idx="minor">
+            <a:schemeClr val="lt1"/>
+          </a:fontRef>
+        </p:style>
+        <p:txBody>
+          <a:bodyPr rtlCol="0" anchor="ctr"/>
+          <a:lstStyle/>
+          <a:p>
+            <a:pPr algn="ctr"/>
+            <a:r>
+              <a:rPr kumimoji="1" lang="en-US" altLang="zh-CN" sz="2000" b="1" dirty="0">
+                <a:latin typeface="Optima" panose="02000503060000020004" pitchFamily="2" charset="0"/>
+                <a:ea typeface="KaiTi" panose="02010609060101010101" pitchFamily="49" charset="-122"/>
+              </a:rPr>
+              <a:t>close(</a:t>
+            </a:r>
+            <a:r>
+              <a:rPr kumimoji="1" lang="zh-CN" altLang="en-US" sz="2000" b="1" dirty="0">
+                <a:latin typeface="Optima" panose="02000503060000020004" pitchFamily="2" charset="0"/>
+                <a:ea typeface="KaiTi" panose="02010609060101010101" pitchFamily="49" charset="-122"/>
+              </a:rPr>
+              <a:t> </a:t>
+            </a:r>
+            <a:r>
+              <a:rPr kumimoji="1" lang="en-US" altLang="zh-CN" sz="2000" b="1" dirty="0">
+                <a:latin typeface="Optima" panose="02000503060000020004" pitchFamily="2" charset="0"/>
+                <a:ea typeface="KaiTi" panose="02010609060101010101" pitchFamily="49" charset="-122"/>
+              </a:rPr>
+              <a:t>)</a:t>
+            </a:r>
+            <a:endParaRPr kumimoji="1" lang="zh-CN" altLang="en-US" sz="2000" b="1" dirty="0">
+              <a:latin typeface="Optima" panose="02000503060000020004" pitchFamily="2" charset="0"/>
+              <a:ea typeface="KaiTi" panose="02010609060101010101" pitchFamily="49" charset="-122"/>
+            </a:endParaRPr>
+          </a:p>
+        </p:txBody>
+      </p:sp>
+      <p:sp>
+        <p:nvSpPr>
+          <p:cNvPr id="9" name="下箭头 8">
+            <a:extLst>
+              <a:ext uri="{FF2B5EF4-FFF2-40B4-BE49-F238E27FC236}">
+                <a16:creationId xmlns:a16="http://schemas.microsoft.com/office/drawing/2014/main" id="{1B3416E3-89DA-9D45-B7CE-D59DB8FE089E}"/>
+              </a:ext>
+            </a:extLst>
+          </p:cNvPr>
+          <p:cNvSpPr/>
+          <p:nvPr/>
+        </p:nvSpPr>
+        <p:spPr>
+          <a:xfrm>
+            <a:off x="2159540" y="1614789"/>
+            <a:ext cx="252920" cy="355333"/>
+          </a:xfrm>
+          <a:prstGeom prst="downArrow">
+            <a:avLst/>
+          </a:prstGeom>
+          <a:solidFill>
+            <a:schemeClr val="accent2"/>
+          </a:solidFill>
+          <a:ln>
+            <a:noFill/>
+          </a:ln>
+        </p:spPr>
+        <p:style>
+          <a:lnRef idx="2">
+            <a:schemeClr val="accent1">
+              <a:shade val="50000"/>
+            </a:schemeClr>
+          </a:lnRef>
+          <a:fillRef idx="1">
+            <a:schemeClr val="accent1"/>
+          </a:fillRef>
+          <a:effectRef idx="0">
+            <a:schemeClr val="accent1"/>
+          </a:effectRef>
+          <a:fontRef idx="minor">
+            <a:schemeClr val="lt1"/>
+          </a:fontRef>
+        </p:style>
+        <p:txBody>
+          <a:bodyPr rtlCol="0" anchor="ctr"/>
+          <a:lstStyle/>
+          <a:p>
+            <a:pPr algn="ctr"/>
+            <a:endParaRPr kumimoji="1" lang="zh-CN" altLang="en-US" sz="2000" b="1">
+              <a:latin typeface="Optima" panose="02000503060000020004" pitchFamily="2" charset="0"/>
+              <a:ea typeface="KaiTi" panose="02010609060101010101" pitchFamily="49" charset="-122"/>
+            </a:endParaRPr>
+          </a:p>
+        </p:txBody>
+      </p:sp>
+      <p:sp>
+        <p:nvSpPr>
+          <p:cNvPr id="10" name="下箭头 9">
+            <a:extLst>
+              <a:ext uri="{FF2B5EF4-FFF2-40B4-BE49-F238E27FC236}">
+                <a16:creationId xmlns:a16="http://schemas.microsoft.com/office/drawing/2014/main" id="{FAB3FF8E-B40E-9A45-A313-8C1F1CDA5293}"/>
+              </a:ext>
+            </a:extLst>
+          </p:cNvPr>
+          <p:cNvSpPr/>
+          <p:nvPr/>
+        </p:nvSpPr>
+        <p:spPr>
+          <a:xfrm>
+            <a:off x="2140085" y="2592690"/>
+            <a:ext cx="252920" cy="355333"/>
+          </a:xfrm>
+          <a:prstGeom prst="downArrow">
+            <a:avLst/>
+          </a:prstGeom>
+          <a:solidFill>
+            <a:schemeClr val="accent2"/>
+          </a:solidFill>
+          <a:ln>
+            <a:noFill/>
+          </a:ln>
+        </p:spPr>
+        <p:style>
+          <a:lnRef idx="2">
+            <a:schemeClr val="accent1">
+              <a:shade val="50000"/>
+            </a:schemeClr>
+          </a:lnRef>
+          <a:fillRef idx="1">
+            <a:schemeClr val="accent1"/>
+          </a:fillRef>
+          <a:effectRef idx="0">
+            <a:schemeClr val="accent1"/>
+          </a:effectRef>
+          <a:fontRef idx="minor">
+            <a:schemeClr val="lt1"/>
+          </a:fontRef>
+        </p:style>
+        <p:txBody>
+          <a:bodyPr rtlCol="0" anchor="ctr"/>
+          <a:lstStyle/>
+          <a:p>
+            <a:pPr algn="ctr"/>
+            <a:endParaRPr kumimoji="1" lang="zh-CN" altLang="en-US" sz="2000" b="1">
+              <a:latin typeface="Optima" panose="02000503060000020004" pitchFamily="2" charset="0"/>
+              <a:ea typeface="KaiTi" panose="02010609060101010101" pitchFamily="49" charset="-122"/>
+            </a:endParaRPr>
+          </a:p>
+        </p:txBody>
+      </p:sp>
+      <p:sp>
+        <p:nvSpPr>
+          <p:cNvPr id="11" name="下箭头 10">
+            <a:extLst>
+              <a:ext uri="{FF2B5EF4-FFF2-40B4-BE49-F238E27FC236}">
+                <a16:creationId xmlns:a16="http://schemas.microsoft.com/office/drawing/2014/main" id="{362A0970-602E-ED42-8327-036F1BF243D0}"/>
+              </a:ext>
+            </a:extLst>
+          </p:cNvPr>
+          <p:cNvSpPr/>
+          <p:nvPr/>
+        </p:nvSpPr>
+        <p:spPr>
+          <a:xfrm>
+            <a:off x="2128735" y="5526393"/>
+            <a:ext cx="252920" cy="355333"/>
+          </a:xfrm>
+          <a:prstGeom prst="downArrow">
+            <a:avLst/>
+          </a:prstGeom>
+          <a:solidFill>
+            <a:schemeClr val="accent2"/>
+          </a:solidFill>
+          <a:ln>
+            <a:noFill/>
+          </a:ln>
+        </p:spPr>
+        <p:style>
+          <a:lnRef idx="2">
+            <a:schemeClr val="accent1">
+              <a:shade val="50000"/>
+            </a:schemeClr>
+          </a:lnRef>
+          <a:fillRef idx="1">
+            <a:schemeClr val="accent1"/>
+          </a:fillRef>
+          <a:effectRef idx="0">
+            <a:schemeClr val="accent1"/>
+          </a:effectRef>
+          <a:fontRef idx="minor">
+            <a:schemeClr val="lt1"/>
+          </a:fontRef>
+        </p:style>
+        <p:txBody>
+          <a:bodyPr rtlCol="0" anchor="ctr"/>
+          <a:lstStyle/>
+          <a:p>
+            <a:pPr algn="ctr"/>
+            <a:endParaRPr kumimoji="1" lang="zh-CN" altLang="en-US" sz="2000" b="1">
+              <a:latin typeface="Optima" panose="02000503060000020004" pitchFamily="2" charset="0"/>
+              <a:ea typeface="KaiTi" panose="02010609060101010101" pitchFamily="49" charset="-122"/>
+            </a:endParaRPr>
+          </a:p>
+        </p:txBody>
+      </p:sp>
+      <p:sp>
+        <p:nvSpPr>
+          <p:cNvPr id="12" name="下箭头 11">
+            <a:extLst>
+              <a:ext uri="{FF2B5EF4-FFF2-40B4-BE49-F238E27FC236}">
+                <a16:creationId xmlns:a16="http://schemas.microsoft.com/office/drawing/2014/main" id="{E79478FB-D200-5746-B0B4-6921090FEEE4}"/>
+              </a:ext>
+            </a:extLst>
+          </p:cNvPr>
+          <p:cNvSpPr/>
+          <p:nvPr/>
+        </p:nvSpPr>
+        <p:spPr>
+          <a:xfrm>
+            <a:off x="2131978" y="4548492"/>
+            <a:ext cx="252920" cy="355333"/>
+          </a:xfrm>
+          <a:prstGeom prst="downArrow">
+            <a:avLst/>
+          </a:prstGeom>
+          <a:solidFill>
+            <a:schemeClr val="accent2"/>
+          </a:solidFill>
+          <a:ln>
+            <a:noFill/>
+          </a:ln>
+        </p:spPr>
+        <p:style>
+          <a:lnRef idx="2">
+            <a:schemeClr val="accent1">
+              <a:shade val="50000"/>
+            </a:schemeClr>
+          </a:lnRef>
+          <a:fillRef idx="1">
+            <a:schemeClr val="accent1"/>
+          </a:fillRef>
+          <a:effectRef idx="0">
+            <a:schemeClr val="accent1"/>
+          </a:effectRef>
+          <a:fontRef idx="minor">
+            <a:schemeClr val="lt1"/>
+          </a:fontRef>
+        </p:style>
+        <p:txBody>
+          <a:bodyPr rtlCol="0" anchor="ctr"/>
+          <a:lstStyle/>
+          <a:p>
+            <a:pPr algn="ctr"/>
+            <a:endParaRPr kumimoji="1" lang="zh-CN" altLang="en-US" sz="2000" b="1">
+              <a:latin typeface="Optima" panose="02000503060000020004" pitchFamily="2" charset="0"/>
+              <a:ea typeface="KaiTi" panose="02010609060101010101" pitchFamily="49" charset="-122"/>
+            </a:endParaRPr>
+          </a:p>
+        </p:txBody>
+      </p:sp>
+      <p:sp>
+        <p:nvSpPr>
+          <p:cNvPr id="13" name="下箭头 12">
+            <a:extLst>
+              <a:ext uri="{FF2B5EF4-FFF2-40B4-BE49-F238E27FC236}">
+                <a16:creationId xmlns:a16="http://schemas.microsoft.com/office/drawing/2014/main" id="{C1EC7F37-A42E-7045-8848-DD39D5D47517}"/>
+              </a:ext>
+            </a:extLst>
+          </p:cNvPr>
+          <p:cNvSpPr/>
+          <p:nvPr/>
+        </p:nvSpPr>
+        <p:spPr>
+          <a:xfrm>
+            <a:off x="2131978" y="3569915"/>
+            <a:ext cx="252920" cy="355333"/>
+          </a:xfrm>
+          <a:prstGeom prst="downArrow">
+            <a:avLst/>
+          </a:prstGeom>
+          <a:solidFill>
+            <a:schemeClr val="accent2"/>
+          </a:solidFill>
+          <a:ln>
+            <a:noFill/>
+          </a:ln>
+        </p:spPr>
+        <p:style>
+          <a:lnRef idx="2">
+            <a:schemeClr val="accent1">
+              <a:shade val="50000"/>
+            </a:schemeClr>
+          </a:lnRef>
+          <a:fillRef idx="1">
+            <a:schemeClr val="accent1"/>
+          </a:fillRef>
+          <a:effectRef idx="0">
+            <a:schemeClr val="accent1"/>
+          </a:effectRef>
+          <a:fontRef idx="minor">
+            <a:schemeClr val="lt1"/>
+          </a:fontRef>
+        </p:style>
+        <p:txBody>
+          <a:bodyPr rtlCol="0" anchor="ctr"/>
+          <a:lstStyle/>
+          <a:p>
+            <a:pPr algn="ctr"/>
+            <a:endParaRPr kumimoji="1" lang="zh-CN" altLang="en-US" sz="2000" b="1">
+              <a:latin typeface="Optima" panose="02000503060000020004" pitchFamily="2" charset="0"/>
+              <a:ea typeface="KaiTi" panose="02010609060101010101" pitchFamily="49" charset="-122"/>
+            </a:endParaRPr>
+          </a:p>
+        </p:txBody>
+      </p:sp>
+      <p:sp>
+        <p:nvSpPr>
+          <p:cNvPr id="14" name="文本框 13">
+            <a:extLst>
+              <a:ext uri="{FF2B5EF4-FFF2-40B4-BE49-F238E27FC236}">
+                <a16:creationId xmlns:a16="http://schemas.microsoft.com/office/drawing/2014/main" id="{C4242903-96F3-5642-9AF1-5E0C42622E98}"/>
+              </a:ext>
+            </a:extLst>
+          </p:cNvPr>
+          <p:cNvSpPr txBox="1"/>
+          <p:nvPr/>
+        </p:nvSpPr>
+        <p:spPr>
+          <a:xfrm>
+            <a:off x="3451166" y="1128408"/>
+            <a:ext cx="1467068" cy="400110"/>
+          </a:xfrm>
+          <a:prstGeom prst="rect">
+            <a:avLst/>
+          </a:prstGeom>
+          <a:noFill/>
+        </p:spPr>
+        <p:txBody>
+          <a:bodyPr wrap="none" rtlCol="0">
+            <a:spAutoFit/>
+          </a:bodyPr>
+          <a:lstStyle/>
+          <a:p>
+            <a:r>
+              <a:rPr kumimoji="1" lang="zh-CN" altLang="en-US" sz="2000" dirty="0">
+                <a:latin typeface="Optima" panose="02000503060000020004" pitchFamily="2" charset="0"/>
+                <a:ea typeface="KaiTi" panose="02010609060101010101" pitchFamily="49" charset="-122"/>
+              </a:rPr>
+              <a:t>创建套接字</a:t>
+            </a:r>
+          </a:p>
+        </p:txBody>
+      </p:sp>
+      <p:sp>
+        <p:nvSpPr>
+          <p:cNvPr id="15" name="文本框 14">
+            <a:extLst>
+              <a:ext uri="{FF2B5EF4-FFF2-40B4-BE49-F238E27FC236}">
+                <a16:creationId xmlns:a16="http://schemas.microsoft.com/office/drawing/2014/main" id="{75D86212-B228-E44D-BCEA-FE047E8D2F23}"/>
+              </a:ext>
+            </a:extLst>
+          </p:cNvPr>
+          <p:cNvSpPr txBox="1"/>
+          <p:nvPr/>
+        </p:nvSpPr>
+        <p:spPr>
+          <a:xfrm>
+            <a:off x="3451166" y="2078178"/>
+            <a:ext cx="1980029" cy="400110"/>
+          </a:xfrm>
+          <a:prstGeom prst="rect">
+            <a:avLst/>
+          </a:prstGeom>
+          <a:noFill/>
+        </p:spPr>
+        <p:txBody>
+          <a:bodyPr wrap="none" rtlCol="0">
+            <a:spAutoFit/>
+          </a:bodyPr>
+          <a:lstStyle/>
+          <a:p>
+            <a:r>
+              <a:rPr kumimoji="1" lang="zh-CN" altLang="en-US" sz="2000" dirty="0">
+                <a:latin typeface="Optima" panose="02000503060000020004" pitchFamily="2" charset="0"/>
+                <a:ea typeface="KaiTi" panose="02010609060101010101" pitchFamily="49" charset="-122"/>
+              </a:rPr>
+              <a:t>分配套接字地址</a:t>
+            </a:r>
+          </a:p>
+        </p:txBody>
+      </p:sp>
+      <p:sp>
+        <p:nvSpPr>
+          <p:cNvPr id="16" name="文本框 15">
+            <a:extLst>
+              <a:ext uri="{FF2B5EF4-FFF2-40B4-BE49-F238E27FC236}">
+                <a16:creationId xmlns:a16="http://schemas.microsoft.com/office/drawing/2014/main" id="{5CF391A4-3FCC-794A-8855-DD52C804BD04}"/>
+              </a:ext>
+            </a:extLst>
+          </p:cNvPr>
+          <p:cNvSpPr txBox="1"/>
+          <p:nvPr/>
+        </p:nvSpPr>
+        <p:spPr>
+          <a:xfrm>
+            <a:off x="3451166" y="3027948"/>
+            <a:ext cx="2236510" cy="400110"/>
+          </a:xfrm>
+          <a:prstGeom prst="rect">
+            <a:avLst/>
+          </a:prstGeom>
+          <a:noFill/>
+        </p:spPr>
+        <p:txBody>
+          <a:bodyPr wrap="none" rtlCol="0">
+            <a:spAutoFit/>
+          </a:bodyPr>
+          <a:lstStyle/>
+          <a:p>
+            <a:r>
+              <a:rPr kumimoji="1" lang="zh-CN" altLang="en-US" sz="2000" dirty="0">
+                <a:latin typeface="Optima" panose="02000503060000020004" pitchFamily="2" charset="0"/>
+                <a:ea typeface="KaiTi" panose="02010609060101010101" pitchFamily="49" charset="-122"/>
+              </a:rPr>
+              <a:t>等待连接请求状态</a:t>
+            </a:r>
+          </a:p>
+        </p:txBody>
+      </p:sp>
+      <p:sp>
+        <p:nvSpPr>
+          <p:cNvPr id="17" name="文本框 16">
+            <a:extLst>
+              <a:ext uri="{FF2B5EF4-FFF2-40B4-BE49-F238E27FC236}">
+                <a16:creationId xmlns:a16="http://schemas.microsoft.com/office/drawing/2014/main" id="{52FF5EA1-9A0C-E245-89D6-0F26FBB99F03}"/>
+              </a:ext>
+            </a:extLst>
+          </p:cNvPr>
+          <p:cNvSpPr txBox="1"/>
+          <p:nvPr/>
+        </p:nvSpPr>
+        <p:spPr>
+          <a:xfrm>
+            <a:off x="3451166" y="3977718"/>
+            <a:ext cx="1210588" cy="400110"/>
+          </a:xfrm>
+          <a:prstGeom prst="rect">
+            <a:avLst/>
+          </a:prstGeom>
+          <a:noFill/>
+        </p:spPr>
+        <p:txBody>
+          <a:bodyPr wrap="none" rtlCol="0">
+            <a:spAutoFit/>
+          </a:bodyPr>
+          <a:lstStyle/>
+          <a:p>
+            <a:r>
+              <a:rPr kumimoji="1" lang="zh-CN" altLang="en-US" sz="2000" dirty="0">
+                <a:latin typeface="Optima" panose="02000503060000020004" pitchFamily="2" charset="0"/>
+                <a:ea typeface="KaiTi" panose="02010609060101010101" pitchFamily="49" charset="-122"/>
+              </a:rPr>
+              <a:t>允许连接</a:t>
+            </a:r>
+          </a:p>
+        </p:txBody>
+      </p:sp>
+      <p:sp>
+        <p:nvSpPr>
+          <p:cNvPr id="18" name="文本框 17">
+            <a:extLst>
+              <a:ext uri="{FF2B5EF4-FFF2-40B4-BE49-F238E27FC236}">
+                <a16:creationId xmlns:a16="http://schemas.microsoft.com/office/drawing/2014/main" id="{4FA75209-6FC2-DC4D-9FFE-8E634043CF64}"/>
+              </a:ext>
+            </a:extLst>
+          </p:cNvPr>
+          <p:cNvSpPr txBox="1"/>
+          <p:nvPr/>
+        </p:nvSpPr>
+        <p:spPr>
+          <a:xfrm>
+            <a:off x="3451166" y="4927488"/>
+            <a:ext cx="1210588" cy="400110"/>
+          </a:xfrm>
+          <a:prstGeom prst="rect">
+            <a:avLst/>
+          </a:prstGeom>
+          <a:noFill/>
+        </p:spPr>
+        <p:txBody>
+          <a:bodyPr wrap="none" rtlCol="0">
+            <a:spAutoFit/>
+          </a:bodyPr>
+          <a:lstStyle/>
+          <a:p>
+            <a:r>
+              <a:rPr kumimoji="1" lang="zh-CN" altLang="en-US" sz="2000" dirty="0">
+                <a:latin typeface="Optima" panose="02000503060000020004" pitchFamily="2" charset="0"/>
+                <a:ea typeface="KaiTi" panose="02010609060101010101" pitchFamily="49" charset="-122"/>
+              </a:rPr>
+              <a:t>数据交换</a:t>
+            </a:r>
+          </a:p>
+        </p:txBody>
+      </p:sp>
+      <p:sp>
+        <p:nvSpPr>
+          <p:cNvPr id="19" name="文本框 18">
+            <a:extLst>
+              <a:ext uri="{FF2B5EF4-FFF2-40B4-BE49-F238E27FC236}">
+                <a16:creationId xmlns:a16="http://schemas.microsoft.com/office/drawing/2014/main" id="{C2C04B7F-B8C9-9B44-84E9-25E23D81059B}"/>
+              </a:ext>
+            </a:extLst>
+          </p:cNvPr>
+          <p:cNvSpPr txBox="1"/>
+          <p:nvPr/>
+        </p:nvSpPr>
+        <p:spPr>
+          <a:xfrm>
+            <a:off x="3451166" y="5877260"/>
+            <a:ext cx="1210588" cy="400110"/>
+          </a:xfrm>
+          <a:prstGeom prst="rect">
+            <a:avLst/>
+          </a:prstGeom>
+          <a:noFill/>
+        </p:spPr>
+        <p:txBody>
+          <a:bodyPr wrap="none" rtlCol="0">
+            <a:spAutoFit/>
+          </a:bodyPr>
+          <a:lstStyle/>
+          <a:p>
+            <a:r>
+              <a:rPr kumimoji="1" lang="zh-CN" altLang="en-US" sz="2000" dirty="0">
+                <a:latin typeface="Optima" panose="02000503060000020004" pitchFamily="2" charset="0"/>
+                <a:ea typeface="KaiTi" panose="02010609060101010101" pitchFamily="49" charset="-122"/>
+              </a:rPr>
+              <a:t>断开连接</a:t>
+            </a:r>
+          </a:p>
+        </p:txBody>
+      </p:sp>
+      <p:sp>
+        <p:nvSpPr>
+          <p:cNvPr id="20" name="矩形 19">
+            <a:extLst>
+              <a:ext uri="{FF2B5EF4-FFF2-40B4-BE49-F238E27FC236}">
+                <a16:creationId xmlns:a16="http://schemas.microsoft.com/office/drawing/2014/main" id="{79E4E6F2-3AD8-394C-BEFA-19CCAE58BE88}"/>
+              </a:ext>
+            </a:extLst>
+          </p:cNvPr>
+          <p:cNvSpPr/>
+          <p:nvPr/>
+        </p:nvSpPr>
+        <p:spPr>
+          <a:xfrm>
+            <a:off x="7512997" y="992221"/>
+            <a:ext cx="1468877" cy="622570"/>
+          </a:xfrm>
+          <a:prstGeom prst="rect">
+            <a:avLst/>
+          </a:prstGeom>
+          <a:ln>
+            <a:noFill/>
+          </a:ln>
+        </p:spPr>
+        <p:style>
+          <a:lnRef idx="2">
+            <a:schemeClr val="accent1">
+              <a:shade val="50000"/>
+            </a:schemeClr>
+          </a:lnRef>
+          <a:fillRef idx="1">
+            <a:schemeClr val="accent1"/>
+          </a:fillRef>
+          <a:effectRef idx="0">
+            <a:schemeClr val="accent1"/>
+          </a:effectRef>
+          <a:fontRef idx="minor">
+            <a:schemeClr val="lt1"/>
+          </a:fontRef>
+        </p:style>
+        <p:txBody>
+          <a:bodyPr rtlCol="0" anchor="ctr"/>
+          <a:lstStyle/>
+          <a:p>
+            <a:pPr algn="ctr"/>
+            <a:r>
+              <a:rPr kumimoji="1" lang="en-US" altLang="zh-CN" sz="2000" b="1" dirty="0">
+                <a:latin typeface="Optima" panose="02000503060000020004" pitchFamily="2" charset="0"/>
+                <a:ea typeface="KaiTi" panose="02010609060101010101" pitchFamily="49" charset="-122"/>
+              </a:rPr>
+              <a:t>socket(</a:t>
+            </a:r>
+            <a:r>
+              <a:rPr kumimoji="1" lang="zh-CN" altLang="en-US" sz="2000" b="1" dirty="0">
+                <a:latin typeface="Optima" panose="02000503060000020004" pitchFamily="2" charset="0"/>
+                <a:ea typeface="KaiTi" panose="02010609060101010101" pitchFamily="49" charset="-122"/>
+              </a:rPr>
+              <a:t> </a:t>
+            </a:r>
+            <a:r>
+              <a:rPr kumimoji="1" lang="en-US" altLang="zh-CN" sz="2000" b="1" dirty="0">
+                <a:latin typeface="Optima" panose="02000503060000020004" pitchFamily="2" charset="0"/>
+                <a:ea typeface="KaiTi" panose="02010609060101010101" pitchFamily="49" charset="-122"/>
+              </a:rPr>
+              <a:t>)</a:t>
+            </a:r>
+            <a:endParaRPr kumimoji="1" lang="zh-CN" altLang="en-US" sz="2000" b="1" dirty="0">
+              <a:latin typeface="Optima" panose="02000503060000020004" pitchFamily="2" charset="0"/>
+              <a:ea typeface="KaiTi" panose="02010609060101010101" pitchFamily="49" charset="-122"/>
+            </a:endParaRPr>
+          </a:p>
+        </p:txBody>
+      </p:sp>
+      <p:sp>
+        <p:nvSpPr>
+          <p:cNvPr id="21" name="矩形 20">
+            <a:extLst>
+              <a:ext uri="{FF2B5EF4-FFF2-40B4-BE49-F238E27FC236}">
+                <a16:creationId xmlns:a16="http://schemas.microsoft.com/office/drawing/2014/main" id="{8C171B71-9702-DF42-8BBC-F740DBF3EA71}"/>
+              </a:ext>
+            </a:extLst>
+          </p:cNvPr>
+          <p:cNvSpPr/>
+          <p:nvPr/>
+        </p:nvSpPr>
+        <p:spPr>
+          <a:xfrm>
+            <a:off x="7512997" y="1970122"/>
+            <a:ext cx="1468877" cy="622570"/>
+          </a:xfrm>
+          <a:prstGeom prst="rect">
+            <a:avLst/>
+          </a:prstGeom>
+          <a:ln>
+            <a:noFill/>
+          </a:ln>
+        </p:spPr>
+        <p:style>
+          <a:lnRef idx="2">
+            <a:schemeClr val="accent1">
+              <a:shade val="50000"/>
+            </a:schemeClr>
+          </a:lnRef>
+          <a:fillRef idx="1">
+            <a:schemeClr val="accent1"/>
+          </a:fillRef>
+          <a:effectRef idx="0">
+            <a:schemeClr val="accent1"/>
+          </a:effectRef>
+          <a:fontRef idx="minor">
+            <a:schemeClr val="lt1"/>
+          </a:fontRef>
+        </p:style>
+        <p:txBody>
+          <a:bodyPr rtlCol="0" anchor="ctr"/>
+          <a:lstStyle/>
+          <a:p>
+            <a:pPr algn="ctr"/>
+            <a:r>
+              <a:rPr kumimoji="1" lang="en-US" altLang="zh-CN" sz="2000" b="1" dirty="0">
+                <a:latin typeface="Optima" panose="02000503060000020004" pitchFamily="2" charset="0"/>
+                <a:ea typeface="KaiTi" panose="02010609060101010101" pitchFamily="49" charset="-122"/>
+              </a:rPr>
+              <a:t>connect(</a:t>
+            </a:r>
+            <a:r>
+              <a:rPr kumimoji="1" lang="zh-CN" altLang="en-US" sz="2000" b="1" dirty="0">
+                <a:latin typeface="Optima" panose="02000503060000020004" pitchFamily="2" charset="0"/>
+                <a:ea typeface="KaiTi" panose="02010609060101010101" pitchFamily="49" charset="-122"/>
+              </a:rPr>
+              <a:t> </a:t>
+            </a:r>
+            <a:r>
+              <a:rPr kumimoji="1" lang="en-US" altLang="zh-CN" sz="2000" b="1" dirty="0">
+                <a:latin typeface="Optima" panose="02000503060000020004" pitchFamily="2" charset="0"/>
+                <a:ea typeface="KaiTi" panose="02010609060101010101" pitchFamily="49" charset="-122"/>
+              </a:rPr>
+              <a:t>)</a:t>
+            </a:r>
+            <a:endParaRPr kumimoji="1" lang="zh-CN" altLang="en-US" sz="2000" b="1" dirty="0">
+              <a:latin typeface="Optima" panose="02000503060000020004" pitchFamily="2" charset="0"/>
+              <a:ea typeface="KaiTi" panose="02010609060101010101" pitchFamily="49" charset="-122"/>
+            </a:endParaRPr>
+          </a:p>
+        </p:txBody>
+      </p:sp>
+      <p:sp>
+        <p:nvSpPr>
+          <p:cNvPr id="24" name="矩形 23">
+            <a:extLst>
+              <a:ext uri="{FF2B5EF4-FFF2-40B4-BE49-F238E27FC236}">
+                <a16:creationId xmlns:a16="http://schemas.microsoft.com/office/drawing/2014/main" id="{27A46C8A-7185-AB41-82D3-F6DA78A747AD}"/>
+              </a:ext>
+            </a:extLst>
+          </p:cNvPr>
+          <p:cNvSpPr/>
+          <p:nvPr/>
+        </p:nvSpPr>
+        <p:spPr>
+          <a:xfrm>
+            <a:off x="7303457" y="2962500"/>
+            <a:ext cx="1877440" cy="622570"/>
+          </a:xfrm>
+          <a:prstGeom prst="rect">
+            <a:avLst/>
+          </a:prstGeom>
+          <a:ln>
+            <a:noFill/>
+          </a:ln>
+        </p:spPr>
+        <p:style>
+          <a:lnRef idx="2">
+            <a:schemeClr val="accent1">
+              <a:shade val="50000"/>
+            </a:schemeClr>
+          </a:lnRef>
+          <a:fillRef idx="1">
+            <a:schemeClr val="accent1"/>
+          </a:fillRef>
+          <a:effectRef idx="0">
+            <a:schemeClr val="accent1"/>
+          </a:effectRef>
+          <a:fontRef idx="minor">
+            <a:schemeClr val="lt1"/>
+          </a:fontRef>
+        </p:style>
+        <p:txBody>
+          <a:bodyPr rtlCol="0" anchor="ctr"/>
+          <a:lstStyle/>
+          <a:p>
+            <a:pPr algn="ctr"/>
+            <a:r>
+              <a:rPr kumimoji="1" lang="en-US" altLang="zh-CN" sz="2000" b="1" dirty="0">
+                <a:latin typeface="Optima" panose="02000503060000020004" pitchFamily="2" charset="0"/>
+                <a:ea typeface="KaiTi" panose="02010609060101010101" pitchFamily="49" charset="-122"/>
+              </a:rPr>
+              <a:t>read(</a:t>
+            </a:r>
+            <a:r>
+              <a:rPr kumimoji="1" lang="zh-CN" altLang="en-US" sz="2000" b="1" dirty="0">
+                <a:latin typeface="Optima" panose="02000503060000020004" pitchFamily="2" charset="0"/>
+                <a:ea typeface="KaiTi" panose="02010609060101010101" pitchFamily="49" charset="-122"/>
+              </a:rPr>
+              <a:t> </a:t>
+            </a:r>
+            <a:r>
+              <a:rPr kumimoji="1" lang="en-US" altLang="zh-CN" sz="2000" b="1" dirty="0">
+                <a:latin typeface="Optima" panose="02000503060000020004" pitchFamily="2" charset="0"/>
+                <a:ea typeface="KaiTi" panose="02010609060101010101" pitchFamily="49" charset="-122"/>
+              </a:rPr>
+              <a:t>)</a:t>
+            </a:r>
+          </a:p>
+          <a:p>
+            <a:pPr algn="ctr"/>
+            <a:r>
+              <a:rPr kumimoji="1" lang="en-US" altLang="zh-CN" sz="2000" b="1" dirty="0">
+                <a:latin typeface="Optima" panose="02000503060000020004" pitchFamily="2" charset="0"/>
+                <a:ea typeface="KaiTi" panose="02010609060101010101" pitchFamily="49" charset="-122"/>
+              </a:rPr>
+              <a:t>write(</a:t>
+            </a:r>
+            <a:r>
+              <a:rPr kumimoji="1" lang="zh-CN" altLang="en-US" sz="2000" b="1" dirty="0">
+                <a:latin typeface="Optima" panose="02000503060000020004" pitchFamily="2" charset="0"/>
+                <a:ea typeface="KaiTi" panose="02010609060101010101" pitchFamily="49" charset="-122"/>
+              </a:rPr>
+              <a:t> </a:t>
+            </a:r>
+            <a:r>
+              <a:rPr kumimoji="1" lang="en-US" altLang="zh-CN" sz="2000" b="1" dirty="0">
+                <a:latin typeface="Optima" panose="02000503060000020004" pitchFamily="2" charset="0"/>
+                <a:ea typeface="KaiTi" panose="02010609060101010101" pitchFamily="49" charset="-122"/>
+              </a:rPr>
+              <a:t>)</a:t>
+            </a:r>
+            <a:endParaRPr kumimoji="1" lang="zh-CN" altLang="en-US" sz="2000" b="1" dirty="0">
+              <a:latin typeface="Optima" panose="02000503060000020004" pitchFamily="2" charset="0"/>
+              <a:ea typeface="KaiTi" panose="02010609060101010101" pitchFamily="49" charset="-122"/>
+            </a:endParaRPr>
+          </a:p>
+        </p:txBody>
+      </p:sp>
+      <p:sp>
+        <p:nvSpPr>
+          <p:cNvPr id="25" name="矩形 24">
+            <a:extLst>
+              <a:ext uri="{FF2B5EF4-FFF2-40B4-BE49-F238E27FC236}">
+                <a16:creationId xmlns:a16="http://schemas.microsoft.com/office/drawing/2014/main" id="{5123BD56-EE0F-8C46-A9A2-39C95F489804}"/>
+              </a:ext>
+            </a:extLst>
+          </p:cNvPr>
+          <p:cNvSpPr/>
+          <p:nvPr/>
+        </p:nvSpPr>
+        <p:spPr>
+          <a:xfrm>
+            <a:off x="7507739" y="3940403"/>
+            <a:ext cx="1468877" cy="622570"/>
+          </a:xfrm>
+          <a:prstGeom prst="rect">
+            <a:avLst/>
+          </a:prstGeom>
+          <a:ln>
+            <a:noFill/>
+          </a:ln>
+        </p:spPr>
+        <p:style>
+          <a:lnRef idx="2">
+            <a:schemeClr val="accent1">
+              <a:shade val="50000"/>
+            </a:schemeClr>
+          </a:lnRef>
+          <a:fillRef idx="1">
+            <a:schemeClr val="accent1"/>
+          </a:fillRef>
+          <a:effectRef idx="0">
+            <a:schemeClr val="accent1"/>
+          </a:effectRef>
+          <a:fontRef idx="minor">
+            <a:schemeClr val="lt1"/>
+          </a:fontRef>
+        </p:style>
+        <p:txBody>
+          <a:bodyPr rtlCol="0" anchor="ctr"/>
+          <a:lstStyle/>
+          <a:p>
+            <a:pPr algn="ctr"/>
+            <a:r>
+              <a:rPr kumimoji="1" lang="en-US" altLang="zh-CN" sz="2000" b="1" dirty="0">
+                <a:latin typeface="Optima" panose="02000503060000020004" pitchFamily="2" charset="0"/>
+                <a:ea typeface="KaiTi" panose="02010609060101010101" pitchFamily="49" charset="-122"/>
+              </a:rPr>
+              <a:t>close(</a:t>
+            </a:r>
+            <a:r>
+              <a:rPr kumimoji="1" lang="zh-CN" altLang="en-US" sz="2000" b="1" dirty="0">
+                <a:latin typeface="Optima" panose="02000503060000020004" pitchFamily="2" charset="0"/>
+                <a:ea typeface="KaiTi" panose="02010609060101010101" pitchFamily="49" charset="-122"/>
+              </a:rPr>
+              <a:t> </a:t>
+            </a:r>
+            <a:r>
+              <a:rPr kumimoji="1" lang="en-US" altLang="zh-CN" sz="2000" b="1" dirty="0">
+                <a:latin typeface="Optima" panose="02000503060000020004" pitchFamily="2" charset="0"/>
+                <a:ea typeface="KaiTi" panose="02010609060101010101" pitchFamily="49" charset="-122"/>
+              </a:rPr>
+              <a:t>)</a:t>
+            </a:r>
+            <a:endParaRPr kumimoji="1" lang="zh-CN" altLang="en-US" sz="2000" b="1" dirty="0">
+              <a:latin typeface="Optima" panose="02000503060000020004" pitchFamily="2" charset="0"/>
+              <a:ea typeface="KaiTi" panose="02010609060101010101" pitchFamily="49" charset="-122"/>
+            </a:endParaRPr>
+          </a:p>
+        </p:txBody>
+      </p:sp>
+      <p:sp>
+        <p:nvSpPr>
+          <p:cNvPr id="26" name="下箭头 25">
+            <a:extLst>
+              <a:ext uri="{FF2B5EF4-FFF2-40B4-BE49-F238E27FC236}">
+                <a16:creationId xmlns:a16="http://schemas.microsoft.com/office/drawing/2014/main" id="{62096313-BDEE-9B49-9EF7-AAE5A7AA70DA}"/>
+              </a:ext>
+            </a:extLst>
+          </p:cNvPr>
+          <p:cNvSpPr/>
+          <p:nvPr/>
+        </p:nvSpPr>
+        <p:spPr>
+          <a:xfrm>
+            <a:off x="8135567" y="1614789"/>
+            <a:ext cx="252920" cy="355333"/>
+          </a:xfrm>
+          <a:prstGeom prst="downArrow">
+            <a:avLst/>
+          </a:prstGeom>
+          <a:solidFill>
+            <a:schemeClr val="accent2"/>
+          </a:solidFill>
+          <a:ln>
+            <a:noFill/>
+          </a:ln>
+        </p:spPr>
+        <p:style>
+          <a:lnRef idx="2">
+            <a:schemeClr val="accent1">
+              <a:shade val="50000"/>
+            </a:schemeClr>
+          </a:lnRef>
+          <a:fillRef idx="1">
+            <a:schemeClr val="accent1"/>
+          </a:fillRef>
+          <a:effectRef idx="0">
+            <a:schemeClr val="accent1"/>
+          </a:effectRef>
+          <a:fontRef idx="minor">
+            <a:schemeClr val="lt1"/>
+          </a:fontRef>
+        </p:style>
+        <p:txBody>
+          <a:bodyPr rtlCol="0" anchor="ctr"/>
+          <a:lstStyle/>
+          <a:p>
+            <a:pPr algn="ctr"/>
+            <a:endParaRPr kumimoji="1" lang="zh-CN" altLang="en-US" sz="2000" b="1">
+              <a:latin typeface="Optima" panose="02000503060000020004" pitchFamily="2" charset="0"/>
+              <a:ea typeface="KaiTi" panose="02010609060101010101" pitchFamily="49" charset="-122"/>
+            </a:endParaRPr>
+          </a:p>
+        </p:txBody>
+      </p:sp>
+      <p:sp>
+        <p:nvSpPr>
+          <p:cNvPr id="27" name="下箭头 26">
+            <a:extLst>
+              <a:ext uri="{FF2B5EF4-FFF2-40B4-BE49-F238E27FC236}">
+                <a16:creationId xmlns:a16="http://schemas.microsoft.com/office/drawing/2014/main" id="{AAC89052-04A1-CF4B-9839-779659CA0E02}"/>
+              </a:ext>
+            </a:extLst>
+          </p:cNvPr>
+          <p:cNvSpPr/>
+          <p:nvPr/>
+        </p:nvSpPr>
+        <p:spPr>
+          <a:xfrm>
+            <a:off x="8116112" y="2592690"/>
+            <a:ext cx="252920" cy="355333"/>
+          </a:xfrm>
+          <a:prstGeom prst="downArrow">
+            <a:avLst/>
+          </a:prstGeom>
+          <a:solidFill>
+            <a:schemeClr val="accent2"/>
+          </a:solidFill>
+          <a:ln>
+            <a:noFill/>
+          </a:ln>
+        </p:spPr>
+        <p:style>
+          <a:lnRef idx="2">
+            <a:schemeClr val="accent1">
+              <a:shade val="50000"/>
+            </a:schemeClr>
+          </a:lnRef>
+          <a:fillRef idx="1">
+            <a:schemeClr val="accent1"/>
+          </a:fillRef>
+          <a:effectRef idx="0">
+            <a:schemeClr val="accent1"/>
+          </a:effectRef>
+          <a:fontRef idx="minor">
+            <a:schemeClr val="lt1"/>
+          </a:fontRef>
+        </p:style>
+        <p:txBody>
+          <a:bodyPr rtlCol="0" anchor="ctr"/>
+          <a:lstStyle/>
+          <a:p>
+            <a:pPr algn="ctr"/>
+            <a:endParaRPr kumimoji="1" lang="zh-CN" altLang="en-US" sz="2000" b="1">
+              <a:latin typeface="Optima" panose="02000503060000020004" pitchFamily="2" charset="0"/>
+              <a:ea typeface="KaiTi" panose="02010609060101010101" pitchFamily="49" charset="-122"/>
+            </a:endParaRPr>
+          </a:p>
+        </p:txBody>
+      </p:sp>
+      <p:sp>
+        <p:nvSpPr>
+          <p:cNvPr id="28" name="下箭头 27">
+            <a:extLst>
+              <a:ext uri="{FF2B5EF4-FFF2-40B4-BE49-F238E27FC236}">
+                <a16:creationId xmlns:a16="http://schemas.microsoft.com/office/drawing/2014/main" id="{1BC29876-60AD-134C-B6A9-6A1D971221EA}"/>
+              </a:ext>
+            </a:extLst>
+          </p:cNvPr>
+          <p:cNvSpPr/>
+          <p:nvPr/>
+        </p:nvSpPr>
+        <p:spPr>
+          <a:xfrm>
+            <a:off x="8099504" y="3585068"/>
+            <a:ext cx="252920" cy="355333"/>
+          </a:xfrm>
+          <a:prstGeom prst="downArrow">
+            <a:avLst/>
+          </a:prstGeom>
+          <a:solidFill>
+            <a:schemeClr val="accent2"/>
+          </a:solidFill>
+          <a:ln>
+            <a:noFill/>
+          </a:ln>
+        </p:spPr>
+        <p:style>
+          <a:lnRef idx="2">
+            <a:schemeClr val="accent1">
+              <a:shade val="50000"/>
+            </a:schemeClr>
+          </a:lnRef>
+          <a:fillRef idx="1">
+            <a:schemeClr val="accent1"/>
+          </a:fillRef>
+          <a:effectRef idx="0">
+            <a:schemeClr val="accent1"/>
+          </a:effectRef>
+          <a:fontRef idx="minor">
+            <a:schemeClr val="lt1"/>
+          </a:fontRef>
+        </p:style>
+        <p:txBody>
+          <a:bodyPr rtlCol="0" anchor="ctr"/>
+          <a:lstStyle/>
+          <a:p>
+            <a:pPr algn="ctr"/>
+            <a:endParaRPr kumimoji="1" lang="zh-CN" altLang="en-US" sz="2000" b="1">
+              <a:latin typeface="Optima" panose="02000503060000020004" pitchFamily="2" charset="0"/>
+              <a:ea typeface="KaiTi" panose="02010609060101010101" pitchFamily="49" charset="-122"/>
+            </a:endParaRPr>
+          </a:p>
+        </p:txBody>
+      </p:sp>
+      <p:sp>
+        <p:nvSpPr>
+          <p:cNvPr id="31" name="文本框 30">
+            <a:extLst>
+              <a:ext uri="{FF2B5EF4-FFF2-40B4-BE49-F238E27FC236}">
+                <a16:creationId xmlns:a16="http://schemas.microsoft.com/office/drawing/2014/main" id="{1B6919F1-8F92-304A-9EFD-9EB8211ADC86}"/>
+              </a:ext>
+            </a:extLst>
+          </p:cNvPr>
+          <p:cNvSpPr txBox="1"/>
+          <p:nvPr/>
+        </p:nvSpPr>
+        <p:spPr>
+          <a:xfrm>
+            <a:off x="9427193" y="1128408"/>
+            <a:ext cx="1467068" cy="400110"/>
+          </a:xfrm>
+          <a:prstGeom prst="rect">
+            <a:avLst/>
+          </a:prstGeom>
+          <a:noFill/>
+        </p:spPr>
+        <p:txBody>
+          <a:bodyPr wrap="none" rtlCol="0">
+            <a:spAutoFit/>
+          </a:bodyPr>
+          <a:lstStyle/>
+          <a:p>
+            <a:r>
+              <a:rPr kumimoji="1" lang="zh-CN" altLang="en-US" sz="2000" dirty="0">
+                <a:latin typeface="Optima" panose="02000503060000020004" pitchFamily="2" charset="0"/>
+                <a:ea typeface="KaiTi" panose="02010609060101010101" pitchFamily="49" charset="-122"/>
+              </a:rPr>
+              <a:t>创建套接字</a:t>
+            </a:r>
+          </a:p>
+        </p:txBody>
+      </p:sp>
+      <p:sp>
+        <p:nvSpPr>
+          <p:cNvPr id="32" name="文本框 31">
+            <a:extLst>
+              <a:ext uri="{FF2B5EF4-FFF2-40B4-BE49-F238E27FC236}">
+                <a16:creationId xmlns:a16="http://schemas.microsoft.com/office/drawing/2014/main" id="{7390498A-D8A8-F747-9058-4CEC7841E591}"/>
+              </a:ext>
+            </a:extLst>
+          </p:cNvPr>
+          <p:cNvSpPr txBox="1"/>
+          <p:nvPr/>
+        </p:nvSpPr>
+        <p:spPr>
+          <a:xfrm>
+            <a:off x="9427193" y="2078178"/>
+            <a:ext cx="1210588" cy="400110"/>
+          </a:xfrm>
+          <a:prstGeom prst="rect">
+            <a:avLst/>
+          </a:prstGeom>
+          <a:noFill/>
+        </p:spPr>
+        <p:txBody>
+          <a:bodyPr wrap="none" rtlCol="0">
+            <a:spAutoFit/>
+          </a:bodyPr>
+          <a:lstStyle/>
+          <a:p>
+            <a:r>
+              <a:rPr kumimoji="1" lang="zh-CN" altLang="en-US" sz="2000" dirty="0">
+                <a:latin typeface="Optima" panose="02000503060000020004" pitchFamily="2" charset="0"/>
+                <a:ea typeface="KaiTi" panose="02010609060101010101" pitchFamily="49" charset="-122"/>
+              </a:rPr>
+              <a:t>请求连接</a:t>
+            </a:r>
+          </a:p>
+        </p:txBody>
+      </p:sp>
+      <p:sp>
+        <p:nvSpPr>
+          <p:cNvPr id="33" name="文本框 32">
+            <a:extLst>
+              <a:ext uri="{FF2B5EF4-FFF2-40B4-BE49-F238E27FC236}">
+                <a16:creationId xmlns:a16="http://schemas.microsoft.com/office/drawing/2014/main" id="{CE755EC3-AF3D-9942-9F27-D12ABFC39756}"/>
+              </a:ext>
+            </a:extLst>
+          </p:cNvPr>
+          <p:cNvSpPr txBox="1"/>
+          <p:nvPr/>
+        </p:nvSpPr>
+        <p:spPr>
+          <a:xfrm>
+            <a:off x="9427193" y="3027948"/>
+            <a:ext cx="1210588" cy="400110"/>
+          </a:xfrm>
+          <a:prstGeom prst="rect">
+            <a:avLst/>
+          </a:prstGeom>
+          <a:noFill/>
+        </p:spPr>
+        <p:txBody>
+          <a:bodyPr wrap="none" rtlCol="0">
+            <a:spAutoFit/>
+          </a:bodyPr>
+          <a:lstStyle/>
+          <a:p>
+            <a:r>
+              <a:rPr kumimoji="1" lang="zh-CN" altLang="en-US" sz="2000" dirty="0">
+                <a:latin typeface="Optima" panose="02000503060000020004" pitchFamily="2" charset="0"/>
+                <a:ea typeface="KaiTi" panose="02010609060101010101" pitchFamily="49" charset="-122"/>
+              </a:rPr>
+              <a:t>数据交换</a:t>
+            </a:r>
+          </a:p>
+        </p:txBody>
+      </p:sp>
+      <p:sp>
+        <p:nvSpPr>
+          <p:cNvPr id="34" name="文本框 33">
+            <a:extLst>
+              <a:ext uri="{FF2B5EF4-FFF2-40B4-BE49-F238E27FC236}">
+                <a16:creationId xmlns:a16="http://schemas.microsoft.com/office/drawing/2014/main" id="{5C53479F-DD6C-DF43-A34C-6537A0E135CD}"/>
+              </a:ext>
+            </a:extLst>
+          </p:cNvPr>
+          <p:cNvSpPr txBox="1"/>
+          <p:nvPr/>
+        </p:nvSpPr>
+        <p:spPr>
+          <a:xfrm>
+            <a:off x="9427193" y="3977718"/>
+            <a:ext cx="1210588" cy="400110"/>
+          </a:xfrm>
+          <a:prstGeom prst="rect">
+            <a:avLst/>
+          </a:prstGeom>
+          <a:noFill/>
+        </p:spPr>
+        <p:txBody>
+          <a:bodyPr wrap="none" rtlCol="0">
+            <a:spAutoFit/>
+          </a:bodyPr>
+          <a:lstStyle/>
+          <a:p>
+            <a:r>
+              <a:rPr kumimoji="1" lang="zh-CN" altLang="en-US" sz="2000" dirty="0">
+                <a:latin typeface="Optima" panose="02000503060000020004" pitchFamily="2" charset="0"/>
+                <a:ea typeface="KaiTi" panose="02010609060101010101" pitchFamily="49" charset="-122"/>
+              </a:rPr>
+              <a:t>断开连接</a:t>
+            </a:r>
+          </a:p>
+        </p:txBody>
+      </p:sp>
     </p:spTree>
     <p:extLst>
       <p:ext uri="{BB962C8B-B14F-4D97-AF65-F5344CB8AC3E}">
@@ -8106,6 +9779,745 @@
           <a:chExt cx="0" cy="0"/>
         </a:xfrm>
       </p:grpSpPr>
+      <p:sp>
+        <p:nvSpPr>
+          <p:cNvPr id="2" name="文本框 1">
+            <a:extLst>
+              <a:ext uri="{FF2B5EF4-FFF2-40B4-BE49-F238E27FC236}">
+                <a16:creationId xmlns:a16="http://schemas.microsoft.com/office/drawing/2014/main" id="{DC0257AC-7C8C-3541-9C76-E2B7E7C125A0}"/>
+              </a:ext>
+            </a:extLst>
+          </p:cNvPr>
+          <p:cNvSpPr txBox="1"/>
+          <p:nvPr/>
+        </p:nvSpPr>
+        <p:spPr>
+          <a:xfrm>
+            <a:off x="0" y="0"/>
+            <a:ext cx="4014240" cy="523220"/>
+          </a:xfrm>
+          <a:prstGeom prst="rect">
+            <a:avLst/>
+          </a:prstGeom>
+          <a:noFill/>
+        </p:spPr>
+        <p:txBody>
+          <a:bodyPr wrap="none" rtlCol="0">
+            <a:spAutoFit/>
+          </a:bodyPr>
+          <a:lstStyle/>
+          <a:p>
+            <a:r>
+              <a:rPr kumimoji="1" lang="zh-CN" altLang="en-US" sz="2800" dirty="0">
+                <a:latin typeface="Optima" panose="02000503060000020004" pitchFamily="2" charset="0"/>
+                <a:ea typeface="KaiTi" panose="02010609060101010101" pitchFamily="49" charset="-122"/>
+              </a:rPr>
+              <a:t>服务器端 </a:t>
+            </a:r>
+            <a:r>
+              <a:rPr kumimoji="1" lang="en-US" altLang="zh-CN" sz="2800" dirty="0">
+                <a:latin typeface="Optima" panose="02000503060000020004" pitchFamily="2" charset="0"/>
+                <a:ea typeface="KaiTi" panose="02010609060101010101" pitchFamily="49" charset="-122"/>
+              </a:rPr>
+              <a:t>listen</a:t>
+            </a:r>
+            <a:r>
+              <a:rPr kumimoji="1" lang="zh-CN" altLang="en-US" sz="2800" dirty="0">
+                <a:latin typeface="Optima" panose="02000503060000020004" pitchFamily="2" charset="0"/>
+                <a:ea typeface="KaiTi" panose="02010609060101010101" pitchFamily="49" charset="-122"/>
+              </a:rPr>
+              <a:t> </a:t>
+            </a:r>
+            <a:r>
+              <a:rPr kumimoji="1" lang="en-US" altLang="zh-CN" sz="2800" dirty="0">
+                <a:latin typeface="Optima" panose="02000503060000020004" pitchFamily="2" charset="0"/>
+                <a:ea typeface="KaiTi" panose="02010609060101010101" pitchFamily="49" charset="-122"/>
+              </a:rPr>
+              <a:t>&amp;</a:t>
+            </a:r>
+            <a:r>
+              <a:rPr kumimoji="1" lang="zh-CN" altLang="en-US" sz="2800" dirty="0">
+                <a:latin typeface="Optima" panose="02000503060000020004" pitchFamily="2" charset="0"/>
+                <a:ea typeface="KaiTi" panose="02010609060101010101" pitchFamily="49" charset="-122"/>
+              </a:rPr>
+              <a:t> </a:t>
+            </a:r>
+            <a:r>
+              <a:rPr kumimoji="1" lang="en-US" altLang="zh-CN" sz="2800" dirty="0">
+                <a:latin typeface="Optima" panose="02000503060000020004" pitchFamily="2" charset="0"/>
+                <a:ea typeface="KaiTi" panose="02010609060101010101" pitchFamily="49" charset="-122"/>
+              </a:rPr>
+              <a:t>accept</a:t>
+            </a:r>
+            <a:endParaRPr kumimoji="1" lang="zh-CN" altLang="en-US" sz="2800" dirty="0">
+              <a:latin typeface="Optima" panose="02000503060000020004" pitchFamily="2" charset="0"/>
+              <a:ea typeface="KaiTi" panose="02010609060101010101" pitchFamily="49" charset="-122"/>
+            </a:endParaRPr>
+          </a:p>
+        </p:txBody>
+      </p:sp>
+      <p:sp>
+        <p:nvSpPr>
+          <p:cNvPr id="3" name="文本框 2">
+            <a:extLst>
+              <a:ext uri="{FF2B5EF4-FFF2-40B4-BE49-F238E27FC236}">
+                <a16:creationId xmlns:a16="http://schemas.microsoft.com/office/drawing/2014/main" id="{492D3ED5-244B-3F43-98C5-28A7DC1C7CBA}"/>
+              </a:ext>
+            </a:extLst>
+          </p:cNvPr>
+          <p:cNvSpPr txBox="1"/>
+          <p:nvPr/>
+        </p:nvSpPr>
+        <p:spPr>
+          <a:xfrm>
+            <a:off x="262647" y="686039"/>
+            <a:ext cx="4786888" cy="369332"/>
+          </a:xfrm>
+          <a:prstGeom prst="rect">
+            <a:avLst/>
+          </a:prstGeom>
+          <a:noFill/>
+        </p:spPr>
+        <p:txBody>
+          <a:bodyPr wrap="none" rtlCol="0">
+            <a:spAutoFit/>
+          </a:bodyPr>
+          <a:lstStyle/>
+          <a:p>
+            <a:r>
+              <a:rPr lang="en" altLang="zh-CN" b="0" dirty="0">
+                <a:solidFill>
+                  <a:srgbClr val="0000FF"/>
+                </a:solidFill>
+                <a:effectLst/>
+                <a:latin typeface="Menlo" panose="020B0609030804020204" pitchFamily="49" charset="0"/>
+              </a:rPr>
+              <a:t>int</a:t>
+            </a:r>
+            <a:r>
+              <a:rPr lang="en" altLang="zh-CN" b="0" dirty="0">
+                <a:solidFill>
+                  <a:srgbClr val="3B3B3B"/>
+                </a:solidFill>
+                <a:effectLst/>
+                <a:latin typeface="Menlo" panose="020B0609030804020204" pitchFamily="49" charset="0"/>
+              </a:rPr>
+              <a:t> </a:t>
+            </a:r>
+            <a:r>
+              <a:rPr lang="en" altLang="zh-CN" b="0" dirty="0">
+                <a:solidFill>
+                  <a:srgbClr val="795E26"/>
+                </a:solidFill>
+                <a:effectLst/>
+                <a:latin typeface="Menlo" panose="020B0609030804020204" pitchFamily="49" charset="0"/>
+              </a:rPr>
+              <a:t>listen</a:t>
+            </a:r>
+            <a:r>
+              <a:rPr lang="en" altLang="zh-CN" b="0" dirty="0">
+                <a:solidFill>
+                  <a:srgbClr val="3B3B3B"/>
+                </a:solidFill>
+                <a:effectLst/>
+                <a:latin typeface="Menlo" panose="020B0609030804020204" pitchFamily="49" charset="0"/>
+              </a:rPr>
+              <a:t>(</a:t>
+            </a:r>
+            <a:r>
+              <a:rPr lang="en" altLang="zh-CN" b="0" dirty="0">
+                <a:solidFill>
+                  <a:srgbClr val="0000FF"/>
+                </a:solidFill>
+                <a:effectLst/>
+                <a:latin typeface="Menlo" panose="020B0609030804020204" pitchFamily="49" charset="0"/>
+              </a:rPr>
+              <a:t>int</a:t>
+            </a:r>
+            <a:r>
+              <a:rPr lang="en" altLang="zh-CN" b="0" dirty="0">
+                <a:solidFill>
+                  <a:srgbClr val="3B3B3B"/>
+                </a:solidFill>
+                <a:effectLst/>
+                <a:latin typeface="Menlo" panose="020B0609030804020204" pitchFamily="49" charset="0"/>
+              </a:rPr>
+              <a:t> </a:t>
+            </a:r>
+            <a:r>
+              <a:rPr lang="en" altLang="zh-CN" b="0" dirty="0">
+                <a:solidFill>
+                  <a:srgbClr val="001080"/>
+                </a:solidFill>
+                <a:effectLst/>
+                <a:latin typeface="Menlo" panose="020B0609030804020204" pitchFamily="49" charset="0"/>
+              </a:rPr>
+              <a:t>sock</a:t>
+            </a:r>
+            <a:r>
+              <a:rPr lang="en" altLang="zh-CN" b="0" dirty="0">
+                <a:solidFill>
+                  <a:srgbClr val="3B3B3B"/>
+                </a:solidFill>
+                <a:effectLst/>
+                <a:latin typeface="Menlo" panose="020B0609030804020204" pitchFamily="49" charset="0"/>
+              </a:rPr>
+              <a:t>, </a:t>
+            </a:r>
+            <a:r>
+              <a:rPr lang="en" altLang="zh-CN" b="0" dirty="0">
+                <a:solidFill>
+                  <a:srgbClr val="0000FF"/>
+                </a:solidFill>
+                <a:effectLst/>
+                <a:latin typeface="Menlo" panose="020B0609030804020204" pitchFamily="49" charset="0"/>
+              </a:rPr>
+              <a:t>int</a:t>
+            </a:r>
+            <a:r>
+              <a:rPr lang="en" altLang="zh-CN" b="0" dirty="0">
+                <a:solidFill>
+                  <a:srgbClr val="3B3B3B"/>
+                </a:solidFill>
+                <a:effectLst/>
+                <a:latin typeface="Menlo" panose="020B0609030804020204" pitchFamily="49" charset="0"/>
+              </a:rPr>
+              <a:t> backlog)</a:t>
+            </a:r>
+          </a:p>
+        </p:txBody>
+      </p:sp>
+      <p:sp>
+        <p:nvSpPr>
+          <p:cNvPr id="4" name="文本框 3">
+            <a:extLst>
+              <a:ext uri="{FF2B5EF4-FFF2-40B4-BE49-F238E27FC236}">
+                <a16:creationId xmlns:a16="http://schemas.microsoft.com/office/drawing/2014/main" id="{61F042B8-3644-BF41-910B-9DB8177178F9}"/>
+              </a:ext>
+            </a:extLst>
+          </p:cNvPr>
+          <p:cNvSpPr txBox="1"/>
+          <p:nvPr/>
+        </p:nvSpPr>
+        <p:spPr>
+          <a:xfrm>
+            <a:off x="525294" y="1218190"/>
+            <a:ext cx="11235446" cy="2246769"/>
+          </a:xfrm>
+          <a:prstGeom prst="rect">
+            <a:avLst/>
+          </a:prstGeom>
+          <a:noFill/>
+        </p:spPr>
+        <p:txBody>
+          <a:bodyPr wrap="square" rtlCol="0">
+            <a:spAutoFit/>
+          </a:bodyPr>
+          <a:lstStyle/>
+          <a:p>
+            <a:pPr marL="285750" indent="-285750">
+              <a:buFont typeface="Wingdings" pitchFamily="2" charset="2"/>
+              <a:buChar char="Ø"/>
+            </a:pPr>
+            <a:r>
+              <a:rPr kumimoji="1" lang="en-US" altLang="zh-CN" sz="2000" dirty="0">
+                <a:latin typeface="Optima" panose="02000503060000020004" pitchFamily="2" charset="0"/>
+                <a:ea typeface="KaiTi" panose="02010609060101010101" pitchFamily="49" charset="-122"/>
+              </a:rPr>
+              <a:t>sock</a:t>
+            </a:r>
+            <a:r>
+              <a:rPr kumimoji="1" lang="zh-CN" altLang="en-US" sz="2000" dirty="0">
+                <a:latin typeface="Optima" panose="02000503060000020004" pitchFamily="2" charset="0"/>
+                <a:ea typeface="KaiTi" panose="02010609060101010101" pitchFamily="49" charset="-122"/>
+              </a:rPr>
+              <a:t> 服务器端套接字</a:t>
+            </a:r>
+            <a:endParaRPr kumimoji="1" lang="en-US" altLang="zh-CN" sz="2000" dirty="0">
+              <a:latin typeface="Optima" panose="02000503060000020004" pitchFamily="2" charset="0"/>
+              <a:ea typeface="KaiTi" panose="02010609060101010101" pitchFamily="49" charset="-122"/>
+            </a:endParaRPr>
+          </a:p>
+          <a:p>
+            <a:pPr marL="285750" indent="-285750">
+              <a:buFont typeface="Wingdings" pitchFamily="2" charset="2"/>
+              <a:buChar char="Ø"/>
+            </a:pPr>
+            <a:endParaRPr kumimoji="1" lang="en-US" altLang="zh-CN" sz="2000" dirty="0">
+              <a:latin typeface="Optima" panose="02000503060000020004" pitchFamily="2" charset="0"/>
+              <a:ea typeface="KaiTi" panose="02010609060101010101" pitchFamily="49" charset="-122"/>
+            </a:endParaRPr>
+          </a:p>
+          <a:p>
+            <a:pPr marL="285750" indent="-285750">
+              <a:buFont typeface="Wingdings" pitchFamily="2" charset="2"/>
+              <a:buChar char="Ø"/>
+            </a:pPr>
+            <a:r>
+              <a:rPr kumimoji="1" lang="zh-CN" altLang="en-US" sz="2000" dirty="0">
+                <a:latin typeface="Optima" panose="02000503060000020004" pitchFamily="2" charset="0"/>
+                <a:ea typeface="KaiTi" panose="02010609060101010101" pitchFamily="49" charset="-122"/>
+              </a:rPr>
+              <a:t>只有服务器端调用了</a:t>
+            </a:r>
+            <a:r>
+              <a:rPr kumimoji="1" lang="en-US" altLang="zh-CN" sz="2000" dirty="0">
+                <a:latin typeface="Optima" panose="02000503060000020004" pitchFamily="2" charset="0"/>
+                <a:ea typeface="KaiTi" panose="02010609060101010101" pitchFamily="49" charset="-122"/>
+              </a:rPr>
+              <a:t> listen </a:t>
+            </a:r>
+            <a:r>
+              <a:rPr kumimoji="1" lang="zh-CN" altLang="en-US" sz="2000" dirty="0">
+                <a:latin typeface="Optima" panose="02000503060000020004" pitchFamily="2" charset="0"/>
+                <a:ea typeface="KaiTi" panose="02010609060101010101" pitchFamily="49" charset="-122"/>
+              </a:rPr>
+              <a:t>函数，客户端才能进入可发出连接请求的状态，即调用</a:t>
+            </a:r>
+            <a:r>
+              <a:rPr kumimoji="1" lang="en-US" altLang="zh-CN" sz="2000" dirty="0">
+                <a:latin typeface="Optima" panose="02000503060000020004" pitchFamily="2" charset="0"/>
+                <a:ea typeface="KaiTi" panose="02010609060101010101" pitchFamily="49" charset="-122"/>
+              </a:rPr>
+              <a:t> connect </a:t>
+            </a:r>
+            <a:r>
+              <a:rPr kumimoji="1" lang="zh-CN" altLang="en-US" sz="2000" dirty="0">
+                <a:latin typeface="Optima" panose="02000503060000020004" pitchFamily="2" charset="0"/>
+                <a:ea typeface="KaiTi" panose="02010609060101010101" pitchFamily="49" charset="-122"/>
+              </a:rPr>
+              <a:t>函数</a:t>
+            </a:r>
+            <a:endParaRPr kumimoji="1" lang="en-US" altLang="zh-CN" sz="2000" dirty="0">
+              <a:latin typeface="Optima" panose="02000503060000020004" pitchFamily="2" charset="0"/>
+              <a:ea typeface="KaiTi" panose="02010609060101010101" pitchFamily="49" charset="-122"/>
+            </a:endParaRPr>
+          </a:p>
+          <a:p>
+            <a:pPr marL="285750" indent="-285750">
+              <a:buFont typeface="Wingdings" pitchFamily="2" charset="2"/>
+              <a:buChar char="Ø"/>
+            </a:pPr>
+            <a:endParaRPr kumimoji="1" lang="en-US" altLang="zh-CN" sz="2000" dirty="0">
+              <a:latin typeface="Optima" panose="02000503060000020004" pitchFamily="2" charset="0"/>
+              <a:ea typeface="KaiTi" panose="02010609060101010101" pitchFamily="49" charset="-122"/>
+            </a:endParaRPr>
+          </a:p>
+          <a:p>
+            <a:pPr marL="285750" indent="-285750">
+              <a:buFont typeface="Wingdings" pitchFamily="2" charset="2"/>
+              <a:buChar char="Ø"/>
+            </a:pPr>
+            <a:r>
+              <a:rPr kumimoji="1" lang="en-US" altLang="zh-CN" sz="2000" dirty="0">
+                <a:latin typeface="Optima" panose="02000503060000020004" pitchFamily="2" charset="0"/>
+                <a:ea typeface="KaiTi" panose="02010609060101010101" pitchFamily="49" charset="-122"/>
+              </a:rPr>
+              <a:t>backlog </a:t>
+            </a:r>
+            <a:r>
+              <a:rPr kumimoji="1" lang="zh-CN" altLang="en-US" sz="2000" dirty="0">
+                <a:latin typeface="Optima" panose="02000503060000020004" pitchFamily="2" charset="0"/>
+                <a:ea typeface="KaiTi" panose="02010609060101010101" pitchFamily="49" charset="-122"/>
+              </a:rPr>
+              <a:t>是连接请求队列长度</a:t>
+            </a:r>
+            <a:endParaRPr kumimoji="1" lang="en-US" altLang="zh-CN" sz="2000" dirty="0">
+              <a:latin typeface="Optima" panose="02000503060000020004" pitchFamily="2" charset="0"/>
+              <a:ea typeface="KaiTi" panose="02010609060101010101" pitchFamily="49" charset="-122"/>
+            </a:endParaRPr>
+          </a:p>
+          <a:p>
+            <a:pPr marL="285750" indent="-285750">
+              <a:buFont typeface="Wingdings" pitchFamily="2" charset="2"/>
+              <a:buChar char="Ø"/>
+            </a:pPr>
+            <a:endParaRPr kumimoji="1" lang="en-US" altLang="zh-CN" sz="2000" dirty="0">
+              <a:latin typeface="Optima" panose="02000503060000020004" pitchFamily="2" charset="0"/>
+              <a:ea typeface="KaiTi" panose="02010609060101010101" pitchFamily="49" charset="-122"/>
+            </a:endParaRPr>
+          </a:p>
+          <a:p>
+            <a:pPr marL="285750" indent="-285750">
+              <a:buFont typeface="Wingdings" pitchFamily="2" charset="2"/>
+              <a:buChar char="Ø"/>
+            </a:pPr>
+            <a:r>
+              <a:rPr kumimoji="1" lang="zh-CN" altLang="en-US" sz="2000" dirty="0">
+                <a:latin typeface="Optima" panose="02000503060000020004" pitchFamily="2" charset="0"/>
+                <a:ea typeface="KaiTi" panose="02010609060101010101" pitchFamily="49" charset="-122"/>
+              </a:rPr>
+              <a:t>服务器端处于等于连接请求状态：客户端请求连接时，受理连接前一直使请求处于等待状态</a:t>
+            </a:r>
+          </a:p>
+        </p:txBody>
+      </p:sp>
+      <p:sp>
+        <p:nvSpPr>
+          <p:cNvPr id="6" name="文本框 5">
+            <a:extLst>
+              <a:ext uri="{FF2B5EF4-FFF2-40B4-BE49-F238E27FC236}">
+                <a16:creationId xmlns:a16="http://schemas.microsoft.com/office/drawing/2014/main" id="{2A1F9560-33F4-D949-81B9-723E0B149A76}"/>
+              </a:ext>
+            </a:extLst>
+          </p:cNvPr>
+          <p:cNvSpPr txBox="1"/>
+          <p:nvPr/>
+        </p:nvSpPr>
+        <p:spPr>
+          <a:xfrm>
+            <a:off x="262647" y="3733669"/>
+            <a:ext cx="9708204" cy="369332"/>
+          </a:xfrm>
+          <a:prstGeom prst="rect">
+            <a:avLst/>
+          </a:prstGeom>
+          <a:noFill/>
+        </p:spPr>
+        <p:txBody>
+          <a:bodyPr wrap="square">
+            <a:spAutoFit/>
+          </a:bodyPr>
+          <a:lstStyle/>
+          <a:p>
+            <a:r>
+              <a:rPr lang="en" altLang="zh-CN" b="0" dirty="0">
+                <a:solidFill>
+                  <a:srgbClr val="0000FF"/>
+                </a:solidFill>
+                <a:effectLst/>
+                <a:latin typeface="Menlo" panose="020B0609030804020204" pitchFamily="49" charset="0"/>
+              </a:rPr>
+              <a:t>int</a:t>
+            </a:r>
+            <a:r>
+              <a:rPr lang="en" altLang="zh-CN" b="0" dirty="0">
+                <a:solidFill>
+                  <a:srgbClr val="3B3B3B"/>
+                </a:solidFill>
+                <a:effectLst/>
+                <a:latin typeface="Menlo" panose="020B0609030804020204" pitchFamily="49" charset="0"/>
+              </a:rPr>
+              <a:t> </a:t>
+            </a:r>
+            <a:r>
+              <a:rPr lang="en" altLang="zh-CN" b="0" dirty="0">
+                <a:solidFill>
+                  <a:srgbClr val="795E26"/>
+                </a:solidFill>
+                <a:effectLst/>
+                <a:latin typeface="Menlo" panose="020B0609030804020204" pitchFamily="49" charset="0"/>
+              </a:rPr>
+              <a:t>accept</a:t>
+            </a:r>
+            <a:r>
+              <a:rPr lang="en" altLang="zh-CN" b="0" dirty="0">
+                <a:solidFill>
+                  <a:srgbClr val="3B3B3B"/>
+                </a:solidFill>
+                <a:effectLst/>
+                <a:latin typeface="Menlo" panose="020B0609030804020204" pitchFamily="49" charset="0"/>
+              </a:rPr>
+              <a:t>(</a:t>
+            </a:r>
+            <a:r>
+              <a:rPr lang="en" altLang="zh-CN" b="0" dirty="0">
+                <a:solidFill>
+                  <a:srgbClr val="0000FF"/>
+                </a:solidFill>
+                <a:effectLst/>
+                <a:latin typeface="Menlo" panose="020B0609030804020204" pitchFamily="49" charset="0"/>
+              </a:rPr>
+              <a:t>int</a:t>
+            </a:r>
+            <a:r>
+              <a:rPr lang="zh-CN" altLang="en-US" b="0" dirty="0">
+                <a:solidFill>
+                  <a:srgbClr val="0000FF"/>
+                </a:solidFill>
+                <a:effectLst/>
+                <a:latin typeface="Menlo" panose="020B0609030804020204" pitchFamily="49" charset="0"/>
+              </a:rPr>
+              <a:t> </a:t>
+            </a:r>
+            <a:r>
+              <a:rPr lang="en" altLang="zh-CN" b="0" dirty="0">
+                <a:solidFill>
+                  <a:srgbClr val="001080"/>
+                </a:solidFill>
+                <a:effectLst/>
+                <a:latin typeface="Menlo" panose="020B0609030804020204" pitchFamily="49" charset="0"/>
+              </a:rPr>
+              <a:t>sock</a:t>
+            </a:r>
+            <a:r>
+              <a:rPr lang="en" altLang="zh-CN" b="0" dirty="0">
+                <a:solidFill>
+                  <a:srgbClr val="3B3B3B"/>
+                </a:solidFill>
+                <a:effectLst/>
+                <a:latin typeface="Menlo" panose="020B0609030804020204" pitchFamily="49" charset="0"/>
+              </a:rPr>
+              <a:t>, </a:t>
+            </a:r>
+            <a:r>
+              <a:rPr lang="en" altLang="zh-CN" b="0" dirty="0">
+                <a:solidFill>
+                  <a:srgbClr val="0000FF"/>
+                </a:solidFill>
+                <a:effectLst/>
+                <a:latin typeface="Menlo" panose="020B0609030804020204" pitchFamily="49" charset="0"/>
+              </a:rPr>
+              <a:t>struct</a:t>
+            </a:r>
+            <a:r>
+              <a:rPr lang="en" altLang="zh-CN" b="0" dirty="0">
+                <a:solidFill>
+                  <a:srgbClr val="3B3B3B"/>
+                </a:solidFill>
+                <a:effectLst/>
+                <a:latin typeface="Menlo" panose="020B0609030804020204" pitchFamily="49" charset="0"/>
+              </a:rPr>
+              <a:t> </a:t>
+            </a:r>
+            <a:r>
+              <a:rPr lang="en" altLang="zh-CN" b="0" dirty="0" err="1">
+                <a:solidFill>
+                  <a:srgbClr val="267F99"/>
+                </a:solidFill>
+                <a:effectLst/>
+                <a:latin typeface="Menlo" panose="020B0609030804020204" pitchFamily="49" charset="0"/>
+              </a:rPr>
+              <a:t>sockaddr</a:t>
+            </a:r>
+            <a:r>
+              <a:rPr lang="en" altLang="zh-CN" b="0" dirty="0">
+                <a:solidFill>
+                  <a:srgbClr val="3B3B3B"/>
+                </a:solidFill>
+                <a:effectLst/>
+                <a:latin typeface="Menlo" panose="020B0609030804020204" pitchFamily="49" charset="0"/>
+              </a:rPr>
+              <a:t> </a:t>
+            </a:r>
+            <a:r>
+              <a:rPr lang="en" altLang="zh-CN" b="0" dirty="0">
+                <a:solidFill>
+                  <a:srgbClr val="000000"/>
+                </a:solidFill>
+                <a:effectLst/>
+                <a:latin typeface="Menlo" panose="020B0609030804020204" pitchFamily="49" charset="0"/>
+              </a:rPr>
+              <a:t>*</a:t>
+            </a:r>
+            <a:r>
+              <a:rPr lang="en" altLang="zh-CN" b="0" dirty="0">
+                <a:solidFill>
+                  <a:srgbClr val="3B3B3B"/>
+                </a:solidFill>
+                <a:effectLst/>
+                <a:latin typeface="Menlo" panose="020B0609030804020204" pitchFamily="49" charset="0"/>
+              </a:rPr>
+              <a:t> </a:t>
+            </a:r>
+            <a:r>
+              <a:rPr lang="en" altLang="zh-CN" dirty="0" err="1">
+                <a:solidFill>
+                  <a:srgbClr val="001080"/>
+                </a:solidFill>
+                <a:latin typeface="Menlo" panose="020B0609030804020204" pitchFamily="49" charset="0"/>
+              </a:rPr>
+              <a:t>addr</a:t>
+            </a:r>
+            <a:r>
+              <a:rPr lang="en" altLang="zh-CN" b="0" dirty="0">
+                <a:solidFill>
+                  <a:srgbClr val="3B3B3B"/>
+                </a:solidFill>
+                <a:effectLst/>
+                <a:latin typeface="Menlo" panose="020B0609030804020204" pitchFamily="49" charset="0"/>
+              </a:rPr>
+              <a:t>, </a:t>
+            </a:r>
+            <a:r>
+              <a:rPr lang="en" altLang="zh-CN" b="0" dirty="0" err="1">
+                <a:solidFill>
+                  <a:srgbClr val="267F99"/>
+                </a:solidFill>
+                <a:effectLst/>
+                <a:latin typeface="Menlo" panose="020B0609030804020204" pitchFamily="49" charset="0"/>
+              </a:rPr>
+              <a:t>socklen_t</a:t>
+            </a:r>
+            <a:r>
+              <a:rPr lang="en" altLang="zh-CN" b="0" dirty="0">
+                <a:solidFill>
+                  <a:srgbClr val="3B3B3B"/>
+                </a:solidFill>
+                <a:effectLst/>
+                <a:latin typeface="Menlo" panose="020B0609030804020204" pitchFamily="49" charset="0"/>
+              </a:rPr>
+              <a:t> </a:t>
+            </a:r>
+            <a:r>
+              <a:rPr lang="en" altLang="zh-CN" b="0" dirty="0">
+                <a:solidFill>
+                  <a:srgbClr val="000000"/>
+                </a:solidFill>
+                <a:effectLst/>
+                <a:latin typeface="Menlo" panose="020B0609030804020204" pitchFamily="49" charset="0"/>
+              </a:rPr>
+              <a:t>*</a:t>
+            </a:r>
+            <a:r>
+              <a:rPr lang="en" altLang="zh-CN" b="0" dirty="0">
+                <a:solidFill>
+                  <a:srgbClr val="3B3B3B"/>
+                </a:solidFill>
+                <a:effectLst/>
+                <a:latin typeface="Menlo" panose="020B0609030804020204" pitchFamily="49" charset="0"/>
+              </a:rPr>
+              <a:t> </a:t>
+            </a:r>
+            <a:r>
+              <a:rPr lang="en-US" altLang="zh-CN" dirty="0" err="1">
+                <a:solidFill>
+                  <a:srgbClr val="001080"/>
+                </a:solidFill>
+                <a:latin typeface="Menlo" panose="020B0609030804020204" pitchFamily="49" charset="0"/>
+              </a:rPr>
+              <a:t>addrlen</a:t>
+            </a:r>
+            <a:r>
+              <a:rPr lang="en" altLang="zh-CN" b="0" dirty="0">
+                <a:solidFill>
+                  <a:srgbClr val="3B3B3B"/>
+                </a:solidFill>
+                <a:effectLst/>
+                <a:latin typeface="Menlo" panose="020B0609030804020204" pitchFamily="49" charset="0"/>
+              </a:rPr>
+              <a:t>)</a:t>
+            </a:r>
+          </a:p>
+        </p:txBody>
+      </p:sp>
+      <p:sp>
+        <p:nvSpPr>
+          <p:cNvPr id="7" name="文本框 6">
+            <a:extLst>
+              <a:ext uri="{FF2B5EF4-FFF2-40B4-BE49-F238E27FC236}">
+                <a16:creationId xmlns:a16="http://schemas.microsoft.com/office/drawing/2014/main" id="{711F4FEE-4094-7F4B-ADC1-2F72C4988223}"/>
+              </a:ext>
+            </a:extLst>
+          </p:cNvPr>
+          <p:cNvSpPr txBox="1"/>
+          <p:nvPr/>
+        </p:nvSpPr>
+        <p:spPr>
+          <a:xfrm>
+            <a:off x="525294" y="4371711"/>
+            <a:ext cx="7526419" cy="1631216"/>
+          </a:xfrm>
+          <a:prstGeom prst="rect">
+            <a:avLst/>
+          </a:prstGeom>
+          <a:noFill/>
+        </p:spPr>
+        <p:txBody>
+          <a:bodyPr wrap="none" rtlCol="0">
+            <a:spAutoFit/>
+          </a:bodyPr>
+          <a:lstStyle/>
+          <a:p>
+            <a:pPr marL="285750" indent="-285750">
+              <a:buFont typeface="Wingdings" pitchFamily="2" charset="2"/>
+              <a:buChar char="Ø"/>
+            </a:pPr>
+            <a:r>
+              <a:rPr kumimoji="1" lang="en-US" altLang="zh-CN" sz="2000" dirty="0">
+                <a:latin typeface="Optima" panose="02000503060000020004" pitchFamily="2" charset="0"/>
+                <a:ea typeface="KaiTi" panose="02010609060101010101" pitchFamily="49" charset="-122"/>
+              </a:rPr>
+              <a:t>sock</a:t>
+            </a:r>
+            <a:r>
+              <a:rPr kumimoji="1" lang="zh-CN" altLang="en-US" sz="2000" dirty="0">
+                <a:latin typeface="Optima" panose="02000503060000020004" pitchFamily="2" charset="0"/>
+                <a:ea typeface="KaiTi" panose="02010609060101010101" pitchFamily="49" charset="-122"/>
+              </a:rPr>
+              <a:t> 服务器端套接字</a:t>
+            </a:r>
+            <a:endParaRPr kumimoji="1" lang="en-US" altLang="zh-CN" sz="2000" dirty="0">
+              <a:latin typeface="Optima" panose="02000503060000020004" pitchFamily="2" charset="0"/>
+              <a:ea typeface="KaiTi" panose="02010609060101010101" pitchFamily="49" charset="-122"/>
+            </a:endParaRPr>
+          </a:p>
+          <a:p>
+            <a:pPr marL="285750" indent="-285750">
+              <a:buFont typeface="Wingdings" pitchFamily="2" charset="2"/>
+              <a:buChar char="Ø"/>
+            </a:pPr>
+            <a:endParaRPr kumimoji="1" lang="en-US" altLang="zh-CN" sz="2000" dirty="0">
+              <a:latin typeface="Optima" panose="02000503060000020004" pitchFamily="2" charset="0"/>
+              <a:ea typeface="KaiTi" panose="02010609060101010101" pitchFamily="49" charset="-122"/>
+            </a:endParaRPr>
+          </a:p>
+          <a:p>
+            <a:pPr marL="285750" indent="-285750">
+              <a:buFont typeface="Wingdings" pitchFamily="2" charset="2"/>
+              <a:buChar char="Ø"/>
+            </a:pPr>
+            <a:r>
+              <a:rPr kumimoji="1" lang="en-US" altLang="zh-CN" sz="2000" dirty="0" err="1">
+                <a:latin typeface="Optima" panose="02000503060000020004" pitchFamily="2" charset="0"/>
+                <a:ea typeface="KaiTi" panose="02010609060101010101" pitchFamily="49" charset="-122"/>
+              </a:rPr>
+              <a:t>addr</a:t>
+            </a:r>
+            <a:r>
+              <a:rPr kumimoji="1" lang="zh-CN" altLang="en-US" sz="2000" dirty="0">
+                <a:latin typeface="Optima" panose="02000503060000020004" pitchFamily="2" charset="0"/>
+                <a:ea typeface="KaiTi" panose="02010609060101010101" pitchFamily="49" charset="-122"/>
+              </a:rPr>
+              <a:t> 保存客户端地址信息</a:t>
+            </a:r>
+            <a:endParaRPr kumimoji="1" lang="en-US" altLang="zh-CN" sz="2000" dirty="0">
+              <a:latin typeface="Optima" panose="02000503060000020004" pitchFamily="2" charset="0"/>
+              <a:ea typeface="KaiTi" panose="02010609060101010101" pitchFamily="49" charset="-122"/>
+            </a:endParaRPr>
+          </a:p>
+          <a:p>
+            <a:pPr marL="285750" indent="-285750">
+              <a:buFont typeface="Wingdings" pitchFamily="2" charset="2"/>
+              <a:buChar char="Ø"/>
+            </a:pPr>
+            <a:endParaRPr kumimoji="1" lang="en-US" altLang="zh-CN" sz="2000" dirty="0">
+              <a:latin typeface="Optima" panose="02000503060000020004" pitchFamily="2" charset="0"/>
+              <a:ea typeface="KaiTi" panose="02010609060101010101" pitchFamily="49" charset="-122"/>
+            </a:endParaRPr>
+          </a:p>
+          <a:p>
+            <a:pPr marL="285750" indent="-285750">
+              <a:buFont typeface="Wingdings" pitchFamily="2" charset="2"/>
+              <a:buChar char="Ø"/>
+            </a:pPr>
+            <a:r>
+              <a:rPr kumimoji="1" lang="en-US" altLang="zh-CN" sz="2000" dirty="0">
+                <a:latin typeface="Optima" panose="02000503060000020004" pitchFamily="2" charset="0"/>
+                <a:ea typeface="KaiTi" panose="02010609060101010101" pitchFamily="49" charset="-122"/>
+              </a:rPr>
+              <a:t>accept</a:t>
+            </a:r>
+            <a:r>
+              <a:rPr kumimoji="1" lang="zh-CN" altLang="en-US" sz="2000" dirty="0">
+                <a:latin typeface="Optima" panose="02000503060000020004" pitchFamily="2" charset="0"/>
+                <a:ea typeface="KaiTi" panose="02010609060101010101" pitchFamily="49" charset="-122"/>
+              </a:rPr>
+              <a:t> 用于受理连接请求等待队列中待处理的客户端连接请求</a:t>
+            </a:r>
+          </a:p>
+        </p:txBody>
+      </p:sp>
     </p:spTree>
     <p:extLst>
       <p:ext uri="{BB962C8B-B14F-4D97-AF65-F5344CB8AC3E}">
@@ -8136,6 +10548,627 @@
           <a:chExt cx="0" cy="0"/>
         </a:xfrm>
       </p:grpSpPr>
+      <p:sp>
+        <p:nvSpPr>
+          <p:cNvPr id="2" name="文本框 1">
+            <a:extLst>
+              <a:ext uri="{FF2B5EF4-FFF2-40B4-BE49-F238E27FC236}">
+                <a16:creationId xmlns:a16="http://schemas.microsoft.com/office/drawing/2014/main" id="{FE300112-C380-DA43-AC03-F9BE087CFFA4}"/>
+              </a:ext>
+            </a:extLst>
+          </p:cNvPr>
+          <p:cNvSpPr txBox="1"/>
+          <p:nvPr/>
+        </p:nvSpPr>
+        <p:spPr>
+          <a:xfrm>
+            <a:off x="0" y="0"/>
+            <a:ext cx="2600392" cy="523220"/>
+          </a:xfrm>
+          <a:prstGeom prst="rect">
+            <a:avLst/>
+          </a:prstGeom>
+          <a:noFill/>
+        </p:spPr>
+        <p:txBody>
+          <a:bodyPr wrap="none" rtlCol="0">
+            <a:spAutoFit/>
+          </a:bodyPr>
+          <a:lstStyle/>
+          <a:p>
+            <a:r>
+              <a:rPr kumimoji="1" lang="zh-CN" altLang="en-US" sz="2800" dirty="0">
+                <a:latin typeface="Optima" panose="02000503060000020004" pitchFamily="2" charset="0"/>
+                <a:ea typeface="KaiTi" panose="02010609060101010101" pitchFamily="49" charset="-122"/>
+              </a:rPr>
+              <a:t>客户端 </a:t>
+            </a:r>
+            <a:r>
+              <a:rPr kumimoji="1" lang="en-US" altLang="zh-CN" sz="2800" dirty="0">
+                <a:latin typeface="Optima" panose="02000503060000020004" pitchFamily="2" charset="0"/>
+                <a:ea typeface="KaiTi" panose="02010609060101010101" pitchFamily="49" charset="-122"/>
+              </a:rPr>
+              <a:t>connect</a:t>
+            </a:r>
+            <a:endParaRPr kumimoji="1" lang="zh-CN" altLang="en-US" sz="2800" dirty="0">
+              <a:latin typeface="Optima" panose="02000503060000020004" pitchFamily="2" charset="0"/>
+              <a:ea typeface="KaiTi" panose="02010609060101010101" pitchFamily="49" charset="-122"/>
+            </a:endParaRPr>
+          </a:p>
+        </p:txBody>
+      </p:sp>
+      <p:sp>
+        <p:nvSpPr>
+          <p:cNvPr id="3" name="文本框 2">
+            <a:extLst>
+              <a:ext uri="{FF2B5EF4-FFF2-40B4-BE49-F238E27FC236}">
+                <a16:creationId xmlns:a16="http://schemas.microsoft.com/office/drawing/2014/main" id="{25FD8A98-31CD-824D-91A1-9AB2AAC1B700}"/>
+              </a:ext>
+            </a:extLst>
+          </p:cNvPr>
+          <p:cNvSpPr txBox="1"/>
+          <p:nvPr/>
+        </p:nvSpPr>
+        <p:spPr>
+          <a:xfrm>
+            <a:off x="1144553" y="1703136"/>
+            <a:ext cx="10615310" cy="4708981"/>
+          </a:xfrm>
+          <a:prstGeom prst="rect">
+            <a:avLst/>
+          </a:prstGeom>
+          <a:noFill/>
+        </p:spPr>
+        <p:txBody>
+          <a:bodyPr wrap="square" rtlCol="0">
+            <a:spAutoFit/>
+          </a:bodyPr>
+          <a:lstStyle/>
+          <a:p>
+            <a:pPr marL="285750" indent="-285750">
+              <a:buFont typeface="Wingdings" pitchFamily="2" charset="2"/>
+              <a:buChar char="Ø"/>
+            </a:pPr>
+            <a:r>
+              <a:rPr kumimoji="1" lang="zh-CN" altLang="en-US" sz="2000" dirty="0">
+                <a:latin typeface="Optima" panose="02000503060000020004" pitchFamily="2" charset="0"/>
+                <a:ea typeface="KaiTi" panose="02010609060101010101" pitchFamily="49" charset="-122"/>
+              </a:rPr>
+              <a:t>服务器端在调用</a:t>
+            </a:r>
+            <a:r>
+              <a:rPr kumimoji="1" lang="en-US" altLang="zh-CN" sz="2000" dirty="0">
+                <a:latin typeface="Optima" panose="02000503060000020004" pitchFamily="2" charset="0"/>
+                <a:ea typeface="KaiTi" panose="02010609060101010101" pitchFamily="49" charset="-122"/>
+              </a:rPr>
+              <a:t> listen </a:t>
+            </a:r>
+            <a:r>
+              <a:rPr kumimoji="1" lang="zh-CN" altLang="en-US" sz="2000" dirty="0">
+                <a:latin typeface="Optima" panose="02000503060000020004" pitchFamily="2" charset="0"/>
+                <a:ea typeface="KaiTi" panose="02010609060101010101" pitchFamily="49" charset="-122"/>
+              </a:rPr>
+              <a:t>函数后，客户端就可以使用 </a:t>
+            </a:r>
+            <a:r>
+              <a:rPr kumimoji="1" lang="en-US" altLang="zh-CN" sz="2000" dirty="0">
+                <a:latin typeface="Optima" panose="02000503060000020004" pitchFamily="2" charset="0"/>
+                <a:ea typeface="KaiTi" panose="02010609060101010101" pitchFamily="49" charset="-122"/>
+              </a:rPr>
+              <a:t>connect</a:t>
+            </a:r>
+            <a:r>
+              <a:rPr kumimoji="1" lang="zh-CN" altLang="en-US" sz="2000" dirty="0">
+                <a:latin typeface="Optima" panose="02000503060000020004" pitchFamily="2" charset="0"/>
+                <a:ea typeface="KaiTi" panose="02010609060101010101" pitchFamily="49" charset="-122"/>
+              </a:rPr>
+              <a:t> 函数请求连接</a:t>
+            </a:r>
+            <a:endParaRPr kumimoji="1" lang="en-US" altLang="zh-CN" sz="2000" dirty="0">
+              <a:latin typeface="Optima" panose="02000503060000020004" pitchFamily="2" charset="0"/>
+              <a:ea typeface="KaiTi" panose="02010609060101010101" pitchFamily="49" charset="-122"/>
+            </a:endParaRPr>
+          </a:p>
+          <a:p>
+            <a:pPr marL="285750" indent="-285750">
+              <a:buFont typeface="Wingdings" pitchFamily="2" charset="2"/>
+              <a:buChar char="Ø"/>
+            </a:pPr>
+            <a:endParaRPr kumimoji="1" lang="en-US" altLang="zh-CN" sz="2000" dirty="0">
+              <a:latin typeface="Optima" panose="02000503060000020004" pitchFamily="2" charset="0"/>
+              <a:ea typeface="KaiTi" panose="02010609060101010101" pitchFamily="49" charset="-122"/>
+            </a:endParaRPr>
+          </a:p>
+          <a:p>
+            <a:pPr marL="285750" indent="-285750">
+              <a:buFont typeface="Wingdings" pitchFamily="2" charset="2"/>
+              <a:buChar char="Ø"/>
+            </a:pPr>
+            <a:r>
+              <a:rPr kumimoji="1" lang="en-US" altLang="zh-CN" sz="2000" dirty="0" err="1">
+                <a:latin typeface="Optima" panose="02000503060000020004" pitchFamily="2" charset="0"/>
+                <a:ea typeface="KaiTi" panose="02010609060101010101" pitchFamily="49" charset="-122"/>
+              </a:rPr>
+              <a:t>socke</a:t>
+            </a:r>
+            <a:r>
+              <a:rPr kumimoji="1" lang="zh-CN" altLang="en-US" sz="2000" dirty="0">
+                <a:latin typeface="Optima" panose="02000503060000020004" pitchFamily="2" charset="0"/>
+                <a:ea typeface="KaiTi" panose="02010609060101010101" pitchFamily="49" charset="-122"/>
+              </a:rPr>
+              <a:t> 客户端套接字</a:t>
+            </a:r>
+            <a:endParaRPr kumimoji="1" lang="en-US" altLang="zh-CN" sz="2000" dirty="0">
+              <a:latin typeface="Optima" panose="02000503060000020004" pitchFamily="2" charset="0"/>
+              <a:ea typeface="KaiTi" panose="02010609060101010101" pitchFamily="49" charset="-122"/>
+            </a:endParaRPr>
+          </a:p>
+          <a:p>
+            <a:pPr marL="285750" indent="-285750">
+              <a:buFont typeface="Wingdings" pitchFamily="2" charset="2"/>
+              <a:buChar char="Ø"/>
+            </a:pPr>
+            <a:endParaRPr kumimoji="1" lang="en-US" altLang="zh-CN" sz="2000" dirty="0">
+              <a:latin typeface="Optima" panose="02000503060000020004" pitchFamily="2" charset="0"/>
+              <a:ea typeface="KaiTi" panose="02010609060101010101" pitchFamily="49" charset="-122"/>
+            </a:endParaRPr>
+          </a:p>
+          <a:p>
+            <a:pPr marL="285750" indent="-285750">
+              <a:buFont typeface="Wingdings" pitchFamily="2" charset="2"/>
+              <a:buChar char="Ø"/>
+            </a:pPr>
+            <a:r>
+              <a:rPr kumimoji="1" lang="zh-CN" altLang="en-US" sz="2000" dirty="0">
+                <a:latin typeface="Optima" panose="02000503060000020004" pitchFamily="2" charset="0"/>
+                <a:ea typeface="KaiTi" panose="02010609060101010101" pitchFamily="49" charset="-122"/>
+              </a:rPr>
+              <a:t>客户端调用</a:t>
+            </a:r>
+            <a:r>
+              <a:rPr kumimoji="1" lang="en-US" altLang="zh-CN" sz="2000" dirty="0">
+                <a:latin typeface="Optima" panose="02000503060000020004" pitchFamily="2" charset="0"/>
+                <a:ea typeface="KaiTi" panose="02010609060101010101" pitchFamily="49" charset="-122"/>
+              </a:rPr>
+              <a:t> connect </a:t>
+            </a:r>
+            <a:r>
+              <a:rPr kumimoji="1" lang="zh-CN" altLang="en-US" sz="2000" dirty="0">
+                <a:latin typeface="Optima" panose="02000503060000020004" pitchFamily="2" charset="0"/>
+                <a:ea typeface="KaiTi" panose="02010609060101010101" pitchFamily="49" charset="-122"/>
+              </a:rPr>
+              <a:t>后，出现两种情况会返回</a:t>
+            </a:r>
+            <a:endParaRPr kumimoji="1" lang="en-US" altLang="zh-CN" sz="2000" dirty="0">
+              <a:latin typeface="Optima" panose="02000503060000020004" pitchFamily="2" charset="0"/>
+              <a:ea typeface="KaiTi" panose="02010609060101010101" pitchFamily="49" charset="-122"/>
+            </a:endParaRPr>
+          </a:p>
+          <a:p>
+            <a:pPr marL="285750" indent="-285750">
+              <a:buFont typeface="Wingdings" pitchFamily="2" charset="2"/>
+              <a:buChar char="Ø"/>
+            </a:pPr>
+            <a:endParaRPr kumimoji="1" lang="en-US" altLang="zh-CN" sz="2000" dirty="0">
+              <a:latin typeface="Optima" panose="02000503060000020004" pitchFamily="2" charset="0"/>
+              <a:ea typeface="KaiTi" panose="02010609060101010101" pitchFamily="49" charset="-122"/>
+            </a:endParaRPr>
+          </a:p>
+          <a:p>
+            <a:pPr marL="742950" lvl="1" indent="-285750">
+              <a:buFont typeface="Wingdings" pitchFamily="2" charset="2"/>
+              <a:buChar char="ü"/>
+            </a:pPr>
+            <a:r>
+              <a:rPr kumimoji="1" lang="zh-CN" altLang="en-US" sz="2000" dirty="0">
+                <a:latin typeface="Optima" panose="02000503060000020004" pitchFamily="2" charset="0"/>
+                <a:ea typeface="KaiTi" panose="02010609060101010101" pitchFamily="49" charset="-122"/>
+              </a:rPr>
+              <a:t>服务器端接受连接请求</a:t>
+            </a:r>
+            <a:r>
+              <a:rPr kumimoji="1" lang="en-US" altLang="zh-CN" sz="2000" dirty="0">
+                <a:latin typeface="Optima" panose="02000503060000020004" pitchFamily="2" charset="0"/>
+                <a:ea typeface="KaiTi" panose="02010609060101010101" pitchFamily="49" charset="-122"/>
+              </a:rPr>
+              <a:t>——</a:t>
+            </a:r>
+            <a:r>
+              <a:rPr kumimoji="1" lang="zh-CN" altLang="en-US" sz="2000" dirty="0">
+                <a:latin typeface="Optima" panose="02000503060000020004" pitchFamily="2" charset="0"/>
+                <a:ea typeface="KaiTi" panose="02010609060101010101" pitchFamily="49" charset="-122"/>
+              </a:rPr>
+              <a:t>并不是服务器端调用</a:t>
+            </a:r>
+            <a:r>
+              <a:rPr kumimoji="1" lang="en-US" altLang="zh-CN" sz="2000" dirty="0">
+                <a:latin typeface="Optima" panose="02000503060000020004" pitchFamily="2" charset="0"/>
+                <a:ea typeface="KaiTi" panose="02010609060101010101" pitchFamily="49" charset="-122"/>
+              </a:rPr>
+              <a:t> accept </a:t>
+            </a:r>
+            <a:r>
+              <a:rPr kumimoji="1" lang="zh-CN" altLang="en-US" sz="2000" dirty="0">
+                <a:latin typeface="Optima" panose="02000503060000020004" pitchFamily="2" charset="0"/>
+                <a:ea typeface="KaiTi" panose="02010609060101010101" pitchFamily="49" charset="-122"/>
+              </a:rPr>
+              <a:t>函数，而是服务器端把连接请求信息记录到等待队列</a:t>
+            </a:r>
+            <a:endParaRPr kumimoji="1" lang="en-US" altLang="zh-CN" sz="2000" dirty="0">
+              <a:latin typeface="Optima" panose="02000503060000020004" pitchFamily="2" charset="0"/>
+              <a:ea typeface="KaiTi" panose="02010609060101010101" pitchFamily="49" charset="-122"/>
+            </a:endParaRPr>
+          </a:p>
+          <a:p>
+            <a:pPr marL="742950" lvl="1" indent="-285750">
+              <a:buFont typeface="Wingdings" pitchFamily="2" charset="2"/>
+              <a:buChar char="ü"/>
+            </a:pPr>
+            <a:endParaRPr kumimoji="1" lang="en-US" altLang="zh-CN" sz="2000" dirty="0">
+              <a:latin typeface="Optima" panose="02000503060000020004" pitchFamily="2" charset="0"/>
+              <a:ea typeface="KaiTi" panose="02010609060101010101" pitchFamily="49" charset="-122"/>
+            </a:endParaRPr>
+          </a:p>
+          <a:p>
+            <a:pPr marL="742950" lvl="1" indent="-285750">
+              <a:buFont typeface="Wingdings" pitchFamily="2" charset="2"/>
+              <a:buChar char="ü"/>
+            </a:pPr>
+            <a:r>
+              <a:rPr kumimoji="1" lang="zh-CN" altLang="en-US" sz="2000" dirty="0">
+                <a:latin typeface="Optima" panose="02000503060000020004" pitchFamily="2" charset="0"/>
+                <a:ea typeface="KaiTi" panose="02010609060101010101" pitchFamily="49" charset="-122"/>
+              </a:rPr>
+              <a:t>发生断网等异常情况而中断连接请求</a:t>
+            </a:r>
+            <a:endParaRPr kumimoji="1" lang="en-US" altLang="zh-CN" sz="2000" dirty="0">
+              <a:latin typeface="Optima" panose="02000503060000020004" pitchFamily="2" charset="0"/>
+              <a:ea typeface="KaiTi" panose="02010609060101010101" pitchFamily="49" charset="-122"/>
+            </a:endParaRPr>
+          </a:p>
+          <a:p>
+            <a:pPr marL="285750" indent="-285750">
+              <a:buFont typeface="Wingdings" pitchFamily="2" charset="2"/>
+              <a:buChar char="Ø"/>
+            </a:pPr>
+            <a:endParaRPr kumimoji="1" lang="en-US" altLang="zh-CN" sz="2000" dirty="0">
+              <a:latin typeface="Optima" panose="02000503060000020004" pitchFamily="2" charset="0"/>
+              <a:ea typeface="KaiTi" panose="02010609060101010101" pitchFamily="49" charset="-122"/>
+            </a:endParaRPr>
+          </a:p>
+          <a:p>
+            <a:pPr marL="285750" indent="-285750">
+              <a:buFont typeface="Wingdings" pitchFamily="2" charset="2"/>
+              <a:buChar char="Ø"/>
+            </a:pPr>
+            <a:r>
+              <a:rPr kumimoji="1" lang="zh-CN" altLang="en-US" sz="2000" dirty="0">
+                <a:latin typeface="Optima" panose="02000503060000020004" pitchFamily="2" charset="0"/>
+                <a:ea typeface="KaiTi" panose="02010609060101010101" pitchFamily="49" charset="-122"/>
+              </a:rPr>
+              <a:t>客户端的套接字地址信息如何得到？</a:t>
+            </a:r>
+            <a:endParaRPr kumimoji="1" lang="en-US" altLang="zh-CN" sz="2000" dirty="0">
+              <a:latin typeface="Optima" panose="02000503060000020004" pitchFamily="2" charset="0"/>
+              <a:ea typeface="KaiTi" panose="02010609060101010101" pitchFamily="49" charset="-122"/>
+            </a:endParaRPr>
+          </a:p>
+          <a:p>
+            <a:pPr marL="285750" indent="-285750">
+              <a:buFont typeface="Wingdings" pitchFamily="2" charset="2"/>
+              <a:buChar char="Ø"/>
+            </a:pPr>
+            <a:endParaRPr kumimoji="1" lang="en-US" altLang="zh-CN" sz="2000" dirty="0">
+              <a:latin typeface="Optima" panose="02000503060000020004" pitchFamily="2" charset="0"/>
+              <a:ea typeface="KaiTi" panose="02010609060101010101" pitchFamily="49" charset="-122"/>
+            </a:endParaRPr>
+          </a:p>
+          <a:p>
+            <a:pPr marL="742950" lvl="1" indent="-285750">
+              <a:buFont typeface="Wingdings" pitchFamily="2" charset="2"/>
+              <a:buChar char="ü"/>
+            </a:pPr>
+            <a:r>
+              <a:rPr kumimoji="1" lang="zh-CN" altLang="en-US" sz="2000" dirty="0">
+                <a:latin typeface="Optima" panose="02000503060000020004" pitchFamily="2" charset="0"/>
+                <a:ea typeface="KaiTi" panose="02010609060101010101" pitchFamily="49" charset="-122"/>
+              </a:rPr>
+              <a:t>在调用</a:t>
+            </a:r>
+            <a:r>
+              <a:rPr kumimoji="1" lang="en-US" altLang="zh-CN" sz="2000" dirty="0">
+                <a:latin typeface="Optima" panose="02000503060000020004" pitchFamily="2" charset="0"/>
+                <a:ea typeface="KaiTi" panose="02010609060101010101" pitchFamily="49" charset="-122"/>
+              </a:rPr>
+              <a:t> connect </a:t>
+            </a:r>
+            <a:r>
+              <a:rPr kumimoji="1" lang="zh-CN" altLang="en-US" sz="2000" dirty="0">
+                <a:latin typeface="Optima" panose="02000503060000020004" pitchFamily="2" charset="0"/>
+                <a:ea typeface="KaiTi" panose="02010609060101010101" pitchFamily="49" charset="-122"/>
+              </a:rPr>
+              <a:t>函数时，操作系统会自动分配客户端的</a:t>
+            </a:r>
+            <a:r>
+              <a:rPr kumimoji="1" lang="en-US" altLang="zh-CN" sz="2000" dirty="0">
+                <a:latin typeface="Optima" panose="02000503060000020004" pitchFamily="2" charset="0"/>
+                <a:ea typeface="KaiTi" panose="02010609060101010101" pitchFamily="49" charset="-122"/>
+              </a:rPr>
+              <a:t> IP </a:t>
+            </a:r>
+            <a:r>
+              <a:rPr kumimoji="1" lang="zh-CN" altLang="en-US" sz="2000" dirty="0">
+                <a:latin typeface="Optima" panose="02000503060000020004" pitchFamily="2" charset="0"/>
+                <a:ea typeface="KaiTi" panose="02010609060101010101" pitchFamily="49" charset="-122"/>
+              </a:rPr>
+              <a:t>地址和端口号，无需</a:t>
+            </a:r>
+            <a:r>
+              <a:rPr kumimoji="1" lang="en-US" altLang="zh-CN" sz="2000" dirty="0">
+                <a:latin typeface="Optima" panose="02000503060000020004" pitchFamily="2" charset="0"/>
+                <a:ea typeface="KaiTi" panose="02010609060101010101" pitchFamily="49" charset="-122"/>
+              </a:rPr>
+              <a:t> blind </a:t>
+            </a:r>
+            <a:r>
+              <a:rPr kumimoji="1" lang="zh-CN" altLang="en-US" sz="2000" dirty="0">
+                <a:latin typeface="Optima" panose="02000503060000020004" pitchFamily="2" charset="0"/>
+                <a:ea typeface="KaiTi" panose="02010609060101010101" pitchFamily="49" charset="-122"/>
+              </a:rPr>
+              <a:t>函数分配</a:t>
+            </a:r>
+          </a:p>
+        </p:txBody>
+      </p:sp>
+      <p:sp>
+        <p:nvSpPr>
+          <p:cNvPr id="5" name="文本框 4">
+            <a:extLst>
+              <a:ext uri="{FF2B5EF4-FFF2-40B4-BE49-F238E27FC236}">
+                <a16:creationId xmlns:a16="http://schemas.microsoft.com/office/drawing/2014/main" id="{F88AD02F-B61A-B947-8618-F5A2EC2B213C}"/>
+              </a:ext>
+            </a:extLst>
+          </p:cNvPr>
+          <p:cNvSpPr txBox="1"/>
+          <p:nvPr/>
+        </p:nvSpPr>
+        <p:spPr>
+          <a:xfrm>
+            <a:off x="824418" y="928512"/>
+            <a:ext cx="10449939" cy="369332"/>
+          </a:xfrm>
+          <a:prstGeom prst="rect">
+            <a:avLst/>
+          </a:prstGeom>
+          <a:noFill/>
+        </p:spPr>
+        <p:txBody>
+          <a:bodyPr wrap="square">
+            <a:spAutoFit/>
+          </a:bodyPr>
+          <a:lstStyle/>
+          <a:p>
+            <a:r>
+              <a:rPr lang="en" altLang="zh-CN" b="0" dirty="0">
+                <a:solidFill>
+                  <a:srgbClr val="0000FF"/>
+                </a:solidFill>
+                <a:effectLst/>
+                <a:latin typeface="Menlo" panose="020B0609030804020204" pitchFamily="49" charset="0"/>
+              </a:rPr>
+              <a:t>int</a:t>
+            </a:r>
+            <a:r>
+              <a:rPr lang="en" altLang="zh-CN" b="0" dirty="0">
+                <a:solidFill>
+                  <a:srgbClr val="3B3B3B"/>
+                </a:solidFill>
+                <a:effectLst/>
+                <a:latin typeface="Menlo" panose="020B0609030804020204" pitchFamily="49" charset="0"/>
+              </a:rPr>
+              <a:t> </a:t>
+            </a:r>
+            <a:r>
+              <a:rPr lang="en" altLang="zh-CN" b="0" dirty="0">
+                <a:solidFill>
+                  <a:srgbClr val="795E26"/>
+                </a:solidFill>
+                <a:effectLst/>
+                <a:latin typeface="Menlo" panose="020B0609030804020204" pitchFamily="49" charset="0"/>
+              </a:rPr>
+              <a:t>connect</a:t>
+            </a:r>
+            <a:r>
+              <a:rPr lang="en" altLang="zh-CN" b="0" dirty="0">
+                <a:solidFill>
+                  <a:srgbClr val="3B3B3B"/>
+                </a:solidFill>
+                <a:effectLst/>
+                <a:latin typeface="Menlo" panose="020B0609030804020204" pitchFamily="49" charset="0"/>
+              </a:rPr>
+              <a:t>(</a:t>
+            </a:r>
+            <a:r>
+              <a:rPr lang="en" altLang="zh-CN" b="0" dirty="0">
+                <a:solidFill>
+                  <a:srgbClr val="0000FF"/>
+                </a:solidFill>
+                <a:effectLst/>
+                <a:latin typeface="Menlo" panose="020B0609030804020204" pitchFamily="49" charset="0"/>
+              </a:rPr>
+              <a:t>int</a:t>
+            </a:r>
+            <a:r>
+              <a:rPr lang="zh-CN" altLang="en-US" b="0" dirty="0">
+                <a:solidFill>
+                  <a:srgbClr val="0000FF"/>
+                </a:solidFill>
+                <a:effectLst/>
+                <a:latin typeface="Menlo" panose="020B0609030804020204" pitchFamily="49" charset="0"/>
+              </a:rPr>
+              <a:t> </a:t>
+            </a:r>
+            <a:r>
+              <a:rPr lang="en" altLang="zh-CN" b="0" dirty="0">
+                <a:solidFill>
+                  <a:srgbClr val="001080"/>
+                </a:solidFill>
+                <a:effectLst/>
+                <a:latin typeface="Menlo" panose="020B0609030804020204" pitchFamily="49" charset="0"/>
+              </a:rPr>
+              <a:t>sock</a:t>
+            </a:r>
+            <a:r>
+              <a:rPr lang="en" altLang="zh-CN" b="0" dirty="0">
+                <a:solidFill>
+                  <a:srgbClr val="3B3B3B"/>
+                </a:solidFill>
+                <a:effectLst/>
+                <a:latin typeface="Menlo" panose="020B0609030804020204" pitchFamily="49" charset="0"/>
+              </a:rPr>
+              <a:t>, </a:t>
+            </a:r>
+            <a:r>
+              <a:rPr lang="en" altLang="zh-CN" b="0" dirty="0">
+                <a:solidFill>
+                  <a:srgbClr val="0000FF"/>
+                </a:solidFill>
+                <a:effectLst/>
+                <a:latin typeface="Menlo" panose="020B0609030804020204" pitchFamily="49" charset="0"/>
+              </a:rPr>
+              <a:t>const</a:t>
+            </a:r>
+            <a:r>
+              <a:rPr lang="en" altLang="zh-CN" b="0" dirty="0">
+                <a:solidFill>
+                  <a:srgbClr val="3B3B3B"/>
+                </a:solidFill>
+                <a:effectLst/>
+                <a:latin typeface="Menlo" panose="020B0609030804020204" pitchFamily="49" charset="0"/>
+              </a:rPr>
+              <a:t> </a:t>
+            </a:r>
+            <a:r>
+              <a:rPr lang="en" altLang="zh-CN" b="0" dirty="0">
+                <a:solidFill>
+                  <a:srgbClr val="0000FF"/>
+                </a:solidFill>
+                <a:effectLst/>
+                <a:latin typeface="Menlo" panose="020B0609030804020204" pitchFamily="49" charset="0"/>
+              </a:rPr>
+              <a:t>struct</a:t>
+            </a:r>
+            <a:r>
+              <a:rPr lang="en" altLang="zh-CN" b="0" dirty="0">
+                <a:solidFill>
+                  <a:srgbClr val="3B3B3B"/>
+                </a:solidFill>
+                <a:effectLst/>
+                <a:latin typeface="Menlo" panose="020B0609030804020204" pitchFamily="49" charset="0"/>
+              </a:rPr>
+              <a:t> </a:t>
+            </a:r>
+            <a:r>
+              <a:rPr lang="en" altLang="zh-CN" b="0" dirty="0" err="1">
+                <a:solidFill>
+                  <a:srgbClr val="267F99"/>
+                </a:solidFill>
+                <a:effectLst/>
+                <a:latin typeface="Menlo" panose="020B0609030804020204" pitchFamily="49" charset="0"/>
+              </a:rPr>
+              <a:t>sockaddr</a:t>
+            </a:r>
+            <a:r>
+              <a:rPr lang="en" altLang="zh-CN" b="0" dirty="0">
+                <a:solidFill>
+                  <a:srgbClr val="3B3B3B"/>
+                </a:solidFill>
+                <a:effectLst/>
+                <a:latin typeface="Menlo" panose="020B0609030804020204" pitchFamily="49" charset="0"/>
+              </a:rPr>
+              <a:t> </a:t>
+            </a:r>
+            <a:r>
+              <a:rPr lang="en" altLang="zh-CN" b="0" dirty="0">
+                <a:solidFill>
+                  <a:srgbClr val="000000"/>
+                </a:solidFill>
+                <a:effectLst/>
+                <a:latin typeface="Menlo" panose="020B0609030804020204" pitchFamily="49" charset="0"/>
+              </a:rPr>
+              <a:t>*</a:t>
+            </a:r>
+            <a:r>
+              <a:rPr lang="zh-CN" altLang="en-US" b="0" dirty="0">
+                <a:solidFill>
+                  <a:srgbClr val="000000"/>
+                </a:solidFill>
+                <a:effectLst/>
+                <a:latin typeface="Menlo" panose="020B0609030804020204" pitchFamily="49" charset="0"/>
+              </a:rPr>
+              <a:t> </a:t>
+            </a:r>
+            <a:r>
+              <a:rPr lang="en-US" altLang="zh-CN" dirty="0" err="1">
+                <a:solidFill>
+                  <a:srgbClr val="001080"/>
+                </a:solidFill>
+                <a:latin typeface="Menlo" panose="020B0609030804020204" pitchFamily="49" charset="0"/>
+              </a:rPr>
+              <a:t>servaddr</a:t>
+            </a:r>
+            <a:r>
+              <a:rPr lang="en" altLang="zh-CN" b="0" dirty="0">
+                <a:solidFill>
+                  <a:srgbClr val="3B3B3B"/>
+                </a:solidFill>
+                <a:effectLst/>
+                <a:latin typeface="Menlo" panose="020B0609030804020204" pitchFamily="49" charset="0"/>
+              </a:rPr>
+              <a:t>, </a:t>
+            </a:r>
+            <a:r>
+              <a:rPr lang="en" altLang="zh-CN" b="0" dirty="0" err="1">
+                <a:solidFill>
+                  <a:srgbClr val="267F99"/>
+                </a:solidFill>
+                <a:effectLst/>
+                <a:latin typeface="Menlo" panose="020B0609030804020204" pitchFamily="49" charset="0"/>
+              </a:rPr>
+              <a:t>socklen_t</a:t>
+            </a:r>
+            <a:r>
+              <a:rPr lang="zh-CN" altLang="en-US" b="0" dirty="0">
+                <a:solidFill>
+                  <a:srgbClr val="267F99"/>
+                </a:solidFill>
+                <a:effectLst/>
+                <a:latin typeface="Menlo" panose="020B0609030804020204" pitchFamily="49" charset="0"/>
+              </a:rPr>
+              <a:t> </a:t>
+            </a:r>
+            <a:r>
+              <a:rPr lang="en-US" altLang="zh-CN" dirty="0" err="1">
+                <a:solidFill>
+                  <a:srgbClr val="001080"/>
+                </a:solidFill>
+                <a:latin typeface="Menlo" panose="020B0609030804020204" pitchFamily="49" charset="0"/>
+              </a:rPr>
+              <a:t>addrlen</a:t>
+            </a:r>
+            <a:r>
+              <a:rPr lang="en" altLang="zh-CN" b="0" dirty="0">
+                <a:solidFill>
+                  <a:srgbClr val="3B3B3B"/>
+                </a:solidFill>
+                <a:effectLst/>
+                <a:latin typeface="Menlo" panose="020B0609030804020204" pitchFamily="49" charset="0"/>
+              </a:rPr>
+              <a:t>)</a:t>
+            </a:r>
+          </a:p>
+        </p:txBody>
+      </p:sp>
     </p:spTree>
     <p:extLst>
       <p:ext uri="{BB962C8B-B14F-4D97-AF65-F5344CB8AC3E}">
@@ -9121,10 +12154,1754 @@
           <a:chExt cx="0" cy="0"/>
         </a:xfrm>
       </p:grpSpPr>
+      <p:sp>
+        <p:nvSpPr>
+          <p:cNvPr id="2" name="文本框 1">
+            <a:extLst>
+              <a:ext uri="{FF2B5EF4-FFF2-40B4-BE49-F238E27FC236}">
+                <a16:creationId xmlns:a16="http://schemas.microsoft.com/office/drawing/2014/main" id="{19A932C2-E6DD-E049-B744-C27F4ABD9599}"/>
+              </a:ext>
+            </a:extLst>
+          </p:cNvPr>
+          <p:cNvSpPr txBox="1"/>
+          <p:nvPr/>
+        </p:nvSpPr>
+        <p:spPr>
+          <a:xfrm>
+            <a:off x="0" y="0"/>
+            <a:ext cx="5889754" cy="523220"/>
+          </a:xfrm>
+          <a:prstGeom prst="rect">
+            <a:avLst/>
+          </a:prstGeom>
+          <a:noFill/>
+        </p:spPr>
+        <p:txBody>
+          <a:bodyPr wrap="none" rtlCol="0">
+            <a:spAutoFit/>
+          </a:bodyPr>
+          <a:lstStyle/>
+          <a:p>
+            <a:r>
+              <a:rPr kumimoji="1" lang="en-US" altLang="zh-CN" sz="2800" dirty="0">
+                <a:latin typeface="Optima" panose="02000503060000020004" pitchFamily="2" charset="0"/>
+                <a:ea typeface="KaiTi" panose="02010609060101010101" pitchFamily="49" charset="-122"/>
+              </a:rPr>
+              <a:t>TCP </a:t>
+            </a:r>
+            <a:r>
+              <a:rPr kumimoji="1" lang="zh-CN" altLang="en-US" sz="2800" dirty="0">
+                <a:latin typeface="Optima" panose="02000503060000020004" pitchFamily="2" charset="0"/>
+                <a:ea typeface="KaiTi" panose="02010609060101010101" pitchFamily="49" charset="-122"/>
+              </a:rPr>
+              <a:t>服务器端 </a:t>
+            </a:r>
+            <a:r>
+              <a:rPr kumimoji="1" lang="en-US" altLang="zh-CN" sz="2800" dirty="0">
+                <a:latin typeface="Optima" panose="02000503060000020004" pitchFamily="2" charset="0"/>
+                <a:ea typeface="KaiTi" panose="02010609060101010101" pitchFamily="49" charset="-122"/>
+              </a:rPr>
+              <a:t>/</a:t>
+            </a:r>
+            <a:r>
+              <a:rPr kumimoji="1" lang="zh-CN" altLang="en-US" sz="2800" dirty="0">
+                <a:latin typeface="Optima" panose="02000503060000020004" pitchFamily="2" charset="0"/>
+                <a:ea typeface="KaiTi" panose="02010609060101010101" pitchFamily="49" charset="-122"/>
+              </a:rPr>
+              <a:t> 客户端函数调用关系</a:t>
+            </a:r>
+          </a:p>
+        </p:txBody>
+      </p:sp>
+      <p:sp>
+        <p:nvSpPr>
+          <p:cNvPr id="3" name="矩形 2">
+            <a:extLst>
+              <a:ext uri="{FF2B5EF4-FFF2-40B4-BE49-F238E27FC236}">
+                <a16:creationId xmlns:a16="http://schemas.microsoft.com/office/drawing/2014/main" id="{4C225B95-1B2D-0547-A317-2ECAD96C60D1}"/>
+              </a:ext>
+            </a:extLst>
+          </p:cNvPr>
+          <p:cNvSpPr/>
+          <p:nvPr/>
+        </p:nvSpPr>
+        <p:spPr>
+          <a:xfrm>
+            <a:off x="1536970" y="992221"/>
+            <a:ext cx="1468877" cy="622570"/>
+          </a:xfrm>
+          <a:prstGeom prst="rect">
+            <a:avLst/>
+          </a:prstGeom>
+          <a:ln>
+            <a:noFill/>
+          </a:ln>
+        </p:spPr>
+        <p:style>
+          <a:lnRef idx="2">
+            <a:schemeClr val="accent1">
+              <a:shade val="50000"/>
+            </a:schemeClr>
+          </a:lnRef>
+          <a:fillRef idx="1">
+            <a:schemeClr val="accent1"/>
+          </a:fillRef>
+          <a:effectRef idx="0">
+            <a:schemeClr val="accent1"/>
+          </a:effectRef>
+          <a:fontRef idx="minor">
+            <a:schemeClr val="lt1"/>
+          </a:fontRef>
+        </p:style>
+        <p:txBody>
+          <a:bodyPr rtlCol="0" anchor="ctr"/>
+          <a:lstStyle/>
+          <a:p>
+            <a:pPr algn="ctr"/>
+            <a:r>
+              <a:rPr kumimoji="1" lang="en-US" altLang="zh-CN" sz="2000" b="1" dirty="0">
+                <a:latin typeface="Optima" panose="02000503060000020004" pitchFamily="2" charset="0"/>
+                <a:ea typeface="KaiTi" panose="02010609060101010101" pitchFamily="49" charset="-122"/>
+              </a:rPr>
+              <a:t>socket(</a:t>
+            </a:r>
+            <a:r>
+              <a:rPr kumimoji="1" lang="zh-CN" altLang="en-US" sz="2000" b="1" dirty="0">
+                <a:latin typeface="Optima" panose="02000503060000020004" pitchFamily="2" charset="0"/>
+                <a:ea typeface="KaiTi" panose="02010609060101010101" pitchFamily="49" charset="-122"/>
+              </a:rPr>
+              <a:t> </a:t>
+            </a:r>
+            <a:r>
+              <a:rPr kumimoji="1" lang="en-US" altLang="zh-CN" sz="2000" b="1" dirty="0">
+                <a:latin typeface="Optima" panose="02000503060000020004" pitchFamily="2" charset="0"/>
+                <a:ea typeface="KaiTi" panose="02010609060101010101" pitchFamily="49" charset="-122"/>
+              </a:rPr>
+              <a:t>)</a:t>
+            </a:r>
+            <a:endParaRPr kumimoji="1" lang="zh-CN" altLang="en-US" sz="2000" b="1" dirty="0">
+              <a:latin typeface="Optima" panose="02000503060000020004" pitchFamily="2" charset="0"/>
+              <a:ea typeface="KaiTi" panose="02010609060101010101" pitchFamily="49" charset="-122"/>
+            </a:endParaRPr>
+          </a:p>
+        </p:txBody>
+      </p:sp>
+      <p:sp>
+        <p:nvSpPr>
+          <p:cNvPr id="4" name="矩形 3">
+            <a:extLst>
+              <a:ext uri="{FF2B5EF4-FFF2-40B4-BE49-F238E27FC236}">
+                <a16:creationId xmlns:a16="http://schemas.microsoft.com/office/drawing/2014/main" id="{7E0EBD5F-A054-0D45-A384-36958EB314B9}"/>
+              </a:ext>
+            </a:extLst>
+          </p:cNvPr>
+          <p:cNvSpPr/>
+          <p:nvPr/>
+        </p:nvSpPr>
+        <p:spPr>
+          <a:xfrm>
+            <a:off x="1536970" y="1970122"/>
+            <a:ext cx="1468877" cy="622570"/>
+          </a:xfrm>
+          <a:prstGeom prst="rect">
+            <a:avLst/>
+          </a:prstGeom>
+          <a:ln>
+            <a:noFill/>
+          </a:ln>
+        </p:spPr>
+        <p:style>
+          <a:lnRef idx="2">
+            <a:schemeClr val="accent1">
+              <a:shade val="50000"/>
+            </a:schemeClr>
+          </a:lnRef>
+          <a:fillRef idx="1">
+            <a:schemeClr val="accent1"/>
+          </a:fillRef>
+          <a:effectRef idx="0">
+            <a:schemeClr val="accent1"/>
+          </a:effectRef>
+          <a:fontRef idx="minor">
+            <a:schemeClr val="lt1"/>
+          </a:fontRef>
+        </p:style>
+        <p:txBody>
+          <a:bodyPr rtlCol="0" anchor="ctr"/>
+          <a:lstStyle/>
+          <a:p>
+            <a:pPr algn="ctr"/>
+            <a:r>
+              <a:rPr kumimoji="1" lang="en-US" altLang="zh-CN" sz="2000" b="1" dirty="0">
+                <a:latin typeface="Optima" panose="02000503060000020004" pitchFamily="2" charset="0"/>
+                <a:ea typeface="KaiTi" panose="02010609060101010101" pitchFamily="49" charset="-122"/>
+              </a:rPr>
+              <a:t>bind(</a:t>
+            </a:r>
+            <a:r>
+              <a:rPr kumimoji="1" lang="zh-CN" altLang="en-US" sz="2000" b="1" dirty="0">
+                <a:latin typeface="Optima" panose="02000503060000020004" pitchFamily="2" charset="0"/>
+                <a:ea typeface="KaiTi" panose="02010609060101010101" pitchFamily="49" charset="-122"/>
+              </a:rPr>
+              <a:t> </a:t>
+            </a:r>
+            <a:r>
+              <a:rPr kumimoji="1" lang="en-US" altLang="zh-CN" sz="2000" b="1" dirty="0">
+                <a:latin typeface="Optima" panose="02000503060000020004" pitchFamily="2" charset="0"/>
+                <a:ea typeface="KaiTi" panose="02010609060101010101" pitchFamily="49" charset="-122"/>
+              </a:rPr>
+              <a:t>)</a:t>
+            </a:r>
+            <a:endParaRPr kumimoji="1" lang="zh-CN" altLang="en-US" sz="2000" b="1" dirty="0">
+              <a:latin typeface="Optima" panose="02000503060000020004" pitchFamily="2" charset="0"/>
+              <a:ea typeface="KaiTi" panose="02010609060101010101" pitchFamily="49" charset="-122"/>
+            </a:endParaRPr>
+          </a:p>
+        </p:txBody>
+      </p:sp>
+      <p:sp>
+        <p:nvSpPr>
+          <p:cNvPr id="5" name="矩形 4">
+            <a:extLst>
+              <a:ext uri="{FF2B5EF4-FFF2-40B4-BE49-F238E27FC236}">
+                <a16:creationId xmlns:a16="http://schemas.microsoft.com/office/drawing/2014/main" id="{7D690A58-CF9B-AB4E-ACD7-32F74EDA8186}"/>
+              </a:ext>
+            </a:extLst>
+          </p:cNvPr>
+          <p:cNvSpPr/>
+          <p:nvPr/>
+        </p:nvSpPr>
+        <p:spPr>
+          <a:xfrm>
+            <a:off x="1536970" y="2948023"/>
+            <a:ext cx="1468877" cy="622570"/>
+          </a:xfrm>
+          <a:prstGeom prst="rect">
+            <a:avLst/>
+          </a:prstGeom>
+          <a:ln>
+            <a:noFill/>
+          </a:ln>
+        </p:spPr>
+        <p:style>
+          <a:lnRef idx="2">
+            <a:schemeClr val="accent1">
+              <a:shade val="50000"/>
+            </a:schemeClr>
+          </a:lnRef>
+          <a:fillRef idx="1">
+            <a:schemeClr val="accent1"/>
+          </a:fillRef>
+          <a:effectRef idx="0">
+            <a:schemeClr val="accent1"/>
+          </a:effectRef>
+          <a:fontRef idx="minor">
+            <a:schemeClr val="lt1"/>
+          </a:fontRef>
+        </p:style>
+        <p:txBody>
+          <a:bodyPr rtlCol="0" anchor="ctr"/>
+          <a:lstStyle/>
+          <a:p>
+            <a:pPr algn="ctr"/>
+            <a:r>
+              <a:rPr kumimoji="1" lang="en-US" altLang="zh-CN" sz="2000" b="1" dirty="0">
+                <a:latin typeface="Optima" panose="02000503060000020004" pitchFamily="2" charset="0"/>
+                <a:ea typeface="KaiTi" panose="02010609060101010101" pitchFamily="49" charset="-122"/>
+              </a:rPr>
+              <a:t>listen(</a:t>
+            </a:r>
+            <a:r>
+              <a:rPr kumimoji="1" lang="zh-CN" altLang="en-US" sz="2000" b="1" dirty="0">
+                <a:latin typeface="Optima" panose="02000503060000020004" pitchFamily="2" charset="0"/>
+                <a:ea typeface="KaiTi" panose="02010609060101010101" pitchFamily="49" charset="-122"/>
+              </a:rPr>
+              <a:t> </a:t>
+            </a:r>
+            <a:r>
+              <a:rPr kumimoji="1" lang="en-US" altLang="zh-CN" sz="2000" b="1" dirty="0">
+                <a:latin typeface="Optima" panose="02000503060000020004" pitchFamily="2" charset="0"/>
+                <a:ea typeface="KaiTi" panose="02010609060101010101" pitchFamily="49" charset="-122"/>
+              </a:rPr>
+              <a:t>)</a:t>
+            </a:r>
+            <a:endParaRPr kumimoji="1" lang="zh-CN" altLang="en-US" sz="2000" b="1" dirty="0">
+              <a:latin typeface="Optima" panose="02000503060000020004" pitchFamily="2" charset="0"/>
+              <a:ea typeface="KaiTi" panose="02010609060101010101" pitchFamily="49" charset="-122"/>
+            </a:endParaRPr>
+          </a:p>
+        </p:txBody>
+      </p:sp>
+      <p:sp>
+        <p:nvSpPr>
+          <p:cNvPr id="6" name="矩形 5">
+            <a:extLst>
+              <a:ext uri="{FF2B5EF4-FFF2-40B4-BE49-F238E27FC236}">
+                <a16:creationId xmlns:a16="http://schemas.microsoft.com/office/drawing/2014/main" id="{02BA749B-D345-4B4B-9DC8-ADE3B8435174}"/>
+              </a:ext>
+            </a:extLst>
+          </p:cNvPr>
+          <p:cNvSpPr/>
+          <p:nvPr/>
+        </p:nvSpPr>
+        <p:spPr>
+          <a:xfrm>
+            <a:off x="1536970" y="3925924"/>
+            <a:ext cx="1468877" cy="622570"/>
+          </a:xfrm>
+          <a:prstGeom prst="rect">
+            <a:avLst/>
+          </a:prstGeom>
+          <a:ln>
+            <a:noFill/>
+          </a:ln>
+        </p:spPr>
+        <p:style>
+          <a:lnRef idx="2">
+            <a:schemeClr val="accent1">
+              <a:shade val="50000"/>
+            </a:schemeClr>
+          </a:lnRef>
+          <a:fillRef idx="1">
+            <a:schemeClr val="accent1"/>
+          </a:fillRef>
+          <a:effectRef idx="0">
+            <a:schemeClr val="accent1"/>
+          </a:effectRef>
+          <a:fontRef idx="minor">
+            <a:schemeClr val="lt1"/>
+          </a:fontRef>
+        </p:style>
+        <p:txBody>
+          <a:bodyPr rtlCol="0" anchor="ctr"/>
+          <a:lstStyle/>
+          <a:p>
+            <a:pPr algn="ctr"/>
+            <a:r>
+              <a:rPr kumimoji="1" lang="en-US" altLang="zh-CN" sz="2000" b="1" dirty="0">
+                <a:latin typeface="Optima" panose="02000503060000020004" pitchFamily="2" charset="0"/>
+                <a:ea typeface="KaiTi" panose="02010609060101010101" pitchFamily="49" charset="-122"/>
+              </a:rPr>
+              <a:t>accept(</a:t>
+            </a:r>
+            <a:r>
+              <a:rPr kumimoji="1" lang="zh-CN" altLang="en-US" sz="2000" b="1" dirty="0">
+                <a:latin typeface="Optima" panose="02000503060000020004" pitchFamily="2" charset="0"/>
+                <a:ea typeface="KaiTi" panose="02010609060101010101" pitchFamily="49" charset="-122"/>
+              </a:rPr>
+              <a:t> </a:t>
+            </a:r>
+            <a:r>
+              <a:rPr kumimoji="1" lang="en-US" altLang="zh-CN" sz="2000" b="1" dirty="0">
+                <a:latin typeface="Optima" panose="02000503060000020004" pitchFamily="2" charset="0"/>
+                <a:ea typeface="KaiTi" panose="02010609060101010101" pitchFamily="49" charset="-122"/>
+              </a:rPr>
+              <a:t>)</a:t>
+            </a:r>
+            <a:endParaRPr kumimoji="1" lang="zh-CN" altLang="en-US" sz="2000" b="1" dirty="0">
+              <a:latin typeface="Optima" panose="02000503060000020004" pitchFamily="2" charset="0"/>
+              <a:ea typeface="KaiTi" panose="02010609060101010101" pitchFamily="49" charset="-122"/>
+            </a:endParaRPr>
+          </a:p>
+        </p:txBody>
+      </p:sp>
+      <p:sp>
+        <p:nvSpPr>
+          <p:cNvPr id="7" name="矩形 6">
+            <a:extLst>
+              <a:ext uri="{FF2B5EF4-FFF2-40B4-BE49-F238E27FC236}">
+                <a16:creationId xmlns:a16="http://schemas.microsoft.com/office/drawing/2014/main" id="{761FC5E9-F485-7547-B3D2-38C3F05BD6AE}"/>
+              </a:ext>
+            </a:extLst>
+          </p:cNvPr>
+          <p:cNvSpPr/>
+          <p:nvPr/>
+        </p:nvSpPr>
+        <p:spPr>
+          <a:xfrm>
+            <a:off x="1332688" y="4903825"/>
+            <a:ext cx="1877440" cy="622570"/>
+          </a:xfrm>
+          <a:prstGeom prst="rect">
+            <a:avLst/>
+          </a:prstGeom>
+          <a:ln>
+            <a:noFill/>
+          </a:ln>
+        </p:spPr>
+        <p:style>
+          <a:lnRef idx="2">
+            <a:schemeClr val="accent1">
+              <a:shade val="50000"/>
+            </a:schemeClr>
+          </a:lnRef>
+          <a:fillRef idx="1">
+            <a:schemeClr val="accent1"/>
+          </a:fillRef>
+          <a:effectRef idx="0">
+            <a:schemeClr val="accent1"/>
+          </a:effectRef>
+          <a:fontRef idx="minor">
+            <a:schemeClr val="lt1"/>
+          </a:fontRef>
+        </p:style>
+        <p:txBody>
+          <a:bodyPr rtlCol="0" anchor="ctr"/>
+          <a:lstStyle/>
+          <a:p>
+            <a:pPr algn="ctr"/>
+            <a:r>
+              <a:rPr kumimoji="1" lang="en-US" altLang="zh-CN" sz="2000" b="1" dirty="0">
+                <a:latin typeface="Optima" panose="02000503060000020004" pitchFamily="2" charset="0"/>
+                <a:ea typeface="KaiTi" panose="02010609060101010101" pitchFamily="49" charset="-122"/>
+              </a:rPr>
+              <a:t>read(</a:t>
+            </a:r>
+            <a:r>
+              <a:rPr kumimoji="1" lang="zh-CN" altLang="en-US" sz="2000" b="1" dirty="0">
+                <a:latin typeface="Optima" panose="02000503060000020004" pitchFamily="2" charset="0"/>
+                <a:ea typeface="KaiTi" panose="02010609060101010101" pitchFamily="49" charset="-122"/>
+              </a:rPr>
+              <a:t> </a:t>
+            </a:r>
+            <a:r>
+              <a:rPr kumimoji="1" lang="en-US" altLang="zh-CN" sz="2000" b="1" dirty="0">
+                <a:latin typeface="Optima" panose="02000503060000020004" pitchFamily="2" charset="0"/>
+                <a:ea typeface="KaiTi" panose="02010609060101010101" pitchFamily="49" charset="-122"/>
+              </a:rPr>
+              <a:t>)</a:t>
+            </a:r>
+          </a:p>
+          <a:p>
+            <a:pPr algn="ctr"/>
+            <a:r>
+              <a:rPr kumimoji="1" lang="en-US" altLang="zh-CN" sz="2000" b="1" dirty="0">
+                <a:latin typeface="Optima" panose="02000503060000020004" pitchFamily="2" charset="0"/>
+                <a:ea typeface="KaiTi" panose="02010609060101010101" pitchFamily="49" charset="-122"/>
+              </a:rPr>
+              <a:t>write(</a:t>
+            </a:r>
+            <a:r>
+              <a:rPr kumimoji="1" lang="zh-CN" altLang="en-US" sz="2000" b="1" dirty="0">
+                <a:latin typeface="Optima" panose="02000503060000020004" pitchFamily="2" charset="0"/>
+                <a:ea typeface="KaiTi" panose="02010609060101010101" pitchFamily="49" charset="-122"/>
+              </a:rPr>
+              <a:t> </a:t>
+            </a:r>
+            <a:r>
+              <a:rPr kumimoji="1" lang="en-US" altLang="zh-CN" sz="2000" b="1" dirty="0">
+                <a:latin typeface="Optima" panose="02000503060000020004" pitchFamily="2" charset="0"/>
+                <a:ea typeface="KaiTi" panose="02010609060101010101" pitchFamily="49" charset="-122"/>
+              </a:rPr>
+              <a:t>)</a:t>
+            </a:r>
+            <a:endParaRPr kumimoji="1" lang="zh-CN" altLang="en-US" sz="2000" b="1" dirty="0">
+              <a:latin typeface="Optima" panose="02000503060000020004" pitchFamily="2" charset="0"/>
+              <a:ea typeface="KaiTi" panose="02010609060101010101" pitchFamily="49" charset="-122"/>
+            </a:endParaRPr>
+          </a:p>
+        </p:txBody>
+      </p:sp>
+      <p:sp>
+        <p:nvSpPr>
+          <p:cNvPr id="8" name="矩形 7">
+            <a:extLst>
+              <a:ext uri="{FF2B5EF4-FFF2-40B4-BE49-F238E27FC236}">
+                <a16:creationId xmlns:a16="http://schemas.microsoft.com/office/drawing/2014/main" id="{1563368F-FB6A-D84C-A210-C3B08A1328EE}"/>
+              </a:ext>
+            </a:extLst>
+          </p:cNvPr>
+          <p:cNvSpPr/>
+          <p:nvPr/>
+        </p:nvSpPr>
+        <p:spPr>
+          <a:xfrm>
+            <a:off x="1536970" y="5881728"/>
+            <a:ext cx="1468877" cy="622570"/>
+          </a:xfrm>
+          <a:prstGeom prst="rect">
+            <a:avLst/>
+          </a:prstGeom>
+          <a:ln>
+            <a:noFill/>
+          </a:ln>
+        </p:spPr>
+        <p:style>
+          <a:lnRef idx="2">
+            <a:schemeClr val="accent1">
+              <a:shade val="50000"/>
+            </a:schemeClr>
+          </a:lnRef>
+          <a:fillRef idx="1">
+            <a:schemeClr val="accent1"/>
+          </a:fillRef>
+          <a:effectRef idx="0">
+            <a:schemeClr val="accent1"/>
+          </a:effectRef>
+          <a:fontRef idx="minor">
+            <a:schemeClr val="lt1"/>
+          </a:fontRef>
+        </p:style>
+        <p:txBody>
+          <a:bodyPr rtlCol="0" anchor="ctr"/>
+          <a:lstStyle/>
+          <a:p>
+            <a:pPr algn="ctr"/>
+            <a:r>
+              <a:rPr kumimoji="1" lang="en-US" altLang="zh-CN" sz="2000" b="1" dirty="0">
+                <a:latin typeface="Optima" panose="02000503060000020004" pitchFamily="2" charset="0"/>
+                <a:ea typeface="KaiTi" panose="02010609060101010101" pitchFamily="49" charset="-122"/>
+              </a:rPr>
+              <a:t>close(</a:t>
+            </a:r>
+            <a:r>
+              <a:rPr kumimoji="1" lang="zh-CN" altLang="en-US" sz="2000" b="1" dirty="0">
+                <a:latin typeface="Optima" panose="02000503060000020004" pitchFamily="2" charset="0"/>
+                <a:ea typeface="KaiTi" panose="02010609060101010101" pitchFamily="49" charset="-122"/>
+              </a:rPr>
+              <a:t> </a:t>
+            </a:r>
+            <a:r>
+              <a:rPr kumimoji="1" lang="en-US" altLang="zh-CN" sz="2000" b="1" dirty="0">
+                <a:latin typeface="Optima" panose="02000503060000020004" pitchFamily="2" charset="0"/>
+                <a:ea typeface="KaiTi" panose="02010609060101010101" pitchFamily="49" charset="-122"/>
+              </a:rPr>
+              <a:t>)</a:t>
+            </a:r>
+            <a:endParaRPr kumimoji="1" lang="zh-CN" altLang="en-US" sz="2000" b="1" dirty="0">
+              <a:latin typeface="Optima" panose="02000503060000020004" pitchFamily="2" charset="0"/>
+              <a:ea typeface="KaiTi" panose="02010609060101010101" pitchFamily="49" charset="-122"/>
+            </a:endParaRPr>
+          </a:p>
+        </p:txBody>
+      </p:sp>
+      <p:sp>
+        <p:nvSpPr>
+          <p:cNvPr id="9" name="下箭头 8">
+            <a:extLst>
+              <a:ext uri="{FF2B5EF4-FFF2-40B4-BE49-F238E27FC236}">
+                <a16:creationId xmlns:a16="http://schemas.microsoft.com/office/drawing/2014/main" id="{1B3416E3-89DA-9D45-B7CE-D59DB8FE089E}"/>
+              </a:ext>
+            </a:extLst>
+          </p:cNvPr>
+          <p:cNvSpPr/>
+          <p:nvPr/>
+        </p:nvSpPr>
+        <p:spPr>
+          <a:xfrm>
+            <a:off x="2159540" y="1614789"/>
+            <a:ext cx="252920" cy="355333"/>
+          </a:xfrm>
+          <a:prstGeom prst="downArrow">
+            <a:avLst/>
+          </a:prstGeom>
+          <a:solidFill>
+            <a:schemeClr val="accent2"/>
+          </a:solidFill>
+          <a:ln>
+            <a:noFill/>
+          </a:ln>
+        </p:spPr>
+        <p:style>
+          <a:lnRef idx="2">
+            <a:schemeClr val="accent1">
+              <a:shade val="50000"/>
+            </a:schemeClr>
+          </a:lnRef>
+          <a:fillRef idx="1">
+            <a:schemeClr val="accent1"/>
+          </a:fillRef>
+          <a:effectRef idx="0">
+            <a:schemeClr val="accent1"/>
+          </a:effectRef>
+          <a:fontRef idx="minor">
+            <a:schemeClr val="lt1"/>
+          </a:fontRef>
+        </p:style>
+        <p:txBody>
+          <a:bodyPr rtlCol="0" anchor="ctr"/>
+          <a:lstStyle/>
+          <a:p>
+            <a:pPr algn="ctr"/>
+            <a:endParaRPr kumimoji="1" lang="zh-CN" altLang="en-US" sz="2000" b="1">
+              <a:latin typeface="Optima" panose="02000503060000020004" pitchFamily="2" charset="0"/>
+              <a:ea typeface="KaiTi" panose="02010609060101010101" pitchFamily="49" charset="-122"/>
+            </a:endParaRPr>
+          </a:p>
+        </p:txBody>
+      </p:sp>
+      <p:sp>
+        <p:nvSpPr>
+          <p:cNvPr id="10" name="下箭头 9">
+            <a:extLst>
+              <a:ext uri="{FF2B5EF4-FFF2-40B4-BE49-F238E27FC236}">
+                <a16:creationId xmlns:a16="http://schemas.microsoft.com/office/drawing/2014/main" id="{FAB3FF8E-B40E-9A45-A313-8C1F1CDA5293}"/>
+              </a:ext>
+            </a:extLst>
+          </p:cNvPr>
+          <p:cNvSpPr/>
+          <p:nvPr/>
+        </p:nvSpPr>
+        <p:spPr>
+          <a:xfrm>
+            <a:off x="2140085" y="2592690"/>
+            <a:ext cx="252920" cy="355333"/>
+          </a:xfrm>
+          <a:prstGeom prst="downArrow">
+            <a:avLst/>
+          </a:prstGeom>
+          <a:solidFill>
+            <a:schemeClr val="accent2"/>
+          </a:solidFill>
+          <a:ln>
+            <a:noFill/>
+          </a:ln>
+        </p:spPr>
+        <p:style>
+          <a:lnRef idx="2">
+            <a:schemeClr val="accent1">
+              <a:shade val="50000"/>
+            </a:schemeClr>
+          </a:lnRef>
+          <a:fillRef idx="1">
+            <a:schemeClr val="accent1"/>
+          </a:fillRef>
+          <a:effectRef idx="0">
+            <a:schemeClr val="accent1"/>
+          </a:effectRef>
+          <a:fontRef idx="minor">
+            <a:schemeClr val="lt1"/>
+          </a:fontRef>
+        </p:style>
+        <p:txBody>
+          <a:bodyPr rtlCol="0" anchor="ctr"/>
+          <a:lstStyle/>
+          <a:p>
+            <a:pPr algn="ctr"/>
+            <a:endParaRPr kumimoji="1" lang="zh-CN" altLang="en-US" sz="2000" b="1">
+              <a:latin typeface="Optima" panose="02000503060000020004" pitchFamily="2" charset="0"/>
+              <a:ea typeface="KaiTi" panose="02010609060101010101" pitchFamily="49" charset="-122"/>
+            </a:endParaRPr>
+          </a:p>
+        </p:txBody>
+      </p:sp>
+      <p:sp>
+        <p:nvSpPr>
+          <p:cNvPr id="11" name="下箭头 10">
+            <a:extLst>
+              <a:ext uri="{FF2B5EF4-FFF2-40B4-BE49-F238E27FC236}">
+                <a16:creationId xmlns:a16="http://schemas.microsoft.com/office/drawing/2014/main" id="{362A0970-602E-ED42-8327-036F1BF243D0}"/>
+              </a:ext>
+            </a:extLst>
+          </p:cNvPr>
+          <p:cNvSpPr/>
+          <p:nvPr/>
+        </p:nvSpPr>
+        <p:spPr>
+          <a:xfrm>
+            <a:off x="2128735" y="5526393"/>
+            <a:ext cx="252920" cy="355333"/>
+          </a:xfrm>
+          <a:prstGeom prst="downArrow">
+            <a:avLst/>
+          </a:prstGeom>
+          <a:solidFill>
+            <a:schemeClr val="accent2"/>
+          </a:solidFill>
+          <a:ln>
+            <a:noFill/>
+          </a:ln>
+        </p:spPr>
+        <p:style>
+          <a:lnRef idx="2">
+            <a:schemeClr val="accent1">
+              <a:shade val="50000"/>
+            </a:schemeClr>
+          </a:lnRef>
+          <a:fillRef idx="1">
+            <a:schemeClr val="accent1"/>
+          </a:fillRef>
+          <a:effectRef idx="0">
+            <a:schemeClr val="accent1"/>
+          </a:effectRef>
+          <a:fontRef idx="minor">
+            <a:schemeClr val="lt1"/>
+          </a:fontRef>
+        </p:style>
+        <p:txBody>
+          <a:bodyPr rtlCol="0" anchor="ctr"/>
+          <a:lstStyle/>
+          <a:p>
+            <a:pPr algn="ctr"/>
+            <a:endParaRPr kumimoji="1" lang="zh-CN" altLang="en-US" sz="2000" b="1">
+              <a:latin typeface="Optima" panose="02000503060000020004" pitchFamily="2" charset="0"/>
+              <a:ea typeface="KaiTi" panose="02010609060101010101" pitchFamily="49" charset="-122"/>
+            </a:endParaRPr>
+          </a:p>
+        </p:txBody>
+      </p:sp>
+      <p:sp>
+        <p:nvSpPr>
+          <p:cNvPr id="12" name="下箭头 11">
+            <a:extLst>
+              <a:ext uri="{FF2B5EF4-FFF2-40B4-BE49-F238E27FC236}">
+                <a16:creationId xmlns:a16="http://schemas.microsoft.com/office/drawing/2014/main" id="{E79478FB-D200-5746-B0B4-6921090FEEE4}"/>
+              </a:ext>
+            </a:extLst>
+          </p:cNvPr>
+          <p:cNvSpPr/>
+          <p:nvPr/>
+        </p:nvSpPr>
+        <p:spPr>
+          <a:xfrm>
+            <a:off x="2131978" y="4548492"/>
+            <a:ext cx="252920" cy="355333"/>
+          </a:xfrm>
+          <a:prstGeom prst="downArrow">
+            <a:avLst/>
+          </a:prstGeom>
+          <a:solidFill>
+            <a:schemeClr val="accent2"/>
+          </a:solidFill>
+          <a:ln>
+            <a:noFill/>
+          </a:ln>
+        </p:spPr>
+        <p:style>
+          <a:lnRef idx="2">
+            <a:schemeClr val="accent1">
+              <a:shade val="50000"/>
+            </a:schemeClr>
+          </a:lnRef>
+          <a:fillRef idx="1">
+            <a:schemeClr val="accent1"/>
+          </a:fillRef>
+          <a:effectRef idx="0">
+            <a:schemeClr val="accent1"/>
+          </a:effectRef>
+          <a:fontRef idx="minor">
+            <a:schemeClr val="lt1"/>
+          </a:fontRef>
+        </p:style>
+        <p:txBody>
+          <a:bodyPr rtlCol="0" anchor="ctr"/>
+          <a:lstStyle/>
+          <a:p>
+            <a:pPr algn="ctr"/>
+            <a:endParaRPr kumimoji="1" lang="zh-CN" altLang="en-US" sz="2000" b="1">
+              <a:latin typeface="Optima" panose="02000503060000020004" pitchFamily="2" charset="0"/>
+              <a:ea typeface="KaiTi" panose="02010609060101010101" pitchFamily="49" charset="-122"/>
+            </a:endParaRPr>
+          </a:p>
+        </p:txBody>
+      </p:sp>
+      <p:sp>
+        <p:nvSpPr>
+          <p:cNvPr id="13" name="下箭头 12">
+            <a:extLst>
+              <a:ext uri="{FF2B5EF4-FFF2-40B4-BE49-F238E27FC236}">
+                <a16:creationId xmlns:a16="http://schemas.microsoft.com/office/drawing/2014/main" id="{C1EC7F37-A42E-7045-8848-DD39D5D47517}"/>
+              </a:ext>
+            </a:extLst>
+          </p:cNvPr>
+          <p:cNvSpPr/>
+          <p:nvPr/>
+        </p:nvSpPr>
+        <p:spPr>
+          <a:xfrm>
+            <a:off x="2131978" y="3569915"/>
+            <a:ext cx="252920" cy="355333"/>
+          </a:xfrm>
+          <a:prstGeom prst="downArrow">
+            <a:avLst/>
+          </a:prstGeom>
+          <a:solidFill>
+            <a:schemeClr val="accent2"/>
+          </a:solidFill>
+          <a:ln>
+            <a:noFill/>
+          </a:ln>
+        </p:spPr>
+        <p:style>
+          <a:lnRef idx="2">
+            <a:schemeClr val="accent1">
+              <a:shade val="50000"/>
+            </a:schemeClr>
+          </a:lnRef>
+          <a:fillRef idx="1">
+            <a:schemeClr val="accent1"/>
+          </a:fillRef>
+          <a:effectRef idx="0">
+            <a:schemeClr val="accent1"/>
+          </a:effectRef>
+          <a:fontRef idx="minor">
+            <a:schemeClr val="lt1"/>
+          </a:fontRef>
+        </p:style>
+        <p:txBody>
+          <a:bodyPr rtlCol="0" anchor="ctr"/>
+          <a:lstStyle/>
+          <a:p>
+            <a:pPr algn="ctr"/>
+            <a:endParaRPr kumimoji="1" lang="zh-CN" altLang="en-US" sz="2000" b="1">
+              <a:latin typeface="Optima" panose="02000503060000020004" pitchFamily="2" charset="0"/>
+              <a:ea typeface="KaiTi" panose="02010609060101010101" pitchFamily="49" charset="-122"/>
+            </a:endParaRPr>
+          </a:p>
+        </p:txBody>
+      </p:sp>
+      <p:sp>
+        <p:nvSpPr>
+          <p:cNvPr id="20" name="矩形 19">
+            <a:extLst>
+              <a:ext uri="{FF2B5EF4-FFF2-40B4-BE49-F238E27FC236}">
+                <a16:creationId xmlns:a16="http://schemas.microsoft.com/office/drawing/2014/main" id="{79E4E6F2-3AD8-394C-BEFA-19CCAE58BE88}"/>
+              </a:ext>
+            </a:extLst>
+          </p:cNvPr>
+          <p:cNvSpPr/>
+          <p:nvPr/>
+        </p:nvSpPr>
+        <p:spPr>
+          <a:xfrm>
+            <a:off x="7512997" y="992221"/>
+            <a:ext cx="1468877" cy="622570"/>
+          </a:xfrm>
+          <a:prstGeom prst="rect">
+            <a:avLst/>
+          </a:prstGeom>
+          <a:ln>
+            <a:noFill/>
+          </a:ln>
+        </p:spPr>
+        <p:style>
+          <a:lnRef idx="2">
+            <a:schemeClr val="accent1">
+              <a:shade val="50000"/>
+            </a:schemeClr>
+          </a:lnRef>
+          <a:fillRef idx="1">
+            <a:schemeClr val="accent1"/>
+          </a:fillRef>
+          <a:effectRef idx="0">
+            <a:schemeClr val="accent1"/>
+          </a:effectRef>
+          <a:fontRef idx="minor">
+            <a:schemeClr val="lt1"/>
+          </a:fontRef>
+        </p:style>
+        <p:txBody>
+          <a:bodyPr rtlCol="0" anchor="ctr"/>
+          <a:lstStyle/>
+          <a:p>
+            <a:pPr algn="ctr"/>
+            <a:r>
+              <a:rPr kumimoji="1" lang="en-US" altLang="zh-CN" sz="2000" b="1" dirty="0">
+                <a:latin typeface="Optima" panose="02000503060000020004" pitchFamily="2" charset="0"/>
+                <a:ea typeface="KaiTi" panose="02010609060101010101" pitchFamily="49" charset="-122"/>
+              </a:rPr>
+              <a:t>socket(</a:t>
+            </a:r>
+            <a:r>
+              <a:rPr kumimoji="1" lang="zh-CN" altLang="en-US" sz="2000" b="1" dirty="0">
+                <a:latin typeface="Optima" panose="02000503060000020004" pitchFamily="2" charset="0"/>
+                <a:ea typeface="KaiTi" panose="02010609060101010101" pitchFamily="49" charset="-122"/>
+              </a:rPr>
+              <a:t> </a:t>
+            </a:r>
+            <a:r>
+              <a:rPr kumimoji="1" lang="en-US" altLang="zh-CN" sz="2000" b="1" dirty="0">
+                <a:latin typeface="Optima" panose="02000503060000020004" pitchFamily="2" charset="0"/>
+                <a:ea typeface="KaiTi" panose="02010609060101010101" pitchFamily="49" charset="-122"/>
+              </a:rPr>
+              <a:t>)</a:t>
+            </a:r>
+            <a:endParaRPr kumimoji="1" lang="zh-CN" altLang="en-US" sz="2000" b="1" dirty="0">
+              <a:latin typeface="Optima" panose="02000503060000020004" pitchFamily="2" charset="0"/>
+              <a:ea typeface="KaiTi" panose="02010609060101010101" pitchFamily="49" charset="-122"/>
+            </a:endParaRPr>
+          </a:p>
+        </p:txBody>
+      </p:sp>
+      <p:sp>
+        <p:nvSpPr>
+          <p:cNvPr id="21" name="矩形 20">
+            <a:extLst>
+              <a:ext uri="{FF2B5EF4-FFF2-40B4-BE49-F238E27FC236}">
+                <a16:creationId xmlns:a16="http://schemas.microsoft.com/office/drawing/2014/main" id="{8C171B71-9702-DF42-8BBC-F740DBF3EA71}"/>
+              </a:ext>
+            </a:extLst>
+          </p:cNvPr>
+          <p:cNvSpPr/>
+          <p:nvPr/>
+        </p:nvSpPr>
+        <p:spPr>
+          <a:xfrm>
+            <a:off x="7512997" y="1970122"/>
+            <a:ext cx="1468877" cy="622570"/>
+          </a:xfrm>
+          <a:prstGeom prst="rect">
+            <a:avLst/>
+          </a:prstGeom>
+          <a:ln>
+            <a:noFill/>
+          </a:ln>
+        </p:spPr>
+        <p:style>
+          <a:lnRef idx="2">
+            <a:schemeClr val="accent1">
+              <a:shade val="50000"/>
+            </a:schemeClr>
+          </a:lnRef>
+          <a:fillRef idx="1">
+            <a:schemeClr val="accent1"/>
+          </a:fillRef>
+          <a:effectRef idx="0">
+            <a:schemeClr val="accent1"/>
+          </a:effectRef>
+          <a:fontRef idx="minor">
+            <a:schemeClr val="lt1"/>
+          </a:fontRef>
+        </p:style>
+        <p:txBody>
+          <a:bodyPr rtlCol="0" anchor="ctr"/>
+          <a:lstStyle/>
+          <a:p>
+            <a:pPr algn="ctr"/>
+            <a:r>
+              <a:rPr kumimoji="1" lang="en-US" altLang="zh-CN" sz="2000" b="1" dirty="0">
+                <a:latin typeface="Optima" panose="02000503060000020004" pitchFamily="2" charset="0"/>
+                <a:ea typeface="KaiTi" panose="02010609060101010101" pitchFamily="49" charset="-122"/>
+              </a:rPr>
+              <a:t>connect(</a:t>
+            </a:r>
+            <a:r>
+              <a:rPr kumimoji="1" lang="zh-CN" altLang="en-US" sz="2000" b="1" dirty="0">
+                <a:latin typeface="Optima" panose="02000503060000020004" pitchFamily="2" charset="0"/>
+                <a:ea typeface="KaiTi" panose="02010609060101010101" pitchFamily="49" charset="-122"/>
+              </a:rPr>
+              <a:t> </a:t>
+            </a:r>
+            <a:r>
+              <a:rPr kumimoji="1" lang="en-US" altLang="zh-CN" sz="2000" b="1" dirty="0">
+                <a:latin typeface="Optima" panose="02000503060000020004" pitchFamily="2" charset="0"/>
+                <a:ea typeface="KaiTi" panose="02010609060101010101" pitchFamily="49" charset="-122"/>
+              </a:rPr>
+              <a:t>)</a:t>
+            </a:r>
+            <a:endParaRPr kumimoji="1" lang="zh-CN" altLang="en-US" sz="2000" b="1" dirty="0">
+              <a:latin typeface="Optima" panose="02000503060000020004" pitchFamily="2" charset="0"/>
+              <a:ea typeface="KaiTi" panose="02010609060101010101" pitchFamily="49" charset="-122"/>
+            </a:endParaRPr>
+          </a:p>
+        </p:txBody>
+      </p:sp>
+      <p:sp>
+        <p:nvSpPr>
+          <p:cNvPr id="24" name="矩形 23">
+            <a:extLst>
+              <a:ext uri="{FF2B5EF4-FFF2-40B4-BE49-F238E27FC236}">
+                <a16:creationId xmlns:a16="http://schemas.microsoft.com/office/drawing/2014/main" id="{27A46C8A-7185-AB41-82D3-F6DA78A747AD}"/>
+              </a:ext>
+            </a:extLst>
+          </p:cNvPr>
+          <p:cNvSpPr/>
+          <p:nvPr/>
+        </p:nvSpPr>
+        <p:spPr>
+          <a:xfrm>
+            <a:off x="7303457" y="2962500"/>
+            <a:ext cx="1877440" cy="622570"/>
+          </a:xfrm>
+          <a:prstGeom prst="rect">
+            <a:avLst/>
+          </a:prstGeom>
+          <a:ln>
+            <a:noFill/>
+          </a:ln>
+        </p:spPr>
+        <p:style>
+          <a:lnRef idx="2">
+            <a:schemeClr val="accent1">
+              <a:shade val="50000"/>
+            </a:schemeClr>
+          </a:lnRef>
+          <a:fillRef idx="1">
+            <a:schemeClr val="accent1"/>
+          </a:fillRef>
+          <a:effectRef idx="0">
+            <a:schemeClr val="accent1"/>
+          </a:effectRef>
+          <a:fontRef idx="minor">
+            <a:schemeClr val="lt1"/>
+          </a:fontRef>
+        </p:style>
+        <p:txBody>
+          <a:bodyPr rtlCol="0" anchor="ctr"/>
+          <a:lstStyle/>
+          <a:p>
+            <a:pPr algn="ctr"/>
+            <a:r>
+              <a:rPr kumimoji="1" lang="en-US" altLang="zh-CN" sz="2000" b="1" dirty="0">
+                <a:latin typeface="Optima" panose="02000503060000020004" pitchFamily="2" charset="0"/>
+                <a:ea typeface="KaiTi" panose="02010609060101010101" pitchFamily="49" charset="-122"/>
+              </a:rPr>
+              <a:t>read(</a:t>
+            </a:r>
+            <a:r>
+              <a:rPr kumimoji="1" lang="zh-CN" altLang="en-US" sz="2000" b="1" dirty="0">
+                <a:latin typeface="Optima" panose="02000503060000020004" pitchFamily="2" charset="0"/>
+                <a:ea typeface="KaiTi" panose="02010609060101010101" pitchFamily="49" charset="-122"/>
+              </a:rPr>
+              <a:t> </a:t>
+            </a:r>
+            <a:r>
+              <a:rPr kumimoji="1" lang="en-US" altLang="zh-CN" sz="2000" b="1" dirty="0">
+                <a:latin typeface="Optima" panose="02000503060000020004" pitchFamily="2" charset="0"/>
+                <a:ea typeface="KaiTi" panose="02010609060101010101" pitchFamily="49" charset="-122"/>
+              </a:rPr>
+              <a:t>)</a:t>
+            </a:r>
+          </a:p>
+          <a:p>
+            <a:pPr algn="ctr"/>
+            <a:r>
+              <a:rPr kumimoji="1" lang="en-US" altLang="zh-CN" sz="2000" b="1" dirty="0">
+                <a:latin typeface="Optima" panose="02000503060000020004" pitchFamily="2" charset="0"/>
+                <a:ea typeface="KaiTi" panose="02010609060101010101" pitchFamily="49" charset="-122"/>
+              </a:rPr>
+              <a:t>write(</a:t>
+            </a:r>
+            <a:r>
+              <a:rPr kumimoji="1" lang="zh-CN" altLang="en-US" sz="2000" b="1" dirty="0">
+                <a:latin typeface="Optima" panose="02000503060000020004" pitchFamily="2" charset="0"/>
+                <a:ea typeface="KaiTi" panose="02010609060101010101" pitchFamily="49" charset="-122"/>
+              </a:rPr>
+              <a:t> </a:t>
+            </a:r>
+            <a:r>
+              <a:rPr kumimoji="1" lang="en-US" altLang="zh-CN" sz="2000" b="1" dirty="0">
+                <a:latin typeface="Optima" panose="02000503060000020004" pitchFamily="2" charset="0"/>
+                <a:ea typeface="KaiTi" panose="02010609060101010101" pitchFamily="49" charset="-122"/>
+              </a:rPr>
+              <a:t>)</a:t>
+            </a:r>
+            <a:endParaRPr kumimoji="1" lang="zh-CN" altLang="en-US" sz="2000" b="1" dirty="0">
+              <a:latin typeface="Optima" panose="02000503060000020004" pitchFamily="2" charset="0"/>
+              <a:ea typeface="KaiTi" panose="02010609060101010101" pitchFamily="49" charset="-122"/>
+            </a:endParaRPr>
+          </a:p>
+        </p:txBody>
+      </p:sp>
+      <p:sp>
+        <p:nvSpPr>
+          <p:cNvPr id="25" name="矩形 24">
+            <a:extLst>
+              <a:ext uri="{FF2B5EF4-FFF2-40B4-BE49-F238E27FC236}">
+                <a16:creationId xmlns:a16="http://schemas.microsoft.com/office/drawing/2014/main" id="{5123BD56-EE0F-8C46-A9A2-39C95F489804}"/>
+              </a:ext>
+            </a:extLst>
+          </p:cNvPr>
+          <p:cNvSpPr/>
+          <p:nvPr/>
+        </p:nvSpPr>
+        <p:spPr>
+          <a:xfrm>
+            <a:off x="7507739" y="3940403"/>
+            <a:ext cx="1468877" cy="622570"/>
+          </a:xfrm>
+          <a:prstGeom prst="rect">
+            <a:avLst/>
+          </a:prstGeom>
+          <a:ln>
+            <a:noFill/>
+          </a:ln>
+        </p:spPr>
+        <p:style>
+          <a:lnRef idx="2">
+            <a:schemeClr val="accent1">
+              <a:shade val="50000"/>
+            </a:schemeClr>
+          </a:lnRef>
+          <a:fillRef idx="1">
+            <a:schemeClr val="accent1"/>
+          </a:fillRef>
+          <a:effectRef idx="0">
+            <a:schemeClr val="accent1"/>
+          </a:effectRef>
+          <a:fontRef idx="minor">
+            <a:schemeClr val="lt1"/>
+          </a:fontRef>
+        </p:style>
+        <p:txBody>
+          <a:bodyPr rtlCol="0" anchor="ctr"/>
+          <a:lstStyle/>
+          <a:p>
+            <a:pPr algn="ctr"/>
+            <a:r>
+              <a:rPr kumimoji="1" lang="en-US" altLang="zh-CN" sz="2000" b="1" dirty="0">
+                <a:latin typeface="Optima" panose="02000503060000020004" pitchFamily="2" charset="0"/>
+                <a:ea typeface="KaiTi" panose="02010609060101010101" pitchFamily="49" charset="-122"/>
+              </a:rPr>
+              <a:t>close(</a:t>
+            </a:r>
+            <a:r>
+              <a:rPr kumimoji="1" lang="zh-CN" altLang="en-US" sz="2000" b="1" dirty="0">
+                <a:latin typeface="Optima" panose="02000503060000020004" pitchFamily="2" charset="0"/>
+                <a:ea typeface="KaiTi" panose="02010609060101010101" pitchFamily="49" charset="-122"/>
+              </a:rPr>
+              <a:t> </a:t>
+            </a:r>
+            <a:r>
+              <a:rPr kumimoji="1" lang="en-US" altLang="zh-CN" sz="2000" b="1" dirty="0">
+                <a:latin typeface="Optima" panose="02000503060000020004" pitchFamily="2" charset="0"/>
+                <a:ea typeface="KaiTi" panose="02010609060101010101" pitchFamily="49" charset="-122"/>
+              </a:rPr>
+              <a:t>)</a:t>
+            </a:r>
+            <a:endParaRPr kumimoji="1" lang="zh-CN" altLang="en-US" sz="2000" b="1" dirty="0">
+              <a:latin typeface="Optima" panose="02000503060000020004" pitchFamily="2" charset="0"/>
+              <a:ea typeface="KaiTi" panose="02010609060101010101" pitchFamily="49" charset="-122"/>
+            </a:endParaRPr>
+          </a:p>
+        </p:txBody>
+      </p:sp>
+      <p:sp>
+        <p:nvSpPr>
+          <p:cNvPr id="26" name="下箭头 25">
+            <a:extLst>
+              <a:ext uri="{FF2B5EF4-FFF2-40B4-BE49-F238E27FC236}">
+                <a16:creationId xmlns:a16="http://schemas.microsoft.com/office/drawing/2014/main" id="{62096313-BDEE-9B49-9EF7-AAE5A7AA70DA}"/>
+              </a:ext>
+            </a:extLst>
+          </p:cNvPr>
+          <p:cNvSpPr/>
+          <p:nvPr/>
+        </p:nvSpPr>
+        <p:spPr>
+          <a:xfrm>
+            <a:off x="8135567" y="1614789"/>
+            <a:ext cx="252920" cy="355333"/>
+          </a:xfrm>
+          <a:prstGeom prst="downArrow">
+            <a:avLst/>
+          </a:prstGeom>
+          <a:solidFill>
+            <a:schemeClr val="accent2"/>
+          </a:solidFill>
+          <a:ln>
+            <a:noFill/>
+          </a:ln>
+        </p:spPr>
+        <p:style>
+          <a:lnRef idx="2">
+            <a:schemeClr val="accent1">
+              <a:shade val="50000"/>
+            </a:schemeClr>
+          </a:lnRef>
+          <a:fillRef idx="1">
+            <a:schemeClr val="accent1"/>
+          </a:fillRef>
+          <a:effectRef idx="0">
+            <a:schemeClr val="accent1"/>
+          </a:effectRef>
+          <a:fontRef idx="minor">
+            <a:schemeClr val="lt1"/>
+          </a:fontRef>
+        </p:style>
+        <p:txBody>
+          <a:bodyPr rtlCol="0" anchor="ctr"/>
+          <a:lstStyle/>
+          <a:p>
+            <a:pPr algn="ctr"/>
+            <a:endParaRPr kumimoji="1" lang="zh-CN" altLang="en-US" sz="2000" b="1">
+              <a:latin typeface="Optima" panose="02000503060000020004" pitchFamily="2" charset="0"/>
+              <a:ea typeface="KaiTi" panose="02010609060101010101" pitchFamily="49" charset="-122"/>
+            </a:endParaRPr>
+          </a:p>
+        </p:txBody>
+      </p:sp>
+      <p:sp>
+        <p:nvSpPr>
+          <p:cNvPr id="27" name="下箭头 26">
+            <a:extLst>
+              <a:ext uri="{FF2B5EF4-FFF2-40B4-BE49-F238E27FC236}">
+                <a16:creationId xmlns:a16="http://schemas.microsoft.com/office/drawing/2014/main" id="{AAC89052-04A1-CF4B-9839-779659CA0E02}"/>
+              </a:ext>
+            </a:extLst>
+          </p:cNvPr>
+          <p:cNvSpPr/>
+          <p:nvPr/>
+        </p:nvSpPr>
+        <p:spPr>
+          <a:xfrm>
+            <a:off x="8116112" y="2592690"/>
+            <a:ext cx="252920" cy="355333"/>
+          </a:xfrm>
+          <a:prstGeom prst="downArrow">
+            <a:avLst/>
+          </a:prstGeom>
+          <a:solidFill>
+            <a:schemeClr val="accent2"/>
+          </a:solidFill>
+          <a:ln>
+            <a:noFill/>
+          </a:ln>
+        </p:spPr>
+        <p:style>
+          <a:lnRef idx="2">
+            <a:schemeClr val="accent1">
+              <a:shade val="50000"/>
+            </a:schemeClr>
+          </a:lnRef>
+          <a:fillRef idx="1">
+            <a:schemeClr val="accent1"/>
+          </a:fillRef>
+          <a:effectRef idx="0">
+            <a:schemeClr val="accent1"/>
+          </a:effectRef>
+          <a:fontRef idx="minor">
+            <a:schemeClr val="lt1"/>
+          </a:fontRef>
+        </p:style>
+        <p:txBody>
+          <a:bodyPr rtlCol="0" anchor="ctr"/>
+          <a:lstStyle/>
+          <a:p>
+            <a:pPr algn="ctr"/>
+            <a:endParaRPr kumimoji="1" lang="zh-CN" altLang="en-US" sz="2000" b="1">
+              <a:latin typeface="Optima" panose="02000503060000020004" pitchFamily="2" charset="0"/>
+              <a:ea typeface="KaiTi" panose="02010609060101010101" pitchFamily="49" charset="-122"/>
+            </a:endParaRPr>
+          </a:p>
+        </p:txBody>
+      </p:sp>
+      <p:sp>
+        <p:nvSpPr>
+          <p:cNvPr id="28" name="下箭头 27">
+            <a:extLst>
+              <a:ext uri="{FF2B5EF4-FFF2-40B4-BE49-F238E27FC236}">
+                <a16:creationId xmlns:a16="http://schemas.microsoft.com/office/drawing/2014/main" id="{1BC29876-60AD-134C-B6A9-6A1D971221EA}"/>
+              </a:ext>
+            </a:extLst>
+          </p:cNvPr>
+          <p:cNvSpPr/>
+          <p:nvPr/>
+        </p:nvSpPr>
+        <p:spPr>
+          <a:xfrm>
+            <a:off x="8099504" y="3585068"/>
+            <a:ext cx="252920" cy="355333"/>
+          </a:xfrm>
+          <a:prstGeom prst="downArrow">
+            <a:avLst/>
+          </a:prstGeom>
+          <a:solidFill>
+            <a:schemeClr val="accent2"/>
+          </a:solidFill>
+          <a:ln>
+            <a:noFill/>
+          </a:ln>
+        </p:spPr>
+        <p:style>
+          <a:lnRef idx="2">
+            <a:schemeClr val="accent1">
+              <a:shade val="50000"/>
+            </a:schemeClr>
+          </a:lnRef>
+          <a:fillRef idx="1">
+            <a:schemeClr val="accent1"/>
+          </a:fillRef>
+          <a:effectRef idx="0">
+            <a:schemeClr val="accent1"/>
+          </a:effectRef>
+          <a:fontRef idx="minor">
+            <a:schemeClr val="lt1"/>
+          </a:fontRef>
+        </p:style>
+        <p:txBody>
+          <a:bodyPr rtlCol="0" anchor="ctr"/>
+          <a:lstStyle/>
+          <a:p>
+            <a:pPr algn="ctr"/>
+            <a:endParaRPr kumimoji="1" lang="zh-CN" altLang="en-US" sz="2000" b="1">
+              <a:latin typeface="Optima" panose="02000503060000020004" pitchFamily="2" charset="0"/>
+              <a:ea typeface="KaiTi" panose="02010609060101010101" pitchFamily="49" charset="-122"/>
+            </a:endParaRPr>
+          </a:p>
+        </p:txBody>
+      </p:sp>
+      <p:cxnSp>
+        <p:nvCxnSpPr>
+          <p:cNvPr id="23" name="直线箭头连接符 22">
+            <a:extLst>
+              <a:ext uri="{FF2B5EF4-FFF2-40B4-BE49-F238E27FC236}">
+                <a16:creationId xmlns:a16="http://schemas.microsoft.com/office/drawing/2014/main" id="{C288A731-54C0-BE4B-A237-24C24D32D7E5}"/>
+              </a:ext>
+            </a:extLst>
+          </p:cNvPr>
+          <p:cNvCxnSpPr/>
+          <p:nvPr/>
+        </p:nvCxnSpPr>
+        <p:spPr>
+          <a:xfrm flipH="1">
+            <a:off x="2694562" y="2324911"/>
+            <a:ext cx="4608895" cy="1439693"/>
+          </a:xfrm>
+          <a:prstGeom prst="straightConnector1">
+            <a:avLst/>
+          </a:prstGeom>
+          <a:ln w="57150">
+            <a:solidFill>
+              <a:srgbClr val="C00000"/>
+            </a:solidFill>
+            <a:tailEnd type="triangle"/>
+          </a:ln>
+        </p:spPr>
+        <p:style>
+          <a:lnRef idx="1">
+            <a:schemeClr val="accent1"/>
+          </a:lnRef>
+          <a:fillRef idx="0">
+            <a:schemeClr val="accent1"/>
+          </a:fillRef>
+          <a:effectRef idx="0">
+            <a:schemeClr val="accent1"/>
+          </a:effectRef>
+          <a:fontRef idx="minor">
+            <a:schemeClr val="tx1"/>
+          </a:fontRef>
+        </p:style>
+      </p:cxnSp>
+      <p:cxnSp>
+        <p:nvCxnSpPr>
+          <p:cNvPr id="35" name="直线箭头连接符 34">
+            <a:extLst>
+              <a:ext uri="{FF2B5EF4-FFF2-40B4-BE49-F238E27FC236}">
+                <a16:creationId xmlns:a16="http://schemas.microsoft.com/office/drawing/2014/main" id="{D67E474A-9664-1D46-9E10-4274132D39DA}"/>
+              </a:ext>
+            </a:extLst>
+          </p:cNvPr>
+          <p:cNvCxnSpPr>
+            <a:cxnSpLocks/>
+          </p:cNvCxnSpPr>
+          <p:nvPr/>
+        </p:nvCxnSpPr>
+        <p:spPr>
+          <a:xfrm flipH="1">
+            <a:off x="2850205" y="2592690"/>
+            <a:ext cx="4552765" cy="2212774"/>
+          </a:xfrm>
+          <a:prstGeom prst="straightConnector1">
+            <a:avLst/>
+          </a:prstGeom>
+          <a:ln w="57150">
+            <a:solidFill>
+              <a:srgbClr val="C00000"/>
+            </a:solidFill>
+            <a:tailEnd type="triangle"/>
+          </a:ln>
+        </p:spPr>
+        <p:style>
+          <a:lnRef idx="1">
+            <a:schemeClr val="accent1"/>
+          </a:lnRef>
+          <a:fillRef idx="0">
+            <a:schemeClr val="accent1"/>
+          </a:fillRef>
+          <a:effectRef idx="0">
+            <a:schemeClr val="accent1"/>
+          </a:effectRef>
+          <a:fontRef idx="minor">
+            <a:schemeClr val="tx1"/>
+          </a:fontRef>
+        </p:style>
+      </p:cxnSp>
+      <p:sp>
+        <p:nvSpPr>
+          <p:cNvPr id="30" name="文本框 29">
+            <a:extLst>
+              <a:ext uri="{FF2B5EF4-FFF2-40B4-BE49-F238E27FC236}">
+                <a16:creationId xmlns:a16="http://schemas.microsoft.com/office/drawing/2014/main" id="{A3B41146-15A5-E649-97B3-35186AC8A17C}"/>
+              </a:ext>
+            </a:extLst>
+          </p:cNvPr>
+          <p:cNvSpPr txBox="1"/>
+          <p:nvPr/>
+        </p:nvSpPr>
+        <p:spPr>
+          <a:xfrm rot="20544851">
+            <a:off x="4282788" y="2671907"/>
+            <a:ext cx="1210588" cy="400110"/>
+          </a:xfrm>
+          <a:prstGeom prst="rect">
+            <a:avLst/>
+          </a:prstGeom>
+          <a:noFill/>
+        </p:spPr>
+        <p:txBody>
+          <a:bodyPr wrap="none" rtlCol="0">
+            <a:spAutoFit/>
+          </a:bodyPr>
+          <a:lstStyle/>
+          <a:p>
+            <a:r>
+              <a:rPr kumimoji="1" lang="zh-CN" altLang="en-US" sz="2000" dirty="0">
+                <a:latin typeface="Optima" panose="02000503060000020004" pitchFamily="2" charset="0"/>
+                <a:ea typeface="KaiTi" panose="02010609060101010101" pitchFamily="49" charset="-122"/>
+              </a:rPr>
+              <a:t>请求连接</a:t>
+            </a:r>
+          </a:p>
+        </p:txBody>
+      </p:sp>
+      <p:sp>
+        <p:nvSpPr>
+          <p:cNvPr id="36" name="文本框 35">
+            <a:extLst>
+              <a:ext uri="{FF2B5EF4-FFF2-40B4-BE49-F238E27FC236}">
+                <a16:creationId xmlns:a16="http://schemas.microsoft.com/office/drawing/2014/main" id="{DBE08F8C-8673-644D-BEF5-68E4AAEA2BC5}"/>
+              </a:ext>
+            </a:extLst>
+          </p:cNvPr>
+          <p:cNvSpPr txBox="1"/>
+          <p:nvPr/>
+        </p:nvSpPr>
+        <p:spPr>
+          <a:xfrm>
+            <a:off x="4739943" y="3385249"/>
+            <a:ext cx="412292" cy="400110"/>
+          </a:xfrm>
+          <a:prstGeom prst="rect">
+            <a:avLst/>
+          </a:prstGeom>
+          <a:noFill/>
+        </p:spPr>
+        <p:txBody>
+          <a:bodyPr wrap="none" rtlCol="0">
+            <a:spAutoFit/>
+          </a:bodyPr>
+          <a:lstStyle/>
+          <a:p>
+            <a:r>
+              <a:rPr kumimoji="1" lang="en-US" altLang="zh-CN" sz="2000" dirty="0">
+                <a:latin typeface="Optima" panose="02000503060000020004" pitchFamily="2" charset="0"/>
+                <a:ea typeface="KaiTi" panose="02010609060101010101" pitchFamily="49" charset="-122"/>
+              </a:rPr>
+              <a:t>or</a:t>
+            </a:r>
+            <a:endParaRPr kumimoji="1" lang="zh-CN" altLang="en-US" sz="2000" dirty="0">
+              <a:latin typeface="Optima" panose="02000503060000020004" pitchFamily="2" charset="0"/>
+              <a:ea typeface="KaiTi" panose="02010609060101010101" pitchFamily="49" charset="-122"/>
+            </a:endParaRPr>
+          </a:p>
+        </p:txBody>
+      </p:sp>
+      <p:cxnSp>
+        <p:nvCxnSpPr>
+          <p:cNvPr id="38" name="直线箭头连接符 37">
+            <a:extLst>
+              <a:ext uri="{FF2B5EF4-FFF2-40B4-BE49-F238E27FC236}">
+                <a16:creationId xmlns:a16="http://schemas.microsoft.com/office/drawing/2014/main" id="{37CB9287-97DA-AE4F-B397-DE63BE90B3B1}"/>
+              </a:ext>
+            </a:extLst>
+          </p:cNvPr>
+          <p:cNvCxnSpPr/>
+          <p:nvPr/>
+        </p:nvCxnSpPr>
+        <p:spPr>
+          <a:xfrm flipH="1">
+            <a:off x="3346315" y="3385249"/>
+            <a:ext cx="3813242" cy="1829861"/>
+          </a:xfrm>
+          <a:prstGeom prst="straightConnector1">
+            <a:avLst/>
+          </a:prstGeom>
+          <a:ln w="57150">
+            <a:solidFill>
+              <a:srgbClr val="C00000"/>
+            </a:solidFill>
+            <a:headEnd type="triangle"/>
+            <a:tailEnd type="triangle"/>
+          </a:ln>
+        </p:spPr>
+        <p:style>
+          <a:lnRef idx="1">
+            <a:schemeClr val="accent1"/>
+          </a:lnRef>
+          <a:fillRef idx="0">
+            <a:schemeClr val="accent1"/>
+          </a:fillRef>
+          <a:effectRef idx="0">
+            <a:schemeClr val="accent1"/>
+          </a:effectRef>
+          <a:fontRef idx="minor">
+            <a:schemeClr val="tx1"/>
+          </a:fontRef>
+        </p:style>
+      </p:cxnSp>
+      <p:sp>
+        <p:nvSpPr>
+          <p:cNvPr id="39" name="文本框 38">
+            <a:extLst>
+              <a:ext uri="{FF2B5EF4-FFF2-40B4-BE49-F238E27FC236}">
+                <a16:creationId xmlns:a16="http://schemas.microsoft.com/office/drawing/2014/main" id="{F19E86D5-6D66-F648-9C56-3BEFFE2638CD}"/>
+              </a:ext>
+            </a:extLst>
+          </p:cNvPr>
+          <p:cNvSpPr txBox="1"/>
+          <p:nvPr/>
+        </p:nvSpPr>
+        <p:spPr>
+          <a:xfrm rot="20006227">
+            <a:off x="4647642" y="3919339"/>
+            <a:ext cx="1210588" cy="400110"/>
+          </a:xfrm>
+          <a:prstGeom prst="rect">
+            <a:avLst/>
+          </a:prstGeom>
+          <a:noFill/>
+        </p:spPr>
+        <p:txBody>
+          <a:bodyPr wrap="none" rtlCol="0">
+            <a:spAutoFit/>
+          </a:bodyPr>
+          <a:lstStyle/>
+          <a:p>
+            <a:r>
+              <a:rPr kumimoji="1" lang="zh-CN" altLang="en-US" sz="2000" dirty="0">
+                <a:latin typeface="Optima" panose="02000503060000020004" pitchFamily="2" charset="0"/>
+                <a:ea typeface="KaiTi" panose="02010609060101010101" pitchFamily="49" charset="-122"/>
+              </a:rPr>
+              <a:t>数据交换</a:t>
+            </a:r>
+          </a:p>
+        </p:txBody>
+      </p:sp>
+      <p:cxnSp>
+        <p:nvCxnSpPr>
+          <p:cNvPr id="40" name="直线箭头连接符 39">
+            <a:extLst>
+              <a:ext uri="{FF2B5EF4-FFF2-40B4-BE49-F238E27FC236}">
+                <a16:creationId xmlns:a16="http://schemas.microsoft.com/office/drawing/2014/main" id="{FE6BCCB4-3CA8-6444-99C4-08ADF5CA67A5}"/>
+              </a:ext>
+            </a:extLst>
+          </p:cNvPr>
+          <p:cNvCxnSpPr/>
+          <p:nvPr/>
+        </p:nvCxnSpPr>
+        <p:spPr>
+          <a:xfrm flipH="1">
+            <a:off x="3451084" y="4187353"/>
+            <a:ext cx="3813242" cy="1829861"/>
+          </a:xfrm>
+          <a:prstGeom prst="straightConnector1">
+            <a:avLst/>
+          </a:prstGeom>
+          <a:ln w="57150">
+            <a:solidFill>
+              <a:srgbClr val="C00000"/>
+            </a:solidFill>
+            <a:headEnd type="triangle"/>
+            <a:tailEnd type="triangle"/>
+          </a:ln>
+        </p:spPr>
+        <p:style>
+          <a:lnRef idx="1">
+            <a:schemeClr val="accent1"/>
+          </a:lnRef>
+          <a:fillRef idx="0">
+            <a:schemeClr val="accent1"/>
+          </a:fillRef>
+          <a:effectRef idx="0">
+            <a:schemeClr val="accent1"/>
+          </a:effectRef>
+          <a:fontRef idx="minor">
+            <a:schemeClr val="tx1"/>
+          </a:fontRef>
+        </p:style>
+      </p:cxnSp>
+      <p:sp>
+        <p:nvSpPr>
+          <p:cNvPr id="41" name="文本框 40">
+            <a:extLst>
+              <a:ext uri="{FF2B5EF4-FFF2-40B4-BE49-F238E27FC236}">
+                <a16:creationId xmlns:a16="http://schemas.microsoft.com/office/drawing/2014/main" id="{393A080B-627A-8C40-AAB4-C8BCA6BD4F98}"/>
+              </a:ext>
+            </a:extLst>
+          </p:cNvPr>
+          <p:cNvSpPr txBox="1"/>
+          <p:nvPr/>
+        </p:nvSpPr>
+        <p:spPr>
+          <a:xfrm rot="20006227">
+            <a:off x="4825424" y="4669154"/>
+            <a:ext cx="1210588" cy="400110"/>
+          </a:xfrm>
+          <a:prstGeom prst="rect">
+            <a:avLst/>
+          </a:prstGeom>
+          <a:noFill/>
+        </p:spPr>
+        <p:txBody>
+          <a:bodyPr wrap="none" rtlCol="0">
+            <a:spAutoFit/>
+          </a:bodyPr>
+          <a:lstStyle/>
+          <a:p>
+            <a:r>
+              <a:rPr kumimoji="1" lang="zh-CN" altLang="en-US" sz="2000" dirty="0">
+                <a:latin typeface="Optima" panose="02000503060000020004" pitchFamily="2" charset="0"/>
+                <a:ea typeface="KaiTi" panose="02010609060101010101" pitchFamily="49" charset="-122"/>
+              </a:rPr>
+              <a:t>断开连接</a:t>
+            </a:r>
+          </a:p>
+        </p:txBody>
+      </p:sp>
+      <p:sp>
+        <p:nvSpPr>
+          <p:cNvPr id="42" name="文本框 41">
+            <a:extLst>
+              <a:ext uri="{FF2B5EF4-FFF2-40B4-BE49-F238E27FC236}">
+                <a16:creationId xmlns:a16="http://schemas.microsoft.com/office/drawing/2014/main" id="{CE677D5F-60FA-6644-A634-DEEE900738AD}"/>
+              </a:ext>
+            </a:extLst>
+          </p:cNvPr>
+          <p:cNvSpPr txBox="1"/>
+          <p:nvPr/>
+        </p:nvSpPr>
+        <p:spPr>
+          <a:xfrm>
+            <a:off x="6496063" y="4862995"/>
+            <a:ext cx="5369668" cy="1938992"/>
+          </a:xfrm>
+          <a:prstGeom prst="rect">
+            <a:avLst/>
+          </a:prstGeom>
+          <a:noFill/>
+        </p:spPr>
+        <p:txBody>
+          <a:bodyPr wrap="square" rtlCol="0">
+            <a:spAutoFit/>
+          </a:bodyPr>
+          <a:lstStyle/>
+          <a:p>
+            <a:pPr marL="285750" indent="-285750">
+              <a:buFont typeface="Wingdings" pitchFamily="2" charset="2"/>
+              <a:buChar char="ü"/>
+            </a:pPr>
+            <a:r>
+              <a:rPr kumimoji="1" lang="zh-CN" altLang="en-US" sz="2000" dirty="0">
+                <a:latin typeface="Optima" panose="02000503060000020004" pitchFamily="2" charset="0"/>
+                <a:ea typeface="KaiTi" panose="02010609060101010101" pitchFamily="49" charset="-122"/>
+              </a:rPr>
+              <a:t>客户端只能在服务器端调用</a:t>
+            </a:r>
+            <a:r>
+              <a:rPr kumimoji="1" lang="en-US" altLang="zh-CN" sz="2000" dirty="0">
+                <a:latin typeface="Optima" panose="02000503060000020004" pitchFamily="2" charset="0"/>
+                <a:ea typeface="KaiTi" panose="02010609060101010101" pitchFamily="49" charset="-122"/>
+              </a:rPr>
+              <a:t> listen </a:t>
+            </a:r>
+            <a:r>
+              <a:rPr kumimoji="1" lang="zh-CN" altLang="en-US" sz="2000" dirty="0">
+                <a:latin typeface="Optima" panose="02000503060000020004" pitchFamily="2" charset="0"/>
+                <a:ea typeface="KaiTi" panose="02010609060101010101" pitchFamily="49" charset="-122"/>
+              </a:rPr>
+              <a:t>函数后，才可以调用</a:t>
+            </a:r>
+            <a:r>
+              <a:rPr kumimoji="1" lang="en-US" altLang="zh-CN" sz="2000" dirty="0">
+                <a:latin typeface="Optima" panose="02000503060000020004" pitchFamily="2" charset="0"/>
+                <a:ea typeface="KaiTi" panose="02010609060101010101" pitchFamily="49" charset="-122"/>
+              </a:rPr>
+              <a:t> connect </a:t>
+            </a:r>
+            <a:r>
+              <a:rPr kumimoji="1" lang="zh-CN" altLang="en-US" sz="2000" dirty="0">
+                <a:latin typeface="Optima" panose="02000503060000020004" pitchFamily="2" charset="0"/>
+                <a:ea typeface="KaiTi" panose="02010609060101010101" pitchFamily="49" charset="-122"/>
+              </a:rPr>
+              <a:t>函数</a:t>
+            </a:r>
+            <a:endParaRPr kumimoji="1" lang="en-US" altLang="zh-CN" sz="2000" dirty="0">
+              <a:latin typeface="Optima" panose="02000503060000020004" pitchFamily="2" charset="0"/>
+              <a:ea typeface="KaiTi" panose="02010609060101010101" pitchFamily="49" charset="-122"/>
+            </a:endParaRPr>
+          </a:p>
+          <a:p>
+            <a:pPr marL="285750" indent="-285750">
+              <a:buFont typeface="Wingdings" pitchFamily="2" charset="2"/>
+              <a:buChar char="ü"/>
+            </a:pPr>
+            <a:endParaRPr kumimoji="1" lang="en-US" altLang="zh-CN" sz="2000" dirty="0">
+              <a:latin typeface="Optima" panose="02000503060000020004" pitchFamily="2" charset="0"/>
+              <a:ea typeface="KaiTi" panose="02010609060101010101" pitchFamily="49" charset="-122"/>
+            </a:endParaRPr>
+          </a:p>
+          <a:p>
+            <a:pPr marL="285750" indent="-285750">
+              <a:buFont typeface="Wingdings" pitchFamily="2" charset="2"/>
+              <a:buChar char="ü"/>
+            </a:pPr>
+            <a:r>
+              <a:rPr kumimoji="1" lang="zh-CN" altLang="en-US" sz="2000" dirty="0">
+                <a:latin typeface="Optima" panose="02000503060000020004" pitchFamily="2" charset="0"/>
+                <a:ea typeface="KaiTi" panose="02010609060101010101" pitchFamily="49" charset="-122"/>
+              </a:rPr>
+              <a:t>但是客户端调用</a:t>
+            </a:r>
+            <a:r>
+              <a:rPr kumimoji="1" lang="en-US" altLang="zh-CN" sz="2000" dirty="0">
+                <a:latin typeface="Optima" panose="02000503060000020004" pitchFamily="2" charset="0"/>
+                <a:ea typeface="KaiTi" panose="02010609060101010101" pitchFamily="49" charset="-122"/>
+              </a:rPr>
+              <a:t> connect </a:t>
+            </a:r>
+            <a:r>
+              <a:rPr kumimoji="1" lang="zh-CN" altLang="en-US" sz="2000" dirty="0">
+                <a:latin typeface="Optima" panose="02000503060000020004" pitchFamily="2" charset="0"/>
+                <a:ea typeface="KaiTi" panose="02010609060101010101" pitchFamily="49" charset="-122"/>
+              </a:rPr>
+              <a:t>函数之前，服务器端可能率先调用了</a:t>
+            </a:r>
+            <a:r>
+              <a:rPr kumimoji="1" lang="en-US" altLang="zh-CN" sz="2000" dirty="0">
+                <a:latin typeface="Optima" panose="02000503060000020004" pitchFamily="2" charset="0"/>
+                <a:ea typeface="KaiTi" panose="02010609060101010101" pitchFamily="49" charset="-122"/>
+              </a:rPr>
+              <a:t> accept </a:t>
+            </a:r>
+            <a:r>
+              <a:rPr kumimoji="1" lang="zh-CN" altLang="en-US" sz="2000" dirty="0">
+                <a:latin typeface="Optima" panose="02000503060000020004" pitchFamily="2" charset="0"/>
+                <a:ea typeface="KaiTi" panose="02010609060101010101" pitchFamily="49" charset="-122"/>
+              </a:rPr>
+              <a:t>函数，处于阻塞状态，直到客户端调用</a:t>
+            </a:r>
+            <a:r>
+              <a:rPr kumimoji="1" lang="en-US" altLang="zh-CN" sz="2000" dirty="0">
+                <a:latin typeface="Optima" panose="02000503060000020004" pitchFamily="2" charset="0"/>
+                <a:ea typeface="KaiTi" panose="02010609060101010101" pitchFamily="49" charset="-122"/>
+              </a:rPr>
+              <a:t> connect </a:t>
+            </a:r>
+            <a:r>
+              <a:rPr kumimoji="1" lang="zh-CN" altLang="en-US" sz="2000" dirty="0">
+                <a:latin typeface="Optima" panose="02000503060000020004" pitchFamily="2" charset="0"/>
+                <a:ea typeface="KaiTi" panose="02010609060101010101" pitchFamily="49" charset="-122"/>
+              </a:rPr>
+              <a:t>函数</a:t>
+            </a:r>
+          </a:p>
+        </p:txBody>
+      </p:sp>
     </p:spTree>
     <p:extLst>
       <p:ext uri="{BB962C8B-B14F-4D97-AF65-F5344CB8AC3E}">
-        <p14:creationId xmlns:p14="http://schemas.microsoft.com/office/powerpoint/2010/main" val="3902389956"/>
+        <p14:creationId xmlns:p14="http://schemas.microsoft.com/office/powerpoint/2010/main" val="2190916521"/>
       </p:ext>
     </p:extLst>
   </p:cSld>
@@ -9135,6 +13912,1121 @@
 </file>
 
 <file path=ppt/slides/slide21.xml><?xml version="1.0" encoding="utf-8"?>
+<p:sld xmlns:a="http://schemas.openxmlformats.org/drawingml/2006/main" xmlns:r="http://schemas.openxmlformats.org/officeDocument/2006/relationships" xmlns:p="http://schemas.openxmlformats.org/presentationml/2006/main">
+  <p:cSld>
+    <p:spTree>
+      <p:nvGrpSpPr>
+        <p:cNvPr id="1" name=""/>
+        <p:cNvGrpSpPr/>
+        <p:nvPr/>
+      </p:nvGrpSpPr>
+      <p:grpSpPr>
+        <a:xfrm>
+          <a:off x="0" y="0"/>
+          <a:ext cx="0" cy="0"/>
+          <a:chOff x="0" y="0"/>
+          <a:chExt cx="0" cy="0"/>
+        </a:xfrm>
+      </p:grpSpPr>
+      <p:sp>
+        <p:nvSpPr>
+          <p:cNvPr id="3" name="文本框 2">
+            <a:extLst>
+              <a:ext uri="{FF2B5EF4-FFF2-40B4-BE49-F238E27FC236}">
+                <a16:creationId xmlns:a16="http://schemas.microsoft.com/office/drawing/2014/main" id="{2C144994-1EAF-4444-BCFD-903C31B6A060}"/>
+              </a:ext>
+            </a:extLst>
+          </p:cNvPr>
+          <p:cNvSpPr txBox="1"/>
+          <p:nvPr/>
+        </p:nvSpPr>
+        <p:spPr>
+          <a:xfrm>
+            <a:off x="1162455" y="1258059"/>
+            <a:ext cx="7845358" cy="2246769"/>
+          </a:xfrm>
+          <a:prstGeom prst="rect">
+            <a:avLst/>
+          </a:prstGeom>
+          <a:noFill/>
+        </p:spPr>
+        <p:txBody>
+          <a:bodyPr wrap="square">
+            <a:spAutoFit/>
+          </a:bodyPr>
+          <a:lstStyle/>
+          <a:p>
+            <a:pPr marL="285750" indent="-285750">
+              <a:buFont typeface="Wingdings" pitchFamily="2" charset="2"/>
+              <a:buChar char="Ø"/>
+            </a:pPr>
+            <a:r>
+              <a:rPr lang="zh-CN" altLang="en-US" sz="2000" b="0" i="0" dirty="0">
+                <a:solidFill>
+                  <a:srgbClr val="1F2328"/>
+                </a:solidFill>
+                <a:effectLst/>
+                <a:latin typeface="Optima" panose="02000503060000020004" pitchFamily="2" charset="0"/>
+                <a:ea typeface="KaiTi" panose="02010609060101010101" pitchFamily="49" charset="-122"/>
+              </a:rPr>
+              <a:t>服务端调用 </a:t>
+            </a:r>
+            <a:r>
+              <a:rPr lang="en" altLang="zh-CN" sz="2000" b="0" i="0" dirty="0">
+                <a:solidFill>
+                  <a:srgbClr val="1F2328"/>
+                </a:solidFill>
+                <a:effectLst/>
+                <a:latin typeface="Optima" panose="02000503060000020004" pitchFamily="2" charset="0"/>
+                <a:ea typeface="KaiTi" panose="02010609060101010101" pitchFamily="49" charset="-122"/>
+              </a:rPr>
+              <a:t>listen </a:t>
+            </a:r>
+            <a:r>
+              <a:rPr lang="zh-CN" altLang="en-US" sz="2000" b="0" i="0" dirty="0">
+                <a:solidFill>
+                  <a:srgbClr val="1F2328"/>
+                </a:solidFill>
+                <a:effectLst/>
+                <a:latin typeface="Optima" panose="02000503060000020004" pitchFamily="2" charset="0"/>
+                <a:ea typeface="KaiTi" panose="02010609060101010101" pitchFamily="49" charset="-122"/>
+              </a:rPr>
+              <a:t>函数后</a:t>
+            </a:r>
+            <a:endParaRPr lang="en-US" altLang="zh-CN" sz="2000" b="0" i="0" dirty="0">
+              <a:solidFill>
+                <a:srgbClr val="1F2328"/>
+              </a:solidFill>
+              <a:effectLst/>
+              <a:latin typeface="Optima" panose="02000503060000020004" pitchFamily="2" charset="0"/>
+              <a:ea typeface="KaiTi" panose="02010609060101010101" pitchFamily="49" charset="-122"/>
+            </a:endParaRPr>
+          </a:p>
+          <a:p>
+            <a:pPr marL="285750" indent="-285750">
+              <a:buFont typeface="Wingdings" pitchFamily="2" charset="2"/>
+              <a:buChar char="Ø"/>
+            </a:pPr>
+            <a:endParaRPr lang="en-US" altLang="zh-CN" sz="2000" dirty="0">
+              <a:solidFill>
+                <a:srgbClr val="1F2328"/>
+              </a:solidFill>
+              <a:latin typeface="Optima" panose="02000503060000020004" pitchFamily="2" charset="0"/>
+              <a:ea typeface="KaiTi" panose="02010609060101010101" pitchFamily="49" charset="-122"/>
+            </a:endParaRPr>
+          </a:p>
+          <a:p>
+            <a:pPr marL="285750" indent="-285750">
+              <a:buFont typeface="Wingdings" pitchFamily="2" charset="2"/>
+              <a:buChar char="Ø"/>
+            </a:pPr>
+            <a:r>
+              <a:rPr lang="zh-CN" altLang="en-US" sz="2000" dirty="0">
+                <a:solidFill>
+                  <a:srgbClr val="1F2328"/>
+                </a:solidFill>
+                <a:latin typeface="Optima" panose="02000503060000020004" pitchFamily="2" charset="0"/>
+                <a:ea typeface="KaiTi" panose="02010609060101010101" pitchFamily="49" charset="-122"/>
+              </a:rPr>
+              <a:t>许多</a:t>
+            </a:r>
+            <a:r>
+              <a:rPr lang="zh-CN" altLang="en-US" sz="2000" b="0" i="0" dirty="0">
+                <a:solidFill>
+                  <a:srgbClr val="1F2328"/>
+                </a:solidFill>
+                <a:effectLst/>
+                <a:latin typeface="Optima" panose="02000503060000020004" pitchFamily="2" charset="0"/>
+                <a:ea typeface="KaiTi" panose="02010609060101010101" pitchFamily="49" charset="-122"/>
+              </a:rPr>
+              <a:t>客户端发起了连接请求，此时，就需要创建连接请求等待队列。以便于在 </a:t>
+            </a:r>
+            <a:r>
+              <a:rPr lang="en" altLang="zh-CN" sz="2000" b="0" i="0" dirty="0">
+                <a:solidFill>
+                  <a:srgbClr val="1F2328"/>
+                </a:solidFill>
+                <a:effectLst/>
+                <a:latin typeface="Optima" panose="02000503060000020004" pitchFamily="2" charset="0"/>
+                <a:ea typeface="KaiTi" panose="02010609060101010101" pitchFamily="49" charset="-122"/>
+              </a:rPr>
+              <a:t>accept</a:t>
+            </a:r>
+            <a:r>
+              <a:rPr lang="zh-CN" altLang="en-US" sz="2000" b="0" i="0" dirty="0">
+                <a:solidFill>
+                  <a:srgbClr val="1F2328"/>
+                </a:solidFill>
+                <a:effectLst/>
+                <a:latin typeface="Optima" panose="02000503060000020004" pitchFamily="2" charset="0"/>
+                <a:ea typeface="KaiTi" panose="02010609060101010101" pitchFamily="49" charset="-122"/>
+              </a:rPr>
+              <a:t> 函数处理完</a:t>
+            </a:r>
+            <a:r>
+              <a:rPr lang="zh-CN" altLang="en-US" sz="2000" dirty="0">
+                <a:solidFill>
+                  <a:srgbClr val="1F2328"/>
+                </a:solidFill>
+                <a:latin typeface="Optima" panose="02000503060000020004" pitchFamily="2" charset="0"/>
+                <a:ea typeface="KaiTi" panose="02010609060101010101" pitchFamily="49" charset="-122"/>
+              </a:rPr>
+              <a:t>当前</a:t>
+            </a:r>
+            <a:r>
+              <a:rPr lang="zh-CN" altLang="en-US" sz="2000" b="0" i="0" dirty="0">
+                <a:solidFill>
+                  <a:srgbClr val="1F2328"/>
+                </a:solidFill>
+                <a:effectLst/>
+                <a:latin typeface="Optima" panose="02000503060000020004" pitchFamily="2" charset="0"/>
+                <a:ea typeface="KaiTi" panose="02010609060101010101" pitchFamily="49" charset="-122"/>
+              </a:rPr>
+              <a:t>的请求之后，按照正确的顺序处理后面正在排队的其他请求</a:t>
+            </a:r>
+            <a:endParaRPr lang="en-US" altLang="zh-CN" sz="2000" b="0" i="0" dirty="0">
+              <a:solidFill>
+                <a:srgbClr val="1F2328"/>
+              </a:solidFill>
+              <a:effectLst/>
+              <a:latin typeface="Optima" panose="02000503060000020004" pitchFamily="2" charset="0"/>
+              <a:ea typeface="KaiTi" panose="02010609060101010101" pitchFamily="49" charset="-122"/>
+            </a:endParaRPr>
+          </a:p>
+          <a:p>
+            <a:pPr marL="285750" indent="-285750">
+              <a:buFont typeface="Wingdings" pitchFamily="2" charset="2"/>
+              <a:buChar char="Ø"/>
+            </a:pPr>
+            <a:endParaRPr lang="en-US" altLang="zh-CN" sz="2000" dirty="0">
+              <a:solidFill>
+                <a:srgbClr val="1F2328"/>
+              </a:solidFill>
+              <a:latin typeface="Optima" panose="02000503060000020004" pitchFamily="2" charset="0"/>
+              <a:ea typeface="KaiTi" panose="02010609060101010101" pitchFamily="49" charset="-122"/>
+            </a:endParaRPr>
+          </a:p>
+          <a:p>
+            <a:pPr marL="285750" indent="-285750">
+              <a:buFont typeface="Wingdings" pitchFamily="2" charset="2"/>
+              <a:buChar char="Ø"/>
+            </a:pPr>
+            <a:r>
+              <a:rPr lang="en" altLang="zh-CN" sz="2000" b="0" i="0" dirty="0">
+                <a:solidFill>
+                  <a:srgbClr val="1F2328"/>
+                </a:solidFill>
+                <a:effectLst/>
+                <a:latin typeface="Optima" panose="02000503060000020004" pitchFamily="2" charset="0"/>
+                <a:ea typeface="KaiTi" panose="02010609060101010101" pitchFamily="49" charset="-122"/>
+              </a:rPr>
+              <a:t>accept</a:t>
+            </a:r>
+            <a:r>
+              <a:rPr lang="zh-CN" altLang="en-US" sz="2000" b="0" i="0" dirty="0">
+                <a:solidFill>
+                  <a:srgbClr val="1F2328"/>
+                </a:solidFill>
+                <a:effectLst/>
+                <a:latin typeface="Optima" panose="02000503060000020004" pitchFamily="2" charset="0"/>
+                <a:ea typeface="KaiTi" panose="02010609060101010101" pitchFamily="49" charset="-122"/>
+              </a:rPr>
+              <a:t> 函数受理连接请求等待队列中待处理的客户端连接请求</a:t>
+            </a:r>
+            <a:endParaRPr lang="zh-CN" altLang="en-US" sz="2000" dirty="0">
+              <a:latin typeface="Optima" panose="02000503060000020004" pitchFamily="2" charset="0"/>
+              <a:ea typeface="KaiTi" panose="02010609060101010101" pitchFamily="49" charset="-122"/>
+            </a:endParaRPr>
+          </a:p>
+        </p:txBody>
+      </p:sp>
+      <p:sp>
+        <p:nvSpPr>
+          <p:cNvPr id="4" name="文本框 3">
+            <a:extLst>
+              <a:ext uri="{FF2B5EF4-FFF2-40B4-BE49-F238E27FC236}">
+                <a16:creationId xmlns:a16="http://schemas.microsoft.com/office/drawing/2014/main" id="{25AAE6C8-5694-064B-904C-AABA36A3001B}"/>
+              </a:ext>
+            </a:extLst>
+          </p:cNvPr>
+          <p:cNvSpPr txBox="1"/>
+          <p:nvPr/>
+        </p:nvSpPr>
+        <p:spPr>
+          <a:xfrm>
+            <a:off x="0" y="0"/>
+            <a:ext cx="11057835" cy="523220"/>
+          </a:xfrm>
+          <a:prstGeom prst="rect">
+            <a:avLst/>
+          </a:prstGeom>
+          <a:noFill/>
+        </p:spPr>
+        <p:txBody>
+          <a:bodyPr wrap="none" rtlCol="0">
+            <a:spAutoFit/>
+          </a:bodyPr>
+          <a:lstStyle/>
+          <a:p>
+            <a:r>
+              <a:rPr kumimoji="1" lang="zh-CN" altLang="en-US" sz="2800" dirty="0">
+                <a:latin typeface="Optima" panose="02000503060000020004" pitchFamily="2" charset="0"/>
+                <a:ea typeface="KaiTi" panose="02010609060101010101" pitchFamily="49" charset="-122"/>
+              </a:rPr>
+              <a:t>什么时候创建连接请求等待队列？有何作用？与</a:t>
+            </a:r>
+            <a:r>
+              <a:rPr kumimoji="1" lang="en-US" altLang="zh-CN" sz="2800" dirty="0">
+                <a:latin typeface="Optima" panose="02000503060000020004" pitchFamily="2" charset="0"/>
+                <a:ea typeface="KaiTi" panose="02010609060101010101" pitchFamily="49" charset="-122"/>
+              </a:rPr>
+              <a:t> accept </a:t>
+            </a:r>
+            <a:r>
+              <a:rPr kumimoji="1" lang="zh-CN" altLang="en-US" sz="2800" dirty="0">
+                <a:latin typeface="Optima" panose="02000503060000020004" pitchFamily="2" charset="0"/>
+                <a:ea typeface="KaiTi" panose="02010609060101010101" pitchFamily="49" charset="-122"/>
+              </a:rPr>
+              <a:t>有什么关系？</a:t>
+            </a:r>
+          </a:p>
+        </p:txBody>
+      </p:sp>
+    </p:spTree>
+    <p:extLst>
+      <p:ext uri="{BB962C8B-B14F-4D97-AF65-F5344CB8AC3E}">
+        <p14:creationId xmlns:p14="http://schemas.microsoft.com/office/powerpoint/2010/main" val="3536874105"/>
+      </p:ext>
+    </p:extLst>
+  </p:cSld>
+  <p:clrMapOvr>
+    <a:masterClrMapping/>
+  </p:clrMapOvr>
+</p:sld>
+</file>
+
+<file path=ppt/slides/slide22.xml><?xml version="1.0" encoding="utf-8"?>
+<p:sld xmlns:a="http://schemas.openxmlformats.org/drawingml/2006/main" xmlns:r="http://schemas.openxmlformats.org/officeDocument/2006/relationships" xmlns:p="http://schemas.openxmlformats.org/presentationml/2006/main">
+  <p:cSld>
+    <p:spTree>
+      <p:nvGrpSpPr>
+        <p:cNvPr id="1" name=""/>
+        <p:cNvGrpSpPr/>
+        <p:nvPr/>
+      </p:nvGrpSpPr>
+      <p:grpSpPr>
+        <a:xfrm>
+          <a:off x="0" y="0"/>
+          <a:ext cx="0" cy="0"/>
+          <a:chOff x="0" y="0"/>
+          <a:chExt cx="0" cy="0"/>
+        </a:xfrm>
+      </p:grpSpPr>
+    </p:spTree>
+    <p:extLst>
+      <p:ext uri="{BB962C8B-B14F-4D97-AF65-F5344CB8AC3E}">
+        <p14:creationId xmlns:p14="http://schemas.microsoft.com/office/powerpoint/2010/main" val="4032277909"/>
+      </p:ext>
+    </p:extLst>
+  </p:cSld>
+  <p:clrMapOvr>
+    <a:masterClrMapping/>
+  </p:clrMapOvr>
+</p:sld>
+</file>
+
+<file path=ppt/slides/slide23.xml><?xml version="1.0" encoding="utf-8"?>
+<p:sld xmlns:a="http://schemas.openxmlformats.org/drawingml/2006/main" xmlns:r="http://schemas.openxmlformats.org/officeDocument/2006/relationships" xmlns:p="http://schemas.openxmlformats.org/presentationml/2006/main">
+  <p:cSld>
+    <p:spTree>
+      <p:nvGrpSpPr>
+        <p:cNvPr id="1" name=""/>
+        <p:cNvGrpSpPr/>
+        <p:nvPr/>
+      </p:nvGrpSpPr>
+      <p:grpSpPr>
+        <a:xfrm>
+          <a:off x="0" y="0"/>
+          <a:ext cx="0" cy="0"/>
+          <a:chOff x="0" y="0"/>
+          <a:chExt cx="0" cy="0"/>
+        </a:xfrm>
+      </p:grpSpPr>
+      <p:sp>
+        <p:nvSpPr>
+          <p:cNvPr id="4" name="文本框 3">
+            <a:extLst>
+              <a:ext uri="{FF2B5EF4-FFF2-40B4-BE49-F238E27FC236}">
+                <a16:creationId xmlns:a16="http://schemas.microsoft.com/office/drawing/2014/main" id="{7EE1C33A-CBBC-884B-A275-BA706E902614}"/>
+              </a:ext>
+            </a:extLst>
+          </p:cNvPr>
+          <p:cNvSpPr txBox="1"/>
+          <p:nvPr/>
+        </p:nvSpPr>
+        <p:spPr>
+          <a:xfrm>
+            <a:off x="4727676" y="2875002"/>
+            <a:ext cx="2736647" cy="1107996"/>
+          </a:xfrm>
+          <a:prstGeom prst="rect">
+            <a:avLst/>
+          </a:prstGeom>
+          <a:noFill/>
+        </p:spPr>
+        <p:txBody>
+          <a:bodyPr wrap="none" rtlCol="0">
+            <a:spAutoFit/>
+          </a:bodyPr>
+          <a:lstStyle/>
+          <a:p>
+            <a:r>
+              <a:rPr kumimoji="1" lang="zh-CN" altLang="en-US" sz="6600" b="1" dirty="0">
+                <a:latin typeface="KaiTi" panose="02010609060101010101" pitchFamily="49" charset="-122"/>
+                <a:ea typeface="KaiTi" panose="02010609060101010101" pitchFamily="49" charset="-122"/>
+              </a:rPr>
+              <a:t>第五章</a:t>
+            </a:r>
+          </a:p>
+        </p:txBody>
+      </p:sp>
+    </p:spTree>
+    <p:extLst>
+      <p:ext uri="{BB962C8B-B14F-4D97-AF65-F5344CB8AC3E}">
+        <p14:creationId xmlns:p14="http://schemas.microsoft.com/office/powerpoint/2010/main" val="2007095680"/>
+      </p:ext>
+    </p:extLst>
+  </p:cSld>
+  <p:clrMapOvr>
+    <a:masterClrMapping/>
+  </p:clrMapOvr>
+</p:sld>
+</file>
+
+<file path=ppt/slides/slide24.xml><?xml version="1.0" encoding="utf-8"?>
+<p:sld xmlns:a="http://schemas.openxmlformats.org/drawingml/2006/main" xmlns:r="http://schemas.openxmlformats.org/officeDocument/2006/relationships" xmlns:p="http://schemas.openxmlformats.org/presentationml/2006/main">
+  <p:cSld>
+    <p:spTree>
+      <p:nvGrpSpPr>
+        <p:cNvPr id="1" name=""/>
+        <p:cNvGrpSpPr/>
+        <p:nvPr/>
+      </p:nvGrpSpPr>
+      <p:grpSpPr>
+        <a:xfrm>
+          <a:off x="0" y="0"/>
+          <a:ext cx="0" cy="0"/>
+          <a:chOff x="0" y="0"/>
+          <a:chExt cx="0" cy="0"/>
+        </a:xfrm>
+      </p:grpSpPr>
+    </p:spTree>
+    <p:extLst>
+      <p:ext uri="{BB962C8B-B14F-4D97-AF65-F5344CB8AC3E}">
+        <p14:creationId xmlns:p14="http://schemas.microsoft.com/office/powerpoint/2010/main" val="677260698"/>
+      </p:ext>
+    </p:extLst>
+  </p:cSld>
+  <p:clrMapOvr>
+    <a:masterClrMapping/>
+  </p:clrMapOvr>
+</p:sld>
+</file>
+
+<file path=ppt/slides/slide25.xml><?xml version="1.0" encoding="utf-8"?>
+<p:sld xmlns:a="http://schemas.openxmlformats.org/drawingml/2006/main" xmlns:r="http://schemas.openxmlformats.org/officeDocument/2006/relationships" xmlns:p="http://schemas.openxmlformats.org/presentationml/2006/main">
+  <p:cSld>
+    <p:spTree>
+      <p:nvGrpSpPr>
+        <p:cNvPr id="1" name=""/>
+        <p:cNvGrpSpPr/>
+        <p:nvPr/>
+      </p:nvGrpSpPr>
+      <p:grpSpPr>
+        <a:xfrm>
+          <a:off x="0" y="0"/>
+          <a:ext cx="0" cy="0"/>
+          <a:chOff x="0" y="0"/>
+          <a:chExt cx="0" cy="0"/>
+        </a:xfrm>
+      </p:grpSpPr>
+    </p:spTree>
+    <p:extLst>
+      <p:ext uri="{BB962C8B-B14F-4D97-AF65-F5344CB8AC3E}">
+        <p14:creationId xmlns:p14="http://schemas.microsoft.com/office/powerpoint/2010/main" val="3369847963"/>
+      </p:ext>
+    </p:extLst>
+  </p:cSld>
+  <p:clrMapOvr>
+    <a:masterClrMapping/>
+  </p:clrMapOvr>
+</p:sld>
+</file>
+
+<file path=ppt/slides/slide26.xml><?xml version="1.0" encoding="utf-8"?>
+<p:sld xmlns:a="http://schemas.openxmlformats.org/drawingml/2006/main" xmlns:r="http://schemas.openxmlformats.org/officeDocument/2006/relationships" xmlns:p="http://schemas.openxmlformats.org/presentationml/2006/main">
+  <p:cSld>
+    <p:spTree>
+      <p:nvGrpSpPr>
+        <p:cNvPr id="1" name=""/>
+        <p:cNvGrpSpPr/>
+        <p:nvPr/>
+      </p:nvGrpSpPr>
+      <p:grpSpPr>
+        <a:xfrm>
+          <a:off x="0" y="0"/>
+          <a:ext cx="0" cy="0"/>
+          <a:chOff x="0" y="0"/>
+          <a:chExt cx="0" cy="0"/>
+        </a:xfrm>
+      </p:grpSpPr>
+    </p:spTree>
+    <p:extLst>
+      <p:ext uri="{BB962C8B-B14F-4D97-AF65-F5344CB8AC3E}">
+        <p14:creationId xmlns:p14="http://schemas.microsoft.com/office/powerpoint/2010/main" val="2822006492"/>
+      </p:ext>
+    </p:extLst>
+  </p:cSld>
+  <p:clrMapOvr>
+    <a:masterClrMapping/>
+  </p:clrMapOvr>
+</p:sld>
+</file>
+
+<file path=ppt/slides/slide27.xml><?xml version="1.0" encoding="utf-8"?>
+<p:sld xmlns:a="http://schemas.openxmlformats.org/drawingml/2006/main" xmlns:r="http://schemas.openxmlformats.org/officeDocument/2006/relationships" xmlns:p="http://schemas.openxmlformats.org/presentationml/2006/main">
+  <p:cSld>
+    <p:spTree>
+      <p:nvGrpSpPr>
+        <p:cNvPr id="1" name=""/>
+        <p:cNvGrpSpPr/>
+        <p:nvPr/>
+      </p:nvGrpSpPr>
+      <p:grpSpPr>
+        <a:xfrm>
+          <a:off x="0" y="0"/>
+          <a:ext cx="0" cy="0"/>
+          <a:chOff x="0" y="0"/>
+          <a:chExt cx="0" cy="0"/>
+        </a:xfrm>
+      </p:grpSpPr>
+    </p:spTree>
+    <p:extLst>
+      <p:ext uri="{BB962C8B-B14F-4D97-AF65-F5344CB8AC3E}">
+        <p14:creationId xmlns:p14="http://schemas.microsoft.com/office/powerpoint/2010/main" val="1941609631"/>
+      </p:ext>
+    </p:extLst>
+  </p:cSld>
+  <p:clrMapOvr>
+    <a:masterClrMapping/>
+  </p:clrMapOvr>
+</p:sld>
+</file>
+
+<file path=ppt/slides/slide28.xml><?xml version="1.0" encoding="utf-8"?>
+<p:sld xmlns:a="http://schemas.openxmlformats.org/drawingml/2006/main" xmlns:r="http://schemas.openxmlformats.org/officeDocument/2006/relationships" xmlns:p="http://schemas.openxmlformats.org/presentationml/2006/main">
+  <p:cSld>
+    <p:spTree>
+      <p:nvGrpSpPr>
+        <p:cNvPr id="1" name=""/>
+        <p:cNvGrpSpPr/>
+        <p:nvPr/>
+      </p:nvGrpSpPr>
+      <p:grpSpPr>
+        <a:xfrm>
+          <a:off x="0" y="0"/>
+          <a:ext cx="0" cy="0"/>
+          <a:chOff x="0" y="0"/>
+          <a:chExt cx="0" cy="0"/>
+        </a:xfrm>
+      </p:grpSpPr>
+    </p:spTree>
+    <p:extLst>
+      <p:ext uri="{BB962C8B-B14F-4D97-AF65-F5344CB8AC3E}">
+        <p14:creationId xmlns:p14="http://schemas.microsoft.com/office/powerpoint/2010/main" val="3222236850"/>
+      </p:ext>
+    </p:extLst>
+  </p:cSld>
+  <p:clrMapOvr>
+    <a:masterClrMapping/>
+  </p:clrMapOvr>
+</p:sld>
+</file>
+
+<file path=ppt/slides/slide29.xml><?xml version="1.0" encoding="utf-8"?>
+<p:sld xmlns:a="http://schemas.openxmlformats.org/drawingml/2006/main" xmlns:r="http://schemas.openxmlformats.org/officeDocument/2006/relationships" xmlns:p="http://schemas.openxmlformats.org/presentationml/2006/main">
+  <p:cSld>
+    <p:spTree>
+      <p:nvGrpSpPr>
+        <p:cNvPr id="1" name=""/>
+        <p:cNvGrpSpPr/>
+        <p:nvPr/>
+      </p:nvGrpSpPr>
+      <p:grpSpPr>
+        <a:xfrm>
+          <a:off x="0" y="0"/>
+          <a:ext cx="0" cy="0"/>
+          <a:chOff x="0" y="0"/>
+          <a:chExt cx="0" cy="0"/>
+        </a:xfrm>
+      </p:grpSpPr>
+    </p:spTree>
+    <p:extLst>
+      <p:ext uri="{BB962C8B-B14F-4D97-AF65-F5344CB8AC3E}">
+        <p14:creationId xmlns:p14="http://schemas.microsoft.com/office/powerpoint/2010/main" val="3727286664"/>
+      </p:ext>
+    </p:extLst>
+  </p:cSld>
+  <p:clrMapOvr>
+    <a:masterClrMapping/>
+  </p:clrMapOvr>
+</p:sld>
+</file>
+
+<file path=ppt/slides/slide3.xml><?xml version="1.0" encoding="utf-8"?>
+<p:sld xmlns:a="http://schemas.openxmlformats.org/drawingml/2006/main" xmlns:r="http://schemas.openxmlformats.org/officeDocument/2006/relationships" xmlns:p="http://schemas.openxmlformats.org/presentationml/2006/main">
+  <p:cSld>
+    <p:spTree>
+      <p:nvGrpSpPr>
+        <p:cNvPr id="1" name=""/>
+        <p:cNvGrpSpPr/>
+        <p:nvPr/>
+      </p:nvGrpSpPr>
+      <p:grpSpPr>
+        <a:xfrm>
+          <a:off x="0" y="0"/>
+          <a:ext cx="0" cy="0"/>
+          <a:chOff x="0" y="0"/>
+          <a:chExt cx="0" cy="0"/>
+        </a:xfrm>
+      </p:grpSpPr>
+      <p:sp>
+        <p:nvSpPr>
+          <p:cNvPr id="2" name="文本框 1">
+            <a:extLst>
+              <a:ext uri="{FF2B5EF4-FFF2-40B4-BE49-F238E27FC236}">
+                <a16:creationId xmlns:a16="http://schemas.microsoft.com/office/drawing/2014/main" id="{EE003F37-D0BF-A842-9EDD-590F8A1FE96B}"/>
+              </a:ext>
+            </a:extLst>
+          </p:cNvPr>
+          <p:cNvSpPr txBox="1"/>
+          <p:nvPr/>
+        </p:nvSpPr>
+        <p:spPr>
+          <a:xfrm>
+            <a:off x="953311" y="437745"/>
+            <a:ext cx="184731" cy="369332"/>
+          </a:xfrm>
+          <a:prstGeom prst="rect">
+            <a:avLst/>
+          </a:prstGeom>
+          <a:noFill/>
+        </p:spPr>
+        <p:txBody>
+          <a:bodyPr wrap="none" rtlCol="0">
+            <a:spAutoFit/>
+          </a:bodyPr>
+          <a:lstStyle/>
+          <a:p>
+            <a:endParaRPr kumimoji="1" lang="zh-CN" altLang="en-US" dirty="0"/>
+          </a:p>
+        </p:txBody>
+      </p:sp>
+      <p:sp>
+        <p:nvSpPr>
+          <p:cNvPr id="3" name="文本框 2">
+            <a:extLst>
+              <a:ext uri="{FF2B5EF4-FFF2-40B4-BE49-F238E27FC236}">
+                <a16:creationId xmlns:a16="http://schemas.microsoft.com/office/drawing/2014/main" id="{8B0D44C3-DCAA-E442-90C0-9AE4126391E5}"/>
+              </a:ext>
+            </a:extLst>
+          </p:cNvPr>
+          <p:cNvSpPr txBox="1"/>
+          <p:nvPr/>
+        </p:nvSpPr>
+        <p:spPr>
+          <a:xfrm>
+            <a:off x="0" y="0"/>
+            <a:ext cx="902811" cy="523220"/>
+          </a:xfrm>
+          <a:prstGeom prst="rect">
+            <a:avLst/>
+          </a:prstGeom>
+          <a:noFill/>
+        </p:spPr>
+        <p:txBody>
+          <a:bodyPr wrap="none" rtlCol="0">
+            <a:spAutoFit/>
+          </a:bodyPr>
+          <a:lstStyle/>
+          <a:p>
+            <a:r>
+              <a:rPr kumimoji="1" lang="zh-CN" altLang="en-US" sz="2800" dirty="0">
+                <a:latin typeface="Optima" panose="02000503060000020004" pitchFamily="2" charset="0"/>
+                <a:ea typeface="KaiTi" panose="02010609060101010101" pitchFamily="49" charset="-122"/>
+              </a:rPr>
+              <a:t>习题</a:t>
+            </a:r>
+          </a:p>
+        </p:txBody>
+      </p:sp>
+      <p:sp>
+        <p:nvSpPr>
+          <p:cNvPr id="4" name="文本框 3">
+            <a:extLst>
+              <a:ext uri="{FF2B5EF4-FFF2-40B4-BE49-F238E27FC236}">
+                <a16:creationId xmlns:a16="http://schemas.microsoft.com/office/drawing/2014/main" id="{50B5CBB3-020B-4F4B-9FC8-DEC06D686FAA}"/>
+              </a:ext>
+            </a:extLst>
+          </p:cNvPr>
+          <p:cNvSpPr txBox="1"/>
+          <p:nvPr/>
+        </p:nvSpPr>
+        <p:spPr>
+          <a:xfrm>
+            <a:off x="1264596" y="1011677"/>
+            <a:ext cx="9913291" cy="3693319"/>
+          </a:xfrm>
+          <a:prstGeom prst="rect">
+            <a:avLst/>
+          </a:prstGeom>
+          <a:noFill/>
+        </p:spPr>
+        <p:txBody>
+          <a:bodyPr wrap="none" rtlCol="0">
+            <a:spAutoFit/>
+          </a:bodyPr>
+          <a:lstStyle/>
+          <a:p>
+            <a:r>
+              <a:rPr kumimoji="1" lang="en-US" altLang="zh-CN" dirty="0"/>
+              <a:t>(1)</a:t>
+            </a:r>
+          </a:p>
+          <a:p>
+            <a:endParaRPr kumimoji="1" lang="en-US" altLang="zh-CN" dirty="0"/>
+          </a:p>
+          <a:p>
+            <a:r>
+              <a:rPr kumimoji="1" lang="en-US" altLang="zh-CN" dirty="0"/>
+              <a:t>(2)</a:t>
+            </a:r>
+            <a:r>
+              <a:rPr kumimoji="1" lang="zh-CN" altLang="en-US" dirty="0"/>
+              <a:t> 面向连接的</a:t>
+            </a:r>
+            <a:r>
+              <a:rPr kumimoji="1" lang="en-US" altLang="zh-CN" dirty="0"/>
+              <a:t> TCP </a:t>
+            </a:r>
+            <a:r>
+              <a:rPr kumimoji="1" lang="zh-CN" altLang="en-US" dirty="0"/>
+              <a:t>套接字传输特性</a:t>
+            </a:r>
+            <a:endParaRPr kumimoji="1" lang="en-US" altLang="zh-CN" dirty="0"/>
+          </a:p>
+          <a:p>
+            <a:r>
+              <a:rPr kumimoji="1" lang="en-US" altLang="zh-CN" dirty="0"/>
+              <a:t>①</a:t>
+            </a:r>
+            <a:r>
+              <a:rPr kumimoji="1" lang="zh-CN" altLang="en-US" dirty="0"/>
+              <a:t> 数据不会丢失；</a:t>
+            </a:r>
+            <a:r>
+              <a:rPr kumimoji="1" lang="en-US" altLang="zh-CN" dirty="0"/>
+              <a:t>②</a:t>
+            </a:r>
+            <a:r>
+              <a:rPr kumimoji="1" lang="zh-CN" altLang="en-US" dirty="0"/>
+              <a:t> 按序传输数据；</a:t>
+            </a:r>
+            <a:r>
+              <a:rPr kumimoji="1" lang="en-US" altLang="zh-CN" dirty="0"/>
+              <a:t>③</a:t>
+            </a:r>
+            <a:r>
+              <a:rPr kumimoji="1" lang="zh-CN" altLang="en-US" dirty="0"/>
+              <a:t> 传输出具不存在数据边界</a:t>
+            </a:r>
+            <a:endParaRPr kumimoji="1" lang="en-US" altLang="zh-CN" dirty="0"/>
+          </a:p>
+          <a:p>
+            <a:endParaRPr kumimoji="1" lang="en-US" altLang="zh-CN" dirty="0"/>
+          </a:p>
+          <a:p>
+            <a:r>
+              <a:rPr kumimoji="1" lang="en-US" altLang="zh-CN" dirty="0"/>
+              <a:t>(3)</a:t>
+            </a:r>
+            <a:r>
+              <a:rPr kumimoji="1" lang="zh-CN" altLang="en-US" dirty="0"/>
+              <a:t> 面相消息的 </a:t>
+            </a:r>
+            <a:r>
+              <a:rPr kumimoji="1" lang="en-US" altLang="zh-CN" dirty="0"/>
+              <a:t>UDP</a:t>
+            </a:r>
+            <a:r>
+              <a:rPr kumimoji="1" lang="zh-CN" altLang="en-US" dirty="0"/>
+              <a:t> 套接字传输特性</a:t>
+            </a:r>
+            <a:endParaRPr kumimoji="1" lang="en-US" altLang="zh-CN" dirty="0"/>
+          </a:p>
+          <a:p>
+            <a:r>
+              <a:rPr kumimoji="1" lang="en-US" altLang="zh-CN" dirty="0"/>
+              <a:t>①</a:t>
+            </a:r>
+            <a:r>
+              <a:rPr kumimoji="1" lang="zh-CN" altLang="en-US" dirty="0"/>
+              <a:t> 传输数据可能丢失；</a:t>
+            </a:r>
+            <a:r>
+              <a:rPr kumimoji="1" lang="en-US" altLang="zh-CN" dirty="0"/>
+              <a:t>②</a:t>
+            </a:r>
+            <a:r>
+              <a:rPr kumimoji="1" lang="zh-CN" altLang="en-US" dirty="0"/>
+              <a:t> 有数据边界；</a:t>
+            </a:r>
+            <a:r>
+              <a:rPr kumimoji="1" lang="en-US" altLang="zh-CN" dirty="0"/>
+              <a:t>③</a:t>
+            </a:r>
+            <a:r>
+              <a:rPr kumimoji="1" lang="zh-CN" altLang="en-US" dirty="0"/>
+              <a:t> 传递快速；</a:t>
+            </a:r>
+            <a:r>
+              <a:rPr kumimoji="1" lang="en-US" altLang="zh-CN" dirty="0"/>
+              <a:t>④</a:t>
+            </a:r>
+            <a:r>
+              <a:rPr kumimoji="1" lang="zh-CN" altLang="en-US" dirty="0"/>
+              <a:t> 限制每次传递数据大小；</a:t>
+            </a:r>
+            <a:r>
+              <a:rPr kumimoji="1" lang="en-US" altLang="zh-CN" dirty="0"/>
+              <a:t>⑤</a:t>
+            </a:r>
+            <a:r>
+              <a:rPr kumimoji="1" lang="zh-CN" altLang="en-US" dirty="0"/>
+              <a:t> 不存在连接</a:t>
+            </a:r>
+            <a:endParaRPr kumimoji="1" lang="en-US" altLang="zh-CN" dirty="0"/>
+          </a:p>
+          <a:p>
+            <a:endParaRPr kumimoji="1" lang="en-US" altLang="zh-CN" dirty="0"/>
+          </a:p>
+          <a:p>
+            <a:r>
+              <a:rPr kumimoji="1" lang="en-US" altLang="zh-CN" dirty="0"/>
+              <a:t>(4)</a:t>
+            </a:r>
+            <a:r>
+              <a:rPr kumimoji="1" lang="zh-CN" altLang="en-US" dirty="0"/>
+              <a:t> </a:t>
+            </a:r>
+            <a:r>
+              <a:rPr kumimoji="1" lang="en-US" altLang="zh-CN" dirty="0"/>
+              <a:t>a.</a:t>
+            </a:r>
+            <a:r>
+              <a:rPr kumimoji="1" lang="zh-CN" altLang="en-US" dirty="0"/>
+              <a:t> </a:t>
+            </a:r>
+            <a:r>
+              <a:rPr kumimoji="1" lang="en-US" altLang="zh-CN" dirty="0"/>
+              <a:t>UDP;</a:t>
+            </a:r>
+            <a:r>
+              <a:rPr kumimoji="1" lang="zh-CN" altLang="en-US" dirty="0"/>
+              <a:t> </a:t>
+            </a:r>
+            <a:r>
+              <a:rPr kumimoji="1" lang="en-US" altLang="zh-CN" dirty="0"/>
+              <a:t>b.</a:t>
+            </a:r>
+            <a:r>
+              <a:rPr kumimoji="1" lang="zh-CN" altLang="en-US" dirty="0"/>
+              <a:t> </a:t>
+            </a:r>
+            <a:r>
+              <a:rPr kumimoji="1" lang="en-US" altLang="zh-CN" dirty="0"/>
+              <a:t>TCP;</a:t>
+            </a:r>
+            <a:r>
+              <a:rPr kumimoji="1" lang="zh-CN" altLang="en-US" dirty="0"/>
+              <a:t> </a:t>
+            </a:r>
+            <a:r>
+              <a:rPr kumimoji="1" lang="en-US" altLang="zh-CN" dirty="0"/>
+              <a:t>c.</a:t>
+            </a:r>
+            <a:r>
+              <a:rPr kumimoji="1" lang="zh-CN" altLang="en-US" dirty="0"/>
+              <a:t> </a:t>
+            </a:r>
+            <a:r>
+              <a:rPr kumimoji="1" lang="en-US" altLang="zh-CN" dirty="0"/>
+              <a:t>TCP</a:t>
+            </a:r>
+          </a:p>
+          <a:p>
+            <a:endParaRPr kumimoji="1" lang="en-US" altLang="zh-CN" dirty="0"/>
+          </a:p>
+          <a:p>
+            <a:r>
+              <a:rPr kumimoji="1" lang="en-US" altLang="zh-CN" dirty="0"/>
+              <a:t>(5)</a:t>
+            </a:r>
+            <a:r>
+              <a:rPr kumimoji="1" lang="zh-CN" altLang="en-US" dirty="0"/>
+              <a:t> </a:t>
+            </a:r>
+            <a:r>
+              <a:rPr kumimoji="1" lang="en-US" altLang="zh-CN" dirty="0"/>
+              <a:t>TCP</a:t>
+            </a:r>
+          </a:p>
+          <a:p>
+            <a:endParaRPr kumimoji="1" lang="en-US" altLang="zh-CN" dirty="0"/>
+          </a:p>
+          <a:p>
+            <a:r>
+              <a:rPr kumimoji="1" lang="en-US" altLang="zh-CN" dirty="0"/>
+              <a:t>(6)</a:t>
+            </a:r>
+            <a:endParaRPr kumimoji="1" lang="zh-CN" altLang="en-US" dirty="0"/>
+          </a:p>
+        </p:txBody>
+      </p:sp>
+    </p:spTree>
+    <p:extLst>
+      <p:ext uri="{BB962C8B-B14F-4D97-AF65-F5344CB8AC3E}">
+        <p14:creationId xmlns:p14="http://schemas.microsoft.com/office/powerpoint/2010/main" val="388425286"/>
+      </p:ext>
+    </p:extLst>
+  </p:cSld>
+  <p:clrMapOvr>
+    <a:masterClrMapping/>
+  </p:clrMapOvr>
+</p:sld>
+</file>
+
+<file path=ppt/slides/slide30.xml><?xml version="1.0" encoding="utf-8"?>
+<p:sld xmlns:a="http://schemas.openxmlformats.org/drawingml/2006/main" xmlns:r="http://schemas.openxmlformats.org/officeDocument/2006/relationships" xmlns:p="http://schemas.openxmlformats.org/presentationml/2006/main">
+  <p:cSld>
+    <p:spTree>
+      <p:nvGrpSpPr>
+        <p:cNvPr id="1" name=""/>
+        <p:cNvGrpSpPr/>
+        <p:nvPr/>
+      </p:nvGrpSpPr>
+      <p:grpSpPr>
+        <a:xfrm>
+          <a:off x="0" y="0"/>
+          <a:ext cx="0" cy="0"/>
+          <a:chOff x="0" y="0"/>
+          <a:chExt cx="0" cy="0"/>
+        </a:xfrm>
+      </p:grpSpPr>
+    </p:spTree>
+    <p:extLst>
+      <p:ext uri="{BB962C8B-B14F-4D97-AF65-F5344CB8AC3E}">
+        <p14:creationId xmlns:p14="http://schemas.microsoft.com/office/powerpoint/2010/main" val="237792172"/>
+      </p:ext>
+    </p:extLst>
+  </p:cSld>
+  <p:clrMapOvr>
+    <a:masterClrMapping/>
+  </p:clrMapOvr>
+</p:sld>
+</file>
+
+<file path=ppt/slides/slide31.xml><?xml version="1.0" encoding="utf-8"?>
+<p:sld xmlns:a="http://schemas.openxmlformats.org/drawingml/2006/main" xmlns:r="http://schemas.openxmlformats.org/officeDocument/2006/relationships" xmlns:p="http://schemas.openxmlformats.org/presentationml/2006/main">
+  <p:cSld>
+    <p:spTree>
+      <p:nvGrpSpPr>
+        <p:cNvPr id="1" name=""/>
+        <p:cNvGrpSpPr/>
+        <p:nvPr/>
+      </p:nvGrpSpPr>
+      <p:grpSpPr>
+        <a:xfrm>
+          <a:off x="0" y="0"/>
+          <a:ext cx="0" cy="0"/>
+          <a:chOff x="0" y="0"/>
+          <a:chExt cx="0" cy="0"/>
+        </a:xfrm>
+      </p:grpSpPr>
+    </p:spTree>
+    <p:extLst>
+      <p:ext uri="{BB962C8B-B14F-4D97-AF65-F5344CB8AC3E}">
+        <p14:creationId xmlns:p14="http://schemas.microsoft.com/office/powerpoint/2010/main" val="268341093"/>
+      </p:ext>
+    </p:extLst>
+  </p:cSld>
+  <p:clrMapOvr>
+    <a:masterClrMapping/>
+  </p:clrMapOvr>
+</p:sld>
+</file>
+
+<file path=ppt/slides/slide32.xml><?xml version="1.0" encoding="utf-8"?>
+<p:sld xmlns:a="http://schemas.openxmlformats.org/drawingml/2006/main" xmlns:r="http://schemas.openxmlformats.org/officeDocument/2006/relationships" xmlns:p="http://schemas.openxmlformats.org/presentationml/2006/main">
+  <p:cSld>
+    <p:spTree>
+      <p:nvGrpSpPr>
+        <p:cNvPr id="1" name=""/>
+        <p:cNvGrpSpPr/>
+        <p:nvPr/>
+      </p:nvGrpSpPr>
+      <p:grpSpPr>
+        <a:xfrm>
+          <a:off x="0" y="0"/>
+          <a:ext cx="0" cy="0"/>
+          <a:chOff x="0" y="0"/>
+          <a:chExt cx="0" cy="0"/>
+        </a:xfrm>
+      </p:grpSpPr>
+    </p:spTree>
+    <p:extLst>
+      <p:ext uri="{BB962C8B-B14F-4D97-AF65-F5344CB8AC3E}">
+        <p14:creationId xmlns:p14="http://schemas.microsoft.com/office/powerpoint/2010/main" val="281398619"/>
+      </p:ext>
+    </p:extLst>
+  </p:cSld>
+  <p:clrMapOvr>
+    <a:masterClrMapping/>
+  </p:clrMapOvr>
+</p:sld>
+</file>
+
+<file path=ppt/slides/slide33.xml><?xml version="1.0" encoding="utf-8"?>
+<p:sld xmlns:a="http://schemas.openxmlformats.org/drawingml/2006/main" xmlns:r="http://schemas.openxmlformats.org/officeDocument/2006/relationships" xmlns:p="http://schemas.openxmlformats.org/presentationml/2006/main">
+  <p:cSld>
+    <p:spTree>
+      <p:nvGrpSpPr>
+        <p:cNvPr id="1" name=""/>
+        <p:cNvGrpSpPr/>
+        <p:nvPr/>
+      </p:nvGrpSpPr>
+      <p:grpSpPr>
+        <a:xfrm>
+          <a:off x="0" y="0"/>
+          <a:ext cx="0" cy="0"/>
+          <a:chOff x="0" y="0"/>
+          <a:chExt cx="0" cy="0"/>
+        </a:xfrm>
+      </p:grpSpPr>
+    </p:spTree>
+    <p:extLst>
+      <p:ext uri="{BB962C8B-B14F-4D97-AF65-F5344CB8AC3E}">
+        <p14:creationId xmlns:p14="http://schemas.microsoft.com/office/powerpoint/2010/main" val="75816794"/>
+      </p:ext>
+    </p:extLst>
+  </p:cSld>
+  <p:clrMapOvr>
+    <a:masterClrMapping/>
+  </p:clrMapOvr>
+</p:sld>
+</file>
+
+<file path=ppt/slides/slide34.xml><?xml version="1.0" encoding="utf-8"?>
+<p:sld xmlns:a="http://schemas.openxmlformats.org/drawingml/2006/main" xmlns:r="http://schemas.openxmlformats.org/officeDocument/2006/relationships" xmlns:p="http://schemas.openxmlformats.org/presentationml/2006/main">
+  <p:cSld>
+    <p:spTree>
+      <p:nvGrpSpPr>
+        <p:cNvPr id="1" name=""/>
+        <p:cNvGrpSpPr/>
+        <p:nvPr/>
+      </p:nvGrpSpPr>
+      <p:grpSpPr>
+        <a:xfrm>
+          <a:off x="0" y="0"/>
+          <a:ext cx="0" cy="0"/>
+          <a:chOff x="0" y="0"/>
+          <a:chExt cx="0" cy="0"/>
+        </a:xfrm>
+      </p:grpSpPr>
+    </p:spTree>
+    <p:extLst>
+      <p:ext uri="{BB962C8B-B14F-4D97-AF65-F5344CB8AC3E}">
+        <p14:creationId xmlns:p14="http://schemas.microsoft.com/office/powerpoint/2010/main" val="2212605314"/>
+      </p:ext>
+    </p:extLst>
+  </p:cSld>
+  <p:clrMapOvr>
+    <a:masterClrMapping/>
+  </p:clrMapOvr>
+</p:sld>
+</file>
+
+<file path=ppt/slides/slide35.xml><?xml version="1.0" encoding="utf-8"?>
+<p:sld xmlns:a="http://schemas.openxmlformats.org/drawingml/2006/main" xmlns:r="http://schemas.openxmlformats.org/officeDocument/2006/relationships" xmlns:p="http://schemas.openxmlformats.org/presentationml/2006/main">
+  <p:cSld>
+    <p:spTree>
+      <p:nvGrpSpPr>
+        <p:cNvPr id="1" name=""/>
+        <p:cNvGrpSpPr/>
+        <p:nvPr/>
+      </p:nvGrpSpPr>
+      <p:grpSpPr>
+        <a:xfrm>
+          <a:off x="0" y="0"/>
+          <a:ext cx="0" cy="0"/>
+          <a:chOff x="0" y="0"/>
+          <a:chExt cx="0" cy="0"/>
+        </a:xfrm>
+      </p:grpSpPr>
+    </p:spTree>
+    <p:extLst>
+      <p:ext uri="{BB962C8B-B14F-4D97-AF65-F5344CB8AC3E}">
+        <p14:creationId xmlns:p14="http://schemas.microsoft.com/office/powerpoint/2010/main" val="1852344831"/>
+      </p:ext>
+    </p:extLst>
+  </p:cSld>
+  <p:clrMapOvr>
+    <a:masterClrMapping/>
+  </p:clrMapOvr>
+</p:sld>
+</file>
+
+<file path=ppt/slides/slide36.xml><?xml version="1.0" encoding="utf-8"?>
+<p:sld xmlns:a="http://schemas.openxmlformats.org/drawingml/2006/main" xmlns:r="http://schemas.openxmlformats.org/officeDocument/2006/relationships" xmlns:p="http://schemas.openxmlformats.org/presentationml/2006/main">
+  <p:cSld>
+    <p:spTree>
+      <p:nvGrpSpPr>
+        <p:cNvPr id="1" name=""/>
+        <p:cNvGrpSpPr/>
+        <p:nvPr/>
+      </p:nvGrpSpPr>
+      <p:grpSpPr>
+        <a:xfrm>
+          <a:off x="0" y="0"/>
+          <a:ext cx="0" cy="0"/>
+          <a:chOff x="0" y="0"/>
+          <a:chExt cx="0" cy="0"/>
+        </a:xfrm>
+      </p:grpSpPr>
+    </p:spTree>
+    <p:extLst>
+      <p:ext uri="{BB962C8B-B14F-4D97-AF65-F5344CB8AC3E}">
+        <p14:creationId xmlns:p14="http://schemas.microsoft.com/office/powerpoint/2010/main" val="3044340837"/>
+      </p:ext>
+    </p:extLst>
+  </p:cSld>
+  <p:clrMapOvr>
+    <a:masterClrMapping/>
+  </p:clrMapOvr>
+</p:sld>
+</file>
+
+<file path=ppt/slides/slide37.xml><?xml version="1.0" encoding="utf-8"?>
 <p:sld xmlns:a="http://schemas.openxmlformats.org/drawingml/2006/main" xmlns:r="http://schemas.openxmlformats.org/officeDocument/2006/relationships" xmlns:p="http://schemas.openxmlformats.org/presentationml/2006/main">
   <p:cSld>
     <p:spTree>
@@ -9164,7 +15056,7 @@
 </p:sld>
 </file>
 
-<file path=ppt/slides/slide22.xml><?xml version="1.0" encoding="utf-8"?>
+<file path=ppt/slides/slide38.xml><?xml version="1.0" encoding="utf-8"?>
 <p:sld xmlns:a="http://schemas.openxmlformats.org/drawingml/2006/main" xmlns:r="http://schemas.openxmlformats.org/officeDocument/2006/relationships" xmlns:p="http://schemas.openxmlformats.org/presentationml/2006/main">
   <p:cSld>
     <p:spTree>
@@ -9194,7 +15086,7 @@
 </p:sld>
 </file>
 
-<file path=ppt/slides/slide23.xml><?xml version="1.0" encoding="utf-8"?>
+<file path=ppt/slides/slide39.xml><?xml version="1.0" encoding="utf-8"?>
 <p:sld xmlns:a="http://schemas.openxmlformats.org/drawingml/2006/main" xmlns:r="http://schemas.openxmlformats.org/officeDocument/2006/relationships" xmlns:p="http://schemas.openxmlformats.org/presentationml/2006/main">
   <p:cSld>
     <p:spTree>
@@ -9224,7 +15116,69 @@
 </p:sld>
 </file>
 
-<file path=ppt/slides/slide24.xml><?xml version="1.0" encoding="utf-8"?>
+<file path=ppt/slides/slide4.xml><?xml version="1.0" encoding="utf-8"?>
+<p:sld xmlns:a="http://schemas.openxmlformats.org/drawingml/2006/main" xmlns:r="http://schemas.openxmlformats.org/officeDocument/2006/relationships" xmlns:p="http://schemas.openxmlformats.org/presentationml/2006/main">
+  <p:cSld>
+    <p:spTree>
+      <p:nvGrpSpPr>
+        <p:cNvPr id="1" name=""/>
+        <p:cNvGrpSpPr/>
+        <p:nvPr/>
+      </p:nvGrpSpPr>
+      <p:grpSpPr>
+        <a:xfrm>
+          <a:off x="0" y="0"/>
+          <a:ext cx="0" cy="0"/>
+          <a:chOff x="0" y="0"/>
+          <a:chExt cx="0" cy="0"/>
+        </a:xfrm>
+      </p:grpSpPr>
+      <p:sp>
+        <p:nvSpPr>
+          <p:cNvPr id="2" name="文本框 1">
+            <a:extLst>
+              <a:ext uri="{FF2B5EF4-FFF2-40B4-BE49-F238E27FC236}">
+                <a16:creationId xmlns:a16="http://schemas.microsoft.com/office/drawing/2014/main" id="{EE003F37-D0BF-A842-9EDD-590F8A1FE96B}"/>
+              </a:ext>
+            </a:extLst>
+          </p:cNvPr>
+          <p:cNvSpPr txBox="1"/>
+          <p:nvPr/>
+        </p:nvSpPr>
+        <p:spPr>
+          <a:xfrm>
+            <a:off x="953311" y="437745"/>
+            <a:ext cx="184731" cy="369332"/>
+          </a:xfrm>
+          <a:prstGeom prst="rect">
+            <a:avLst/>
+          </a:prstGeom>
+          <a:noFill/>
+        </p:spPr>
+        <p:txBody>
+          <a:bodyPr wrap="none" rtlCol="0">
+            <a:spAutoFit/>
+          </a:bodyPr>
+          <a:lstStyle/>
+          <a:p>
+            <a:endParaRPr kumimoji="1" lang="zh-CN" altLang="en-US" dirty="0"/>
+          </a:p>
+        </p:txBody>
+      </p:sp>
+    </p:spTree>
+    <p:extLst>
+      <p:ext uri="{BB962C8B-B14F-4D97-AF65-F5344CB8AC3E}">
+        <p14:creationId xmlns:p14="http://schemas.microsoft.com/office/powerpoint/2010/main" val="1052711523"/>
+      </p:ext>
+    </p:extLst>
+  </p:cSld>
+  <p:clrMapOvr>
+    <a:masterClrMapping/>
+  </p:clrMapOvr>
+</p:sld>
+</file>
+
+<file path=ppt/slides/slide40.xml><?xml version="1.0" encoding="utf-8"?>
 <p:sld xmlns:a="http://schemas.openxmlformats.org/drawingml/2006/main" xmlns:r="http://schemas.openxmlformats.org/officeDocument/2006/relationships" xmlns:p="http://schemas.openxmlformats.org/presentationml/2006/main">
   <p:cSld>
     <p:spTree>
@@ -9254,7 +15208,7 @@
 </p:sld>
 </file>
 
-<file path=ppt/slides/slide25.xml><?xml version="1.0" encoding="utf-8"?>
+<file path=ppt/slides/slide41.xml><?xml version="1.0" encoding="utf-8"?>
 <p:sld xmlns:a="http://schemas.openxmlformats.org/drawingml/2006/main" xmlns:r="http://schemas.openxmlformats.org/officeDocument/2006/relationships" xmlns:p="http://schemas.openxmlformats.org/presentationml/2006/main">
   <p:cSld>
     <p:spTree>
@@ -9275,401 +15229,6 @@
     <p:extLst>
       <p:ext uri="{BB962C8B-B14F-4D97-AF65-F5344CB8AC3E}">
         <p14:creationId xmlns:p14="http://schemas.microsoft.com/office/powerpoint/2010/main" val="1111478526"/>
-      </p:ext>
-    </p:extLst>
-  </p:cSld>
-  <p:clrMapOvr>
-    <a:masterClrMapping/>
-  </p:clrMapOvr>
-</p:sld>
-</file>
-
-<file path=ppt/slides/slide3.xml><?xml version="1.0" encoding="utf-8"?>
-<p:sld xmlns:a="http://schemas.openxmlformats.org/drawingml/2006/main" xmlns:r="http://schemas.openxmlformats.org/officeDocument/2006/relationships" xmlns:p="http://schemas.openxmlformats.org/presentationml/2006/main">
-  <p:cSld>
-    <p:spTree>
-      <p:nvGrpSpPr>
-        <p:cNvPr id="1" name=""/>
-        <p:cNvGrpSpPr/>
-        <p:nvPr/>
-      </p:nvGrpSpPr>
-      <p:grpSpPr>
-        <a:xfrm>
-          <a:off x="0" y="0"/>
-          <a:ext cx="0" cy="0"/>
-          <a:chOff x="0" y="0"/>
-          <a:chExt cx="0" cy="0"/>
-        </a:xfrm>
-      </p:grpSpPr>
-      <p:sp>
-        <p:nvSpPr>
-          <p:cNvPr id="2" name="文本框 1">
-            <a:extLst>
-              <a:ext uri="{FF2B5EF4-FFF2-40B4-BE49-F238E27FC236}">
-                <a16:creationId xmlns:a16="http://schemas.microsoft.com/office/drawing/2014/main" id="{EE003F37-D0BF-A842-9EDD-590F8A1FE96B}"/>
-              </a:ext>
-            </a:extLst>
-          </p:cNvPr>
-          <p:cNvSpPr txBox="1"/>
-          <p:nvPr/>
-        </p:nvSpPr>
-        <p:spPr>
-          <a:xfrm>
-            <a:off x="953311" y="437745"/>
-            <a:ext cx="184731" cy="369332"/>
-          </a:xfrm>
-          <a:prstGeom prst="rect">
-            <a:avLst/>
-          </a:prstGeom>
-          <a:noFill/>
-        </p:spPr>
-        <p:txBody>
-          <a:bodyPr wrap="none" rtlCol="0">
-            <a:spAutoFit/>
-          </a:bodyPr>
-          <a:lstStyle/>
-          <a:p>
-            <a:endParaRPr kumimoji="1" lang="zh-CN" altLang="en-US" dirty="0"/>
-          </a:p>
-        </p:txBody>
-      </p:sp>
-      <p:sp>
-        <p:nvSpPr>
-          <p:cNvPr id="3" name="文本框 2">
-            <a:extLst>
-              <a:ext uri="{FF2B5EF4-FFF2-40B4-BE49-F238E27FC236}">
-                <a16:creationId xmlns:a16="http://schemas.microsoft.com/office/drawing/2014/main" id="{8B0D44C3-DCAA-E442-90C0-9AE4126391E5}"/>
-              </a:ext>
-            </a:extLst>
-          </p:cNvPr>
-          <p:cNvSpPr txBox="1"/>
-          <p:nvPr/>
-        </p:nvSpPr>
-        <p:spPr>
-          <a:xfrm>
-            <a:off x="0" y="0"/>
-            <a:ext cx="902811" cy="523220"/>
-          </a:xfrm>
-          <a:prstGeom prst="rect">
-            <a:avLst/>
-          </a:prstGeom>
-          <a:noFill/>
-        </p:spPr>
-        <p:txBody>
-          <a:bodyPr wrap="none" rtlCol="0">
-            <a:spAutoFit/>
-          </a:bodyPr>
-          <a:lstStyle/>
-          <a:p>
-            <a:r>
-              <a:rPr kumimoji="1" lang="zh-CN" altLang="en-US" sz="2800" dirty="0">
-                <a:latin typeface="Optima" panose="02000503060000020004" pitchFamily="2" charset="0"/>
-                <a:ea typeface="KaiTi" panose="02010609060101010101" pitchFamily="49" charset="-122"/>
-              </a:rPr>
-              <a:t>习题</a:t>
-            </a:r>
-          </a:p>
-        </p:txBody>
-      </p:sp>
-      <p:sp>
-        <p:nvSpPr>
-          <p:cNvPr id="4" name="文本框 3">
-            <a:extLst>
-              <a:ext uri="{FF2B5EF4-FFF2-40B4-BE49-F238E27FC236}">
-                <a16:creationId xmlns:a16="http://schemas.microsoft.com/office/drawing/2014/main" id="{50B5CBB3-020B-4F4B-9FC8-DEC06D686FAA}"/>
-              </a:ext>
-            </a:extLst>
-          </p:cNvPr>
-          <p:cNvSpPr txBox="1"/>
-          <p:nvPr/>
-        </p:nvSpPr>
-        <p:spPr>
-          <a:xfrm>
-            <a:off x="1264596" y="1011677"/>
-            <a:ext cx="9913291" cy="3693319"/>
-          </a:xfrm>
-          <a:prstGeom prst="rect">
-            <a:avLst/>
-          </a:prstGeom>
-          <a:noFill/>
-        </p:spPr>
-        <p:txBody>
-          <a:bodyPr wrap="none" rtlCol="0">
-            <a:spAutoFit/>
-          </a:bodyPr>
-          <a:lstStyle/>
-          <a:p>
-            <a:r>
-              <a:rPr kumimoji="1" lang="en-US" altLang="zh-CN" dirty="0"/>
-              <a:t>(1)</a:t>
-            </a:r>
-          </a:p>
-          <a:p>
-            <a:endParaRPr kumimoji="1" lang="en-US" altLang="zh-CN" dirty="0"/>
-          </a:p>
-          <a:p>
-            <a:r>
-              <a:rPr kumimoji="1" lang="en-US" altLang="zh-CN" dirty="0"/>
-              <a:t>(2)</a:t>
-            </a:r>
-            <a:r>
-              <a:rPr kumimoji="1" lang="zh-CN" altLang="en-US" dirty="0"/>
-              <a:t> 面向连接的</a:t>
-            </a:r>
-            <a:r>
-              <a:rPr kumimoji="1" lang="en-US" altLang="zh-CN" dirty="0"/>
-              <a:t> TCP </a:t>
-            </a:r>
-            <a:r>
-              <a:rPr kumimoji="1" lang="zh-CN" altLang="en-US" dirty="0"/>
-              <a:t>套接字传输特性</a:t>
-            </a:r>
-            <a:endParaRPr kumimoji="1" lang="en-US" altLang="zh-CN" dirty="0"/>
-          </a:p>
-          <a:p>
-            <a:r>
-              <a:rPr kumimoji="1" lang="en-US" altLang="zh-CN" dirty="0"/>
-              <a:t>①</a:t>
-            </a:r>
-            <a:r>
-              <a:rPr kumimoji="1" lang="zh-CN" altLang="en-US" dirty="0"/>
-              <a:t> 数据不会丢失；</a:t>
-            </a:r>
-            <a:r>
-              <a:rPr kumimoji="1" lang="en-US" altLang="zh-CN" dirty="0"/>
-              <a:t>②</a:t>
-            </a:r>
-            <a:r>
-              <a:rPr kumimoji="1" lang="zh-CN" altLang="en-US" dirty="0"/>
-              <a:t> 按序传输数据；</a:t>
-            </a:r>
-            <a:r>
-              <a:rPr kumimoji="1" lang="en-US" altLang="zh-CN" dirty="0"/>
-              <a:t>③</a:t>
-            </a:r>
-            <a:r>
-              <a:rPr kumimoji="1" lang="zh-CN" altLang="en-US" dirty="0"/>
-              <a:t> 传输出具不存在数据边界</a:t>
-            </a:r>
-            <a:endParaRPr kumimoji="1" lang="en-US" altLang="zh-CN" dirty="0"/>
-          </a:p>
-          <a:p>
-            <a:endParaRPr kumimoji="1" lang="en-US" altLang="zh-CN" dirty="0"/>
-          </a:p>
-          <a:p>
-            <a:r>
-              <a:rPr kumimoji="1" lang="en-US" altLang="zh-CN" dirty="0"/>
-              <a:t>(3)</a:t>
-            </a:r>
-            <a:r>
-              <a:rPr kumimoji="1" lang="zh-CN" altLang="en-US" dirty="0"/>
-              <a:t> 面相消息的 </a:t>
-            </a:r>
-            <a:r>
-              <a:rPr kumimoji="1" lang="en-US" altLang="zh-CN" dirty="0"/>
-              <a:t>UDP</a:t>
-            </a:r>
-            <a:r>
-              <a:rPr kumimoji="1" lang="zh-CN" altLang="en-US" dirty="0"/>
-              <a:t> 套接字传输特性</a:t>
-            </a:r>
-            <a:endParaRPr kumimoji="1" lang="en-US" altLang="zh-CN" dirty="0"/>
-          </a:p>
-          <a:p>
-            <a:r>
-              <a:rPr kumimoji="1" lang="en-US" altLang="zh-CN" dirty="0"/>
-              <a:t>①</a:t>
-            </a:r>
-            <a:r>
-              <a:rPr kumimoji="1" lang="zh-CN" altLang="en-US" dirty="0"/>
-              <a:t> 传输数据可能丢失；</a:t>
-            </a:r>
-            <a:r>
-              <a:rPr kumimoji="1" lang="en-US" altLang="zh-CN" dirty="0"/>
-              <a:t>②</a:t>
-            </a:r>
-            <a:r>
-              <a:rPr kumimoji="1" lang="zh-CN" altLang="en-US" dirty="0"/>
-              <a:t> 有数据边界；</a:t>
-            </a:r>
-            <a:r>
-              <a:rPr kumimoji="1" lang="en-US" altLang="zh-CN" dirty="0"/>
-              <a:t>③</a:t>
-            </a:r>
-            <a:r>
-              <a:rPr kumimoji="1" lang="zh-CN" altLang="en-US" dirty="0"/>
-              <a:t> 传递快速；</a:t>
-            </a:r>
-            <a:r>
-              <a:rPr kumimoji="1" lang="en-US" altLang="zh-CN" dirty="0"/>
-              <a:t>④</a:t>
-            </a:r>
-            <a:r>
-              <a:rPr kumimoji="1" lang="zh-CN" altLang="en-US" dirty="0"/>
-              <a:t> 限制每次传递数据大小；</a:t>
-            </a:r>
-            <a:r>
-              <a:rPr kumimoji="1" lang="en-US" altLang="zh-CN" dirty="0"/>
-              <a:t>⑤</a:t>
-            </a:r>
-            <a:r>
-              <a:rPr kumimoji="1" lang="zh-CN" altLang="en-US" dirty="0"/>
-              <a:t> 不存在连接</a:t>
-            </a:r>
-            <a:endParaRPr kumimoji="1" lang="en-US" altLang="zh-CN" dirty="0"/>
-          </a:p>
-          <a:p>
-            <a:endParaRPr kumimoji="1" lang="en-US" altLang="zh-CN" dirty="0"/>
-          </a:p>
-          <a:p>
-            <a:r>
-              <a:rPr kumimoji="1" lang="en-US" altLang="zh-CN" dirty="0"/>
-              <a:t>(4)</a:t>
-            </a:r>
-            <a:r>
-              <a:rPr kumimoji="1" lang="zh-CN" altLang="en-US" dirty="0"/>
-              <a:t> </a:t>
-            </a:r>
-            <a:r>
-              <a:rPr kumimoji="1" lang="en-US" altLang="zh-CN" dirty="0"/>
-              <a:t>a.</a:t>
-            </a:r>
-            <a:r>
-              <a:rPr kumimoji="1" lang="zh-CN" altLang="en-US" dirty="0"/>
-              <a:t> </a:t>
-            </a:r>
-            <a:r>
-              <a:rPr kumimoji="1" lang="en-US" altLang="zh-CN" dirty="0"/>
-              <a:t>UDP;</a:t>
-            </a:r>
-            <a:r>
-              <a:rPr kumimoji="1" lang="zh-CN" altLang="en-US" dirty="0"/>
-              <a:t> </a:t>
-            </a:r>
-            <a:r>
-              <a:rPr kumimoji="1" lang="en-US" altLang="zh-CN" dirty="0"/>
-              <a:t>b.</a:t>
-            </a:r>
-            <a:r>
-              <a:rPr kumimoji="1" lang="zh-CN" altLang="en-US" dirty="0"/>
-              <a:t> </a:t>
-            </a:r>
-            <a:r>
-              <a:rPr kumimoji="1" lang="en-US" altLang="zh-CN" dirty="0"/>
-              <a:t>TCP;</a:t>
-            </a:r>
-            <a:r>
-              <a:rPr kumimoji="1" lang="zh-CN" altLang="en-US" dirty="0"/>
-              <a:t> </a:t>
-            </a:r>
-            <a:r>
-              <a:rPr kumimoji="1" lang="en-US" altLang="zh-CN" dirty="0"/>
-              <a:t>c.</a:t>
-            </a:r>
-            <a:r>
-              <a:rPr kumimoji="1" lang="zh-CN" altLang="en-US" dirty="0"/>
-              <a:t> </a:t>
-            </a:r>
-            <a:r>
-              <a:rPr kumimoji="1" lang="en-US" altLang="zh-CN" dirty="0"/>
-              <a:t>TCP</a:t>
-            </a:r>
-          </a:p>
-          <a:p>
-            <a:endParaRPr kumimoji="1" lang="en-US" altLang="zh-CN" dirty="0"/>
-          </a:p>
-          <a:p>
-            <a:r>
-              <a:rPr kumimoji="1" lang="en-US" altLang="zh-CN" dirty="0"/>
-              <a:t>(5)</a:t>
-            </a:r>
-            <a:r>
-              <a:rPr kumimoji="1" lang="zh-CN" altLang="en-US" dirty="0"/>
-              <a:t> </a:t>
-            </a:r>
-            <a:r>
-              <a:rPr kumimoji="1" lang="en-US" altLang="zh-CN" dirty="0"/>
-              <a:t>TCP</a:t>
-            </a:r>
-          </a:p>
-          <a:p>
-            <a:endParaRPr kumimoji="1" lang="en-US" altLang="zh-CN" dirty="0"/>
-          </a:p>
-          <a:p>
-            <a:r>
-              <a:rPr kumimoji="1" lang="en-US" altLang="zh-CN" dirty="0"/>
-              <a:t>(6)</a:t>
-            </a:r>
-            <a:endParaRPr kumimoji="1" lang="zh-CN" altLang="en-US" dirty="0"/>
-          </a:p>
-        </p:txBody>
-      </p:sp>
-    </p:spTree>
-    <p:extLst>
-      <p:ext uri="{BB962C8B-B14F-4D97-AF65-F5344CB8AC3E}">
-        <p14:creationId xmlns:p14="http://schemas.microsoft.com/office/powerpoint/2010/main" val="388425286"/>
-      </p:ext>
-    </p:extLst>
-  </p:cSld>
-  <p:clrMapOvr>
-    <a:masterClrMapping/>
-  </p:clrMapOvr>
-</p:sld>
-</file>
-
-<file path=ppt/slides/slide4.xml><?xml version="1.0" encoding="utf-8"?>
-<p:sld xmlns:a="http://schemas.openxmlformats.org/drawingml/2006/main" xmlns:r="http://schemas.openxmlformats.org/officeDocument/2006/relationships" xmlns:p="http://schemas.openxmlformats.org/presentationml/2006/main">
-  <p:cSld>
-    <p:spTree>
-      <p:nvGrpSpPr>
-        <p:cNvPr id="1" name=""/>
-        <p:cNvGrpSpPr/>
-        <p:nvPr/>
-      </p:nvGrpSpPr>
-      <p:grpSpPr>
-        <a:xfrm>
-          <a:off x="0" y="0"/>
-          <a:ext cx="0" cy="0"/>
-          <a:chOff x="0" y="0"/>
-          <a:chExt cx="0" cy="0"/>
-        </a:xfrm>
-      </p:grpSpPr>
-      <p:sp>
-        <p:nvSpPr>
-          <p:cNvPr id="2" name="文本框 1">
-            <a:extLst>
-              <a:ext uri="{FF2B5EF4-FFF2-40B4-BE49-F238E27FC236}">
-                <a16:creationId xmlns:a16="http://schemas.microsoft.com/office/drawing/2014/main" id="{EE003F37-D0BF-A842-9EDD-590F8A1FE96B}"/>
-              </a:ext>
-            </a:extLst>
-          </p:cNvPr>
-          <p:cNvSpPr txBox="1"/>
-          <p:nvPr/>
-        </p:nvSpPr>
-        <p:spPr>
-          <a:xfrm>
-            <a:off x="953311" y="437745"/>
-            <a:ext cx="184731" cy="369332"/>
-          </a:xfrm>
-          <a:prstGeom prst="rect">
-            <a:avLst/>
-          </a:prstGeom>
-          <a:noFill/>
-        </p:spPr>
-        <p:txBody>
-          <a:bodyPr wrap="none" rtlCol="0">
-            <a:spAutoFit/>
-          </a:bodyPr>
-          <a:lstStyle/>
-          <a:p>
-            <a:endParaRPr kumimoji="1" lang="zh-CN" altLang="en-US" dirty="0"/>
-          </a:p>
-        </p:txBody>
-      </p:sp>
-    </p:spTree>
-    <p:extLst>
-      <p:ext uri="{BB962C8B-B14F-4D97-AF65-F5344CB8AC3E}">
-        <p14:creationId xmlns:p14="http://schemas.microsoft.com/office/powerpoint/2010/main" val="1052711523"/>
       </p:ext>
     </p:extLst>
   </p:cSld>

--- a/TCP:IP 网络编程.pptx
+++ b/TCP:IP 网络编程.pptx
@@ -14320,6 +14320,147 @@
           <a:chExt cx="0" cy="0"/>
         </a:xfrm>
       </p:grpSpPr>
+      <p:sp>
+        <p:nvSpPr>
+          <p:cNvPr id="2" name="文本框 1">
+            <a:extLst>
+              <a:ext uri="{FF2B5EF4-FFF2-40B4-BE49-F238E27FC236}">
+                <a16:creationId xmlns:a16="http://schemas.microsoft.com/office/drawing/2014/main" id="{99833D71-3F02-174D-AD7E-C75A2BE9FB8F}"/>
+              </a:ext>
+            </a:extLst>
+          </p:cNvPr>
+          <p:cNvSpPr txBox="1"/>
+          <p:nvPr/>
+        </p:nvSpPr>
+        <p:spPr>
+          <a:xfrm>
+            <a:off x="0" y="0"/>
+            <a:ext cx="1620957" cy="523220"/>
+          </a:xfrm>
+          <a:prstGeom prst="rect">
+            <a:avLst/>
+          </a:prstGeom>
+          <a:noFill/>
+        </p:spPr>
+        <p:txBody>
+          <a:bodyPr wrap="none" rtlCol="0">
+            <a:spAutoFit/>
+          </a:bodyPr>
+          <a:lstStyle/>
+          <a:p>
+            <a:r>
+              <a:rPr kumimoji="1" lang="zh-CN" altLang="en-US" sz="2800" dirty="0">
+                <a:latin typeface="Optima" panose="02000503060000020004" pitchFamily="2" charset="0"/>
+                <a:ea typeface="KaiTi" panose="02010609060101010101" pitchFamily="49" charset="-122"/>
+              </a:rPr>
+              <a:t>实现运算</a:t>
+            </a:r>
+          </a:p>
+        </p:txBody>
+      </p:sp>
+      <p:sp>
+        <p:nvSpPr>
+          <p:cNvPr id="3" name="文本框 2">
+            <a:extLst>
+              <a:ext uri="{FF2B5EF4-FFF2-40B4-BE49-F238E27FC236}">
+                <a16:creationId xmlns:a16="http://schemas.microsoft.com/office/drawing/2014/main" id="{F4E554B9-5C26-CB4C-A577-B8FB094A285E}"/>
+              </a:ext>
+            </a:extLst>
+          </p:cNvPr>
+          <p:cNvSpPr txBox="1"/>
+          <p:nvPr/>
+        </p:nvSpPr>
+        <p:spPr>
+          <a:xfrm>
+            <a:off x="1585609" y="1332689"/>
+            <a:ext cx="5827236" cy="400110"/>
+          </a:xfrm>
+          <a:prstGeom prst="rect">
+            <a:avLst/>
+          </a:prstGeom>
+          <a:noFill/>
+        </p:spPr>
+        <p:txBody>
+          <a:bodyPr wrap="none" rtlCol="0">
+            <a:spAutoFit/>
+          </a:bodyPr>
+          <a:lstStyle/>
+          <a:p>
+            <a:r>
+              <a:rPr kumimoji="1" lang="zh-CN" altLang="en-US" sz="2000" dirty="0">
+                <a:latin typeface="Optima" panose="02000503060000020004" pitchFamily="2" charset="0"/>
+                <a:ea typeface="KaiTi" panose="02010609060101010101" pitchFamily="49" charset="-122"/>
+              </a:rPr>
+              <a:t>将操作数的数目、操作数、操作符都存入字符数组</a:t>
+            </a:r>
+          </a:p>
+        </p:txBody>
+      </p:sp>
+      <p:sp>
+        <p:nvSpPr>
+          <p:cNvPr id="6" name="文本框 5">
+            <a:extLst>
+              <a:ext uri="{FF2B5EF4-FFF2-40B4-BE49-F238E27FC236}">
+                <a16:creationId xmlns:a16="http://schemas.microsoft.com/office/drawing/2014/main" id="{725DB290-0A9C-AB4B-91E0-68FA28AA14AB}"/>
+              </a:ext>
+            </a:extLst>
+          </p:cNvPr>
+          <p:cNvSpPr txBox="1"/>
+          <p:nvPr/>
+        </p:nvSpPr>
+        <p:spPr>
+          <a:xfrm>
+            <a:off x="2121079" y="61555"/>
+            <a:ext cx="3229134" cy="400110"/>
+          </a:xfrm>
+          <a:prstGeom prst="rect">
+            <a:avLst/>
+          </a:prstGeom>
+          <a:noFill/>
+        </p:spPr>
+        <p:txBody>
+          <a:bodyPr wrap="square">
+            <a:spAutoFit/>
+          </a:bodyPr>
+          <a:lstStyle/>
+          <a:p>
+            <a:r>
+              <a:rPr lang="en-US" altLang="zh-CN" sz="2000" b="1" dirty="0" err="1">
+                <a:highlight>
+                  <a:srgbClr val="FFFF00"/>
+                </a:highlight>
+                <a:latin typeface="Optima" panose="02000503060000020004" pitchFamily="2" charset="0"/>
+                <a:ea typeface="KaiTi" panose="02010609060101010101" pitchFamily="49" charset="-122"/>
+              </a:rPr>
+              <a:t>op_client.c</a:t>
+            </a:r>
+            <a:r>
+              <a:rPr lang="zh-CN" altLang="en-US" sz="2000" b="1" dirty="0">
+                <a:latin typeface="Optima" panose="02000503060000020004" pitchFamily="2" charset="0"/>
+                <a:ea typeface="KaiTi" panose="02010609060101010101" pitchFamily="49" charset="-122"/>
+              </a:rPr>
+              <a:t>       </a:t>
+            </a:r>
+            <a:r>
+              <a:rPr lang="en-US" altLang="zh-CN" sz="2000" b="1" dirty="0" err="1">
+                <a:highlight>
+                  <a:srgbClr val="FFFF00"/>
+                </a:highlight>
+                <a:latin typeface="Optima" panose="02000503060000020004" pitchFamily="2" charset="0"/>
+                <a:ea typeface="KaiTi" panose="02010609060101010101" pitchFamily="49" charset="-122"/>
+              </a:rPr>
+              <a:t>op_server.c</a:t>
+            </a:r>
+            <a:endParaRPr lang="zh-CN" altLang="en-US" sz="2000" b="1" dirty="0">
+              <a:highlight>
+                <a:srgbClr val="FFFF00"/>
+              </a:highlight>
+              <a:latin typeface="Optima" panose="02000503060000020004" pitchFamily="2" charset="0"/>
+              <a:ea typeface="KaiTi" panose="02010609060101010101" pitchFamily="49" charset="-122"/>
+            </a:endParaRPr>
+          </a:p>
+        </p:txBody>
+      </p:sp>
     </p:spTree>
     <p:extLst>
       <p:ext uri="{BB962C8B-B14F-4D97-AF65-F5344CB8AC3E}">
@@ -14350,6 +14491,476 @@
           <a:chExt cx="0" cy="0"/>
         </a:xfrm>
       </p:grpSpPr>
+      <p:sp>
+        <p:nvSpPr>
+          <p:cNvPr id="2" name="文本框 1">
+            <a:extLst>
+              <a:ext uri="{FF2B5EF4-FFF2-40B4-BE49-F238E27FC236}">
+                <a16:creationId xmlns:a16="http://schemas.microsoft.com/office/drawing/2014/main" id="{C7981DE7-07D1-9044-9EB6-A1AF52B8DF39}"/>
+              </a:ext>
+            </a:extLst>
+          </p:cNvPr>
+          <p:cNvSpPr txBox="1"/>
+          <p:nvPr/>
+        </p:nvSpPr>
+        <p:spPr>
+          <a:xfrm>
+            <a:off x="0" y="0"/>
+            <a:ext cx="1500732" cy="523220"/>
+          </a:xfrm>
+          <a:prstGeom prst="rect">
+            <a:avLst/>
+          </a:prstGeom>
+          <a:noFill/>
+        </p:spPr>
+        <p:txBody>
+          <a:bodyPr wrap="none" rtlCol="0">
+            <a:spAutoFit/>
+          </a:bodyPr>
+          <a:lstStyle/>
+          <a:p>
+            <a:r>
+              <a:rPr kumimoji="1" lang="en-US" altLang="zh-CN" sz="2800" dirty="0">
+                <a:latin typeface="Optima" panose="02000503060000020004" pitchFamily="2" charset="0"/>
+                <a:ea typeface="KaiTi" panose="02010609060101010101" pitchFamily="49" charset="-122"/>
+              </a:rPr>
+              <a:t>I/O</a:t>
+            </a:r>
+            <a:r>
+              <a:rPr kumimoji="1" lang="zh-CN" altLang="en-US" sz="2800" dirty="0">
+                <a:latin typeface="Optima" panose="02000503060000020004" pitchFamily="2" charset="0"/>
+                <a:ea typeface="KaiTi" panose="02010609060101010101" pitchFamily="49" charset="-122"/>
+              </a:rPr>
+              <a:t> 缓存</a:t>
+            </a:r>
+          </a:p>
+        </p:txBody>
+      </p:sp>
+      <p:pic>
+        <p:nvPicPr>
+          <p:cNvPr id="3" name="图片 2">
+            <a:extLst>
+              <a:ext uri="{FF2B5EF4-FFF2-40B4-BE49-F238E27FC236}">
+                <a16:creationId xmlns:a16="http://schemas.microsoft.com/office/drawing/2014/main" id="{ADAEB92D-860A-E141-BC99-8460F37D5B89}"/>
+              </a:ext>
+            </a:extLst>
+          </p:cNvPr>
+          <p:cNvPicPr>
+            <a:picLocks noChangeAspect="1"/>
+          </p:cNvPicPr>
+          <p:nvPr/>
+        </p:nvPicPr>
+        <p:blipFill>
+          <a:blip r:embed="rId2"/>
+          <a:stretch>
+            <a:fillRect/>
+          </a:stretch>
+        </p:blipFill>
+        <p:spPr>
+          <a:xfrm>
+            <a:off x="1966649" y="150545"/>
+            <a:ext cx="7616851" cy="2617956"/>
+          </a:xfrm>
+          <a:prstGeom prst="rect">
+            <a:avLst/>
+          </a:prstGeom>
+        </p:spPr>
+      </p:pic>
+      <p:sp>
+        <p:nvSpPr>
+          <p:cNvPr id="4" name="文本框 3">
+            <a:extLst>
+              <a:ext uri="{FF2B5EF4-FFF2-40B4-BE49-F238E27FC236}">
+                <a16:creationId xmlns:a16="http://schemas.microsoft.com/office/drawing/2014/main" id="{064A4B66-933E-484D-9B6E-1FC9D2DBA192}"/>
+              </a:ext>
+            </a:extLst>
+          </p:cNvPr>
+          <p:cNvSpPr txBox="1"/>
+          <p:nvPr/>
+        </p:nvSpPr>
+        <p:spPr>
+          <a:xfrm>
+            <a:off x="1500731" y="3089408"/>
+            <a:ext cx="9394247" cy="1256691"/>
+          </a:xfrm>
+          <a:prstGeom prst="rect">
+            <a:avLst/>
+          </a:prstGeom>
+          <a:noFill/>
+        </p:spPr>
+        <p:txBody>
+          <a:bodyPr wrap="square" rtlCol="0">
+            <a:spAutoFit/>
+          </a:bodyPr>
+          <a:lstStyle/>
+          <a:p>
+            <a:pPr marL="285750" indent="-285750">
+              <a:lnSpc>
+                <a:spcPct val="130000"/>
+              </a:lnSpc>
+              <a:buFont typeface="Wingdings" pitchFamily="2" charset="2"/>
+              <a:buChar char="Ø"/>
+            </a:pPr>
+            <a:r>
+              <a:rPr kumimoji="1" lang="en-US" altLang="zh-CN" sz="2000" dirty="0">
+                <a:latin typeface="Optima" panose="02000503060000020004" pitchFamily="2" charset="0"/>
+                <a:ea typeface="KaiTi" panose="02010609060101010101" pitchFamily="49" charset="-122"/>
+              </a:rPr>
+              <a:t>write</a:t>
+            </a:r>
+            <a:r>
+              <a:rPr kumimoji="1" lang="zh-CN" altLang="en-US" sz="2000" dirty="0">
+                <a:latin typeface="Optima" panose="02000503060000020004" pitchFamily="2" charset="0"/>
+                <a:ea typeface="KaiTi" panose="02010609060101010101" pitchFamily="49" charset="-122"/>
+              </a:rPr>
+              <a:t> 函数调用瞬间，数据将移至输出缓冲，</a:t>
+            </a:r>
+            <a:r>
+              <a:rPr kumimoji="1" lang="en-US" altLang="zh-CN" sz="2000" dirty="0">
+                <a:latin typeface="Optima" panose="02000503060000020004" pitchFamily="2" charset="0"/>
+                <a:ea typeface="KaiTi" panose="02010609060101010101" pitchFamily="49" charset="-122"/>
+              </a:rPr>
+              <a:t>write </a:t>
+            </a:r>
+            <a:r>
+              <a:rPr kumimoji="1" lang="zh-CN" altLang="en-US" sz="2000" dirty="0">
+                <a:latin typeface="Optima" panose="02000503060000020004" pitchFamily="2" charset="0"/>
+                <a:ea typeface="KaiTi" panose="02010609060101010101" pitchFamily="49" charset="-122"/>
+              </a:rPr>
+              <a:t>并不是在完成向对方主机的数据传输时返回，而是在数据移到输出缓存是返回</a:t>
+            </a:r>
+            <a:endParaRPr kumimoji="1" lang="en-US" altLang="zh-CN" sz="2000" dirty="0">
+              <a:latin typeface="Optima" panose="02000503060000020004" pitchFamily="2" charset="0"/>
+              <a:ea typeface="KaiTi" panose="02010609060101010101" pitchFamily="49" charset="-122"/>
+            </a:endParaRPr>
+          </a:p>
+          <a:p>
+            <a:pPr marL="285750" indent="-285750">
+              <a:lnSpc>
+                <a:spcPct val="130000"/>
+              </a:lnSpc>
+              <a:buFont typeface="Wingdings" pitchFamily="2" charset="2"/>
+              <a:buChar char="Ø"/>
+            </a:pPr>
+            <a:r>
+              <a:rPr kumimoji="1" lang="en-US" altLang="zh-CN" sz="2000" dirty="0">
+                <a:latin typeface="Optima" panose="02000503060000020004" pitchFamily="2" charset="0"/>
+                <a:ea typeface="KaiTi" panose="02010609060101010101" pitchFamily="49" charset="-122"/>
+              </a:rPr>
+              <a:t>read </a:t>
+            </a:r>
+            <a:r>
+              <a:rPr kumimoji="1" lang="zh-CN" altLang="en-US" sz="2000" dirty="0">
+                <a:latin typeface="Optima" panose="02000503060000020004" pitchFamily="2" charset="0"/>
+                <a:ea typeface="KaiTi" panose="02010609060101010101" pitchFamily="49" charset="-122"/>
+              </a:rPr>
+              <a:t>函数调用瞬间，从输入缓存读取数据</a:t>
+            </a:r>
+          </a:p>
+        </p:txBody>
+      </p:sp>
+      <p:sp>
+        <p:nvSpPr>
+          <p:cNvPr id="5" name="文本框 4">
+            <a:extLst>
+              <a:ext uri="{FF2B5EF4-FFF2-40B4-BE49-F238E27FC236}">
+                <a16:creationId xmlns:a16="http://schemas.microsoft.com/office/drawing/2014/main" id="{21AFB256-DBF1-0F49-832D-154E90B02EB2}"/>
+              </a:ext>
+            </a:extLst>
+          </p:cNvPr>
+          <p:cNvSpPr txBox="1"/>
+          <p:nvPr/>
+        </p:nvSpPr>
+        <p:spPr>
+          <a:xfrm>
+            <a:off x="476655" y="2777245"/>
+            <a:ext cx="1592103" cy="400110"/>
+          </a:xfrm>
+          <a:prstGeom prst="rect">
+            <a:avLst/>
+          </a:prstGeom>
+          <a:noFill/>
+        </p:spPr>
+        <p:txBody>
+          <a:bodyPr wrap="none" rtlCol="0">
+            <a:spAutoFit/>
+          </a:bodyPr>
+          <a:lstStyle/>
+          <a:p>
+            <a:r>
+              <a:rPr kumimoji="1" lang="en-US" altLang="zh-CN" sz="2000" b="1" u="sng" dirty="0">
+                <a:solidFill>
+                  <a:srgbClr val="C00000"/>
+                </a:solidFill>
+                <a:latin typeface="Optima" panose="02000503060000020004" pitchFamily="2" charset="0"/>
+                <a:ea typeface="KaiTi" panose="02010609060101010101" pitchFamily="49" charset="-122"/>
+              </a:rPr>
+              <a:t>write</a:t>
+            </a:r>
+            <a:r>
+              <a:rPr kumimoji="1" lang="zh-CN" altLang="en-US" sz="2000" b="1" u="sng" dirty="0">
+                <a:solidFill>
+                  <a:srgbClr val="C00000"/>
+                </a:solidFill>
+                <a:latin typeface="Optima" panose="02000503060000020004" pitchFamily="2" charset="0"/>
+                <a:ea typeface="KaiTi" panose="02010609060101010101" pitchFamily="49" charset="-122"/>
+              </a:rPr>
+              <a:t> </a:t>
+            </a:r>
+            <a:r>
+              <a:rPr kumimoji="1" lang="en-US" altLang="zh-CN" sz="2000" b="1" u="sng" dirty="0">
+                <a:solidFill>
+                  <a:srgbClr val="C00000"/>
+                </a:solidFill>
+                <a:latin typeface="Optima" panose="02000503060000020004" pitchFamily="2" charset="0"/>
+                <a:ea typeface="KaiTi" panose="02010609060101010101" pitchFamily="49" charset="-122"/>
+              </a:rPr>
+              <a:t>&amp;</a:t>
+            </a:r>
+            <a:r>
+              <a:rPr kumimoji="1" lang="zh-CN" altLang="en-US" sz="2000" b="1" u="sng" dirty="0">
+                <a:solidFill>
+                  <a:srgbClr val="C00000"/>
+                </a:solidFill>
+                <a:latin typeface="Optima" panose="02000503060000020004" pitchFamily="2" charset="0"/>
+                <a:ea typeface="KaiTi" panose="02010609060101010101" pitchFamily="49" charset="-122"/>
+              </a:rPr>
+              <a:t> </a:t>
+            </a:r>
+            <a:r>
+              <a:rPr kumimoji="1" lang="en-US" altLang="zh-CN" sz="2000" b="1" u="sng" dirty="0">
+                <a:solidFill>
+                  <a:srgbClr val="C00000"/>
+                </a:solidFill>
+                <a:latin typeface="Optima" panose="02000503060000020004" pitchFamily="2" charset="0"/>
+                <a:ea typeface="KaiTi" panose="02010609060101010101" pitchFamily="49" charset="-122"/>
+              </a:rPr>
+              <a:t>read</a:t>
+            </a:r>
+            <a:endParaRPr kumimoji="1" lang="zh-CN" altLang="en-US" sz="2000" b="1" u="sng" dirty="0">
+              <a:solidFill>
+                <a:srgbClr val="C00000"/>
+              </a:solidFill>
+              <a:latin typeface="Optima" panose="02000503060000020004" pitchFamily="2" charset="0"/>
+              <a:ea typeface="KaiTi" panose="02010609060101010101" pitchFamily="49" charset="-122"/>
+            </a:endParaRPr>
+          </a:p>
+        </p:txBody>
+      </p:sp>
+      <p:sp>
+        <p:nvSpPr>
+          <p:cNvPr id="6" name="文本框 5">
+            <a:extLst>
+              <a:ext uri="{FF2B5EF4-FFF2-40B4-BE49-F238E27FC236}">
+                <a16:creationId xmlns:a16="http://schemas.microsoft.com/office/drawing/2014/main" id="{F5B4D0A1-A656-5F4F-9C48-A9867327CAE6}"/>
+              </a:ext>
+            </a:extLst>
+          </p:cNvPr>
+          <p:cNvSpPr txBox="1"/>
+          <p:nvPr/>
+        </p:nvSpPr>
+        <p:spPr>
+          <a:xfrm>
+            <a:off x="476655" y="4372582"/>
+            <a:ext cx="1685077" cy="400110"/>
+          </a:xfrm>
+          <a:prstGeom prst="rect">
+            <a:avLst/>
+          </a:prstGeom>
+          <a:noFill/>
+        </p:spPr>
+        <p:txBody>
+          <a:bodyPr wrap="none" rtlCol="0">
+            <a:spAutoFit/>
+          </a:bodyPr>
+          <a:lstStyle/>
+          <a:p>
+            <a:r>
+              <a:rPr kumimoji="1" lang="en-US" altLang="zh-CN" sz="2000" b="1" u="sng" dirty="0">
+                <a:solidFill>
+                  <a:srgbClr val="C00000"/>
+                </a:solidFill>
+                <a:latin typeface="Optima" panose="02000503060000020004" pitchFamily="2" charset="0"/>
+                <a:ea typeface="KaiTi" panose="02010609060101010101" pitchFamily="49" charset="-122"/>
+              </a:rPr>
+              <a:t>I/O</a:t>
+            </a:r>
+            <a:r>
+              <a:rPr kumimoji="1" lang="zh-CN" altLang="en-US" sz="2000" b="1" u="sng" dirty="0">
+                <a:solidFill>
+                  <a:srgbClr val="C00000"/>
+                </a:solidFill>
+                <a:latin typeface="Optima" panose="02000503060000020004" pitchFamily="2" charset="0"/>
+                <a:ea typeface="KaiTi" panose="02010609060101010101" pitchFamily="49" charset="-122"/>
+              </a:rPr>
+              <a:t> 缓存特性</a:t>
+            </a:r>
+          </a:p>
+        </p:txBody>
+      </p:sp>
+      <p:sp>
+        <p:nvSpPr>
+          <p:cNvPr id="7" name="文本框 6">
+            <a:extLst>
+              <a:ext uri="{FF2B5EF4-FFF2-40B4-BE49-F238E27FC236}">
+                <a16:creationId xmlns:a16="http://schemas.microsoft.com/office/drawing/2014/main" id="{99A496C4-2A36-4A4B-BAEB-61E811EED9C3}"/>
+              </a:ext>
+            </a:extLst>
+          </p:cNvPr>
+          <p:cNvSpPr txBox="1"/>
+          <p:nvPr/>
+        </p:nvSpPr>
+        <p:spPr>
+          <a:xfrm>
+            <a:off x="1500732" y="4869430"/>
+            <a:ext cx="9193542" cy="1656800"/>
+          </a:xfrm>
+          <a:prstGeom prst="rect">
+            <a:avLst/>
+          </a:prstGeom>
+          <a:noFill/>
+        </p:spPr>
+        <p:txBody>
+          <a:bodyPr wrap="none" rtlCol="0">
+            <a:spAutoFit/>
+          </a:bodyPr>
+          <a:lstStyle/>
+          <a:p>
+            <a:pPr marL="285750" indent="-285750">
+              <a:lnSpc>
+                <a:spcPct val="130000"/>
+              </a:lnSpc>
+              <a:buFont typeface="Wingdings" pitchFamily="2" charset="2"/>
+              <a:buChar char="Ø"/>
+            </a:pPr>
+            <a:r>
+              <a:rPr kumimoji="1" lang="en-US" altLang="zh-CN" sz="2000" dirty="0">
+                <a:latin typeface="Optima" panose="02000503060000020004" pitchFamily="2" charset="0"/>
+                <a:ea typeface="KaiTi" panose="02010609060101010101" pitchFamily="49" charset="-122"/>
+              </a:rPr>
+              <a:t>I/O</a:t>
+            </a:r>
+            <a:r>
+              <a:rPr kumimoji="1" lang="zh-CN" altLang="en-US" sz="2000" dirty="0">
+                <a:latin typeface="Optima" panose="02000503060000020004" pitchFamily="2" charset="0"/>
+                <a:ea typeface="KaiTi" panose="02010609060101010101" pitchFamily="49" charset="-122"/>
+              </a:rPr>
+              <a:t> 缓存在每个</a:t>
+            </a:r>
+            <a:r>
+              <a:rPr kumimoji="1" lang="en-US" altLang="zh-CN" sz="2000" dirty="0">
+                <a:latin typeface="Optima" panose="02000503060000020004" pitchFamily="2" charset="0"/>
+                <a:ea typeface="KaiTi" panose="02010609060101010101" pitchFamily="49" charset="-122"/>
+              </a:rPr>
+              <a:t> TCP </a:t>
+            </a:r>
+            <a:r>
+              <a:rPr kumimoji="1" lang="zh-CN" altLang="en-US" sz="2000" dirty="0">
+                <a:latin typeface="Optima" panose="02000503060000020004" pitchFamily="2" charset="0"/>
+                <a:ea typeface="KaiTi" panose="02010609060101010101" pitchFamily="49" charset="-122"/>
+              </a:rPr>
+              <a:t>套接字中单独存在</a:t>
+            </a:r>
+            <a:endParaRPr kumimoji="1" lang="en-US" altLang="zh-CN" sz="2000" dirty="0">
+              <a:latin typeface="Optima" panose="02000503060000020004" pitchFamily="2" charset="0"/>
+              <a:ea typeface="KaiTi" panose="02010609060101010101" pitchFamily="49" charset="-122"/>
+            </a:endParaRPr>
+          </a:p>
+          <a:p>
+            <a:pPr marL="285750" indent="-285750">
+              <a:lnSpc>
+                <a:spcPct val="130000"/>
+              </a:lnSpc>
+              <a:buFont typeface="Wingdings" pitchFamily="2" charset="2"/>
+              <a:buChar char="Ø"/>
+            </a:pPr>
+            <a:r>
+              <a:rPr kumimoji="1" lang="en-US" altLang="zh-CN" sz="2000" dirty="0">
+                <a:latin typeface="Optima" panose="02000503060000020004" pitchFamily="2" charset="0"/>
+                <a:ea typeface="KaiTi" panose="02010609060101010101" pitchFamily="49" charset="-122"/>
+              </a:rPr>
+              <a:t>I/O</a:t>
+            </a:r>
+            <a:r>
+              <a:rPr kumimoji="1" lang="zh-CN" altLang="en-US" sz="2000" dirty="0">
+                <a:latin typeface="Optima" panose="02000503060000020004" pitchFamily="2" charset="0"/>
+                <a:ea typeface="KaiTi" panose="02010609060101010101" pitchFamily="49" charset="-122"/>
+              </a:rPr>
+              <a:t> 缓存在创建套接字时</a:t>
+            </a:r>
+            <a:r>
+              <a:rPr kumimoji="1" lang="zh-CN" altLang="en-US" sz="2000" b="1" dirty="0">
+                <a:solidFill>
+                  <a:srgbClr val="C00000"/>
+                </a:solidFill>
+                <a:latin typeface="Optima" panose="02000503060000020004" pitchFamily="2" charset="0"/>
+                <a:ea typeface="KaiTi" panose="02010609060101010101" pitchFamily="49" charset="-122"/>
+              </a:rPr>
+              <a:t>自动生成</a:t>
+            </a:r>
+            <a:endParaRPr kumimoji="1" lang="en-US" altLang="zh-CN" sz="2000" b="1" dirty="0">
+              <a:solidFill>
+                <a:srgbClr val="C00000"/>
+              </a:solidFill>
+              <a:latin typeface="Optima" panose="02000503060000020004" pitchFamily="2" charset="0"/>
+              <a:ea typeface="KaiTi" panose="02010609060101010101" pitchFamily="49" charset="-122"/>
+            </a:endParaRPr>
+          </a:p>
+          <a:p>
+            <a:pPr marL="285750" indent="-285750">
+              <a:lnSpc>
+                <a:spcPct val="130000"/>
+              </a:lnSpc>
+              <a:buFont typeface="Wingdings" pitchFamily="2" charset="2"/>
+              <a:buChar char="Ø"/>
+            </a:pPr>
+            <a:r>
+              <a:rPr kumimoji="1" lang="zh-CN" altLang="en-US" sz="2000" dirty="0">
+                <a:latin typeface="Optima" panose="02000503060000020004" pitchFamily="2" charset="0"/>
+                <a:ea typeface="KaiTi" panose="02010609060101010101" pitchFamily="49" charset="-122"/>
+              </a:rPr>
+              <a:t>关闭套接字，也会继续传递</a:t>
+            </a:r>
+            <a:r>
+              <a:rPr kumimoji="1" lang="zh-CN" altLang="en-US" sz="2000" b="1" dirty="0">
+                <a:solidFill>
+                  <a:srgbClr val="C00000"/>
+                </a:solidFill>
+                <a:latin typeface="Optima" panose="02000503060000020004" pitchFamily="2" charset="0"/>
+                <a:ea typeface="KaiTi" panose="02010609060101010101" pitchFamily="49" charset="-122"/>
+              </a:rPr>
+              <a:t>输出缓存</a:t>
+            </a:r>
+            <a:r>
+              <a:rPr kumimoji="1" lang="zh-CN" altLang="en-US" sz="2000" dirty="0">
+                <a:latin typeface="Optima" panose="02000503060000020004" pitchFamily="2" charset="0"/>
+                <a:ea typeface="KaiTi" panose="02010609060101010101" pitchFamily="49" charset="-122"/>
+              </a:rPr>
+              <a:t>的遗留数据（从输出缓存转到输入缓存）</a:t>
+            </a:r>
+            <a:endParaRPr kumimoji="1" lang="en-US" altLang="zh-CN" sz="2000" dirty="0">
+              <a:latin typeface="Optima" panose="02000503060000020004" pitchFamily="2" charset="0"/>
+              <a:ea typeface="KaiTi" panose="02010609060101010101" pitchFamily="49" charset="-122"/>
+            </a:endParaRPr>
+          </a:p>
+          <a:p>
+            <a:pPr marL="285750" indent="-285750">
+              <a:lnSpc>
+                <a:spcPct val="130000"/>
+              </a:lnSpc>
+              <a:buFont typeface="Wingdings" pitchFamily="2" charset="2"/>
+              <a:buChar char="Ø"/>
+            </a:pPr>
+            <a:r>
+              <a:rPr kumimoji="1" lang="zh-CN" altLang="en-US" sz="2000" dirty="0">
+                <a:latin typeface="Optima" panose="02000503060000020004" pitchFamily="2" charset="0"/>
+                <a:ea typeface="KaiTi" panose="02010609060101010101" pitchFamily="49" charset="-122"/>
+              </a:rPr>
+              <a:t>关闭套接字将丢失输入缓存中的数据</a:t>
+            </a:r>
+          </a:p>
+        </p:txBody>
+      </p:sp>
     </p:spTree>
     <p:extLst>
       <p:ext uri="{BB962C8B-B14F-4D97-AF65-F5344CB8AC3E}">
@@ -14380,6 +14991,133 @@
           <a:chExt cx="0" cy="0"/>
         </a:xfrm>
       </p:grpSpPr>
+      <p:sp>
+        <p:nvSpPr>
+          <p:cNvPr id="2" name="文本框 1">
+            <a:extLst>
+              <a:ext uri="{FF2B5EF4-FFF2-40B4-BE49-F238E27FC236}">
+                <a16:creationId xmlns:a16="http://schemas.microsoft.com/office/drawing/2014/main" id="{96F27C62-C6C1-F445-8F0E-7E6A30B01E0D}"/>
+              </a:ext>
+            </a:extLst>
+          </p:cNvPr>
+          <p:cNvSpPr txBox="1"/>
+          <p:nvPr/>
+        </p:nvSpPr>
+        <p:spPr>
+          <a:xfrm>
+            <a:off x="0" y="0"/>
+            <a:ext cx="6867586" cy="523220"/>
+          </a:xfrm>
+          <a:prstGeom prst="rect">
+            <a:avLst/>
+          </a:prstGeom>
+          <a:noFill/>
+        </p:spPr>
+        <p:txBody>
+          <a:bodyPr wrap="none" rtlCol="0">
+            <a:spAutoFit/>
+          </a:bodyPr>
+          <a:lstStyle/>
+          <a:p>
+            <a:r>
+              <a:rPr kumimoji="1" lang="en-US" altLang="zh-CN" sz="2800" dirty="0">
+                <a:latin typeface="Optima" panose="02000503060000020004" pitchFamily="2" charset="0"/>
+                <a:ea typeface="KaiTi" panose="02010609060101010101" pitchFamily="49" charset="-122"/>
+              </a:rPr>
+              <a:t>TCP </a:t>
+            </a:r>
+            <a:r>
+              <a:rPr kumimoji="1" lang="zh-CN" altLang="en-US" sz="2800" dirty="0">
+                <a:latin typeface="Optima" panose="02000503060000020004" pitchFamily="2" charset="0"/>
+                <a:ea typeface="KaiTi" panose="02010609060101010101" pitchFamily="49" charset="-122"/>
+              </a:rPr>
+              <a:t>工作原理 </a:t>
+            </a:r>
+            <a:r>
+              <a:rPr kumimoji="1" lang="en-US" altLang="zh-CN" sz="2800" dirty="0">
+                <a:latin typeface="Optima" panose="02000503060000020004" pitchFamily="2" charset="0"/>
+                <a:ea typeface="KaiTi" panose="02010609060101010101" pitchFamily="49" charset="-122"/>
+              </a:rPr>
+              <a:t>1</a:t>
+            </a:r>
+            <a:r>
+              <a:rPr kumimoji="1" lang="zh-CN" altLang="en-US" sz="2800" dirty="0">
+                <a:latin typeface="Optima" panose="02000503060000020004" pitchFamily="2" charset="0"/>
+                <a:ea typeface="KaiTi" panose="02010609060101010101" pitchFamily="49" charset="-122"/>
+              </a:rPr>
+              <a:t>：与对方套接字建立连接</a:t>
+            </a:r>
+          </a:p>
+        </p:txBody>
+      </p:sp>
+      <p:pic>
+        <p:nvPicPr>
+          <p:cNvPr id="3" name="图片 2">
+            <a:extLst>
+              <a:ext uri="{FF2B5EF4-FFF2-40B4-BE49-F238E27FC236}">
+                <a16:creationId xmlns:a16="http://schemas.microsoft.com/office/drawing/2014/main" id="{B26CBCBA-E52F-6248-905E-87C09B2C10EA}"/>
+              </a:ext>
+            </a:extLst>
+          </p:cNvPr>
+          <p:cNvPicPr>
+            <a:picLocks noChangeAspect="1"/>
+          </p:cNvPicPr>
+          <p:nvPr/>
+        </p:nvPicPr>
+        <p:blipFill>
+          <a:blip r:embed="rId2"/>
+          <a:stretch>
+            <a:fillRect/>
+          </a:stretch>
+        </p:blipFill>
+        <p:spPr>
+          <a:xfrm>
+            <a:off x="841307" y="1009650"/>
+            <a:ext cx="3797300" cy="4838700"/>
+          </a:xfrm>
+          <a:prstGeom prst="rect">
+            <a:avLst/>
+          </a:prstGeom>
+        </p:spPr>
+      </p:pic>
+      <p:sp>
+        <p:nvSpPr>
+          <p:cNvPr id="5" name="文本框 4">
+            <a:extLst>
+              <a:ext uri="{FF2B5EF4-FFF2-40B4-BE49-F238E27FC236}">
+                <a16:creationId xmlns:a16="http://schemas.microsoft.com/office/drawing/2014/main" id="{0F340879-6FA4-3241-B774-978449B8370B}"/>
+              </a:ext>
+            </a:extLst>
+          </p:cNvPr>
+          <p:cNvSpPr txBox="1"/>
+          <p:nvPr/>
+        </p:nvSpPr>
+        <p:spPr>
+          <a:xfrm>
+            <a:off x="6096000" y="1400782"/>
+            <a:ext cx="1210588" cy="400110"/>
+          </a:xfrm>
+          <a:prstGeom prst="rect">
+            <a:avLst/>
+          </a:prstGeom>
+          <a:noFill/>
+        </p:spPr>
+        <p:txBody>
+          <a:bodyPr wrap="none" rtlCol="0">
+            <a:spAutoFit/>
+          </a:bodyPr>
+          <a:lstStyle/>
+          <a:p>
+            <a:r>
+              <a:rPr kumimoji="1" lang="zh-CN" altLang="en-US" sz="2000" dirty="0">
+                <a:latin typeface="Optima" panose="02000503060000020004" pitchFamily="2" charset="0"/>
+                <a:ea typeface="KaiTi" panose="02010609060101010101" pitchFamily="49" charset="-122"/>
+              </a:rPr>
+              <a:t>三次握手</a:t>
+            </a:r>
+          </a:p>
+        </p:txBody>
+      </p:sp>
     </p:spTree>
     <p:extLst>
       <p:ext uri="{BB962C8B-B14F-4D97-AF65-F5344CB8AC3E}">
@@ -14410,6 +15148,207 @@
           <a:chExt cx="0" cy="0"/>
         </a:xfrm>
       </p:grpSpPr>
+      <p:sp>
+        <p:nvSpPr>
+          <p:cNvPr id="2" name="文本框 1">
+            <a:extLst>
+              <a:ext uri="{FF2B5EF4-FFF2-40B4-BE49-F238E27FC236}">
+                <a16:creationId xmlns:a16="http://schemas.microsoft.com/office/drawing/2014/main" id="{87684E45-1C91-FD41-9871-0D87E0294AC7}"/>
+              </a:ext>
+            </a:extLst>
+          </p:cNvPr>
+          <p:cNvSpPr txBox="1"/>
+          <p:nvPr/>
+        </p:nvSpPr>
+        <p:spPr>
+          <a:xfrm>
+            <a:off x="0" y="0"/>
+            <a:ext cx="6271269" cy="523220"/>
+          </a:xfrm>
+          <a:prstGeom prst="rect">
+            <a:avLst/>
+          </a:prstGeom>
+          <a:noFill/>
+        </p:spPr>
+        <p:txBody>
+          <a:bodyPr wrap="none" rtlCol="0">
+            <a:spAutoFit/>
+          </a:bodyPr>
+          <a:lstStyle/>
+          <a:p>
+            <a:r>
+              <a:rPr kumimoji="1" lang="en-US" altLang="zh-CN" sz="2800" dirty="0">
+                <a:latin typeface="Optima" panose="02000503060000020004" pitchFamily="2" charset="0"/>
+                <a:ea typeface="KaiTi" panose="02010609060101010101" pitchFamily="49" charset="-122"/>
+              </a:rPr>
+              <a:t>TCP </a:t>
+            </a:r>
+            <a:r>
+              <a:rPr kumimoji="1" lang="zh-CN" altLang="en-US" sz="2800" dirty="0">
+                <a:latin typeface="Optima" panose="02000503060000020004" pitchFamily="2" charset="0"/>
+                <a:ea typeface="KaiTi" panose="02010609060101010101" pitchFamily="49" charset="-122"/>
+              </a:rPr>
+              <a:t>工作原理 </a:t>
+            </a:r>
+            <a:r>
+              <a:rPr kumimoji="1" lang="en-US" altLang="zh-CN" sz="2800" dirty="0">
+                <a:latin typeface="Optima" panose="02000503060000020004" pitchFamily="2" charset="0"/>
+                <a:ea typeface="KaiTi" panose="02010609060101010101" pitchFamily="49" charset="-122"/>
+              </a:rPr>
+              <a:t>2</a:t>
+            </a:r>
+            <a:r>
+              <a:rPr kumimoji="1" lang="zh-CN" altLang="en-US" sz="2800" dirty="0">
+                <a:latin typeface="Optima" panose="02000503060000020004" pitchFamily="2" charset="0"/>
+                <a:ea typeface="KaiTi" panose="02010609060101010101" pitchFamily="49" charset="-122"/>
+              </a:rPr>
+              <a:t>：与对方主机交换数据</a:t>
+            </a:r>
+          </a:p>
+        </p:txBody>
+      </p:sp>
+      <p:pic>
+        <p:nvPicPr>
+          <p:cNvPr id="3" name="图片 2">
+            <a:extLst>
+              <a:ext uri="{FF2B5EF4-FFF2-40B4-BE49-F238E27FC236}">
+                <a16:creationId xmlns:a16="http://schemas.microsoft.com/office/drawing/2014/main" id="{02A51680-9979-1E4D-9C6B-B693B2C333D7}"/>
+              </a:ext>
+            </a:extLst>
+          </p:cNvPr>
+          <p:cNvPicPr>
+            <a:picLocks noChangeAspect="1"/>
+          </p:cNvPicPr>
+          <p:nvPr/>
+        </p:nvPicPr>
+        <p:blipFill>
+          <a:blip r:embed="rId2"/>
+          <a:stretch>
+            <a:fillRect/>
+          </a:stretch>
+        </p:blipFill>
+        <p:spPr>
+          <a:xfrm>
+            <a:off x="861033" y="1014378"/>
+            <a:ext cx="4127500" cy="4673600"/>
+          </a:xfrm>
+          <a:prstGeom prst="rect">
+            <a:avLst/>
+          </a:prstGeom>
+        </p:spPr>
+      </p:pic>
+      <p:sp>
+        <p:nvSpPr>
+          <p:cNvPr id="4" name="文本框 3">
+            <a:extLst>
+              <a:ext uri="{FF2B5EF4-FFF2-40B4-BE49-F238E27FC236}">
+                <a16:creationId xmlns:a16="http://schemas.microsoft.com/office/drawing/2014/main" id="{7DADB756-D5B6-D54D-94A1-2D81850A07B2}"/>
+              </a:ext>
+            </a:extLst>
+          </p:cNvPr>
+          <p:cNvSpPr txBox="1"/>
+          <p:nvPr/>
+        </p:nvSpPr>
+        <p:spPr>
+          <a:xfrm>
+            <a:off x="6096000" y="1400782"/>
+            <a:ext cx="4544834" cy="400110"/>
+          </a:xfrm>
+          <a:prstGeom prst="rect">
+            <a:avLst/>
+          </a:prstGeom>
+          <a:noFill/>
+        </p:spPr>
+        <p:txBody>
+          <a:bodyPr wrap="none" rtlCol="0">
+            <a:spAutoFit/>
+          </a:bodyPr>
+          <a:lstStyle/>
+          <a:p>
+            <a:r>
+              <a:rPr kumimoji="1" lang="en-US" altLang="zh-CN" sz="2000" dirty="0">
+                <a:latin typeface="Optima" panose="02000503060000020004" pitchFamily="2" charset="0"/>
+                <a:ea typeface="KaiTi" panose="02010609060101010101" pitchFamily="49" charset="-122"/>
+              </a:rPr>
+              <a:t>ACK </a:t>
+            </a:r>
+            <a:r>
+              <a:rPr kumimoji="1" lang="zh-CN" altLang="en-US" sz="2000" dirty="0">
+                <a:latin typeface="Optima" panose="02000503060000020004" pitchFamily="2" charset="0"/>
+                <a:ea typeface="KaiTi" panose="02010609060101010101" pitchFamily="49" charset="-122"/>
+              </a:rPr>
+              <a:t>号 </a:t>
+            </a:r>
+            <a:r>
+              <a:rPr kumimoji="1" lang="en-US" altLang="zh-CN" sz="2000" dirty="0">
+                <a:latin typeface="Optima" panose="02000503060000020004" pitchFamily="2" charset="0"/>
+                <a:ea typeface="KaiTi" panose="02010609060101010101" pitchFamily="49" charset="-122"/>
+              </a:rPr>
+              <a:t>=</a:t>
+            </a:r>
+            <a:r>
+              <a:rPr kumimoji="1" lang="zh-CN" altLang="en-US" sz="2000" dirty="0">
+                <a:latin typeface="Optima" panose="02000503060000020004" pitchFamily="2" charset="0"/>
+                <a:ea typeface="KaiTi" panose="02010609060101010101" pitchFamily="49" charset="-122"/>
+              </a:rPr>
+              <a:t> </a:t>
+            </a:r>
+            <a:r>
+              <a:rPr kumimoji="1" lang="en-US" altLang="zh-CN" sz="2000" dirty="0">
+                <a:latin typeface="Optima" panose="02000503060000020004" pitchFamily="2" charset="0"/>
+                <a:ea typeface="KaiTi" panose="02010609060101010101" pitchFamily="49" charset="-122"/>
+              </a:rPr>
+              <a:t>SEQ </a:t>
+            </a:r>
+            <a:r>
+              <a:rPr kumimoji="1" lang="zh-CN" altLang="en-US" sz="2000" dirty="0">
+                <a:latin typeface="Optima" panose="02000503060000020004" pitchFamily="2" charset="0"/>
+                <a:ea typeface="KaiTi" panose="02010609060101010101" pitchFamily="49" charset="-122"/>
+              </a:rPr>
+              <a:t>号 </a:t>
+            </a:r>
+            <a:r>
+              <a:rPr kumimoji="1" lang="en-US" altLang="zh-CN" sz="2000" dirty="0">
+                <a:latin typeface="Optima" panose="02000503060000020004" pitchFamily="2" charset="0"/>
+                <a:ea typeface="KaiTi" panose="02010609060101010101" pitchFamily="49" charset="-122"/>
+              </a:rPr>
+              <a:t>+</a:t>
+            </a:r>
+            <a:r>
+              <a:rPr kumimoji="1" lang="zh-CN" altLang="en-US" sz="2000" dirty="0">
+                <a:latin typeface="Optima" panose="02000503060000020004" pitchFamily="2" charset="0"/>
+                <a:ea typeface="KaiTi" panose="02010609060101010101" pitchFamily="49" charset="-122"/>
+              </a:rPr>
+              <a:t> 传递的字节数 </a:t>
+            </a:r>
+            <a:r>
+              <a:rPr kumimoji="1" lang="en-US" altLang="zh-CN" sz="2000" dirty="0">
+                <a:latin typeface="Optima" panose="02000503060000020004" pitchFamily="2" charset="0"/>
+                <a:ea typeface="KaiTi" panose="02010609060101010101" pitchFamily="49" charset="-122"/>
+              </a:rPr>
+              <a:t>+</a:t>
+            </a:r>
+            <a:r>
+              <a:rPr kumimoji="1" lang="zh-CN" altLang="en-US" sz="2000" dirty="0">
+                <a:latin typeface="Optima" panose="02000503060000020004" pitchFamily="2" charset="0"/>
+                <a:ea typeface="KaiTi" panose="02010609060101010101" pitchFamily="49" charset="-122"/>
+              </a:rPr>
+              <a:t> </a:t>
+            </a:r>
+            <a:r>
+              <a:rPr kumimoji="1" lang="en-US" altLang="zh-CN" sz="2000" dirty="0">
+                <a:latin typeface="Optima" panose="02000503060000020004" pitchFamily="2" charset="0"/>
+                <a:ea typeface="KaiTi" panose="02010609060101010101" pitchFamily="49" charset="-122"/>
+              </a:rPr>
+              <a:t>1</a:t>
+            </a:r>
+            <a:endParaRPr kumimoji="1" lang="zh-CN" altLang="en-US" sz="2000" dirty="0">
+              <a:latin typeface="Optima" panose="02000503060000020004" pitchFamily="2" charset="0"/>
+              <a:ea typeface="KaiTi" panose="02010609060101010101" pitchFamily="49" charset="-122"/>
+            </a:endParaRPr>
+          </a:p>
+        </p:txBody>
+      </p:sp>
     </p:spTree>
     <p:extLst>
       <p:ext uri="{BB962C8B-B14F-4D97-AF65-F5344CB8AC3E}">
@@ -14440,6 +15379,133 @@
           <a:chExt cx="0" cy="0"/>
         </a:xfrm>
       </p:grpSpPr>
+      <p:sp>
+        <p:nvSpPr>
+          <p:cNvPr id="2" name="文本框 1">
+            <a:extLst>
+              <a:ext uri="{FF2B5EF4-FFF2-40B4-BE49-F238E27FC236}">
+                <a16:creationId xmlns:a16="http://schemas.microsoft.com/office/drawing/2014/main" id="{83E21825-BAB8-4149-AC77-01DA63C69DDB}"/>
+              </a:ext>
+            </a:extLst>
+          </p:cNvPr>
+          <p:cNvSpPr txBox="1"/>
+          <p:nvPr/>
+        </p:nvSpPr>
+        <p:spPr>
+          <a:xfrm>
+            <a:off x="0" y="0"/>
+            <a:ext cx="5532284" cy="523220"/>
+          </a:xfrm>
+          <a:prstGeom prst="rect">
+            <a:avLst/>
+          </a:prstGeom>
+          <a:noFill/>
+        </p:spPr>
+        <p:txBody>
+          <a:bodyPr wrap="none" rtlCol="0">
+            <a:spAutoFit/>
+          </a:bodyPr>
+          <a:lstStyle/>
+          <a:p>
+            <a:r>
+              <a:rPr kumimoji="1" lang="en-US" altLang="zh-CN" sz="2800" dirty="0">
+                <a:latin typeface="Optima" panose="02000503060000020004" pitchFamily="2" charset="0"/>
+                <a:ea typeface="KaiTi" panose="02010609060101010101" pitchFamily="49" charset="-122"/>
+              </a:rPr>
+              <a:t>TCP </a:t>
+            </a:r>
+            <a:r>
+              <a:rPr kumimoji="1" lang="zh-CN" altLang="en-US" sz="2800" dirty="0">
+                <a:latin typeface="Optima" panose="02000503060000020004" pitchFamily="2" charset="0"/>
+                <a:ea typeface="KaiTi" panose="02010609060101010101" pitchFamily="49" charset="-122"/>
+              </a:rPr>
+              <a:t>工作原理 </a:t>
+            </a:r>
+            <a:r>
+              <a:rPr kumimoji="1" lang="en-US" altLang="zh-CN" sz="2800" dirty="0">
+                <a:latin typeface="Optima" panose="02000503060000020004" pitchFamily="2" charset="0"/>
+                <a:ea typeface="KaiTi" panose="02010609060101010101" pitchFamily="49" charset="-122"/>
+              </a:rPr>
+              <a:t>3</a:t>
+            </a:r>
+            <a:r>
+              <a:rPr kumimoji="1" lang="zh-CN" altLang="en-US" sz="2800" dirty="0">
+                <a:latin typeface="Optima" panose="02000503060000020004" pitchFamily="2" charset="0"/>
+                <a:ea typeface="KaiTi" panose="02010609060101010101" pitchFamily="49" charset="-122"/>
+              </a:rPr>
+              <a:t>：断开套接字连接</a:t>
+            </a:r>
+          </a:p>
+        </p:txBody>
+      </p:sp>
+      <p:pic>
+        <p:nvPicPr>
+          <p:cNvPr id="3" name="图片 2">
+            <a:extLst>
+              <a:ext uri="{FF2B5EF4-FFF2-40B4-BE49-F238E27FC236}">
+                <a16:creationId xmlns:a16="http://schemas.microsoft.com/office/drawing/2014/main" id="{0D1B06D5-9B95-6B44-8F51-BB4052829E5C}"/>
+              </a:ext>
+            </a:extLst>
+          </p:cNvPr>
+          <p:cNvPicPr>
+            <a:picLocks noChangeAspect="1"/>
+          </p:cNvPicPr>
+          <p:nvPr/>
+        </p:nvPicPr>
+        <p:blipFill>
+          <a:blip r:embed="rId2"/>
+          <a:stretch>
+            <a:fillRect/>
+          </a:stretch>
+        </p:blipFill>
+        <p:spPr>
+          <a:xfrm>
+            <a:off x="1143406" y="965875"/>
+            <a:ext cx="4124380" cy="4899904"/>
+          </a:xfrm>
+          <a:prstGeom prst="rect">
+            <a:avLst/>
+          </a:prstGeom>
+        </p:spPr>
+      </p:pic>
+      <p:sp>
+        <p:nvSpPr>
+          <p:cNvPr id="4" name="文本框 3">
+            <a:extLst>
+              <a:ext uri="{FF2B5EF4-FFF2-40B4-BE49-F238E27FC236}">
+                <a16:creationId xmlns:a16="http://schemas.microsoft.com/office/drawing/2014/main" id="{A05E16BE-DFAD-8A46-9668-F3A0642B214F}"/>
+              </a:ext>
+            </a:extLst>
+          </p:cNvPr>
+          <p:cNvSpPr txBox="1"/>
+          <p:nvPr/>
+        </p:nvSpPr>
+        <p:spPr>
+          <a:xfrm>
+            <a:off x="6096000" y="1400782"/>
+            <a:ext cx="1210588" cy="400110"/>
+          </a:xfrm>
+          <a:prstGeom prst="rect">
+            <a:avLst/>
+          </a:prstGeom>
+          <a:noFill/>
+        </p:spPr>
+        <p:txBody>
+          <a:bodyPr wrap="none" rtlCol="0">
+            <a:spAutoFit/>
+          </a:bodyPr>
+          <a:lstStyle/>
+          <a:p>
+            <a:r>
+              <a:rPr kumimoji="1" lang="zh-CN" altLang="en-US" sz="2000" dirty="0">
+                <a:latin typeface="Optima" panose="02000503060000020004" pitchFamily="2" charset="0"/>
+                <a:ea typeface="KaiTi" panose="02010609060101010101" pitchFamily="49" charset="-122"/>
+              </a:rPr>
+              <a:t>四次挥手</a:t>
+            </a:r>
+          </a:p>
+        </p:txBody>
+      </p:sp>
     </p:spTree>
     <p:extLst>
       <p:ext uri="{BB962C8B-B14F-4D97-AF65-F5344CB8AC3E}">

--- a/TCP:IP 网络编程.pptx
+++ b/TCP:IP 网络编程.pptx
@@ -34,18 +34,20 @@
     <p:sldId id="293" r:id="rId28"/>
     <p:sldId id="294" r:id="rId29"/>
     <p:sldId id="295" r:id="rId30"/>
-    <p:sldId id="296" r:id="rId31"/>
-    <p:sldId id="297" r:id="rId32"/>
-    <p:sldId id="298" r:id="rId33"/>
-    <p:sldId id="299" r:id="rId34"/>
-    <p:sldId id="300" r:id="rId35"/>
-    <p:sldId id="301" r:id="rId36"/>
-    <p:sldId id="302" r:id="rId37"/>
-    <p:sldId id="279" r:id="rId38"/>
-    <p:sldId id="284" r:id="rId39"/>
-    <p:sldId id="285" r:id="rId40"/>
-    <p:sldId id="286" r:id="rId41"/>
-    <p:sldId id="272" r:id="rId42"/>
+    <p:sldId id="304" r:id="rId31"/>
+    <p:sldId id="296" r:id="rId32"/>
+    <p:sldId id="297" r:id="rId33"/>
+    <p:sldId id="298" r:id="rId34"/>
+    <p:sldId id="299" r:id="rId35"/>
+    <p:sldId id="305" r:id="rId36"/>
+    <p:sldId id="300" r:id="rId37"/>
+    <p:sldId id="301" r:id="rId38"/>
+    <p:sldId id="302" r:id="rId39"/>
+    <p:sldId id="279" r:id="rId40"/>
+    <p:sldId id="284" r:id="rId41"/>
+    <p:sldId id="285" r:id="rId42"/>
+    <p:sldId id="286" r:id="rId43"/>
+    <p:sldId id="272" r:id="rId44"/>
   </p:sldIdLst>
   <p:sldSz cx="12192000" cy="6858000"/>
   <p:notesSz cx="6858000" cy="9144000"/>
@@ -283,7 +285,7 @@
           <a:p>
             <a:fld id="{846CE7D5-CF57-46EF-B807-FDD0502418D4}" type="datetimeFigureOut">
               <a:rPr lang="en-US" smtClean="0"/>
-              <a:t>8/13/23</a:t>
+              <a:t>8/14/23</a:t>
             </a:fld>
             <a:endParaRPr lang="en-US"/>
           </a:p>
@@ -453,7 +455,7 @@
           <a:p>
             <a:fld id="{846CE7D5-CF57-46EF-B807-FDD0502418D4}" type="datetimeFigureOut">
               <a:rPr lang="en-US" smtClean="0"/>
-              <a:t>8/13/23</a:t>
+              <a:t>8/14/23</a:t>
             </a:fld>
             <a:endParaRPr lang="en-US"/>
           </a:p>
@@ -633,7 +635,7 @@
           <a:p>
             <a:fld id="{846CE7D5-CF57-46EF-B807-FDD0502418D4}" type="datetimeFigureOut">
               <a:rPr lang="en-US" smtClean="0"/>
-              <a:t>8/13/23</a:t>
+              <a:t>8/14/23</a:t>
             </a:fld>
             <a:endParaRPr lang="en-US"/>
           </a:p>
@@ -803,7 +805,7 @@
           <a:p>
             <a:fld id="{846CE7D5-CF57-46EF-B807-FDD0502418D4}" type="datetimeFigureOut">
               <a:rPr lang="en-US" smtClean="0"/>
-              <a:t>8/13/23</a:t>
+              <a:t>8/14/23</a:t>
             </a:fld>
             <a:endParaRPr lang="en-US"/>
           </a:p>
@@ -1049,7 +1051,7 @@
           <a:p>
             <a:fld id="{846CE7D5-CF57-46EF-B807-FDD0502418D4}" type="datetimeFigureOut">
               <a:rPr lang="en-US" smtClean="0"/>
-              <a:t>8/13/23</a:t>
+              <a:t>8/14/23</a:t>
             </a:fld>
             <a:endParaRPr lang="en-US"/>
           </a:p>
@@ -1281,7 +1283,7 @@
           <a:p>
             <a:fld id="{846CE7D5-CF57-46EF-B807-FDD0502418D4}" type="datetimeFigureOut">
               <a:rPr lang="en-US" smtClean="0"/>
-              <a:t>8/13/23</a:t>
+              <a:t>8/14/23</a:t>
             </a:fld>
             <a:endParaRPr lang="en-US"/>
           </a:p>
@@ -1648,7 +1650,7 @@
           <a:p>
             <a:fld id="{846CE7D5-CF57-46EF-B807-FDD0502418D4}" type="datetimeFigureOut">
               <a:rPr lang="en-US" smtClean="0"/>
-              <a:t>8/13/23</a:t>
+              <a:t>8/14/23</a:t>
             </a:fld>
             <a:endParaRPr lang="en-US"/>
           </a:p>
@@ -1766,7 +1768,7 @@
           <a:p>
             <a:fld id="{846CE7D5-CF57-46EF-B807-FDD0502418D4}" type="datetimeFigureOut">
               <a:rPr lang="en-US" smtClean="0"/>
-              <a:t>8/13/23</a:t>
+              <a:t>8/14/23</a:t>
             </a:fld>
             <a:endParaRPr lang="en-US"/>
           </a:p>
@@ -1861,7 +1863,7 @@
           <a:p>
             <a:fld id="{846CE7D5-CF57-46EF-B807-FDD0502418D4}" type="datetimeFigureOut">
               <a:rPr lang="en-US" smtClean="0"/>
-              <a:t>8/13/23</a:t>
+              <a:t>8/14/23</a:t>
             </a:fld>
             <a:endParaRPr lang="en-US"/>
           </a:p>
@@ -2138,7 +2140,7 @@
           <a:p>
             <a:fld id="{846CE7D5-CF57-46EF-B807-FDD0502418D4}" type="datetimeFigureOut">
               <a:rPr lang="en-US" smtClean="0"/>
-              <a:t>8/13/23</a:t>
+              <a:t>8/14/23</a:t>
             </a:fld>
             <a:endParaRPr lang="en-US"/>
           </a:p>
@@ -2395,7 +2397,7 @@
           <a:p>
             <a:fld id="{846CE7D5-CF57-46EF-B807-FDD0502418D4}" type="datetimeFigureOut">
               <a:rPr lang="en-US" smtClean="0"/>
-              <a:t>8/13/23</a:t>
+              <a:t>8/14/23</a:t>
             </a:fld>
             <a:endParaRPr lang="en-US"/>
           </a:p>
@@ -2608,7 +2610,7 @@
           <a:p>
             <a:fld id="{846CE7D5-CF57-46EF-B807-FDD0502418D4}" type="datetimeFigureOut">
               <a:rPr lang="en-US" smtClean="0"/>
-              <a:t>8/13/23</a:t>
+              <a:t>8/14/23</a:t>
             </a:fld>
             <a:endParaRPr lang="en-US"/>
           </a:p>
@@ -15899,10 +15901,48 @@
           <a:chExt cx="0" cy="0"/>
         </a:xfrm>
       </p:grpSpPr>
+      <p:sp>
+        <p:nvSpPr>
+          <p:cNvPr id="4" name="文本框 3">
+            <a:extLst>
+              <a:ext uri="{FF2B5EF4-FFF2-40B4-BE49-F238E27FC236}">
+                <a16:creationId xmlns:a16="http://schemas.microsoft.com/office/drawing/2014/main" id="{7EE1C33A-CBBC-884B-A275-BA706E902614}"/>
+              </a:ext>
+            </a:extLst>
+          </p:cNvPr>
+          <p:cNvSpPr txBox="1"/>
+          <p:nvPr/>
+        </p:nvSpPr>
+        <p:spPr>
+          <a:xfrm>
+            <a:off x="4727676" y="2875002"/>
+            <a:ext cx="2733441" cy="1107996"/>
+          </a:xfrm>
+          <a:prstGeom prst="rect">
+            <a:avLst/>
+          </a:prstGeom>
+          <a:noFill/>
+        </p:spPr>
+        <p:txBody>
+          <a:bodyPr wrap="none" rtlCol="0">
+            <a:spAutoFit/>
+          </a:bodyPr>
+          <a:lstStyle/>
+          <a:p>
+            <a:r>
+              <a:rPr kumimoji="1" lang="zh-CN" altLang="en-US" sz="6600" b="1" dirty="0">
+                <a:latin typeface="KaiTi" panose="02010609060101010101" pitchFamily="49" charset="-122"/>
+                <a:ea typeface="KaiTi" panose="02010609060101010101" pitchFamily="49" charset="-122"/>
+              </a:rPr>
+              <a:t>第六章</a:t>
+            </a:r>
+          </a:p>
+        </p:txBody>
+      </p:sp>
     </p:spTree>
     <p:extLst>
       <p:ext uri="{BB962C8B-B14F-4D97-AF65-F5344CB8AC3E}">
-        <p14:creationId xmlns:p14="http://schemas.microsoft.com/office/powerpoint/2010/main" val="237792172"/>
+        <p14:creationId xmlns:p14="http://schemas.microsoft.com/office/powerpoint/2010/main" val="1192845680"/>
       </p:ext>
     </p:extLst>
   </p:cSld>
@@ -15929,10 +15969,138 @@
           <a:chExt cx="0" cy="0"/>
         </a:xfrm>
       </p:grpSpPr>
+      <p:sp>
+        <p:nvSpPr>
+          <p:cNvPr id="2" name="文本框 1">
+            <a:extLst>
+              <a:ext uri="{FF2B5EF4-FFF2-40B4-BE49-F238E27FC236}">
+                <a16:creationId xmlns:a16="http://schemas.microsoft.com/office/drawing/2014/main" id="{F522F9F6-F15E-7C4A-8689-7083A470FEC3}"/>
+              </a:ext>
+            </a:extLst>
+          </p:cNvPr>
+          <p:cNvSpPr txBox="1"/>
+          <p:nvPr/>
+        </p:nvSpPr>
+        <p:spPr>
+          <a:xfrm>
+            <a:off x="0" y="0"/>
+            <a:ext cx="2598788" cy="523220"/>
+          </a:xfrm>
+          <a:prstGeom prst="rect">
+            <a:avLst/>
+          </a:prstGeom>
+          <a:noFill/>
+        </p:spPr>
+        <p:txBody>
+          <a:bodyPr wrap="none" rtlCol="0">
+            <a:spAutoFit/>
+          </a:bodyPr>
+          <a:lstStyle/>
+          <a:p>
+            <a:r>
+              <a:rPr kumimoji="1" lang="en-US" altLang="zh-CN" sz="2800" dirty="0">
+                <a:latin typeface="Optima" panose="02000503060000020004" pitchFamily="2" charset="0"/>
+                <a:ea typeface="KaiTi" panose="02010609060101010101" pitchFamily="49" charset="-122"/>
+              </a:rPr>
+              <a:t>TCP</a:t>
+            </a:r>
+            <a:r>
+              <a:rPr kumimoji="1" lang="zh-CN" altLang="en-US" sz="2800" dirty="0">
+                <a:latin typeface="Optima" panose="02000503060000020004" pitchFamily="2" charset="0"/>
+                <a:ea typeface="KaiTi" panose="02010609060101010101" pitchFamily="49" charset="-122"/>
+              </a:rPr>
+              <a:t> 比</a:t>
+            </a:r>
+            <a:r>
+              <a:rPr kumimoji="1" lang="en-US" altLang="zh-CN" sz="2800" dirty="0">
+                <a:latin typeface="Optima" panose="02000503060000020004" pitchFamily="2" charset="0"/>
+                <a:ea typeface="KaiTi" panose="02010609060101010101" pitchFamily="49" charset="-122"/>
+              </a:rPr>
+              <a:t> UDP </a:t>
+            </a:r>
+            <a:r>
+              <a:rPr kumimoji="1" lang="zh-CN" altLang="en-US" sz="2800" dirty="0">
+                <a:latin typeface="Optima" panose="02000503060000020004" pitchFamily="2" charset="0"/>
+                <a:ea typeface="KaiTi" panose="02010609060101010101" pitchFamily="49" charset="-122"/>
+              </a:rPr>
+              <a:t>慢</a:t>
+            </a:r>
+          </a:p>
+        </p:txBody>
+      </p:sp>
+      <p:sp>
+        <p:nvSpPr>
+          <p:cNvPr id="3" name="文本框 2">
+            <a:extLst>
+              <a:ext uri="{FF2B5EF4-FFF2-40B4-BE49-F238E27FC236}">
+                <a16:creationId xmlns:a16="http://schemas.microsoft.com/office/drawing/2014/main" id="{02FCF4FC-F3A7-BF4F-B770-51448C340B03}"/>
+              </a:ext>
+            </a:extLst>
+          </p:cNvPr>
+          <p:cNvSpPr txBox="1"/>
+          <p:nvPr/>
+        </p:nvSpPr>
+        <p:spPr>
+          <a:xfrm>
+            <a:off x="1410511" y="972766"/>
+            <a:ext cx="5602816" cy="1015663"/>
+          </a:xfrm>
+          <a:prstGeom prst="rect">
+            <a:avLst/>
+          </a:prstGeom>
+          <a:noFill/>
+        </p:spPr>
+        <p:txBody>
+          <a:bodyPr wrap="none" rtlCol="0">
+            <a:spAutoFit/>
+          </a:bodyPr>
+          <a:lstStyle/>
+          <a:p>
+            <a:pPr marL="285750" indent="-285750">
+              <a:buFont typeface="Wingdings" pitchFamily="2" charset="2"/>
+              <a:buChar char="Ø"/>
+            </a:pPr>
+            <a:r>
+              <a:rPr kumimoji="1" lang="zh-CN" altLang="en-US" sz="2000" dirty="0">
+                <a:latin typeface="Optima" panose="02000503060000020004" pitchFamily="2" charset="0"/>
+                <a:ea typeface="KaiTi" panose="02010609060101010101" pitchFamily="49" charset="-122"/>
+              </a:rPr>
+              <a:t>收发数据前后进行的连接设置以及清除过程</a:t>
+            </a:r>
+            <a:endParaRPr kumimoji="1" lang="en-US" altLang="zh-CN" sz="2000" dirty="0">
+              <a:latin typeface="Optima" panose="02000503060000020004" pitchFamily="2" charset="0"/>
+              <a:ea typeface="KaiTi" panose="02010609060101010101" pitchFamily="49" charset="-122"/>
+            </a:endParaRPr>
+          </a:p>
+          <a:p>
+            <a:pPr marL="285750" indent="-285750">
+              <a:buFont typeface="Wingdings" pitchFamily="2" charset="2"/>
+              <a:buChar char="Ø"/>
+            </a:pPr>
+            <a:endParaRPr kumimoji="1" lang="en-US" altLang="zh-CN" sz="2000" dirty="0">
+              <a:latin typeface="Optima" panose="02000503060000020004" pitchFamily="2" charset="0"/>
+              <a:ea typeface="KaiTi" panose="02010609060101010101" pitchFamily="49" charset="-122"/>
+            </a:endParaRPr>
+          </a:p>
+          <a:p>
+            <a:pPr marL="285750" indent="-285750">
+              <a:buFont typeface="Wingdings" pitchFamily="2" charset="2"/>
+              <a:buChar char="Ø"/>
+            </a:pPr>
+            <a:r>
+              <a:rPr kumimoji="1" lang="zh-CN" altLang="en-US" sz="2000" dirty="0">
+                <a:latin typeface="Optima" panose="02000503060000020004" pitchFamily="2" charset="0"/>
+                <a:ea typeface="KaiTi" panose="02010609060101010101" pitchFamily="49" charset="-122"/>
+              </a:rPr>
+              <a:t>收发数据过程中为保证可靠性而添加的流控制</a:t>
+            </a:r>
+          </a:p>
+        </p:txBody>
+      </p:sp>
     </p:spTree>
     <p:extLst>
       <p:ext uri="{BB962C8B-B14F-4D97-AF65-F5344CB8AC3E}">
-        <p14:creationId xmlns:p14="http://schemas.microsoft.com/office/powerpoint/2010/main" val="268341093"/>
+        <p14:creationId xmlns:p14="http://schemas.microsoft.com/office/powerpoint/2010/main" val="237792172"/>
       </p:ext>
     </p:extLst>
   </p:cSld>
@@ -15959,6 +16127,939 @@
           <a:chExt cx="0" cy="0"/>
         </a:xfrm>
       </p:grpSpPr>
+      <p:sp>
+        <p:nvSpPr>
+          <p:cNvPr id="2" name="文本框 1">
+            <a:extLst>
+              <a:ext uri="{FF2B5EF4-FFF2-40B4-BE49-F238E27FC236}">
+                <a16:creationId xmlns:a16="http://schemas.microsoft.com/office/drawing/2014/main" id="{A1C87B92-A731-1F46-8EE6-AFACA7ECE0C2}"/>
+              </a:ext>
+            </a:extLst>
+          </p:cNvPr>
+          <p:cNvSpPr txBox="1"/>
+          <p:nvPr/>
+        </p:nvSpPr>
+        <p:spPr>
+          <a:xfrm>
+            <a:off x="0" y="0"/>
+            <a:ext cx="942887" cy="523220"/>
+          </a:xfrm>
+          <a:prstGeom prst="rect">
+            <a:avLst/>
+          </a:prstGeom>
+          <a:noFill/>
+        </p:spPr>
+        <p:txBody>
+          <a:bodyPr wrap="none" rtlCol="0">
+            <a:spAutoFit/>
+          </a:bodyPr>
+          <a:lstStyle/>
+          <a:p>
+            <a:r>
+              <a:rPr kumimoji="1" lang="en-US" altLang="zh-CN" sz="2800" dirty="0">
+                <a:latin typeface="Optima" panose="02000503060000020004" pitchFamily="2" charset="0"/>
+                <a:ea typeface="KaiTi" panose="02010609060101010101" pitchFamily="49" charset="-122"/>
+              </a:rPr>
+              <a:t>UDP</a:t>
+            </a:r>
+            <a:endParaRPr kumimoji="1" lang="zh-CN" altLang="en-US" sz="2800" dirty="0">
+              <a:latin typeface="Optima" panose="02000503060000020004" pitchFamily="2" charset="0"/>
+              <a:ea typeface="KaiTi" panose="02010609060101010101" pitchFamily="49" charset="-122"/>
+            </a:endParaRPr>
+          </a:p>
+        </p:txBody>
+      </p:sp>
+      <p:sp>
+        <p:nvSpPr>
+          <p:cNvPr id="3" name="文本框 2">
+            <a:extLst>
+              <a:ext uri="{FF2B5EF4-FFF2-40B4-BE49-F238E27FC236}">
+                <a16:creationId xmlns:a16="http://schemas.microsoft.com/office/drawing/2014/main" id="{4E59C702-1CF9-1E4E-8A38-8435039BFE8B}"/>
+              </a:ext>
+            </a:extLst>
+          </p:cNvPr>
+          <p:cNvSpPr txBox="1"/>
+          <p:nvPr/>
+        </p:nvSpPr>
+        <p:spPr>
+          <a:xfrm>
+            <a:off x="1994170" y="1167319"/>
+            <a:ext cx="4116833" cy="1015663"/>
+          </a:xfrm>
+          <a:prstGeom prst="rect">
+            <a:avLst/>
+          </a:prstGeom>
+          <a:noFill/>
+        </p:spPr>
+        <p:txBody>
+          <a:bodyPr wrap="none" rtlCol="0">
+            <a:spAutoFit/>
+          </a:bodyPr>
+          <a:lstStyle/>
+          <a:p>
+            <a:pPr marL="285750" indent="-285750">
+              <a:buFont typeface="Wingdings" pitchFamily="2" charset="2"/>
+              <a:buChar char="Ø"/>
+            </a:pPr>
+            <a:r>
+              <a:rPr kumimoji="1" lang="zh-CN" altLang="en-US" sz="2000" dirty="0">
+                <a:latin typeface="Optima" panose="02000503060000020004" pitchFamily="2" charset="0"/>
+                <a:ea typeface="KaiTi" panose="02010609060101010101" pitchFamily="49" charset="-122"/>
+              </a:rPr>
+              <a:t>无连接</a:t>
+            </a:r>
+            <a:endParaRPr kumimoji="1" lang="en-US" altLang="zh-CN" sz="2000" dirty="0">
+              <a:latin typeface="Optima" panose="02000503060000020004" pitchFamily="2" charset="0"/>
+              <a:ea typeface="KaiTi" panose="02010609060101010101" pitchFamily="49" charset="-122"/>
+            </a:endParaRPr>
+          </a:p>
+          <a:p>
+            <a:pPr marL="285750" indent="-285750">
+              <a:buFont typeface="Wingdings" pitchFamily="2" charset="2"/>
+              <a:buChar char="Ø"/>
+            </a:pPr>
+            <a:endParaRPr kumimoji="1" lang="en-US" altLang="zh-CN" sz="2000" dirty="0">
+              <a:latin typeface="Optima" panose="02000503060000020004" pitchFamily="2" charset="0"/>
+              <a:ea typeface="KaiTi" panose="02010609060101010101" pitchFamily="49" charset="-122"/>
+            </a:endParaRPr>
+          </a:p>
+          <a:p>
+            <a:pPr marL="285750" indent="-285750">
+              <a:buFont typeface="Wingdings" pitchFamily="2" charset="2"/>
+              <a:buChar char="Ø"/>
+            </a:pPr>
+            <a:r>
+              <a:rPr kumimoji="1" lang="zh-CN" altLang="en-US" sz="2000" dirty="0">
+                <a:latin typeface="Optima" panose="02000503060000020004" pitchFamily="2" charset="0"/>
+                <a:ea typeface="KaiTi" panose="02010609060101010101" pitchFamily="49" charset="-122"/>
+              </a:rPr>
+              <a:t>服务器 </a:t>
+            </a:r>
+            <a:r>
+              <a:rPr kumimoji="1" lang="en-US" altLang="zh-CN" sz="2000" dirty="0">
+                <a:latin typeface="Optima" panose="02000503060000020004" pitchFamily="2" charset="0"/>
+                <a:ea typeface="KaiTi" panose="02010609060101010101" pitchFamily="49" charset="-122"/>
+              </a:rPr>
+              <a:t>/</a:t>
+            </a:r>
+            <a:r>
+              <a:rPr kumimoji="1" lang="zh-CN" altLang="en-US" sz="2000" dirty="0">
+                <a:latin typeface="Optima" panose="02000503060000020004" pitchFamily="2" charset="0"/>
+                <a:ea typeface="KaiTi" panose="02010609060101010101" pitchFamily="49" charset="-122"/>
+              </a:rPr>
+              <a:t> 客户端 只需 </a:t>
+            </a:r>
+            <a:r>
+              <a:rPr kumimoji="1" lang="en-US" altLang="zh-CN" sz="2000" dirty="0">
+                <a:latin typeface="Optima" panose="02000503060000020004" pitchFamily="2" charset="0"/>
+                <a:ea typeface="KaiTi" panose="02010609060101010101" pitchFamily="49" charset="-122"/>
+              </a:rPr>
+              <a:t>1</a:t>
+            </a:r>
+            <a:r>
+              <a:rPr kumimoji="1" lang="zh-CN" altLang="en-US" sz="2000" dirty="0">
+                <a:latin typeface="Optima" panose="02000503060000020004" pitchFamily="2" charset="0"/>
+                <a:ea typeface="KaiTi" panose="02010609060101010101" pitchFamily="49" charset="-122"/>
+              </a:rPr>
+              <a:t> 个套接字</a:t>
+            </a:r>
+            <a:endParaRPr kumimoji="1" lang="en-US" altLang="zh-CN" sz="2000" dirty="0">
+              <a:latin typeface="Optima" panose="02000503060000020004" pitchFamily="2" charset="0"/>
+              <a:ea typeface="KaiTi" panose="02010609060101010101" pitchFamily="49" charset="-122"/>
+            </a:endParaRPr>
+          </a:p>
+        </p:txBody>
+      </p:sp>
+      <p:sp>
+        <p:nvSpPr>
+          <p:cNvPr id="4" name="文本框 3">
+            <a:extLst>
+              <a:ext uri="{FF2B5EF4-FFF2-40B4-BE49-F238E27FC236}">
+                <a16:creationId xmlns:a16="http://schemas.microsoft.com/office/drawing/2014/main" id="{0932AF9A-EBA2-C948-AAFB-E04A20D639CF}"/>
+              </a:ext>
+            </a:extLst>
+          </p:cNvPr>
+          <p:cNvSpPr txBox="1"/>
+          <p:nvPr/>
+        </p:nvSpPr>
+        <p:spPr>
+          <a:xfrm>
+            <a:off x="1167319" y="680936"/>
+            <a:ext cx="1534394" cy="461665"/>
+          </a:xfrm>
+          <a:prstGeom prst="rect">
+            <a:avLst/>
+          </a:prstGeom>
+          <a:noFill/>
+        </p:spPr>
+        <p:txBody>
+          <a:bodyPr wrap="none" rtlCol="0">
+            <a:spAutoFit/>
+          </a:bodyPr>
+          <a:lstStyle/>
+          <a:p>
+            <a:r>
+              <a:rPr kumimoji="1" lang="en-US" altLang="zh-CN" sz="2400" dirty="0">
+                <a:latin typeface="Optima" panose="02000503060000020004" pitchFamily="2" charset="0"/>
+                <a:ea typeface="KaiTi" panose="02010609060101010101" pitchFamily="49" charset="-122"/>
+              </a:rPr>
+              <a:t>UDP </a:t>
+            </a:r>
+            <a:r>
+              <a:rPr kumimoji="1" lang="zh-CN" altLang="en-US" sz="2400" dirty="0">
+                <a:latin typeface="Optima" panose="02000503060000020004" pitchFamily="2" charset="0"/>
+                <a:ea typeface="KaiTi" panose="02010609060101010101" pitchFamily="49" charset="-122"/>
+              </a:rPr>
+              <a:t>特性</a:t>
+            </a:r>
+          </a:p>
+        </p:txBody>
+      </p:sp>
+      <p:sp>
+        <p:nvSpPr>
+          <p:cNvPr id="5" name="文本框 4">
+            <a:extLst>
+              <a:ext uri="{FF2B5EF4-FFF2-40B4-BE49-F238E27FC236}">
+                <a16:creationId xmlns:a16="http://schemas.microsoft.com/office/drawing/2014/main" id="{7ACFA786-197D-1D44-A494-F2090827B0AD}"/>
+              </a:ext>
+            </a:extLst>
+          </p:cNvPr>
+          <p:cNvSpPr txBox="1"/>
+          <p:nvPr/>
+        </p:nvSpPr>
+        <p:spPr>
+          <a:xfrm>
+            <a:off x="1167319" y="2789128"/>
+            <a:ext cx="4304383" cy="461665"/>
+          </a:xfrm>
+          <a:prstGeom prst="rect">
+            <a:avLst/>
+          </a:prstGeom>
+          <a:noFill/>
+        </p:spPr>
+        <p:txBody>
+          <a:bodyPr wrap="none" rtlCol="0">
+            <a:spAutoFit/>
+          </a:bodyPr>
+          <a:lstStyle/>
+          <a:p>
+            <a:r>
+              <a:rPr kumimoji="1" lang="en-US" altLang="zh-CN" sz="2400" dirty="0">
+                <a:latin typeface="Optima" panose="02000503060000020004" pitchFamily="2" charset="0"/>
+                <a:ea typeface="KaiTi" panose="02010609060101010101" pitchFamily="49" charset="-122"/>
+              </a:rPr>
+              <a:t>UDP </a:t>
+            </a:r>
+            <a:r>
+              <a:rPr kumimoji="1" lang="zh-CN" altLang="en-US" sz="2400" dirty="0">
+                <a:latin typeface="Optima" panose="02000503060000020004" pitchFamily="2" charset="0"/>
+                <a:ea typeface="KaiTi" panose="02010609060101010101" pitchFamily="49" charset="-122"/>
+              </a:rPr>
+              <a:t>客户端套接字的地址分配</a:t>
+            </a:r>
+          </a:p>
+        </p:txBody>
+      </p:sp>
+      <p:sp>
+        <p:nvSpPr>
+          <p:cNvPr id="6" name="文本框 5">
+            <a:extLst>
+              <a:ext uri="{FF2B5EF4-FFF2-40B4-BE49-F238E27FC236}">
+                <a16:creationId xmlns:a16="http://schemas.microsoft.com/office/drawing/2014/main" id="{E3420D83-FCAE-CA41-91D7-A221659EBA74}"/>
+              </a:ext>
+            </a:extLst>
+          </p:cNvPr>
+          <p:cNvSpPr txBox="1"/>
+          <p:nvPr/>
+        </p:nvSpPr>
+        <p:spPr>
+          <a:xfrm>
+            <a:off x="1994170" y="3331647"/>
+            <a:ext cx="7179013" cy="2246769"/>
+          </a:xfrm>
+          <a:prstGeom prst="rect">
+            <a:avLst/>
+          </a:prstGeom>
+          <a:noFill/>
+        </p:spPr>
+        <p:txBody>
+          <a:bodyPr wrap="square" rtlCol="0">
+            <a:spAutoFit/>
+          </a:bodyPr>
+          <a:lstStyle/>
+          <a:p>
+            <a:pPr marL="285750" indent="-285750">
+              <a:buFont typeface="Wingdings" pitchFamily="2" charset="2"/>
+              <a:buChar char="Ø"/>
+            </a:pPr>
+            <a:r>
+              <a:rPr kumimoji="1" lang="zh-CN" altLang="en-US" sz="2000" dirty="0">
+                <a:latin typeface="Optima" panose="02000503060000020004" pitchFamily="2" charset="0"/>
+                <a:ea typeface="KaiTi" panose="02010609060101010101" pitchFamily="49" charset="-122"/>
+              </a:rPr>
+              <a:t>每次调用</a:t>
+            </a:r>
+            <a:r>
+              <a:rPr kumimoji="1" lang="en-US" altLang="zh-CN" sz="2000" dirty="0">
+                <a:latin typeface="Optima" panose="02000503060000020004" pitchFamily="2" charset="0"/>
+                <a:ea typeface="KaiTi" panose="02010609060101010101" pitchFamily="49" charset="-122"/>
+              </a:rPr>
+              <a:t> </a:t>
+            </a:r>
+            <a:r>
+              <a:rPr kumimoji="1" lang="en-US" altLang="zh-CN" sz="2000" dirty="0" err="1">
+                <a:latin typeface="Optima" panose="02000503060000020004" pitchFamily="2" charset="0"/>
+                <a:ea typeface="KaiTi" panose="02010609060101010101" pitchFamily="49" charset="-122"/>
+              </a:rPr>
+              <a:t>sendto</a:t>
+            </a:r>
+            <a:r>
+              <a:rPr kumimoji="1" lang="en-US" altLang="zh-CN" sz="2000" dirty="0">
+                <a:latin typeface="Optima" panose="02000503060000020004" pitchFamily="2" charset="0"/>
+                <a:ea typeface="KaiTi" panose="02010609060101010101" pitchFamily="49" charset="-122"/>
+              </a:rPr>
+              <a:t> </a:t>
+            </a:r>
+            <a:r>
+              <a:rPr kumimoji="1" lang="zh-CN" altLang="en-US" sz="2000" dirty="0">
+                <a:latin typeface="Optima" panose="02000503060000020004" pitchFamily="2" charset="0"/>
+                <a:ea typeface="KaiTi" panose="02010609060101010101" pitchFamily="49" charset="-122"/>
+              </a:rPr>
+              <a:t>会重复下面三步骤</a:t>
+            </a:r>
+            <a:endParaRPr kumimoji="1" lang="en-US" altLang="zh-CN" sz="2000" dirty="0">
+              <a:latin typeface="Optima" panose="02000503060000020004" pitchFamily="2" charset="0"/>
+              <a:ea typeface="KaiTi" panose="02010609060101010101" pitchFamily="49" charset="-122"/>
+            </a:endParaRPr>
+          </a:p>
+          <a:p>
+            <a:pPr marL="285750" indent="-285750">
+              <a:buFont typeface="Wingdings" pitchFamily="2" charset="2"/>
+              <a:buChar char="Ø"/>
+            </a:pPr>
+            <a:endParaRPr kumimoji="1" lang="en-US" altLang="zh-CN" sz="2000" dirty="0">
+              <a:latin typeface="Optima" panose="02000503060000020004" pitchFamily="2" charset="0"/>
+              <a:ea typeface="KaiTi" panose="02010609060101010101" pitchFamily="49" charset="-122"/>
+            </a:endParaRPr>
+          </a:p>
+          <a:p>
+            <a:pPr marL="800100" lvl="1" indent="-342900">
+              <a:buFont typeface="Wingdings" pitchFamily="2" charset="2"/>
+              <a:buChar char="ü"/>
+            </a:pPr>
+            <a:r>
+              <a:rPr kumimoji="1" lang="zh-CN" altLang="en-US" sz="2000" dirty="0">
+                <a:latin typeface="Optima" panose="02000503060000020004" pitchFamily="2" charset="0"/>
+                <a:ea typeface="KaiTi" panose="02010609060101010101" pitchFamily="49" charset="-122"/>
+              </a:rPr>
+              <a:t>向</a:t>
+            </a:r>
+            <a:r>
+              <a:rPr kumimoji="1" lang="en-US" altLang="zh-CN" sz="2000" dirty="0">
+                <a:latin typeface="Optima" panose="02000503060000020004" pitchFamily="2" charset="0"/>
+                <a:ea typeface="KaiTi" panose="02010609060101010101" pitchFamily="49" charset="-122"/>
+              </a:rPr>
+              <a:t> UDP </a:t>
+            </a:r>
+            <a:r>
+              <a:rPr kumimoji="1" lang="zh-CN" altLang="en-US" sz="2000" dirty="0">
+                <a:latin typeface="Optima" panose="02000503060000020004" pitchFamily="2" charset="0"/>
+                <a:ea typeface="KaiTi" panose="02010609060101010101" pitchFamily="49" charset="-122"/>
+              </a:rPr>
+              <a:t>套接字注册目标</a:t>
+            </a:r>
+            <a:r>
+              <a:rPr kumimoji="1" lang="en-US" altLang="zh-CN" sz="2000" dirty="0">
+                <a:latin typeface="Optima" panose="02000503060000020004" pitchFamily="2" charset="0"/>
+                <a:ea typeface="KaiTi" panose="02010609060101010101" pitchFamily="49" charset="-122"/>
+              </a:rPr>
+              <a:t> IP </a:t>
+            </a:r>
+            <a:r>
+              <a:rPr kumimoji="1" lang="zh-CN" altLang="en-US" sz="2000" dirty="0">
+                <a:latin typeface="Optima" panose="02000503060000020004" pitchFamily="2" charset="0"/>
+                <a:ea typeface="KaiTi" panose="02010609060101010101" pitchFamily="49" charset="-122"/>
+              </a:rPr>
+              <a:t>和端口号</a:t>
+            </a:r>
+            <a:endParaRPr kumimoji="1" lang="en-US" altLang="zh-CN" sz="2000" dirty="0">
+              <a:latin typeface="Optima" panose="02000503060000020004" pitchFamily="2" charset="0"/>
+              <a:ea typeface="KaiTi" panose="02010609060101010101" pitchFamily="49" charset="-122"/>
+            </a:endParaRPr>
+          </a:p>
+          <a:p>
+            <a:pPr marL="800100" lvl="1" indent="-342900">
+              <a:buFont typeface="Wingdings" pitchFamily="2" charset="2"/>
+              <a:buChar char="ü"/>
+            </a:pPr>
+            <a:endParaRPr kumimoji="1" lang="en-US" altLang="zh-CN" sz="2000" dirty="0">
+              <a:latin typeface="Optima" panose="02000503060000020004" pitchFamily="2" charset="0"/>
+              <a:ea typeface="KaiTi" panose="02010609060101010101" pitchFamily="49" charset="-122"/>
+            </a:endParaRPr>
+          </a:p>
+          <a:p>
+            <a:pPr marL="800100" lvl="1" indent="-342900">
+              <a:buFont typeface="Wingdings" pitchFamily="2" charset="2"/>
+              <a:buChar char="ü"/>
+            </a:pPr>
+            <a:r>
+              <a:rPr kumimoji="1" lang="zh-CN" altLang="en-US" sz="2000" dirty="0">
+                <a:latin typeface="Optima" panose="02000503060000020004" pitchFamily="2" charset="0"/>
+                <a:ea typeface="KaiTi" panose="02010609060101010101" pitchFamily="49" charset="-122"/>
+              </a:rPr>
+              <a:t>传输数据</a:t>
+            </a:r>
+            <a:endParaRPr kumimoji="1" lang="en-US" altLang="zh-CN" sz="2000" dirty="0">
+              <a:latin typeface="Optima" panose="02000503060000020004" pitchFamily="2" charset="0"/>
+              <a:ea typeface="KaiTi" panose="02010609060101010101" pitchFamily="49" charset="-122"/>
+            </a:endParaRPr>
+          </a:p>
+          <a:p>
+            <a:pPr marL="800100" lvl="1" indent="-342900">
+              <a:buFont typeface="Wingdings" pitchFamily="2" charset="2"/>
+              <a:buChar char="ü"/>
+            </a:pPr>
+            <a:endParaRPr kumimoji="1" lang="en-US" altLang="zh-CN" sz="2000" dirty="0">
+              <a:latin typeface="Optima" panose="02000503060000020004" pitchFamily="2" charset="0"/>
+              <a:ea typeface="KaiTi" panose="02010609060101010101" pitchFamily="49" charset="-122"/>
+            </a:endParaRPr>
+          </a:p>
+          <a:p>
+            <a:pPr marL="800100" lvl="1" indent="-342900">
+              <a:buFont typeface="Wingdings" pitchFamily="2" charset="2"/>
+              <a:buChar char="ü"/>
+            </a:pPr>
+            <a:r>
+              <a:rPr kumimoji="1" lang="zh-CN" altLang="en-US" sz="2000" dirty="0">
+                <a:latin typeface="Optima" panose="02000503060000020004" pitchFamily="2" charset="0"/>
+                <a:ea typeface="KaiTi" panose="02010609060101010101" pitchFamily="49" charset="-122"/>
+              </a:rPr>
+              <a:t>删除</a:t>
+            </a:r>
+            <a:r>
+              <a:rPr kumimoji="1" lang="en-US" altLang="zh-CN" sz="2000" dirty="0">
+                <a:latin typeface="Optima" panose="02000503060000020004" pitchFamily="2" charset="0"/>
+                <a:ea typeface="KaiTi" panose="02010609060101010101" pitchFamily="49" charset="-122"/>
+              </a:rPr>
+              <a:t> UDP </a:t>
+            </a:r>
+            <a:r>
+              <a:rPr kumimoji="1" lang="zh-CN" altLang="en-US" sz="2000" dirty="0">
+                <a:latin typeface="Optima" panose="02000503060000020004" pitchFamily="2" charset="0"/>
+                <a:ea typeface="KaiTi" panose="02010609060101010101" pitchFamily="49" charset="-122"/>
+              </a:rPr>
+              <a:t>套接字中注册的目标地址信息</a:t>
+            </a:r>
+            <a:endParaRPr kumimoji="1" lang="en-US" altLang="zh-CN" sz="2000" dirty="0">
+              <a:latin typeface="Optima" panose="02000503060000020004" pitchFamily="2" charset="0"/>
+              <a:ea typeface="KaiTi" panose="02010609060101010101" pitchFamily="49" charset="-122"/>
+            </a:endParaRPr>
+          </a:p>
+        </p:txBody>
+      </p:sp>
+    </p:spTree>
+    <p:extLst>
+      <p:ext uri="{BB962C8B-B14F-4D97-AF65-F5344CB8AC3E}">
+        <p14:creationId xmlns:p14="http://schemas.microsoft.com/office/powerpoint/2010/main" val="268341093"/>
+      </p:ext>
+    </p:extLst>
+  </p:cSld>
+  <p:clrMapOvr>
+    <a:masterClrMapping/>
+  </p:clrMapOvr>
+</p:sld>
+</file>
+
+<file path=ppt/slides/slide33.xml><?xml version="1.0" encoding="utf-8"?>
+<p:sld xmlns:a="http://schemas.openxmlformats.org/drawingml/2006/main" xmlns:r="http://schemas.openxmlformats.org/officeDocument/2006/relationships" xmlns:p="http://schemas.openxmlformats.org/presentationml/2006/main">
+  <p:cSld>
+    <p:spTree>
+      <p:nvGrpSpPr>
+        <p:cNvPr id="1" name=""/>
+        <p:cNvGrpSpPr/>
+        <p:nvPr/>
+      </p:nvGrpSpPr>
+      <p:grpSpPr>
+        <a:xfrm>
+          <a:off x="0" y="0"/>
+          <a:ext cx="0" cy="0"/>
+          <a:chOff x="0" y="0"/>
+          <a:chExt cx="0" cy="0"/>
+        </a:xfrm>
+      </p:grpSpPr>
+      <p:sp>
+        <p:nvSpPr>
+          <p:cNvPr id="2" name="文本框 1">
+            <a:extLst>
+              <a:ext uri="{FF2B5EF4-FFF2-40B4-BE49-F238E27FC236}">
+                <a16:creationId xmlns:a16="http://schemas.microsoft.com/office/drawing/2014/main" id="{F89BDBE7-F32E-9542-897E-77B6790869A1}"/>
+              </a:ext>
+            </a:extLst>
+          </p:cNvPr>
+          <p:cNvSpPr txBox="1"/>
+          <p:nvPr/>
+        </p:nvSpPr>
+        <p:spPr>
+          <a:xfrm>
+            <a:off x="0" y="0"/>
+            <a:ext cx="942887" cy="523220"/>
+          </a:xfrm>
+          <a:prstGeom prst="rect">
+            <a:avLst/>
+          </a:prstGeom>
+          <a:noFill/>
+        </p:spPr>
+        <p:txBody>
+          <a:bodyPr wrap="none" rtlCol="0">
+            <a:spAutoFit/>
+          </a:bodyPr>
+          <a:lstStyle/>
+          <a:p>
+            <a:r>
+              <a:rPr kumimoji="1" lang="en-US" altLang="zh-CN" sz="2800" dirty="0">
+                <a:latin typeface="Optima" panose="02000503060000020004" pitchFamily="2" charset="0"/>
+                <a:ea typeface="KaiTi" panose="02010609060101010101" pitchFamily="49" charset="-122"/>
+              </a:rPr>
+              <a:t>UDP</a:t>
+            </a:r>
+            <a:endParaRPr kumimoji="1" lang="zh-CN" altLang="en-US" sz="2800" dirty="0">
+              <a:latin typeface="Optima" panose="02000503060000020004" pitchFamily="2" charset="0"/>
+              <a:ea typeface="KaiTi" panose="02010609060101010101" pitchFamily="49" charset="-122"/>
+            </a:endParaRPr>
+          </a:p>
+        </p:txBody>
+      </p:sp>
+      <p:sp>
+        <p:nvSpPr>
+          <p:cNvPr id="3" name="文本框 2">
+            <a:extLst>
+              <a:ext uri="{FF2B5EF4-FFF2-40B4-BE49-F238E27FC236}">
+                <a16:creationId xmlns:a16="http://schemas.microsoft.com/office/drawing/2014/main" id="{2064864C-18F4-5E40-A479-1F227556E975}"/>
+              </a:ext>
+            </a:extLst>
+          </p:cNvPr>
+          <p:cNvSpPr txBox="1"/>
+          <p:nvPr/>
+        </p:nvSpPr>
+        <p:spPr>
+          <a:xfrm>
+            <a:off x="1994170" y="1167319"/>
+            <a:ext cx="5200463" cy="1015663"/>
+          </a:xfrm>
+          <a:prstGeom prst="rect">
+            <a:avLst/>
+          </a:prstGeom>
+          <a:noFill/>
+        </p:spPr>
+        <p:txBody>
+          <a:bodyPr wrap="none" rtlCol="0">
+            <a:spAutoFit/>
+          </a:bodyPr>
+          <a:lstStyle/>
+          <a:p>
+            <a:pPr marL="285750" indent="-285750">
+              <a:buFont typeface="Wingdings" pitchFamily="2" charset="2"/>
+              <a:buChar char="Ø"/>
+            </a:pPr>
+            <a:r>
+              <a:rPr kumimoji="1" lang="zh-CN" altLang="en-US" sz="2000" dirty="0">
+                <a:latin typeface="Optima" panose="02000503060000020004" pitchFamily="2" charset="0"/>
+                <a:ea typeface="KaiTi" panose="02010609060101010101" pitchFamily="49" charset="-122"/>
+              </a:rPr>
+              <a:t>输入函数和输出函数调用次数完全一致</a:t>
+            </a:r>
+            <a:endParaRPr kumimoji="1" lang="en-US" altLang="zh-CN" sz="2000" dirty="0">
+              <a:latin typeface="Optima" panose="02000503060000020004" pitchFamily="2" charset="0"/>
+              <a:ea typeface="KaiTi" panose="02010609060101010101" pitchFamily="49" charset="-122"/>
+            </a:endParaRPr>
+          </a:p>
+          <a:p>
+            <a:pPr marL="285750" indent="-285750">
+              <a:buFont typeface="Wingdings" pitchFamily="2" charset="2"/>
+              <a:buChar char="Ø"/>
+            </a:pPr>
+            <a:endParaRPr kumimoji="1" lang="en-US" altLang="zh-CN" sz="2000" dirty="0">
+              <a:latin typeface="Optima" panose="02000503060000020004" pitchFamily="2" charset="0"/>
+              <a:ea typeface="KaiTi" panose="02010609060101010101" pitchFamily="49" charset="-122"/>
+            </a:endParaRPr>
+          </a:p>
+          <a:p>
+            <a:pPr marL="285750" indent="-285750">
+              <a:buFont typeface="Wingdings" pitchFamily="2" charset="2"/>
+              <a:buChar char="Ø"/>
+            </a:pPr>
+            <a:r>
+              <a:rPr kumimoji="1" lang="en-US" altLang="zh-CN" sz="2000" dirty="0">
+                <a:latin typeface="Optima" panose="02000503060000020004" pitchFamily="2" charset="0"/>
+                <a:ea typeface="KaiTi" panose="02010609060101010101" pitchFamily="49" charset="-122"/>
+              </a:rPr>
+              <a:t>UDP</a:t>
+            </a:r>
+            <a:r>
+              <a:rPr kumimoji="1" lang="zh-CN" altLang="en-US" sz="2000" dirty="0">
+                <a:latin typeface="Optima" panose="02000503060000020004" pitchFamily="2" charset="0"/>
+                <a:ea typeface="KaiTi" panose="02010609060101010101" pitchFamily="49" charset="-122"/>
+              </a:rPr>
+              <a:t> 数据报，一个数据报就是完整的数据</a:t>
+            </a:r>
+            <a:endParaRPr kumimoji="1" lang="en-US" altLang="zh-CN" sz="2000" dirty="0">
+              <a:latin typeface="Optima" panose="02000503060000020004" pitchFamily="2" charset="0"/>
+              <a:ea typeface="KaiTi" panose="02010609060101010101" pitchFamily="49" charset="-122"/>
+            </a:endParaRPr>
+          </a:p>
+        </p:txBody>
+      </p:sp>
+      <p:sp>
+        <p:nvSpPr>
+          <p:cNvPr id="5" name="文本框 4">
+            <a:extLst>
+              <a:ext uri="{FF2B5EF4-FFF2-40B4-BE49-F238E27FC236}">
+                <a16:creationId xmlns:a16="http://schemas.microsoft.com/office/drawing/2014/main" id="{DCEA8E7C-BB3C-2144-80AB-7D6854333F49}"/>
+              </a:ext>
+            </a:extLst>
+          </p:cNvPr>
+          <p:cNvSpPr txBox="1"/>
+          <p:nvPr/>
+        </p:nvSpPr>
+        <p:spPr>
+          <a:xfrm>
+            <a:off x="942887" y="2798855"/>
+            <a:ext cx="4523995" cy="461665"/>
+          </a:xfrm>
+          <a:prstGeom prst="rect">
+            <a:avLst/>
+          </a:prstGeom>
+          <a:noFill/>
+        </p:spPr>
+        <p:txBody>
+          <a:bodyPr wrap="none" rtlCol="0">
+            <a:spAutoFit/>
+          </a:bodyPr>
+          <a:lstStyle/>
+          <a:p>
+            <a:r>
+              <a:rPr kumimoji="1" lang="zh-CN" altLang="en-US" sz="2400" dirty="0">
+                <a:latin typeface="Optima" panose="02000503060000020004" pitchFamily="2" charset="0"/>
+                <a:ea typeface="KaiTi" panose="02010609060101010101" pitchFamily="49" charset="-122"/>
+              </a:rPr>
+              <a:t>已连接和未连接的</a:t>
+            </a:r>
+            <a:r>
+              <a:rPr kumimoji="1" lang="en-US" altLang="zh-CN" sz="2400" dirty="0">
+                <a:latin typeface="Optima" panose="02000503060000020004" pitchFamily="2" charset="0"/>
+                <a:ea typeface="KaiTi" panose="02010609060101010101" pitchFamily="49" charset="-122"/>
+              </a:rPr>
+              <a:t> UDP </a:t>
+            </a:r>
+            <a:r>
+              <a:rPr kumimoji="1" lang="zh-CN" altLang="en-US" sz="2400" dirty="0">
+                <a:latin typeface="Optima" panose="02000503060000020004" pitchFamily="2" charset="0"/>
+                <a:ea typeface="KaiTi" panose="02010609060101010101" pitchFamily="49" charset="-122"/>
+              </a:rPr>
+              <a:t>套接字</a:t>
+            </a:r>
+          </a:p>
+        </p:txBody>
+      </p:sp>
+      <p:sp>
+        <p:nvSpPr>
+          <p:cNvPr id="6" name="文本框 5">
+            <a:extLst>
+              <a:ext uri="{FF2B5EF4-FFF2-40B4-BE49-F238E27FC236}">
+                <a16:creationId xmlns:a16="http://schemas.microsoft.com/office/drawing/2014/main" id="{E6C6DB35-0EC0-F149-AAE8-9219425C5A0A}"/>
+              </a:ext>
+            </a:extLst>
+          </p:cNvPr>
+          <p:cNvSpPr txBox="1"/>
+          <p:nvPr/>
+        </p:nvSpPr>
+        <p:spPr>
+          <a:xfrm>
+            <a:off x="942887" y="633414"/>
+            <a:ext cx="3073277" cy="461665"/>
+          </a:xfrm>
+          <a:prstGeom prst="rect">
+            <a:avLst/>
+          </a:prstGeom>
+          <a:noFill/>
+        </p:spPr>
+        <p:txBody>
+          <a:bodyPr wrap="none" rtlCol="0">
+            <a:spAutoFit/>
+          </a:bodyPr>
+          <a:lstStyle/>
+          <a:p>
+            <a:r>
+              <a:rPr kumimoji="1" lang="zh-CN" altLang="en-US" sz="2400" dirty="0">
+                <a:latin typeface="Optima" panose="02000503060000020004" pitchFamily="2" charset="0"/>
+                <a:ea typeface="KaiTi" panose="02010609060101010101" pitchFamily="49" charset="-122"/>
+              </a:rPr>
+              <a:t>存在数据边界的</a:t>
+            </a:r>
+            <a:r>
+              <a:rPr kumimoji="1" lang="en-US" altLang="zh-CN" sz="2400" dirty="0">
+                <a:latin typeface="Optima" panose="02000503060000020004" pitchFamily="2" charset="0"/>
+                <a:ea typeface="KaiTi" panose="02010609060101010101" pitchFamily="49" charset="-122"/>
+              </a:rPr>
+              <a:t> UDP</a:t>
+            </a:r>
+            <a:endParaRPr kumimoji="1" lang="zh-CN" altLang="en-US" sz="2400" dirty="0">
+              <a:latin typeface="Optima" panose="02000503060000020004" pitchFamily="2" charset="0"/>
+              <a:ea typeface="KaiTi" panose="02010609060101010101" pitchFamily="49" charset="-122"/>
+            </a:endParaRPr>
+          </a:p>
+        </p:txBody>
+      </p:sp>
+      <p:sp>
+        <p:nvSpPr>
+          <p:cNvPr id="8" name="文本框 7">
+            <a:extLst>
+              <a:ext uri="{FF2B5EF4-FFF2-40B4-BE49-F238E27FC236}">
+                <a16:creationId xmlns:a16="http://schemas.microsoft.com/office/drawing/2014/main" id="{5CF4BBCA-4DC5-BD4E-BAB7-095FAA7840DE}"/>
+              </a:ext>
+            </a:extLst>
+          </p:cNvPr>
+          <p:cNvSpPr txBox="1"/>
+          <p:nvPr/>
+        </p:nvSpPr>
+        <p:spPr>
+          <a:xfrm>
+            <a:off x="1994169" y="3368561"/>
+            <a:ext cx="8297695" cy="1938992"/>
+          </a:xfrm>
+          <a:prstGeom prst="rect">
+            <a:avLst/>
+          </a:prstGeom>
+          <a:noFill/>
+        </p:spPr>
+        <p:txBody>
+          <a:bodyPr wrap="square" rtlCol="0">
+            <a:spAutoFit/>
+          </a:bodyPr>
+          <a:lstStyle/>
+          <a:p>
+            <a:pPr marL="285750" indent="-285750">
+              <a:buFont typeface="Wingdings" pitchFamily="2" charset="2"/>
+              <a:buChar char="Ø"/>
+            </a:pPr>
+            <a:r>
+              <a:rPr kumimoji="1" lang="zh-CN" altLang="en-US" sz="2000" dirty="0">
+                <a:latin typeface="Optima" panose="02000503060000020004" pitchFamily="2" charset="0"/>
+                <a:ea typeface="KaiTi" panose="02010609060101010101" pitchFamily="49" charset="-122"/>
+              </a:rPr>
+              <a:t>如果发送数据到同一个目的地，那么每次传输都会调用</a:t>
+            </a:r>
+            <a:r>
+              <a:rPr kumimoji="1" lang="en-US" altLang="zh-CN" sz="2000" dirty="0">
+                <a:latin typeface="Optima" panose="02000503060000020004" pitchFamily="2" charset="0"/>
+                <a:ea typeface="KaiTi" panose="02010609060101010101" pitchFamily="49" charset="-122"/>
+              </a:rPr>
+              <a:t> </a:t>
+            </a:r>
+            <a:r>
+              <a:rPr kumimoji="1" lang="en-US" altLang="zh-CN" sz="2000" dirty="0" err="1">
+                <a:latin typeface="Optima" panose="02000503060000020004" pitchFamily="2" charset="0"/>
+                <a:ea typeface="KaiTi" panose="02010609060101010101" pitchFamily="49" charset="-122"/>
+              </a:rPr>
+              <a:t>sendto</a:t>
+            </a:r>
+            <a:r>
+              <a:rPr kumimoji="1" lang="zh-CN" altLang="en-US" sz="2000" dirty="0">
+                <a:latin typeface="Optima" panose="02000503060000020004" pitchFamily="2" charset="0"/>
+                <a:ea typeface="KaiTi" panose="02010609060101010101" pitchFamily="49" charset="-122"/>
+              </a:rPr>
+              <a:t>，重复三步，这种 </a:t>
+            </a:r>
+            <a:r>
+              <a:rPr kumimoji="1" lang="en-US" altLang="zh-CN" sz="2000" dirty="0">
+                <a:latin typeface="Optima" panose="02000503060000020004" pitchFamily="2" charset="0"/>
+                <a:ea typeface="KaiTi" panose="02010609060101010101" pitchFamily="49" charset="-122"/>
+              </a:rPr>
+              <a:t>UDP</a:t>
+            </a:r>
+            <a:r>
+              <a:rPr kumimoji="1" lang="zh-CN" altLang="en-US" sz="2000" dirty="0">
+                <a:latin typeface="Optima" panose="02000503060000020004" pitchFamily="2" charset="0"/>
+                <a:ea typeface="KaiTi" panose="02010609060101010101" pitchFamily="49" charset="-122"/>
+              </a:rPr>
+              <a:t> 套接字属于未连接套接字</a:t>
+            </a:r>
+            <a:endParaRPr kumimoji="1" lang="en-US" altLang="zh-CN" sz="2000" dirty="0">
+              <a:latin typeface="Optima" panose="02000503060000020004" pitchFamily="2" charset="0"/>
+              <a:ea typeface="KaiTi" panose="02010609060101010101" pitchFamily="49" charset="-122"/>
+            </a:endParaRPr>
+          </a:p>
+          <a:p>
+            <a:pPr marL="285750" indent="-285750">
+              <a:buFont typeface="Wingdings" pitchFamily="2" charset="2"/>
+              <a:buChar char="Ø"/>
+            </a:pPr>
+            <a:endParaRPr kumimoji="1" lang="en-US" altLang="zh-CN" sz="2000" dirty="0">
+              <a:latin typeface="Optima" panose="02000503060000020004" pitchFamily="2" charset="0"/>
+              <a:ea typeface="KaiTi" panose="02010609060101010101" pitchFamily="49" charset="-122"/>
+            </a:endParaRPr>
+          </a:p>
+          <a:p>
+            <a:pPr marL="285750" indent="-285750">
+              <a:buFont typeface="Wingdings" pitchFamily="2" charset="2"/>
+              <a:buChar char="Ø"/>
+            </a:pPr>
+            <a:r>
+              <a:rPr kumimoji="1" lang="zh-CN" altLang="en-US" sz="2000" dirty="0">
+                <a:latin typeface="Optima" panose="02000503060000020004" pitchFamily="2" charset="0"/>
+                <a:ea typeface="KaiTi" panose="02010609060101010101" pitchFamily="49" charset="-122"/>
+              </a:rPr>
+              <a:t>已连接套接字就只会注册目标地址信息一次，需要使用</a:t>
+            </a:r>
+            <a:r>
+              <a:rPr kumimoji="1" lang="en-US" altLang="zh-CN" sz="2000" dirty="0">
+                <a:latin typeface="Optima" panose="02000503060000020004" pitchFamily="2" charset="0"/>
+                <a:ea typeface="KaiTi" panose="02010609060101010101" pitchFamily="49" charset="-122"/>
+              </a:rPr>
+              <a:t> connect </a:t>
+            </a:r>
+            <a:r>
+              <a:rPr kumimoji="1" lang="zh-CN" altLang="en-US" sz="2000" dirty="0">
+                <a:latin typeface="Optima" panose="02000503060000020004" pitchFamily="2" charset="0"/>
+                <a:ea typeface="KaiTi" panose="02010609060101010101" pitchFamily="49" charset="-122"/>
+              </a:rPr>
+              <a:t>函数</a:t>
+            </a:r>
+            <a:endParaRPr kumimoji="1" lang="en-US" altLang="zh-CN" sz="2000" dirty="0">
+              <a:latin typeface="Optima" panose="02000503060000020004" pitchFamily="2" charset="0"/>
+              <a:ea typeface="KaiTi" panose="02010609060101010101" pitchFamily="49" charset="-122"/>
+            </a:endParaRPr>
+          </a:p>
+          <a:p>
+            <a:pPr marL="285750" indent="-285750">
+              <a:buFont typeface="Wingdings" pitchFamily="2" charset="2"/>
+              <a:buChar char="Ø"/>
+            </a:pPr>
+            <a:endParaRPr kumimoji="1" lang="en-US" altLang="zh-CN" sz="2000" dirty="0">
+              <a:latin typeface="Optima" panose="02000503060000020004" pitchFamily="2" charset="0"/>
+              <a:ea typeface="KaiTi" panose="02010609060101010101" pitchFamily="49" charset="-122"/>
+            </a:endParaRPr>
+          </a:p>
+          <a:p>
+            <a:pPr marL="800100" lvl="1" indent="-342900">
+              <a:buFont typeface="Wingdings" pitchFamily="2" charset="2"/>
+              <a:buChar char="ü"/>
+            </a:pPr>
+            <a:r>
+              <a:rPr kumimoji="1" lang="en-US" altLang="zh-CN" sz="2000" dirty="0">
+                <a:latin typeface="Optima" panose="02000503060000020004" pitchFamily="2" charset="0"/>
+                <a:ea typeface="KaiTi" panose="02010609060101010101" pitchFamily="49" charset="-122"/>
+              </a:rPr>
+              <a:t>connect(sock,</a:t>
+            </a:r>
+            <a:r>
+              <a:rPr kumimoji="1" lang="zh-CN" altLang="en-US" sz="2000" dirty="0">
+                <a:latin typeface="Optima" panose="02000503060000020004" pitchFamily="2" charset="0"/>
+                <a:ea typeface="KaiTi" panose="02010609060101010101" pitchFamily="49" charset="-122"/>
+              </a:rPr>
+              <a:t> </a:t>
+            </a:r>
+            <a:r>
+              <a:rPr kumimoji="1" lang="en-US" altLang="zh-CN" sz="2000" dirty="0">
+                <a:latin typeface="Optima" panose="02000503060000020004" pitchFamily="2" charset="0"/>
+                <a:ea typeface="KaiTi" panose="02010609060101010101" pitchFamily="49" charset="-122"/>
+              </a:rPr>
+              <a:t>(struct</a:t>
+            </a:r>
+            <a:r>
+              <a:rPr kumimoji="1" lang="zh-CN" altLang="en-US" sz="2000" dirty="0">
+                <a:latin typeface="Optima" panose="02000503060000020004" pitchFamily="2" charset="0"/>
+                <a:ea typeface="KaiTi" panose="02010609060101010101" pitchFamily="49" charset="-122"/>
+              </a:rPr>
+              <a:t> </a:t>
+            </a:r>
+            <a:r>
+              <a:rPr kumimoji="1" lang="en-US" altLang="zh-CN" sz="2000" dirty="0" err="1">
+                <a:latin typeface="Optima" panose="02000503060000020004" pitchFamily="2" charset="0"/>
+                <a:ea typeface="KaiTi" panose="02010609060101010101" pitchFamily="49" charset="-122"/>
+              </a:rPr>
+              <a:t>sockaddr</a:t>
+            </a:r>
+            <a:r>
+              <a:rPr kumimoji="1" lang="zh-CN" altLang="en-US" sz="2000" dirty="0">
+                <a:latin typeface="Optima" panose="02000503060000020004" pitchFamily="2" charset="0"/>
+                <a:ea typeface="KaiTi" panose="02010609060101010101" pitchFamily="49" charset="-122"/>
+              </a:rPr>
+              <a:t>*</a:t>
+            </a:r>
+            <a:r>
+              <a:rPr kumimoji="1" lang="en-US" altLang="zh-CN" sz="2000" dirty="0">
+                <a:latin typeface="Optima" panose="02000503060000020004" pitchFamily="2" charset="0"/>
+                <a:ea typeface="KaiTi" panose="02010609060101010101" pitchFamily="49" charset="-122"/>
+              </a:rPr>
+              <a:t>)</a:t>
+            </a:r>
+            <a:r>
+              <a:rPr kumimoji="1" lang="zh-CN" altLang="en-US" sz="2000" dirty="0">
+                <a:latin typeface="Optima" panose="02000503060000020004" pitchFamily="2" charset="0"/>
+                <a:ea typeface="KaiTi" panose="02010609060101010101" pitchFamily="49" charset="-122"/>
+              </a:rPr>
+              <a:t> </a:t>
+            </a:r>
+            <a:r>
+              <a:rPr kumimoji="1" lang="en-US" altLang="zh-CN" sz="2000" dirty="0">
+                <a:latin typeface="Optima" panose="02000503060000020004" pitchFamily="2" charset="0"/>
+                <a:ea typeface="KaiTi" panose="02010609060101010101" pitchFamily="49" charset="-122"/>
+              </a:rPr>
+              <a:t>&amp;</a:t>
+            </a:r>
+            <a:r>
+              <a:rPr kumimoji="1" lang="en-US" altLang="zh-CN" sz="2000" dirty="0" err="1">
+                <a:latin typeface="Optima" panose="02000503060000020004" pitchFamily="2" charset="0"/>
+                <a:ea typeface="KaiTi" panose="02010609060101010101" pitchFamily="49" charset="-122"/>
+              </a:rPr>
+              <a:t>serv_adr</a:t>
+            </a:r>
+            <a:r>
+              <a:rPr kumimoji="1" lang="en-US" altLang="zh-CN" sz="2000" dirty="0">
+                <a:latin typeface="Optima" panose="02000503060000020004" pitchFamily="2" charset="0"/>
+                <a:ea typeface="KaiTi" panose="02010609060101010101" pitchFamily="49" charset="-122"/>
+              </a:rPr>
+              <a:t>,</a:t>
+            </a:r>
+            <a:r>
+              <a:rPr kumimoji="1" lang="zh-CN" altLang="en-US" sz="2000" dirty="0">
+                <a:latin typeface="Optima" panose="02000503060000020004" pitchFamily="2" charset="0"/>
+                <a:ea typeface="KaiTi" panose="02010609060101010101" pitchFamily="49" charset="-122"/>
+              </a:rPr>
+              <a:t> </a:t>
+            </a:r>
+            <a:r>
+              <a:rPr kumimoji="1" lang="en-US" altLang="zh-CN" sz="2000" dirty="0" err="1">
+                <a:latin typeface="Optima" panose="02000503060000020004" pitchFamily="2" charset="0"/>
+                <a:ea typeface="KaiTi" panose="02010609060101010101" pitchFamily="49" charset="-122"/>
+              </a:rPr>
+              <a:t>sizeof</a:t>
+            </a:r>
+            <a:r>
+              <a:rPr kumimoji="1" lang="en-US" altLang="zh-CN" sz="2000" dirty="0">
+                <a:latin typeface="Optima" panose="02000503060000020004" pitchFamily="2" charset="0"/>
+                <a:ea typeface="KaiTi" panose="02010609060101010101" pitchFamily="49" charset="-122"/>
+              </a:rPr>
+              <a:t>(</a:t>
+            </a:r>
+            <a:r>
+              <a:rPr kumimoji="1" lang="en-US" altLang="zh-CN" sz="2000" dirty="0" err="1">
+                <a:latin typeface="Optima" panose="02000503060000020004" pitchFamily="2" charset="0"/>
+                <a:ea typeface="KaiTi" panose="02010609060101010101" pitchFamily="49" charset="-122"/>
+              </a:rPr>
+              <a:t>serv_adr</a:t>
+            </a:r>
+            <a:r>
+              <a:rPr kumimoji="1" lang="en-US" altLang="zh-CN" sz="2000" dirty="0">
+                <a:latin typeface="Optima" panose="02000503060000020004" pitchFamily="2" charset="0"/>
+                <a:ea typeface="KaiTi" panose="02010609060101010101" pitchFamily="49" charset="-122"/>
+              </a:rPr>
+              <a:t>));</a:t>
+            </a:r>
+          </a:p>
+        </p:txBody>
+      </p:sp>
     </p:spTree>
     <p:extLst>
       <p:ext uri="{BB962C8B-B14F-4D97-AF65-F5344CB8AC3E}">
@@ -15972,7 +17073,7 @@
 </p:sld>
 </file>
 
-<file path=ppt/slides/slide33.xml><?xml version="1.0" encoding="utf-8"?>
+<file path=ppt/slides/slide34.xml><?xml version="1.0" encoding="utf-8"?>
 <p:sld xmlns:a="http://schemas.openxmlformats.org/drawingml/2006/main" xmlns:r="http://schemas.openxmlformats.org/officeDocument/2006/relationships" xmlns:p="http://schemas.openxmlformats.org/presentationml/2006/main">
   <p:cSld>
     <p:spTree>
@@ -16002,7 +17103,75 @@
 </p:sld>
 </file>
 
-<file path=ppt/slides/slide34.xml><?xml version="1.0" encoding="utf-8"?>
+<file path=ppt/slides/slide35.xml><?xml version="1.0" encoding="utf-8"?>
+<p:sld xmlns:a="http://schemas.openxmlformats.org/drawingml/2006/main" xmlns:r="http://schemas.openxmlformats.org/officeDocument/2006/relationships" xmlns:p="http://schemas.openxmlformats.org/presentationml/2006/main">
+  <p:cSld>
+    <p:spTree>
+      <p:nvGrpSpPr>
+        <p:cNvPr id="1" name=""/>
+        <p:cNvGrpSpPr/>
+        <p:nvPr/>
+      </p:nvGrpSpPr>
+      <p:grpSpPr>
+        <a:xfrm>
+          <a:off x="0" y="0"/>
+          <a:ext cx="0" cy="0"/>
+          <a:chOff x="0" y="0"/>
+          <a:chExt cx="0" cy="0"/>
+        </a:xfrm>
+      </p:grpSpPr>
+      <p:sp>
+        <p:nvSpPr>
+          <p:cNvPr id="4" name="文本框 3">
+            <a:extLst>
+              <a:ext uri="{FF2B5EF4-FFF2-40B4-BE49-F238E27FC236}">
+                <a16:creationId xmlns:a16="http://schemas.microsoft.com/office/drawing/2014/main" id="{7EE1C33A-CBBC-884B-A275-BA706E902614}"/>
+              </a:ext>
+            </a:extLst>
+          </p:cNvPr>
+          <p:cNvSpPr txBox="1"/>
+          <p:nvPr/>
+        </p:nvSpPr>
+        <p:spPr>
+          <a:xfrm>
+            <a:off x="4727676" y="2875002"/>
+            <a:ext cx="2736647" cy="1107996"/>
+          </a:xfrm>
+          <a:prstGeom prst="rect">
+            <a:avLst/>
+          </a:prstGeom>
+          <a:noFill/>
+        </p:spPr>
+        <p:txBody>
+          <a:bodyPr wrap="none" rtlCol="0">
+            <a:spAutoFit/>
+          </a:bodyPr>
+          <a:lstStyle/>
+          <a:p>
+            <a:r>
+              <a:rPr kumimoji="1" lang="zh-CN" altLang="en-US" sz="6600" b="1" dirty="0">
+                <a:latin typeface="KaiTi" panose="02010609060101010101" pitchFamily="49" charset="-122"/>
+                <a:ea typeface="KaiTi" panose="02010609060101010101" pitchFamily="49" charset="-122"/>
+              </a:rPr>
+              <a:t>第七章</a:t>
+            </a:r>
+          </a:p>
+        </p:txBody>
+      </p:sp>
+    </p:spTree>
+    <p:extLst>
+      <p:ext uri="{BB962C8B-B14F-4D97-AF65-F5344CB8AC3E}">
+        <p14:creationId xmlns:p14="http://schemas.microsoft.com/office/powerpoint/2010/main" val="526682327"/>
+      </p:ext>
+    </p:extLst>
+  </p:cSld>
+  <p:clrMapOvr>
+    <a:masterClrMapping/>
+  </p:clrMapOvr>
+</p:sld>
+</file>
+
+<file path=ppt/slides/slide36.xml><?xml version="1.0" encoding="utf-8"?>
 <p:sld xmlns:a="http://schemas.openxmlformats.org/drawingml/2006/main" xmlns:r="http://schemas.openxmlformats.org/officeDocument/2006/relationships" xmlns:p="http://schemas.openxmlformats.org/presentationml/2006/main">
   <p:cSld>
     <p:spTree>
@@ -16032,7 +17201,7 @@
 </p:sld>
 </file>
 
-<file path=ppt/slides/slide35.xml><?xml version="1.0" encoding="utf-8"?>
+<file path=ppt/slides/slide37.xml><?xml version="1.0" encoding="utf-8"?>
 <p:sld xmlns:a="http://schemas.openxmlformats.org/drawingml/2006/main" xmlns:r="http://schemas.openxmlformats.org/officeDocument/2006/relationships" xmlns:p="http://schemas.openxmlformats.org/presentationml/2006/main">
   <p:cSld>
     <p:spTree>
@@ -16062,7 +17231,7 @@
 </p:sld>
 </file>
 
-<file path=ppt/slides/slide36.xml><?xml version="1.0" encoding="utf-8"?>
+<file path=ppt/slides/slide38.xml><?xml version="1.0" encoding="utf-8"?>
 <p:sld xmlns:a="http://schemas.openxmlformats.org/drawingml/2006/main" xmlns:r="http://schemas.openxmlformats.org/officeDocument/2006/relationships" xmlns:p="http://schemas.openxmlformats.org/presentationml/2006/main">
   <p:cSld>
     <p:spTree>
@@ -16092,7 +17261,7 @@
 </p:sld>
 </file>
 
-<file path=ppt/slides/slide37.xml><?xml version="1.0" encoding="utf-8"?>
+<file path=ppt/slides/slide39.xml><?xml version="1.0" encoding="utf-8"?>
 <p:sld xmlns:a="http://schemas.openxmlformats.org/drawingml/2006/main" xmlns:r="http://schemas.openxmlformats.org/officeDocument/2006/relationships" xmlns:p="http://schemas.openxmlformats.org/presentationml/2006/main">
   <p:cSld>
     <p:spTree>
@@ -16113,66 +17282,6 @@
     <p:extLst>
       <p:ext uri="{BB962C8B-B14F-4D97-AF65-F5344CB8AC3E}">
         <p14:creationId xmlns:p14="http://schemas.microsoft.com/office/powerpoint/2010/main" val="1433265735"/>
-      </p:ext>
-    </p:extLst>
-  </p:cSld>
-  <p:clrMapOvr>
-    <a:masterClrMapping/>
-  </p:clrMapOvr>
-</p:sld>
-</file>
-
-<file path=ppt/slides/slide38.xml><?xml version="1.0" encoding="utf-8"?>
-<p:sld xmlns:a="http://schemas.openxmlformats.org/drawingml/2006/main" xmlns:r="http://schemas.openxmlformats.org/officeDocument/2006/relationships" xmlns:p="http://schemas.openxmlformats.org/presentationml/2006/main">
-  <p:cSld>
-    <p:spTree>
-      <p:nvGrpSpPr>
-        <p:cNvPr id="1" name=""/>
-        <p:cNvGrpSpPr/>
-        <p:nvPr/>
-      </p:nvGrpSpPr>
-      <p:grpSpPr>
-        <a:xfrm>
-          <a:off x="0" y="0"/>
-          <a:ext cx="0" cy="0"/>
-          <a:chOff x="0" y="0"/>
-          <a:chExt cx="0" cy="0"/>
-        </a:xfrm>
-      </p:grpSpPr>
-    </p:spTree>
-    <p:extLst>
-      <p:ext uri="{BB962C8B-B14F-4D97-AF65-F5344CB8AC3E}">
-        <p14:creationId xmlns:p14="http://schemas.microsoft.com/office/powerpoint/2010/main" val="3599128968"/>
-      </p:ext>
-    </p:extLst>
-  </p:cSld>
-  <p:clrMapOvr>
-    <a:masterClrMapping/>
-  </p:clrMapOvr>
-</p:sld>
-</file>
-
-<file path=ppt/slides/slide39.xml><?xml version="1.0" encoding="utf-8"?>
-<p:sld xmlns:a="http://schemas.openxmlformats.org/drawingml/2006/main" xmlns:r="http://schemas.openxmlformats.org/officeDocument/2006/relationships" xmlns:p="http://schemas.openxmlformats.org/presentationml/2006/main">
-  <p:cSld>
-    <p:spTree>
-      <p:nvGrpSpPr>
-        <p:cNvPr id="1" name=""/>
-        <p:cNvGrpSpPr/>
-        <p:nvPr/>
-      </p:nvGrpSpPr>
-      <p:grpSpPr>
-        <a:xfrm>
-          <a:off x="0" y="0"/>
-          <a:ext cx="0" cy="0"/>
-          <a:chOff x="0" y="0"/>
-          <a:chExt cx="0" cy="0"/>
-        </a:xfrm>
-      </p:grpSpPr>
-    </p:spTree>
-    <p:extLst>
-      <p:ext uri="{BB962C8B-B14F-4D97-AF65-F5344CB8AC3E}">
-        <p14:creationId xmlns:p14="http://schemas.microsoft.com/office/powerpoint/2010/main" val="1087526569"/>
       </p:ext>
     </p:extLst>
   </p:cSld>
@@ -16264,6 +17373,66 @@
     </p:spTree>
     <p:extLst>
       <p:ext uri="{BB962C8B-B14F-4D97-AF65-F5344CB8AC3E}">
+        <p14:creationId xmlns:p14="http://schemas.microsoft.com/office/powerpoint/2010/main" val="3599128968"/>
+      </p:ext>
+    </p:extLst>
+  </p:cSld>
+  <p:clrMapOvr>
+    <a:masterClrMapping/>
+  </p:clrMapOvr>
+</p:sld>
+</file>
+
+<file path=ppt/slides/slide41.xml><?xml version="1.0" encoding="utf-8"?>
+<p:sld xmlns:a="http://schemas.openxmlformats.org/drawingml/2006/main" xmlns:r="http://schemas.openxmlformats.org/officeDocument/2006/relationships" xmlns:p="http://schemas.openxmlformats.org/presentationml/2006/main">
+  <p:cSld>
+    <p:spTree>
+      <p:nvGrpSpPr>
+        <p:cNvPr id="1" name=""/>
+        <p:cNvGrpSpPr/>
+        <p:nvPr/>
+      </p:nvGrpSpPr>
+      <p:grpSpPr>
+        <a:xfrm>
+          <a:off x="0" y="0"/>
+          <a:ext cx="0" cy="0"/>
+          <a:chOff x="0" y="0"/>
+          <a:chExt cx="0" cy="0"/>
+        </a:xfrm>
+      </p:grpSpPr>
+    </p:spTree>
+    <p:extLst>
+      <p:ext uri="{BB962C8B-B14F-4D97-AF65-F5344CB8AC3E}">
+        <p14:creationId xmlns:p14="http://schemas.microsoft.com/office/powerpoint/2010/main" val="1087526569"/>
+      </p:ext>
+    </p:extLst>
+  </p:cSld>
+  <p:clrMapOvr>
+    <a:masterClrMapping/>
+  </p:clrMapOvr>
+</p:sld>
+</file>
+
+<file path=ppt/slides/slide42.xml><?xml version="1.0" encoding="utf-8"?>
+<p:sld xmlns:a="http://schemas.openxmlformats.org/drawingml/2006/main" xmlns:r="http://schemas.openxmlformats.org/officeDocument/2006/relationships" xmlns:p="http://schemas.openxmlformats.org/presentationml/2006/main">
+  <p:cSld>
+    <p:spTree>
+      <p:nvGrpSpPr>
+        <p:cNvPr id="1" name=""/>
+        <p:cNvGrpSpPr/>
+        <p:nvPr/>
+      </p:nvGrpSpPr>
+      <p:grpSpPr>
+        <a:xfrm>
+          <a:off x="0" y="0"/>
+          <a:ext cx="0" cy="0"/>
+          <a:chOff x="0" y="0"/>
+          <a:chExt cx="0" cy="0"/>
+        </a:xfrm>
+      </p:grpSpPr>
+    </p:spTree>
+    <p:extLst>
+      <p:ext uri="{BB962C8B-B14F-4D97-AF65-F5344CB8AC3E}">
         <p14:creationId xmlns:p14="http://schemas.microsoft.com/office/powerpoint/2010/main" val="3220528550"/>
       </p:ext>
     </p:extLst>
@@ -16274,7 +17443,7 @@
 </p:sld>
 </file>
 
-<file path=ppt/slides/slide41.xml><?xml version="1.0" encoding="utf-8"?>
+<file path=ppt/slides/slide43.xml><?xml version="1.0" encoding="utf-8"?>
 <p:sld xmlns:a="http://schemas.openxmlformats.org/drawingml/2006/main" xmlns:r="http://schemas.openxmlformats.org/officeDocument/2006/relationships" xmlns:p="http://schemas.openxmlformats.org/presentationml/2006/main">
   <p:cSld>
     <p:spTree>

--- a/TCP:IP 网络编程.pptx
+++ b/TCP:IP 网络编程.pptx
@@ -17188,6 +17188,603 @@
           <a:chExt cx="0" cy="0"/>
         </a:xfrm>
       </p:grpSpPr>
+      <p:sp>
+        <p:nvSpPr>
+          <p:cNvPr id="2" name="文本框 1">
+            <a:extLst>
+              <a:ext uri="{FF2B5EF4-FFF2-40B4-BE49-F238E27FC236}">
+                <a16:creationId xmlns:a16="http://schemas.microsoft.com/office/drawing/2014/main" id="{69CDB395-187F-024E-9D74-81A6CC6A57A0}"/>
+              </a:ext>
+            </a:extLst>
+          </p:cNvPr>
+          <p:cNvSpPr txBox="1"/>
+          <p:nvPr/>
+        </p:nvSpPr>
+        <p:spPr>
+          <a:xfrm>
+            <a:off x="0" y="0"/>
+            <a:ext cx="1261884" cy="523220"/>
+          </a:xfrm>
+          <a:prstGeom prst="rect">
+            <a:avLst/>
+          </a:prstGeom>
+          <a:noFill/>
+        </p:spPr>
+        <p:txBody>
+          <a:bodyPr wrap="none" rtlCol="0">
+            <a:spAutoFit/>
+          </a:bodyPr>
+          <a:lstStyle/>
+          <a:p>
+            <a:r>
+              <a:rPr kumimoji="1" lang="zh-CN" altLang="en-US" sz="2800" dirty="0">
+                <a:latin typeface="Optima" panose="02000503060000020004" pitchFamily="2" charset="0"/>
+                <a:ea typeface="KaiTi" panose="02010609060101010101" pitchFamily="49" charset="-122"/>
+              </a:rPr>
+              <a:t>半关闭</a:t>
+            </a:r>
+          </a:p>
+        </p:txBody>
+      </p:sp>
+      <p:sp>
+        <p:nvSpPr>
+          <p:cNvPr id="3" name="文本框 2">
+            <a:extLst>
+              <a:ext uri="{FF2B5EF4-FFF2-40B4-BE49-F238E27FC236}">
+                <a16:creationId xmlns:a16="http://schemas.microsoft.com/office/drawing/2014/main" id="{0A6013A6-1DBB-C242-A46E-55A7FE09466B}"/>
+              </a:ext>
+            </a:extLst>
+          </p:cNvPr>
+          <p:cNvSpPr txBox="1"/>
+          <p:nvPr/>
+        </p:nvSpPr>
+        <p:spPr>
+          <a:xfrm>
+            <a:off x="1261884" y="924127"/>
+            <a:ext cx="8807219" cy="4708981"/>
+          </a:xfrm>
+          <a:prstGeom prst="rect">
+            <a:avLst/>
+          </a:prstGeom>
+          <a:noFill/>
+        </p:spPr>
+        <p:txBody>
+          <a:bodyPr wrap="none" rtlCol="0">
+            <a:spAutoFit/>
+          </a:bodyPr>
+          <a:lstStyle/>
+          <a:p>
+            <a:pPr marL="285750" indent="-285750">
+              <a:buFont typeface="Wingdings" pitchFamily="2" charset="2"/>
+              <a:buChar char="Ø"/>
+            </a:pPr>
+            <a:r>
+              <a:rPr kumimoji="1" lang="en-US" altLang="zh-CN" sz="2000" dirty="0">
+                <a:latin typeface="Optima" panose="02000503060000020004" pitchFamily="2" charset="0"/>
+                <a:ea typeface="KaiTi" panose="02010609060101010101" pitchFamily="49" charset="-122"/>
+              </a:rPr>
+              <a:t>close </a:t>
+            </a:r>
+            <a:r>
+              <a:rPr kumimoji="1" lang="zh-CN" altLang="en-US" sz="2000" dirty="0">
+                <a:latin typeface="Optima" panose="02000503060000020004" pitchFamily="2" charset="0"/>
+                <a:ea typeface="KaiTi" panose="02010609060101010101" pitchFamily="49" charset="-122"/>
+              </a:rPr>
+              <a:t>函数会关闭输入流和输出流，而缓存中可能还有数据，就会造成丢失</a:t>
+            </a:r>
+            <a:endParaRPr kumimoji="1" lang="en-US" altLang="zh-CN" sz="2000" dirty="0">
+              <a:latin typeface="Optima" panose="02000503060000020004" pitchFamily="2" charset="0"/>
+              <a:ea typeface="KaiTi" panose="02010609060101010101" pitchFamily="49" charset="-122"/>
+            </a:endParaRPr>
+          </a:p>
+          <a:p>
+            <a:pPr marL="285750" indent="-285750">
+              <a:buFont typeface="Wingdings" pitchFamily="2" charset="2"/>
+              <a:buChar char="Ø"/>
+            </a:pPr>
+            <a:endParaRPr kumimoji="1" lang="en-US" altLang="zh-CN" sz="2000" dirty="0">
+              <a:latin typeface="Optima" panose="02000503060000020004" pitchFamily="2" charset="0"/>
+              <a:ea typeface="KaiTi" panose="02010609060101010101" pitchFamily="49" charset="-122"/>
+            </a:endParaRPr>
+          </a:p>
+          <a:p>
+            <a:pPr marL="285750" indent="-285750">
+              <a:buFont typeface="Wingdings" pitchFamily="2" charset="2"/>
+              <a:buChar char="Ø"/>
+            </a:pPr>
+            <a:r>
+              <a:rPr kumimoji="1" lang="en-US" altLang="zh-CN" sz="2000" dirty="0">
+                <a:latin typeface="Optima" panose="02000503060000020004" pitchFamily="2" charset="0"/>
+                <a:ea typeface="KaiTi" panose="02010609060101010101" pitchFamily="49" charset="-122"/>
+              </a:rPr>
+              <a:t>half-close</a:t>
+            </a:r>
+            <a:r>
+              <a:rPr kumimoji="1" lang="zh-CN" altLang="en-US" sz="2000" dirty="0">
+                <a:latin typeface="Optima" panose="02000503060000020004" pitchFamily="2" charset="0"/>
+                <a:ea typeface="KaiTi" panose="02010609060101010101" pitchFamily="49" charset="-122"/>
+              </a:rPr>
+              <a:t> 只关闭一部分流，即</a:t>
+            </a:r>
+            <a:r>
+              <a:rPr kumimoji="1" lang="en-US" altLang="zh-CN" sz="2000" dirty="0">
+                <a:latin typeface="Optima" panose="02000503060000020004" pitchFamily="2" charset="0"/>
+                <a:ea typeface="KaiTi" panose="02010609060101010101" pitchFamily="49" charset="-122"/>
+              </a:rPr>
+              <a:t> write </a:t>
+            </a:r>
+            <a:r>
+              <a:rPr kumimoji="1" lang="zh-CN" altLang="en-US" sz="2000" dirty="0">
+                <a:latin typeface="Optima" panose="02000503060000020004" pitchFamily="2" charset="0"/>
+                <a:ea typeface="KaiTi" panose="02010609060101010101" pitchFamily="49" charset="-122"/>
+              </a:rPr>
+              <a:t>和</a:t>
+            </a:r>
+            <a:r>
+              <a:rPr kumimoji="1" lang="en-US" altLang="zh-CN" sz="2000" dirty="0">
+                <a:latin typeface="Optima" panose="02000503060000020004" pitchFamily="2" charset="0"/>
+                <a:ea typeface="KaiTi" panose="02010609060101010101" pitchFamily="49" charset="-122"/>
+              </a:rPr>
+              <a:t> read </a:t>
+            </a:r>
+            <a:r>
+              <a:rPr kumimoji="1" lang="zh-CN" altLang="en-US" sz="2000" dirty="0">
+                <a:latin typeface="Optima" panose="02000503060000020004" pitchFamily="2" charset="0"/>
+                <a:ea typeface="KaiTi" panose="02010609060101010101" pitchFamily="49" charset="-122"/>
+              </a:rPr>
+              <a:t>只关闭一个</a:t>
+            </a:r>
+            <a:endParaRPr kumimoji="1" lang="en-US" altLang="zh-CN" sz="2000" dirty="0">
+              <a:latin typeface="Optima" panose="02000503060000020004" pitchFamily="2" charset="0"/>
+              <a:ea typeface="KaiTi" panose="02010609060101010101" pitchFamily="49" charset="-122"/>
+            </a:endParaRPr>
+          </a:p>
+          <a:p>
+            <a:pPr marL="285750" indent="-285750">
+              <a:buFont typeface="Wingdings" pitchFamily="2" charset="2"/>
+              <a:buChar char="Ø"/>
+            </a:pPr>
+            <a:endParaRPr kumimoji="1" lang="en-US" altLang="zh-CN" sz="2000" b="0" dirty="0">
+              <a:solidFill>
+                <a:srgbClr val="0000FF"/>
+              </a:solidFill>
+              <a:effectLst/>
+              <a:latin typeface="Menlo" panose="020B0609030804020204" pitchFamily="49" charset="0"/>
+            </a:endParaRPr>
+          </a:p>
+          <a:p>
+            <a:pPr marL="285750" indent="-285750">
+              <a:buFont typeface="Wingdings" pitchFamily="2" charset="2"/>
+              <a:buChar char="Ø"/>
+            </a:pPr>
+            <a:r>
+              <a:rPr lang="en" altLang="zh-CN" sz="2000" b="0" dirty="0">
+                <a:solidFill>
+                  <a:srgbClr val="0000FF"/>
+                </a:solidFill>
+                <a:effectLst/>
+                <a:latin typeface="Menlo" panose="020B0609030804020204" pitchFamily="49" charset="0"/>
+              </a:rPr>
+              <a:t>int</a:t>
+            </a:r>
+            <a:r>
+              <a:rPr lang="en" altLang="zh-CN" sz="2000" b="0" dirty="0">
+                <a:solidFill>
+                  <a:srgbClr val="3B3B3B"/>
+                </a:solidFill>
+                <a:effectLst/>
+                <a:latin typeface="Menlo" panose="020B0609030804020204" pitchFamily="49" charset="0"/>
+              </a:rPr>
+              <a:t> </a:t>
+            </a:r>
+            <a:r>
+              <a:rPr lang="en" altLang="zh-CN" sz="2000" b="0" dirty="0">
+                <a:solidFill>
+                  <a:srgbClr val="795E26"/>
+                </a:solidFill>
+                <a:effectLst/>
+                <a:latin typeface="Menlo" panose="020B0609030804020204" pitchFamily="49" charset="0"/>
+              </a:rPr>
+              <a:t>shutdown</a:t>
+            </a:r>
+            <a:r>
+              <a:rPr lang="en" altLang="zh-CN" sz="2000" b="0" dirty="0">
+                <a:solidFill>
+                  <a:srgbClr val="3B3B3B"/>
+                </a:solidFill>
+                <a:effectLst/>
+                <a:latin typeface="Menlo" panose="020B0609030804020204" pitchFamily="49" charset="0"/>
+              </a:rPr>
+              <a:t>(</a:t>
+            </a:r>
+            <a:r>
+              <a:rPr lang="en" altLang="zh-CN" sz="2000" b="0" dirty="0">
+                <a:solidFill>
+                  <a:srgbClr val="0000FF"/>
+                </a:solidFill>
+                <a:effectLst/>
+                <a:latin typeface="Menlo" panose="020B0609030804020204" pitchFamily="49" charset="0"/>
+              </a:rPr>
+              <a:t>int</a:t>
+            </a:r>
+            <a:r>
+              <a:rPr lang="zh-CN" altLang="en-US" sz="2000" b="0" dirty="0">
+                <a:solidFill>
+                  <a:srgbClr val="0000FF"/>
+                </a:solidFill>
+                <a:effectLst/>
+                <a:latin typeface="Menlo" panose="020B0609030804020204" pitchFamily="49" charset="0"/>
+              </a:rPr>
+              <a:t> </a:t>
+            </a:r>
+            <a:r>
+              <a:rPr lang="en-US" altLang="zh-CN" sz="2000" b="0" dirty="0">
+                <a:effectLst/>
+                <a:latin typeface="Menlo" panose="020B0609030804020204" pitchFamily="49" charset="0"/>
+              </a:rPr>
+              <a:t>sock</a:t>
+            </a:r>
+            <a:r>
+              <a:rPr lang="en" altLang="zh-CN" sz="2000" b="0" dirty="0">
+                <a:solidFill>
+                  <a:srgbClr val="3B3B3B"/>
+                </a:solidFill>
+                <a:effectLst/>
+                <a:latin typeface="Menlo" panose="020B0609030804020204" pitchFamily="49" charset="0"/>
+              </a:rPr>
+              <a:t>, </a:t>
+            </a:r>
+            <a:r>
+              <a:rPr lang="en" altLang="zh-CN" sz="2000" b="0" dirty="0">
+                <a:solidFill>
+                  <a:srgbClr val="0000FF"/>
+                </a:solidFill>
+                <a:effectLst/>
+                <a:latin typeface="Menlo" panose="020B0609030804020204" pitchFamily="49" charset="0"/>
+              </a:rPr>
+              <a:t>int</a:t>
+            </a:r>
+            <a:r>
+              <a:rPr lang="zh-CN" altLang="en-US" sz="2000" b="0" dirty="0">
+                <a:solidFill>
+                  <a:srgbClr val="0000FF"/>
+                </a:solidFill>
+                <a:effectLst/>
+                <a:latin typeface="Menlo" panose="020B0609030804020204" pitchFamily="49" charset="0"/>
+              </a:rPr>
+              <a:t> </a:t>
+            </a:r>
+            <a:r>
+              <a:rPr lang="en-US" altLang="zh-CN" sz="2000" b="0" dirty="0" err="1">
+                <a:effectLst/>
+                <a:latin typeface="Menlo" panose="020B0609030804020204" pitchFamily="49" charset="0"/>
+              </a:rPr>
+              <a:t>howto</a:t>
+            </a:r>
+            <a:r>
+              <a:rPr lang="en" altLang="zh-CN" sz="2000" b="0" dirty="0">
+                <a:solidFill>
+                  <a:srgbClr val="3B3B3B"/>
+                </a:solidFill>
+                <a:effectLst/>
+                <a:latin typeface="Menlo" panose="020B0609030804020204" pitchFamily="49" charset="0"/>
+              </a:rPr>
+              <a:t>);</a:t>
+            </a:r>
+          </a:p>
+          <a:p>
+            <a:endParaRPr lang="en" altLang="zh-CN" sz="2000" b="0" dirty="0">
+              <a:solidFill>
+                <a:srgbClr val="3B3B3B"/>
+              </a:solidFill>
+              <a:effectLst/>
+              <a:latin typeface="Menlo" panose="020B0609030804020204" pitchFamily="49" charset="0"/>
+            </a:endParaRPr>
+          </a:p>
+          <a:p>
+            <a:pPr marL="742950" lvl="1" indent="-285750">
+              <a:buFont typeface="Wingdings" pitchFamily="2" charset="2"/>
+              <a:buChar char="Ø"/>
+            </a:pPr>
+            <a:r>
+              <a:rPr lang="en-US" altLang="zh-CN" sz="2000" dirty="0">
+                <a:solidFill>
+                  <a:srgbClr val="3B3B3B"/>
+                </a:solidFill>
+                <a:latin typeface="Optima" panose="02000503060000020004" pitchFamily="2" charset="0"/>
+                <a:ea typeface="KaiTi" panose="02010609060101010101" pitchFamily="49" charset="-122"/>
+              </a:rPr>
+              <a:t>sock</a:t>
+            </a:r>
+            <a:r>
+              <a:rPr lang="zh-CN" altLang="en-US" sz="2000" dirty="0">
+                <a:solidFill>
+                  <a:srgbClr val="3B3B3B"/>
+                </a:solidFill>
+                <a:latin typeface="Optima" panose="02000503060000020004" pitchFamily="2" charset="0"/>
+                <a:ea typeface="KaiTi" panose="02010609060101010101" pitchFamily="49" charset="-122"/>
+              </a:rPr>
+              <a:t> </a:t>
+            </a:r>
+            <a:r>
+              <a:rPr lang="zh-CN" altLang="en" sz="2000" dirty="0">
+                <a:solidFill>
+                  <a:srgbClr val="3B3B3B"/>
+                </a:solidFill>
+                <a:latin typeface="Optima" panose="02000503060000020004" pitchFamily="2" charset="0"/>
+                <a:ea typeface="KaiTi" panose="02010609060101010101" pitchFamily="49" charset="-122"/>
+              </a:rPr>
+              <a:t>要断开</a:t>
+            </a:r>
+            <a:r>
+              <a:rPr lang="zh-CN" altLang="en-US" sz="2000" dirty="0">
+                <a:solidFill>
+                  <a:srgbClr val="3B3B3B"/>
+                </a:solidFill>
+                <a:latin typeface="Optima" panose="02000503060000020004" pitchFamily="2" charset="0"/>
+                <a:ea typeface="KaiTi" panose="02010609060101010101" pitchFamily="49" charset="-122"/>
+              </a:rPr>
+              <a:t>的套接字文件描述符</a:t>
+            </a:r>
+            <a:endParaRPr lang="en-US" altLang="zh-CN" sz="2000" dirty="0">
+              <a:solidFill>
+                <a:srgbClr val="3B3B3B"/>
+              </a:solidFill>
+              <a:latin typeface="Optima" panose="02000503060000020004" pitchFamily="2" charset="0"/>
+              <a:ea typeface="KaiTi" panose="02010609060101010101" pitchFamily="49" charset="-122"/>
+            </a:endParaRPr>
+          </a:p>
+          <a:p>
+            <a:pPr marL="742950" lvl="1" indent="-285750">
+              <a:buFont typeface="Wingdings" pitchFamily="2" charset="2"/>
+              <a:buChar char="Ø"/>
+            </a:pPr>
+            <a:endParaRPr lang="en-US" altLang="zh-CN" sz="2000" dirty="0">
+              <a:solidFill>
+                <a:srgbClr val="3B3B3B"/>
+              </a:solidFill>
+              <a:latin typeface="Optima" panose="02000503060000020004" pitchFamily="2" charset="0"/>
+              <a:ea typeface="KaiTi" panose="02010609060101010101" pitchFamily="49" charset="-122"/>
+            </a:endParaRPr>
+          </a:p>
+          <a:p>
+            <a:pPr marL="742950" lvl="1" indent="-285750">
+              <a:buFont typeface="Wingdings" pitchFamily="2" charset="2"/>
+              <a:buChar char="Ø"/>
+            </a:pPr>
+            <a:r>
+              <a:rPr lang="en-US" altLang="zh-CN" sz="2000" b="0" dirty="0" err="1">
+                <a:solidFill>
+                  <a:srgbClr val="3B3B3B"/>
+                </a:solidFill>
+                <a:effectLst/>
+                <a:latin typeface="Optima" panose="02000503060000020004" pitchFamily="2" charset="0"/>
+                <a:ea typeface="KaiTi" panose="02010609060101010101" pitchFamily="49" charset="-122"/>
+              </a:rPr>
+              <a:t>howto</a:t>
+            </a:r>
+            <a:r>
+              <a:rPr lang="zh-CN" altLang="en-US" sz="2000" b="0" dirty="0">
+                <a:solidFill>
+                  <a:srgbClr val="3B3B3B"/>
+                </a:solidFill>
+                <a:effectLst/>
+                <a:latin typeface="Optima" panose="02000503060000020004" pitchFamily="2" charset="0"/>
+                <a:ea typeface="KaiTi" panose="02010609060101010101" pitchFamily="49" charset="-122"/>
+              </a:rPr>
+              <a:t> 断开方式</a:t>
+            </a:r>
+            <a:endParaRPr lang="en-US" altLang="zh-CN" sz="2000" b="0" dirty="0">
+              <a:solidFill>
+                <a:srgbClr val="3B3B3B"/>
+              </a:solidFill>
+              <a:effectLst/>
+              <a:latin typeface="Optima" panose="02000503060000020004" pitchFamily="2" charset="0"/>
+              <a:ea typeface="KaiTi" panose="02010609060101010101" pitchFamily="49" charset="-122"/>
+            </a:endParaRPr>
+          </a:p>
+          <a:p>
+            <a:pPr marL="742950" lvl="1" indent="-285750">
+              <a:buFont typeface="Wingdings" pitchFamily="2" charset="2"/>
+              <a:buChar char="Ø"/>
+            </a:pPr>
+            <a:endParaRPr lang="en-US" altLang="zh-CN" sz="2000" b="0" dirty="0">
+              <a:solidFill>
+                <a:srgbClr val="3B3B3B"/>
+              </a:solidFill>
+              <a:effectLst/>
+              <a:latin typeface="Optima" panose="02000503060000020004" pitchFamily="2" charset="0"/>
+              <a:ea typeface="KaiTi" panose="02010609060101010101" pitchFamily="49" charset="-122"/>
+            </a:endParaRPr>
+          </a:p>
+          <a:p>
+            <a:pPr marL="1200150" lvl="2" indent="-285750">
+              <a:buFont typeface="Wingdings" pitchFamily="2" charset="2"/>
+              <a:buChar char="ü"/>
+            </a:pPr>
+            <a:r>
+              <a:rPr lang="en-US" altLang="zh-CN" sz="2000" dirty="0">
+                <a:solidFill>
+                  <a:srgbClr val="3B3B3B"/>
+                </a:solidFill>
+                <a:latin typeface="Optima" panose="02000503060000020004" pitchFamily="2" charset="0"/>
+                <a:ea typeface="KaiTi" panose="02010609060101010101" pitchFamily="49" charset="-122"/>
+              </a:rPr>
+              <a:t>SHUT_RD</a:t>
+            </a:r>
+            <a:r>
+              <a:rPr lang="zh-CN" altLang="en-US" sz="2000" dirty="0">
+                <a:solidFill>
+                  <a:srgbClr val="3B3B3B"/>
+                </a:solidFill>
+                <a:latin typeface="Optima" panose="02000503060000020004" pitchFamily="2" charset="0"/>
+                <a:ea typeface="KaiTi" panose="02010609060101010101" pitchFamily="49" charset="-122"/>
+              </a:rPr>
+              <a:t>：关闭</a:t>
+            </a:r>
+            <a:r>
+              <a:rPr lang="en-US" altLang="zh-CN" sz="2000" dirty="0">
+                <a:solidFill>
+                  <a:srgbClr val="3B3B3B"/>
+                </a:solidFill>
+                <a:latin typeface="Optima" panose="02000503060000020004" pitchFamily="2" charset="0"/>
+                <a:ea typeface="KaiTi" panose="02010609060101010101" pitchFamily="49" charset="-122"/>
+              </a:rPr>
+              <a:t> read</a:t>
+            </a:r>
+          </a:p>
+          <a:p>
+            <a:pPr marL="1200150" lvl="2" indent="-285750">
+              <a:buFont typeface="Wingdings" pitchFamily="2" charset="2"/>
+              <a:buChar char="ü"/>
+            </a:pPr>
+            <a:endParaRPr lang="en-US" altLang="zh-CN" sz="2000" dirty="0">
+              <a:solidFill>
+                <a:srgbClr val="3B3B3B"/>
+              </a:solidFill>
+              <a:latin typeface="Optima" panose="02000503060000020004" pitchFamily="2" charset="0"/>
+              <a:ea typeface="KaiTi" panose="02010609060101010101" pitchFamily="49" charset="-122"/>
+            </a:endParaRPr>
+          </a:p>
+          <a:p>
+            <a:pPr marL="1200150" lvl="2" indent="-285750">
+              <a:buFont typeface="Wingdings" pitchFamily="2" charset="2"/>
+              <a:buChar char="ü"/>
+            </a:pPr>
+            <a:r>
+              <a:rPr lang="en-US" altLang="zh-CN" sz="2000" b="0" dirty="0">
+                <a:solidFill>
+                  <a:srgbClr val="3B3B3B"/>
+                </a:solidFill>
+                <a:effectLst/>
+                <a:latin typeface="Optima" panose="02000503060000020004" pitchFamily="2" charset="0"/>
+                <a:ea typeface="KaiTi" panose="02010609060101010101" pitchFamily="49" charset="-122"/>
+              </a:rPr>
+              <a:t>SHUT_WR</a:t>
+            </a:r>
+            <a:r>
+              <a:rPr lang="zh-CN" altLang="en-US" sz="2000" b="0" dirty="0">
+                <a:solidFill>
+                  <a:srgbClr val="3B3B3B"/>
+                </a:solidFill>
+                <a:effectLst/>
+                <a:latin typeface="Optima" panose="02000503060000020004" pitchFamily="2" charset="0"/>
+                <a:ea typeface="KaiTi" panose="02010609060101010101" pitchFamily="49" charset="-122"/>
+              </a:rPr>
+              <a:t>：关闭</a:t>
+            </a:r>
+            <a:r>
+              <a:rPr lang="en-US" altLang="zh-CN" sz="2000" b="0" dirty="0">
+                <a:solidFill>
+                  <a:srgbClr val="3B3B3B"/>
+                </a:solidFill>
+                <a:effectLst/>
+                <a:latin typeface="Optima" panose="02000503060000020004" pitchFamily="2" charset="0"/>
+                <a:ea typeface="KaiTi" panose="02010609060101010101" pitchFamily="49" charset="-122"/>
+              </a:rPr>
+              <a:t> write</a:t>
+            </a:r>
+          </a:p>
+          <a:p>
+            <a:pPr marL="1200150" lvl="2" indent="-285750">
+              <a:buFont typeface="Wingdings" pitchFamily="2" charset="2"/>
+              <a:buChar char="ü"/>
+            </a:pPr>
+            <a:endParaRPr lang="en-US" altLang="zh-CN" sz="2000" b="0" dirty="0">
+              <a:solidFill>
+                <a:srgbClr val="3B3B3B"/>
+              </a:solidFill>
+              <a:effectLst/>
+              <a:latin typeface="Optima" panose="02000503060000020004" pitchFamily="2" charset="0"/>
+              <a:ea typeface="KaiTi" panose="02010609060101010101" pitchFamily="49" charset="-122"/>
+            </a:endParaRPr>
+          </a:p>
+          <a:p>
+            <a:pPr marL="1200150" lvl="2" indent="-285750">
+              <a:buFont typeface="Wingdings" pitchFamily="2" charset="2"/>
+              <a:buChar char="ü"/>
+            </a:pPr>
+            <a:r>
+              <a:rPr lang="en-US" altLang="zh-CN" sz="2000" dirty="0">
+                <a:solidFill>
+                  <a:srgbClr val="3B3B3B"/>
+                </a:solidFill>
+                <a:latin typeface="Optima" panose="02000503060000020004" pitchFamily="2" charset="0"/>
+                <a:ea typeface="KaiTi" panose="02010609060101010101" pitchFamily="49" charset="-122"/>
+              </a:rPr>
+              <a:t>SHUT_RDWR</a:t>
+            </a:r>
+            <a:r>
+              <a:rPr lang="zh-CN" altLang="en-US" sz="2000" dirty="0">
+                <a:solidFill>
+                  <a:srgbClr val="3B3B3B"/>
+                </a:solidFill>
+                <a:latin typeface="Optima" panose="02000503060000020004" pitchFamily="2" charset="0"/>
+                <a:ea typeface="KaiTi" panose="02010609060101010101" pitchFamily="49" charset="-122"/>
+              </a:rPr>
+              <a:t>：等价于</a:t>
+            </a:r>
+            <a:r>
+              <a:rPr lang="en-US" altLang="zh-CN" sz="2000" dirty="0">
+                <a:solidFill>
+                  <a:srgbClr val="3B3B3B"/>
+                </a:solidFill>
+                <a:latin typeface="Optima" panose="02000503060000020004" pitchFamily="2" charset="0"/>
+                <a:ea typeface="KaiTi" panose="02010609060101010101" pitchFamily="49" charset="-122"/>
+              </a:rPr>
+              <a:t> close</a:t>
+            </a:r>
+            <a:r>
+              <a:rPr lang="zh-CN" altLang="en-US" sz="2000" dirty="0">
+                <a:solidFill>
+                  <a:srgbClr val="3B3B3B"/>
+                </a:solidFill>
+                <a:latin typeface="Optima" panose="02000503060000020004" pitchFamily="2" charset="0"/>
+                <a:ea typeface="KaiTi" panose="02010609060101010101" pitchFamily="49" charset="-122"/>
+              </a:rPr>
+              <a:t>，关闭</a:t>
+            </a:r>
+            <a:r>
+              <a:rPr lang="en-US" altLang="zh-CN" sz="2000" dirty="0">
+                <a:solidFill>
+                  <a:srgbClr val="3B3B3B"/>
+                </a:solidFill>
+                <a:latin typeface="Optima" panose="02000503060000020004" pitchFamily="2" charset="0"/>
+                <a:ea typeface="KaiTi" panose="02010609060101010101" pitchFamily="49" charset="-122"/>
+              </a:rPr>
+              <a:t> read </a:t>
+            </a:r>
+            <a:r>
+              <a:rPr lang="zh-CN" altLang="en-US" sz="2000" dirty="0">
+                <a:solidFill>
+                  <a:srgbClr val="3B3B3B"/>
+                </a:solidFill>
+                <a:latin typeface="Optima" panose="02000503060000020004" pitchFamily="2" charset="0"/>
+                <a:ea typeface="KaiTi" panose="02010609060101010101" pitchFamily="49" charset="-122"/>
+              </a:rPr>
+              <a:t>和</a:t>
+            </a:r>
+            <a:r>
+              <a:rPr lang="en-US" altLang="zh-CN" sz="2000" dirty="0">
+                <a:solidFill>
+                  <a:srgbClr val="3B3B3B"/>
+                </a:solidFill>
+                <a:latin typeface="Optima" panose="02000503060000020004" pitchFamily="2" charset="0"/>
+                <a:ea typeface="KaiTi" panose="02010609060101010101" pitchFamily="49" charset="-122"/>
+              </a:rPr>
+              <a:t> write</a:t>
+            </a:r>
+            <a:endParaRPr lang="en" altLang="zh-CN" sz="2000" b="0" dirty="0">
+              <a:solidFill>
+                <a:srgbClr val="3B3B3B"/>
+              </a:solidFill>
+              <a:effectLst/>
+              <a:latin typeface="Optima" panose="02000503060000020004" pitchFamily="2" charset="0"/>
+              <a:ea typeface="KaiTi" panose="02010609060101010101" pitchFamily="49" charset="-122"/>
+            </a:endParaRPr>
+          </a:p>
+        </p:txBody>
+      </p:sp>
     </p:spTree>
     <p:extLst>
       <p:ext uri="{BB962C8B-B14F-4D97-AF65-F5344CB8AC3E}">
@@ -17218,6 +17815,48 @@
           <a:chExt cx="0" cy="0"/>
         </a:xfrm>
       </p:grpSpPr>
+      <p:sp>
+        <p:nvSpPr>
+          <p:cNvPr id="2" name="文本框 1">
+            <a:extLst>
+              <a:ext uri="{FF2B5EF4-FFF2-40B4-BE49-F238E27FC236}">
+                <a16:creationId xmlns:a16="http://schemas.microsoft.com/office/drawing/2014/main" id="{2DEE506B-9CA1-1943-BAAA-F6A5681B3D0E}"/>
+              </a:ext>
+            </a:extLst>
+          </p:cNvPr>
+          <p:cNvSpPr txBox="1"/>
+          <p:nvPr/>
+        </p:nvSpPr>
+        <p:spPr>
+          <a:xfrm>
+            <a:off x="0" y="0"/>
+            <a:ext cx="942887" cy="523220"/>
+          </a:xfrm>
+          <a:prstGeom prst="rect">
+            <a:avLst/>
+          </a:prstGeom>
+          <a:noFill/>
+        </p:spPr>
+        <p:txBody>
+          <a:bodyPr wrap="none" rtlCol="0">
+            <a:spAutoFit/>
+          </a:bodyPr>
+          <a:lstStyle/>
+          <a:p>
+            <a:r>
+              <a:rPr kumimoji="1" lang="en-US" altLang="zh-CN" sz="2800" dirty="0">
+                <a:latin typeface="Optima" panose="02000503060000020004" pitchFamily="2" charset="0"/>
+                <a:ea typeface="KaiTi" panose="02010609060101010101" pitchFamily="49" charset="-122"/>
+              </a:rPr>
+              <a:t>UDP</a:t>
+            </a:r>
+            <a:endParaRPr kumimoji="1" lang="zh-CN" altLang="en-US" sz="2800" dirty="0">
+              <a:latin typeface="Optima" panose="02000503060000020004" pitchFamily="2" charset="0"/>
+              <a:ea typeface="KaiTi" panose="02010609060101010101" pitchFamily="49" charset="-122"/>
+            </a:endParaRPr>
+          </a:p>
+        </p:txBody>
+      </p:sp>
     </p:spTree>
     <p:extLst>
       <p:ext uri="{BB962C8B-B14F-4D97-AF65-F5344CB8AC3E}">
@@ -17248,6 +17887,48 @@
           <a:chExt cx="0" cy="0"/>
         </a:xfrm>
       </p:grpSpPr>
+      <p:sp>
+        <p:nvSpPr>
+          <p:cNvPr id="2" name="文本框 1">
+            <a:extLst>
+              <a:ext uri="{FF2B5EF4-FFF2-40B4-BE49-F238E27FC236}">
+                <a16:creationId xmlns:a16="http://schemas.microsoft.com/office/drawing/2014/main" id="{3B715A6C-AA2E-4F4D-A7D3-3BF6E64BB70D}"/>
+              </a:ext>
+            </a:extLst>
+          </p:cNvPr>
+          <p:cNvSpPr txBox="1"/>
+          <p:nvPr/>
+        </p:nvSpPr>
+        <p:spPr>
+          <a:xfrm>
+            <a:off x="0" y="0"/>
+            <a:ext cx="942887" cy="523220"/>
+          </a:xfrm>
+          <a:prstGeom prst="rect">
+            <a:avLst/>
+          </a:prstGeom>
+          <a:noFill/>
+        </p:spPr>
+        <p:txBody>
+          <a:bodyPr wrap="none" rtlCol="0">
+            <a:spAutoFit/>
+          </a:bodyPr>
+          <a:lstStyle/>
+          <a:p>
+            <a:r>
+              <a:rPr kumimoji="1" lang="en-US" altLang="zh-CN" sz="2800" dirty="0">
+                <a:latin typeface="Optima" panose="02000503060000020004" pitchFamily="2" charset="0"/>
+                <a:ea typeface="KaiTi" panose="02010609060101010101" pitchFamily="49" charset="-122"/>
+              </a:rPr>
+              <a:t>UDP</a:t>
+            </a:r>
+            <a:endParaRPr kumimoji="1" lang="zh-CN" altLang="en-US" sz="2800" dirty="0">
+              <a:latin typeface="Optima" panose="02000503060000020004" pitchFamily="2" charset="0"/>
+              <a:ea typeface="KaiTi" panose="02010609060101010101" pitchFamily="49" charset="-122"/>
+            </a:endParaRPr>
+          </a:p>
+        </p:txBody>
+      </p:sp>
     </p:spTree>
     <p:extLst>
       <p:ext uri="{BB962C8B-B14F-4D97-AF65-F5344CB8AC3E}">

--- a/TCP:IP 网络编程.pptx
+++ b/TCP:IP 网络编程.pptx
@@ -42,12 +42,32 @@
     <p:sldId id="305" r:id="rId36"/>
     <p:sldId id="300" r:id="rId37"/>
     <p:sldId id="301" r:id="rId38"/>
-    <p:sldId id="302" r:id="rId39"/>
-    <p:sldId id="279" r:id="rId40"/>
-    <p:sldId id="284" r:id="rId41"/>
-    <p:sldId id="285" r:id="rId42"/>
-    <p:sldId id="286" r:id="rId43"/>
-    <p:sldId id="272" r:id="rId44"/>
+    <p:sldId id="306" r:id="rId39"/>
+    <p:sldId id="322" r:id="rId40"/>
+    <p:sldId id="323" r:id="rId41"/>
+    <p:sldId id="325" r:id="rId42"/>
+    <p:sldId id="324" r:id="rId43"/>
+    <p:sldId id="302" r:id="rId44"/>
+    <p:sldId id="279" r:id="rId45"/>
+    <p:sldId id="284" r:id="rId46"/>
+    <p:sldId id="307" r:id="rId47"/>
+    <p:sldId id="308" r:id="rId48"/>
+    <p:sldId id="309" r:id="rId49"/>
+    <p:sldId id="310" r:id="rId50"/>
+    <p:sldId id="311" r:id="rId51"/>
+    <p:sldId id="312" r:id="rId52"/>
+    <p:sldId id="313" r:id="rId53"/>
+    <p:sldId id="314" r:id="rId54"/>
+    <p:sldId id="315" r:id="rId55"/>
+    <p:sldId id="316" r:id="rId56"/>
+    <p:sldId id="317" r:id="rId57"/>
+    <p:sldId id="318" r:id="rId58"/>
+    <p:sldId id="319" r:id="rId59"/>
+    <p:sldId id="320" r:id="rId60"/>
+    <p:sldId id="321" r:id="rId61"/>
+    <p:sldId id="285" r:id="rId62"/>
+    <p:sldId id="286" r:id="rId63"/>
+    <p:sldId id="272" r:id="rId64"/>
   </p:sldIdLst>
   <p:sldSz cx="12192000" cy="6858000"/>
   <p:notesSz cx="6858000" cy="9144000"/>
@@ -285,7 +305,7 @@
           <a:p>
             <a:fld id="{846CE7D5-CF57-46EF-B807-FDD0502418D4}" type="datetimeFigureOut">
               <a:rPr lang="en-US" smtClean="0"/>
-              <a:t>8/14/23</a:t>
+              <a:t>8/15/23</a:t>
             </a:fld>
             <a:endParaRPr lang="en-US"/>
           </a:p>
@@ -455,7 +475,7 @@
           <a:p>
             <a:fld id="{846CE7D5-CF57-46EF-B807-FDD0502418D4}" type="datetimeFigureOut">
               <a:rPr lang="en-US" smtClean="0"/>
-              <a:t>8/14/23</a:t>
+              <a:t>8/15/23</a:t>
             </a:fld>
             <a:endParaRPr lang="en-US"/>
           </a:p>
@@ -635,7 +655,7 @@
           <a:p>
             <a:fld id="{846CE7D5-CF57-46EF-B807-FDD0502418D4}" type="datetimeFigureOut">
               <a:rPr lang="en-US" smtClean="0"/>
-              <a:t>8/14/23</a:t>
+              <a:t>8/15/23</a:t>
             </a:fld>
             <a:endParaRPr lang="en-US"/>
           </a:p>
@@ -805,7 +825,7 @@
           <a:p>
             <a:fld id="{846CE7D5-CF57-46EF-B807-FDD0502418D4}" type="datetimeFigureOut">
               <a:rPr lang="en-US" smtClean="0"/>
-              <a:t>8/14/23</a:t>
+              <a:t>8/15/23</a:t>
             </a:fld>
             <a:endParaRPr lang="en-US"/>
           </a:p>
@@ -1051,7 +1071,7 @@
           <a:p>
             <a:fld id="{846CE7D5-CF57-46EF-B807-FDD0502418D4}" type="datetimeFigureOut">
               <a:rPr lang="en-US" smtClean="0"/>
-              <a:t>8/14/23</a:t>
+              <a:t>8/15/23</a:t>
             </a:fld>
             <a:endParaRPr lang="en-US"/>
           </a:p>
@@ -1283,7 +1303,7 @@
           <a:p>
             <a:fld id="{846CE7D5-CF57-46EF-B807-FDD0502418D4}" type="datetimeFigureOut">
               <a:rPr lang="en-US" smtClean="0"/>
-              <a:t>8/14/23</a:t>
+              <a:t>8/15/23</a:t>
             </a:fld>
             <a:endParaRPr lang="en-US"/>
           </a:p>
@@ -1650,7 +1670,7 @@
           <a:p>
             <a:fld id="{846CE7D5-CF57-46EF-B807-FDD0502418D4}" type="datetimeFigureOut">
               <a:rPr lang="en-US" smtClean="0"/>
-              <a:t>8/14/23</a:t>
+              <a:t>8/15/23</a:t>
             </a:fld>
             <a:endParaRPr lang="en-US"/>
           </a:p>
@@ -1768,7 +1788,7 @@
           <a:p>
             <a:fld id="{846CE7D5-CF57-46EF-B807-FDD0502418D4}" type="datetimeFigureOut">
               <a:rPr lang="en-US" smtClean="0"/>
-              <a:t>8/14/23</a:t>
+              <a:t>8/15/23</a:t>
             </a:fld>
             <a:endParaRPr lang="en-US"/>
           </a:p>
@@ -1863,7 +1883,7 @@
           <a:p>
             <a:fld id="{846CE7D5-CF57-46EF-B807-FDD0502418D4}" type="datetimeFigureOut">
               <a:rPr lang="en-US" smtClean="0"/>
-              <a:t>8/14/23</a:t>
+              <a:t>8/15/23</a:t>
             </a:fld>
             <a:endParaRPr lang="en-US"/>
           </a:p>
@@ -2140,7 +2160,7 @@
           <a:p>
             <a:fld id="{846CE7D5-CF57-46EF-B807-FDD0502418D4}" type="datetimeFigureOut">
               <a:rPr lang="en-US" smtClean="0"/>
-              <a:t>8/14/23</a:t>
+              <a:t>8/15/23</a:t>
             </a:fld>
             <a:endParaRPr lang="en-US"/>
           </a:p>
@@ -2397,7 +2417,7 @@
           <a:p>
             <a:fld id="{846CE7D5-CF57-46EF-B807-FDD0502418D4}" type="datetimeFigureOut">
               <a:rPr lang="en-US" smtClean="0"/>
-              <a:t>8/14/23</a:t>
+              <a:t>8/15/23</a:t>
             </a:fld>
             <a:endParaRPr lang="en-US"/>
           </a:p>
@@ -2610,7 +2630,7 @@
           <a:p>
             <a:fld id="{846CE7D5-CF57-46EF-B807-FDD0502418D4}" type="datetimeFigureOut">
               <a:rPr lang="en-US" smtClean="0"/>
-              <a:t>8/14/23</a:t>
+              <a:t>8/15/23</a:t>
             </a:fld>
             <a:endParaRPr lang="en-US"/>
           </a:p>
@@ -17815,48 +17835,6 @@
           <a:chExt cx="0" cy="0"/>
         </a:xfrm>
       </p:grpSpPr>
-      <p:sp>
-        <p:nvSpPr>
-          <p:cNvPr id="2" name="文本框 1">
-            <a:extLst>
-              <a:ext uri="{FF2B5EF4-FFF2-40B4-BE49-F238E27FC236}">
-                <a16:creationId xmlns:a16="http://schemas.microsoft.com/office/drawing/2014/main" id="{2DEE506B-9CA1-1943-BAAA-F6A5681B3D0E}"/>
-              </a:ext>
-            </a:extLst>
-          </p:cNvPr>
-          <p:cNvSpPr txBox="1"/>
-          <p:nvPr/>
-        </p:nvSpPr>
-        <p:spPr>
-          <a:xfrm>
-            <a:off x="0" y="0"/>
-            <a:ext cx="942887" cy="523220"/>
-          </a:xfrm>
-          <a:prstGeom prst="rect">
-            <a:avLst/>
-          </a:prstGeom>
-          <a:noFill/>
-        </p:spPr>
-        <p:txBody>
-          <a:bodyPr wrap="none" rtlCol="0">
-            <a:spAutoFit/>
-          </a:bodyPr>
-          <a:lstStyle/>
-          <a:p>
-            <a:r>
-              <a:rPr kumimoji="1" lang="en-US" altLang="zh-CN" sz="2800" dirty="0">
-                <a:latin typeface="Optima" panose="02000503060000020004" pitchFamily="2" charset="0"/>
-                <a:ea typeface="KaiTi" panose="02010609060101010101" pitchFamily="49" charset="-122"/>
-              </a:rPr>
-              <a:t>UDP</a:t>
-            </a:r>
-            <a:endParaRPr kumimoji="1" lang="zh-CN" altLang="en-US" sz="2800" dirty="0">
-              <a:latin typeface="Optima" panose="02000503060000020004" pitchFamily="2" charset="0"/>
-              <a:ea typeface="KaiTi" panose="02010609060101010101" pitchFamily="49" charset="-122"/>
-            </a:endParaRPr>
-          </a:p>
-        </p:txBody>
-      </p:sp>
     </p:spTree>
     <p:extLst>
       <p:ext uri="{BB962C8B-B14F-4D97-AF65-F5344CB8AC3E}">
@@ -17889,10 +17867,10 @@
       </p:grpSpPr>
       <p:sp>
         <p:nvSpPr>
-          <p:cNvPr id="2" name="文本框 1">
+          <p:cNvPr id="4" name="文本框 3">
             <a:extLst>
               <a:ext uri="{FF2B5EF4-FFF2-40B4-BE49-F238E27FC236}">
-                <a16:creationId xmlns:a16="http://schemas.microsoft.com/office/drawing/2014/main" id="{3B715A6C-AA2E-4F4D-A7D3-3BF6E64BB70D}"/>
+                <a16:creationId xmlns:a16="http://schemas.microsoft.com/office/drawing/2014/main" id="{7EE1C33A-CBBC-884B-A275-BA706E902614}"/>
               </a:ext>
             </a:extLst>
           </p:cNvPr>
@@ -17901,8 +17879,8 @@
         </p:nvSpPr>
         <p:spPr>
           <a:xfrm>
-            <a:off x="0" y="0"/>
-            <a:ext cx="942887" cy="523220"/>
+            <a:off x="4727676" y="2875002"/>
+            <a:ext cx="2736647" cy="1107996"/>
           </a:xfrm>
           <a:prstGeom prst="rect">
             <a:avLst/>
@@ -17916,23 +17894,19 @@
           <a:lstStyle/>
           <a:p>
             <a:r>
-              <a:rPr kumimoji="1" lang="en-US" altLang="zh-CN" sz="2800" dirty="0">
-                <a:latin typeface="Optima" panose="02000503060000020004" pitchFamily="2" charset="0"/>
-                <a:ea typeface="KaiTi" panose="02010609060101010101" pitchFamily="49" charset="-122"/>
-              </a:rPr>
-              <a:t>UDP</a:t>
-            </a:r>
-            <a:endParaRPr kumimoji="1" lang="zh-CN" altLang="en-US" sz="2800" dirty="0">
-              <a:latin typeface="Optima" panose="02000503060000020004" pitchFamily="2" charset="0"/>
-              <a:ea typeface="KaiTi" panose="02010609060101010101" pitchFamily="49" charset="-122"/>
-            </a:endParaRPr>
+              <a:rPr kumimoji="1" lang="zh-CN" altLang="en-US" sz="6600" b="1" dirty="0">
+                <a:latin typeface="KaiTi" panose="02010609060101010101" pitchFamily="49" charset="-122"/>
+                <a:ea typeface="KaiTi" panose="02010609060101010101" pitchFamily="49" charset="-122"/>
+              </a:rPr>
+              <a:t>第八章</a:t>
+            </a:r>
           </a:p>
         </p:txBody>
       </p:sp>
     </p:spTree>
     <p:extLst>
       <p:ext uri="{BB962C8B-B14F-4D97-AF65-F5344CB8AC3E}">
-        <p14:creationId xmlns:p14="http://schemas.microsoft.com/office/powerpoint/2010/main" val="3044340837"/>
+        <p14:creationId xmlns:p14="http://schemas.microsoft.com/office/powerpoint/2010/main" val="2286186579"/>
       </p:ext>
     </p:extLst>
   </p:cSld>
@@ -17959,10 +17933,968 @@
           <a:chExt cx="0" cy="0"/>
         </a:xfrm>
       </p:grpSpPr>
+      <p:sp>
+        <p:nvSpPr>
+          <p:cNvPr id="2" name="文本框 1">
+            <a:extLst>
+              <a:ext uri="{FF2B5EF4-FFF2-40B4-BE49-F238E27FC236}">
+                <a16:creationId xmlns:a16="http://schemas.microsoft.com/office/drawing/2014/main" id="{74258AE1-7A12-B14F-AAC6-1CAF3C99DF27}"/>
+              </a:ext>
+            </a:extLst>
+          </p:cNvPr>
+          <p:cNvSpPr txBox="1"/>
+          <p:nvPr/>
+        </p:nvSpPr>
+        <p:spPr>
+          <a:xfrm>
+            <a:off x="0" y="0"/>
+            <a:ext cx="922047" cy="523220"/>
+          </a:xfrm>
+          <a:prstGeom prst="rect">
+            <a:avLst/>
+          </a:prstGeom>
+          <a:noFill/>
+        </p:spPr>
+        <p:txBody>
+          <a:bodyPr wrap="none" rtlCol="0">
+            <a:spAutoFit/>
+          </a:bodyPr>
+          <a:lstStyle/>
+          <a:p>
+            <a:r>
+              <a:rPr kumimoji="1" lang="en-US" altLang="zh-CN" sz="2800" dirty="0">
+                <a:latin typeface="Optima" panose="02000503060000020004" pitchFamily="2" charset="0"/>
+                <a:ea typeface="KaiTi" panose="02010609060101010101" pitchFamily="49" charset="-122"/>
+              </a:rPr>
+              <a:t>DNS</a:t>
+            </a:r>
+            <a:endParaRPr kumimoji="1" lang="zh-CN" altLang="en-US" sz="2800" dirty="0">
+              <a:latin typeface="Optima" panose="02000503060000020004" pitchFamily="2" charset="0"/>
+              <a:ea typeface="KaiTi" panose="02010609060101010101" pitchFamily="49" charset="-122"/>
+            </a:endParaRPr>
+          </a:p>
+        </p:txBody>
+      </p:sp>
+      <p:sp>
+        <p:nvSpPr>
+          <p:cNvPr id="3" name="文本框 2">
+            <a:extLst>
+              <a:ext uri="{FF2B5EF4-FFF2-40B4-BE49-F238E27FC236}">
+                <a16:creationId xmlns:a16="http://schemas.microsoft.com/office/drawing/2014/main" id="{BBEA4136-8230-0147-AC65-EADFC5D4F5A7}"/>
+              </a:ext>
+            </a:extLst>
+          </p:cNvPr>
+          <p:cNvSpPr txBox="1"/>
+          <p:nvPr/>
+        </p:nvSpPr>
+        <p:spPr>
+          <a:xfrm>
+            <a:off x="437744" y="642026"/>
+            <a:ext cx="5314275" cy="400110"/>
+          </a:xfrm>
+          <a:prstGeom prst="rect">
+            <a:avLst/>
+          </a:prstGeom>
+          <a:noFill/>
+        </p:spPr>
+        <p:txBody>
+          <a:bodyPr wrap="none" rtlCol="0">
+            <a:spAutoFit/>
+          </a:bodyPr>
+          <a:lstStyle/>
+          <a:p>
+            <a:r>
+              <a:rPr kumimoji="1" lang="en-US" altLang="zh-CN" sz="2000" dirty="0">
+                <a:latin typeface="Optima" panose="02000503060000020004" pitchFamily="2" charset="0"/>
+                <a:ea typeface="KaiTi" panose="02010609060101010101" pitchFamily="49" charset="-122"/>
+              </a:rPr>
+              <a:t>DNS </a:t>
+            </a:r>
+            <a:r>
+              <a:rPr kumimoji="1" lang="zh-CN" altLang="en-US" sz="2000" dirty="0">
+                <a:latin typeface="Optima" panose="02000503060000020004" pitchFamily="2" charset="0"/>
+                <a:ea typeface="KaiTi" panose="02010609060101010101" pitchFamily="49" charset="-122"/>
+              </a:rPr>
+              <a:t>是对</a:t>
+            </a:r>
+            <a:r>
+              <a:rPr kumimoji="1" lang="en-US" altLang="zh-CN" sz="2000" dirty="0">
+                <a:latin typeface="Optima" panose="02000503060000020004" pitchFamily="2" charset="0"/>
+                <a:ea typeface="KaiTi" panose="02010609060101010101" pitchFamily="49" charset="-122"/>
+              </a:rPr>
+              <a:t> IP </a:t>
+            </a:r>
+            <a:r>
+              <a:rPr kumimoji="1" lang="zh-CN" altLang="en-US" sz="2000" dirty="0">
+                <a:latin typeface="Optima" panose="02000503060000020004" pitchFamily="2" charset="0"/>
+                <a:ea typeface="KaiTi" panose="02010609060101010101" pitchFamily="49" charset="-122"/>
+              </a:rPr>
+              <a:t>地址和域名进行相互转换的系统</a:t>
+            </a:r>
+          </a:p>
+        </p:txBody>
+      </p:sp>
+      <p:sp>
+        <p:nvSpPr>
+          <p:cNvPr id="5" name="文本框 4">
+            <a:extLst>
+              <a:ext uri="{FF2B5EF4-FFF2-40B4-BE49-F238E27FC236}">
+                <a16:creationId xmlns:a16="http://schemas.microsoft.com/office/drawing/2014/main" id="{5E20BA73-FB33-3A43-9BFB-AB7B82483C02}"/>
+              </a:ext>
+            </a:extLst>
+          </p:cNvPr>
+          <p:cNvSpPr txBox="1"/>
+          <p:nvPr/>
+        </p:nvSpPr>
+        <p:spPr>
+          <a:xfrm>
+            <a:off x="437744" y="1381487"/>
+            <a:ext cx="6556442" cy="369332"/>
+          </a:xfrm>
+          <a:prstGeom prst="rect">
+            <a:avLst/>
+          </a:prstGeom>
+          <a:noFill/>
+        </p:spPr>
+        <p:txBody>
+          <a:bodyPr wrap="square">
+            <a:spAutoFit/>
+          </a:bodyPr>
+          <a:lstStyle/>
+          <a:p>
+            <a:pPr marL="285750" indent="-285750">
+              <a:buFont typeface="Wingdings" pitchFamily="2" charset="2"/>
+              <a:buChar char="Ø"/>
+            </a:pPr>
+            <a:r>
+              <a:rPr lang="en" altLang="zh-CN" b="0" dirty="0">
+                <a:solidFill>
+                  <a:srgbClr val="0000FF"/>
+                </a:solidFill>
+                <a:effectLst/>
+                <a:latin typeface="Menlo" panose="020B0609030804020204" pitchFamily="49" charset="0"/>
+              </a:rPr>
+              <a:t>struct</a:t>
+            </a:r>
+            <a:r>
+              <a:rPr lang="en" altLang="zh-CN" b="0" dirty="0">
+                <a:solidFill>
+                  <a:srgbClr val="3B3B3B"/>
+                </a:solidFill>
+                <a:effectLst/>
+                <a:latin typeface="Menlo" panose="020B0609030804020204" pitchFamily="49" charset="0"/>
+              </a:rPr>
+              <a:t> </a:t>
+            </a:r>
+            <a:r>
+              <a:rPr lang="en" altLang="zh-CN" b="0" dirty="0" err="1">
+                <a:solidFill>
+                  <a:srgbClr val="267F99"/>
+                </a:solidFill>
+                <a:effectLst/>
+                <a:latin typeface="Menlo" panose="020B0609030804020204" pitchFamily="49" charset="0"/>
+              </a:rPr>
+              <a:t>hostent</a:t>
+            </a:r>
+            <a:r>
+              <a:rPr lang="en" altLang="zh-CN" b="0" dirty="0">
+                <a:solidFill>
+                  <a:srgbClr val="3B3B3B"/>
+                </a:solidFill>
+                <a:effectLst/>
+                <a:latin typeface="Menlo" panose="020B0609030804020204" pitchFamily="49" charset="0"/>
+              </a:rPr>
+              <a:t> </a:t>
+            </a:r>
+            <a:r>
+              <a:rPr lang="en" altLang="zh-CN" b="0" dirty="0">
+                <a:solidFill>
+                  <a:srgbClr val="000000"/>
+                </a:solidFill>
+                <a:effectLst/>
+                <a:latin typeface="Menlo" panose="020B0609030804020204" pitchFamily="49" charset="0"/>
+              </a:rPr>
+              <a:t>*</a:t>
+            </a:r>
+            <a:r>
+              <a:rPr lang="en" altLang="zh-CN" b="0" dirty="0" err="1">
+                <a:solidFill>
+                  <a:srgbClr val="795E26"/>
+                </a:solidFill>
+                <a:effectLst/>
+                <a:latin typeface="Menlo" panose="020B0609030804020204" pitchFamily="49" charset="0"/>
+              </a:rPr>
+              <a:t>gethostbyname</a:t>
+            </a:r>
+            <a:r>
+              <a:rPr lang="en" altLang="zh-CN" b="0" dirty="0">
+                <a:solidFill>
+                  <a:srgbClr val="3B3B3B"/>
+                </a:solidFill>
+                <a:effectLst/>
+                <a:latin typeface="Menlo" panose="020B0609030804020204" pitchFamily="49" charset="0"/>
+              </a:rPr>
+              <a:t>(</a:t>
+            </a:r>
+            <a:r>
+              <a:rPr lang="en" altLang="zh-CN" b="0" dirty="0">
+                <a:solidFill>
+                  <a:srgbClr val="0000FF"/>
+                </a:solidFill>
+                <a:effectLst/>
+                <a:latin typeface="Menlo" panose="020B0609030804020204" pitchFamily="49" charset="0"/>
+              </a:rPr>
+              <a:t>const</a:t>
+            </a:r>
+            <a:r>
+              <a:rPr lang="en" altLang="zh-CN" b="0" dirty="0">
+                <a:solidFill>
+                  <a:srgbClr val="3B3B3B"/>
+                </a:solidFill>
+                <a:effectLst/>
+                <a:latin typeface="Menlo" panose="020B0609030804020204" pitchFamily="49" charset="0"/>
+              </a:rPr>
+              <a:t> </a:t>
+            </a:r>
+            <a:r>
+              <a:rPr lang="en" altLang="zh-CN" b="0" dirty="0">
+                <a:solidFill>
+                  <a:srgbClr val="0000FF"/>
+                </a:solidFill>
+                <a:effectLst/>
+                <a:latin typeface="Menlo" panose="020B0609030804020204" pitchFamily="49" charset="0"/>
+              </a:rPr>
+              <a:t>char</a:t>
+            </a:r>
+            <a:r>
+              <a:rPr lang="en" altLang="zh-CN" b="0" dirty="0">
+                <a:solidFill>
+                  <a:srgbClr val="3B3B3B"/>
+                </a:solidFill>
+                <a:effectLst/>
+                <a:latin typeface="Menlo" panose="020B0609030804020204" pitchFamily="49" charset="0"/>
+              </a:rPr>
+              <a:t> </a:t>
+            </a:r>
+            <a:r>
+              <a:rPr lang="en" altLang="zh-CN" b="0" dirty="0">
+                <a:solidFill>
+                  <a:srgbClr val="000000"/>
+                </a:solidFill>
+                <a:effectLst/>
+                <a:latin typeface="Menlo" panose="020B0609030804020204" pitchFamily="49" charset="0"/>
+              </a:rPr>
+              <a:t>*</a:t>
+            </a:r>
+            <a:r>
+              <a:rPr lang="en" altLang="zh-CN" b="0" dirty="0">
+                <a:solidFill>
+                  <a:srgbClr val="3B3B3B"/>
+                </a:solidFill>
+                <a:effectLst/>
+                <a:latin typeface="Menlo" panose="020B0609030804020204" pitchFamily="49" charset="0"/>
+              </a:rPr>
+              <a:t>);</a:t>
+            </a:r>
+          </a:p>
+        </p:txBody>
+      </p:sp>
+      <p:pic>
+        <p:nvPicPr>
+          <p:cNvPr id="8" name="图片 7">
+            <a:extLst>
+              <a:ext uri="{FF2B5EF4-FFF2-40B4-BE49-F238E27FC236}">
+                <a16:creationId xmlns:a16="http://schemas.microsoft.com/office/drawing/2014/main" id="{13E252AB-75E5-7448-9B86-7EB851B122FC}"/>
+              </a:ext>
+            </a:extLst>
+          </p:cNvPr>
+          <p:cNvPicPr>
+            <a:picLocks noChangeAspect="1"/>
+          </p:cNvPicPr>
+          <p:nvPr/>
+        </p:nvPicPr>
+        <p:blipFill>
+          <a:blip r:embed="rId2"/>
+          <a:stretch>
+            <a:fillRect/>
+          </a:stretch>
+        </p:blipFill>
+        <p:spPr>
+          <a:xfrm>
+            <a:off x="7084519" y="1780080"/>
+            <a:ext cx="4801112" cy="4221804"/>
+          </a:xfrm>
+          <a:prstGeom prst="rect">
+            <a:avLst/>
+          </a:prstGeom>
+        </p:spPr>
+      </p:pic>
+      <p:sp>
+        <p:nvSpPr>
+          <p:cNvPr id="9" name="文本框 8">
+            <a:extLst>
+              <a:ext uri="{FF2B5EF4-FFF2-40B4-BE49-F238E27FC236}">
+                <a16:creationId xmlns:a16="http://schemas.microsoft.com/office/drawing/2014/main" id="{C190B916-791A-A845-8B2D-84FC9D58E0F4}"/>
+              </a:ext>
+            </a:extLst>
+          </p:cNvPr>
+          <p:cNvSpPr txBox="1"/>
+          <p:nvPr/>
+        </p:nvSpPr>
+        <p:spPr>
+          <a:xfrm>
+            <a:off x="963038" y="1897054"/>
+            <a:ext cx="4891083" cy="2862322"/>
+          </a:xfrm>
+          <a:prstGeom prst="rect">
+            <a:avLst/>
+          </a:prstGeom>
+          <a:noFill/>
+        </p:spPr>
+        <p:txBody>
+          <a:bodyPr wrap="none" rtlCol="0">
+            <a:spAutoFit/>
+          </a:bodyPr>
+          <a:lstStyle/>
+          <a:p>
+            <a:pPr marL="342900" indent="-342900">
+              <a:buFont typeface="Wingdings" pitchFamily="2" charset="2"/>
+              <a:buChar char="ü"/>
+            </a:pPr>
+            <a:r>
+              <a:rPr kumimoji="1" lang="zh-CN" altLang="en-US" sz="2000" dirty="0">
+                <a:latin typeface="Optima" panose="02000503060000020004" pitchFamily="2" charset="0"/>
+                <a:ea typeface="KaiTi" panose="02010609060101010101" pitchFamily="49" charset="-122"/>
+              </a:rPr>
+              <a:t>输入域名，返回包含域名信息的结构体</a:t>
+            </a:r>
+            <a:endParaRPr kumimoji="1" lang="en-US" altLang="zh-CN" sz="2000" dirty="0">
+              <a:latin typeface="Optima" panose="02000503060000020004" pitchFamily="2" charset="0"/>
+              <a:ea typeface="KaiTi" panose="02010609060101010101" pitchFamily="49" charset="-122"/>
+            </a:endParaRPr>
+          </a:p>
+          <a:p>
+            <a:pPr marL="342900" indent="-342900">
+              <a:buFont typeface="Wingdings" pitchFamily="2" charset="2"/>
+              <a:buChar char="ü"/>
+            </a:pPr>
+            <a:endParaRPr kumimoji="1" lang="en-US" altLang="zh-CN" sz="2000" b="0" dirty="0">
+              <a:solidFill>
+                <a:srgbClr val="0000FF"/>
+              </a:solidFill>
+              <a:effectLst/>
+              <a:latin typeface="Optima" panose="02000503060000020004" pitchFamily="2" charset="0"/>
+              <a:ea typeface="KaiTi" panose="02010609060101010101" pitchFamily="49" charset="-122"/>
+            </a:endParaRPr>
+          </a:p>
+          <a:p>
+            <a:pPr marL="342900" indent="-342900">
+              <a:buFont typeface="Wingdings" pitchFamily="2" charset="2"/>
+              <a:buChar char="ü"/>
+            </a:pPr>
+            <a:r>
+              <a:rPr lang="en" altLang="zh-CN" sz="2000" b="0" dirty="0">
+                <a:solidFill>
+                  <a:srgbClr val="0000FF"/>
+                </a:solidFill>
+                <a:effectLst/>
+                <a:latin typeface="Menlo" panose="020B0609030804020204" pitchFamily="49" charset="0"/>
+              </a:rPr>
+              <a:t>struct</a:t>
+            </a:r>
+            <a:r>
+              <a:rPr lang="en" altLang="zh-CN" sz="2000" b="0" dirty="0">
+                <a:solidFill>
+                  <a:srgbClr val="3B3B3B"/>
+                </a:solidFill>
+                <a:effectLst/>
+                <a:latin typeface="Menlo" panose="020B0609030804020204" pitchFamily="49" charset="0"/>
+              </a:rPr>
+              <a:t> </a:t>
+            </a:r>
+            <a:r>
+              <a:rPr lang="en" altLang="zh-CN" sz="2000" b="0" dirty="0" err="1">
+                <a:solidFill>
+                  <a:srgbClr val="267F99"/>
+                </a:solidFill>
+                <a:effectLst/>
+                <a:latin typeface="Menlo" panose="020B0609030804020204" pitchFamily="49" charset="0"/>
+              </a:rPr>
+              <a:t>hostent</a:t>
+            </a:r>
+            <a:r>
+              <a:rPr lang="en" altLang="zh-CN" sz="2000" b="0" dirty="0">
+                <a:solidFill>
+                  <a:srgbClr val="3B3B3B"/>
+                </a:solidFill>
+                <a:effectLst/>
+                <a:latin typeface="Menlo" panose="020B0609030804020204" pitchFamily="49" charset="0"/>
+              </a:rPr>
+              <a:t> {</a:t>
+            </a:r>
+          </a:p>
+          <a:p>
+            <a:r>
+              <a:rPr lang="en" altLang="zh-CN" sz="2000" b="0" dirty="0">
+                <a:solidFill>
+                  <a:srgbClr val="0000FF"/>
+                </a:solidFill>
+                <a:effectLst/>
+                <a:latin typeface="Menlo" panose="020B0609030804020204" pitchFamily="49" charset="0"/>
+              </a:rPr>
+              <a:t>	char</a:t>
+            </a:r>
+            <a:r>
+              <a:rPr lang="en" altLang="zh-CN" sz="2000" b="0" dirty="0">
+                <a:solidFill>
+                  <a:srgbClr val="3B3B3B"/>
+                </a:solidFill>
+                <a:effectLst/>
+                <a:latin typeface="Menlo" panose="020B0609030804020204" pitchFamily="49" charset="0"/>
+              </a:rPr>
+              <a:t> </a:t>
+            </a:r>
+            <a:r>
+              <a:rPr lang="en" altLang="zh-CN" sz="2000" b="0" dirty="0">
+                <a:solidFill>
+                  <a:srgbClr val="000000"/>
+                </a:solidFill>
+                <a:effectLst/>
+                <a:latin typeface="Menlo" panose="020B0609030804020204" pitchFamily="49" charset="0"/>
+              </a:rPr>
+              <a:t>*</a:t>
+            </a:r>
+            <a:r>
+              <a:rPr lang="en" altLang="zh-CN" sz="2000" b="0" dirty="0" err="1">
+                <a:solidFill>
+                  <a:srgbClr val="001080"/>
+                </a:solidFill>
+                <a:effectLst/>
+                <a:latin typeface="Menlo" panose="020B0609030804020204" pitchFamily="49" charset="0"/>
+              </a:rPr>
+              <a:t>h_name</a:t>
+            </a:r>
+            <a:r>
+              <a:rPr lang="en" altLang="zh-CN" sz="2000" b="0" dirty="0">
+                <a:solidFill>
+                  <a:srgbClr val="3B3B3B"/>
+                </a:solidFill>
+                <a:effectLst/>
+                <a:latin typeface="Menlo" panose="020B0609030804020204" pitchFamily="49" charset="0"/>
+              </a:rPr>
+              <a:t>;</a:t>
+            </a:r>
+            <a:r>
+              <a:rPr lang="en" altLang="zh-CN" sz="2000" b="0" dirty="0">
+                <a:solidFill>
+                  <a:srgbClr val="008000"/>
+                </a:solidFill>
+                <a:effectLst/>
+                <a:latin typeface="Menlo" panose="020B0609030804020204" pitchFamily="49" charset="0"/>
+              </a:rPr>
+              <a:t> </a:t>
+            </a:r>
+          </a:p>
+          <a:p>
+            <a:r>
+              <a:rPr lang="en" altLang="zh-CN" sz="2000" b="0" dirty="0">
+                <a:solidFill>
+                  <a:srgbClr val="0000FF"/>
+                </a:solidFill>
+                <a:effectLst/>
+                <a:latin typeface="Menlo" panose="020B0609030804020204" pitchFamily="49" charset="0"/>
+              </a:rPr>
+              <a:t>	char</a:t>
+            </a:r>
+            <a:r>
+              <a:rPr lang="en" altLang="zh-CN" sz="2000" b="0" dirty="0">
+                <a:solidFill>
+                  <a:srgbClr val="3B3B3B"/>
+                </a:solidFill>
+                <a:effectLst/>
+                <a:latin typeface="Menlo" panose="020B0609030804020204" pitchFamily="49" charset="0"/>
+              </a:rPr>
+              <a:t> </a:t>
+            </a:r>
+            <a:r>
+              <a:rPr lang="en" altLang="zh-CN" sz="2000" b="0" dirty="0">
+                <a:solidFill>
+                  <a:srgbClr val="000000"/>
+                </a:solidFill>
+                <a:effectLst/>
+                <a:latin typeface="Menlo" panose="020B0609030804020204" pitchFamily="49" charset="0"/>
+              </a:rPr>
+              <a:t>**</a:t>
+            </a:r>
+            <a:r>
+              <a:rPr lang="en" altLang="zh-CN" sz="2000" b="0" dirty="0" err="1">
+                <a:solidFill>
+                  <a:srgbClr val="001080"/>
+                </a:solidFill>
+                <a:effectLst/>
+                <a:latin typeface="Menlo" panose="020B0609030804020204" pitchFamily="49" charset="0"/>
+              </a:rPr>
+              <a:t>h_aliases</a:t>
+            </a:r>
+            <a:r>
+              <a:rPr lang="en" altLang="zh-CN" sz="2000" b="0" dirty="0">
+                <a:solidFill>
+                  <a:srgbClr val="3B3B3B"/>
+                </a:solidFill>
+                <a:effectLst/>
+                <a:latin typeface="Menlo" panose="020B0609030804020204" pitchFamily="49" charset="0"/>
+              </a:rPr>
+              <a:t>;</a:t>
+            </a:r>
+            <a:r>
+              <a:rPr lang="en" altLang="zh-CN" sz="2000" b="0" dirty="0">
+                <a:solidFill>
+                  <a:srgbClr val="008000"/>
+                </a:solidFill>
+                <a:effectLst/>
+                <a:latin typeface="Menlo" panose="020B0609030804020204" pitchFamily="49" charset="0"/>
+              </a:rPr>
+              <a:t> </a:t>
+            </a:r>
+          </a:p>
+          <a:p>
+            <a:pPr lvl="2"/>
+            <a:r>
+              <a:rPr lang="en" altLang="zh-CN" sz="2000" b="0" dirty="0">
+                <a:solidFill>
+                  <a:srgbClr val="0000FF"/>
+                </a:solidFill>
+                <a:effectLst/>
+                <a:latin typeface="Menlo" panose="020B0609030804020204" pitchFamily="49" charset="0"/>
+              </a:rPr>
+              <a:t>int</a:t>
+            </a:r>
+            <a:r>
+              <a:rPr lang="en" altLang="zh-CN" sz="2000" b="0" dirty="0">
+                <a:solidFill>
+                  <a:srgbClr val="3B3B3B"/>
+                </a:solidFill>
+                <a:effectLst/>
+                <a:latin typeface="Menlo" panose="020B0609030804020204" pitchFamily="49" charset="0"/>
+              </a:rPr>
+              <a:t> </a:t>
+            </a:r>
+            <a:r>
+              <a:rPr lang="en" altLang="zh-CN" sz="2000" b="0" dirty="0" err="1">
+                <a:solidFill>
+                  <a:srgbClr val="001080"/>
+                </a:solidFill>
+                <a:effectLst/>
+                <a:latin typeface="Menlo" panose="020B0609030804020204" pitchFamily="49" charset="0"/>
+              </a:rPr>
+              <a:t>h_addrtype</a:t>
+            </a:r>
+            <a:r>
+              <a:rPr lang="en" altLang="zh-CN" sz="2000" b="0" dirty="0">
+                <a:solidFill>
+                  <a:srgbClr val="3B3B3B"/>
+                </a:solidFill>
+                <a:effectLst/>
+                <a:latin typeface="Menlo" panose="020B0609030804020204" pitchFamily="49" charset="0"/>
+              </a:rPr>
+              <a:t>;</a:t>
+            </a:r>
+            <a:r>
+              <a:rPr lang="en" altLang="zh-CN" sz="2000" b="0" dirty="0">
+                <a:solidFill>
+                  <a:srgbClr val="008000"/>
+                </a:solidFill>
+                <a:effectLst/>
+                <a:latin typeface="Menlo" panose="020B0609030804020204" pitchFamily="49" charset="0"/>
+              </a:rPr>
+              <a:t> </a:t>
+            </a:r>
+          </a:p>
+          <a:p>
+            <a:pPr lvl="2"/>
+            <a:r>
+              <a:rPr lang="en" altLang="zh-CN" sz="2000" b="0" dirty="0">
+                <a:solidFill>
+                  <a:srgbClr val="0000FF"/>
+                </a:solidFill>
+                <a:effectLst/>
+                <a:latin typeface="Menlo" panose="020B0609030804020204" pitchFamily="49" charset="0"/>
+              </a:rPr>
+              <a:t>int</a:t>
+            </a:r>
+            <a:r>
+              <a:rPr lang="en" altLang="zh-CN" sz="2000" b="0" dirty="0">
+                <a:solidFill>
+                  <a:srgbClr val="3B3B3B"/>
+                </a:solidFill>
+                <a:effectLst/>
+                <a:latin typeface="Menlo" panose="020B0609030804020204" pitchFamily="49" charset="0"/>
+              </a:rPr>
+              <a:t> </a:t>
+            </a:r>
+            <a:r>
+              <a:rPr lang="en" altLang="zh-CN" sz="2000" b="0" dirty="0" err="1">
+                <a:solidFill>
+                  <a:srgbClr val="001080"/>
+                </a:solidFill>
+                <a:effectLst/>
+                <a:latin typeface="Menlo" panose="020B0609030804020204" pitchFamily="49" charset="0"/>
+              </a:rPr>
+              <a:t>h_length</a:t>
+            </a:r>
+            <a:r>
+              <a:rPr lang="en" altLang="zh-CN" sz="2000" b="0" dirty="0">
+                <a:solidFill>
+                  <a:srgbClr val="3B3B3B"/>
+                </a:solidFill>
+                <a:effectLst/>
+                <a:latin typeface="Menlo" panose="020B0609030804020204" pitchFamily="49" charset="0"/>
+              </a:rPr>
+              <a:t>;</a:t>
+            </a:r>
+            <a:r>
+              <a:rPr lang="en" altLang="zh-CN" sz="2000" b="0" dirty="0">
+                <a:solidFill>
+                  <a:srgbClr val="008000"/>
+                </a:solidFill>
+                <a:effectLst/>
+                <a:latin typeface="Menlo" panose="020B0609030804020204" pitchFamily="49" charset="0"/>
+              </a:rPr>
+              <a:t> </a:t>
+            </a:r>
+          </a:p>
+          <a:p>
+            <a:pPr lvl="2"/>
+            <a:r>
+              <a:rPr lang="en" altLang="zh-CN" sz="2000" b="0" dirty="0">
+                <a:solidFill>
+                  <a:srgbClr val="0000FF"/>
+                </a:solidFill>
+                <a:effectLst/>
+                <a:latin typeface="Menlo" panose="020B0609030804020204" pitchFamily="49" charset="0"/>
+              </a:rPr>
+              <a:t>char</a:t>
+            </a:r>
+            <a:r>
+              <a:rPr lang="en" altLang="zh-CN" sz="2000" b="0" dirty="0">
+                <a:solidFill>
+                  <a:srgbClr val="3B3B3B"/>
+                </a:solidFill>
+                <a:effectLst/>
+                <a:latin typeface="Menlo" panose="020B0609030804020204" pitchFamily="49" charset="0"/>
+              </a:rPr>
+              <a:t> </a:t>
+            </a:r>
+            <a:r>
+              <a:rPr lang="en" altLang="zh-CN" sz="2000" b="0" dirty="0">
+                <a:solidFill>
+                  <a:srgbClr val="000000"/>
+                </a:solidFill>
+                <a:effectLst/>
+                <a:latin typeface="Menlo" panose="020B0609030804020204" pitchFamily="49" charset="0"/>
+              </a:rPr>
+              <a:t>**</a:t>
+            </a:r>
+            <a:r>
+              <a:rPr lang="en" altLang="zh-CN" sz="2000" b="0" dirty="0" err="1">
+                <a:solidFill>
+                  <a:srgbClr val="001080"/>
+                </a:solidFill>
+                <a:effectLst/>
+                <a:latin typeface="Menlo" panose="020B0609030804020204" pitchFamily="49" charset="0"/>
+              </a:rPr>
+              <a:t>h_addr_list</a:t>
+            </a:r>
+            <a:r>
+              <a:rPr lang="en" altLang="zh-CN" sz="2000" b="0" dirty="0">
+                <a:solidFill>
+                  <a:srgbClr val="3B3B3B"/>
+                </a:solidFill>
+                <a:effectLst/>
+                <a:latin typeface="Menlo" panose="020B0609030804020204" pitchFamily="49" charset="0"/>
+              </a:rPr>
+              <a:t>;</a:t>
+            </a:r>
+          </a:p>
+          <a:p>
+            <a:r>
+              <a:rPr lang="en" altLang="zh-CN" sz="2000" b="0" dirty="0">
+                <a:solidFill>
+                  <a:srgbClr val="3B3B3B"/>
+                </a:solidFill>
+                <a:effectLst/>
+                <a:latin typeface="Menlo" panose="020B0609030804020204" pitchFamily="49" charset="0"/>
+              </a:rPr>
+              <a:t>	};</a:t>
+            </a:r>
+          </a:p>
+        </p:txBody>
+      </p:sp>
+      <p:sp>
+        <p:nvSpPr>
+          <p:cNvPr id="11" name="文本框 10">
+            <a:extLst>
+              <a:ext uri="{FF2B5EF4-FFF2-40B4-BE49-F238E27FC236}">
+                <a16:creationId xmlns:a16="http://schemas.microsoft.com/office/drawing/2014/main" id="{2719E564-0DD5-4C41-83E9-C48F588E47E5}"/>
+              </a:ext>
+            </a:extLst>
+          </p:cNvPr>
+          <p:cNvSpPr txBox="1"/>
+          <p:nvPr/>
+        </p:nvSpPr>
+        <p:spPr>
+          <a:xfrm>
+            <a:off x="523212" y="5077920"/>
+            <a:ext cx="6162472" cy="646331"/>
+          </a:xfrm>
+          <a:prstGeom prst="rect">
+            <a:avLst/>
+          </a:prstGeom>
+          <a:noFill/>
+        </p:spPr>
+        <p:txBody>
+          <a:bodyPr wrap="square">
+            <a:spAutoFit/>
+          </a:bodyPr>
+          <a:lstStyle/>
+          <a:p>
+            <a:pPr marL="285750" indent="-285750">
+              <a:buFont typeface="Wingdings" pitchFamily="2" charset="2"/>
+              <a:buChar char="Ø"/>
+            </a:pPr>
+            <a:r>
+              <a:rPr lang="en" altLang="zh-CN" b="0" dirty="0">
+                <a:solidFill>
+                  <a:srgbClr val="0000FF"/>
+                </a:solidFill>
+                <a:effectLst/>
+                <a:latin typeface="Menlo" panose="020B0609030804020204" pitchFamily="49" charset="0"/>
+              </a:rPr>
+              <a:t>struct</a:t>
+            </a:r>
+            <a:r>
+              <a:rPr lang="en" altLang="zh-CN" b="0" dirty="0">
+                <a:solidFill>
+                  <a:srgbClr val="3B3B3B"/>
+                </a:solidFill>
+                <a:effectLst/>
+                <a:latin typeface="Menlo" panose="020B0609030804020204" pitchFamily="49" charset="0"/>
+              </a:rPr>
+              <a:t> </a:t>
+            </a:r>
+            <a:r>
+              <a:rPr lang="en" altLang="zh-CN" b="0" dirty="0" err="1">
+                <a:solidFill>
+                  <a:srgbClr val="267F99"/>
+                </a:solidFill>
+                <a:effectLst/>
+                <a:latin typeface="Menlo" panose="020B0609030804020204" pitchFamily="49" charset="0"/>
+              </a:rPr>
+              <a:t>hostent</a:t>
+            </a:r>
+            <a:r>
+              <a:rPr lang="en" altLang="zh-CN" b="0" dirty="0">
+                <a:solidFill>
+                  <a:srgbClr val="3B3B3B"/>
+                </a:solidFill>
+                <a:effectLst/>
+                <a:latin typeface="Menlo" panose="020B0609030804020204" pitchFamily="49" charset="0"/>
+              </a:rPr>
+              <a:t> </a:t>
+            </a:r>
+            <a:r>
+              <a:rPr lang="en" altLang="zh-CN" b="0" dirty="0">
+                <a:solidFill>
+                  <a:srgbClr val="000000"/>
+                </a:solidFill>
+                <a:effectLst/>
+                <a:latin typeface="Menlo" panose="020B0609030804020204" pitchFamily="49" charset="0"/>
+              </a:rPr>
+              <a:t>*</a:t>
+            </a:r>
+            <a:r>
+              <a:rPr lang="en" altLang="zh-CN" b="0" dirty="0" err="1">
+                <a:solidFill>
+                  <a:srgbClr val="795E26"/>
+                </a:solidFill>
+                <a:effectLst/>
+                <a:latin typeface="Menlo" panose="020B0609030804020204" pitchFamily="49" charset="0"/>
+              </a:rPr>
+              <a:t>gethostbyaddr</a:t>
+            </a:r>
+            <a:r>
+              <a:rPr lang="en" altLang="zh-CN" b="0" dirty="0">
+                <a:solidFill>
+                  <a:srgbClr val="3B3B3B"/>
+                </a:solidFill>
+                <a:effectLst/>
+                <a:latin typeface="Menlo" panose="020B0609030804020204" pitchFamily="49" charset="0"/>
+              </a:rPr>
+              <a:t>(</a:t>
+            </a:r>
+            <a:r>
+              <a:rPr lang="en" altLang="zh-CN" b="0" dirty="0">
+                <a:solidFill>
+                  <a:srgbClr val="0000FF"/>
+                </a:solidFill>
+                <a:effectLst/>
+                <a:latin typeface="Menlo" panose="020B0609030804020204" pitchFamily="49" charset="0"/>
+              </a:rPr>
+              <a:t>const</a:t>
+            </a:r>
+            <a:r>
+              <a:rPr lang="en" altLang="zh-CN" b="0" dirty="0">
+                <a:solidFill>
+                  <a:srgbClr val="3B3B3B"/>
+                </a:solidFill>
+                <a:effectLst/>
+                <a:latin typeface="Menlo" panose="020B0609030804020204" pitchFamily="49" charset="0"/>
+              </a:rPr>
+              <a:t> </a:t>
+            </a:r>
+            <a:r>
+              <a:rPr lang="en" altLang="zh-CN" b="0" dirty="0">
+                <a:solidFill>
+                  <a:srgbClr val="0000FF"/>
+                </a:solidFill>
+                <a:effectLst/>
+                <a:latin typeface="Menlo" panose="020B0609030804020204" pitchFamily="49" charset="0"/>
+              </a:rPr>
+              <a:t>void</a:t>
+            </a:r>
+            <a:r>
+              <a:rPr lang="en" altLang="zh-CN" b="0" dirty="0">
+                <a:solidFill>
+                  <a:srgbClr val="3B3B3B"/>
+                </a:solidFill>
+                <a:effectLst/>
+                <a:latin typeface="Menlo" panose="020B0609030804020204" pitchFamily="49" charset="0"/>
+              </a:rPr>
+              <a:t> </a:t>
+            </a:r>
+            <a:r>
+              <a:rPr lang="en" altLang="zh-CN" b="0" dirty="0">
+                <a:solidFill>
+                  <a:srgbClr val="000000"/>
+                </a:solidFill>
+                <a:effectLst/>
+                <a:latin typeface="Menlo" panose="020B0609030804020204" pitchFamily="49" charset="0"/>
+              </a:rPr>
+              <a:t>*</a:t>
+            </a:r>
+            <a:r>
+              <a:rPr lang="en" altLang="zh-CN" b="0" dirty="0">
+                <a:solidFill>
+                  <a:srgbClr val="3B3B3B"/>
+                </a:solidFill>
+                <a:effectLst/>
+                <a:latin typeface="Menlo" panose="020B0609030804020204" pitchFamily="49" charset="0"/>
+              </a:rPr>
+              <a:t>, </a:t>
+            </a:r>
+            <a:r>
+              <a:rPr lang="en" altLang="zh-CN" b="0" dirty="0" err="1">
+                <a:solidFill>
+                  <a:srgbClr val="267F99"/>
+                </a:solidFill>
+                <a:effectLst/>
+                <a:latin typeface="Menlo" panose="020B0609030804020204" pitchFamily="49" charset="0"/>
+              </a:rPr>
+              <a:t>socklen_t</a:t>
+            </a:r>
+            <a:r>
+              <a:rPr lang="en" altLang="zh-CN" b="0" dirty="0">
+                <a:solidFill>
+                  <a:srgbClr val="3B3B3B"/>
+                </a:solidFill>
+                <a:effectLst/>
+                <a:latin typeface="Menlo" panose="020B0609030804020204" pitchFamily="49" charset="0"/>
+              </a:rPr>
+              <a:t>, </a:t>
+            </a:r>
+            <a:r>
+              <a:rPr lang="en" altLang="zh-CN" b="0" dirty="0">
+                <a:solidFill>
+                  <a:srgbClr val="0000FF"/>
+                </a:solidFill>
+                <a:effectLst/>
+                <a:latin typeface="Menlo" panose="020B0609030804020204" pitchFamily="49" charset="0"/>
+              </a:rPr>
+              <a:t>int</a:t>
+            </a:r>
+            <a:r>
+              <a:rPr lang="en" altLang="zh-CN" b="0" dirty="0">
+                <a:solidFill>
+                  <a:srgbClr val="3B3B3B"/>
+                </a:solidFill>
+                <a:effectLst/>
+                <a:latin typeface="Menlo" panose="020B0609030804020204" pitchFamily="49" charset="0"/>
+              </a:rPr>
+              <a:t>);</a:t>
+            </a:r>
+          </a:p>
+        </p:txBody>
+      </p:sp>
+      <p:sp>
+        <p:nvSpPr>
+          <p:cNvPr id="12" name="文本框 11">
+            <a:extLst>
+              <a:ext uri="{FF2B5EF4-FFF2-40B4-BE49-F238E27FC236}">
+                <a16:creationId xmlns:a16="http://schemas.microsoft.com/office/drawing/2014/main" id="{652ED924-6C55-6F42-A9D6-B680A561733B}"/>
+              </a:ext>
+            </a:extLst>
+          </p:cNvPr>
+          <p:cNvSpPr txBox="1"/>
+          <p:nvPr/>
+        </p:nvSpPr>
+        <p:spPr>
+          <a:xfrm>
+            <a:off x="963037" y="5934192"/>
+            <a:ext cx="5245347" cy="400110"/>
+          </a:xfrm>
+          <a:prstGeom prst="rect">
+            <a:avLst/>
+          </a:prstGeom>
+          <a:noFill/>
+        </p:spPr>
+        <p:txBody>
+          <a:bodyPr wrap="none" rtlCol="0">
+            <a:spAutoFit/>
+          </a:bodyPr>
+          <a:lstStyle/>
+          <a:p>
+            <a:pPr marL="342900" indent="-342900">
+              <a:buFont typeface="Wingdings" pitchFamily="2" charset="2"/>
+              <a:buChar char="ü"/>
+            </a:pPr>
+            <a:r>
+              <a:rPr kumimoji="1" lang="zh-CN" altLang="en-US" sz="2000" dirty="0">
+                <a:latin typeface="Optima" panose="02000503060000020004" pitchFamily="2" charset="0"/>
+                <a:ea typeface="KaiTi" panose="02010609060101010101" pitchFamily="49" charset="-122"/>
+              </a:rPr>
+              <a:t>输入</a:t>
+            </a:r>
+            <a:r>
+              <a:rPr kumimoji="1" lang="en-US" altLang="zh-CN" sz="2000" dirty="0">
+                <a:latin typeface="Optima" panose="02000503060000020004" pitchFamily="2" charset="0"/>
+                <a:ea typeface="KaiTi" panose="02010609060101010101" pitchFamily="49" charset="-122"/>
+              </a:rPr>
+              <a:t> IP </a:t>
+            </a:r>
+            <a:r>
+              <a:rPr kumimoji="1" lang="zh-CN" altLang="en-US" sz="2000" dirty="0">
+                <a:latin typeface="Optima" panose="02000503060000020004" pitchFamily="2" charset="0"/>
+                <a:ea typeface="KaiTi" panose="02010609060101010101" pitchFamily="49" charset="-122"/>
+              </a:rPr>
+              <a:t>地址，返回包含域名信息的结构体</a:t>
+            </a:r>
+          </a:p>
+        </p:txBody>
+      </p:sp>
     </p:spTree>
     <p:extLst>
       <p:ext uri="{BB962C8B-B14F-4D97-AF65-F5344CB8AC3E}">
-        <p14:creationId xmlns:p14="http://schemas.microsoft.com/office/powerpoint/2010/main" val="1433265735"/>
+        <p14:creationId xmlns:p14="http://schemas.microsoft.com/office/powerpoint/2010/main" val="484711028"/>
       </p:ext>
     </p:extLst>
   </p:cSld>
@@ -18054,7 +18986,7 @@
     </p:spTree>
     <p:extLst>
       <p:ext uri="{BB962C8B-B14F-4D97-AF65-F5344CB8AC3E}">
-        <p14:creationId xmlns:p14="http://schemas.microsoft.com/office/powerpoint/2010/main" val="3599128968"/>
+        <p14:creationId xmlns:p14="http://schemas.microsoft.com/office/powerpoint/2010/main" val="1750979938"/>
       </p:ext>
     </p:extLst>
   </p:cSld>
@@ -18081,10 +19013,48 @@
           <a:chExt cx="0" cy="0"/>
         </a:xfrm>
       </p:grpSpPr>
+      <p:sp>
+        <p:nvSpPr>
+          <p:cNvPr id="4" name="文本框 3">
+            <a:extLst>
+              <a:ext uri="{FF2B5EF4-FFF2-40B4-BE49-F238E27FC236}">
+                <a16:creationId xmlns:a16="http://schemas.microsoft.com/office/drawing/2014/main" id="{7EE1C33A-CBBC-884B-A275-BA706E902614}"/>
+              </a:ext>
+            </a:extLst>
+          </p:cNvPr>
+          <p:cNvSpPr txBox="1"/>
+          <p:nvPr/>
+        </p:nvSpPr>
+        <p:spPr>
+          <a:xfrm>
+            <a:off x="4727676" y="2875002"/>
+            <a:ext cx="2736647" cy="1107996"/>
+          </a:xfrm>
+          <a:prstGeom prst="rect">
+            <a:avLst/>
+          </a:prstGeom>
+          <a:noFill/>
+        </p:spPr>
+        <p:txBody>
+          <a:bodyPr wrap="none" rtlCol="0">
+            <a:spAutoFit/>
+          </a:bodyPr>
+          <a:lstStyle/>
+          <a:p>
+            <a:r>
+              <a:rPr kumimoji="1" lang="zh-CN" altLang="en-US" sz="6600" b="1" dirty="0">
+                <a:latin typeface="KaiTi" panose="02010609060101010101" pitchFamily="49" charset="-122"/>
+                <a:ea typeface="KaiTi" panose="02010609060101010101" pitchFamily="49" charset="-122"/>
+              </a:rPr>
+              <a:t>第八章</a:t>
+            </a:r>
+          </a:p>
+        </p:txBody>
+      </p:sp>
     </p:spTree>
     <p:extLst>
       <p:ext uri="{BB962C8B-B14F-4D97-AF65-F5344CB8AC3E}">
-        <p14:creationId xmlns:p14="http://schemas.microsoft.com/office/powerpoint/2010/main" val="1087526569"/>
+        <p14:creationId xmlns:p14="http://schemas.microsoft.com/office/powerpoint/2010/main" val="3085865494"/>
       </p:ext>
     </p:extLst>
   </p:cSld>
@@ -18111,10 +19081,52 @@
           <a:chExt cx="0" cy="0"/>
         </a:xfrm>
       </p:grpSpPr>
+      <p:sp>
+        <p:nvSpPr>
+          <p:cNvPr id="2" name="文本框 1">
+            <a:extLst>
+              <a:ext uri="{FF2B5EF4-FFF2-40B4-BE49-F238E27FC236}">
+                <a16:creationId xmlns:a16="http://schemas.microsoft.com/office/drawing/2014/main" id="{B8FE3241-A077-1D44-BD9B-E45D161C6EF0}"/>
+              </a:ext>
+            </a:extLst>
+          </p:cNvPr>
+          <p:cNvSpPr txBox="1"/>
+          <p:nvPr/>
+        </p:nvSpPr>
+        <p:spPr>
+          <a:xfrm>
+            <a:off x="0" y="0"/>
+            <a:ext cx="942887" cy="523220"/>
+          </a:xfrm>
+          <a:prstGeom prst="rect">
+            <a:avLst/>
+          </a:prstGeom>
+          <a:noFill/>
+        </p:spPr>
+        <p:txBody>
+          <a:bodyPr wrap="none" rtlCol="0">
+            <a:spAutoFit/>
+          </a:bodyPr>
+          <a:lstStyle/>
+          <a:p>
+            <a:r>
+              <a:rPr kumimoji="1" lang="en-US" altLang="zh-CN" sz="2800" dirty="0">
+                <a:latin typeface="Optima" panose="02000503060000020004" pitchFamily="2" charset="0"/>
+                <a:ea typeface="KaiTi" panose="02010609060101010101" pitchFamily="49" charset="-122"/>
+              </a:rPr>
+              <a:t>UDP</a:t>
+            </a:r>
+            <a:endParaRPr kumimoji="1" lang="zh-CN" altLang="en-US" sz="2800" dirty="0">
+              <a:latin typeface="Optima" panose="02000503060000020004" pitchFamily="2" charset="0"/>
+              <a:ea typeface="KaiTi" panose="02010609060101010101" pitchFamily="49" charset="-122"/>
+            </a:endParaRPr>
+          </a:p>
+        </p:txBody>
+      </p:sp>
     </p:spTree>
     <p:extLst>
       <p:ext uri="{BB962C8B-B14F-4D97-AF65-F5344CB8AC3E}">
-        <p14:creationId xmlns:p14="http://schemas.microsoft.com/office/powerpoint/2010/main" val="3220528550"/>
+        <p14:creationId xmlns:p14="http://schemas.microsoft.com/office/powerpoint/2010/main" val="4025056763"/>
       </p:ext>
     </p:extLst>
   </p:cSld>
@@ -18141,10 +19153,308 @@
           <a:chExt cx="0" cy="0"/>
         </a:xfrm>
       </p:grpSpPr>
+      <p:sp>
+        <p:nvSpPr>
+          <p:cNvPr id="2" name="文本框 1">
+            <a:extLst>
+              <a:ext uri="{FF2B5EF4-FFF2-40B4-BE49-F238E27FC236}">
+                <a16:creationId xmlns:a16="http://schemas.microsoft.com/office/drawing/2014/main" id="{3B715A6C-AA2E-4F4D-A7D3-3BF6E64BB70D}"/>
+              </a:ext>
+            </a:extLst>
+          </p:cNvPr>
+          <p:cNvSpPr txBox="1"/>
+          <p:nvPr/>
+        </p:nvSpPr>
+        <p:spPr>
+          <a:xfrm>
+            <a:off x="0" y="0"/>
+            <a:ext cx="942887" cy="523220"/>
+          </a:xfrm>
+          <a:prstGeom prst="rect">
+            <a:avLst/>
+          </a:prstGeom>
+          <a:noFill/>
+        </p:spPr>
+        <p:txBody>
+          <a:bodyPr wrap="none" rtlCol="0">
+            <a:spAutoFit/>
+          </a:bodyPr>
+          <a:lstStyle/>
+          <a:p>
+            <a:r>
+              <a:rPr kumimoji="1" lang="en-US" altLang="zh-CN" sz="2800" dirty="0">
+                <a:latin typeface="Optima" panose="02000503060000020004" pitchFamily="2" charset="0"/>
+                <a:ea typeface="KaiTi" panose="02010609060101010101" pitchFamily="49" charset="-122"/>
+              </a:rPr>
+              <a:t>UDP</a:t>
+            </a:r>
+            <a:endParaRPr kumimoji="1" lang="zh-CN" altLang="en-US" sz="2800" dirty="0">
+              <a:latin typeface="Optima" panose="02000503060000020004" pitchFamily="2" charset="0"/>
+              <a:ea typeface="KaiTi" panose="02010609060101010101" pitchFamily="49" charset="-122"/>
+            </a:endParaRPr>
+          </a:p>
+        </p:txBody>
+      </p:sp>
     </p:spTree>
     <p:extLst>
       <p:ext uri="{BB962C8B-B14F-4D97-AF65-F5344CB8AC3E}">
-        <p14:creationId xmlns:p14="http://schemas.microsoft.com/office/powerpoint/2010/main" val="1111478526"/>
+        <p14:creationId xmlns:p14="http://schemas.microsoft.com/office/powerpoint/2010/main" val="3044340837"/>
+      </p:ext>
+    </p:extLst>
+  </p:cSld>
+  <p:clrMapOvr>
+    <a:masterClrMapping/>
+  </p:clrMapOvr>
+</p:sld>
+</file>
+
+<file path=ppt/slides/slide44.xml><?xml version="1.0" encoding="utf-8"?>
+<p:sld xmlns:a="http://schemas.openxmlformats.org/drawingml/2006/main" xmlns:r="http://schemas.openxmlformats.org/officeDocument/2006/relationships" xmlns:p="http://schemas.openxmlformats.org/presentationml/2006/main">
+  <p:cSld>
+    <p:spTree>
+      <p:nvGrpSpPr>
+        <p:cNvPr id="1" name=""/>
+        <p:cNvGrpSpPr/>
+        <p:nvPr/>
+      </p:nvGrpSpPr>
+      <p:grpSpPr>
+        <a:xfrm>
+          <a:off x="0" y="0"/>
+          <a:ext cx="0" cy="0"/>
+          <a:chOff x="0" y="0"/>
+          <a:chExt cx="0" cy="0"/>
+        </a:xfrm>
+      </p:grpSpPr>
+      <p:sp>
+        <p:nvSpPr>
+          <p:cNvPr id="2" name="文本框 1">
+            <a:extLst>
+              <a:ext uri="{FF2B5EF4-FFF2-40B4-BE49-F238E27FC236}">
+                <a16:creationId xmlns:a16="http://schemas.microsoft.com/office/drawing/2014/main" id="{5BDC4199-156B-9A46-81E1-543D176033D3}"/>
+              </a:ext>
+            </a:extLst>
+          </p:cNvPr>
+          <p:cNvSpPr txBox="1"/>
+          <p:nvPr/>
+        </p:nvSpPr>
+        <p:spPr>
+          <a:xfrm>
+            <a:off x="0" y="0"/>
+            <a:ext cx="1261884" cy="523220"/>
+          </a:xfrm>
+          <a:prstGeom prst="rect">
+            <a:avLst/>
+          </a:prstGeom>
+          <a:noFill/>
+        </p:spPr>
+        <p:txBody>
+          <a:bodyPr wrap="none" rtlCol="0">
+            <a:spAutoFit/>
+          </a:bodyPr>
+          <a:lstStyle/>
+          <a:p>
+            <a:r>
+              <a:rPr kumimoji="1" lang="zh-CN" altLang="en-US" sz="2800" dirty="0">
+                <a:latin typeface="Optima" panose="02000503060000020004" pitchFamily="2" charset="0"/>
+                <a:ea typeface="KaiTi" panose="02010609060101010101" pitchFamily="49" charset="-122"/>
+              </a:rPr>
+              <a:t>半关闭</a:t>
+            </a:r>
+          </a:p>
+        </p:txBody>
+      </p:sp>
+    </p:spTree>
+    <p:extLst>
+      <p:ext uri="{BB962C8B-B14F-4D97-AF65-F5344CB8AC3E}">
+        <p14:creationId xmlns:p14="http://schemas.microsoft.com/office/powerpoint/2010/main" val="1433265735"/>
+      </p:ext>
+    </p:extLst>
+  </p:cSld>
+  <p:clrMapOvr>
+    <a:masterClrMapping/>
+  </p:clrMapOvr>
+</p:sld>
+</file>
+
+<file path=ppt/slides/slide45.xml><?xml version="1.0" encoding="utf-8"?>
+<p:sld xmlns:a="http://schemas.openxmlformats.org/drawingml/2006/main" xmlns:r="http://schemas.openxmlformats.org/officeDocument/2006/relationships" xmlns:p="http://schemas.openxmlformats.org/presentationml/2006/main">
+  <p:cSld>
+    <p:spTree>
+      <p:nvGrpSpPr>
+        <p:cNvPr id="1" name=""/>
+        <p:cNvGrpSpPr/>
+        <p:nvPr/>
+      </p:nvGrpSpPr>
+      <p:grpSpPr>
+        <a:xfrm>
+          <a:off x="0" y="0"/>
+          <a:ext cx="0" cy="0"/>
+          <a:chOff x="0" y="0"/>
+          <a:chExt cx="0" cy="0"/>
+        </a:xfrm>
+      </p:grpSpPr>
+      <p:sp>
+        <p:nvSpPr>
+          <p:cNvPr id="2" name="文本框 1">
+            <a:extLst>
+              <a:ext uri="{FF2B5EF4-FFF2-40B4-BE49-F238E27FC236}">
+                <a16:creationId xmlns:a16="http://schemas.microsoft.com/office/drawing/2014/main" id="{79751A47-41C9-914B-B486-F3190A7837A8}"/>
+              </a:ext>
+            </a:extLst>
+          </p:cNvPr>
+          <p:cNvSpPr txBox="1"/>
+          <p:nvPr/>
+        </p:nvSpPr>
+        <p:spPr>
+          <a:xfrm>
+            <a:off x="0" y="0"/>
+            <a:ext cx="1261884" cy="523220"/>
+          </a:xfrm>
+          <a:prstGeom prst="rect">
+            <a:avLst/>
+          </a:prstGeom>
+          <a:noFill/>
+        </p:spPr>
+        <p:txBody>
+          <a:bodyPr wrap="none" rtlCol="0">
+            <a:spAutoFit/>
+          </a:bodyPr>
+          <a:lstStyle/>
+          <a:p>
+            <a:r>
+              <a:rPr kumimoji="1" lang="zh-CN" altLang="en-US" sz="2800" dirty="0">
+                <a:latin typeface="Optima" panose="02000503060000020004" pitchFamily="2" charset="0"/>
+                <a:ea typeface="KaiTi" panose="02010609060101010101" pitchFamily="49" charset="-122"/>
+              </a:rPr>
+              <a:t>半关闭</a:t>
+            </a:r>
+          </a:p>
+        </p:txBody>
+      </p:sp>
+    </p:spTree>
+    <p:extLst>
+      <p:ext uri="{BB962C8B-B14F-4D97-AF65-F5344CB8AC3E}">
+        <p14:creationId xmlns:p14="http://schemas.microsoft.com/office/powerpoint/2010/main" val="3599128968"/>
+      </p:ext>
+    </p:extLst>
+  </p:cSld>
+  <p:clrMapOvr>
+    <a:masterClrMapping/>
+  </p:clrMapOvr>
+</p:sld>
+</file>
+
+<file path=ppt/slides/slide46.xml><?xml version="1.0" encoding="utf-8"?>
+<p:sld xmlns:a="http://schemas.openxmlformats.org/drawingml/2006/main" xmlns:r="http://schemas.openxmlformats.org/officeDocument/2006/relationships" xmlns:p="http://schemas.openxmlformats.org/presentationml/2006/main">
+  <p:cSld>
+    <p:spTree>
+      <p:nvGrpSpPr>
+        <p:cNvPr id="1" name=""/>
+        <p:cNvGrpSpPr/>
+        <p:nvPr/>
+      </p:nvGrpSpPr>
+      <p:grpSpPr>
+        <a:xfrm>
+          <a:off x="0" y="0"/>
+          <a:ext cx="0" cy="0"/>
+          <a:chOff x="0" y="0"/>
+          <a:chExt cx="0" cy="0"/>
+        </a:xfrm>
+      </p:grpSpPr>
+    </p:spTree>
+    <p:extLst>
+      <p:ext uri="{BB962C8B-B14F-4D97-AF65-F5344CB8AC3E}">
+        <p14:creationId xmlns:p14="http://schemas.microsoft.com/office/powerpoint/2010/main" val="3907678705"/>
+      </p:ext>
+    </p:extLst>
+  </p:cSld>
+  <p:clrMapOvr>
+    <a:masterClrMapping/>
+  </p:clrMapOvr>
+</p:sld>
+</file>
+
+<file path=ppt/slides/slide47.xml><?xml version="1.0" encoding="utf-8"?>
+<p:sld xmlns:a="http://schemas.openxmlformats.org/drawingml/2006/main" xmlns:r="http://schemas.openxmlformats.org/officeDocument/2006/relationships" xmlns:p="http://schemas.openxmlformats.org/presentationml/2006/main">
+  <p:cSld>
+    <p:spTree>
+      <p:nvGrpSpPr>
+        <p:cNvPr id="1" name=""/>
+        <p:cNvGrpSpPr/>
+        <p:nvPr/>
+      </p:nvGrpSpPr>
+      <p:grpSpPr>
+        <a:xfrm>
+          <a:off x="0" y="0"/>
+          <a:ext cx="0" cy="0"/>
+          <a:chOff x="0" y="0"/>
+          <a:chExt cx="0" cy="0"/>
+        </a:xfrm>
+      </p:grpSpPr>
+    </p:spTree>
+    <p:extLst>
+      <p:ext uri="{BB962C8B-B14F-4D97-AF65-F5344CB8AC3E}">
+        <p14:creationId xmlns:p14="http://schemas.microsoft.com/office/powerpoint/2010/main" val="87555298"/>
+      </p:ext>
+    </p:extLst>
+  </p:cSld>
+  <p:clrMapOvr>
+    <a:masterClrMapping/>
+  </p:clrMapOvr>
+</p:sld>
+</file>
+
+<file path=ppt/slides/slide48.xml><?xml version="1.0" encoding="utf-8"?>
+<p:sld xmlns:a="http://schemas.openxmlformats.org/drawingml/2006/main" xmlns:r="http://schemas.openxmlformats.org/officeDocument/2006/relationships" xmlns:p="http://schemas.openxmlformats.org/presentationml/2006/main">
+  <p:cSld>
+    <p:spTree>
+      <p:nvGrpSpPr>
+        <p:cNvPr id="1" name=""/>
+        <p:cNvGrpSpPr/>
+        <p:nvPr/>
+      </p:nvGrpSpPr>
+      <p:grpSpPr>
+        <a:xfrm>
+          <a:off x="0" y="0"/>
+          <a:ext cx="0" cy="0"/>
+          <a:chOff x="0" y="0"/>
+          <a:chExt cx="0" cy="0"/>
+        </a:xfrm>
+      </p:grpSpPr>
+    </p:spTree>
+    <p:extLst>
+      <p:ext uri="{BB962C8B-B14F-4D97-AF65-F5344CB8AC3E}">
+        <p14:creationId xmlns:p14="http://schemas.microsoft.com/office/powerpoint/2010/main" val="1120323741"/>
+      </p:ext>
+    </p:extLst>
+  </p:cSld>
+  <p:clrMapOvr>
+    <a:masterClrMapping/>
+  </p:clrMapOvr>
+</p:sld>
+</file>
+
+<file path=ppt/slides/slide49.xml><?xml version="1.0" encoding="utf-8"?>
+<p:sld xmlns:a="http://schemas.openxmlformats.org/drawingml/2006/main" xmlns:r="http://schemas.openxmlformats.org/officeDocument/2006/relationships" xmlns:p="http://schemas.openxmlformats.org/presentationml/2006/main">
+  <p:cSld>
+    <p:spTree>
+      <p:nvGrpSpPr>
+        <p:cNvPr id="1" name=""/>
+        <p:cNvGrpSpPr/>
+        <p:nvPr/>
+      </p:nvGrpSpPr>
+      <p:grpSpPr>
+        <a:xfrm>
+          <a:off x="0" y="0"/>
+          <a:ext cx="0" cy="0"/>
+          <a:chOff x="0" y="0"/>
+          <a:chExt cx="0" cy="0"/>
+        </a:xfrm>
+      </p:grpSpPr>
+    </p:spTree>
+    <p:extLst>
+      <p:ext uri="{BB962C8B-B14F-4D97-AF65-F5344CB8AC3E}">
+        <p14:creationId xmlns:p14="http://schemas.microsoft.com/office/powerpoint/2010/main" val="281831124"/>
       </p:ext>
     </p:extLst>
   </p:cSld>
@@ -18222,6 +19532,306 @@
 </p:sld>
 </file>
 
+<file path=ppt/slides/slide50.xml><?xml version="1.0" encoding="utf-8"?>
+<p:sld xmlns:a="http://schemas.openxmlformats.org/drawingml/2006/main" xmlns:r="http://schemas.openxmlformats.org/officeDocument/2006/relationships" xmlns:p="http://schemas.openxmlformats.org/presentationml/2006/main">
+  <p:cSld>
+    <p:spTree>
+      <p:nvGrpSpPr>
+        <p:cNvPr id="1" name=""/>
+        <p:cNvGrpSpPr/>
+        <p:nvPr/>
+      </p:nvGrpSpPr>
+      <p:grpSpPr>
+        <a:xfrm>
+          <a:off x="0" y="0"/>
+          <a:ext cx="0" cy="0"/>
+          <a:chOff x="0" y="0"/>
+          <a:chExt cx="0" cy="0"/>
+        </a:xfrm>
+      </p:grpSpPr>
+    </p:spTree>
+    <p:extLst>
+      <p:ext uri="{BB962C8B-B14F-4D97-AF65-F5344CB8AC3E}">
+        <p14:creationId xmlns:p14="http://schemas.microsoft.com/office/powerpoint/2010/main" val="3140987906"/>
+      </p:ext>
+    </p:extLst>
+  </p:cSld>
+  <p:clrMapOvr>
+    <a:masterClrMapping/>
+  </p:clrMapOvr>
+</p:sld>
+</file>
+
+<file path=ppt/slides/slide51.xml><?xml version="1.0" encoding="utf-8"?>
+<p:sld xmlns:a="http://schemas.openxmlformats.org/drawingml/2006/main" xmlns:r="http://schemas.openxmlformats.org/officeDocument/2006/relationships" xmlns:p="http://schemas.openxmlformats.org/presentationml/2006/main">
+  <p:cSld>
+    <p:spTree>
+      <p:nvGrpSpPr>
+        <p:cNvPr id="1" name=""/>
+        <p:cNvGrpSpPr/>
+        <p:nvPr/>
+      </p:nvGrpSpPr>
+      <p:grpSpPr>
+        <a:xfrm>
+          <a:off x="0" y="0"/>
+          <a:ext cx="0" cy="0"/>
+          <a:chOff x="0" y="0"/>
+          <a:chExt cx="0" cy="0"/>
+        </a:xfrm>
+      </p:grpSpPr>
+    </p:spTree>
+    <p:extLst>
+      <p:ext uri="{BB962C8B-B14F-4D97-AF65-F5344CB8AC3E}">
+        <p14:creationId xmlns:p14="http://schemas.microsoft.com/office/powerpoint/2010/main" val="4267687937"/>
+      </p:ext>
+    </p:extLst>
+  </p:cSld>
+  <p:clrMapOvr>
+    <a:masterClrMapping/>
+  </p:clrMapOvr>
+</p:sld>
+</file>
+
+<file path=ppt/slides/slide52.xml><?xml version="1.0" encoding="utf-8"?>
+<p:sld xmlns:a="http://schemas.openxmlformats.org/drawingml/2006/main" xmlns:r="http://schemas.openxmlformats.org/officeDocument/2006/relationships" xmlns:p="http://schemas.openxmlformats.org/presentationml/2006/main">
+  <p:cSld>
+    <p:spTree>
+      <p:nvGrpSpPr>
+        <p:cNvPr id="1" name=""/>
+        <p:cNvGrpSpPr/>
+        <p:nvPr/>
+      </p:nvGrpSpPr>
+      <p:grpSpPr>
+        <a:xfrm>
+          <a:off x="0" y="0"/>
+          <a:ext cx="0" cy="0"/>
+          <a:chOff x="0" y="0"/>
+          <a:chExt cx="0" cy="0"/>
+        </a:xfrm>
+      </p:grpSpPr>
+    </p:spTree>
+    <p:extLst>
+      <p:ext uri="{BB962C8B-B14F-4D97-AF65-F5344CB8AC3E}">
+        <p14:creationId xmlns:p14="http://schemas.microsoft.com/office/powerpoint/2010/main" val="2028959255"/>
+      </p:ext>
+    </p:extLst>
+  </p:cSld>
+  <p:clrMapOvr>
+    <a:masterClrMapping/>
+  </p:clrMapOvr>
+</p:sld>
+</file>
+
+<file path=ppt/slides/slide53.xml><?xml version="1.0" encoding="utf-8"?>
+<p:sld xmlns:a="http://schemas.openxmlformats.org/drawingml/2006/main" xmlns:r="http://schemas.openxmlformats.org/officeDocument/2006/relationships" xmlns:p="http://schemas.openxmlformats.org/presentationml/2006/main">
+  <p:cSld>
+    <p:spTree>
+      <p:nvGrpSpPr>
+        <p:cNvPr id="1" name=""/>
+        <p:cNvGrpSpPr/>
+        <p:nvPr/>
+      </p:nvGrpSpPr>
+      <p:grpSpPr>
+        <a:xfrm>
+          <a:off x="0" y="0"/>
+          <a:ext cx="0" cy="0"/>
+          <a:chOff x="0" y="0"/>
+          <a:chExt cx="0" cy="0"/>
+        </a:xfrm>
+      </p:grpSpPr>
+    </p:spTree>
+    <p:extLst>
+      <p:ext uri="{BB962C8B-B14F-4D97-AF65-F5344CB8AC3E}">
+        <p14:creationId xmlns:p14="http://schemas.microsoft.com/office/powerpoint/2010/main" val="4126022717"/>
+      </p:ext>
+    </p:extLst>
+  </p:cSld>
+  <p:clrMapOvr>
+    <a:masterClrMapping/>
+  </p:clrMapOvr>
+</p:sld>
+</file>
+
+<file path=ppt/slides/slide54.xml><?xml version="1.0" encoding="utf-8"?>
+<p:sld xmlns:a="http://schemas.openxmlformats.org/drawingml/2006/main" xmlns:r="http://schemas.openxmlformats.org/officeDocument/2006/relationships" xmlns:p="http://schemas.openxmlformats.org/presentationml/2006/main">
+  <p:cSld>
+    <p:spTree>
+      <p:nvGrpSpPr>
+        <p:cNvPr id="1" name=""/>
+        <p:cNvGrpSpPr/>
+        <p:nvPr/>
+      </p:nvGrpSpPr>
+      <p:grpSpPr>
+        <a:xfrm>
+          <a:off x="0" y="0"/>
+          <a:ext cx="0" cy="0"/>
+          <a:chOff x="0" y="0"/>
+          <a:chExt cx="0" cy="0"/>
+        </a:xfrm>
+      </p:grpSpPr>
+    </p:spTree>
+    <p:extLst>
+      <p:ext uri="{BB962C8B-B14F-4D97-AF65-F5344CB8AC3E}">
+        <p14:creationId xmlns:p14="http://schemas.microsoft.com/office/powerpoint/2010/main" val="2608180271"/>
+      </p:ext>
+    </p:extLst>
+  </p:cSld>
+  <p:clrMapOvr>
+    <a:masterClrMapping/>
+  </p:clrMapOvr>
+</p:sld>
+</file>
+
+<file path=ppt/slides/slide55.xml><?xml version="1.0" encoding="utf-8"?>
+<p:sld xmlns:a="http://schemas.openxmlformats.org/drawingml/2006/main" xmlns:r="http://schemas.openxmlformats.org/officeDocument/2006/relationships" xmlns:p="http://schemas.openxmlformats.org/presentationml/2006/main">
+  <p:cSld>
+    <p:spTree>
+      <p:nvGrpSpPr>
+        <p:cNvPr id="1" name=""/>
+        <p:cNvGrpSpPr/>
+        <p:nvPr/>
+      </p:nvGrpSpPr>
+      <p:grpSpPr>
+        <a:xfrm>
+          <a:off x="0" y="0"/>
+          <a:ext cx="0" cy="0"/>
+          <a:chOff x="0" y="0"/>
+          <a:chExt cx="0" cy="0"/>
+        </a:xfrm>
+      </p:grpSpPr>
+    </p:spTree>
+    <p:extLst>
+      <p:ext uri="{BB962C8B-B14F-4D97-AF65-F5344CB8AC3E}">
+        <p14:creationId xmlns:p14="http://schemas.microsoft.com/office/powerpoint/2010/main" val="1757909585"/>
+      </p:ext>
+    </p:extLst>
+  </p:cSld>
+  <p:clrMapOvr>
+    <a:masterClrMapping/>
+  </p:clrMapOvr>
+</p:sld>
+</file>
+
+<file path=ppt/slides/slide56.xml><?xml version="1.0" encoding="utf-8"?>
+<p:sld xmlns:a="http://schemas.openxmlformats.org/drawingml/2006/main" xmlns:r="http://schemas.openxmlformats.org/officeDocument/2006/relationships" xmlns:p="http://schemas.openxmlformats.org/presentationml/2006/main">
+  <p:cSld>
+    <p:spTree>
+      <p:nvGrpSpPr>
+        <p:cNvPr id="1" name=""/>
+        <p:cNvGrpSpPr/>
+        <p:nvPr/>
+      </p:nvGrpSpPr>
+      <p:grpSpPr>
+        <a:xfrm>
+          <a:off x="0" y="0"/>
+          <a:ext cx="0" cy="0"/>
+          <a:chOff x="0" y="0"/>
+          <a:chExt cx="0" cy="0"/>
+        </a:xfrm>
+      </p:grpSpPr>
+    </p:spTree>
+    <p:extLst>
+      <p:ext uri="{BB962C8B-B14F-4D97-AF65-F5344CB8AC3E}">
+        <p14:creationId xmlns:p14="http://schemas.microsoft.com/office/powerpoint/2010/main" val="1989826516"/>
+      </p:ext>
+    </p:extLst>
+  </p:cSld>
+  <p:clrMapOvr>
+    <a:masterClrMapping/>
+  </p:clrMapOvr>
+</p:sld>
+</file>
+
+<file path=ppt/slides/slide57.xml><?xml version="1.0" encoding="utf-8"?>
+<p:sld xmlns:a="http://schemas.openxmlformats.org/drawingml/2006/main" xmlns:r="http://schemas.openxmlformats.org/officeDocument/2006/relationships" xmlns:p="http://schemas.openxmlformats.org/presentationml/2006/main">
+  <p:cSld>
+    <p:spTree>
+      <p:nvGrpSpPr>
+        <p:cNvPr id="1" name=""/>
+        <p:cNvGrpSpPr/>
+        <p:nvPr/>
+      </p:nvGrpSpPr>
+      <p:grpSpPr>
+        <a:xfrm>
+          <a:off x="0" y="0"/>
+          <a:ext cx="0" cy="0"/>
+          <a:chOff x="0" y="0"/>
+          <a:chExt cx="0" cy="0"/>
+        </a:xfrm>
+      </p:grpSpPr>
+    </p:spTree>
+    <p:extLst>
+      <p:ext uri="{BB962C8B-B14F-4D97-AF65-F5344CB8AC3E}">
+        <p14:creationId xmlns:p14="http://schemas.microsoft.com/office/powerpoint/2010/main" val="4004623760"/>
+      </p:ext>
+    </p:extLst>
+  </p:cSld>
+  <p:clrMapOvr>
+    <a:masterClrMapping/>
+  </p:clrMapOvr>
+</p:sld>
+</file>
+
+<file path=ppt/slides/slide58.xml><?xml version="1.0" encoding="utf-8"?>
+<p:sld xmlns:a="http://schemas.openxmlformats.org/drawingml/2006/main" xmlns:r="http://schemas.openxmlformats.org/officeDocument/2006/relationships" xmlns:p="http://schemas.openxmlformats.org/presentationml/2006/main">
+  <p:cSld>
+    <p:spTree>
+      <p:nvGrpSpPr>
+        <p:cNvPr id="1" name=""/>
+        <p:cNvGrpSpPr/>
+        <p:nvPr/>
+      </p:nvGrpSpPr>
+      <p:grpSpPr>
+        <a:xfrm>
+          <a:off x="0" y="0"/>
+          <a:ext cx="0" cy="0"/>
+          <a:chOff x="0" y="0"/>
+          <a:chExt cx="0" cy="0"/>
+        </a:xfrm>
+      </p:grpSpPr>
+    </p:spTree>
+    <p:extLst>
+      <p:ext uri="{BB962C8B-B14F-4D97-AF65-F5344CB8AC3E}">
+        <p14:creationId xmlns:p14="http://schemas.microsoft.com/office/powerpoint/2010/main" val="1050037199"/>
+      </p:ext>
+    </p:extLst>
+  </p:cSld>
+  <p:clrMapOvr>
+    <a:masterClrMapping/>
+  </p:clrMapOvr>
+</p:sld>
+</file>
+
+<file path=ppt/slides/slide59.xml><?xml version="1.0" encoding="utf-8"?>
+<p:sld xmlns:a="http://schemas.openxmlformats.org/drawingml/2006/main" xmlns:r="http://schemas.openxmlformats.org/officeDocument/2006/relationships" xmlns:p="http://schemas.openxmlformats.org/presentationml/2006/main">
+  <p:cSld>
+    <p:spTree>
+      <p:nvGrpSpPr>
+        <p:cNvPr id="1" name=""/>
+        <p:cNvGrpSpPr/>
+        <p:nvPr/>
+      </p:nvGrpSpPr>
+      <p:grpSpPr>
+        <a:xfrm>
+          <a:off x="0" y="0"/>
+          <a:ext cx="0" cy="0"/>
+          <a:chOff x="0" y="0"/>
+          <a:chExt cx="0" cy="0"/>
+        </a:xfrm>
+      </p:grpSpPr>
+    </p:spTree>
+    <p:extLst>
+      <p:ext uri="{BB962C8B-B14F-4D97-AF65-F5344CB8AC3E}">
+        <p14:creationId xmlns:p14="http://schemas.microsoft.com/office/powerpoint/2010/main" val="3770447494"/>
+      </p:ext>
+    </p:extLst>
+  </p:cSld>
+  <p:clrMapOvr>
+    <a:masterClrMapping/>
+  </p:clrMapOvr>
+</p:sld>
+</file>
+
 <file path=ppt/slides/slide6.xml><?xml version="1.0" encoding="utf-8"?>
 <p:sld xmlns:a="http://schemas.openxmlformats.org/drawingml/2006/main" xmlns:r="http://schemas.openxmlformats.org/officeDocument/2006/relationships" xmlns:p="http://schemas.openxmlformats.org/presentationml/2006/main">
   <p:cSld>
@@ -18409,6 +20019,126 @@
     <p:extLst>
       <p:ext uri="{BB962C8B-B14F-4D97-AF65-F5344CB8AC3E}">
         <p14:creationId xmlns:p14="http://schemas.microsoft.com/office/powerpoint/2010/main" val="1088296936"/>
+      </p:ext>
+    </p:extLst>
+  </p:cSld>
+  <p:clrMapOvr>
+    <a:masterClrMapping/>
+  </p:clrMapOvr>
+</p:sld>
+</file>
+
+<file path=ppt/slides/slide60.xml><?xml version="1.0" encoding="utf-8"?>
+<p:sld xmlns:a="http://schemas.openxmlformats.org/drawingml/2006/main" xmlns:r="http://schemas.openxmlformats.org/officeDocument/2006/relationships" xmlns:p="http://schemas.openxmlformats.org/presentationml/2006/main">
+  <p:cSld>
+    <p:spTree>
+      <p:nvGrpSpPr>
+        <p:cNvPr id="1" name=""/>
+        <p:cNvGrpSpPr/>
+        <p:nvPr/>
+      </p:nvGrpSpPr>
+      <p:grpSpPr>
+        <a:xfrm>
+          <a:off x="0" y="0"/>
+          <a:ext cx="0" cy="0"/>
+          <a:chOff x="0" y="0"/>
+          <a:chExt cx="0" cy="0"/>
+        </a:xfrm>
+      </p:grpSpPr>
+    </p:spTree>
+    <p:extLst>
+      <p:ext uri="{BB962C8B-B14F-4D97-AF65-F5344CB8AC3E}">
+        <p14:creationId xmlns:p14="http://schemas.microsoft.com/office/powerpoint/2010/main" val="3855783287"/>
+      </p:ext>
+    </p:extLst>
+  </p:cSld>
+  <p:clrMapOvr>
+    <a:masterClrMapping/>
+  </p:clrMapOvr>
+</p:sld>
+</file>
+
+<file path=ppt/slides/slide61.xml><?xml version="1.0" encoding="utf-8"?>
+<p:sld xmlns:a="http://schemas.openxmlformats.org/drawingml/2006/main" xmlns:r="http://schemas.openxmlformats.org/officeDocument/2006/relationships" xmlns:p="http://schemas.openxmlformats.org/presentationml/2006/main">
+  <p:cSld>
+    <p:spTree>
+      <p:nvGrpSpPr>
+        <p:cNvPr id="1" name=""/>
+        <p:cNvGrpSpPr/>
+        <p:nvPr/>
+      </p:nvGrpSpPr>
+      <p:grpSpPr>
+        <a:xfrm>
+          <a:off x="0" y="0"/>
+          <a:ext cx="0" cy="0"/>
+          <a:chOff x="0" y="0"/>
+          <a:chExt cx="0" cy="0"/>
+        </a:xfrm>
+      </p:grpSpPr>
+    </p:spTree>
+    <p:extLst>
+      <p:ext uri="{BB962C8B-B14F-4D97-AF65-F5344CB8AC3E}">
+        <p14:creationId xmlns:p14="http://schemas.microsoft.com/office/powerpoint/2010/main" val="1087526569"/>
+      </p:ext>
+    </p:extLst>
+  </p:cSld>
+  <p:clrMapOvr>
+    <a:masterClrMapping/>
+  </p:clrMapOvr>
+</p:sld>
+</file>
+
+<file path=ppt/slides/slide62.xml><?xml version="1.0" encoding="utf-8"?>
+<p:sld xmlns:a="http://schemas.openxmlformats.org/drawingml/2006/main" xmlns:r="http://schemas.openxmlformats.org/officeDocument/2006/relationships" xmlns:p="http://schemas.openxmlformats.org/presentationml/2006/main">
+  <p:cSld>
+    <p:spTree>
+      <p:nvGrpSpPr>
+        <p:cNvPr id="1" name=""/>
+        <p:cNvGrpSpPr/>
+        <p:nvPr/>
+      </p:nvGrpSpPr>
+      <p:grpSpPr>
+        <a:xfrm>
+          <a:off x="0" y="0"/>
+          <a:ext cx="0" cy="0"/>
+          <a:chOff x="0" y="0"/>
+          <a:chExt cx="0" cy="0"/>
+        </a:xfrm>
+      </p:grpSpPr>
+    </p:spTree>
+    <p:extLst>
+      <p:ext uri="{BB962C8B-B14F-4D97-AF65-F5344CB8AC3E}">
+        <p14:creationId xmlns:p14="http://schemas.microsoft.com/office/powerpoint/2010/main" val="3220528550"/>
+      </p:ext>
+    </p:extLst>
+  </p:cSld>
+  <p:clrMapOvr>
+    <a:masterClrMapping/>
+  </p:clrMapOvr>
+</p:sld>
+</file>
+
+<file path=ppt/slides/slide63.xml><?xml version="1.0" encoding="utf-8"?>
+<p:sld xmlns:a="http://schemas.openxmlformats.org/drawingml/2006/main" xmlns:r="http://schemas.openxmlformats.org/officeDocument/2006/relationships" xmlns:p="http://schemas.openxmlformats.org/presentationml/2006/main">
+  <p:cSld>
+    <p:spTree>
+      <p:nvGrpSpPr>
+        <p:cNvPr id="1" name=""/>
+        <p:cNvGrpSpPr/>
+        <p:nvPr/>
+      </p:nvGrpSpPr>
+      <p:grpSpPr>
+        <a:xfrm>
+          <a:off x="0" y="0"/>
+          <a:ext cx="0" cy="0"/>
+          <a:chOff x="0" y="0"/>
+          <a:chExt cx="0" cy="0"/>
+        </a:xfrm>
+      </p:grpSpPr>
+    </p:spTree>
+    <p:extLst>
+      <p:ext uri="{BB962C8B-B14F-4D97-AF65-F5344CB8AC3E}">
+        <p14:creationId xmlns:p14="http://schemas.microsoft.com/office/powerpoint/2010/main" val="1111478526"/>
       </p:ext>
     </p:extLst>
   </p:cSld>
